--- a/draft-gandhi-spring-twamp-srpm-07.pptx
+++ b/draft-gandhi-spring-twamp-srpm-07.pptx
@@ -2637,7 +2637,7 @@
               </a14:hiddenLine>
             </a:ext>
             <a:ext uri="{FAA26D3D-D897-4be2-8F04-BA451C77F1D7}">
-              <ma14:placeholderFlag xmlns="" xmlns:ma14="http://schemas.microsoft.com/office/mac/drawingml/2011/main" val="1"/>
+              <ma14:placeholderFlag xmlns:ma14="http://schemas.microsoft.com/office/mac/drawingml/2011/main" xmlns="" val="1"/>
             </a:ext>
           </a:extLst>
         </p:spPr>
@@ -6789,7 +6789,7 @@
           <a:p>
             <a:r>
               <a:rPr lang="en-US" sz="2400" dirty="0"/>
-              <a:t>Ready </a:t>
+              <a:t>In </a:t>
             </a:r>
             <a:r>
               <a:rPr lang="en-US" sz="2400" dirty="0">
@@ -6797,7 +6797,7 @@
                 <a:ea typeface="Calibri" charset="0"/>
                 <a:cs typeface="Calibri" charset="0"/>
               </a:rPr>
-              <a:t>for WG adoption (SPRING WG)</a:t>
+              <a:t>WG adoption (SPRING WG) queue</a:t>
             </a:r>
           </a:p>
           <a:p>
@@ -10119,7 +10119,7 @@
         </p:nvSpPr>
         <p:spPr>
           <a:xfrm>
-            <a:off x="4539343" y="666750"/>
+            <a:off x="4495800" y="666750"/>
             <a:ext cx="4368799" cy="3785652"/>
           </a:xfrm>
           <a:prstGeom prst="rect">
@@ -11078,7 +11078,7 @@
         </p:nvCxnSpPr>
         <p:spPr>
           <a:xfrm>
-            <a:off x="4651233" y="666750"/>
+            <a:off x="4648200" y="666750"/>
             <a:ext cx="0" cy="3785652"/>
           </a:xfrm>
           <a:prstGeom prst="line">
@@ -12070,12 +12070,12 @@
             </a:r>
             <a:r>
               <a:rPr lang="en-CA" sz="1200" dirty="0"/>
-              <a:t>Applicability of STAMP – Confirm STAMP support</a:t>
+              <a:t>Applicability of STAMP – STAMP is supported</a:t>
             </a:r>
             <a:endParaRPr lang="en-US" sz="1200" dirty="0"/>
           </a:p>
           <a:p>
-            <a:pPr lvl="1"/>
+            <a:pPr lvl="2"/>
             <a:r>
               <a:rPr lang="en-US" sz="1200" dirty="0"/>
               <a:t>Draft contained STAMP TLV extensions (Return Path TLV) (</a:t>
@@ -12096,7 +12096,7 @@
             <a:pPr lvl="1"/>
             <a:r>
               <a:rPr lang="en-US" sz="1200" dirty="0"/>
-              <a:t>Revision-02 updates contained a separate section to include STAMP support (</a:t>
+              <a:t>Revision-02 updates contained a section to include STAMP support (</a:t>
             </a:r>
             <a:r>
               <a:rPr lang="en-CA" sz="1200" dirty="0"/>
@@ -12117,14 +12117,14 @@
             <a:pPr lvl="1"/>
             <a:r>
               <a:rPr lang="en-US" sz="1200" dirty="0"/>
+              <a:t>SPRING Chairs announced in the meeting the agreement with IPPM chairs to progress the draft in SPRING WG</a:t>
+            </a:r>
+          </a:p>
+          <a:p>
+            <a:pPr lvl="1"/>
+            <a:r>
+              <a:rPr lang="en-US" sz="1200" dirty="0"/>
               <a:t>Presented revision-04 at IETF 106 Singapore in SPRING WG</a:t>
-            </a:r>
-          </a:p>
-          <a:p>
-            <a:pPr lvl="1"/>
-            <a:r>
-              <a:rPr lang="en-US" sz="1200" dirty="0"/>
-              <a:t>SPRING Chairs announced in the meeting the agreement with IPPM chairs to progress the draft in SPRING WG</a:t>
             </a:r>
           </a:p>
           <a:p>
@@ -13005,8 +13005,8 @@
         </p:nvSpPr>
         <p:spPr>
           <a:xfrm>
-            <a:off x="609600" y="971550"/>
-            <a:ext cx="7924800" cy="3124200"/>
+            <a:off x="443948" y="857250"/>
+            <a:ext cx="8319052" cy="3124200"/>
           </a:xfrm>
         </p:spPr>
         <p:txBody>
@@ -13107,7 +13107,7 @@
             </a:pPr>
             <a:r>
               <a:rPr lang="en-US" sz="1800" dirty="0"/>
-              <a:t>E.g. using Return Path TLV for STAMP from the probe query message</a:t>
+              <a:t>Optionally, using Return Path TLV for STAMP from the probe query message</a:t>
             </a:r>
           </a:p>
           <a:p>
@@ -13421,8 +13421,8 @@
         </p:nvSpPr>
         <p:spPr>
           <a:xfrm>
-            <a:off x="152400" y="1220774"/>
-            <a:ext cx="3841595" cy="2062103"/>
+            <a:off x="304800" y="1047750"/>
+            <a:ext cx="3657600" cy="2554545"/>
           </a:xfrm>
           <a:prstGeom prst="rect">
             <a:avLst/>
@@ -13507,6 +13507,26 @@
                 <a:cs typeface="Consolas" panose="020B0609020204030204" pitchFamily="49" charset="0"/>
               </a:rPr>
               <a:t>The reflector node SHOULD NOT send response if it is not the intended destination node of the probe query message.</a:t>
+            </a:r>
+          </a:p>
+          <a:p>
+            <a:pPr marL="285750" indent="-285750">
+              <a:spcAft>
+                <a:spcPts val="0"/>
+              </a:spcAft>
+              <a:buFont typeface="Arial" panose="020B0604020202020204" pitchFamily="34" charset="0"/>
+              <a:buChar char="•"/>
+            </a:pPr>
+            <a:r>
+              <a:rPr lang="en-CA" sz="1600" dirty="0">
+                <a:solidFill>
+                  <a:schemeClr val="tx2"/>
+                </a:solidFill>
+                <a:latin typeface="Calibri" panose="020F0502020204030204" pitchFamily="34" charset="0"/>
+                <a:ea typeface="Calibri" panose="020F0502020204030204" pitchFamily="34" charset="0"/>
+                <a:cs typeface="Consolas" panose="020B0609020204030204" pitchFamily="49" charset="0"/>
+              </a:rPr>
+              <a:t>Useful when probe query is sent with 127/8 destination address.</a:t>
             </a:r>
           </a:p>
         </p:txBody>
@@ -13936,12 +13956,24 @@
         <p:spPr>
           <a:xfrm>
             <a:off x="152400" y="1133255"/>
-            <a:ext cx="4114800" cy="2818149"/>
+            <a:ext cx="4114800" cy="3038695"/>
           </a:xfrm>
         </p:spPr>
         <p:txBody>
           <a:bodyPr/>
           <a:lstStyle/>
+          <a:p>
+            <a:pPr marL="0" indent="0">
+              <a:spcBef>
+                <a:spcPts val="600"/>
+              </a:spcBef>
+              <a:buNone/>
+            </a:pPr>
+            <a:r>
+              <a:rPr lang="en-CA" sz="1400" dirty="0"/>
+              <a:t>Sub-TLVs:</a:t>
+            </a:r>
+          </a:p>
           <a:p>
             <a:pPr>
               <a:spcBef>

--- a/draft-gandhi-spring-twamp-srpm-07.pptx
+++ b/draft-gandhi-spring-twamp-srpm-07.pptx
@@ -2637,7 +2637,7 @@
               </a14:hiddenLine>
             </a:ext>
             <a:ext uri="{FAA26D3D-D897-4be2-8F04-BA451C77F1D7}">
-              <ma14:placeholderFlag xmlns:ma14="http://schemas.microsoft.com/office/mac/drawingml/2011/main" xmlns="" val="1"/>
+              <ma14:placeholderFlag xmlns="" xmlns:ma14="http://schemas.microsoft.com/office/mac/drawingml/2011/main" val="1"/>
             </a:ext>
           </a:extLst>
         </p:spPr>
@@ -6374,8 +6374,8 @@
         </p:nvSpPr>
         <p:spPr bwMode="auto">
           <a:xfrm>
-            <a:off x="228600" y="1200150"/>
-            <a:ext cx="4343400" cy="3243358"/>
+            <a:off x="228600" y="1200149"/>
+            <a:ext cx="4343400" cy="3483769"/>
           </a:xfrm>
           <a:prstGeom prst="rect">
             <a:avLst/>
@@ -6599,7 +6599,7 @@
                   <a:srgbClr val="7030A0"/>
                 </a:solidFill>
               </a:rPr>
-              <a:t>Corresponding LM messages defined for STAMP [</a:t>
+              <a:t>Similar LM messages defined for STAMP [</a:t>
             </a:r>
             <a:r>
               <a:rPr lang="en-CA" sz="1600" dirty="0">
@@ -11752,7 +11752,7 @@
             </a:pPr>
             <a:r>
               <a:rPr lang="en-US" sz="1400" dirty="0"/>
-              <a:t>RFC 5357 (TWAMP) defined probe messages – TWAMP Light</a:t>
+              <a:t>RFC 5357 (TWAMP) defined probe messages - TWAMP Light</a:t>
             </a:r>
           </a:p>
           <a:p>
@@ -12078,7 +12078,7 @@
             <a:pPr lvl="2"/>
             <a:r>
               <a:rPr lang="en-US" sz="1200" dirty="0"/>
-              <a:t>Draft contained STAMP TLV extensions (Return Path TLV) (</a:t>
+              <a:t>Draft contained STAMP TLV extensions (Return Path TLV) (Section </a:t>
             </a:r>
             <a:r>
               <a:rPr lang="en-CA" sz="1200" dirty="0"/>
@@ -12096,7 +12096,7 @@
             <a:pPr lvl="1"/>
             <a:r>
               <a:rPr lang="en-US" sz="1200" dirty="0"/>
-              <a:t>Revision-02 updates contained a section to include STAMP support (</a:t>
+              <a:t>Revision-02 updates contained a section to include STAMP support (Section </a:t>
             </a:r>
             <a:r>
               <a:rPr lang="en-CA" sz="1200" dirty="0"/>
@@ -12108,6 +12108,13 @@
             </a:r>
           </a:p>
           <a:p>
+            <a:pPr lvl="1"/>
+            <a:r>
+              <a:rPr lang="en-US" sz="1200" dirty="0"/>
+              <a:t>Revision-02 (Section 3.2. STAMP Applicability) includes the loss measurement message formats for STAMP</a:t>
+            </a:r>
+          </a:p>
+          <a:p>
             <a:r>
               <a:rPr lang="en-US" sz="1200" dirty="0"/>
               <a:t>Nov 2019</a:t>
@@ -12116,7 +12123,7 @@
           <a:p>
             <a:pPr lvl="1"/>
             <a:r>
-              <a:rPr lang="en-US" sz="1200" dirty="0"/>
+              <a:rPr lang="en-US" sz="1200" b="1" dirty="0"/>
               <a:t>SPRING Chairs announced in the meeting the agreement with IPPM chairs to progress the draft in SPRING WG</a:t>
             </a:r>
           </a:p>
@@ -12888,6 +12895,50 @@
                 <a:cs typeface="Calibri" panose="020F0502020204030204" pitchFamily="34" charset="0"/>
               </a:rPr>
               <a:t>Indicates that the operation failed because the received query message could not be processed.</a:t>
+            </a:r>
+          </a:p>
+        </p:txBody>
+      </p:sp>
+      <p:sp>
+        <p:nvSpPr>
+          <p:cNvPr id="6" name="TextBox 5">
+            <a:extLst>
+              <a:ext uri="{FF2B5EF4-FFF2-40B4-BE49-F238E27FC236}">
+                <a16:creationId xmlns:a16="http://schemas.microsoft.com/office/drawing/2014/main" id="{472BC29F-F4F5-4C41-A08B-B4C04E5E8A95}"/>
+              </a:ext>
+            </a:extLst>
+          </p:cNvPr>
+          <p:cNvSpPr txBox="1"/>
+          <p:nvPr/>
+        </p:nvSpPr>
+        <p:spPr>
+          <a:xfrm>
+            <a:off x="4957448" y="3709987"/>
+            <a:ext cx="2662552" cy="523220"/>
+          </a:xfrm>
+          <a:prstGeom prst="rect">
+            <a:avLst/>
+          </a:prstGeom>
+          <a:noFill/>
+          <a:ln>
+            <a:solidFill>
+              <a:schemeClr val="accent1"/>
+            </a:solidFill>
+          </a:ln>
+        </p:spPr>
+        <p:txBody>
+          <a:bodyPr wrap="square" rtlCol="0">
+            <a:spAutoFit/>
+          </a:bodyPr>
+          <a:lstStyle/>
+          <a:p>
+            <a:r>
+              <a:rPr lang="en-US" sz="1400" dirty="0">
+                <a:solidFill>
+                  <a:schemeClr val="tx2"/>
+                </a:solidFill>
+              </a:rPr>
+              <a:t>Consistency across TWAMP and STAMP messages</a:t>
             </a:r>
           </a:p>
         </p:txBody>

--- a/draft-gandhi-spring-twamp-srpm-07.pptx
+++ b/draft-gandhi-spring-twamp-srpm-07.pptx
@@ -263,7 +263,7 @@
           <a:p>
             <a:fld id="{E8FA3DB5-7722-3F4F-947D-12B203669AD7}" type="datetimeFigureOut">
               <a:rPr lang="en-US" smtClean="0"/>
-              <a:t>3/4/20</a:t>
+              <a:t>3/4/2020</a:t>
             </a:fld>
             <a:endParaRPr lang="en-US"/>
           </a:p>
@@ -2637,7 +2637,7 @@
               </a14:hiddenLine>
             </a:ext>
             <a:ext uri="{FAA26D3D-D897-4be2-8F04-BA451C77F1D7}">
-              <ma14:placeholderFlag xmlns="" xmlns:ma14="http://schemas.microsoft.com/office/mac/drawingml/2011/main" val="1"/>
+              <ma14:placeholderFlag xmlns:ma14="http://schemas.microsoft.com/office/mac/drawingml/2011/main" xmlns="" val="1"/>
             </a:ext>
           </a:extLst>
         </p:spPr>
@@ -5569,7 +5569,7 @@
                 <a:latin typeface="Calibri Light" panose="020F0302020204030204" pitchFamily="34" charset="0"/>
                 <a:cs typeface="Calibri Light" panose="020F0302020204030204" pitchFamily="34" charset="0"/>
               </a:rPr>
-              <a:t>LM Message Format for TWAMP and STAMP</a:t>
+              <a:t>LM Message Format for TWAMP Light and STAMP</a:t>
             </a:r>
           </a:p>
         </p:txBody>
@@ -6025,9 +6025,8 @@
             <a:r>
               <a:rPr lang="en-US" sz="800" b="1" dirty="0">
                 <a:solidFill>
-                  <a:schemeClr val="tx2">
-                    <a:lumMod val="60000"/>
-                    <a:lumOff val="40000"/>
+                  <a:schemeClr val="bg1">
+                    <a:lumMod val="50000"/>
                   </a:schemeClr>
                 </a:solidFill>
                 <a:latin typeface="Courier New" panose="02070309020205020404" pitchFamily="49" charset="0"/>
@@ -6046,9 +6045,8 @@
             <a:r>
               <a:rPr lang="en-US" sz="800" b="1" dirty="0">
                 <a:solidFill>
-                  <a:schemeClr val="tx2">
-                    <a:lumMod val="60000"/>
-                    <a:lumOff val="40000"/>
+                  <a:schemeClr val="bg1">
+                    <a:lumMod val="50000"/>
                   </a:schemeClr>
                 </a:solidFill>
                 <a:latin typeface="Courier New" panose="02070309020205020404" pitchFamily="49" charset="0"/>
@@ -6067,9 +6065,8 @@
             <a:r>
               <a:rPr lang="en-US" sz="800" b="1" dirty="0">
                 <a:solidFill>
-                  <a:schemeClr val="tx2">
-                    <a:lumMod val="60000"/>
-                    <a:lumOff val="40000"/>
+                  <a:schemeClr val="bg1">
+                    <a:lumMod val="50000"/>
                   </a:schemeClr>
                 </a:solidFill>
                 <a:latin typeface="Courier New" panose="02070309020205020404" pitchFamily="49" charset="0"/>
@@ -6088,9 +6085,8 @@
             <a:r>
               <a:rPr lang="en-US" sz="800" b="1" dirty="0">
                 <a:solidFill>
-                  <a:schemeClr val="tx2">
-                    <a:lumMod val="60000"/>
-                    <a:lumOff val="40000"/>
+                  <a:schemeClr val="bg1">
+                    <a:lumMod val="50000"/>
                   </a:schemeClr>
                 </a:solidFill>
                 <a:latin typeface="Courier New" panose="02070309020205020404" pitchFamily="49" charset="0"/>
@@ -6109,9 +6105,8 @@
             <a:r>
               <a:rPr lang="en-US" sz="800" b="1" dirty="0">
                 <a:solidFill>
-                  <a:schemeClr val="tx2">
-                    <a:lumMod val="60000"/>
-                    <a:lumOff val="40000"/>
+                  <a:schemeClr val="bg1">
+                    <a:lumMod val="50000"/>
                   </a:schemeClr>
                 </a:solidFill>
                 <a:latin typeface="Courier New" panose="02070309020205020404" pitchFamily="49" charset="0"/>
@@ -6130,9 +6125,8 @@
             <a:r>
               <a:rPr lang="en-US" sz="800" b="1" dirty="0">
                 <a:solidFill>
-                  <a:schemeClr val="tx2">
-                    <a:lumMod val="60000"/>
-                    <a:lumOff val="40000"/>
+                  <a:schemeClr val="bg1">
+                    <a:lumMod val="50000"/>
                   </a:schemeClr>
                 </a:solidFill>
                 <a:latin typeface="Courier New" panose="02070309020205020404" pitchFamily="49" charset="0"/>
@@ -6151,9 +6145,8 @@
             <a:r>
               <a:rPr lang="en-US" sz="800" b="1" dirty="0">
                 <a:solidFill>
-                  <a:schemeClr val="tx2">
-                    <a:lumMod val="60000"/>
-                    <a:lumOff val="40000"/>
+                  <a:schemeClr val="bg1">
+                    <a:lumMod val="50000"/>
                   </a:schemeClr>
                 </a:solidFill>
                 <a:latin typeface="Courier New" panose="02070309020205020404" pitchFamily="49" charset="0"/>
@@ -6172,9 +6165,8 @@
             <a:r>
               <a:rPr lang="en-US" sz="800" b="1" dirty="0">
                 <a:solidFill>
-                  <a:schemeClr val="tx2">
-                    <a:lumMod val="60000"/>
-                    <a:lumOff val="40000"/>
+                  <a:schemeClr val="bg1">
+                    <a:lumMod val="50000"/>
                   </a:schemeClr>
                 </a:solidFill>
                 <a:latin typeface="Courier New" panose="02070309020205020404" pitchFamily="49" charset="0"/>
@@ -6192,6 +6184,11 @@
             </a:pPr>
             <a:r>
               <a:rPr lang="en-CA" sz="800" b="1" dirty="0">
+                <a:solidFill>
+                  <a:schemeClr val="bg1">
+                    <a:lumMod val="50000"/>
+                  </a:schemeClr>
+                </a:solidFill>
                 <a:latin typeface="Courier New" panose="02070309020205020404" pitchFamily="49" charset="0"/>
                 <a:cs typeface="Courier New" panose="02070309020205020404" pitchFamily="49" charset="0"/>
               </a:rPr>
@@ -6207,9 +6204,8 @@
             <a:r>
               <a:rPr lang="en-US" sz="800" b="1" dirty="0">
                 <a:solidFill>
-                  <a:schemeClr val="tx2">
-                    <a:lumMod val="60000"/>
-                    <a:lumOff val="40000"/>
+                  <a:schemeClr val="bg1">
+                    <a:lumMod val="50000"/>
                   </a:schemeClr>
                 </a:solidFill>
                 <a:latin typeface="Courier New" panose="02070309020205020404" pitchFamily="49" charset="0"/>
@@ -6374,7 +6370,7 @@
         </p:nvSpPr>
         <p:spPr bwMode="auto">
           <a:xfrm>
-            <a:off x="228600" y="1200149"/>
+            <a:off x="228600" y="1221581"/>
             <a:ext cx="4343400" cy="3483769"/>
           </a:xfrm>
           <a:prstGeom prst="rect">
@@ -6567,9 +6563,10 @@
             </a:r>
           </a:p>
           <a:p>
+            <a:pPr lvl="1"/>
             <a:r>
               <a:rPr lang="en-US" sz="1600" kern="0" dirty="0"/>
-              <a:t>LM message format aligned with DM message format</a:t>
+              <a:t>Aligned with DM message format</a:t>
             </a:r>
           </a:p>
           <a:p>
@@ -6783,12 +6780,6 @@
           <a:p>
             <a:r>
               <a:rPr lang="en-US" sz="2400" dirty="0"/>
-              <a:t>Has been deployed</a:t>
-            </a:r>
-          </a:p>
-          <a:p>
-            <a:r>
-              <a:rPr lang="en-US" sz="2400" dirty="0"/>
               <a:t>In </a:t>
             </a:r>
             <a:r>
@@ -7755,7 +7746,7 @@
           <a:p>
             <a:r>
               <a:rPr lang="en-US" sz="1200" dirty="0"/>
-              <a:t>User defined IP/UDP path for PM probe messages for delay and loss measurements for SR links and end-to-end P2P/ P2MP SR Policies.</a:t>
+              <a:t>PM probe query message for delay and loss measurements for SR links and end-to-end P2P/ P2MP SR Policies.</a:t>
             </a:r>
           </a:p>
           <a:p>
@@ -7769,7 +7760,7 @@
             </a:r>
             <a:r>
               <a:rPr lang="en-US" sz="1200" dirty="0"/>
-              <a:t> is used for DM probe packets in unauthenticated mode and </a:t>
+              <a:t> is used for DM probe messages in unauthenticated mode and </a:t>
             </a:r>
             <a:r>
               <a:rPr lang="en-US" sz="1200" b="1" dirty="0"/>
@@ -7777,13 +7768,13 @@
             </a:r>
             <a:r>
               <a:rPr lang="en-US" sz="1200" dirty="0"/>
-              <a:t> is used for LM probe packets in unauthenticated mode.</a:t>
+              <a:t> is used for LM probe messages in unauthenticated mode.</a:t>
             </a:r>
           </a:p>
           <a:p>
             <a:r>
               <a:rPr lang="en-US" sz="1200" dirty="0"/>
-              <a:t>For Delay Measurement, Payload contains RFC 5357 (TWAMP) or STAMP defined probe message as shown below.</a:t>
+              <a:t>For DM, payload contains RFC 5357 (TWAMP Light) or STAMP defined probe message as shown below.</a:t>
             </a:r>
           </a:p>
           <a:p>
@@ -8949,7 +8940,7 @@
         </p:nvSpPr>
         <p:spPr>
           <a:xfrm>
-            <a:off x="647700" y="768608"/>
+            <a:off x="647700" y="742950"/>
             <a:ext cx="7848600" cy="775363"/>
           </a:xfrm>
         </p:spPr>
@@ -9010,8 +9001,8 @@
         </p:nvSpPr>
         <p:spPr>
           <a:xfrm>
-            <a:off x="1447800" y="1556516"/>
-            <a:ext cx="6400800" cy="3139321"/>
+            <a:off x="1447800" y="1472952"/>
+            <a:ext cx="6096000" cy="3308598"/>
           </a:xfrm>
           <a:prstGeom prst="rect">
             <a:avLst/>
@@ -9138,6 +9129,14 @@
                 <a:latin typeface="Courier" pitchFamily="2" charset="0"/>
               </a:rPr>
               <a:t>    . LM Payload as specified in this document                      .</a:t>
+            </a:r>
+          </a:p>
+          <a:p>
+            <a:r>
+              <a:rPr lang="en-CA" sz="1100" b="1" dirty="0">
+                <a:latin typeface="Courier" pitchFamily="2" charset="0"/>
+              </a:rPr>
+              <a:t>    .               for TWAMP Light and STAMP                       .</a:t>
             </a:r>
           </a:p>
           <a:p>
@@ -12096,7 +12095,7 @@
             <a:pPr lvl="1"/>
             <a:r>
               <a:rPr lang="en-US" sz="1200" dirty="0"/>
-              <a:t>Revision-02 updates contained a section to include STAMP support (Section </a:t>
+              <a:t>Revision-02 updates contained a section to include STAMP support and LM message formats (Section </a:t>
             </a:r>
             <a:r>
               <a:rPr lang="en-CA" sz="1200" dirty="0"/>
@@ -12105,13 +12104,6 @@
             <a:r>
               <a:rPr lang="en-US" sz="1200" dirty="0"/>
               <a:t>)</a:t>
-            </a:r>
-          </a:p>
-          <a:p>
-            <a:pPr lvl="1"/>
-            <a:r>
-              <a:rPr lang="en-US" sz="1200" dirty="0"/>
-              <a:t>Revision-02 (Section 3.2. STAMP Applicability) includes the loss measurement message formats for STAMP</a:t>
             </a:r>
           </a:p>
           <a:p>
@@ -12304,7 +12296,7 @@
             </a:pPr>
             <a:r>
               <a:rPr lang="en-CA" sz="1600" dirty="0"/>
-              <a:t>Defined Control Code for In-band Response Requested for TWAMP and STAMP</a:t>
+              <a:t>Defined Control Code for In-band Response Requested for TWAMP Light and STAMP</a:t>
             </a:r>
           </a:p>
           <a:p>
@@ -12500,7 +12492,7 @@
                 <a:latin typeface="Calibri Light" panose="020F0302020204030204" pitchFamily="34" charset="0"/>
                 <a:cs typeface="Calibri Light" panose="020F0302020204030204" pitchFamily="34" charset="0"/>
               </a:rPr>
-              <a:t>TWAMP and STAMP Control Code Field</a:t>
+              <a:t>TWAMP Light and STAMP Control Code Field</a:t>
             </a:r>
           </a:p>
         </p:txBody>
@@ -12718,7 +12710,7 @@
                 <a:latin typeface="Courier New" panose="02070309020205020404" pitchFamily="49" charset="0"/>
                 <a:cs typeface="Courier New" panose="02070309020205020404" pitchFamily="49" charset="0"/>
               </a:rPr>
-              <a:t>      Figure: Control Code in TWAMP and STAMP Probe Message</a:t>
+              <a:t>  Figure: Control Code in TWAMP Light and STAMP Probe Message</a:t>
             </a:r>
             <a:endParaRPr lang="en-US" sz="900" b="1" dirty="0">
               <a:latin typeface="Courier New" panose="02070309020205020404" pitchFamily="49" charset="0"/>
@@ -12938,7 +12930,7 @@
                   <a:schemeClr val="tx2"/>
                 </a:solidFill>
               </a:rPr>
-              <a:t>Consistency across TWAMP and STAMP messages</a:t>
+              <a:t>Consistency across TWAMP Light and STAMP messages</a:t>
             </a:r>
           </a:p>
         </p:txBody>
@@ -13353,7 +13345,7 @@
         </p:nvSpPr>
         <p:spPr>
           <a:xfrm>
-            <a:off x="4114800" y="1421663"/>
+            <a:off x="4168140" y="1655608"/>
             <a:ext cx="4648200" cy="1338828"/>
           </a:xfrm>
           <a:prstGeom prst="rect">
@@ -13791,7 +13783,7 @@
               <a:rPr lang="en-CA" sz="800" b="1" dirty="0">
                 <a:latin typeface="Courier New" panose="02070309020205020404" pitchFamily="49" charset="0"/>
               </a:rPr>
-              <a:t>    |  Type = TBA1  |    Length     |      Reserved                 |</a:t>
+              <a:t>    |  Type = TBA2  |    Length     |      Reserved                 |</a:t>
             </a:r>
           </a:p>
           <a:p>

--- a/draft-gandhi-spring-twamp-srpm-07.pptx
+++ b/draft-gandhi-spring-twamp-srpm-07.pptx
@@ -263,7 +263,7 @@
           <a:p>
             <a:fld id="{E8FA3DB5-7722-3F4F-947D-12B203669AD7}" type="datetimeFigureOut">
               <a:rPr lang="en-US" smtClean="0"/>
-              <a:t>3/4/2020</a:t>
+              <a:t>3/5/20</a:t>
             </a:fld>
             <a:endParaRPr lang="en-US"/>
           </a:p>
@@ -2637,7 +2637,7 @@
               </a14:hiddenLine>
             </a:ext>
             <a:ext uri="{FAA26D3D-D897-4be2-8F04-BA451C77F1D7}">
-              <ma14:placeholderFlag xmlns:ma14="http://schemas.microsoft.com/office/mac/drawingml/2011/main" xmlns="" val="1"/>
+              <ma14:placeholderFlag xmlns="" xmlns:ma14="http://schemas.microsoft.com/office/mac/drawingml/2011/main" val="1"/>
             </a:ext>
           </a:extLst>
         </p:spPr>
@@ -5690,7 +5690,7 @@
                 <a:ea typeface="Courier" charset="0"/>
                 <a:cs typeface="Courier New" panose="02070309020205020404" pitchFamily="49" charset="0"/>
               </a:rPr>
-              <a:t>.  Source IP Address = Sender IPv4 or IPv6 Address             .</a:t>
+              <a:t>.  Source IP Address = Sender IPv4 or IPv6 Address              .</a:t>
             </a:r>
             <a:endParaRPr lang="en-US" sz="800" b="1" dirty="0">
               <a:latin typeface="Courier New" panose="02070309020205020404" pitchFamily="49" charset="0"/>
@@ -5830,7 +5830,7 @@
                 <a:ea typeface="Courier" charset="0"/>
                 <a:cs typeface="Courier New" panose="02070309020205020404" pitchFamily="49" charset="0"/>
               </a:rPr>
-              <a:t>.  Source Port = As chosen by Sender                           .</a:t>
+              <a:t>.  Source Port = As chosen by Sender                            .</a:t>
             </a:r>
             <a:endParaRPr lang="en-US" sz="800" b="1" dirty="0">
               <a:latin typeface="Courier New" panose="02070309020205020404" pitchFamily="49" charset="0"/>
@@ -6548,7 +6548,7 @@
             </a:r>
             <a:r>
               <a:rPr lang="en-US" sz="1600" b="1" kern="0" dirty="0"/>
-              <a:t>fixed offsets</a:t>
+              <a:t>well-known locations</a:t>
             </a:r>
             <a:r>
               <a:rPr lang="en-US" sz="1600" kern="0" dirty="0"/>
@@ -6644,7 +6644,7 @@
                   <a:srgbClr val="7030A0"/>
                 </a:solidFill>
               </a:rPr>
-              <a:t>] without padding</a:t>
+              <a:t>] without padding as shown in Figure.</a:t>
             </a:r>
           </a:p>
         </p:txBody>
@@ -7746,7 +7746,7 @@
           <a:p>
             <a:r>
               <a:rPr lang="en-US" sz="1200" dirty="0"/>
-              <a:t>PM probe query message for delay and loss measurements for SR links and end-to-end P2P/ P2MP SR Policies.</a:t>
+              <a:t>PM probe query message defined for Links and end-to-end P2P/ P2MP SR Policies.</a:t>
             </a:r>
           </a:p>
           <a:p>
@@ -8034,7 +8034,7 @@
                 <a:ea typeface="Courier" charset="0"/>
                 <a:cs typeface="Courier" charset="0"/>
               </a:rPr>
-              <a:t>| Payload = Message as specified in Section 4.1.2 of RFC 5357   |</a:t>
+              <a:t>. Payload = Message as specified in Section 4.1.2 of RFC 5357   .</a:t>
             </a:r>
           </a:p>
           <a:p>
@@ -8865,6 +8865,50 @@
           </a:p>
         </p:txBody>
       </p:sp>
+      <p:cxnSp>
+        <p:nvCxnSpPr>
+          <p:cNvPr id="8" name="Straight Connector 7">
+            <a:extLst>
+              <a:ext uri="{FF2B5EF4-FFF2-40B4-BE49-F238E27FC236}">
+                <a16:creationId xmlns:a16="http://schemas.microsoft.com/office/drawing/2014/main" id="{7A63617F-26D6-E64C-98B9-346A9686E76B}"/>
+              </a:ext>
+            </a:extLst>
+          </p:cNvPr>
+          <p:cNvCxnSpPr/>
+          <p:nvPr/>
+        </p:nvCxnSpPr>
+        <p:spPr>
+          <a:xfrm>
+            <a:off x="4191000" y="2571750"/>
+            <a:ext cx="4724400" cy="0"/>
+          </a:xfrm>
+          <a:prstGeom prst="line">
+            <a:avLst/>
+          </a:prstGeom>
+          <a:ln w="19050">
+            <a:solidFill>
+              <a:schemeClr val="tx1">
+                <a:lumMod val="50000"/>
+                <a:lumOff val="50000"/>
+              </a:schemeClr>
+            </a:solidFill>
+          </a:ln>
+        </p:spPr>
+        <p:style>
+          <a:lnRef idx="1">
+            <a:schemeClr val="accent1"/>
+          </a:lnRef>
+          <a:fillRef idx="0">
+            <a:schemeClr val="accent1"/>
+          </a:fillRef>
+          <a:effectRef idx="0">
+            <a:schemeClr val="accent1"/>
+          </a:effectRef>
+          <a:fontRef idx="minor">
+            <a:schemeClr val="tx1"/>
+          </a:fontRef>
+        </p:style>
+      </p:cxnSp>
     </p:spTree>
     <p:extLst>
       <p:ext uri="{BB962C8B-B14F-4D97-AF65-F5344CB8AC3E}">
@@ -9002,7 +9046,7 @@
         <p:spPr>
           <a:xfrm>
             <a:off x="1447800" y="1472952"/>
-            <a:ext cx="6096000" cy="3308598"/>
+            <a:ext cx="6096000" cy="3477875"/>
           </a:xfrm>
           <a:prstGeom prst="rect">
             <a:avLst/>
@@ -9121,6 +9165,54 @@
                 <a:latin typeface="Courier" pitchFamily="2" charset="0"/>
               </a:rPr>
               <a:t>    | DM Payload as specified in Section 4.2.1 of RFC 5357, or      |</a:t>
+            </a:r>
+          </a:p>
+          <a:p>
+            <a:r>
+              <a:rPr lang="en-CA" sz="1100" b="1" dirty="0">
+                <a:latin typeface="Courier" pitchFamily="2" charset="0"/>
+              </a:rPr>
+              <a:t>    </a:t>
+            </a:r>
+            <a:r>
+              <a:rPr lang="en-US" sz="1100" b="1" dirty="0">
+                <a:latin typeface="Courier" charset="0"/>
+                <a:ea typeface="Courier" charset="0"/>
+                <a:cs typeface="Courier" charset="0"/>
+              </a:rPr>
+              <a:t>. DM Payload as specified in Section 4.3 of </a:t>
+            </a:r>
+            <a:r>
+              <a:rPr lang="en-US" sz="1100" b="1" dirty="0" err="1">
+                <a:latin typeface="Courier" charset="0"/>
+                <a:ea typeface="Courier" charset="0"/>
+                <a:cs typeface="Courier" charset="0"/>
+              </a:rPr>
+              <a:t>ietf</a:t>
+            </a:r>
+            <a:r>
+              <a:rPr lang="en-US" sz="1100" b="1" dirty="0">
+                <a:latin typeface="Courier" charset="0"/>
+                <a:ea typeface="Courier" charset="0"/>
+                <a:cs typeface="Courier" charset="0"/>
+              </a:rPr>
+              <a:t>-</a:t>
+            </a:r>
+            <a:r>
+              <a:rPr lang="en-US" sz="1100" b="1" dirty="0" err="1">
+                <a:latin typeface="Courier" charset="0"/>
+                <a:ea typeface="Courier" charset="0"/>
+                <a:cs typeface="Courier" charset="0"/>
+              </a:rPr>
+              <a:t>ippm</a:t>
+            </a:r>
+            <a:r>
+              <a:rPr lang="en-US" sz="1100" b="1" dirty="0">
+                <a:latin typeface="Courier" charset="0"/>
+                <a:ea typeface="Courier" charset="0"/>
+                <a:cs typeface="Courier" charset="0"/>
+              </a:rPr>
+              <a:t>-stamp     .</a:t>
             </a:r>
           </a:p>
           <a:p>
@@ -9514,7 +9606,7 @@
         </p:nvSpPr>
         <p:spPr>
           <a:xfrm>
-            <a:off x="228600" y="666750"/>
+            <a:off x="228600" y="742950"/>
             <a:ext cx="4310743" cy="3785652"/>
           </a:xfrm>
           <a:prstGeom prst="rect">
@@ -10118,7 +10210,7 @@
         </p:nvSpPr>
         <p:spPr>
           <a:xfrm>
-            <a:off x="4495800" y="666750"/>
+            <a:off x="4495800" y="742950"/>
             <a:ext cx="4368799" cy="3785652"/>
           </a:xfrm>
           <a:prstGeom prst="rect">
@@ -11077,7 +11169,7 @@
         </p:nvCxnSpPr>
         <p:spPr>
           <a:xfrm>
-            <a:off x="4648200" y="666750"/>
+            <a:off x="4648200" y="742950"/>
             <a:ext cx="0" cy="3785652"/>
           </a:xfrm>
           <a:prstGeom prst="line">
@@ -11682,7 +11774,7 @@
             </a:pPr>
             <a:r>
               <a:rPr lang="en-US" sz="1400" dirty="0"/>
-              <a:t>SR links and end-to-end P2P/P2MP SR Policies</a:t>
+              <a:t>Links and end-to-end P2P/P2MP SR Policies</a:t>
             </a:r>
           </a:p>
           <a:p>
@@ -11988,7 +12080,7 @@
         </p:nvSpPr>
         <p:spPr>
           <a:xfrm>
-            <a:off x="457200" y="762000"/>
+            <a:off x="457200" y="857250"/>
             <a:ext cx="8229600" cy="3619500"/>
           </a:xfrm>
         </p:spPr>
@@ -12095,7 +12187,7 @@
             <a:pPr lvl="1"/>
             <a:r>
               <a:rPr lang="en-US" sz="1200" dirty="0"/>
-              <a:t>Revision-02 updates contained a section to include STAMP support and LM message formats (Section </a:t>
+              <a:t>Revision-02 updates contained a section to include STAMP support and STAMP LM messages (Section </a:t>
             </a:r>
             <a:r>
               <a:rPr lang="en-CA" sz="1200" dirty="0"/>
@@ -12668,7 +12760,24 @@
                 <a:latin typeface="Courier New" panose="02070309020205020404" pitchFamily="49" charset="0"/>
                 <a:cs typeface="Courier New" panose="02070309020205020404" pitchFamily="49" charset="0"/>
               </a:rPr>
-              <a:t>|         Error Estimate        | Reserved      |  Control Code |</a:t>
+              <a:t>|         Error Estimate        | Reserved      </a:t>
+            </a:r>
+            <a:r>
+              <a:rPr lang="en-CA" sz="900" b="1" dirty="0">
+                <a:solidFill>
+                  <a:srgbClr val="0070C0"/>
+                </a:solidFill>
+                <a:latin typeface="Courier New" panose="02070309020205020404" pitchFamily="49" charset="0"/>
+                <a:cs typeface="Courier New" panose="02070309020205020404" pitchFamily="49" charset="0"/>
+              </a:rPr>
+              <a:t>|  Control Code </a:t>
+            </a:r>
+            <a:r>
+              <a:rPr lang="en-CA" sz="900" b="1" dirty="0">
+                <a:latin typeface="Courier New" panose="02070309020205020404" pitchFamily="49" charset="0"/>
+                <a:cs typeface="Courier New" panose="02070309020205020404" pitchFamily="49" charset="0"/>
+              </a:rPr>
+              <a:t>|</a:t>
             </a:r>
           </a:p>
           <a:p>
@@ -12906,7 +13015,7 @@
         <p:spPr>
           <a:xfrm>
             <a:off x="4957448" y="3709987"/>
-            <a:ext cx="2662552" cy="523220"/>
+            <a:ext cx="2281552" cy="461665"/>
           </a:xfrm>
           <a:prstGeom prst="rect">
             <a:avLst/>
@@ -12925,7 +13034,7 @@
           <a:lstStyle/>
           <a:p>
             <a:r>
-              <a:rPr lang="en-US" sz="1400" dirty="0">
+              <a:rPr lang="en-US" sz="1200" dirty="0">
                 <a:solidFill>
                   <a:schemeClr val="tx2"/>
                 </a:solidFill>
@@ -13465,7 +13574,7 @@
         <p:spPr>
           <a:xfrm>
             <a:off x="304800" y="1047750"/>
-            <a:ext cx="3657600" cy="2554545"/>
+            <a:ext cx="3657600" cy="2308324"/>
           </a:xfrm>
           <a:prstGeom prst="rect">
             <a:avLst/>
@@ -13529,7 +13638,7 @@
                 <a:ea typeface="Calibri" panose="020F0502020204030204" pitchFamily="34" charset="0"/>
                 <a:cs typeface="Consolas" panose="020B0609020204030204" pitchFamily="49" charset="0"/>
               </a:rPr>
-              <a:t>Indicates the address of the intended recipient node of the probe message.  </a:t>
+              <a:t>Indicates the address of the intended recipient node of the query message.  </a:t>
             </a:r>
           </a:p>
           <a:p>
@@ -13549,7 +13658,7 @@
                 <a:ea typeface="Calibri" panose="020F0502020204030204" pitchFamily="34" charset="0"/>
                 <a:cs typeface="Consolas" panose="020B0609020204030204" pitchFamily="49" charset="0"/>
               </a:rPr>
-              <a:t>The reflector node SHOULD NOT send response if it is not the intended destination node of the probe query message.</a:t>
+              <a:t>The reflector node SHOULD NOT send response if it is not the intended destination node of the query.</a:t>
             </a:r>
           </a:p>
           <a:p>
@@ -13569,7 +13678,7 @@
                 <a:ea typeface="Calibri" panose="020F0502020204030204" pitchFamily="34" charset="0"/>
                 <a:cs typeface="Consolas" panose="020B0609020204030204" pitchFamily="49" charset="0"/>
               </a:rPr>
-              <a:t>Useful when probe query is sent with 127/8 destination address.</a:t>
+              <a:t>Useful when query is sent with 127/8 destination address.</a:t>
             </a:r>
           </a:p>
         </p:txBody>
@@ -13622,7 +13731,7 @@
         </p:nvSpPr>
         <p:spPr>
           <a:xfrm>
-            <a:off x="228600" y="-20187"/>
+            <a:off x="228600" y="-8968"/>
             <a:ext cx="8686800" cy="857250"/>
           </a:xfrm>
         </p:spPr>
@@ -14137,6 +14246,45 @@
           </a:p>
         </p:txBody>
       </p:sp>
+      <p:cxnSp>
+        <p:nvCxnSpPr>
+          <p:cNvPr id="8" name="Straight Connector 7">
+            <a:extLst>
+              <a:ext uri="{FF2B5EF4-FFF2-40B4-BE49-F238E27FC236}">
+                <a16:creationId xmlns:a16="http://schemas.microsoft.com/office/drawing/2014/main" id="{2F1CEA71-BC22-954C-B2C3-B1FE7C9F9F75}"/>
+              </a:ext>
+            </a:extLst>
+          </p:cNvPr>
+          <p:cNvCxnSpPr>
+            <a:cxnSpLocks/>
+          </p:cNvCxnSpPr>
+          <p:nvPr/>
+        </p:nvCxnSpPr>
+        <p:spPr>
+          <a:xfrm>
+            <a:off x="4343400" y="2190750"/>
+            <a:ext cx="4572000" cy="0"/>
+          </a:xfrm>
+          <a:prstGeom prst="line">
+            <a:avLst/>
+          </a:prstGeom>
+          <a:ln/>
+        </p:spPr>
+        <p:style>
+          <a:lnRef idx="1">
+            <a:schemeClr val="dk1"/>
+          </a:lnRef>
+          <a:fillRef idx="0">
+            <a:schemeClr val="dk1"/>
+          </a:fillRef>
+          <a:effectRef idx="0">
+            <a:schemeClr val="dk1"/>
+          </a:effectRef>
+          <a:fontRef idx="minor">
+            <a:schemeClr val="tx1"/>
+          </a:fontRef>
+        </p:style>
+      </p:cxnSp>
     </p:spTree>
     <p:extLst>
       <p:ext uri="{BB962C8B-B14F-4D97-AF65-F5344CB8AC3E}">

--- a/draft-gandhi-spring-twamp-srpm-07.pptx
+++ b/draft-gandhi-spring-twamp-srpm-07.pptx
@@ -20,14 +20,14 @@
     <p:sldId id="326" r:id="rId8"/>
     <p:sldId id="1659" r:id="rId9"/>
     <p:sldId id="1656" r:id="rId10"/>
-    <p:sldId id="321" r:id="rId11"/>
-    <p:sldId id="318" r:id="rId12"/>
-    <p:sldId id="303" r:id="rId13"/>
-    <p:sldId id="1655" r:id="rId14"/>
-    <p:sldId id="1652" r:id="rId15"/>
-    <p:sldId id="1657" r:id="rId16"/>
-    <p:sldId id="322" r:id="rId17"/>
-    <p:sldId id="320" r:id="rId18"/>
+    <p:sldId id="318" r:id="rId11"/>
+    <p:sldId id="303" r:id="rId12"/>
+    <p:sldId id="1655" r:id="rId13"/>
+    <p:sldId id="1652" r:id="rId14"/>
+    <p:sldId id="1657" r:id="rId15"/>
+    <p:sldId id="322" r:id="rId16"/>
+    <p:sldId id="320" r:id="rId17"/>
+    <p:sldId id="321" r:id="rId18"/>
     <p:sldId id="1658" r:id="rId19"/>
     <p:sldId id="1649" r:id="rId20"/>
     <p:sldId id="1654" r:id="rId21"/>
@@ -1581,7 +1581,7 @@
               <a:pPr>
                 <a:defRPr/>
               </a:pPr>
-              <a:t>11</a:t>
+              <a:t>10</a:t>
             </a:fld>
             <a:endParaRPr lang="en-US" altLang="zh-CN"/>
           </a:p>
@@ -1671,7 +1671,7 @@
               <a:pPr>
                 <a:defRPr/>
               </a:pPr>
-              <a:t>12</a:t>
+              <a:t>11</a:t>
             </a:fld>
             <a:endParaRPr lang="en-US" altLang="zh-CN"/>
           </a:p>
@@ -1761,7 +1761,7 @@
               <a:pPr>
                 <a:defRPr/>
               </a:pPr>
-              <a:t>13</a:t>
+              <a:t>12</a:t>
             </a:fld>
             <a:endParaRPr lang="en-US" altLang="zh-CN"/>
           </a:p>
@@ -5552,41 +5552,110 @@
         </p:nvSpPr>
         <p:spPr>
           <a:xfrm>
-            <a:off x="152400" y="202211"/>
-            <a:ext cx="4419600" cy="845539"/>
+            <a:off x="457200" y="0"/>
+            <a:ext cx="8229600" cy="857250"/>
           </a:xfrm>
         </p:spPr>
         <p:txBody>
           <a:bodyPr/>
           <a:lstStyle/>
           <a:p>
-            <a:pPr algn="l"/>
-            <a:r>
-              <a:rPr lang="en-US" sz="3200" dirty="0">
+            <a:r>
+              <a:rPr lang="en-US" sz="3600" dirty="0">
                 <a:solidFill>
                   <a:srgbClr val="0070C0"/>
                 </a:solidFill>
                 <a:latin typeface="Calibri Light" panose="020F0302020204030204" pitchFamily="34" charset="0"/>
                 <a:cs typeface="Calibri Light" panose="020F0302020204030204" pitchFamily="34" charset="0"/>
               </a:rPr>
-              <a:t>LM Message Format for TWAMP Light and STAMP</a:t>
-            </a:r>
-          </a:p>
-        </p:txBody>
-      </p:sp>
-      <p:sp>
-        <p:nvSpPr>
-          <p:cNvPr id="4" name="Footer Placeholder 3"/>
+              <a:t>Next Steps</a:t>
+            </a:r>
+          </a:p>
+        </p:txBody>
+      </p:sp>
+      <p:sp>
+        <p:nvSpPr>
+          <p:cNvPr id="3" name="Content Placeholder 2"/>
           <p:cNvSpPr>
             <a:spLocks noGrp="1"/>
           </p:cNvSpPr>
           <p:nvPr>
-            <p:ph type="ftr" sz="quarter" idx="11"/>
+            <p:ph idx="1"/>
           </p:nvPr>
         </p:nvSpPr>
         <p:spPr>
           <a:xfrm>
-            <a:off x="2971800" y="4857750"/>
+            <a:off x="685800" y="1123950"/>
+            <a:ext cx="8001000" cy="2514599"/>
+          </a:xfrm>
+        </p:spPr>
+        <p:txBody>
+          <a:bodyPr/>
+          <a:lstStyle/>
+          <a:p>
+            <a:pPr lvl="0"/>
+            <a:r>
+              <a:rPr lang="en-US" sz="2400" dirty="0">
+                <a:latin typeface="Calibri" charset="0"/>
+                <a:ea typeface="Calibri" charset="0"/>
+                <a:cs typeface="Calibri" charset="0"/>
+              </a:rPr>
+              <a:t>Welcome your comments and suggestions</a:t>
+            </a:r>
+          </a:p>
+          <a:p>
+            <a:r>
+              <a:rPr lang="en-US" sz="2400" dirty="0"/>
+              <a:t>Has been implemented </a:t>
+            </a:r>
+          </a:p>
+          <a:p>
+            <a:r>
+              <a:rPr lang="en-US" sz="2400" dirty="0"/>
+              <a:t>In </a:t>
+            </a:r>
+            <a:r>
+              <a:rPr lang="en-US" sz="2400" dirty="0">
+                <a:latin typeface="Calibri" charset="0"/>
+                <a:ea typeface="Calibri" charset="0"/>
+                <a:cs typeface="Calibri" charset="0"/>
+              </a:rPr>
+              <a:t>WG adoption (SPRING WG) queue</a:t>
+            </a:r>
+          </a:p>
+          <a:p>
+            <a:r>
+              <a:rPr lang="en-US" sz="2400" dirty="0"/>
+              <a:t>Keep IPPM WG in the loop about the milestones</a:t>
+            </a:r>
+            <a:endParaRPr lang="en-US" sz="2400" dirty="0">
+              <a:latin typeface="Calibri" charset="0"/>
+              <a:ea typeface="Calibri" charset="0"/>
+              <a:cs typeface="Calibri" charset="0"/>
+            </a:endParaRPr>
+          </a:p>
+          <a:p>
+            <a:endParaRPr lang="en-US" sz="2400" dirty="0">
+              <a:latin typeface="Calibri" charset="0"/>
+              <a:ea typeface="Calibri" charset="0"/>
+              <a:cs typeface="Calibri" charset="0"/>
+            </a:endParaRPr>
+          </a:p>
+        </p:txBody>
+      </p:sp>
+      <p:sp>
+        <p:nvSpPr>
+          <p:cNvPr id="4" name="Footer Placeholder 3"/>
+          <p:cNvSpPr>
+            <a:spLocks noGrp="1"/>
+          </p:cNvSpPr>
+          <p:nvPr>
+            <p:ph type="ftr" sz="quarter" idx="11"/>
+          </p:nvPr>
+        </p:nvSpPr>
+        <p:spPr>
+          <a:xfrm>
+            <a:off x="3124200" y="4786312"/>
             <a:ext cx="2895600" cy="357188"/>
           </a:xfrm>
         </p:spPr>
@@ -5598,15 +5667,15 @@
               <a:defRPr/>
             </a:pPr>
             <a:r>
-              <a:rPr lang="en-US" altLang="zh-CN" sz="1200" dirty="0"/>
+              <a:rPr lang="en-US" altLang="zh-CN" dirty="0"/>
               <a:t>107</a:t>
             </a:r>
             <a:r>
-              <a:rPr lang="en-US" altLang="zh-CN" sz="1200" baseline="30000" dirty="0"/>
+              <a:rPr lang="en-US" altLang="zh-CN" baseline="30000" dirty="0"/>
               <a:t>th</a:t>
             </a:r>
             <a:r>
-              <a:rPr lang="en-US" altLang="zh-CN" sz="1200" dirty="0"/>
+              <a:rPr lang="en-US" altLang="zh-CN" dirty="0"/>
               <a:t> IETF @ Vancouver</a:t>
             </a:r>
           </a:p>
@@ -5614,1044 +5683,7 @@
       </p:sp>
       <p:sp>
         <p:nvSpPr>
-          <p:cNvPr id="5" name="Rectangle 4"/>
-          <p:cNvSpPr/>
-          <p:nvPr/>
-        </p:nvSpPr>
-        <p:spPr>
-          <a:xfrm>
-            <a:off x="4724400" y="237697"/>
-            <a:ext cx="4191000" cy="4524315"/>
-          </a:xfrm>
-          <a:prstGeom prst="rect">
-            <a:avLst/>
-          </a:prstGeom>
-          <a:solidFill>
-            <a:schemeClr val="accent6">
-              <a:lumMod val="20000"/>
-              <a:lumOff val="80000"/>
-            </a:schemeClr>
-          </a:solidFill>
-        </p:spPr>
-        <p:txBody>
-          <a:bodyPr wrap="square">
-            <a:spAutoFit/>
-          </a:bodyPr>
-          <a:lstStyle/>
-          <a:p>
-            <a:pPr>
-              <a:spcAft>
-                <a:spcPts val="0"/>
-              </a:spcAft>
-            </a:pPr>
-            <a:r>
-              <a:rPr lang="en-CA" sz="800" b="1" dirty="0">
-                <a:latin typeface="Courier New" panose="02070309020205020404" pitchFamily="49" charset="0"/>
-                <a:ea typeface="Courier" charset="0"/>
-                <a:cs typeface="Courier New" panose="02070309020205020404" pitchFamily="49" charset="0"/>
-              </a:rPr>
-              <a:t>+---------------------------------------------------------------+</a:t>
-            </a:r>
-            <a:endParaRPr lang="en-US" sz="800" b="1" dirty="0">
-              <a:latin typeface="Courier New" panose="02070309020205020404" pitchFamily="49" charset="0"/>
-              <a:ea typeface="Courier" charset="0"/>
-              <a:cs typeface="Courier New" panose="02070309020205020404" pitchFamily="49" charset="0"/>
-            </a:endParaRPr>
-          </a:p>
-          <a:p>
-            <a:pPr>
-              <a:spcAft>
-                <a:spcPts val="0"/>
-              </a:spcAft>
-            </a:pPr>
-            <a:r>
-              <a:rPr lang="en-CA" sz="800" b="1" dirty="0">
-                <a:latin typeface="Courier New" panose="02070309020205020404" pitchFamily="49" charset="0"/>
-                <a:ea typeface="Courier" charset="0"/>
-                <a:cs typeface="Courier New" panose="02070309020205020404" pitchFamily="49" charset="0"/>
-              </a:rPr>
-              <a:t>| IP Header                                                     |  </a:t>
-            </a:r>
-            <a:endParaRPr lang="en-US" sz="800" b="1" dirty="0">
-              <a:latin typeface="Courier New" panose="02070309020205020404" pitchFamily="49" charset="0"/>
-              <a:ea typeface="Courier" charset="0"/>
-              <a:cs typeface="Courier New" panose="02070309020205020404" pitchFamily="49" charset="0"/>
-            </a:endParaRPr>
-          </a:p>
-          <a:p>
-            <a:pPr>
-              <a:spcAft>
-                <a:spcPts val="0"/>
-              </a:spcAft>
-            </a:pPr>
-            <a:r>
-              <a:rPr lang="en-CA" sz="800" b="1" dirty="0">
-                <a:latin typeface="Courier New" panose="02070309020205020404" pitchFamily="49" charset="0"/>
-                <a:ea typeface="Courier" charset="0"/>
-                <a:cs typeface="Courier New" panose="02070309020205020404" pitchFamily="49" charset="0"/>
-              </a:rPr>
-              <a:t>.  Source IP Address = Sender IPv4 or IPv6 Address              .</a:t>
-            </a:r>
-            <a:endParaRPr lang="en-US" sz="800" b="1" dirty="0">
-              <a:latin typeface="Courier New" panose="02070309020205020404" pitchFamily="49" charset="0"/>
-              <a:ea typeface="Courier" charset="0"/>
-              <a:cs typeface="Courier New" panose="02070309020205020404" pitchFamily="49" charset="0"/>
-            </a:endParaRPr>
-          </a:p>
-          <a:p>
-            <a:pPr>
-              <a:spcAft>
-                <a:spcPts val="0"/>
-              </a:spcAft>
-            </a:pPr>
-            <a:r>
-              <a:rPr lang="en-CA" sz="800" b="1" dirty="0">
-                <a:latin typeface="Courier New" panose="02070309020205020404" pitchFamily="49" charset="0"/>
-                <a:ea typeface="Courier" charset="0"/>
-                <a:cs typeface="Courier New" panose="02070309020205020404" pitchFamily="49" charset="0"/>
-              </a:rPr>
-              <a:t>.  Destination IP Address = Reflector IPv4 or IPv6 Address      .</a:t>
-            </a:r>
-            <a:endParaRPr lang="en-US" sz="800" b="1" dirty="0">
-              <a:latin typeface="Courier New" panose="02070309020205020404" pitchFamily="49" charset="0"/>
-              <a:ea typeface="Courier" charset="0"/>
-              <a:cs typeface="Courier New" panose="02070309020205020404" pitchFamily="49" charset="0"/>
-            </a:endParaRPr>
-          </a:p>
-          <a:p>
-            <a:pPr>
-              <a:spcAft>
-                <a:spcPts val="0"/>
-              </a:spcAft>
-            </a:pPr>
-            <a:r>
-              <a:rPr lang="en-CA" sz="800" b="1" dirty="0">
-                <a:latin typeface="Courier New" panose="02070309020205020404" pitchFamily="49" charset="0"/>
-                <a:ea typeface="Courier" charset="0"/>
-                <a:cs typeface="Courier New" panose="02070309020205020404" pitchFamily="49" charset="0"/>
-              </a:rPr>
-              <a:t>.  Protocol = UDP                                               .</a:t>
-            </a:r>
-            <a:endParaRPr lang="en-US" sz="800" b="1" dirty="0">
-              <a:latin typeface="Courier New" panose="02070309020205020404" pitchFamily="49" charset="0"/>
-              <a:ea typeface="Courier" charset="0"/>
-              <a:cs typeface="Courier New" panose="02070309020205020404" pitchFamily="49" charset="0"/>
-            </a:endParaRPr>
-          </a:p>
-          <a:p>
-            <a:pPr>
-              <a:spcAft>
-                <a:spcPts val="0"/>
-              </a:spcAft>
-            </a:pPr>
-            <a:r>
-              <a:rPr lang="en-CA" sz="800" b="1" dirty="0">
-                <a:latin typeface="Courier New" panose="02070309020205020404" pitchFamily="49" charset="0"/>
-                <a:ea typeface="Courier" charset="0"/>
-                <a:cs typeface="Courier New" panose="02070309020205020404" pitchFamily="49" charset="0"/>
-              </a:rPr>
-              <a:t>.  Router Alert Option Not Set                                  .</a:t>
-            </a:r>
-            <a:endParaRPr lang="en-US" sz="800" b="1" dirty="0">
-              <a:latin typeface="Courier New" panose="02070309020205020404" pitchFamily="49" charset="0"/>
-              <a:ea typeface="Courier" charset="0"/>
-              <a:cs typeface="Courier New" panose="02070309020205020404" pitchFamily="49" charset="0"/>
-            </a:endParaRPr>
-          </a:p>
-          <a:p>
-            <a:pPr>
-              <a:spcAft>
-                <a:spcPts val="0"/>
-              </a:spcAft>
-            </a:pPr>
-            <a:r>
-              <a:rPr lang="en-CA" sz="800" b="1" dirty="0">
-                <a:latin typeface="Courier New" panose="02070309020205020404" pitchFamily="49" charset="0"/>
-                <a:ea typeface="Courier" charset="0"/>
-                <a:cs typeface="Courier New" panose="02070309020205020404" pitchFamily="49" charset="0"/>
-              </a:rPr>
-              <a:t>.                                                               .</a:t>
-            </a:r>
-            <a:endParaRPr lang="en-US" sz="800" b="1" dirty="0">
-              <a:latin typeface="Courier New" panose="02070309020205020404" pitchFamily="49" charset="0"/>
-              <a:ea typeface="Courier" charset="0"/>
-              <a:cs typeface="Courier New" panose="02070309020205020404" pitchFamily="49" charset="0"/>
-            </a:endParaRPr>
-          </a:p>
-          <a:p>
-            <a:pPr>
-              <a:spcAft>
-                <a:spcPts val="0"/>
-              </a:spcAft>
-            </a:pPr>
-            <a:r>
-              <a:rPr lang="en-CA" sz="800" b="1" dirty="0">
-                <a:latin typeface="Courier New" panose="02070309020205020404" pitchFamily="49" charset="0"/>
-                <a:ea typeface="Courier" charset="0"/>
-                <a:cs typeface="Courier New" panose="02070309020205020404" pitchFamily="49" charset="0"/>
-              </a:rPr>
-              <a:t>+---------------------------------------------------------------+</a:t>
-            </a:r>
-            <a:endParaRPr lang="en-US" sz="800" b="1" dirty="0">
-              <a:latin typeface="Courier New" panose="02070309020205020404" pitchFamily="49" charset="0"/>
-              <a:ea typeface="Courier" charset="0"/>
-              <a:cs typeface="Courier New" panose="02070309020205020404" pitchFamily="49" charset="0"/>
-            </a:endParaRPr>
-          </a:p>
-          <a:p>
-            <a:pPr>
-              <a:spcAft>
-                <a:spcPts val="0"/>
-              </a:spcAft>
-            </a:pPr>
-            <a:r>
-              <a:rPr lang="en-CA" sz="800" b="1" dirty="0">
-                <a:latin typeface="Courier New" panose="02070309020205020404" pitchFamily="49" charset="0"/>
-                <a:ea typeface="Courier" charset="0"/>
-                <a:cs typeface="Courier New" panose="02070309020205020404" pitchFamily="49" charset="0"/>
-              </a:rPr>
-              <a:t>| UDP Header                                                    |</a:t>
-            </a:r>
-            <a:endParaRPr lang="en-US" sz="800" b="1" dirty="0">
-              <a:latin typeface="Courier New" panose="02070309020205020404" pitchFamily="49" charset="0"/>
-              <a:ea typeface="Courier" charset="0"/>
-              <a:cs typeface="Courier New" panose="02070309020205020404" pitchFamily="49" charset="0"/>
-            </a:endParaRPr>
-          </a:p>
-          <a:p>
-            <a:pPr>
-              <a:spcAft>
-                <a:spcPts val="0"/>
-              </a:spcAft>
-            </a:pPr>
-            <a:r>
-              <a:rPr lang="en-CA" sz="800" b="1" dirty="0">
-                <a:latin typeface="Courier New" panose="02070309020205020404" pitchFamily="49" charset="0"/>
-                <a:ea typeface="Courier" charset="0"/>
-                <a:cs typeface="Courier New" panose="02070309020205020404" pitchFamily="49" charset="0"/>
-              </a:rPr>
-              <a:t>.  Source Port = As chosen by Sender                            .</a:t>
-            </a:r>
-            <a:endParaRPr lang="en-US" sz="800" b="1" dirty="0">
-              <a:latin typeface="Courier New" panose="02070309020205020404" pitchFamily="49" charset="0"/>
-              <a:ea typeface="Courier" charset="0"/>
-              <a:cs typeface="Courier New" panose="02070309020205020404" pitchFamily="49" charset="0"/>
-            </a:endParaRPr>
-          </a:p>
-          <a:p>
-            <a:pPr>
-              <a:spcAft>
-                <a:spcPts val="0"/>
-              </a:spcAft>
-            </a:pPr>
-            <a:r>
-              <a:rPr lang="en-CA" sz="800" b="1" dirty="0">
-                <a:latin typeface="Courier New" panose="02070309020205020404" pitchFamily="49" charset="0"/>
-                <a:ea typeface="Courier" charset="0"/>
-                <a:cs typeface="Courier New" panose="02070309020205020404" pitchFamily="49" charset="0"/>
-              </a:rPr>
-              <a:t>.  Destination Port = </a:t>
-            </a:r>
-            <a:r>
-              <a:rPr lang="en-CA" sz="800" b="1" dirty="0">
-                <a:solidFill>
-                  <a:srgbClr val="0070C0"/>
-                </a:solidFill>
-                <a:latin typeface="Courier New" panose="02070309020205020404" pitchFamily="49" charset="0"/>
-                <a:ea typeface="Courier" charset="0"/>
-                <a:cs typeface="Courier New" panose="02070309020205020404" pitchFamily="49" charset="0"/>
-              </a:rPr>
-              <a:t>User-configured Port for Loss Measurement </a:t>
-            </a:r>
-            <a:r>
-              <a:rPr lang="en-CA" sz="800" b="1" dirty="0">
-                <a:latin typeface="Courier New" panose="02070309020205020404" pitchFamily="49" charset="0"/>
-                <a:ea typeface="Courier" charset="0"/>
-                <a:cs typeface="Courier New" panose="02070309020205020404" pitchFamily="49" charset="0"/>
-              </a:rPr>
-              <a:t>.</a:t>
-            </a:r>
-            <a:endParaRPr lang="en-US" sz="800" b="1" dirty="0">
-              <a:latin typeface="Courier New" panose="02070309020205020404" pitchFamily="49" charset="0"/>
-              <a:ea typeface="Courier" charset="0"/>
-              <a:cs typeface="Courier New" panose="02070309020205020404" pitchFamily="49" charset="0"/>
-            </a:endParaRPr>
-          </a:p>
-          <a:p>
-            <a:pPr>
-              <a:spcAft>
-                <a:spcPts val="0"/>
-              </a:spcAft>
-            </a:pPr>
-            <a:r>
-              <a:rPr lang="en-CA" sz="800" b="1" dirty="0">
-                <a:latin typeface="Courier New" panose="02070309020205020404" pitchFamily="49" charset="0"/>
-                <a:ea typeface="Courier" charset="0"/>
-                <a:cs typeface="Courier New" panose="02070309020205020404" pitchFamily="49" charset="0"/>
-              </a:rPr>
-              <a:t>.                                                               .</a:t>
-            </a:r>
-            <a:endParaRPr lang="en-US" sz="800" b="1" dirty="0">
-              <a:latin typeface="Courier New" panose="02070309020205020404" pitchFamily="49" charset="0"/>
-              <a:ea typeface="Courier" charset="0"/>
-              <a:cs typeface="Courier New" panose="02070309020205020404" pitchFamily="49" charset="0"/>
-            </a:endParaRPr>
-          </a:p>
-          <a:p>
-            <a:pPr>
-              <a:spcAft>
-                <a:spcPts val="0"/>
-              </a:spcAft>
-            </a:pPr>
-            <a:r>
-              <a:rPr lang="en-US" sz="800" b="1" dirty="0">
-                <a:latin typeface="Courier New" panose="02070309020205020404" pitchFamily="49" charset="0"/>
-                <a:ea typeface="Courier" charset="0"/>
-                <a:cs typeface="Courier New" panose="02070309020205020404" pitchFamily="49" charset="0"/>
-              </a:rPr>
-              <a:t>+-+-+-+-+-+-+-+-+-+-+-+-+-+-+-+-+-+-+-+-+-+-+-+-+-+-+-+-+-+-+-+-+</a:t>
-            </a:r>
-          </a:p>
-          <a:p>
-            <a:pPr>
-              <a:spcAft>
-                <a:spcPts val="0"/>
-              </a:spcAft>
-            </a:pPr>
-            <a:r>
-              <a:rPr lang="en-US" sz="800" b="1" dirty="0">
-                <a:latin typeface="Courier New" panose="02070309020205020404" pitchFamily="49" charset="0"/>
-                <a:ea typeface="Courier" charset="0"/>
-                <a:cs typeface="Courier New" panose="02070309020205020404" pitchFamily="49" charset="0"/>
-              </a:rPr>
-              <a:t>|                        Sequence Number                        |</a:t>
-            </a:r>
-          </a:p>
-          <a:p>
-            <a:pPr>
-              <a:spcAft>
-                <a:spcPts val="0"/>
-              </a:spcAft>
-            </a:pPr>
-            <a:r>
-              <a:rPr lang="en-US" sz="800" b="1" dirty="0">
-                <a:latin typeface="Courier New" panose="02070309020205020404" pitchFamily="49" charset="0"/>
-                <a:ea typeface="Courier" charset="0"/>
-                <a:cs typeface="Courier New" panose="02070309020205020404" pitchFamily="49" charset="0"/>
-              </a:rPr>
-              <a:t>+-+-+-+-+-+-+-+-+-+-+-+-+-+-+-+-+-+-+-+-+-+-+-+-+-+-+-+-+-+-+-+-+</a:t>
-            </a:r>
-          </a:p>
-          <a:p>
-            <a:pPr>
-              <a:spcAft>
-                <a:spcPts val="0"/>
-              </a:spcAft>
-            </a:pPr>
-            <a:r>
-              <a:rPr lang="en-US" sz="800" b="1" dirty="0">
-                <a:latin typeface="Courier New" panose="02070309020205020404" pitchFamily="49" charset="0"/>
-                <a:ea typeface="Courier" charset="0"/>
-                <a:cs typeface="Courier New" panose="02070309020205020404" pitchFamily="49" charset="0"/>
-              </a:rPr>
-              <a:t>|                        Transmit Counter                       |</a:t>
-            </a:r>
-          </a:p>
-          <a:p>
-            <a:pPr>
-              <a:spcAft>
-                <a:spcPts val="0"/>
-              </a:spcAft>
-            </a:pPr>
-            <a:r>
-              <a:rPr lang="en-US" sz="800" b="1" dirty="0">
-                <a:latin typeface="Courier New" panose="02070309020205020404" pitchFamily="49" charset="0"/>
-                <a:ea typeface="Courier" charset="0"/>
-                <a:cs typeface="Courier New" panose="02070309020205020404" pitchFamily="49" charset="0"/>
-              </a:rPr>
-              <a:t>|                                                               |</a:t>
-            </a:r>
-          </a:p>
-          <a:p>
-            <a:pPr>
-              <a:spcAft>
-                <a:spcPts val="0"/>
-              </a:spcAft>
-            </a:pPr>
-            <a:r>
-              <a:rPr lang="en-US" sz="800" b="1" dirty="0">
-                <a:latin typeface="Courier New" panose="02070309020205020404" pitchFamily="49" charset="0"/>
-                <a:ea typeface="Courier" charset="0"/>
-                <a:cs typeface="Courier New" panose="02070309020205020404" pitchFamily="49" charset="0"/>
-              </a:rPr>
-              <a:t>+-+-+-+-+-+-+-+-+-+-+-+-+-+-+-+-+-+-+-+-+-+-+-+-+-+-+-+-+-+-+-+-+</a:t>
-            </a:r>
-          </a:p>
-          <a:p>
-            <a:pPr>
-              <a:spcAft>
-                <a:spcPts val="0"/>
-              </a:spcAft>
-            </a:pPr>
-            <a:r>
-              <a:rPr lang="en-CA" sz="800" b="1" dirty="0">
-                <a:latin typeface="Courier New" panose="02070309020205020404" pitchFamily="49" charset="0"/>
-                <a:cs typeface="Courier New" panose="02070309020205020404" pitchFamily="49" charset="0"/>
-              </a:rPr>
-              <a:t>|X|B| Reserved  | Block Number  | Reserved      | Control Code  |</a:t>
-            </a:r>
-          </a:p>
-          <a:p>
-            <a:pPr>
-              <a:spcAft>
-                <a:spcPts val="0"/>
-              </a:spcAft>
-            </a:pPr>
-            <a:r>
-              <a:rPr lang="en-US" sz="800" b="1" dirty="0">
-                <a:latin typeface="Courier New" panose="02070309020205020404" pitchFamily="49" charset="0"/>
-                <a:ea typeface="Courier" charset="0"/>
-                <a:cs typeface="Courier New" panose="02070309020205020404" pitchFamily="49" charset="0"/>
-              </a:rPr>
-              <a:t>+-+-+-+-+-+-+-+-+-+-+-+-+-+-+-+-+-+-+-+-+-+-+-+-+-+-+-+-+-+-+-+-+</a:t>
-            </a:r>
-          </a:p>
-          <a:p>
-            <a:pPr>
-              <a:spcAft>
-                <a:spcPts val="0"/>
-              </a:spcAft>
-            </a:pPr>
-            <a:r>
-              <a:rPr lang="en-US" sz="800" b="1" dirty="0">
-                <a:solidFill>
-                  <a:schemeClr val="bg1">
-                    <a:lumMod val="50000"/>
-                  </a:schemeClr>
-                </a:solidFill>
-                <a:latin typeface="Courier New" panose="02070309020205020404" pitchFamily="49" charset="0"/>
-                <a:ea typeface="Courier" charset="0"/>
-                <a:cs typeface="Courier New" panose="02070309020205020404" pitchFamily="49" charset="0"/>
-              </a:rPr>
-              <a:t>|                        Receive Counter                        |</a:t>
-            </a:r>
-          </a:p>
-          <a:p>
-            <a:pPr>
-              <a:spcAft>
-                <a:spcPts val="0"/>
-              </a:spcAft>
-            </a:pPr>
-            <a:r>
-              <a:rPr lang="en-US" sz="800" b="1" dirty="0">
-                <a:solidFill>
-                  <a:schemeClr val="bg1">
-                    <a:lumMod val="50000"/>
-                  </a:schemeClr>
-                </a:solidFill>
-                <a:latin typeface="Courier New" panose="02070309020205020404" pitchFamily="49" charset="0"/>
-                <a:ea typeface="Courier" charset="0"/>
-                <a:cs typeface="Courier New" panose="02070309020205020404" pitchFamily="49" charset="0"/>
-              </a:rPr>
-              <a:t>|                                                               |</a:t>
-            </a:r>
-          </a:p>
-          <a:p>
-            <a:pPr>
-              <a:spcAft>
-                <a:spcPts val="0"/>
-              </a:spcAft>
-            </a:pPr>
-            <a:r>
-              <a:rPr lang="en-US" sz="800" b="1" dirty="0">
-                <a:solidFill>
-                  <a:schemeClr val="bg1">
-                    <a:lumMod val="50000"/>
-                  </a:schemeClr>
-                </a:solidFill>
-                <a:latin typeface="Courier New" panose="02070309020205020404" pitchFamily="49" charset="0"/>
-                <a:ea typeface="Courier" charset="0"/>
-                <a:cs typeface="Courier New" panose="02070309020205020404" pitchFamily="49" charset="0"/>
-              </a:rPr>
-              <a:t>+-+-+-+-+-+-+-+-+-+-+-+-+-+-+-+-+-+-+-+-+-+-+-+-+-+-+-+-+-+-+-+-+</a:t>
-            </a:r>
-          </a:p>
-          <a:p>
-            <a:pPr>
-              <a:spcAft>
-                <a:spcPts val="0"/>
-              </a:spcAft>
-            </a:pPr>
-            <a:r>
-              <a:rPr lang="en-US" sz="800" b="1" dirty="0">
-                <a:solidFill>
-                  <a:schemeClr val="bg1">
-                    <a:lumMod val="50000"/>
-                  </a:schemeClr>
-                </a:solidFill>
-                <a:latin typeface="Courier New" panose="02070309020205020404" pitchFamily="49" charset="0"/>
-                <a:ea typeface="Courier" charset="0"/>
-                <a:cs typeface="Courier New" panose="02070309020205020404" pitchFamily="49" charset="0"/>
-              </a:rPr>
-              <a:t>|                        Sender Sequence Number                 |</a:t>
-            </a:r>
-          </a:p>
-          <a:p>
-            <a:pPr>
-              <a:spcAft>
-                <a:spcPts val="0"/>
-              </a:spcAft>
-            </a:pPr>
-            <a:r>
-              <a:rPr lang="en-US" sz="800" b="1" dirty="0">
-                <a:solidFill>
-                  <a:schemeClr val="bg1">
-                    <a:lumMod val="50000"/>
-                  </a:schemeClr>
-                </a:solidFill>
-                <a:latin typeface="Courier New" panose="02070309020205020404" pitchFamily="49" charset="0"/>
-                <a:ea typeface="Courier" charset="0"/>
-                <a:cs typeface="Courier New" panose="02070309020205020404" pitchFamily="49" charset="0"/>
-              </a:rPr>
-              <a:t>+-+-+-+-+-+-+-+-+-+-+-+-+-+-+-+-+-+-+-+-+-+-+-+-+-+-+-+-+-+-+-+-+</a:t>
-            </a:r>
-          </a:p>
-          <a:p>
-            <a:pPr>
-              <a:spcAft>
-                <a:spcPts val="0"/>
-              </a:spcAft>
-            </a:pPr>
-            <a:r>
-              <a:rPr lang="en-US" sz="800" b="1" dirty="0">
-                <a:solidFill>
-                  <a:schemeClr val="bg1">
-                    <a:lumMod val="50000"/>
-                  </a:schemeClr>
-                </a:solidFill>
-                <a:latin typeface="Courier New" panose="02070309020205020404" pitchFamily="49" charset="0"/>
-                <a:ea typeface="Courier" charset="0"/>
-                <a:cs typeface="Courier New" panose="02070309020205020404" pitchFamily="49" charset="0"/>
-              </a:rPr>
-              <a:t>|                        Sender Counter                         |</a:t>
-            </a:r>
-          </a:p>
-          <a:p>
-            <a:pPr>
-              <a:spcAft>
-                <a:spcPts val="0"/>
-              </a:spcAft>
-            </a:pPr>
-            <a:r>
-              <a:rPr lang="en-US" sz="800" b="1" dirty="0">
-                <a:solidFill>
-                  <a:schemeClr val="bg1">
-                    <a:lumMod val="50000"/>
-                  </a:schemeClr>
-                </a:solidFill>
-                <a:latin typeface="Courier New" panose="02070309020205020404" pitchFamily="49" charset="0"/>
-                <a:ea typeface="Courier" charset="0"/>
-                <a:cs typeface="Courier New" panose="02070309020205020404" pitchFamily="49" charset="0"/>
-              </a:rPr>
-              <a:t>|                                                               |</a:t>
-            </a:r>
-          </a:p>
-          <a:p>
-            <a:pPr>
-              <a:spcAft>
-                <a:spcPts val="0"/>
-              </a:spcAft>
-            </a:pPr>
-            <a:r>
-              <a:rPr lang="en-US" sz="800" b="1" dirty="0">
-                <a:solidFill>
-                  <a:schemeClr val="bg1">
-                    <a:lumMod val="50000"/>
-                  </a:schemeClr>
-                </a:solidFill>
-                <a:latin typeface="Courier New" panose="02070309020205020404" pitchFamily="49" charset="0"/>
-                <a:ea typeface="Courier" charset="0"/>
-                <a:cs typeface="Courier New" panose="02070309020205020404" pitchFamily="49" charset="0"/>
-              </a:rPr>
-              <a:t>+-+-+-+-+-+-+-+-+-+-+-+-+-+-+-+-+-+-+-+-+-+-+-+-+-+-+-+-+-+-+-+-+</a:t>
-            </a:r>
-          </a:p>
-          <a:p>
-            <a:pPr>
-              <a:spcAft>
-                <a:spcPts val="0"/>
-              </a:spcAft>
-            </a:pPr>
-            <a:r>
-              <a:rPr lang="en-CA" sz="800" b="1" dirty="0">
-                <a:solidFill>
-                  <a:schemeClr val="bg1">
-                    <a:lumMod val="50000"/>
-                  </a:schemeClr>
-                </a:solidFill>
-                <a:latin typeface="Courier New" panose="02070309020205020404" pitchFamily="49" charset="0"/>
-                <a:cs typeface="Courier New" panose="02070309020205020404" pitchFamily="49" charset="0"/>
-              </a:rPr>
-              <a:t>|X|B| Reserved  |Sender Block Nu|   MBZ                         |</a:t>
-            </a:r>
-          </a:p>
-          <a:p>
-            <a:pPr>
-              <a:spcAft>
-                <a:spcPts val="0"/>
-              </a:spcAft>
-            </a:pPr>
-            <a:r>
-              <a:rPr lang="en-US" sz="800" b="1" dirty="0">
-                <a:solidFill>
-                  <a:schemeClr val="bg1">
-                    <a:lumMod val="50000"/>
-                  </a:schemeClr>
-                </a:solidFill>
-                <a:latin typeface="Courier New" panose="02070309020205020404" pitchFamily="49" charset="0"/>
-                <a:ea typeface="Courier" charset="0"/>
-                <a:cs typeface="Courier New" panose="02070309020205020404" pitchFamily="49" charset="0"/>
-              </a:rPr>
-              <a:t>+-+-+-+-+-+-+-+-+-+-+-+-+-+-+-+-+-+-+-+-+-+-+-+-+-+-+-+-+-+-+-+-+</a:t>
-            </a:r>
-          </a:p>
-          <a:p>
-            <a:pPr>
-              <a:spcAft>
-                <a:spcPts val="0"/>
-              </a:spcAft>
-            </a:pPr>
-            <a:r>
-              <a:rPr lang="en-US" sz="800" b="1" dirty="0">
-                <a:solidFill>
-                  <a:schemeClr val="tx2">
-                    <a:lumMod val="60000"/>
-                    <a:lumOff val="40000"/>
-                  </a:schemeClr>
-                </a:solidFill>
-                <a:latin typeface="Courier New" panose="02070309020205020404" pitchFamily="49" charset="0"/>
-                <a:ea typeface="Courier" charset="0"/>
-                <a:cs typeface="Courier New" panose="02070309020205020404" pitchFamily="49" charset="0"/>
-              </a:rPr>
-              <a:t>|  Sender TTL   |  MBZ/</a:t>
-            </a:r>
-            <a:r>
-              <a:rPr lang="en-US" sz="800" b="1" dirty="0">
-                <a:solidFill>
-                  <a:srgbClr val="7030A0"/>
-                </a:solidFill>
-                <a:latin typeface="Courier New" panose="02070309020205020404" pitchFamily="49" charset="0"/>
-                <a:ea typeface="Courier" charset="0"/>
-                <a:cs typeface="Courier New" panose="02070309020205020404" pitchFamily="49" charset="0"/>
-              </a:rPr>
-              <a:t>Reserved (3 Bytes)</a:t>
-            </a:r>
-            <a:r>
-              <a:rPr lang="en-US" sz="800" b="1" dirty="0">
-                <a:solidFill>
-                  <a:schemeClr val="tx2">
-                    <a:lumMod val="60000"/>
-                    <a:lumOff val="40000"/>
-                  </a:schemeClr>
-                </a:solidFill>
-                <a:latin typeface="Courier New" panose="02070309020205020404" pitchFamily="49" charset="0"/>
-                <a:ea typeface="Courier" charset="0"/>
-                <a:cs typeface="Courier New" panose="02070309020205020404" pitchFamily="49" charset="0"/>
-              </a:rPr>
-              <a:t>             </a:t>
-            </a:r>
-            <a:r>
-              <a:rPr lang="en-CA" sz="800" b="1" dirty="0">
-                <a:solidFill>
-                  <a:schemeClr val="tx2">
-                    <a:lumMod val="60000"/>
-                    <a:lumOff val="40000"/>
-                  </a:schemeClr>
-                </a:solidFill>
-                <a:latin typeface="Courier New" panose="02070309020205020404" pitchFamily="49" charset="0"/>
-                <a:cs typeface="Courier New" panose="02070309020205020404" pitchFamily="49" charset="0"/>
-              </a:rPr>
-              <a:t>          </a:t>
-            </a:r>
-            <a:r>
-              <a:rPr lang="en-US" sz="800" b="1" dirty="0">
-                <a:solidFill>
-                  <a:schemeClr val="tx2">
-                    <a:lumMod val="60000"/>
-                    <a:lumOff val="40000"/>
-                  </a:schemeClr>
-                </a:solidFill>
-                <a:latin typeface="Courier New" panose="02070309020205020404" pitchFamily="49" charset="0"/>
-                <a:ea typeface="Courier" charset="0"/>
-                <a:cs typeface="Courier New" panose="02070309020205020404" pitchFamily="49" charset="0"/>
-              </a:rPr>
-              <a:t>|</a:t>
-            </a:r>
-          </a:p>
-          <a:p>
-            <a:pPr>
-              <a:spcAft>
-                <a:spcPts val="0"/>
-              </a:spcAft>
-            </a:pPr>
-            <a:r>
-              <a:rPr lang="en-US" sz="800" b="1" dirty="0">
-                <a:solidFill>
-                  <a:schemeClr val="tx2">
-                    <a:lumMod val="60000"/>
-                    <a:lumOff val="40000"/>
-                  </a:schemeClr>
-                </a:solidFill>
-                <a:latin typeface="Courier New" panose="02070309020205020404" pitchFamily="49" charset="0"/>
-                <a:ea typeface="Courier" charset="0"/>
-                <a:cs typeface="Courier New" panose="02070309020205020404" pitchFamily="49" charset="0"/>
-              </a:rPr>
-              <a:t>+-+-+-+-+-+-+-+-+-+-+-+-+-+-+-+-+-+-+-+-+-+-+-+-+-+-+-+-+-+-+-+-+</a:t>
-            </a:r>
-          </a:p>
-          <a:p>
-            <a:pPr>
-              <a:spcAft>
-                <a:spcPts val="0"/>
-              </a:spcAft>
-            </a:pPr>
-            <a:r>
-              <a:rPr lang="en-US" sz="800" b="1" dirty="0">
-                <a:solidFill>
-                  <a:srgbClr val="7030A0"/>
-                </a:solidFill>
-                <a:latin typeface="Courier New" panose="02070309020205020404" pitchFamily="49" charset="0"/>
-                <a:ea typeface="Courier" charset="0"/>
-                <a:cs typeface="Courier New" panose="02070309020205020404" pitchFamily="49" charset="0"/>
-              </a:rPr>
-              <a:t>|                        Padding                                |</a:t>
-            </a:r>
-          </a:p>
-          <a:p>
-            <a:pPr>
-              <a:spcAft>
-                <a:spcPts val="0"/>
-              </a:spcAft>
-            </a:pPr>
-            <a:r>
-              <a:rPr lang="en-US" sz="800" b="1" dirty="0">
-                <a:solidFill>
-                  <a:srgbClr val="7030A0"/>
-                </a:solidFill>
-                <a:latin typeface="Courier New" panose="02070309020205020404" pitchFamily="49" charset="0"/>
-                <a:ea typeface="Courier" charset="0"/>
-                <a:cs typeface="Courier New" panose="02070309020205020404" pitchFamily="49" charset="0"/>
-              </a:rPr>
-              <a:t>.                                                               .</a:t>
-            </a:r>
-          </a:p>
-          <a:p>
-            <a:r>
-              <a:rPr lang="en-US" sz="800" b="1" dirty="0">
-                <a:solidFill>
-                  <a:srgbClr val="7030A0"/>
-                </a:solidFill>
-                <a:latin typeface="Courier New" panose="02070309020205020404" pitchFamily="49" charset="0"/>
-                <a:ea typeface="Courier" charset="0"/>
-                <a:cs typeface="Courier New" panose="02070309020205020404" pitchFamily="49" charset="0"/>
-              </a:rPr>
-              <a:t>+-+-+-+-+-+-+-+-+-+-+-+-+-+-+-+-+-+-+-+-+-+-+-+-+-+-+-+-+-+-+-+-+</a:t>
-            </a:r>
-          </a:p>
-        </p:txBody>
-      </p:sp>
-      <p:sp>
-        <p:nvSpPr>
-          <p:cNvPr id="6" name="Content Placeholder 2"/>
-          <p:cNvSpPr txBox="1">
-            <a:spLocks/>
-          </p:cNvSpPr>
-          <p:nvPr/>
-        </p:nvSpPr>
-        <p:spPr bwMode="auto">
-          <a:xfrm>
-            <a:off x="228600" y="1221581"/>
-            <a:ext cx="4343400" cy="3483769"/>
-          </a:xfrm>
-          <a:prstGeom prst="rect">
-            <a:avLst/>
-          </a:prstGeom>
-          <a:noFill/>
-          <a:ln w="9525">
-            <a:noFill/>
-            <a:miter lim="800000"/>
-            <a:headEnd/>
-            <a:tailEnd/>
-          </a:ln>
-        </p:spPr>
-        <p:txBody>
-          <a:bodyPr vert="horz" wrap="square" lIns="91440" tIns="45720" rIns="91440" bIns="45720" numCol="1" anchor="t" anchorCtr="0" compatLnSpc="1">
-            <a:prstTxWarp prst="textNoShape">
-              <a:avLst/>
-            </a:prstTxWarp>
-          </a:bodyPr>
-          <a:lstStyle>
-            <a:lvl1pPr marL="342900" indent="-342900" algn="l" rtl="0" eaLnBrk="0" fontAlgn="base" hangingPunct="0">
-              <a:spcBef>
-                <a:spcPct val="20000"/>
-              </a:spcBef>
-              <a:spcAft>
-                <a:spcPct val="0"/>
-              </a:spcAft>
-              <a:buChar char="•"/>
-              <a:defRPr sz="3200">
-                <a:solidFill>
-                  <a:schemeClr val="tx1"/>
-                </a:solidFill>
-                <a:latin typeface="Calibri" charset="0"/>
-                <a:ea typeface="Calibri" charset="0"/>
-                <a:cs typeface="Calibri" charset="0"/>
-              </a:defRPr>
-            </a:lvl1pPr>
-            <a:lvl2pPr marL="742950" indent="-285750" algn="l" rtl="0" eaLnBrk="0" fontAlgn="base" hangingPunct="0">
-              <a:spcBef>
-                <a:spcPct val="20000"/>
-              </a:spcBef>
-              <a:spcAft>
-                <a:spcPct val="0"/>
-              </a:spcAft>
-              <a:buChar char="–"/>
-              <a:defRPr sz="2800">
-                <a:solidFill>
-                  <a:schemeClr val="tx1"/>
-                </a:solidFill>
-                <a:latin typeface="Calibri" charset="0"/>
-                <a:ea typeface="Calibri" charset="0"/>
-                <a:cs typeface="Calibri" charset="0"/>
-              </a:defRPr>
-            </a:lvl2pPr>
-            <a:lvl3pPr marL="1143000" indent="-228600" algn="l" rtl="0" eaLnBrk="0" fontAlgn="base" hangingPunct="0">
-              <a:spcBef>
-                <a:spcPct val="20000"/>
-              </a:spcBef>
-              <a:spcAft>
-                <a:spcPct val="0"/>
-              </a:spcAft>
-              <a:buChar char="•"/>
-              <a:defRPr sz="2400">
-                <a:solidFill>
-                  <a:schemeClr val="tx1"/>
-                </a:solidFill>
-                <a:latin typeface="Calibri" charset="0"/>
-                <a:ea typeface="Calibri" charset="0"/>
-                <a:cs typeface="Calibri" charset="0"/>
-              </a:defRPr>
-            </a:lvl3pPr>
-            <a:lvl4pPr marL="1600200" indent="-228600" algn="l" rtl="0" eaLnBrk="0" fontAlgn="base" hangingPunct="0">
-              <a:spcBef>
-                <a:spcPct val="20000"/>
-              </a:spcBef>
-              <a:spcAft>
-                <a:spcPct val="0"/>
-              </a:spcAft>
-              <a:buChar char="–"/>
-              <a:defRPr sz="2000">
-                <a:solidFill>
-                  <a:schemeClr val="tx1"/>
-                </a:solidFill>
-                <a:latin typeface="Calibri" charset="0"/>
-                <a:ea typeface="Calibri" charset="0"/>
-                <a:cs typeface="Calibri" charset="0"/>
-              </a:defRPr>
-            </a:lvl4pPr>
-            <a:lvl5pPr marL="2057400" indent="-228600" algn="l" rtl="0" eaLnBrk="0" fontAlgn="base" hangingPunct="0">
-              <a:spcBef>
-                <a:spcPct val="20000"/>
-              </a:spcBef>
-              <a:spcAft>
-                <a:spcPct val="0"/>
-              </a:spcAft>
-              <a:buChar char="»"/>
-              <a:defRPr sz="2000">
-                <a:solidFill>
-                  <a:schemeClr val="tx1"/>
-                </a:solidFill>
-                <a:latin typeface="Calibri" charset="0"/>
-                <a:ea typeface="Calibri" charset="0"/>
-                <a:cs typeface="Calibri" charset="0"/>
-              </a:defRPr>
-            </a:lvl5pPr>
-            <a:lvl6pPr marL="2514600" indent="-228600" algn="l" rtl="0" fontAlgn="base">
-              <a:spcBef>
-                <a:spcPct val="20000"/>
-              </a:spcBef>
-              <a:spcAft>
-                <a:spcPct val="0"/>
-              </a:spcAft>
-              <a:buChar char="»"/>
-              <a:defRPr sz="2000">
-                <a:solidFill>
-                  <a:schemeClr val="tx1"/>
-                </a:solidFill>
-                <a:latin typeface="+mn-lt"/>
-                <a:ea typeface="+mn-ea"/>
-              </a:defRPr>
-            </a:lvl6pPr>
-            <a:lvl7pPr marL="2971800" indent="-228600" algn="l" rtl="0" fontAlgn="base">
-              <a:spcBef>
-                <a:spcPct val="20000"/>
-              </a:spcBef>
-              <a:spcAft>
-                <a:spcPct val="0"/>
-              </a:spcAft>
-              <a:buChar char="»"/>
-              <a:defRPr sz="2000">
-                <a:solidFill>
-                  <a:schemeClr val="tx1"/>
-                </a:solidFill>
-                <a:latin typeface="+mn-lt"/>
-                <a:ea typeface="+mn-ea"/>
-              </a:defRPr>
-            </a:lvl7pPr>
-            <a:lvl8pPr marL="3429000" indent="-228600" algn="l" rtl="0" fontAlgn="base">
-              <a:spcBef>
-                <a:spcPct val="20000"/>
-              </a:spcBef>
-              <a:spcAft>
-                <a:spcPct val="0"/>
-              </a:spcAft>
-              <a:buChar char="»"/>
-              <a:defRPr sz="2000">
-                <a:solidFill>
-                  <a:schemeClr val="tx1"/>
-                </a:solidFill>
-                <a:latin typeface="+mn-lt"/>
-                <a:ea typeface="+mn-ea"/>
-              </a:defRPr>
-            </a:lvl8pPr>
-            <a:lvl9pPr marL="3886200" indent="-228600" algn="l" rtl="0" fontAlgn="base">
-              <a:spcBef>
-                <a:spcPct val="20000"/>
-              </a:spcBef>
-              <a:spcAft>
-                <a:spcPct val="0"/>
-              </a:spcAft>
-              <a:buChar char="»"/>
-              <a:defRPr sz="2000">
-                <a:solidFill>
-                  <a:schemeClr val="tx1"/>
-                </a:solidFill>
-                <a:latin typeface="+mn-lt"/>
-                <a:ea typeface="+mn-ea"/>
-              </a:defRPr>
-            </a:lvl9pPr>
-          </a:lstStyle>
-          <a:p>
-            <a:r>
-              <a:rPr lang="en-US" sz="1600" kern="0" dirty="0"/>
-              <a:t>Loss Measurement (LM) message defined with </a:t>
-            </a:r>
-            <a:r>
-              <a:rPr lang="en-US" sz="1600" b="1" kern="0" dirty="0"/>
-              <a:t>well-known locations</a:t>
-            </a:r>
-            <a:r>
-              <a:rPr lang="en-US" sz="1600" kern="0" dirty="0"/>
-              <a:t> for transmit and receive traffic counters</a:t>
-            </a:r>
-          </a:p>
-          <a:p>
-            <a:pPr lvl="1"/>
-            <a:r>
-              <a:rPr lang="en-US" sz="1600" kern="0" dirty="0"/>
-              <a:t>Hardware efficient counter-stamping</a:t>
-            </a:r>
-          </a:p>
-          <a:p>
-            <a:pPr lvl="1"/>
-            <a:r>
-              <a:rPr lang="en-US" sz="1600" kern="0" dirty="0"/>
-              <a:t>Aligned with DM message format</a:t>
-            </a:r>
-          </a:p>
-          <a:p>
-            <a:r>
-              <a:rPr lang="en-US" sz="1600" kern="0" dirty="0"/>
-              <a:t>LM Message format is also defined for authenticated mode</a:t>
-            </a:r>
-          </a:p>
-          <a:p>
-            <a:r>
-              <a:rPr lang="en-US" sz="1600" kern="0" dirty="0"/>
-              <a:t>User-configured destination UDP </a:t>
-            </a:r>
-            <a:r>
-              <a:rPr lang="en-US" sz="1600" b="1" kern="0" dirty="0"/>
-              <a:t>port2</a:t>
-            </a:r>
-            <a:r>
-              <a:rPr lang="en-US" sz="1600" kern="0" dirty="0"/>
-              <a:t> is used for identifying LM probe packets</a:t>
-            </a:r>
-          </a:p>
-          <a:p>
-            <a:r>
-              <a:rPr lang="en-US" sz="1600" kern="0" dirty="0">
-                <a:solidFill>
-                  <a:srgbClr val="7030A0"/>
-                </a:solidFill>
-              </a:rPr>
-              <a:t>Similar LM messages defined for STAMP [</a:t>
-            </a:r>
-            <a:r>
-              <a:rPr lang="en-CA" sz="1600" dirty="0">
-                <a:solidFill>
-                  <a:srgbClr val="7030A0"/>
-                </a:solidFill>
-              </a:rPr>
-              <a:t>draft-</a:t>
-            </a:r>
-            <a:r>
-              <a:rPr lang="en-CA" sz="1600" dirty="0" err="1">
-                <a:solidFill>
-                  <a:srgbClr val="7030A0"/>
-                </a:solidFill>
-              </a:rPr>
-              <a:t>ietf</a:t>
-            </a:r>
-            <a:r>
-              <a:rPr lang="en-CA" sz="1600" dirty="0">
-                <a:solidFill>
-                  <a:srgbClr val="7030A0"/>
-                </a:solidFill>
-              </a:rPr>
-              <a:t>-</a:t>
-            </a:r>
-            <a:r>
-              <a:rPr lang="en-CA" sz="1600" dirty="0" err="1">
-                <a:solidFill>
-                  <a:srgbClr val="7030A0"/>
-                </a:solidFill>
-              </a:rPr>
-              <a:t>ippm</a:t>
-            </a:r>
-            <a:r>
-              <a:rPr lang="en-CA" sz="1600" dirty="0">
-                <a:solidFill>
-                  <a:srgbClr val="7030A0"/>
-                </a:solidFill>
-              </a:rPr>
-              <a:t>-stamp</a:t>
-            </a:r>
-            <a:r>
-              <a:rPr lang="en-US" sz="1600" kern="0" dirty="0">
-                <a:solidFill>
-                  <a:srgbClr val="7030A0"/>
-                </a:solidFill>
-              </a:rPr>
-              <a:t>] without padding as shown in Figure.</a:t>
-            </a:r>
-          </a:p>
-        </p:txBody>
-      </p:sp>
-      <p:sp>
-        <p:nvSpPr>
-          <p:cNvPr id="3" name="Slide Number Placeholder 2"/>
+          <p:cNvPr id="5" name="Slide Number Placeholder 4"/>
           <p:cNvSpPr>
             <a:spLocks noGrp="1"/>
           </p:cNvSpPr>
@@ -6674,14 +5706,14 @@
               </a:pPr>
               <a:t>10</a:t>
             </a:fld>
-            <a:endParaRPr lang="en-US" altLang="zh-CN" dirty="0"/>
+            <a:endParaRPr lang="en-US" altLang="zh-CN"/>
           </a:p>
         </p:txBody>
       </p:sp>
     </p:spTree>
     <p:extLst>
       <p:ext uri="{BB962C8B-B14F-4D97-AF65-F5344CB8AC3E}">
-        <p14:creationId xmlns:p14="http://schemas.microsoft.com/office/powerpoint/2010/main" val="207738585"/>
+        <p14:creationId xmlns:p14="http://schemas.microsoft.com/office/powerpoint/2010/main" val="2309160477"/>
       </p:ext>
     </p:extLst>
   </p:cSld>
@@ -6710,148 +5742,234 @@
       </p:grpSpPr>
       <p:sp>
         <p:nvSpPr>
-          <p:cNvPr id="2" name="Title 1"/>
+          <p:cNvPr id="4" name="Footer Placeholder 3"/>
           <p:cNvSpPr>
             <a:spLocks noGrp="1"/>
           </p:cNvSpPr>
           <p:nvPr>
-            <p:ph type="title"/>
+            <p:ph type="ftr" sz="quarter" idx="11"/>
           </p:nvPr>
         </p:nvSpPr>
         <p:spPr>
           <a:xfrm>
-            <a:off x="457200" y="0"/>
-            <a:ext cx="8229600" cy="857250"/>
+            <a:off x="3048000" y="4786312"/>
+            <a:ext cx="2895600" cy="357188"/>
           </a:xfrm>
         </p:spPr>
         <p:txBody>
           <a:bodyPr/>
           <a:lstStyle/>
           <a:p>
-            <a:r>
-              <a:rPr lang="en-US" sz="3600" dirty="0">
+            <a:pPr>
+              <a:defRPr/>
+            </a:pPr>
+            <a:r>
+              <a:rPr lang="en-US" altLang="zh-CN" dirty="0"/>
+              <a:t>107</a:t>
+            </a:r>
+            <a:r>
+              <a:rPr lang="en-US" altLang="zh-CN" baseline="30000" dirty="0"/>
+              <a:t>th</a:t>
+            </a:r>
+            <a:r>
+              <a:rPr lang="en-US" altLang="zh-CN" dirty="0"/>
+              <a:t> IETF @ Vancouver</a:t>
+            </a:r>
+          </a:p>
+        </p:txBody>
+      </p:sp>
+      <p:sp>
+        <p:nvSpPr>
+          <p:cNvPr id="5" name="Rectangle 2"/>
+          <p:cNvSpPr txBox="1">
+            <a:spLocks noChangeArrowheads="1"/>
+          </p:cNvSpPr>
+          <p:nvPr/>
+        </p:nvSpPr>
+        <p:spPr bwMode="auto">
+          <a:xfrm>
+            <a:off x="685800" y="1657350"/>
+            <a:ext cx="7772400" cy="1102519"/>
+          </a:xfrm>
+          <a:prstGeom prst="rect">
+            <a:avLst/>
+          </a:prstGeom>
+          <a:noFill/>
+          <a:ln w="9525">
+            <a:noFill/>
+            <a:miter lim="800000"/>
+            <a:headEnd/>
+            <a:tailEnd/>
+          </a:ln>
+          <a:effectLst/>
+        </p:spPr>
+        <p:txBody>
+          <a:bodyPr vert="horz" wrap="square" lIns="91440" tIns="45720" rIns="91440" bIns="45720" numCol="1" anchor="ctr" anchorCtr="0" compatLnSpc="1">
+            <a:prstTxWarp prst="textNoShape">
+              <a:avLst/>
+            </a:prstTxWarp>
+          </a:bodyPr>
+          <a:lstStyle>
+            <a:lvl1pPr algn="ctr" rtl="0" eaLnBrk="0" fontAlgn="base" hangingPunct="0">
+              <a:spcBef>
+                <a:spcPct val="0"/>
+              </a:spcBef>
+              <a:spcAft>
+                <a:spcPct val="0"/>
+              </a:spcAft>
+              <a:defRPr sz="4400">
                 <a:solidFill>
-                  <a:srgbClr val="0070C0"/>
+                  <a:schemeClr val="tx2"/>
                 </a:solidFill>
-                <a:latin typeface="Calibri Light" panose="020F0302020204030204" pitchFamily="34" charset="0"/>
-                <a:cs typeface="Calibri Light" panose="020F0302020204030204" pitchFamily="34" charset="0"/>
-              </a:rPr>
-              <a:t>Next Steps</a:t>
-            </a:r>
-          </a:p>
-        </p:txBody>
-      </p:sp>
-      <p:sp>
-        <p:nvSpPr>
-          <p:cNvPr id="3" name="Content Placeholder 2"/>
-          <p:cNvSpPr>
-            <a:spLocks noGrp="1"/>
-          </p:cNvSpPr>
-          <p:nvPr>
-            <p:ph idx="1"/>
-          </p:nvPr>
-        </p:nvSpPr>
-        <p:spPr>
-          <a:xfrm>
-            <a:off x="685800" y="1123950"/>
-            <a:ext cx="8001000" cy="2514599"/>
-          </a:xfrm>
-        </p:spPr>
-        <p:txBody>
-          <a:bodyPr/>
-          <a:lstStyle/>
-          <a:p>
-            <a:pPr lvl="0"/>
-            <a:r>
-              <a:rPr lang="en-US" sz="2400" dirty="0">
+                <a:latin typeface="+mj-lt"/>
+                <a:ea typeface="+mj-ea"/>
+                <a:cs typeface="+mj-cs"/>
+              </a:defRPr>
+            </a:lvl1pPr>
+            <a:lvl2pPr algn="ctr" rtl="0" eaLnBrk="0" fontAlgn="base" hangingPunct="0">
+              <a:spcBef>
+                <a:spcPct val="0"/>
+              </a:spcBef>
+              <a:spcAft>
+                <a:spcPct val="0"/>
+              </a:spcAft>
+              <a:defRPr sz="4400">
+                <a:solidFill>
+                  <a:schemeClr val="tx2"/>
+                </a:solidFill>
+                <a:latin typeface="Arial" charset="0"/>
+                <a:ea typeface="宋体" pitchFamily="2" charset="-122"/>
+              </a:defRPr>
+            </a:lvl2pPr>
+            <a:lvl3pPr algn="ctr" rtl="0" eaLnBrk="0" fontAlgn="base" hangingPunct="0">
+              <a:spcBef>
+                <a:spcPct val="0"/>
+              </a:spcBef>
+              <a:spcAft>
+                <a:spcPct val="0"/>
+              </a:spcAft>
+              <a:defRPr sz="4400">
+                <a:solidFill>
+                  <a:schemeClr val="tx2"/>
+                </a:solidFill>
+                <a:latin typeface="Arial" charset="0"/>
+                <a:ea typeface="宋体" pitchFamily="2" charset="-122"/>
+              </a:defRPr>
+            </a:lvl3pPr>
+            <a:lvl4pPr algn="ctr" rtl="0" eaLnBrk="0" fontAlgn="base" hangingPunct="0">
+              <a:spcBef>
+                <a:spcPct val="0"/>
+              </a:spcBef>
+              <a:spcAft>
+                <a:spcPct val="0"/>
+              </a:spcAft>
+              <a:defRPr sz="4400">
+                <a:solidFill>
+                  <a:schemeClr val="tx2"/>
+                </a:solidFill>
+                <a:latin typeface="Arial" charset="0"/>
+                <a:ea typeface="宋体" pitchFamily="2" charset="-122"/>
+              </a:defRPr>
+            </a:lvl4pPr>
+            <a:lvl5pPr algn="ctr" rtl="0" eaLnBrk="0" fontAlgn="base" hangingPunct="0">
+              <a:spcBef>
+                <a:spcPct val="0"/>
+              </a:spcBef>
+              <a:spcAft>
+                <a:spcPct val="0"/>
+              </a:spcAft>
+              <a:defRPr sz="4400">
+                <a:solidFill>
+                  <a:schemeClr val="tx2"/>
+                </a:solidFill>
+                <a:latin typeface="Arial" charset="0"/>
+                <a:ea typeface="宋体" pitchFamily="2" charset="-122"/>
+              </a:defRPr>
+            </a:lvl5pPr>
+            <a:lvl6pPr marL="457200" algn="ctr" rtl="0" fontAlgn="base">
+              <a:spcBef>
+                <a:spcPct val="0"/>
+              </a:spcBef>
+              <a:spcAft>
+                <a:spcPct val="0"/>
+              </a:spcAft>
+              <a:defRPr sz="4400">
+                <a:solidFill>
+                  <a:schemeClr val="tx2"/>
+                </a:solidFill>
+                <a:latin typeface="Arial" charset="0"/>
+                <a:ea typeface="宋体" pitchFamily="2" charset="-122"/>
+              </a:defRPr>
+            </a:lvl6pPr>
+            <a:lvl7pPr marL="914400" algn="ctr" rtl="0" fontAlgn="base">
+              <a:spcBef>
+                <a:spcPct val="0"/>
+              </a:spcBef>
+              <a:spcAft>
+                <a:spcPct val="0"/>
+              </a:spcAft>
+              <a:defRPr sz="4400">
+                <a:solidFill>
+                  <a:schemeClr val="tx2"/>
+                </a:solidFill>
+                <a:latin typeface="Arial" charset="0"/>
+                <a:ea typeface="宋体" pitchFamily="2" charset="-122"/>
+              </a:defRPr>
+            </a:lvl7pPr>
+            <a:lvl8pPr marL="1371600" algn="ctr" rtl="0" fontAlgn="base">
+              <a:spcBef>
+                <a:spcPct val="0"/>
+              </a:spcBef>
+              <a:spcAft>
+                <a:spcPct val="0"/>
+              </a:spcAft>
+              <a:defRPr sz="4400">
+                <a:solidFill>
+                  <a:schemeClr val="tx2"/>
+                </a:solidFill>
+                <a:latin typeface="Arial" charset="0"/>
+                <a:ea typeface="宋体" pitchFamily="2" charset="-122"/>
+              </a:defRPr>
+            </a:lvl8pPr>
+            <a:lvl9pPr marL="1828800" algn="ctr" rtl="0" fontAlgn="base">
+              <a:spcBef>
+                <a:spcPct val="0"/>
+              </a:spcBef>
+              <a:spcAft>
+                <a:spcPct val="0"/>
+              </a:spcAft>
+              <a:defRPr sz="4400">
+                <a:solidFill>
+                  <a:schemeClr val="tx2"/>
+                </a:solidFill>
+                <a:latin typeface="Arial" charset="0"/>
+                <a:ea typeface="宋体" pitchFamily="2" charset="-122"/>
+              </a:defRPr>
+            </a:lvl9pPr>
+          </a:lstStyle>
+          <a:p>
+            <a:pPr eaLnBrk="1" hangingPunct="1">
+              <a:defRPr/>
+            </a:pPr>
+            <a:r>
+              <a:rPr lang="en-US" altLang="zh-CN" sz="4000" kern="0" dirty="0">
+                <a:effectLst>
+                  <a:outerShdw blurRad="38100" dist="38100" dir="2700000" algn="tl">
+                    <a:srgbClr val="C0C0C0"/>
+                  </a:outerShdw>
+                </a:effectLst>
                 <a:latin typeface="Calibri" charset="0"/>
                 <a:ea typeface="Calibri" charset="0"/>
                 <a:cs typeface="Calibri" charset="0"/>
               </a:rPr>
-              <a:t>Welcome your comments and suggestions</a:t>
-            </a:r>
-          </a:p>
-          <a:p>
-            <a:r>
-              <a:rPr lang="en-US" sz="2400" dirty="0"/>
-              <a:t>Has been implemented </a:t>
-            </a:r>
-          </a:p>
-          <a:p>
-            <a:r>
-              <a:rPr lang="en-US" sz="2400" dirty="0"/>
-              <a:t>In </a:t>
-            </a:r>
-            <a:r>
-              <a:rPr lang="en-US" sz="2400" dirty="0">
-                <a:latin typeface="Calibri" charset="0"/>
-                <a:ea typeface="Calibri" charset="0"/>
-                <a:cs typeface="Calibri" charset="0"/>
-              </a:rPr>
-              <a:t>WG adoption (SPRING WG) queue</a:t>
-            </a:r>
-          </a:p>
-          <a:p>
-            <a:r>
-              <a:rPr lang="en-US" sz="2400" dirty="0"/>
-              <a:t>Keep IPPM WG in the loop about the milestones</a:t>
-            </a:r>
-            <a:endParaRPr lang="en-US" sz="2400" dirty="0">
-              <a:latin typeface="Calibri" charset="0"/>
-              <a:ea typeface="Calibri" charset="0"/>
-              <a:cs typeface="Calibri" charset="0"/>
-            </a:endParaRPr>
-          </a:p>
-          <a:p>
-            <a:endParaRPr lang="en-US" sz="2400" dirty="0">
-              <a:latin typeface="Calibri" charset="0"/>
-              <a:ea typeface="Calibri" charset="0"/>
-              <a:cs typeface="Calibri" charset="0"/>
-            </a:endParaRPr>
-          </a:p>
-        </p:txBody>
-      </p:sp>
-      <p:sp>
-        <p:nvSpPr>
-          <p:cNvPr id="4" name="Footer Placeholder 3"/>
-          <p:cNvSpPr>
-            <a:spLocks noGrp="1"/>
-          </p:cNvSpPr>
-          <p:nvPr>
-            <p:ph type="ftr" sz="quarter" idx="11"/>
-          </p:nvPr>
-        </p:nvSpPr>
-        <p:spPr>
-          <a:xfrm>
-            <a:off x="3124200" y="4786312"/>
-            <a:ext cx="2895600" cy="357188"/>
-          </a:xfrm>
-        </p:spPr>
-        <p:txBody>
-          <a:bodyPr/>
-          <a:lstStyle/>
-          <a:p>
-            <a:pPr>
-              <a:defRPr/>
-            </a:pPr>
-            <a:r>
-              <a:rPr lang="en-US" altLang="zh-CN" dirty="0"/>
-              <a:t>107</a:t>
-            </a:r>
-            <a:r>
-              <a:rPr lang="en-US" altLang="zh-CN" baseline="30000" dirty="0"/>
-              <a:t>th</a:t>
-            </a:r>
-            <a:r>
-              <a:rPr lang="en-US" altLang="zh-CN" dirty="0"/>
-              <a:t> IETF @ Vancouver</a:t>
-            </a:r>
-          </a:p>
-        </p:txBody>
-      </p:sp>
-      <p:sp>
-        <p:nvSpPr>
-          <p:cNvPr id="5" name="Slide Number Placeholder 4"/>
+              <a:t>Thank you</a:t>
+            </a:r>
+          </a:p>
+        </p:txBody>
+      </p:sp>
+      <p:sp>
+        <p:nvSpPr>
+          <p:cNvPr id="2" name="Slide Number Placeholder 1"/>
           <p:cNvSpPr>
             <a:spLocks noGrp="1"/>
           </p:cNvSpPr>
@@ -6881,7 +5999,7 @@
     </p:spTree>
     <p:extLst>
       <p:ext uri="{BB962C8B-B14F-4D97-AF65-F5344CB8AC3E}">
-        <p14:creationId xmlns:p14="http://schemas.microsoft.com/office/powerpoint/2010/main" val="2309160477"/>
+        <p14:creationId xmlns:p14="http://schemas.microsoft.com/office/powerpoint/2010/main" val="15840811"/>
       </p:ext>
     </p:extLst>
   </p:cSld>
@@ -6910,7 +6028,7 @@
       </p:grpSpPr>
       <p:sp>
         <p:nvSpPr>
-          <p:cNvPr id="4" name="Footer Placeholder 3"/>
+          <p:cNvPr id="6" name="Footer Placeholder 3"/>
           <p:cNvSpPr>
             <a:spLocks noGrp="1"/>
           </p:cNvSpPr>
@@ -6920,7 +6038,7 @@
         </p:nvSpPr>
         <p:spPr>
           <a:xfrm>
-            <a:off x="3048000" y="4786312"/>
+            <a:off x="3124200" y="4786312"/>
             <a:ext cx="2895600" cy="357188"/>
           </a:xfrm>
         </p:spPr>
@@ -6948,196 +6066,7 @@
       </p:sp>
       <p:sp>
         <p:nvSpPr>
-          <p:cNvPr id="5" name="Rectangle 2"/>
-          <p:cNvSpPr txBox="1">
-            <a:spLocks noChangeArrowheads="1"/>
-          </p:cNvSpPr>
-          <p:nvPr/>
-        </p:nvSpPr>
-        <p:spPr bwMode="auto">
-          <a:xfrm>
-            <a:off x="685800" y="1657350"/>
-            <a:ext cx="7772400" cy="1102519"/>
-          </a:xfrm>
-          <a:prstGeom prst="rect">
-            <a:avLst/>
-          </a:prstGeom>
-          <a:noFill/>
-          <a:ln w="9525">
-            <a:noFill/>
-            <a:miter lim="800000"/>
-            <a:headEnd/>
-            <a:tailEnd/>
-          </a:ln>
-          <a:effectLst/>
-        </p:spPr>
-        <p:txBody>
-          <a:bodyPr vert="horz" wrap="square" lIns="91440" tIns="45720" rIns="91440" bIns="45720" numCol="1" anchor="ctr" anchorCtr="0" compatLnSpc="1">
-            <a:prstTxWarp prst="textNoShape">
-              <a:avLst/>
-            </a:prstTxWarp>
-          </a:bodyPr>
-          <a:lstStyle>
-            <a:lvl1pPr algn="ctr" rtl="0" eaLnBrk="0" fontAlgn="base" hangingPunct="0">
-              <a:spcBef>
-                <a:spcPct val="0"/>
-              </a:spcBef>
-              <a:spcAft>
-                <a:spcPct val="0"/>
-              </a:spcAft>
-              <a:defRPr sz="4400">
-                <a:solidFill>
-                  <a:schemeClr val="tx2"/>
-                </a:solidFill>
-                <a:latin typeface="+mj-lt"/>
-                <a:ea typeface="+mj-ea"/>
-                <a:cs typeface="+mj-cs"/>
-              </a:defRPr>
-            </a:lvl1pPr>
-            <a:lvl2pPr algn="ctr" rtl="0" eaLnBrk="0" fontAlgn="base" hangingPunct="0">
-              <a:spcBef>
-                <a:spcPct val="0"/>
-              </a:spcBef>
-              <a:spcAft>
-                <a:spcPct val="0"/>
-              </a:spcAft>
-              <a:defRPr sz="4400">
-                <a:solidFill>
-                  <a:schemeClr val="tx2"/>
-                </a:solidFill>
-                <a:latin typeface="Arial" charset="0"/>
-                <a:ea typeface="宋体" pitchFamily="2" charset="-122"/>
-              </a:defRPr>
-            </a:lvl2pPr>
-            <a:lvl3pPr algn="ctr" rtl="0" eaLnBrk="0" fontAlgn="base" hangingPunct="0">
-              <a:spcBef>
-                <a:spcPct val="0"/>
-              </a:spcBef>
-              <a:spcAft>
-                <a:spcPct val="0"/>
-              </a:spcAft>
-              <a:defRPr sz="4400">
-                <a:solidFill>
-                  <a:schemeClr val="tx2"/>
-                </a:solidFill>
-                <a:latin typeface="Arial" charset="0"/>
-                <a:ea typeface="宋体" pitchFamily="2" charset="-122"/>
-              </a:defRPr>
-            </a:lvl3pPr>
-            <a:lvl4pPr algn="ctr" rtl="0" eaLnBrk="0" fontAlgn="base" hangingPunct="0">
-              <a:spcBef>
-                <a:spcPct val="0"/>
-              </a:spcBef>
-              <a:spcAft>
-                <a:spcPct val="0"/>
-              </a:spcAft>
-              <a:defRPr sz="4400">
-                <a:solidFill>
-                  <a:schemeClr val="tx2"/>
-                </a:solidFill>
-                <a:latin typeface="Arial" charset="0"/>
-                <a:ea typeface="宋体" pitchFamily="2" charset="-122"/>
-              </a:defRPr>
-            </a:lvl4pPr>
-            <a:lvl5pPr algn="ctr" rtl="0" eaLnBrk="0" fontAlgn="base" hangingPunct="0">
-              <a:spcBef>
-                <a:spcPct val="0"/>
-              </a:spcBef>
-              <a:spcAft>
-                <a:spcPct val="0"/>
-              </a:spcAft>
-              <a:defRPr sz="4400">
-                <a:solidFill>
-                  <a:schemeClr val="tx2"/>
-                </a:solidFill>
-                <a:latin typeface="Arial" charset="0"/>
-                <a:ea typeface="宋体" pitchFamily="2" charset="-122"/>
-              </a:defRPr>
-            </a:lvl5pPr>
-            <a:lvl6pPr marL="457200" algn="ctr" rtl="0" fontAlgn="base">
-              <a:spcBef>
-                <a:spcPct val="0"/>
-              </a:spcBef>
-              <a:spcAft>
-                <a:spcPct val="0"/>
-              </a:spcAft>
-              <a:defRPr sz="4400">
-                <a:solidFill>
-                  <a:schemeClr val="tx2"/>
-                </a:solidFill>
-                <a:latin typeface="Arial" charset="0"/>
-                <a:ea typeface="宋体" pitchFamily="2" charset="-122"/>
-              </a:defRPr>
-            </a:lvl6pPr>
-            <a:lvl7pPr marL="914400" algn="ctr" rtl="0" fontAlgn="base">
-              <a:spcBef>
-                <a:spcPct val="0"/>
-              </a:spcBef>
-              <a:spcAft>
-                <a:spcPct val="0"/>
-              </a:spcAft>
-              <a:defRPr sz="4400">
-                <a:solidFill>
-                  <a:schemeClr val="tx2"/>
-                </a:solidFill>
-                <a:latin typeface="Arial" charset="0"/>
-                <a:ea typeface="宋体" pitchFamily="2" charset="-122"/>
-              </a:defRPr>
-            </a:lvl7pPr>
-            <a:lvl8pPr marL="1371600" algn="ctr" rtl="0" fontAlgn="base">
-              <a:spcBef>
-                <a:spcPct val="0"/>
-              </a:spcBef>
-              <a:spcAft>
-                <a:spcPct val="0"/>
-              </a:spcAft>
-              <a:defRPr sz="4400">
-                <a:solidFill>
-                  <a:schemeClr val="tx2"/>
-                </a:solidFill>
-                <a:latin typeface="Arial" charset="0"/>
-                <a:ea typeface="宋体" pitchFamily="2" charset="-122"/>
-              </a:defRPr>
-            </a:lvl8pPr>
-            <a:lvl9pPr marL="1828800" algn="ctr" rtl="0" fontAlgn="base">
-              <a:spcBef>
-                <a:spcPct val="0"/>
-              </a:spcBef>
-              <a:spcAft>
-                <a:spcPct val="0"/>
-              </a:spcAft>
-              <a:defRPr sz="4400">
-                <a:solidFill>
-                  <a:schemeClr val="tx2"/>
-                </a:solidFill>
-                <a:latin typeface="Arial" charset="0"/>
-                <a:ea typeface="宋体" pitchFamily="2" charset="-122"/>
-              </a:defRPr>
-            </a:lvl9pPr>
-          </a:lstStyle>
-          <a:p>
-            <a:pPr eaLnBrk="1" hangingPunct="1">
-              <a:defRPr/>
-            </a:pPr>
-            <a:r>
-              <a:rPr lang="en-US" altLang="zh-CN" sz="4000" kern="0" dirty="0">
-                <a:effectLst>
-                  <a:outerShdw blurRad="38100" dist="38100" dir="2700000" algn="tl">
-                    <a:srgbClr val="C0C0C0"/>
-                  </a:outerShdw>
-                </a:effectLst>
-                <a:latin typeface="Calibri" charset="0"/>
-                <a:ea typeface="Calibri" charset="0"/>
-                <a:cs typeface="Calibri" charset="0"/>
-              </a:rPr>
-              <a:t>Thank you</a:t>
-            </a:r>
-          </a:p>
-        </p:txBody>
-      </p:sp>
-      <p:sp>
-        <p:nvSpPr>
-          <p:cNvPr id="2" name="Slide Number Placeholder 1"/>
+          <p:cNvPr id="3" name="Slide Number Placeholder 2"/>
           <p:cNvSpPr>
             <a:spLocks noGrp="1"/>
           </p:cNvSpPr>
@@ -7153,7 +6082,7 @@
             <a:pPr>
               <a:defRPr/>
             </a:pPr>
-            <a:fld id="{BD6E0F59-1DD8-40FC-9C92-B6295CBA6CCA}" type="slidenum">
+            <a:fld id="{D5EE1D1A-EEC2-4D53-94A7-85D62C853479}" type="slidenum">
               <a:rPr lang="en-US" altLang="zh-CN" smtClean="0"/>
               <a:pPr>
                 <a:defRPr/>
@@ -7164,10 +6093,38 @@
           </a:p>
         </p:txBody>
       </p:sp>
+      <p:sp>
+        <p:nvSpPr>
+          <p:cNvPr id="8" name="Title 7">
+            <a:extLst>
+              <a:ext uri="{FF2B5EF4-FFF2-40B4-BE49-F238E27FC236}">
+                <a16:creationId xmlns:a16="http://schemas.microsoft.com/office/drawing/2014/main" id="{EAE0D9DC-8575-A84F-A04B-3BD8C30794A3}"/>
+              </a:ext>
+            </a:extLst>
+          </p:cNvPr>
+          <p:cNvSpPr>
+            <a:spLocks noGrp="1"/>
+          </p:cNvSpPr>
+          <p:nvPr>
+            <p:ph type="ctrTitle"/>
+          </p:nvPr>
+        </p:nvSpPr>
+        <p:spPr/>
+        <p:txBody>
+          <a:bodyPr/>
+          <a:lstStyle/>
+          <a:p>
+            <a:r>
+              <a:rPr lang="en-US" dirty="0"/>
+              <a:t>Backup</a:t>
+            </a:r>
+          </a:p>
+        </p:txBody>
+      </p:sp>
     </p:spTree>
     <p:extLst>
       <p:ext uri="{BB962C8B-B14F-4D97-AF65-F5344CB8AC3E}">
-        <p14:creationId xmlns:p14="http://schemas.microsoft.com/office/powerpoint/2010/main" val="15840811"/>
+        <p14:creationId xmlns:p14="http://schemas.microsoft.com/office/powerpoint/2010/main" val="1607707434"/>
       </p:ext>
     </p:extLst>
   </p:cSld>
@@ -7196,17 +6153,62 @@
       </p:grpSpPr>
       <p:sp>
         <p:nvSpPr>
-          <p:cNvPr id="6" name="Footer Placeholder 3"/>
+          <p:cNvPr id="2" name="Title 1">
+            <a:extLst>
+              <a:ext uri="{FF2B5EF4-FFF2-40B4-BE49-F238E27FC236}">
+                <a16:creationId xmlns:a16="http://schemas.microsoft.com/office/drawing/2014/main" id="{9A6F4236-AC14-394A-A36C-F2BD8CED3237}"/>
+              </a:ext>
+            </a:extLst>
+          </p:cNvPr>
           <p:cNvSpPr>
             <a:spLocks noGrp="1"/>
           </p:cNvSpPr>
           <p:nvPr>
-            <p:ph type="ftr" sz="quarter" idx="11"/>
+            <p:ph type="title"/>
           </p:nvPr>
         </p:nvSpPr>
         <p:spPr>
           <a:xfrm>
-            <a:off x="3124200" y="4786312"/>
+            <a:off x="457200" y="-19050"/>
+            <a:ext cx="8229600" cy="857250"/>
+          </a:xfrm>
+        </p:spPr>
+        <p:txBody>
+          <a:bodyPr/>
+          <a:lstStyle/>
+          <a:p>
+            <a:r>
+              <a:rPr lang="en-US" sz="3600" dirty="0">
+                <a:solidFill>
+                  <a:srgbClr val="0070C0"/>
+                </a:solidFill>
+                <a:latin typeface="Calibri Light" panose="020F0302020204030204" pitchFamily="34" charset="0"/>
+                <a:cs typeface="Calibri Light" panose="020F0302020204030204" pitchFamily="34" charset="0"/>
+              </a:rPr>
+              <a:t>Example Provisioning Model</a:t>
+            </a:r>
+          </a:p>
+        </p:txBody>
+      </p:sp>
+      <p:sp>
+        <p:nvSpPr>
+          <p:cNvPr id="4" name="Footer Placeholder 3">
+            <a:extLst>
+              <a:ext uri="{FF2B5EF4-FFF2-40B4-BE49-F238E27FC236}">
+                <a16:creationId xmlns:a16="http://schemas.microsoft.com/office/drawing/2014/main" id="{643D160E-CC3C-EB46-A6F1-43B8E2996F46}"/>
+              </a:ext>
+            </a:extLst>
+          </p:cNvPr>
+          <p:cNvSpPr>
+            <a:spLocks noGrp="1"/>
+          </p:cNvSpPr>
+          <p:nvPr>
+            <p:ph type="ftr" sz="quarter" idx="11"/>
+          </p:nvPr>
+        </p:nvSpPr>
+        <p:spPr>
+          <a:xfrm>
+            <a:off x="3124200" y="4805362"/>
             <a:ext cx="2895600" cy="357188"/>
           </a:xfrm>
         </p:spPr>
@@ -7234,7 +6236,13 @@
       </p:sp>
       <p:sp>
         <p:nvSpPr>
-          <p:cNvPr id="3" name="Slide Number Placeholder 2"/>
+          <p:cNvPr id="5" name="Slide Number Placeholder 4">
+            <a:extLst>
+              <a:ext uri="{FF2B5EF4-FFF2-40B4-BE49-F238E27FC236}">
+                <a16:creationId xmlns:a16="http://schemas.microsoft.com/office/drawing/2014/main" id="{A8B868AE-B105-7547-A646-14FCDF91C2DD}"/>
+              </a:ext>
+            </a:extLst>
+          </p:cNvPr>
           <p:cNvSpPr>
             <a:spLocks noGrp="1"/>
           </p:cNvSpPr>
@@ -7250,7 +6258,7 @@
             <a:pPr>
               <a:defRPr/>
             </a:pPr>
-            <a:fld id="{D5EE1D1A-EEC2-4D53-94A7-85D62C853479}" type="slidenum">
+            <a:fld id="{BD6E0F59-1DD8-40FC-9C92-B6295CBA6CCA}" type="slidenum">
               <a:rPr lang="en-US" altLang="zh-CN" smtClean="0"/>
               <a:pPr>
                 <a:defRPr/>
@@ -7263,28 +6271,186 @@
       </p:sp>
       <p:sp>
         <p:nvSpPr>
-          <p:cNvPr id="8" name="Title 7">
+          <p:cNvPr id="7" name="Rectangle 6">
             <a:extLst>
               <a:ext uri="{FF2B5EF4-FFF2-40B4-BE49-F238E27FC236}">
-                <a16:creationId xmlns:a16="http://schemas.microsoft.com/office/drawing/2014/main" id="{EAE0D9DC-8575-A84F-A04B-3BD8C30794A3}"/>
+                <a16:creationId xmlns:a16="http://schemas.microsoft.com/office/drawing/2014/main" id="{AA6E66CA-28BC-2C4A-BC04-4600D8FEBF3B}"/>
               </a:ext>
             </a:extLst>
           </p:cNvPr>
-          <p:cNvSpPr>
-            <a:spLocks noGrp="1"/>
-          </p:cNvSpPr>
-          <p:nvPr>
-            <p:ph type="ctrTitle"/>
-          </p:nvPr>
-        </p:nvSpPr>
-        <p:spPr/>
-        <p:txBody>
-          <a:bodyPr/>
+          <p:cNvSpPr/>
+          <p:nvPr/>
+        </p:nvSpPr>
+        <p:spPr>
+          <a:xfrm>
+            <a:off x="1066800" y="843776"/>
+            <a:ext cx="7010400" cy="3600986"/>
+          </a:xfrm>
+          <a:prstGeom prst="rect">
+            <a:avLst/>
+          </a:prstGeom>
+          <a:solidFill>
+            <a:schemeClr val="accent6">
+              <a:lumMod val="20000"/>
+              <a:lumOff val="80000"/>
+            </a:schemeClr>
+          </a:solidFill>
+        </p:spPr>
+        <p:txBody>
+          <a:bodyPr wrap="square">
+            <a:spAutoFit/>
+          </a:bodyPr>
           <a:lstStyle/>
           <a:p>
             <a:r>
-              <a:rPr lang="en-US" dirty="0"/>
-              <a:t>Backup</a:t>
+              <a:rPr lang="en-CA" sz="1200" b="1" dirty="0">
+                <a:latin typeface="Courier" pitchFamily="2" charset="0"/>
+              </a:rPr>
+              <a:t>                             +------------+</a:t>
+            </a:r>
+          </a:p>
+          <a:p>
+            <a:r>
+              <a:rPr lang="en-CA" sz="1200" b="1" dirty="0">
+                <a:latin typeface="Courier" pitchFamily="2" charset="0"/>
+              </a:rPr>
+              <a:t>                             | Controller |</a:t>
+            </a:r>
+          </a:p>
+          <a:p>
+            <a:r>
+              <a:rPr lang="en-CA" sz="1200" b="1" dirty="0">
+                <a:latin typeface="Courier" pitchFamily="2" charset="0"/>
+              </a:rPr>
+              <a:t>                             +------------+</a:t>
+            </a:r>
+          </a:p>
+          <a:p>
+            <a:r>
+              <a:rPr lang="en-CA" sz="1200" b="1" dirty="0">
+                <a:latin typeface="Courier" pitchFamily="2" charset="0"/>
+              </a:rPr>
+              <a:t>   Destination UDP Port           /  \         Destination UDP port</a:t>
+            </a:r>
+          </a:p>
+          <a:p>
+            <a:r>
+              <a:rPr lang="en-CA" sz="1200" b="1" dirty="0">
+                <a:latin typeface="Courier" pitchFamily="2" charset="0"/>
+              </a:rPr>
+              <a:t>   Measurement Protocol          /    \        Measurement Protocol</a:t>
+            </a:r>
+          </a:p>
+          <a:p>
+            <a:r>
+              <a:rPr lang="en-CA" sz="1200" b="1" dirty="0">
+                <a:latin typeface="Courier" pitchFamily="2" charset="0"/>
+              </a:rPr>
+              <a:t>   Measurement Type             /      \       Measurement Type</a:t>
+            </a:r>
+          </a:p>
+          <a:p>
+            <a:r>
+              <a:rPr lang="en-CA" sz="1200" b="1" dirty="0">
+                <a:latin typeface="Courier" pitchFamily="2" charset="0"/>
+              </a:rPr>
+              <a:t>     Delay/Loss                /        \        Delay/Loss</a:t>
+            </a:r>
+          </a:p>
+          <a:p>
+            <a:r>
+              <a:rPr lang="en-CA" sz="1200" b="1" dirty="0">
+                <a:latin typeface="Courier" pitchFamily="2" charset="0"/>
+              </a:rPr>
+              <a:t>   Authentication Mode &amp; Key  /          \     Authentication Mode &amp; Key</a:t>
+            </a:r>
+          </a:p>
+          <a:p>
+            <a:r>
+              <a:rPr lang="en-CA" sz="1200" b="1" dirty="0">
+                <a:latin typeface="Courier" pitchFamily="2" charset="0"/>
+              </a:rPr>
+              <a:t>   Timestamp Format          /            \    Loss Measurement Mode</a:t>
+            </a:r>
+          </a:p>
+          <a:p>
+            <a:r>
+              <a:rPr lang="en-CA" sz="1200" b="1" dirty="0">
+                <a:latin typeface="Courier" pitchFamily="2" charset="0"/>
+              </a:rPr>
+              <a:t>   Delay Measurement Mode   /              \ </a:t>
+            </a:r>
+          </a:p>
+          <a:p>
+            <a:r>
+              <a:rPr lang="en-CA" sz="1200" b="1" dirty="0">
+                <a:latin typeface="Courier" pitchFamily="2" charset="0"/>
+              </a:rPr>
+              <a:t>   Padding/Packet Size     /                \ </a:t>
+            </a:r>
+          </a:p>
+          <a:p>
+            <a:r>
+              <a:rPr lang="en-CA" sz="1200" b="1" dirty="0">
+                <a:latin typeface="Courier" pitchFamily="2" charset="0"/>
+              </a:rPr>
+              <a:t>   Loss Measurement Mode  /                  \</a:t>
+            </a:r>
+          </a:p>
+          <a:p>
+            <a:r>
+              <a:rPr lang="en-CA" sz="1200" b="1" dirty="0">
+                <a:latin typeface="Courier" pitchFamily="2" charset="0"/>
+              </a:rPr>
+              <a:t>                         v                    v</a:t>
+            </a:r>
+          </a:p>
+          <a:p>
+            <a:r>
+              <a:rPr lang="en-CA" sz="1200" b="1" dirty="0">
+                <a:latin typeface="Courier" pitchFamily="2" charset="0"/>
+              </a:rPr>
+              <a:t>                     +-------+            +-------+</a:t>
+            </a:r>
+          </a:p>
+          <a:p>
+            <a:r>
+              <a:rPr lang="en-CA" sz="1200" b="1" dirty="0">
+                <a:latin typeface="Courier" pitchFamily="2" charset="0"/>
+              </a:rPr>
+              <a:t>                     |       |            |       |</a:t>
+            </a:r>
+          </a:p>
+          <a:p>
+            <a:r>
+              <a:rPr lang="en-CA" sz="1200" b="1" dirty="0">
+                <a:latin typeface="Courier" pitchFamily="2" charset="0"/>
+              </a:rPr>
+              <a:t>                     |   R1  |------------|   R5  |</a:t>
+            </a:r>
+          </a:p>
+          <a:p>
+            <a:r>
+              <a:rPr lang="en-CA" sz="1200" b="1" dirty="0">
+                <a:latin typeface="Courier" pitchFamily="2" charset="0"/>
+              </a:rPr>
+              <a:t>                     |       |            |       |</a:t>
+            </a:r>
+          </a:p>
+          <a:p>
+            <a:r>
+              <a:rPr lang="en-CA" sz="1200" b="1" dirty="0">
+                <a:latin typeface="Courier" pitchFamily="2" charset="0"/>
+              </a:rPr>
+              <a:t>                     +-------+            +-------+</a:t>
+            </a:r>
+          </a:p>
+          <a:p>
+            <a:r>
+              <a:rPr lang="en-CA" sz="1200" b="1" dirty="0">
+                <a:latin typeface="Courier" pitchFamily="2" charset="0"/>
+              </a:rPr>
+              <a:t>                      Sender              Reflector</a:t>
             </a:r>
           </a:p>
         </p:txBody>
@@ -7292,7 +6458,7 @@
     </p:spTree>
     <p:extLst>
       <p:ext uri="{BB962C8B-B14F-4D97-AF65-F5344CB8AC3E}">
-        <p14:creationId xmlns:p14="http://schemas.microsoft.com/office/powerpoint/2010/main" val="1607707434"/>
+        <p14:creationId xmlns:p14="http://schemas.microsoft.com/office/powerpoint/2010/main" val="1805408624"/>
       </p:ext>
     </p:extLst>
   </p:cSld>
@@ -7321,13 +6487,7 @@
       </p:grpSpPr>
       <p:sp>
         <p:nvSpPr>
-          <p:cNvPr id="2" name="Title 1">
-            <a:extLst>
-              <a:ext uri="{FF2B5EF4-FFF2-40B4-BE49-F238E27FC236}">
-                <a16:creationId xmlns:a16="http://schemas.microsoft.com/office/drawing/2014/main" id="{9A6F4236-AC14-394A-A36C-F2BD8CED3237}"/>
-              </a:ext>
-            </a:extLst>
-          </p:cNvPr>
+          <p:cNvPr id="2" name="Title 1"/>
           <p:cNvSpPr>
             <a:spLocks noGrp="1"/>
           </p:cNvSpPr>
@@ -7337,8 +6497,8 @@
         </p:nvSpPr>
         <p:spPr>
           <a:xfrm>
-            <a:off x="457200" y="-19050"/>
-            <a:ext cx="8229600" cy="857250"/>
+            <a:off x="304800" y="0"/>
+            <a:ext cx="8686800" cy="857250"/>
           </a:xfrm>
         </p:spPr>
         <p:txBody>
@@ -7353,20 +6513,14 @@
                 <a:latin typeface="Calibri Light" panose="020F0302020204030204" pitchFamily="34" charset="0"/>
                 <a:cs typeface="Calibri Light" panose="020F0302020204030204" pitchFamily="34" charset="0"/>
               </a:rPr>
-              <a:t>Example Provisioning Model</a:t>
-            </a:r>
-          </a:p>
-        </p:txBody>
-      </p:sp>
-      <p:sp>
-        <p:nvSpPr>
-          <p:cNvPr id="4" name="Footer Placeholder 3">
-            <a:extLst>
-              <a:ext uri="{FF2B5EF4-FFF2-40B4-BE49-F238E27FC236}">
-                <a16:creationId xmlns:a16="http://schemas.microsoft.com/office/drawing/2014/main" id="{643D160E-CC3C-EB46-A6F1-43B8E2996F46}"/>
-              </a:ext>
-            </a:extLst>
-          </p:cNvPr>
+              <a:t>Probe Query Message</a:t>
+            </a:r>
+          </a:p>
+        </p:txBody>
+      </p:sp>
+      <p:sp>
+        <p:nvSpPr>
+          <p:cNvPr id="4" name="Footer Placeholder 3"/>
           <p:cNvSpPr>
             <a:spLocks noGrp="1"/>
           </p:cNvSpPr>
@@ -7376,7 +6530,7 @@
         </p:nvSpPr>
         <p:spPr>
           <a:xfrm>
-            <a:off x="3124200" y="4805362"/>
+            <a:off x="3124200" y="4786312"/>
             <a:ext cx="2895600" cy="357188"/>
           </a:xfrm>
         </p:spPr>
@@ -7404,55 +6558,72 @@
       </p:sp>
       <p:sp>
         <p:nvSpPr>
-          <p:cNvPr id="5" name="Slide Number Placeholder 4">
-            <a:extLst>
-              <a:ext uri="{FF2B5EF4-FFF2-40B4-BE49-F238E27FC236}">
-                <a16:creationId xmlns:a16="http://schemas.microsoft.com/office/drawing/2014/main" id="{A8B868AE-B105-7547-A646-14FCDF91C2DD}"/>
-              </a:ext>
-            </a:extLst>
-          </p:cNvPr>
+          <p:cNvPr id="7" name="Content Placeholder 2"/>
           <p:cNvSpPr>
             <a:spLocks noGrp="1"/>
           </p:cNvSpPr>
           <p:nvPr>
-            <p:ph type="sldNum" sz="quarter" idx="12"/>
-          </p:nvPr>
-        </p:nvSpPr>
-        <p:spPr/>
+            <p:ph idx="1"/>
+          </p:nvPr>
+        </p:nvSpPr>
+        <p:spPr>
+          <a:xfrm>
+            <a:off x="266700" y="742950"/>
+            <a:ext cx="8610600" cy="1102908"/>
+          </a:xfrm>
+        </p:spPr>
         <p:txBody>
           <a:bodyPr/>
           <a:lstStyle/>
           <a:p>
-            <a:pPr>
-              <a:defRPr/>
-            </a:pPr>
-            <a:fld id="{BD6E0F59-1DD8-40FC-9C92-B6295CBA6CCA}" type="slidenum">
-              <a:rPr lang="en-US" altLang="zh-CN" smtClean="0"/>
-              <a:pPr>
-                <a:defRPr/>
-              </a:pPr>
-              <a:t>14</a:t>
-            </a:fld>
-            <a:endParaRPr lang="en-US" altLang="zh-CN"/>
-          </a:p>
-        </p:txBody>
-      </p:sp>
-      <p:sp>
-        <p:nvSpPr>
-          <p:cNvPr id="7" name="Rectangle 6">
-            <a:extLst>
-              <a:ext uri="{FF2B5EF4-FFF2-40B4-BE49-F238E27FC236}">
-                <a16:creationId xmlns:a16="http://schemas.microsoft.com/office/drawing/2014/main" id="{AA6E66CA-28BC-2C4A-BC04-4600D8FEBF3B}"/>
-              </a:ext>
-            </a:extLst>
-          </p:cNvPr>
+            <a:r>
+              <a:rPr lang="en-US" sz="1400" dirty="0"/>
+              <a:t>PM probe query message defined for Links and end-to-end P2P/ P2MP SR Policies.</a:t>
+            </a:r>
+          </a:p>
+          <a:p>
+            <a:r>
+              <a:rPr lang="en-US" sz="1400" dirty="0"/>
+              <a:t>User-configured destination UDP </a:t>
+            </a:r>
+            <a:r>
+              <a:rPr lang="en-US" sz="1400" b="1" dirty="0"/>
+              <a:t>port1</a:t>
+            </a:r>
+            <a:r>
+              <a:rPr lang="en-US" sz="1400" dirty="0"/>
+              <a:t> is used for DM probe messages in unauthenticated mode and </a:t>
+            </a:r>
+            <a:r>
+              <a:rPr lang="en-US" sz="1400" b="1" dirty="0"/>
+              <a:t>port2</a:t>
+            </a:r>
+            <a:r>
+              <a:rPr lang="en-US" sz="1400" dirty="0"/>
+              <a:t> is used for LM probe messages in unauthenticated mode.</a:t>
+            </a:r>
+          </a:p>
+          <a:p>
+            <a:r>
+              <a:rPr lang="en-US" sz="1400" dirty="0"/>
+              <a:t>For DM, payload contains RFC 5357 (TWAMP Light) or STAMP defined probe message as shown below.</a:t>
+            </a:r>
+          </a:p>
+          <a:p>
+            <a:endParaRPr lang="en-US" sz="1400" dirty="0"/>
+          </a:p>
+        </p:txBody>
+      </p:sp>
+      <p:sp>
+        <p:nvSpPr>
+          <p:cNvPr id="5" name="Rectangle 4"/>
           <p:cNvSpPr/>
           <p:nvPr/>
         </p:nvSpPr>
         <p:spPr>
           <a:xfrm>
-            <a:off x="1066800" y="843776"/>
-            <a:ext cx="7010400" cy="3600986"/>
+            <a:off x="2247900" y="1954173"/>
+            <a:ext cx="4648200" cy="2723823"/>
           </a:xfrm>
           <a:prstGeom prst="rect">
             <a:avLst/>
@@ -7470,163 +6641,378 @@
           </a:bodyPr>
           <a:lstStyle/>
           <a:p>
-            <a:r>
-              <a:rPr lang="en-CA" sz="1200" b="1" dirty="0">
-                <a:latin typeface="Courier" pitchFamily="2" charset="0"/>
-              </a:rPr>
-              <a:t>                             +------------+</a:t>
-            </a:r>
-          </a:p>
-          <a:p>
-            <a:r>
-              <a:rPr lang="en-CA" sz="1200" b="1" dirty="0">
-                <a:latin typeface="Courier" pitchFamily="2" charset="0"/>
-              </a:rPr>
-              <a:t>                             | Controller |</a:t>
-            </a:r>
-          </a:p>
-          <a:p>
-            <a:r>
-              <a:rPr lang="en-CA" sz="1200" b="1" dirty="0">
-                <a:latin typeface="Courier" pitchFamily="2" charset="0"/>
-              </a:rPr>
-              <a:t>                             +------------+</a:t>
-            </a:r>
-          </a:p>
-          <a:p>
-            <a:r>
-              <a:rPr lang="en-CA" sz="1200" b="1" dirty="0">
-                <a:latin typeface="Courier" pitchFamily="2" charset="0"/>
-              </a:rPr>
-              <a:t>   Measurement Protocol           /  \         Measurement Protocol</a:t>
-            </a:r>
-          </a:p>
-          <a:p>
-            <a:r>
-              <a:rPr lang="en-CA" sz="1200" b="1" dirty="0">
-                <a:latin typeface="Courier" pitchFamily="2" charset="0"/>
-              </a:rPr>
-              <a:t>   Destination UDP Port          /    \        Destination UDP port</a:t>
-            </a:r>
-          </a:p>
-          <a:p>
-            <a:r>
-              <a:rPr lang="en-CA" sz="1200" b="1" dirty="0">
-                <a:latin typeface="Courier" pitchFamily="2" charset="0"/>
-              </a:rPr>
-              <a:t>   Measurement Type             /      \       Measurement Type</a:t>
-            </a:r>
-          </a:p>
-          <a:p>
-            <a:r>
-              <a:rPr lang="en-CA" sz="1200" b="1" dirty="0">
-                <a:latin typeface="Courier" pitchFamily="2" charset="0"/>
-              </a:rPr>
-              <a:t>     Delay/Loss                /        \        Delay/Loss</a:t>
-            </a:r>
-          </a:p>
-          <a:p>
-            <a:r>
-              <a:rPr lang="en-CA" sz="1200" b="1" dirty="0">
-                <a:latin typeface="Courier" pitchFamily="2" charset="0"/>
-              </a:rPr>
-              <a:t>   Authentication Mode &amp; Key  /          \     Authentication Mode &amp; Key</a:t>
-            </a:r>
-          </a:p>
-          <a:p>
-            <a:r>
-              <a:rPr lang="en-CA" sz="1200" b="1" dirty="0">
-                <a:latin typeface="Courier" pitchFamily="2" charset="0"/>
-              </a:rPr>
-              <a:t>   Timestamp Format          /            \    Loss Measurement Mode</a:t>
-            </a:r>
-          </a:p>
-          <a:p>
-            <a:r>
-              <a:rPr lang="en-CA" sz="1200" b="1" dirty="0">
-                <a:latin typeface="Courier" pitchFamily="2" charset="0"/>
-              </a:rPr>
-              <a:t>   Delay Measurement Mode   /              \ </a:t>
-            </a:r>
-          </a:p>
-          <a:p>
-            <a:r>
-              <a:rPr lang="en-CA" sz="1200" b="1" dirty="0">
-                <a:latin typeface="Courier" pitchFamily="2" charset="0"/>
-              </a:rPr>
-              <a:t>   Padding/Packet Size     /                \ </a:t>
-            </a:r>
-          </a:p>
-          <a:p>
-            <a:r>
-              <a:rPr lang="en-CA" sz="1200" b="1" dirty="0">
-                <a:latin typeface="Courier" pitchFamily="2" charset="0"/>
-              </a:rPr>
-              <a:t>   Loss Measurement Mode  /                  \</a:t>
-            </a:r>
-          </a:p>
-          <a:p>
-            <a:r>
-              <a:rPr lang="en-CA" sz="1200" b="1" dirty="0">
-                <a:latin typeface="Courier" pitchFamily="2" charset="0"/>
-              </a:rPr>
-              <a:t>                         v                    v</a:t>
-            </a:r>
-          </a:p>
-          <a:p>
-            <a:r>
-              <a:rPr lang="en-CA" sz="1200" b="1" dirty="0">
-                <a:latin typeface="Courier" pitchFamily="2" charset="0"/>
-              </a:rPr>
-              <a:t>                     +-------+            +-------+</a:t>
-            </a:r>
-          </a:p>
-          <a:p>
-            <a:r>
-              <a:rPr lang="en-CA" sz="1200" b="1" dirty="0">
-                <a:latin typeface="Courier" pitchFamily="2" charset="0"/>
-              </a:rPr>
-              <a:t>                     |       |            |       |</a:t>
-            </a:r>
-          </a:p>
-          <a:p>
-            <a:r>
-              <a:rPr lang="en-CA" sz="1200" b="1" dirty="0">
-                <a:latin typeface="Courier" pitchFamily="2" charset="0"/>
-              </a:rPr>
-              <a:t>                     |   R1  |------------|   R5  |</a:t>
-            </a:r>
-          </a:p>
-          <a:p>
-            <a:r>
-              <a:rPr lang="en-CA" sz="1200" b="1" dirty="0">
-                <a:latin typeface="Courier" pitchFamily="2" charset="0"/>
-              </a:rPr>
-              <a:t>                     |       |            |       |</a:t>
-            </a:r>
-          </a:p>
-          <a:p>
-            <a:r>
-              <a:rPr lang="en-CA" sz="1200" b="1" dirty="0">
-                <a:latin typeface="Courier" pitchFamily="2" charset="0"/>
-              </a:rPr>
-              <a:t>                     +-------+            +-------+</a:t>
-            </a:r>
-          </a:p>
-          <a:p>
-            <a:r>
-              <a:rPr lang="en-CA" sz="1200" b="1" dirty="0">
-                <a:latin typeface="Courier" pitchFamily="2" charset="0"/>
-              </a:rPr>
-              <a:t>                      Sender              Reflector</a:t>
-            </a:r>
+            <a:pPr>
+              <a:spcAft>
+                <a:spcPts val="0"/>
+              </a:spcAft>
+            </a:pPr>
+            <a:r>
+              <a:rPr lang="en-US" sz="900" b="1" dirty="0">
+                <a:latin typeface="Courier" charset="0"/>
+                <a:ea typeface="Courier" charset="0"/>
+                <a:cs typeface="Courier" charset="0"/>
+              </a:rPr>
+              <a:t>+---------------------------------------------------------------+</a:t>
+            </a:r>
+          </a:p>
+          <a:p>
+            <a:pPr>
+              <a:spcAft>
+                <a:spcPts val="0"/>
+              </a:spcAft>
+            </a:pPr>
+            <a:r>
+              <a:rPr lang="en-US" sz="900" b="1" dirty="0">
+                <a:latin typeface="Courier" charset="0"/>
+                <a:ea typeface="Courier" charset="0"/>
+                <a:cs typeface="Courier" charset="0"/>
+              </a:rPr>
+              <a:t>| IP Header                                                     |</a:t>
+            </a:r>
+          </a:p>
+          <a:p>
+            <a:pPr>
+              <a:spcAft>
+                <a:spcPts val="0"/>
+              </a:spcAft>
+            </a:pPr>
+            <a:r>
+              <a:rPr lang="en-US" sz="900" b="1" dirty="0">
+                <a:latin typeface="Courier" charset="0"/>
+                <a:ea typeface="Courier" charset="0"/>
+                <a:cs typeface="Courier" charset="0"/>
+              </a:rPr>
+              <a:t>.  Source IP Address = Sender IPv4 or IPv6 Address             .</a:t>
+            </a:r>
+          </a:p>
+          <a:p>
+            <a:pPr>
+              <a:spcAft>
+                <a:spcPts val="0"/>
+              </a:spcAft>
+            </a:pPr>
+            <a:r>
+              <a:rPr lang="en-US" sz="900" b="1" dirty="0">
+                <a:latin typeface="Courier" charset="0"/>
+                <a:ea typeface="Courier" charset="0"/>
+                <a:cs typeface="Courier" charset="0"/>
+              </a:rPr>
+              <a:t>.  Destination IP Address = Reflector IPv4 or IPv6 Address      .</a:t>
+            </a:r>
+          </a:p>
+          <a:p>
+            <a:pPr>
+              <a:spcAft>
+                <a:spcPts val="0"/>
+              </a:spcAft>
+            </a:pPr>
+            <a:r>
+              <a:rPr lang="en-US" sz="900" b="1" dirty="0">
+                <a:latin typeface="Courier" charset="0"/>
+                <a:ea typeface="Courier" charset="0"/>
+                <a:cs typeface="Courier" charset="0"/>
+              </a:rPr>
+              <a:t>.  Protocol = UDP                                               .</a:t>
+            </a:r>
+          </a:p>
+          <a:p>
+            <a:pPr>
+              <a:spcAft>
+                <a:spcPts val="0"/>
+              </a:spcAft>
+            </a:pPr>
+            <a:r>
+              <a:rPr lang="en-US" sz="900" b="1" dirty="0">
+                <a:latin typeface="Courier" charset="0"/>
+                <a:ea typeface="Courier" charset="0"/>
+                <a:cs typeface="Courier" charset="0"/>
+              </a:rPr>
+              <a:t>.                                                               .</a:t>
+            </a:r>
+          </a:p>
+          <a:p>
+            <a:pPr>
+              <a:spcAft>
+                <a:spcPts val="0"/>
+              </a:spcAft>
+            </a:pPr>
+            <a:r>
+              <a:rPr lang="en-US" sz="900" b="1" dirty="0">
+                <a:latin typeface="Courier" charset="0"/>
+                <a:ea typeface="Courier" charset="0"/>
+                <a:cs typeface="Courier" charset="0"/>
+              </a:rPr>
+              <a:t>+---------------------------------------------------------------+</a:t>
+            </a:r>
+          </a:p>
+          <a:p>
+            <a:pPr>
+              <a:spcAft>
+                <a:spcPts val="0"/>
+              </a:spcAft>
+            </a:pPr>
+            <a:r>
+              <a:rPr lang="en-US" sz="900" b="1" dirty="0">
+                <a:latin typeface="Courier" charset="0"/>
+                <a:ea typeface="Courier" charset="0"/>
+                <a:cs typeface="Courier" charset="0"/>
+              </a:rPr>
+              <a:t>| UDP Header                                                    |</a:t>
+            </a:r>
+          </a:p>
+          <a:p>
+            <a:pPr>
+              <a:spcAft>
+                <a:spcPts val="0"/>
+              </a:spcAft>
+            </a:pPr>
+            <a:r>
+              <a:rPr lang="en-US" sz="900" b="1" dirty="0">
+                <a:latin typeface="Courier" charset="0"/>
+                <a:ea typeface="Courier" charset="0"/>
+                <a:cs typeface="Courier" charset="0"/>
+              </a:rPr>
+              <a:t>.  Source Port = As chosen by Sender                           .</a:t>
+            </a:r>
+          </a:p>
+          <a:p>
+            <a:pPr>
+              <a:spcAft>
+                <a:spcPts val="0"/>
+              </a:spcAft>
+            </a:pPr>
+            <a:r>
+              <a:rPr lang="en-US" sz="900" b="1" dirty="0">
+                <a:latin typeface="Courier" charset="0"/>
+                <a:ea typeface="Courier" charset="0"/>
+                <a:cs typeface="Courier" charset="0"/>
+              </a:rPr>
+              <a:t>.  Destination Port = </a:t>
+            </a:r>
+            <a:r>
+              <a:rPr lang="en-US" sz="900" b="1" dirty="0">
+                <a:solidFill>
+                  <a:srgbClr val="0070C0"/>
+                </a:solidFill>
+                <a:latin typeface="Courier" charset="0"/>
+                <a:ea typeface="Courier" charset="0"/>
+                <a:cs typeface="Courier" charset="0"/>
+              </a:rPr>
+              <a:t>User-configured Port for Delay Measurement</a:t>
+            </a:r>
+            <a:r>
+              <a:rPr lang="en-US" sz="900" b="1" dirty="0">
+                <a:latin typeface="Courier" charset="0"/>
+                <a:ea typeface="Courier" charset="0"/>
+                <a:cs typeface="Courier" charset="0"/>
+              </a:rPr>
+              <a:t>.</a:t>
+            </a:r>
+          </a:p>
+          <a:p>
+            <a:pPr>
+              <a:spcAft>
+                <a:spcPts val="0"/>
+              </a:spcAft>
+            </a:pPr>
+            <a:r>
+              <a:rPr lang="en-US" sz="900" b="1" dirty="0">
+                <a:latin typeface="Courier" charset="0"/>
+                <a:ea typeface="Courier" charset="0"/>
+                <a:cs typeface="Courier" charset="0"/>
+              </a:rPr>
+              <a:t>.                                                               .</a:t>
+            </a:r>
+          </a:p>
+          <a:p>
+            <a:pPr>
+              <a:spcAft>
+                <a:spcPts val="0"/>
+              </a:spcAft>
+            </a:pPr>
+            <a:r>
+              <a:rPr lang="en-US" sz="900" b="1" dirty="0">
+                <a:latin typeface="Courier" charset="0"/>
+                <a:ea typeface="Courier" charset="0"/>
+                <a:cs typeface="Courier" charset="0"/>
+              </a:rPr>
+              <a:t>+---------------------------------------------------------------+</a:t>
+            </a:r>
+          </a:p>
+          <a:p>
+            <a:pPr>
+              <a:spcAft>
+                <a:spcPts val="0"/>
+              </a:spcAft>
+            </a:pPr>
+            <a:r>
+              <a:rPr lang="en-US" sz="900" b="1" dirty="0">
+                <a:latin typeface="Courier" charset="0"/>
+                <a:ea typeface="Courier" charset="0"/>
+                <a:cs typeface="Courier" charset="0"/>
+              </a:rPr>
+              <a:t>| Payload = Message as specified in Section 4.2.1 of RFC 5357   |</a:t>
+            </a:r>
+          </a:p>
+          <a:p>
+            <a:pPr>
+              <a:spcAft>
+                <a:spcPts val="0"/>
+              </a:spcAft>
+            </a:pPr>
+            <a:r>
+              <a:rPr lang="en-US" sz="900" b="1" dirty="0">
+                <a:latin typeface="Courier" charset="0"/>
+                <a:ea typeface="Courier" charset="0"/>
+                <a:cs typeface="Courier" charset="0"/>
+              </a:rPr>
+              <a:t>. Payload = Message as specified in Section 4.1.2 of RFC 5357   .</a:t>
+            </a:r>
+          </a:p>
+          <a:p>
+            <a:pPr>
+              <a:spcAft>
+                <a:spcPts val="0"/>
+              </a:spcAft>
+            </a:pPr>
+            <a:r>
+              <a:rPr lang="en-US" sz="900" b="1" dirty="0">
+                <a:latin typeface="Courier" charset="0"/>
+                <a:ea typeface="Courier" charset="0"/>
+                <a:cs typeface="Courier" charset="0"/>
+              </a:rPr>
+              <a:t>. Payload = Message specified in Section 4.2 of </a:t>
+            </a:r>
+            <a:r>
+              <a:rPr lang="en-US" sz="900" b="1" dirty="0" err="1">
+                <a:latin typeface="Courier" charset="0"/>
+                <a:ea typeface="Courier" charset="0"/>
+                <a:cs typeface="Courier" charset="0"/>
+              </a:rPr>
+              <a:t>ietf</a:t>
+            </a:r>
+            <a:r>
+              <a:rPr lang="en-US" sz="900" b="1" dirty="0">
+                <a:latin typeface="Courier" charset="0"/>
+                <a:ea typeface="Courier" charset="0"/>
+                <a:cs typeface="Courier" charset="0"/>
+              </a:rPr>
+              <a:t>-</a:t>
+            </a:r>
+            <a:r>
+              <a:rPr lang="en-US" sz="900" b="1" dirty="0" err="1">
+                <a:latin typeface="Courier" charset="0"/>
+                <a:ea typeface="Courier" charset="0"/>
+                <a:cs typeface="Courier" charset="0"/>
+              </a:rPr>
+              <a:t>ippm</a:t>
+            </a:r>
+            <a:r>
+              <a:rPr lang="en-US" sz="900" b="1" dirty="0">
+                <a:latin typeface="Courier" charset="0"/>
+                <a:ea typeface="Courier" charset="0"/>
+                <a:cs typeface="Courier" charset="0"/>
+              </a:rPr>
+              <a:t>-stamp .</a:t>
+            </a:r>
+          </a:p>
+          <a:p>
+            <a:pPr>
+              <a:spcAft>
+                <a:spcPts val="0"/>
+              </a:spcAft>
+            </a:pPr>
+            <a:r>
+              <a:rPr lang="en-US" sz="900" b="1" dirty="0">
+                <a:latin typeface="Courier" charset="0"/>
+                <a:ea typeface="Courier" charset="0"/>
+                <a:cs typeface="Courier" charset="0"/>
+              </a:rPr>
+              <a:t>.                                                               .</a:t>
+            </a:r>
+          </a:p>
+          <a:p>
+            <a:pPr>
+              <a:spcAft>
+                <a:spcPts val="0"/>
+              </a:spcAft>
+            </a:pPr>
+            <a:r>
+              <a:rPr lang="en-US" sz="900" b="1" dirty="0">
+                <a:latin typeface="Courier" charset="0"/>
+                <a:ea typeface="Courier" charset="0"/>
+                <a:cs typeface="Courier" charset="0"/>
+              </a:rPr>
+              <a:t>+---------------------------------------------------------------+</a:t>
+            </a:r>
+          </a:p>
+          <a:p>
+            <a:pPr>
+              <a:spcAft>
+                <a:spcPts val="0"/>
+              </a:spcAft>
+            </a:pPr>
+            <a:endParaRPr lang="en-US" sz="900" b="1" dirty="0">
+              <a:latin typeface="Courier" charset="0"/>
+              <a:ea typeface="Courier" charset="0"/>
+              <a:cs typeface="Courier" charset="0"/>
+            </a:endParaRPr>
+          </a:p>
+          <a:p>
+            <a:pPr>
+              <a:spcAft>
+                <a:spcPts val="0"/>
+              </a:spcAft>
+            </a:pPr>
+            <a:r>
+              <a:rPr lang="en-CA" sz="900" b="1" dirty="0">
+                <a:latin typeface="Courier" charset="0"/>
+                <a:ea typeface="Courier" charset="0"/>
+                <a:cs typeface="Courier" charset="0"/>
+              </a:rPr>
+              <a:t>                   Figure: DM Probe Query Message</a:t>
+            </a:r>
+            <a:endParaRPr lang="en-US" sz="900" b="1" dirty="0">
+              <a:latin typeface="Courier" charset="0"/>
+              <a:ea typeface="Courier" charset="0"/>
+              <a:cs typeface="Courier" charset="0"/>
+            </a:endParaRPr>
+          </a:p>
+        </p:txBody>
+      </p:sp>
+      <p:sp>
+        <p:nvSpPr>
+          <p:cNvPr id="3" name="Slide Number Placeholder 2"/>
+          <p:cNvSpPr>
+            <a:spLocks noGrp="1"/>
+          </p:cNvSpPr>
+          <p:nvPr>
+            <p:ph type="sldNum" sz="quarter" idx="12"/>
+          </p:nvPr>
+        </p:nvSpPr>
+        <p:spPr/>
+        <p:txBody>
+          <a:bodyPr/>
+          <a:lstStyle/>
+          <a:p>
+            <a:pPr>
+              <a:defRPr/>
+            </a:pPr>
+            <a:fld id="{BD6E0F59-1DD8-40FC-9C92-B6295CBA6CCA}" type="slidenum">
+              <a:rPr lang="en-US" altLang="zh-CN" smtClean="0"/>
+              <a:pPr>
+                <a:defRPr/>
+              </a:pPr>
+              <a:t>14</a:t>
+            </a:fld>
+            <a:endParaRPr lang="en-US" altLang="zh-CN"/>
           </a:p>
         </p:txBody>
       </p:sp>
     </p:spTree>
     <p:extLst>
       <p:ext uri="{BB962C8B-B14F-4D97-AF65-F5344CB8AC3E}">
-        <p14:creationId xmlns:p14="http://schemas.microsoft.com/office/powerpoint/2010/main" val="1805408624"/>
+        <p14:creationId xmlns:p14="http://schemas.microsoft.com/office/powerpoint/2010/main" val="155067862"/>
       </p:ext>
     </p:extLst>
   </p:cSld>
@@ -7665,560 +7051,6 @@
         </p:nvSpPr>
         <p:spPr>
           <a:xfrm>
-            <a:off x="304800" y="0"/>
-            <a:ext cx="8686800" cy="857250"/>
-          </a:xfrm>
-        </p:spPr>
-        <p:txBody>
-          <a:bodyPr/>
-          <a:lstStyle/>
-          <a:p>
-            <a:r>
-              <a:rPr lang="en-US" sz="3600" dirty="0">
-                <a:solidFill>
-                  <a:srgbClr val="0070C0"/>
-                </a:solidFill>
-                <a:latin typeface="Calibri Light" panose="020F0302020204030204" pitchFamily="34" charset="0"/>
-                <a:cs typeface="Calibri Light" panose="020F0302020204030204" pitchFamily="34" charset="0"/>
-              </a:rPr>
-              <a:t>Probe Query Message</a:t>
-            </a:r>
-          </a:p>
-        </p:txBody>
-      </p:sp>
-      <p:sp>
-        <p:nvSpPr>
-          <p:cNvPr id="4" name="Footer Placeholder 3"/>
-          <p:cNvSpPr>
-            <a:spLocks noGrp="1"/>
-          </p:cNvSpPr>
-          <p:nvPr>
-            <p:ph type="ftr" sz="quarter" idx="11"/>
-          </p:nvPr>
-        </p:nvSpPr>
-        <p:spPr>
-          <a:xfrm>
-            <a:off x="3124200" y="4786312"/>
-            <a:ext cx="2895600" cy="357188"/>
-          </a:xfrm>
-        </p:spPr>
-        <p:txBody>
-          <a:bodyPr/>
-          <a:lstStyle/>
-          <a:p>
-            <a:pPr>
-              <a:defRPr/>
-            </a:pPr>
-            <a:r>
-              <a:rPr lang="en-US" altLang="zh-CN" dirty="0"/>
-              <a:t>107</a:t>
-            </a:r>
-            <a:r>
-              <a:rPr lang="en-US" altLang="zh-CN" baseline="30000" dirty="0"/>
-              <a:t>th</a:t>
-            </a:r>
-            <a:r>
-              <a:rPr lang="en-US" altLang="zh-CN" dirty="0"/>
-              <a:t> IETF @ Vancouver</a:t>
-            </a:r>
-          </a:p>
-        </p:txBody>
-      </p:sp>
-      <p:sp>
-        <p:nvSpPr>
-          <p:cNvPr id="7" name="Content Placeholder 2"/>
-          <p:cNvSpPr>
-            <a:spLocks noGrp="1"/>
-          </p:cNvSpPr>
-          <p:nvPr>
-            <p:ph idx="1"/>
-          </p:nvPr>
-        </p:nvSpPr>
-        <p:spPr>
-          <a:xfrm>
-            <a:off x="266700" y="742950"/>
-            <a:ext cx="8610600" cy="1102908"/>
-          </a:xfrm>
-        </p:spPr>
-        <p:txBody>
-          <a:bodyPr/>
-          <a:lstStyle/>
-          <a:p>
-            <a:r>
-              <a:rPr lang="en-US" sz="1200" dirty="0"/>
-              <a:t>PM probe query message defined for Links and end-to-end P2P/ P2MP SR Policies.</a:t>
-            </a:r>
-          </a:p>
-          <a:p>
-            <a:r>
-              <a:rPr lang="en-US" sz="1200" dirty="0"/>
-              <a:t>User-configured destination UDP </a:t>
-            </a:r>
-            <a:r>
-              <a:rPr lang="en-US" sz="1200" b="1" dirty="0"/>
-              <a:t>port1</a:t>
-            </a:r>
-            <a:r>
-              <a:rPr lang="en-US" sz="1200" dirty="0"/>
-              <a:t> is used for DM probe messages in unauthenticated mode and </a:t>
-            </a:r>
-            <a:r>
-              <a:rPr lang="en-US" sz="1200" b="1" dirty="0"/>
-              <a:t>port2</a:t>
-            </a:r>
-            <a:r>
-              <a:rPr lang="en-US" sz="1200" dirty="0"/>
-              <a:t> is used for LM probe messages in unauthenticated mode.</a:t>
-            </a:r>
-          </a:p>
-          <a:p>
-            <a:r>
-              <a:rPr lang="en-US" sz="1200" dirty="0"/>
-              <a:t>For DM, payload contains RFC 5357 (TWAMP Light) or STAMP defined probe message as shown below.</a:t>
-            </a:r>
-          </a:p>
-          <a:p>
-            <a:endParaRPr lang="en-US" sz="1200" dirty="0"/>
-          </a:p>
-        </p:txBody>
-      </p:sp>
-      <p:sp>
-        <p:nvSpPr>
-          <p:cNvPr id="5" name="Rectangle 4"/>
-          <p:cNvSpPr/>
-          <p:nvPr/>
-        </p:nvSpPr>
-        <p:spPr>
-          <a:xfrm>
-            <a:off x="2247900" y="1954173"/>
-            <a:ext cx="4648200" cy="2723823"/>
-          </a:xfrm>
-          <a:prstGeom prst="rect">
-            <a:avLst/>
-          </a:prstGeom>
-          <a:solidFill>
-            <a:schemeClr val="accent6">
-              <a:lumMod val="20000"/>
-              <a:lumOff val="80000"/>
-            </a:schemeClr>
-          </a:solidFill>
-        </p:spPr>
-        <p:txBody>
-          <a:bodyPr wrap="square">
-            <a:spAutoFit/>
-          </a:bodyPr>
-          <a:lstStyle/>
-          <a:p>
-            <a:pPr>
-              <a:spcAft>
-                <a:spcPts val="0"/>
-              </a:spcAft>
-            </a:pPr>
-            <a:r>
-              <a:rPr lang="en-US" sz="900" b="1" dirty="0">
-                <a:latin typeface="Courier" charset="0"/>
-                <a:ea typeface="Courier" charset="0"/>
-                <a:cs typeface="Courier" charset="0"/>
-              </a:rPr>
-              <a:t>+---------------------------------------------------------------+</a:t>
-            </a:r>
-          </a:p>
-          <a:p>
-            <a:pPr>
-              <a:spcAft>
-                <a:spcPts val="0"/>
-              </a:spcAft>
-            </a:pPr>
-            <a:r>
-              <a:rPr lang="en-US" sz="900" b="1" dirty="0">
-                <a:latin typeface="Courier" charset="0"/>
-                <a:ea typeface="Courier" charset="0"/>
-                <a:cs typeface="Courier" charset="0"/>
-              </a:rPr>
-              <a:t>| IP Header                                                     |</a:t>
-            </a:r>
-          </a:p>
-          <a:p>
-            <a:pPr>
-              <a:spcAft>
-                <a:spcPts val="0"/>
-              </a:spcAft>
-            </a:pPr>
-            <a:r>
-              <a:rPr lang="en-US" sz="900" b="1" dirty="0">
-                <a:latin typeface="Courier" charset="0"/>
-                <a:ea typeface="Courier" charset="0"/>
-                <a:cs typeface="Courier" charset="0"/>
-              </a:rPr>
-              <a:t>.  Source IP Address = Sender IPv4 or IPv6 Address             .</a:t>
-            </a:r>
-          </a:p>
-          <a:p>
-            <a:pPr>
-              <a:spcAft>
-                <a:spcPts val="0"/>
-              </a:spcAft>
-            </a:pPr>
-            <a:r>
-              <a:rPr lang="en-US" sz="900" b="1" dirty="0">
-                <a:latin typeface="Courier" charset="0"/>
-                <a:ea typeface="Courier" charset="0"/>
-                <a:cs typeface="Courier" charset="0"/>
-              </a:rPr>
-              <a:t>.  Destination IP Address = Reflector IPv4 or IPv6 Address      .</a:t>
-            </a:r>
-          </a:p>
-          <a:p>
-            <a:pPr>
-              <a:spcAft>
-                <a:spcPts val="0"/>
-              </a:spcAft>
-            </a:pPr>
-            <a:r>
-              <a:rPr lang="en-US" sz="900" b="1" dirty="0">
-                <a:latin typeface="Courier" charset="0"/>
-                <a:ea typeface="Courier" charset="0"/>
-                <a:cs typeface="Courier" charset="0"/>
-              </a:rPr>
-              <a:t>.  Protocol = UDP                                               .</a:t>
-            </a:r>
-          </a:p>
-          <a:p>
-            <a:pPr>
-              <a:spcAft>
-                <a:spcPts val="0"/>
-              </a:spcAft>
-            </a:pPr>
-            <a:r>
-              <a:rPr lang="en-US" sz="900" b="1" dirty="0">
-                <a:latin typeface="Courier" charset="0"/>
-                <a:ea typeface="Courier" charset="0"/>
-                <a:cs typeface="Courier" charset="0"/>
-              </a:rPr>
-              <a:t>.                                                               .</a:t>
-            </a:r>
-          </a:p>
-          <a:p>
-            <a:pPr>
-              <a:spcAft>
-                <a:spcPts val="0"/>
-              </a:spcAft>
-            </a:pPr>
-            <a:r>
-              <a:rPr lang="en-US" sz="900" b="1" dirty="0">
-                <a:latin typeface="Courier" charset="0"/>
-                <a:ea typeface="Courier" charset="0"/>
-                <a:cs typeface="Courier" charset="0"/>
-              </a:rPr>
-              <a:t>+---------------------------------------------------------------+</a:t>
-            </a:r>
-          </a:p>
-          <a:p>
-            <a:pPr>
-              <a:spcAft>
-                <a:spcPts val="0"/>
-              </a:spcAft>
-            </a:pPr>
-            <a:r>
-              <a:rPr lang="en-US" sz="900" b="1" dirty="0">
-                <a:latin typeface="Courier" charset="0"/>
-                <a:ea typeface="Courier" charset="0"/>
-                <a:cs typeface="Courier" charset="0"/>
-              </a:rPr>
-              <a:t>| UDP Header                                                    |</a:t>
-            </a:r>
-          </a:p>
-          <a:p>
-            <a:pPr>
-              <a:spcAft>
-                <a:spcPts val="0"/>
-              </a:spcAft>
-            </a:pPr>
-            <a:r>
-              <a:rPr lang="en-US" sz="900" b="1" dirty="0">
-                <a:latin typeface="Courier" charset="0"/>
-                <a:ea typeface="Courier" charset="0"/>
-                <a:cs typeface="Courier" charset="0"/>
-              </a:rPr>
-              <a:t>.  Source Port = As chosen by Sender                           .</a:t>
-            </a:r>
-          </a:p>
-          <a:p>
-            <a:pPr>
-              <a:spcAft>
-                <a:spcPts val="0"/>
-              </a:spcAft>
-            </a:pPr>
-            <a:r>
-              <a:rPr lang="en-US" sz="900" b="1" dirty="0">
-                <a:latin typeface="Courier" charset="0"/>
-                <a:ea typeface="Courier" charset="0"/>
-                <a:cs typeface="Courier" charset="0"/>
-              </a:rPr>
-              <a:t>.  Destination Port = </a:t>
-            </a:r>
-            <a:r>
-              <a:rPr lang="en-US" sz="900" b="1" dirty="0">
-                <a:solidFill>
-                  <a:srgbClr val="0070C0"/>
-                </a:solidFill>
-                <a:latin typeface="Courier" charset="0"/>
-                <a:ea typeface="Courier" charset="0"/>
-                <a:cs typeface="Courier" charset="0"/>
-              </a:rPr>
-              <a:t>User-configured Port for Delay Measurement</a:t>
-            </a:r>
-            <a:r>
-              <a:rPr lang="en-US" sz="900" b="1" dirty="0">
-                <a:latin typeface="Courier" charset="0"/>
-                <a:ea typeface="Courier" charset="0"/>
-                <a:cs typeface="Courier" charset="0"/>
-              </a:rPr>
-              <a:t>.</a:t>
-            </a:r>
-          </a:p>
-          <a:p>
-            <a:pPr>
-              <a:spcAft>
-                <a:spcPts val="0"/>
-              </a:spcAft>
-            </a:pPr>
-            <a:r>
-              <a:rPr lang="en-US" sz="900" b="1" dirty="0">
-                <a:latin typeface="Courier" charset="0"/>
-                <a:ea typeface="Courier" charset="0"/>
-                <a:cs typeface="Courier" charset="0"/>
-              </a:rPr>
-              <a:t>.                                                               .</a:t>
-            </a:r>
-          </a:p>
-          <a:p>
-            <a:pPr>
-              <a:spcAft>
-                <a:spcPts val="0"/>
-              </a:spcAft>
-            </a:pPr>
-            <a:r>
-              <a:rPr lang="en-US" sz="900" b="1" dirty="0">
-                <a:latin typeface="Courier" charset="0"/>
-                <a:ea typeface="Courier" charset="0"/>
-                <a:cs typeface="Courier" charset="0"/>
-              </a:rPr>
-              <a:t>+---------------------------------------------------------------+</a:t>
-            </a:r>
-          </a:p>
-          <a:p>
-            <a:pPr>
-              <a:spcAft>
-                <a:spcPts val="0"/>
-              </a:spcAft>
-            </a:pPr>
-            <a:r>
-              <a:rPr lang="en-US" sz="900" b="1" dirty="0">
-                <a:latin typeface="Courier" charset="0"/>
-                <a:ea typeface="Courier" charset="0"/>
-                <a:cs typeface="Courier" charset="0"/>
-              </a:rPr>
-              <a:t>| Payload = Message as specified in Section 4.2.1 of RFC 5357   |</a:t>
-            </a:r>
-          </a:p>
-          <a:p>
-            <a:pPr>
-              <a:spcAft>
-                <a:spcPts val="0"/>
-              </a:spcAft>
-            </a:pPr>
-            <a:r>
-              <a:rPr lang="en-US" sz="900" b="1" dirty="0">
-                <a:latin typeface="Courier" charset="0"/>
-                <a:ea typeface="Courier" charset="0"/>
-                <a:cs typeface="Courier" charset="0"/>
-              </a:rPr>
-              <a:t>. Payload = Message as specified in Section 4.1.2 of RFC 5357   .</a:t>
-            </a:r>
-          </a:p>
-          <a:p>
-            <a:pPr>
-              <a:spcAft>
-                <a:spcPts val="0"/>
-              </a:spcAft>
-            </a:pPr>
-            <a:r>
-              <a:rPr lang="en-US" sz="900" b="1" dirty="0">
-                <a:latin typeface="Courier" charset="0"/>
-                <a:ea typeface="Courier" charset="0"/>
-                <a:cs typeface="Courier" charset="0"/>
-              </a:rPr>
-              <a:t>. Payload = Message specified in Section 4.2 of </a:t>
-            </a:r>
-            <a:r>
-              <a:rPr lang="en-US" sz="900" b="1" dirty="0" err="1">
-                <a:latin typeface="Courier" charset="0"/>
-                <a:ea typeface="Courier" charset="0"/>
-                <a:cs typeface="Courier" charset="0"/>
-              </a:rPr>
-              <a:t>ietf</a:t>
-            </a:r>
-            <a:r>
-              <a:rPr lang="en-US" sz="900" b="1" dirty="0">
-                <a:latin typeface="Courier" charset="0"/>
-                <a:ea typeface="Courier" charset="0"/>
-                <a:cs typeface="Courier" charset="0"/>
-              </a:rPr>
-              <a:t>-</a:t>
-            </a:r>
-            <a:r>
-              <a:rPr lang="en-US" sz="900" b="1" dirty="0" err="1">
-                <a:latin typeface="Courier" charset="0"/>
-                <a:ea typeface="Courier" charset="0"/>
-                <a:cs typeface="Courier" charset="0"/>
-              </a:rPr>
-              <a:t>ippm</a:t>
-            </a:r>
-            <a:r>
-              <a:rPr lang="en-US" sz="900" b="1" dirty="0">
-                <a:latin typeface="Courier" charset="0"/>
-                <a:ea typeface="Courier" charset="0"/>
-                <a:cs typeface="Courier" charset="0"/>
-              </a:rPr>
-              <a:t>-stamp .</a:t>
-            </a:r>
-          </a:p>
-          <a:p>
-            <a:pPr>
-              <a:spcAft>
-                <a:spcPts val="0"/>
-              </a:spcAft>
-            </a:pPr>
-            <a:r>
-              <a:rPr lang="en-US" sz="900" b="1" dirty="0">
-                <a:latin typeface="Courier" charset="0"/>
-                <a:ea typeface="Courier" charset="0"/>
-                <a:cs typeface="Courier" charset="0"/>
-              </a:rPr>
-              <a:t>.                                                               .</a:t>
-            </a:r>
-          </a:p>
-          <a:p>
-            <a:pPr>
-              <a:spcAft>
-                <a:spcPts val="0"/>
-              </a:spcAft>
-            </a:pPr>
-            <a:r>
-              <a:rPr lang="en-US" sz="900" b="1" dirty="0">
-                <a:latin typeface="Courier" charset="0"/>
-                <a:ea typeface="Courier" charset="0"/>
-                <a:cs typeface="Courier" charset="0"/>
-              </a:rPr>
-              <a:t>+---------------------------------------------------------------+</a:t>
-            </a:r>
-          </a:p>
-          <a:p>
-            <a:pPr>
-              <a:spcAft>
-                <a:spcPts val="0"/>
-              </a:spcAft>
-            </a:pPr>
-            <a:endParaRPr lang="en-US" sz="900" b="1" dirty="0">
-              <a:latin typeface="Courier" charset="0"/>
-              <a:ea typeface="Courier" charset="0"/>
-              <a:cs typeface="Courier" charset="0"/>
-            </a:endParaRPr>
-          </a:p>
-          <a:p>
-            <a:pPr>
-              <a:spcAft>
-                <a:spcPts val="0"/>
-              </a:spcAft>
-            </a:pPr>
-            <a:r>
-              <a:rPr lang="en-CA" sz="900" b="1" dirty="0">
-                <a:latin typeface="Courier" charset="0"/>
-                <a:ea typeface="Courier" charset="0"/>
-                <a:cs typeface="Courier" charset="0"/>
-              </a:rPr>
-              <a:t>                   Figure: DM Probe Query Message</a:t>
-            </a:r>
-            <a:endParaRPr lang="en-US" sz="900" b="1" dirty="0">
-              <a:latin typeface="Courier" charset="0"/>
-              <a:ea typeface="Courier" charset="0"/>
-              <a:cs typeface="Courier" charset="0"/>
-            </a:endParaRPr>
-          </a:p>
-        </p:txBody>
-      </p:sp>
-      <p:sp>
-        <p:nvSpPr>
-          <p:cNvPr id="3" name="Slide Number Placeholder 2"/>
-          <p:cNvSpPr>
-            <a:spLocks noGrp="1"/>
-          </p:cNvSpPr>
-          <p:nvPr>
-            <p:ph type="sldNum" sz="quarter" idx="12"/>
-          </p:nvPr>
-        </p:nvSpPr>
-        <p:spPr/>
-        <p:txBody>
-          <a:bodyPr/>
-          <a:lstStyle/>
-          <a:p>
-            <a:pPr>
-              <a:defRPr/>
-            </a:pPr>
-            <a:fld id="{BD6E0F59-1DD8-40FC-9C92-B6295CBA6CCA}" type="slidenum">
-              <a:rPr lang="en-US" altLang="zh-CN" smtClean="0"/>
-              <a:pPr>
-                <a:defRPr/>
-              </a:pPr>
-              <a:t>15</a:t>
-            </a:fld>
-            <a:endParaRPr lang="en-US" altLang="zh-CN"/>
-          </a:p>
-        </p:txBody>
-      </p:sp>
-    </p:spTree>
-    <p:extLst>
-      <p:ext uri="{BB962C8B-B14F-4D97-AF65-F5344CB8AC3E}">
-        <p14:creationId xmlns:p14="http://schemas.microsoft.com/office/powerpoint/2010/main" val="155067862"/>
-      </p:ext>
-    </p:extLst>
-  </p:cSld>
-  <p:clrMapOvr>
-    <a:masterClrMapping/>
-  </p:clrMapOvr>
-</p:sld>
-</file>
-
-<file path=ppt/slides/slide16.xml><?xml version="1.0" encoding="utf-8"?>
-<p:sld xmlns:a="http://schemas.openxmlformats.org/drawingml/2006/main" xmlns:r="http://schemas.openxmlformats.org/officeDocument/2006/relationships" xmlns:p="http://schemas.openxmlformats.org/presentationml/2006/main">
-  <p:cSld>
-    <p:spTree>
-      <p:nvGrpSpPr>
-        <p:cNvPr id="1" name=""/>
-        <p:cNvGrpSpPr/>
-        <p:nvPr/>
-      </p:nvGrpSpPr>
-      <p:grpSpPr>
-        <a:xfrm>
-          <a:off x="0" y="0"/>
-          <a:ext cx="0" cy="0"/>
-          <a:chOff x="0" y="0"/>
-          <a:chExt cx="0" cy="0"/>
-        </a:xfrm>
-      </p:grpSpPr>
-      <p:sp>
-        <p:nvSpPr>
-          <p:cNvPr id="2" name="Title 1"/>
-          <p:cNvSpPr>
-            <a:spLocks noGrp="1"/>
-          </p:cNvSpPr>
-          <p:nvPr>
-            <p:ph type="title"/>
-          </p:nvPr>
-        </p:nvSpPr>
-        <p:spPr>
-          <a:xfrm>
             <a:off x="152400" y="202211"/>
             <a:ext cx="3962400" cy="845539"/>
           </a:xfrm>
@@ -8422,7 +7254,7 @@
                 <a:ea typeface="Courier" charset="0"/>
                 <a:cs typeface="Courier" charset="0"/>
               </a:rPr>
-              <a:t>|   Message as shown in Figure 1 for DM or Figure 2 for LM      |</a:t>
+              <a:t>|   Message as shown in Figure 2 for DM or Figure 3 for LM      |</a:t>
             </a:r>
           </a:p>
           <a:p>
@@ -8552,7 +7384,7 @@
                 <a:ea typeface="Courier" charset="0"/>
                 <a:cs typeface="Courier" charset="0"/>
               </a:rPr>
-              <a:t>|   Message as shown in Figure 1 for DM or Figure 2 for LM      |</a:t>
+              <a:t>|   Message as shown in Figure 2 for DM or Figure 3 for LM      |</a:t>
             </a:r>
           </a:p>
           <a:p>
@@ -8859,7 +7691,7 @@
               <a:pPr>
                 <a:defRPr/>
               </a:pPr>
-              <a:t>16</a:t>
+              <a:t>15</a:t>
             </a:fld>
             <a:endParaRPr lang="en-US" altLang="zh-CN"/>
           </a:p>
@@ -8922,6 +7754,416 @@
 </p:sld>
 </file>
 
+<file path=ppt/slides/slide16.xml><?xml version="1.0" encoding="utf-8"?>
+<p:sld xmlns:a="http://schemas.openxmlformats.org/drawingml/2006/main" xmlns:r="http://schemas.openxmlformats.org/officeDocument/2006/relationships" xmlns:p="http://schemas.openxmlformats.org/presentationml/2006/main">
+  <p:cSld>
+    <p:spTree>
+      <p:nvGrpSpPr>
+        <p:cNvPr id="1" name=""/>
+        <p:cNvGrpSpPr/>
+        <p:nvPr/>
+      </p:nvGrpSpPr>
+      <p:grpSpPr>
+        <a:xfrm>
+          <a:off x="0" y="0"/>
+          <a:ext cx="0" cy="0"/>
+          <a:chOff x="0" y="0"/>
+          <a:chExt cx="0" cy="0"/>
+        </a:xfrm>
+      </p:grpSpPr>
+      <p:sp>
+        <p:nvSpPr>
+          <p:cNvPr id="2" name="Title 1"/>
+          <p:cNvSpPr>
+            <a:spLocks noGrp="1"/>
+          </p:cNvSpPr>
+          <p:nvPr>
+            <p:ph type="title"/>
+          </p:nvPr>
+        </p:nvSpPr>
+        <p:spPr>
+          <a:xfrm>
+            <a:off x="457200" y="0"/>
+            <a:ext cx="8229600" cy="857250"/>
+          </a:xfrm>
+        </p:spPr>
+        <p:txBody>
+          <a:bodyPr/>
+          <a:lstStyle/>
+          <a:p>
+            <a:r>
+              <a:rPr lang="en-US" sz="3600" dirty="0">
+                <a:solidFill>
+                  <a:srgbClr val="0070C0"/>
+                </a:solidFill>
+                <a:latin typeface="Calibri Light" panose="020F0302020204030204" pitchFamily="34" charset="0"/>
+                <a:cs typeface="Calibri Light" panose="020F0302020204030204" pitchFamily="34" charset="0"/>
+              </a:rPr>
+              <a:t>Probe Response Message</a:t>
+            </a:r>
+          </a:p>
+        </p:txBody>
+      </p:sp>
+      <p:sp>
+        <p:nvSpPr>
+          <p:cNvPr id="3" name="Content Placeholder 2"/>
+          <p:cNvSpPr>
+            <a:spLocks noGrp="1"/>
+          </p:cNvSpPr>
+          <p:nvPr>
+            <p:ph idx="1"/>
+          </p:nvPr>
+        </p:nvSpPr>
+        <p:spPr>
+          <a:xfrm>
+            <a:off x="647700" y="742950"/>
+            <a:ext cx="7848600" cy="775363"/>
+          </a:xfrm>
+        </p:spPr>
+        <p:txBody>
+          <a:bodyPr/>
+          <a:lstStyle/>
+          <a:p>
+            <a:r>
+              <a:rPr lang="en-US" sz="2000" dirty="0"/>
+              <a:t>The probe response message is sent using the IP/UDP information from the probe query message. </a:t>
+            </a:r>
+          </a:p>
+        </p:txBody>
+      </p:sp>
+      <p:sp>
+        <p:nvSpPr>
+          <p:cNvPr id="4" name="Footer Placeholder 3"/>
+          <p:cNvSpPr>
+            <a:spLocks noGrp="1"/>
+          </p:cNvSpPr>
+          <p:nvPr>
+            <p:ph type="ftr" sz="quarter" idx="11"/>
+          </p:nvPr>
+        </p:nvSpPr>
+        <p:spPr>
+          <a:xfrm>
+            <a:off x="3124200" y="4786312"/>
+            <a:ext cx="2895600" cy="357188"/>
+          </a:xfrm>
+        </p:spPr>
+        <p:txBody>
+          <a:bodyPr/>
+          <a:lstStyle/>
+          <a:p>
+            <a:pPr>
+              <a:defRPr/>
+            </a:pPr>
+            <a:r>
+              <a:rPr lang="en-US" altLang="zh-CN" dirty="0"/>
+              <a:t>107</a:t>
+            </a:r>
+            <a:r>
+              <a:rPr lang="en-US" altLang="zh-CN" baseline="30000" dirty="0"/>
+              <a:t>th</a:t>
+            </a:r>
+            <a:r>
+              <a:rPr lang="en-US" altLang="zh-CN" dirty="0"/>
+              <a:t> IETF @ Vancouver</a:t>
+            </a:r>
+          </a:p>
+        </p:txBody>
+      </p:sp>
+      <p:sp>
+        <p:nvSpPr>
+          <p:cNvPr id="5" name="Rectangle 4"/>
+          <p:cNvSpPr/>
+          <p:nvPr/>
+        </p:nvSpPr>
+        <p:spPr>
+          <a:xfrm>
+            <a:off x="1447800" y="1472952"/>
+            <a:ext cx="6096000" cy="3170099"/>
+          </a:xfrm>
+          <a:prstGeom prst="rect">
+            <a:avLst/>
+          </a:prstGeom>
+          <a:solidFill>
+            <a:schemeClr val="accent6">
+              <a:lumMod val="20000"/>
+              <a:lumOff val="80000"/>
+            </a:schemeClr>
+          </a:solidFill>
+        </p:spPr>
+        <p:txBody>
+          <a:bodyPr wrap="square">
+            <a:spAutoFit/>
+          </a:bodyPr>
+          <a:lstStyle/>
+          <a:p>
+            <a:r>
+              <a:rPr lang="en-CA" sz="1000" b="1" dirty="0">
+                <a:latin typeface="Courier New" panose="02070309020205020404" pitchFamily="49" charset="0"/>
+                <a:cs typeface="Courier New" panose="02070309020205020404" pitchFamily="49" charset="0"/>
+              </a:rPr>
+              <a:t>    +---------------------------------------------------------------+</a:t>
+            </a:r>
+          </a:p>
+          <a:p>
+            <a:r>
+              <a:rPr lang="en-CA" sz="1000" b="1" dirty="0">
+                <a:latin typeface="Courier New" panose="02070309020205020404" pitchFamily="49" charset="0"/>
+                <a:cs typeface="Courier New" panose="02070309020205020404" pitchFamily="49" charset="0"/>
+              </a:rPr>
+              <a:t>    | IP Header                                                     |</a:t>
+            </a:r>
+          </a:p>
+          <a:p>
+            <a:r>
+              <a:rPr lang="en-CA" sz="1000" b="1" dirty="0">
+                <a:latin typeface="Courier New" panose="02070309020205020404" pitchFamily="49" charset="0"/>
+                <a:cs typeface="Courier New" panose="02070309020205020404" pitchFamily="49" charset="0"/>
+              </a:rPr>
+              <a:t>    .  Source IP Address = Reflector IPv4 or IPv6 Address           .</a:t>
+            </a:r>
+          </a:p>
+          <a:p>
+            <a:r>
+              <a:rPr lang="en-CA" sz="1000" b="1" dirty="0">
+                <a:latin typeface="Courier New" panose="02070309020205020404" pitchFamily="49" charset="0"/>
+                <a:cs typeface="Courier New" panose="02070309020205020404" pitchFamily="49" charset="0"/>
+              </a:rPr>
+              <a:t>    .  Destination IP Address = Source IP Address from Query        .</a:t>
+            </a:r>
+          </a:p>
+          <a:p>
+            <a:r>
+              <a:rPr lang="en-CA" sz="1000" b="1" dirty="0">
+                <a:latin typeface="Courier New" panose="02070309020205020404" pitchFamily="49" charset="0"/>
+                <a:cs typeface="Courier New" panose="02070309020205020404" pitchFamily="49" charset="0"/>
+              </a:rPr>
+              <a:t>    .  Protocol = UDP                                               .</a:t>
+            </a:r>
+          </a:p>
+          <a:p>
+            <a:r>
+              <a:rPr lang="en-CA" sz="1000" b="1" dirty="0">
+                <a:latin typeface="Courier New" panose="02070309020205020404" pitchFamily="49" charset="0"/>
+                <a:cs typeface="Courier New" panose="02070309020205020404" pitchFamily="49" charset="0"/>
+              </a:rPr>
+              <a:t>    .                                                               .</a:t>
+            </a:r>
+          </a:p>
+          <a:p>
+            <a:r>
+              <a:rPr lang="en-CA" sz="1000" b="1" dirty="0">
+                <a:latin typeface="Courier New" panose="02070309020205020404" pitchFamily="49" charset="0"/>
+                <a:cs typeface="Courier New" panose="02070309020205020404" pitchFamily="49" charset="0"/>
+              </a:rPr>
+              <a:t>    +---------------------------------------------------------------+</a:t>
+            </a:r>
+          </a:p>
+          <a:p>
+            <a:r>
+              <a:rPr lang="en-CA" sz="1000" b="1" dirty="0">
+                <a:latin typeface="Courier New" panose="02070309020205020404" pitchFamily="49" charset="0"/>
+                <a:cs typeface="Courier New" panose="02070309020205020404" pitchFamily="49" charset="0"/>
+              </a:rPr>
+              <a:t>    | UDP Header                                                    |</a:t>
+            </a:r>
+          </a:p>
+          <a:p>
+            <a:r>
+              <a:rPr lang="en-CA" sz="1000" b="1" dirty="0">
+                <a:latin typeface="Courier New" panose="02070309020205020404" pitchFamily="49" charset="0"/>
+                <a:cs typeface="Courier New" panose="02070309020205020404" pitchFamily="49" charset="0"/>
+              </a:rPr>
+              <a:t>    .  Source Port = As chosen by Reflector                         .</a:t>
+            </a:r>
+          </a:p>
+          <a:p>
+            <a:r>
+              <a:rPr lang="en-CA" sz="1000" b="1" dirty="0">
+                <a:latin typeface="Courier New" panose="02070309020205020404" pitchFamily="49" charset="0"/>
+                <a:cs typeface="Courier New" panose="02070309020205020404" pitchFamily="49" charset="0"/>
+              </a:rPr>
+              <a:t>    .  Destination Port = Source Port from Query                    .</a:t>
+            </a:r>
+          </a:p>
+          <a:p>
+            <a:r>
+              <a:rPr lang="en-CA" sz="1000" b="1" dirty="0">
+                <a:latin typeface="Courier New" panose="02070309020205020404" pitchFamily="49" charset="0"/>
+                <a:cs typeface="Courier New" panose="02070309020205020404" pitchFamily="49" charset="0"/>
+              </a:rPr>
+              <a:t>    .                                                               .</a:t>
+            </a:r>
+          </a:p>
+          <a:p>
+            <a:r>
+              <a:rPr lang="en-CA" sz="1000" b="1" dirty="0">
+                <a:latin typeface="Courier New" panose="02070309020205020404" pitchFamily="49" charset="0"/>
+                <a:cs typeface="Courier New" panose="02070309020205020404" pitchFamily="49" charset="0"/>
+              </a:rPr>
+              <a:t>    +---------------------------------------------------------------+</a:t>
+            </a:r>
+          </a:p>
+          <a:p>
+            <a:r>
+              <a:rPr lang="en-CA" sz="1000" b="1" dirty="0">
+                <a:latin typeface="Courier New" panose="02070309020205020404" pitchFamily="49" charset="0"/>
+                <a:cs typeface="Courier New" panose="02070309020205020404" pitchFamily="49" charset="0"/>
+              </a:rPr>
+              <a:t>    | DM Payload as specified in Section 4.2.1 of RFC 5357, or      |</a:t>
+            </a:r>
+          </a:p>
+          <a:p>
+            <a:r>
+              <a:rPr lang="en-CA" sz="1000" b="1" dirty="0">
+                <a:latin typeface="Courier New" panose="02070309020205020404" pitchFamily="49" charset="0"/>
+                <a:cs typeface="Courier New" panose="02070309020205020404" pitchFamily="49" charset="0"/>
+              </a:rPr>
+              <a:t>    </a:t>
+            </a:r>
+            <a:r>
+              <a:rPr lang="en-US" sz="1000" b="1" dirty="0">
+                <a:latin typeface="Courier New" panose="02070309020205020404" pitchFamily="49" charset="0"/>
+                <a:ea typeface="Courier" charset="0"/>
+                <a:cs typeface="Courier New" panose="02070309020205020404" pitchFamily="49" charset="0"/>
+              </a:rPr>
+              <a:t>. DM Payload as specified in Section 4.3 of </a:t>
+            </a:r>
+            <a:r>
+              <a:rPr lang="en-US" sz="1000" b="1" dirty="0" err="1">
+                <a:latin typeface="Courier New" panose="02070309020205020404" pitchFamily="49" charset="0"/>
+                <a:ea typeface="Courier" charset="0"/>
+                <a:cs typeface="Courier New" panose="02070309020205020404" pitchFamily="49" charset="0"/>
+              </a:rPr>
+              <a:t>ietf</a:t>
+            </a:r>
+            <a:r>
+              <a:rPr lang="en-US" sz="1000" b="1" dirty="0">
+                <a:latin typeface="Courier New" panose="02070309020205020404" pitchFamily="49" charset="0"/>
+                <a:ea typeface="Courier" charset="0"/>
+                <a:cs typeface="Courier New" panose="02070309020205020404" pitchFamily="49" charset="0"/>
+              </a:rPr>
+              <a:t>-</a:t>
+            </a:r>
+            <a:r>
+              <a:rPr lang="en-US" sz="1000" b="1" dirty="0" err="1">
+                <a:latin typeface="Courier New" panose="02070309020205020404" pitchFamily="49" charset="0"/>
+                <a:ea typeface="Courier" charset="0"/>
+                <a:cs typeface="Courier New" panose="02070309020205020404" pitchFamily="49" charset="0"/>
+              </a:rPr>
+              <a:t>ippm</a:t>
+            </a:r>
+            <a:r>
+              <a:rPr lang="en-US" sz="1000" b="1" dirty="0">
+                <a:latin typeface="Courier New" panose="02070309020205020404" pitchFamily="49" charset="0"/>
+                <a:ea typeface="Courier" charset="0"/>
+                <a:cs typeface="Courier New" panose="02070309020205020404" pitchFamily="49" charset="0"/>
+              </a:rPr>
+              <a:t>-stamp     .</a:t>
+            </a:r>
+          </a:p>
+          <a:p>
+            <a:r>
+              <a:rPr lang="en-CA" sz="1000" b="1" dirty="0">
+                <a:latin typeface="Courier New" panose="02070309020205020404" pitchFamily="49" charset="0"/>
+                <a:cs typeface="Courier New" panose="02070309020205020404" pitchFamily="49" charset="0"/>
+              </a:rPr>
+              <a:t>    . LM Payload as specified in this document                      .</a:t>
+            </a:r>
+          </a:p>
+          <a:p>
+            <a:r>
+              <a:rPr lang="en-CA" sz="1000" b="1" dirty="0">
+                <a:latin typeface="Courier New" panose="02070309020205020404" pitchFamily="49" charset="0"/>
+                <a:cs typeface="Courier New" panose="02070309020205020404" pitchFamily="49" charset="0"/>
+              </a:rPr>
+              <a:t>    .               for TWAMP Light and STAMP                       .</a:t>
+            </a:r>
+          </a:p>
+          <a:p>
+            <a:r>
+              <a:rPr lang="en-CA" sz="1000" b="1" dirty="0">
+                <a:latin typeface="Courier New" panose="02070309020205020404" pitchFamily="49" charset="0"/>
+                <a:cs typeface="Courier New" panose="02070309020205020404" pitchFamily="49" charset="0"/>
+              </a:rPr>
+              <a:t>    .                                                               .</a:t>
+            </a:r>
+          </a:p>
+          <a:p>
+            <a:r>
+              <a:rPr lang="en-CA" sz="1000" b="1" dirty="0">
+                <a:latin typeface="Courier New" panose="02070309020205020404" pitchFamily="49" charset="0"/>
+                <a:cs typeface="Courier New" panose="02070309020205020404" pitchFamily="49" charset="0"/>
+              </a:rPr>
+              <a:t>    +---------------------------------------------------------------+</a:t>
+            </a:r>
+          </a:p>
+          <a:p>
+            <a:r>
+              <a:rPr lang="en-CA" sz="1000" b="1" dirty="0">
+                <a:latin typeface="Courier New" panose="02070309020205020404" pitchFamily="49" charset="0"/>
+                <a:cs typeface="Courier New" panose="02070309020205020404" pitchFamily="49" charset="0"/>
+              </a:rPr>
+              <a:t> </a:t>
+            </a:r>
+          </a:p>
+          <a:p>
+            <a:r>
+              <a:rPr lang="en-CA" sz="1000" b="1" dirty="0">
+                <a:latin typeface="Courier New" panose="02070309020205020404" pitchFamily="49" charset="0"/>
+                <a:cs typeface="Courier New" panose="02070309020205020404" pitchFamily="49" charset="0"/>
+              </a:rPr>
+              <a:t>                       Figure: Probe Response Message</a:t>
+            </a:r>
+            <a:endParaRPr lang="en-US" sz="1000" b="1" dirty="0">
+              <a:latin typeface="Courier New" panose="02070309020205020404" pitchFamily="49" charset="0"/>
+              <a:ea typeface="Courier" charset="0"/>
+              <a:cs typeface="Courier New" panose="02070309020205020404" pitchFamily="49" charset="0"/>
+            </a:endParaRPr>
+          </a:p>
+        </p:txBody>
+      </p:sp>
+      <p:sp>
+        <p:nvSpPr>
+          <p:cNvPr id="6" name="Slide Number Placeholder 5"/>
+          <p:cNvSpPr>
+            <a:spLocks noGrp="1"/>
+          </p:cNvSpPr>
+          <p:nvPr>
+            <p:ph type="sldNum" sz="quarter" idx="12"/>
+          </p:nvPr>
+        </p:nvSpPr>
+        <p:spPr/>
+        <p:txBody>
+          <a:bodyPr/>
+          <a:lstStyle/>
+          <a:p>
+            <a:pPr>
+              <a:defRPr/>
+            </a:pPr>
+            <a:fld id="{BD6E0F59-1DD8-40FC-9C92-B6295CBA6CCA}" type="slidenum">
+              <a:rPr lang="en-US" altLang="zh-CN" smtClean="0"/>
+              <a:pPr>
+                <a:defRPr/>
+              </a:pPr>
+              <a:t>16</a:t>
+            </a:fld>
+            <a:endParaRPr lang="en-US" altLang="zh-CN"/>
+          </a:p>
+        </p:txBody>
+      </p:sp>
+    </p:spTree>
+    <p:extLst>
+      <p:ext uri="{BB962C8B-B14F-4D97-AF65-F5344CB8AC3E}">
+        <p14:creationId xmlns:p14="http://schemas.microsoft.com/office/powerpoint/2010/main" val="1922777222"/>
+      </p:ext>
+    </p:extLst>
+  </p:cSld>
+  <p:clrMapOvr>
+    <a:masterClrMapping/>
+  </p:clrMapOvr>
+</p:sld>
+</file>
+
 <file path=ppt/slides/slide17.xml><?xml version="1.0" encoding="utf-8"?>
 <p:sld xmlns:a="http://schemas.openxmlformats.org/drawingml/2006/main" xmlns:r="http://schemas.openxmlformats.org/officeDocument/2006/relationships" xmlns:p="http://schemas.openxmlformats.org/presentationml/2006/main">
   <p:cSld>
@@ -8951,67 +8193,41 @@
         </p:nvSpPr>
         <p:spPr>
           <a:xfrm>
-            <a:off x="457200" y="0"/>
-            <a:ext cx="8229600" cy="857250"/>
+            <a:off x="152400" y="202211"/>
+            <a:ext cx="4419600" cy="845539"/>
           </a:xfrm>
         </p:spPr>
         <p:txBody>
           <a:bodyPr/>
           <a:lstStyle/>
           <a:p>
-            <a:r>
-              <a:rPr lang="en-US" sz="3600" dirty="0">
+            <a:pPr algn="l"/>
+            <a:r>
+              <a:rPr lang="en-US" sz="3200" dirty="0">
                 <a:solidFill>
                   <a:srgbClr val="0070C0"/>
                 </a:solidFill>
                 <a:latin typeface="Calibri Light" panose="020F0302020204030204" pitchFamily="34" charset="0"/>
                 <a:cs typeface="Calibri Light" panose="020F0302020204030204" pitchFamily="34" charset="0"/>
               </a:rPr>
-              <a:t>Probe Response Message</a:t>
-            </a:r>
-          </a:p>
-        </p:txBody>
-      </p:sp>
-      <p:sp>
-        <p:nvSpPr>
-          <p:cNvPr id="3" name="Content Placeholder 2"/>
+              <a:t>LM Message Format for TWAMP Light and STAMP</a:t>
+            </a:r>
+          </a:p>
+        </p:txBody>
+      </p:sp>
+      <p:sp>
+        <p:nvSpPr>
+          <p:cNvPr id="4" name="Footer Placeholder 3"/>
           <p:cNvSpPr>
             <a:spLocks noGrp="1"/>
           </p:cNvSpPr>
           <p:nvPr>
-            <p:ph idx="1"/>
+            <p:ph type="ftr" sz="quarter" idx="11"/>
           </p:nvPr>
         </p:nvSpPr>
         <p:spPr>
           <a:xfrm>
-            <a:off x="647700" y="742950"/>
-            <a:ext cx="7848600" cy="775363"/>
-          </a:xfrm>
-        </p:spPr>
-        <p:txBody>
-          <a:bodyPr/>
-          <a:lstStyle/>
-          <a:p>
-            <a:r>
-              <a:rPr lang="en-US" sz="2000" dirty="0"/>
-              <a:t>The probe response message is sent using the IP/UDP information from the probe query message. </a:t>
-            </a:r>
-          </a:p>
-        </p:txBody>
-      </p:sp>
-      <p:sp>
-        <p:nvSpPr>
-          <p:cNvPr id="4" name="Footer Placeholder 3"/>
-          <p:cNvSpPr>
-            <a:spLocks noGrp="1"/>
-          </p:cNvSpPr>
-          <p:nvPr>
-            <p:ph type="ftr" sz="quarter" idx="11"/>
-          </p:nvPr>
-        </p:nvSpPr>
-        <p:spPr>
-          <a:xfrm>
-            <a:off x="3124200" y="4786312"/>
+            <a:off x="2971800" y="4857750"/>
             <a:ext cx="2895600" cy="357188"/>
           </a:xfrm>
         </p:spPr>
@@ -9023,15 +8239,15 @@
               <a:defRPr/>
             </a:pPr>
             <a:r>
-              <a:rPr lang="en-US" altLang="zh-CN" dirty="0"/>
+              <a:rPr lang="en-US" altLang="zh-CN" sz="1200" dirty="0"/>
               <a:t>107</a:t>
             </a:r>
             <a:r>
-              <a:rPr lang="en-US" altLang="zh-CN" baseline="30000" dirty="0"/>
+              <a:rPr lang="en-US" altLang="zh-CN" sz="1200" baseline="30000" dirty="0"/>
               <a:t>th</a:t>
             </a:r>
             <a:r>
-              <a:rPr lang="en-US" altLang="zh-CN" dirty="0"/>
+              <a:rPr lang="en-US" altLang="zh-CN" sz="1200" dirty="0"/>
               <a:t> IETF @ Vancouver</a:t>
             </a:r>
           </a:p>
@@ -9045,8 +8261,8 @@
         </p:nvSpPr>
         <p:spPr>
           <a:xfrm>
-            <a:off x="1447800" y="1472952"/>
-            <a:ext cx="6096000" cy="3477875"/>
+            <a:off x="4724400" y="237697"/>
+            <a:ext cx="4191000" cy="4524315"/>
           </a:xfrm>
           <a:prstGeom prst="rect">
             <a:avLst/>
@@ -9064,215 +8280,1019 @@
           </a:bodyPr>
           <a:lstStyle/>
           <a:p>
-            <a:r>
-              <a:rPr lang="en-CA" sz="1100" b="1" dirty="0">
-                <a:latin typeface="Courier" pitchFamily="2" charset="0"/>
-              </a:rPr>
-              <a:t>    +---------------------------------------------------------------+</a:t>
-            </a:r>
-          </a:p>
-          <a:p>
-            <a:r>
-              <a:rPr lang="en-CA" sz="1100" b="1" dirty="0">
-                <a:latin typeface="Courier" pitchFamily="2" charset="0"/>
-              </a:rPr>
-              <a:t>    | IP Header                                                     |</a:t>
-            </a:r>
-          </a:p>
-          <a:p>
-            <a:r>
-              <a:rPr lang="en-CA" sz="1100" b="1" dirty="0">
-                <a:latin typeface="Courier" pitchFamily="2" charset="0"/>
-              </a:rPr>
-              <a:t>    .  Source IP Address = Reflector IPv4 or IPv6 Address           .</a:t>
-            </a:r>
-          </a:p>
-          <a:p>
-            <a:r>
-              <a:rPr lang="en-CA" sz="1100" b="1" dirty="0">
-                <a:latin typeface="Courier" pitchFamily="2" charset="0"/>
-              </a:rPr>
-              <a:t>    .  Destination IP Address = Source IP Address from Query        .</a:t>
-            </a:r>
-          </a:p>
-          <a:p>
-            <a:r>
-              <a:rPr lang="en-CA" sz="1100" b="1" dirty="0">
-                <a:latin typeface="Courier" pitchFamily="2" charset="0"/>
-              </a:rPr>
-              <a:t>    .  Protocol = UDP                                               .</a:t>
-            </a:r>
-          </a:p>
-          <a:p>
-            <a:r>
-              <a:rPr lang="en-CA" sz="1100" b="1" dirty="0">
-                <a:latin typeface="Courier" pitchFamily="2" charset="0"/>
-              </a:rPr>
-              <a:t>    .                                                               .</a:t>
-            </a:r>
-          </a:p>
-          <a:p>
-            <a:r>
-              <a:rPr lang="en-CA" sz="1100" b="1" dirty="0">
-                <a:latin typeface="Courier" pitchFamily="2" charset="0"/>
-              </a:rPr>
-              <a:t>    +---------------------------------------------------------------+</a:t>
-            </a:r>
-          </a:p>
-          <a:p>
-            <a:r>
-              <a:rPr lang="en-CA" sz="1100" b="1" dirty="0">
-                <a:latin typeface="Courier" pitchFamily="2" charset="0"/>
-              </a:rPr>
-              <a:t>    | UDP Header                                                    |</a:t>
-            </a:r>
-          </a:p>
-          <a:p>
-            <a:r>
-              <a:rPr lang="en-CA" sz="1100" b="1" dirty="0">
-                <a:latin typeface="Courier" pitchFamily="2" charset="0"/>
-              </a:rPr>
-              <a:t>    .  Source Port = As chosen by Reflector                         .</a:t>
-            </a:r>
-          </a:p>
-          <a:p>
-            <a:r>
-              <a:rPr lang="en-CA" sz="1100" b="1" dirty="0">
-                <a:latin typeface="Courier" pitchFamily="2" charset="0"/>
-              </a:rPr>
-              <a:t>    .  Destination Port = Source Port from Query                    .</a:t>
-            </a:r>
-          </a:p>
-          <a:p>
-            <a:r>
-              <a:rPr lang="en-CA" sz="1100" b="1" dirty="0">
-                <a:latin typeface="Courier" pitchFamily="2" charset="0"/>
-              </a:rPr>
-              <a:t>    .                                                               .</a:t>
-            </a:r>
-          </a:p>
-          <a:p>
-            <a:r>
-              <a:rPr lang="en-CA" sz="1100" b="1" dirty="0">
-                <a:latin typeface="Courier" pitchFamily="2" charset="0"/>
-              </a:rPr>
-              <a:t>    +---------------------------------------------------------------+</a:t>
-            </a:r>
-          </a:p>
-          <a:p>
-            <a:r>
-              <a:rPr lang="en-CA" sz="1100" b="1" dirty="0">
-                <a:latin typeface="Courier" pitchFamily="2" charset="0"/>
-              </a:rPr>
-              <a:t>    | DM Payload as specified in Section 4.2.1 of RFC 5357, or      |</a:t>
-            </a:r>
-          </a:p>
-          <a:p>
-            <a:r>
-              <a:rPr lang="en-CA" sz="1100" b="1" dirty="0">
-                <a:latin typeface="Courier" pitchFamily="2" charset="0"/>
-              </a:rPr>
-              <a:t>    </a:t>
-            </a:r>
-            <a:r>
-              <a:rPr lang="en-US" sz="1100" b="1" dirty="0">
-                <a:latin typeface="Courier" charset="0"/>
-                <a:ea typeface="Courier" charset="0"/>
-                <a:cs typeface="Courier" charset="0"/>
-              </a:rPr>
-              <a:t>. DM Payload as specified in Section 4.3 of </a:t>
-            </a:r>
-            <a:r>
-              <a:rPr lang="en-US" sz="1100" b="1" dirty="0" err="1">
-                <a:latin typeface="Courier" charset="0"/>
-                <a:ea typeface="Courier" charset="0"/>
-                <a:cs typeface="Courier" charset="0"/>
+            <a:pPr>
+              <a:spcAft>
+                <a:spcPts val="0"/>
+              </a:spcAft>
+            </a:pPr>
+            <a:r>
+              <a:rPr lang="en-CA" sz="800" b="1" dirty="0">
+                <a:latin typeface="Courier New" panose="02070309020205020404" pitchFamily="49" charset="0"/>
+                <a:ea typeface="Courier" charset="0"/>
+                <a:cs typeface="Courier New" panose="02070309020205020404" pitchFamily="49" charset="0"/>
+              </a:rPr>
+              <a:t>+---------------------------------------------------------------+</a:t>
+            </a:r>
+            <a:endParaRPr lang="en-US" sz="800" b="1" dirty="0">
+              <a:latin typeface="Courier New" panose="02070309020205020404" pitchFamily="49" charset="0"/>
+              <a:ea typeface="Courier" charset="0"/>
+              <a:cs typeface="Courier New" panose="02070309020205020404" pitchFamily="49" charset="0"/>
+            </a:endParaRPr>
+          </a:p>
+          <a:p>
+            <a:pPr>
+              <a:spcAft>
+                <a:spcPts val="0"/>
+              </a:spcAft>
+            </a:pPr>
+            <a:r>
+              <a:rPr lang="en-CA" sz="800" b="1" dirty="0">
+                <a:latin typeface="Courier New" panose="02070309020205020404" pitchFamily="49" charset="0"/>
+                <a:ea typeface="Courier" charset="0"/>
+                <a:cs typeface="Courier New" panose="02070309020205020404" pitchFamily="49" charset="0"/>
+              </a:rPr>
+              <a:t>| IP Header                                                     |  </a:t>
+            </a:r>
+            <a:endParaRPr lang="en-US" sz="800" b="1" dirty="0">
+              <a:latin typeface="Courier New" panose="02070309020205020404" pitchFamily="49" charset="0"/>
+              <a:ea typeface="Courier" charset="0"/>
+              <a:cs typeface="Courier New" panose="02070309020205020404" pitchFamily="49" charset="0"/>
+            </a:endParaRPr>
+          </a:p>
+          <a:p>
+            <a:pPr>
+              <a:spcAft>
+                <a:spcPts val="0"/>
+              </a:spcAft>
+            </a:pPr>
+            <a:r>
+              <a:rPr lang="en-CA" sz="800" b="1" dirty="0">
+                <a:latin typeface="Courier New" panose="02070309020205020404" pitchFamily="49" charset="0"/>
+                <a:ea typeface="Courier" charset="0"/>
+                <a:cs typeface="Courier New" panose="02070309020205020404" pitchFamily="49" charset="0"/>
+              </a:rPr>
+              <a:t>.  Source IP Address = Sender IPv4 or IPv6 Address              .</a:t>
+            </a:r>
+            <a:endParaRPr lang="en-US" sz="800" b="1" dirty="0">
+              <a:latin typeface="Courier New" panose="02070309020205020404" pitchFamily="49" charset="0"/>
+              <a:ea typeface="Courier" charset="0"/>
+              <a:cs typeface="Courier New" panose="02070309020205020404" pitchFamily="49" charset="0"/>
+            </a:endParaRPr>
+          </a:p>
+          <a:p>
+            <a:pPr>
+              <a:spcAft>
+                <a:spcPts val="0"/>
+              </a:spcAft>
+            </a:pPr>
+            <a:r>
+              <a:rPr lang="en-CA" sz="800" b="1" dirty="0">
+                <a:latin typeface="Courier New" panose="02070309020205020404" pitchFamily="49" charset="0"/>
+                <a:ea typeface="Courier" charset="0"/>
+                <a:cs typeface="Courier New" panose="02070309020205020404" pitchFamily="49" charset="0"/>
+              </a:rPr>
+              <a:t>.  Destination IP Address = Reflector IPv4 or IPv6 Address      .</a:t>
+            </a:r>
+            <a:endParaRPr lang="en-US" sz="800" b="1" dirty="0">
+              <a:latin typeface="Courier New" panose="02070309020205020404" pitchFamily="49" charset="0"/>
+              <a:ea typeface="Courier" charset="0"/>
+              <a:cs typeface="Courier New" panose="02070309020205020404" pitchFamily="49" charset="0"/>
+            </a:endParaRPr>
+          </a:p>
+          <a:p>
+            <a:pPr>
+              <a:spcAft>
+                <a:spcPts val="0"/>
+              </a:spcAft>
+            </a:pPr>
+            <a:r>
+              <a:rPr lang="en-CA" sz="800" b="1" dirty="0">
+                <a:latin typeface="Courier New" panose="02070309020205020404" pitchFamily="49" charset="0"/>
+                <a:ea typeface="Courier" charset="0"/>
+                <a:cs typeface="Courier New" panose="02070309020205020404" pitchFamily="49" charset="0"/>
+              </a:rPr>
+              <a:t>.  Protocol = UDP                                               .</a:t>
+            </a:r>
+            <a:endParaRPr lang="en-US" sz="800" b="1" dirty="0">
+              <a:latin typeface="Courier New" panose="02070309020205020404" pitchFamily="49" charset="0"/>
+              <a:ea typeface="Courier" charset="0"/>
+              <a:cs typeface="Courier New" panose="02070309020205020404" pitchFamily="49" charset="0"/>
+            </a:endParaRPr>
+          </a:p>
+          <a:p>
+            <a:pPr>
+              <a:spcAft>
+                <a:spcPts val="0"/>
+              </a:spcAft>
+            </a:pPr>
+            <a:r>
+              <a:rPr lang="en-CA" sz="800" b="1" dirty="0">
+                <a:latin typeface="Courier New" panose="02070309020205020404" pitchFamily="49" charset="0"/>
+                <a:ea typeface="Courier" charset="0"/>
+                <a:cs typeface="Courier New" panose="02070309020205020404" pitchFamily="49" charset="0"/>
+              </a:rPr>
+              <a:t>.  Router Alert Option Not Set                                  .</a:t>
+            </a:r>
+            <a:endParaRPr lang="en-US" sz="800" b="1" dirty="0">
+              <a:latin typeface="Courier New" panose="02070309020205020404" pitchFamily="49" charset="0"/>
+              <a:ea typeface="Courier" charset="0"/>
+              <a:cs typeface="Courier New" panose="02070309020205020404" pitchFamily="49" charset="0"/>
+            </a:endParaRPr>
+          </a:p>
+          <a:p>
+            <a:pPr>
+              <a:spcAft>
+                <a:spcPts val="0"/>
+              </a:spcAft>
+            </a:pPr>
+            <a:r>
+              <a:rPr lang="en-CA" sz="800" b="1" dirty="0">
+                <a:latin typeface="Courier New" panose="02070309020205020404" pitchFamily="49" charset="0"/>
+                <a:ea typeface="Courier" charset="0"/>
+                <a:cs typeface="Courier New" panose="02070309020205020404" pitchFamily="49" charset="0"/>
+              </a:rPr>
+              <a:t>.                                                               .</a:t>
+            </a:r>
+            <a:endParaRPr lang="en-US" sz="800" b="1" dirty="0">
+              <a:latin typeface="Courier New" panose="02070309020205020404" pitchFamily="49" charset="0"/>
+              <a:ea typeface="Courier" charset="0"/>
+              <a:cs typeface="Courier New" panose="02070309020205020404" pitchFamily="49" charset="0"/>
+            </a:endParaRPr>
+          </a:p>
+          <a:p>
+            <a:pPr>
+              <a:spcAft>
+                <a:spcPts val="0"/>
+              </a:spcAft>
+            </a:pPr>
+            <a:r>
+              <a:rPr lang="en-CA" sz="800" b="1" dirty="0">
+                <a:latin typeface="Courier New" panose="02070309020205020404" pitchFamily="49" charset="0"/>
+                <a:ea typeface="Courier" charset="0"/>
+                <a:cs typeface="Courier New" panose="02070309020205020404" pitchFamily="49" charset="0"/>
+              </a:rPr>
+              <a:t>+---------------------------------------------------------------+</a:t>
+            </a:r>
+            <a:endParaRPr lang="en-US" sz="800" b="1" dirty="0">
+              <a:latin typeface="Courier New" panose="02070309020205020404" pitchFamily="49" charset="0"/>
+              <a:ea typeface="Courier" charset="0"/>
+              <a:cs typeface="Courier New" panose="02070309020205020404" pitchFamily="49" charset="0"/>
+            </a:endParaRPr>
+          </a:p>
+          <a:p>
+            <a:pPr>
+              <a:spcAft>
+                <a:spcPts val="0"/>
+              </a:spcAft>
+            </a:pPr>
+            <a:r>
+              <a:rPr lang="en-CA" sz="800" b="1" dirty="0">
+                <a:latin typeface="Courier New" panose="02070309020205020404" pitchFamily="49" charset="0"/>
+                <a:ea typeface="Courier" charset="0"/>
+                <a:cs typeface="Courier New" panose="02070309020205020404" pitchFamily="49" charset="0"/>
+              </a:rPr>
+              <a:t>| UDP Header                                                    |</a:t>
+            </a:r>
+            <a:endParaRPr lang="en-US" sz="800" b="1" dirty="0">
+              <a:latin typeface="Courier New" panose="02070309020205020404" pitchFamily="49" charset="0"/>
+              <a:ea typeface="Courier" charset="0"/>
+              <a:cs typeface="Courier New" panose="02070309020205020404" pitchFamily="49" charset="0"/>
+            </a:endParaRPr>
+          </a:p>
+          <a:p>
+            <a:pPr>
+              <a:spcAft>
+                <a:spcPts val="0"/>
+              </a:spcAft>
+            </a:pPr>
+            <a:r>
+              <a:rPr lang="en-CA" sz="800" b="1" dirty="0">
+                <a:latin typeface="Courier New" panose="02070309020205020404" pitchFamily="49" charset="0"/>
+                <a:ea typeface="Courier" charset="0"/>
+                <a:cs typeface="Courier New" panose="02070309020205020404" pitchFamily="49" charset="0"/>
+              </a:rPr>
+              <a:t>.  Source Port = As chosen by Sender                            .</a:t>
+            </a:r>
+            <a:endParaRPr lang="en-US" sz="800" b="1" dirty="0">
+              <a:latin typeface="Courier New" panose="02070309020205020404" pitchFamily="49" charset="0"/>
+              <a:ea typeface="Courier" charset="0"/>
+              <a:cs typeface="Courier New" panose="02070309020205020404" pitchFamily="49" charset="0"/>
+            </a:endParaRPr>
+          </a:p>
+          <a:p>
+            <a:pPr>
+              <a:spcAft>
+                <a:spcPts val="0"/>
+              </a:spcAft>
+            </a:pPr>
+            <a:r>
+              <a:rPr lang="en-CA" sz="800" b="1" dirty="0">
+                <a:latin typeface="Courier New" panose="02070309020205020404" pitchFamily="49" charset="0"/>
+                <a:ea typeface="Courier" charset="0"/>
+                <a:cs typeface="Courier New" panose="02070309020205020404" pitchFamily="49" charset="0"/>
+              </a:rPr>
+              <a:t>.  Destination Port = </a:t>
+            </a:r>
+            <a:r>
+              <a:rPr lang="en-CA" sz="800" b="1" dirty="0">
+                <a:solidFill>
+                  <a:srgbClr val="0070C0"/>
+                </a:solidFill>
+                <a:latin typeface="Courier New" panose="02070309020205020404" pitchFamily="49" charset="0"/>
+                <a:ea typeface="Courier" charset="0"/>
+                <a:cs typeface="Courier New" panose="02070309020205020404" pitchFamily="49" charset="0"/>
+              </a:rPr>
+              <a:t>User-configured Port for Loss Measurement </a:t>
+            </a:r>
+            <a:r>
+              <a:rPr lang="en-CA" sz="800" b="1" dirty="0">
+                <a:latin typeface="Courier New" panose="02070309020205020404" pitchFamily="49" charset="0"/>
+                <a:ea typeface="Courier" charset="0"/>
+                <a:cs typeface="Courier New" panose="02070309020205020404" pitchFamily="49" charset="0"/>
+              </a:rPr>
+              <a:t>.</a:t>
+            </a:r>
+            <a:endParaRPr lang="en-US" sz="800" b="1" dirty="0">
+              <a:latin typeface="Courier New" panose="02070309020205020404" pitchFamily="49" charset="0"/>
+              <a:ea typeface="Courier" charset="0"/>
+              <a:cs typeface="Courier New" panose="02070309020205020404" pitchFamily="49" charset="0"/>
+            </a:endParaRPr>
+          </a:p>
+          <a:p>
+            <a:pPr>
+              <a:spcAft>
+                <a:spcPts val="0"/>
+              </a:spcAft>
+            </a:pPr>
+            <a:r>
+              <a:rPr lang="en-CA" sz="800" b="1" dirty="0">
+                <a:latin typeface="Courier New" panose="02070309020205020404" pitchFamily="49" charset="0"/>
+                <a:ea typeface="Courier" charset="0"/>
+                <a:cs typeface="Courier New" panose="02070309020205020404" pitchFamily="49" charset="0"/>
+              </a:rPr>
+              <a:t>.                                                               .</a:t>
+            </a:r>
+            <a:endParaRPr lang="en-US" sz="800" b="1" dirty="0">
+              <a:latin typeface="Courier New" panose="02070309020205020404" pitchFamily="49" charset="0"/>
+              <a:ea typeface="Courier" charset="0"/>
+              <a:cs typeface="Courier New" panose="02070309020205020404" pitchFamily="49" charset="0"/>
+            </a:endParaRPr>
+          </a:p>
+          <a:p>
+            <a:pPr>
+              <a:spcAft>
+                <a:spcPts val="0"/>
+              </a:spcAft>
+            </a:pPr>
+            <a:r>
+              <a:rPr lang="en-US" sz="800" b="1" dirty="0">
+                <a:latin typeface="Courier New" panose="02070309020205020404" pitchFamily="49" charset="0"/>
+                <a:ea typeface="Courier" charset="0"/>
+                <a:cs typeface="Courier New" panose="02070309020205020404" pitchFamily="49" charset="0"/>
+              </a:rPr>
+              <a:t>+-+-+-+-+-+-+-+-+-+-+-+-+-+-+-+-+-+-+-+-+-+-+-+-+-+-+-+-+-+-+-+-+</a:t>
+            </a:r>
+          </a:p>
+          <a:p>
+            <a:pPr>
+              <a:spcAft>
+                <a:spcPts val="0"/>
+              </a:spcAft>
+            </a:pPr>
+            <a:r>
+              <a:rPr lang="en-US" sz="800" b="1" dirty="0">
+                <a:latin typeface="Courier New" panose="02070309020205020404" pitchFamily="49" charset="0"/>
+                <a:ea typeface="Courier" charset="0"/>
+                <a:cs typeface="Courier New" panose="02070309020205020404" pitchFamily="49" charset="0"/>
+              </a:rPr>
+              <a:t>|                        Sequence Number                        |</a:t>
+            </a:r>
+          </a:p>
+          <a:p>
+            <a:pPr>
+              <a:spcAft>
+                <a:spcPts val="0"/>
+              </a:spcAft>
+            </a:pPr>
+            <a:r>
+              <a:rPr lang="en-US" sz="800" b="1" dirty="0">
+                <a:latin typeface="Courier New" panose="02070309020205020404" pitchFamily="49" charset="0"/>
+                <a:ea typeface="Courier" charset="0"/>
+                <a:cs typeface="Courier New" panose="02070309020205020404" pitchFamily="49" charset="0"/>
+              </a:rPr>
+              <a:t>+-+-+-+-+-+-+-+-+-+-+-+-+-+-+-+-+-+-+-+-+-+-+-+-+-+-+-+-+-+-+-+-+</a:t>
+            </a:r>
+          </a:p>
+          <a:p>
+            <a:pPr>
+              <a:spcAft>
+                <a:spcPts val="0"/>
+              </a:spcAft>
+            </a:pPr>
+            <a:r>
+              <a:rPr lang="en-US" sz="800" b="1" dirty="0">
+                <a:latin typeface="Courier New" panose="02070309020205020404" pitchFamily="49" charset="0"/>
+                <a:ea typeface="Courier" charset="0"/>
+                <a:cs typeface="Courier New" panose="02070309020205020404" pitchFamily="49" charset="0"/>
+              </a:rPr>
+              <a:t>|                        Transmit Counter                       |</a:t>
+            </a:r>
+          </a:p>
+          <a:p>
+            <a:pPr>
+              <a:spcAft>
+                <a:spcPts val="0"/>
+              </a:spcAft>
+            </a:pPr>
+            <a:r>
+              <a:rPr lang="en-US" sz="800" b="1" dirty="0">
+                <a:latin typeface="Courier New" panose="02070309020205020404" pitchFamily="49" charset="0"/>
+                <a:ea typeface="Courier" charset="0"/>
+                <a:cs typeface="Courier New" panose="02070309020205020404" pitchFamily="49" charset="0"/>
+              </a:rPr>
+              <a:t>|                                                               |</a:t>
+            </a:r>
+          </a:p>
+          <a:p>
+            <a:pPr>
+              <a:spcAft>
+                <a:spcPts val="0"/>
+              </a:spcAft>
+            </a:pPr>
+            <a:r>
+              <a:rPr lang="en-US" sz="800" b="1" dirty="0">
+                <a:latin typeface="Courier New" panose="02070309020205020404" pitchFamily="49" charset="0"/>
+                <a:ea typeface="Courier" charset="0"/>
+                <a:cs typeface="Courier New" panose="02070309020205020404" pitchFamily="49" charset="0"/>
+              </a:rPr>
+              <a:t>+-+-+-+-+-+-+-+-+-+-+-+-+-+-+-+-+-+-+-+-+-+-+-+-+-+-+-+-+-+-+-+-+</a:t>
+            </a:r>
+          </a:p>
+          <a:p>
+            <a:pPr>
+              <a:spcAft>
+                <a:spcPts val="0"/>
+              </a:spcAft>
+            </a:pPr>
+            <a:r>
+              <a:rPr lang="en-CA" sz="800" b="1" dirty="0">
+                <a:latin typeface="Courier New" panose="02070309020205020404" pitchFamily="49" charset="0"/>
+                <a:cs typeface="Courier New" panose="02070309020205020404" pitchFamily="49" charset="0"/>
+              </a:rPr>
+              <a:t>|X|B| Reserved  | Block Number  | Reserved      | Control Code  |</a:t>
+            </a:r>
+          </a:p>
+          <a:p>
+            <a:pPr>
+              <a:spcAft>
+                <a:spcPts val="0"/>
+              </a:spcAft>
+            </a:pPr>
+            <a:r>
+              <a:rPr lang="en-US" sz="800" b="1" dirty="0">
+                <a:latin typeface="Courier New" panose="02070309020205020404" pitchFamily="49" charset="0"/>
+                <a:ea typeface="Courier" charset="0"/>
+                <a:cs typeface="Courier New" panose="02070309020205020404" pitchFamily="49" charset="0"/>
+              </a:rPr>
+              <a:t>+-+-+-+-+-+-+-+-+-+-+-+-+-+-+-+-+-+-+-+-+-+-+-+-+-+-+-+-+-+-+-+-+</a:t>
+            </a:r>
+          </a:p>
+          <a:p>
+            <a:pPr>
+              <a:spcAft>
+                <a:spcPts val="0"/>
+              </a:spcAft>
+            </a:pPr>
+            <a:r>
+              <a:rPr lang="en-US" sz="800" b="1" dirty="0">
+                <a:solidFill>
+                  <a:schemeClr val="bg1">
+                    <a:lumMod val="50000"/>
+                  </a:schemeClr>
+                </a:solidFill>
+                <a:latin typeface="Courier New" panose="02070309020205020404" pitchFamily="49" charset="0"/>
+                <a:ea typeface="Courier" charset="0"/>
+                <a:cs typeface="Courier New" panose="02070309020205020404" pitchFamily="49" charset="0"/>
+              </a:rPr>
+              <a:t>|                        Receive Counter                        |</a:t>
+            </a:r>
+          </a:p>
+          <a:p>
+            <a:pPr>
+              <a:spcAft>
+                <a:spcPts val="0"/>
+              </a:spcAft>
+            </a:pPr>
+            <a:r>
+              <a:rPr lang="en-US" sz="800" b="1" dirty="0">
+                <a:solidFill>
+                  <a:schemeClr val="bg1">
+                    <a:lumMod val="50000"/>
+                  </a:schemeClr>
+                </a:solidFill>
+                <a:latin typeface="Courier New" panose="02070309020205020404" pitchFamily="49" charset="0"/>
+                <a:ea typeface="Courier" charset="0"/>
+                <a:cs typeface="Courier New" panose="02070309020205020404" pitchFamily="49" charset="0"/>
+              </a:rPr>
+              <a:t>|                                                               |</a:t>
+            </a:r>
+          </a:p>
+          <a:p>
+            <a:pPr>
+              <a:spcAft>
+                <a:spcPts val="0"/>
+              </a:spcAft>
+            </a:pPr>
+            <a:r>
+              <a:rPr lang="en-US" sz="800" b="1" dirty="0">
+                <a:solidFill>
+                  <a:schemeClr val="bg1">
+                    <a:lumMod val="50000"/>
+                  </a:schemeClr>
+                </a:solidFill>
+                <a:latin typeface="Courier New" panose="02070309020205020404" pitchFamily="49" charset="0"/>
+                <a:ea typeface="Courier" charset="0"/>
+                <a:cs typeface="Courier New" panose="02070309020205020404" pitchFamily="49" charset="0"/>
+              </a:rPr>
+              <a:t>+-+-+-+-+-+-+-+-+-+-+-+-+-+-+-+-+-+-+-+-+-+-+-+-+-+-+-+-+-+-+-+-+</a:t>
+            </a:r>
+          </a:p>
+          <a:p>
+            <a:pPr>
+              <a:spcAft>
+                <a:spcPts val="0"/>
+              </a:spcAft>
+            </a:pPr>
+            <a:r>
+              <a:rPr lang="en-US" sz="800" b="1" dirty="0">
+                <a:solidFill>
+                  <a:schemeClr val="bg1">
+                    <a:lumMod val="50000"/>
+                  </a:schemeClr>
+                </a:solidFill>
+                <a:latin typeface="Courier New" panose="02070309020205020404" pitchFamily="49" charset="0"/>
+                <a:ea typeface="Courier" charset="0"/>
+                <a:cs typeface="Courier New" panose="02070309020205020404" pitchFamily="49" charset="0"/>
+              </a:rPr>
+              <a:t>|                        Sender Sequence Number                 |</a:t>
+            </a:r>
+          </a:p>
+          <a:p>
+            <a:pPr>
+              <a:spcAft>
+                <a:spcPts val="0"/>
+              </a:spcAft>
+            </a:pPr>
+            <a:r>
+              <a:rPr lang="en-US" sz="800" b="1" dirty="0">
+                <a:solidFill>
+                  <a:schemeClr val="bg1">
+                    <a:lumMod val="50000"/>
+                  </a:schemeClr>
+                </a:solidFill>
+                <a:latin typeface="Courier New" panose="02070309020205020404" pitchFamily="49" charset="0"/>
+                <a:ea typeface="Courier" charset="0"/>
+                <a:cs typeface="Courier New" panose="02070309020205020404" pitchFamily="49" charset="0"/>
+              </a:rPr>
+              <a:t>+-+-+-+-+-+-+-+-+-+-+-+-+-+-+-+-+-+-+-+-+-+-+-+-+-+-+-+-+-+-+-+-+</a:t>
+            </a:r>
+          </a:p>
+          <a:p>
+            <a:pPr>
+              <a:spcAft>
+                <a:spcPts val="0"/>
+              </a:spcAft>
+            </a:pPr>
+            <a:r>
+              <a:rPr lang="en-US" sz="800" b="1" dirty="0">
+                <a:solidFill>
+                  <a:schemeClr val="bg1">
+                    <a:lumMod val="50000"/>
+                  </a:schemeClr>
+                </a:solidFill>
+                <a:latin typeface="Courier New" panose="02070309020205020404" pitchFamily="49" charset="0"/>
+                <a:ea typeface="Courier" charset="0"/>
+                <a:cs typeface="Courier New" panose="02070309020205020404" pitchFamily="49" charset="0"/>
+              </a:rPr>
+              <a:t>|                        Sender Counter                         |</a:t>
+            </a:r>
+          </a:p>
+          <a:p>
+            <a:pPr>
+              <a:spcAft>
+                <a:spcPts val="0"/>
+              </a:spcAft>
+            </a:pPr>
+            <a:r>
+              <a:rPr lang="en-US" sz="800" b="1" dirty="0">
+                <a:solidFill>
+                  <a:schemeClr val="bg1">
+                    <a:lumMod val="50000"/>
+                  </a:schemeClr>
+                </a:solidFill>
+                <a:latin typeface="Courier New" panose="02070309020205020404" pitchFamily="49" charset="0"/>
+                <a:ea typeface="Courier" charset="0"/>
+                <a:cs typeface="Courier New" panose="02070309020205020404" pitchFamily="49" charset="0"/>
+              </a:rPr>
+              <a:t>|                                                               |</a:t>
+            </a:r>
+          </a:p>
+          <a:p>
+            <a:pPr>
+              <a:spcAft>
+                <a:spcPts val="0"/>
+              </a:spcAft>
+            </a:pPr>
+            <a:r>
+              <a:rPr lang="en-US" sz="800" b="1" dirty="0">
+                <a:solidFill>
+                  <a:schemeClr val="bg1">
+                    <a:lumMod val="50000"/>
+                  </a:schemeClr>
+                </a:solidFill>
+                <a:latin typeface="Courier New" panose="02070309020205020404" pitchFamily="49" charset="0"/>
+                <a:ea typeface="Courier" charset="0"/>
+                <a:cs typeface="Courier New" panose="02070309020205020404" pitchFamily="49" charset="0"/>
+              </a:rPr>
+              <a:t>+-+-+-+-+-+-+-+-+-+-+-+-+-+-+-+-+-+-+-+-+-+-+-+-+-+-+-+-+-+-+-+-+</a:t>
+            </a:r>
+          </a:p>
+          <a:p>
+            <a:pPr>
+              <a:spcAft>
+                <a:spcPts val="0"/>
+              </a:spcAft>
+            </a:pPr>
+            <a:r>
+              <a:rPr lang="en-CA" sz="800" b="1" dirty="0">
+                <a:solidFill>
+                  <a:schemeClr val="bg1">
+                    <a:lumMod val="50000"/>
+                  </a:schemeClr>
+                </a:solidFill>
+                <a:latin typeface="Courier New" panose="02070309020205020404" pitchFamily="49" charset="0"/>
+                <a:cs typeface="Courier New" panose="02070309020205020404" pitchFamily="49" charset="0"/>
+              </a:rPr>
+              <a:t>|X|B| Reserved  |Sender Block Nu|   MBZ                         |</a:t>
+            </a:r>
+          </a:p>
+          <a:p>
+            <a:pPr>
+              <a:spcAft>
+                <a:spcPts val="0"/>
+              </a:spcAft>
+            </a:pPr>
+            <a:r>
+              <a:rPr lang="en-US" sz="800" b="1" dirty="0">
+                <a:solidFill>
+                  <a:schemeClr val="bg1">
+                    <a:lumMod val="50000"/>
+                  </a:schemeClr>
+                </a:solidFill>
+                <a:latin typeface="Courier New" panose="02070309020205020404" pitchFamily="49" charset="0"/>
+                <a:ea typeface="Courier" charset="0"/>
+                <a:cs typeface="Courier New" panose="02070309020205020404" pitchFamily="49" charset="0"/>
+              </a:rPr>
+              <a:t>+-+-+-+-+-+-+-+-+-+-+-+-+-+-+-+-+-+-+-+-+-+-+-+-+-+-+-+-+-+-+-+-+</a:t>
+            </a:r>
+          </a:p>
+          <a:p>
+            <a:pPr>
+              <a:spcAft>
+                <a:spcPts val="0"/>
+              </a:spcAft>
+            </a:pPr>
+            <a:r>
+              <a:rPr lang="en-US" sz="800" b="1" dirty="0">
+                <a:solidFill>
+                  <a:schemeClr val="tx2">
+                    <a:lumMod val="60000"/>
+                    <a:lumOff val="40000"/>
+                  </a:schemeClr>
+                </a:solidFill>
+                <a:latin typeface="Courier New" panose="02070309020205020404" pitchFamily="49" charset="0"/>
+                <a:ea typeface="Courier" charset="0"/>
+                <a:cs typeface="Courier New" panose="02070309020205020404" pitchFamily="49" charset="0"/>
+              </a:rPr>
+              <a:t>|  Sender TTL   |  MBZ/</a:t>
+            </a:r>
+            <a:r>
+              <a:rPr lang="en-US" sz="800" b="1" dirty="0">
+                <a:solidFill>
+                  <a:srgbClr val="7030A0"/>
+                </a:solidFill>
+                <a:latin typeface="Courier New" panose="02070309020205020404" pitchFamily="49" charset="0"/>
+                <a:ea typeface="Courier" charset="0"/>
+                <a:cs typeface="Courier New" panose="02070309020205020404" pitchFamily="49" charset="0"/>
+              </a:rPr>
+              <a:t>Reserved (3 Bytes)</a:t>
+            </a:r>
+            <a:r>
+              <a:rPr lang="en-US" sz="800" b="1" dirty="0">
+                <a:solidFill>
+                  <a:schemeClr val="tx2">
+                    <a:lumMod val="60000"/>
+                    <a:lumOff val="40000"/>
+                  </a:schemeClr>
+                </a:solidFill>
+                <a:latin typeface="Courier New" panose="02070309020205020404" pitchFamily="49" charset="0"/>
+                <a:ea typeface="Courier" charset="0"/>
+                <a:cs typeface="Courier New" panose="02070309020205020404" pitchFamily="49" charset="0"/>
+              </a:rPr>
+              <a:t>             </a:t>
+            </a:r>
+            <a:r>
+              <a:rPr lang="en-CA" sz="800" b="1" dirty="0">
+                <a:solidFill>
+                  <a:schemeClr val="tx2">
+                    <a:lumMod val="60000"/>
+                    <a:lumOff val="40000"/>
+                  </a:schemeClr>
+                </a:solidFill>
+                <a:latin typeface="Courier New" panose="02070309020205020404" pitchFamily="49" charset="0"/>
+                <a:cs typeface="Courier New" panose="02070309020205020404" pitchFamily="49" charset="0"/>
+              </a:rPr>
+              <a:t>          </a:t>
+            </a:r>
+            <a:r>
+              <a:rPr lang="en-US" sz="800" b="1" dirty="0">
+                <a:solidFill>
+                  <a:schemeClr val="tx2">
+                    <a:lumMod val="60000"/>
+                    <a:lumOff val="40000"/>
+                  </a:schemeClr>
+                </a:solidFill>
+                <a:latin typeface="Courier New" panose="02070309020205020404" pitchFamily="49" charset="0"/>
+                <a:ea typeface="Courier" charset="0"/>
+                <a:cs typeface="Courier New" panose="02070309020205020404" pitchFamily="49" charset="0"/>
+              </a:rPr>
+              <a:t>|</a:t>
+            </a:r>
+          </a:p>
+          <a:p>
+            <a:pPr>
+              <a:spcAft>
+                <a:spcPts val="0"/>
+              </a:spcAft>
+            </a:pPr>
+            <a:r>
+              <a:rPr lang="en-US" sz="800" b="1" dirty="0">
+                <a:solidFill>
+                  <a:schemeClr val="tx2">
+                    <a:lumMod val="60000"/>
+                    <a:lumOff val="40000"/>
+                  </a:schemeClr>
+                </a:solidFill>
+                <a:latin typeface="Courier New" panose="02070309020205020404" pitchFamily="49" charset="0"/>
+                <a:ea typeface="Courier" charset="0"/>
+                <a:cs typeface="Courier New" panose="02070309020205020404" pitchFamily="49" charset="0"/>
+              </a:rPr>
+              <a:t>+-+-+-+-+-+-+-+-+-+-+-+-+-+-+-+-+-+-+-+-+-+-+-+-+-+-+-+-+-+-+-+-+</a:t>
+            </a:r>
+          </a:p>
+          <a:p>
+            <a:pPr>
+              <a:spcAft>
+                <a:spcPts val="0"/>
+              </a:spcAft>
+            </a:pPr>
+            <a:r>
+              <a:rPr lang="en-US" sz="800" b="1" dirty="0">
+                <a:solidFill>
+                  <a:srgbClr val="7030A0"/>
+                </a:solidFill>
+                <a:latin typeface="Courier New" panose="02070309020205020404" pitchFamily="49" charset="0"/>
+                <a:ea typeface="Courier" charset="0"/>
+                <a:cs typeface="Courier New" panose="02070309020205020404" pitchFamily="49" charset="0"/>
+              </a:rPr>
+              <a:t>|                        Padding                                |</a:t>
+            </a:r>
+          </a:p>
+          <a:p>
+            <a:pPr>
+              <a:spcAft>
+                <a:spcPts val="0"/>
+              </a:spcAft>
+            </a:pPr>
+            <a:r>
+              <a:rPr lang="en-US" sz="800" b="1" dirty="0">
+                <a:solidFill>
+                  <a:srgbClr val="7030A0"/>
+                </a:solidFill>
+                <a:latin typeface="Courier New" panose="02070309020205020404" pitchFamily="49" charset="0"/>
+                <a:ea typeface="Courier" charset="0"/>
+                <a:cs typeface="Courier New" panose="02070309020205020404" pitchFamily="49" charset="0"/>
+              </a:rPr>
+              <a:t>.                                                               .</a:t>
+            </a:r>
+          </a:p>
+          <a:p>
+            <a:r>
+              <a:rPr lang="en-US" sz="800" b="1" dirty="0">
+                <a:solidFill>
+                  <a:srgbClr val="7030A0"/>
+                </a:solidFill>
+                <a:latin typeface="Courier New" panose="02070309020205020404" pitchFamily="49" charset="0"/>
+                <a:ea typeface="Courier" charset="0"/>
+                <a:cs typeface="Courier New" panose="02070309020205020404" pitchFamily="49" charset="0"/>
+              </a:rPr>
+              <a:t>+-+-+-+-+-+-+-+-+-+-+-+-+-+-+-+-+-+-+-+-+-+-+-+-+-+-+-+-+-+-+-+-+</a:t>
+            </a:r>
+          </a:p>
+        </p:txBody>
+      </p:sp>
+      <p:sp>
+        <p:nvSpPr>
+          <p:cNvPr id="6" name="Content Placeholder 2"/>
+          <p:cNvSpPr txBox="1">
+            <a:spLocks/>
+          </p:cNvSpPr>
+          <p:nvPr/>
+        </p:nvSpPr>
+        <p:spPr bwMode="auto">
+          <a:xfrm>
+            <a:off x="228600" y="1221581"/>
+            <a:ext cx="4343400" cy="3483769"/>
+          </a:xfrm>
+          <a:prstGeom prst="rect">
+            <a:avLst/>
+          </a:prstGeom>
+          <a:noFill/>
+          <a:ln w="9525">
+            <a:noFill/>
+            <a:miter lim="800000"/>
+            <a:headEnd/>
+            <a:tailEnd/>
+          </a:ln>
+        </p:spPr>
+        <p:txBody>
+          <a:bodyPr vert="horz" wrap="square" lIns="91440" tIns="45720" rIns="91440" bIns="45720" numCol="1" anchor="t" anchorCtr="0" compatLnSpc="1">
+            <a:prstTxWarp prst="textNoShape">
+              <a:avLst/>
+            </a:prstTxWarp>
+          </a:bodyPr>
+          <a:lstStyle>
+            <a:lvl1pPr marL="342900" indent="-342900" algn="l" rtl="0" eaLnBrk="0" fontAlgn="base" hangingPunct="0">
+              <a:spcBef>
+                <a:spcPct val="20000"/>
+              </a:spcBef>
+              <a:spcAft>
+                <a:spcPct val="0"/>
+              </a:spcAft>
+              <a:buChar char="•"/>
+              <a:defRPr sz="3200">
+                <a:solidFill>
+                  <a:schemeClr val="tx1"/>
+                </a:solidFill>
+                <a:latin typeface="Calibri" charset="0"/>
+                <a:ea typeface="Calibri" charset="0"/>
+                <a:cs typeface="Calibri" charset="0"/>
+              </a:defRPr>
+            </a:lvl1pPr>
+            <a:lvl2pPr marL="742950" indent="-285750" algn="l" rtl="0" eaLnBrk="0" fontAlgn="base" hangingPunct="0">
+              <a:spcBef>
+                <a:spcPct val="20000"/>
+              </a:spcBef>
+              <a:spcAft>
+                <a:spcPct val="0"/>
+              </a:spcAft>
+              <a:buChar char="–"/>
+              <a:defRPr sz="2800">
+                <a:solidFill>
+                  <a:schemeClr val="tx1"/>
+                </a:solidFill>
+                <a:latin typeface="Calibri" charset="0"/>
+                <a:ea typeface="Calibri" charset="0"/>
+                <a:cs typeface="Calibri" charset="0"/>
+              </a:defRPr>
+            </a:lvl2pPr>
+            <a:lvl3pPr marL="1143000" indent="-228600" algn="l" rtl="0" eaLnBrk="0" fontAlgn="base" hangingPunct="0">
+              <a:spcBef>
+                <a:spcPct val="20000"/>
+              </a:spcBef>
+              <a:spcAft>
+                <a:spcPct val="0"/>
+              </a:spcAft>
+              <a:buChar char="•"/>
+              <a:defRPr sz="2400">
+                <a:solidFill>
+                  <a:schemeClr val="tx1"/>
+                </a:solidFill>
+                <a:latin typeface="Calibri" charset="0"/>
+                <a:ea typeface="Calibri" charset="0"/>
+                <a:cs typeface="Calibri" charset="0"/>
+              </a:defRPr>
+            </a:lvl3pPr>
+            <a:lvl4pPr marL="1600200" indent="-228600" algn="l" rtl="0" eaLnBrk="0" fontAlgn="base" hangingPunct="0">
+              <a:spcBef>
+                <a:spcPct val="20000"/>
+              </a:spcBef>
+              <a:spcAft>
+                <a:spcPct val="0"/>
+              </a:spcAft>
+              <a:buChar char="–"/>
+              <a:defRPr sz="2000">
+                <a:solidFill>
+                  <a:schemeClr val="tx1"/>
+                </a:solidFill>
+                <a:latin typeface="Calibri" charset="0"/>
+                <a:ea typeface="Calibri" charset="0"/>
+                <a:cs typeface="Calibri" charset="0"/>
+              </a:defRPr>
+            </a:lvl4pPr>
+            <a:lvl5pPr marL="2057400" indent="-228600" algn="l" rtl="0" eaLnBrk="0" fontAlgn="base" hangingPunct="0">
+              <a:spcBef>
+                <a:spcPct val="20000"/>
+              </a:spcBef>
+              <a:spcAft>
+                <a:spcPct val="0"/>
+              </a:spcAft>
+              <a:buChar char="»"/>
+              <a:defRPr sz="2000">
+                <a:solidFill>
+                  <a:schemeClr val="tx1"/>
+                </a:solidFill>
+                <a:latin typeface="Calibri" charset="0"/>
+                <a:ea typeface="Calibri" charset="0"/>
+                <a:cs typeface="Calibri" charset="0"/>
+              </a:defRPr>
+            </a:lvl5pPr>
+            <a:lvl6pPr marL="2514600" indent="-228600" algn="l" rtl="0" fontAlgn="base">
+              <a:spcBef>
+                <a:spcPct val="20000"/>
+              </a:spcBef>
+              <a:spcAft>
+                <a:spcPct val="0"/>
+              </a:spcAft>
+              <a:buChar char="»"/>
+              <a:defRPr sz="2000">
+                <a:solidFill>
+                  <a:schemeClr val="tx1"/>
+                </a:solidFill>
+                <a:latin typeface="+mn-lt"/>
+                <a:ea typeface="+mn-ea"/>
+              </a:defRPr>
+            </a:lvl6pPr>
+            <a:lvl7pPr marL="2971800" indent="-228600" algn="l" rtl="0" fontAlgn="base">
+              <a:spcBef>
+                <a:spcPct val="20000"/>
+              </a:spcBef>
+              <a:spcAft>
+                <a:spcPct val="0"/>
+              </a:spcAft>
+              <a:buChar char="»"/>
+              <a:defRPr sz="2000">
+                <a:solidFill>
+                  <a:schemeClr val="tx1"/>
+                </a:solidFill>
+                <a:latin typeface="+mn-lt"/>
+                <a:ea typeface="+mn-ea"/>
+              </a:defRPr>
+            </a:lvl7pPr>
+            <a:lvl8pPr marL="3429000" indent="-228600" algn="l" rtl="0" fontAlgn="base">
+              <a:spcBef>
+                <a:spcPct val="20000"/>
+              </a:spcBef>
+              <a:spcAft>
+                <a:spcPct val="0"/>
+              </a:spcAft>
+              <a:buChar char="»"/>
+              <a:defRPr sz="2000">
+                <a:solidFill>
+                  <a:schemeClr val="tx1"/>
+                </a:solidFill>
+                <a:latin typeface="+mn-lt"/>
+                <a:ea typeface="+mn-ea"/>
+              </a:defRPr>
+            </a:lvl8pPr>
+            <a:lvl9pPr marL="3886200" indent="-228600" algn="l" rtl="0" fontAlgn="base">
+              <a:spcBef>
+                <a:spcPct val="20000"/>
+              </a:spcBef>
+              <a:spcAft>
+                <a:spcPct val="0"/>
+              </a:spcAft>
+              <a:buChar char="»"/>
+              <a:defRPr sz="2000">
+                <a:solidFill>
+                  <a:schemeClr val="tx1"/>
+                </a:solidFill>
+                <a:latin typeface="+mn-lt"/>
+                <a:ea typeface="+mn-ea"/>
+              </a:defRPr>
+            </a:lvl9pPr>
+          </a:lstStyle>
+          <a:p>
+            <a:r>
+              <a:rPr lang="en-US" sz="1600" kern="0" dirty="0"/>
+              <a:t>Loss Measurement (LM) message defined with </a:t>
+            </a:r>
+            <a:r>
+              <a:rPr lang="en-US" sz="1600" b="1" kern="0" dirty="0"/>
+              <a:t>well-known locations</a:t>
+            </a:r>
+            <a:r>
+              <a:rPr lang="en-US" sz="1600" kern="0" dirty="0"/>
+              <a:t> for transmit and receive traffic counters</a:t>
+            </a:r>
+          </a:p>
+          <a:p>
+            <a:pPr lvl="1"/>
+            <a:r>
+              <a:rPr lang="en-US" sz="1600" kern="0" dirty="0"/>
+              <a:t>Hardware efficient counter-stamping</a:t>
+            </a:r>
+          </a:p>
+          <a:p>
+            <a:pPr lvl="1"/>
+            <a:r>
+              <a:rPr lang="en-US" sz="1600" kern="0" dirty="0"/>
+              <a:t>Aligned with DM message format</a:t>
+            </a:r>
+          </a:p>
+          <a:p>
+            <a:r>
+              <a:rPr lang="en-US" sz="1600" kern="0" dirty="0"/>
+              <a:t>LM Message format is also defined for authenticated mode</a:t>
+            </a:r>
+          </a:p>
+          <a:p>
+            <a:r>
+              <a:rPr lang="en-US" sz="1600" kern="0" dirty="0"/>
+              <a:t>User-configured destination UDP </a:t>
+            </a:r>
+            <a:r>
+              <a:rPr lang="en-US" sz="1600" b="1" kern="0" dirty="0"/>
+              <a:t>port2</a:t>
+            </a:r>
+            <a:r>
+              <a:rPr lang="en-US" sz="1600" kern="0" dirty="0"/>
+              <a:t> is used for identifying LM probe packets</a:t>
+            </a:r>
+          </a:p>
+          <a:p>
+            <a:r>
+              <a:rPr lang="en-US" sz="1600" kern="0" dirty="0">
+                <a:solidFill>
+                  <a:srgbClr val="7030A0"/>
+                </a:solidFill>
+              </a:rPr>
+              <a:t>Similar LM messages defined for STAMP [</a:t>
+            </a:r>
+            <a:r>
+              <a:rPr lang="en-CA" sz="1600" dirty="0">
+                <a:solidFill>
+                  <a:srgbClr val="7030A0"/>
+                </a:solidFill>
+              </a:rPr>
+              <a:t>draft-</a:t>
+            </a:r>
+            <a:r>
+              <a:rPr lang="en-CA" sz="1600" dirty="0" err="1">
+                <a:solidFill>
+                  <a:srgbClr val="7030A0"/>
+                </a:solidFill>
               </a:rPr>
               <a:t>ietf</a:t>
             </a:r>
             <a:r>
-              <a:rPr lang="en-US" sz="1100" b="1" dirty="0">
-                <a:latin typeface="Courier" charset="0"/>
-                <a:ea typeface="Courier" charset="0"/>
-                <a:cs typeface="Courier" charset="0"/>
+              <a:rPr lang="en-CA" sz="1600" dirty="0">
+                <a:solidFill>
+                  <a:srgbClr val="7030A0"/>
+                </a:solidFill>
               </a:rPr>
               <a:t>-</a:t>
             </a:r>
             <a:r>
-              <a:rPr lang="en-US" sz="1100" b="1" dirty="0" err="1">
-                <a:latin typeface="Courier" charset="0"/>
-                <a:ea typeface="Courier" charset="0"/>
-                <a:cs typeface="Courier" charset="0"/>
+              <a:rPr lang="en-CA" sz="1600" dirty="0" err="1">
+                <a:solidFill>
+                  <a:srgbClr val="7030A0"/>
+                </a:solidFill>
               </a:rPr>
               <a:t>ippm</a:t>
             </a:r>
             <a:r>
-              <a:rPr lang="en-US" sz="1100" b="1" dirty="0">
-                <a:latin typeface="Courier" charset="0"/>
-                <a:ea typeface="Courier" charset="0"/>
-                <a:cs typeface="Courier" charset="0"/>
-              </a:rPr>
-              <a:t>-stamp     .</a:t>
-            </a:r>
-          </a:p>
-          <a:p>
-            <a:r>
-              <a:rPr lang="en-CA" sz="1100" b="1" dirty="0">
-                <a:latin typeface="Courier" pitchFamily="2" charset="0"/>
-              </a:rPr>
-              <a:t>    . LM Payload as specified in this document                      .</a:t>
-            </a:r>
-          </a:p>
-          <a:p>
-            <a:r>
-              <a:rPr lang="en-CA" sz="1100" b="1" dirty="0">
-                <a:latin typeface="Courier" pitchFamily="2" charset="0"/>
-              </a:rPr>
-              <a:t>    .               for TWAMP Light and STAMP                       .</a:t>
-            </a:r>
-          </a:p>
-          <a:p>
-            <a:r>
-              <a:rPr lang="en-CA" sz="1100" b="1" dirty="0">
-                <a:latin typeface="Courier" pitchFamily="2" charset="0"/>
-              </a:rPr>
-              <a:t>    .                                                               .</a:t>
-            </a:r>
-          </a:p>
-          <a:p>
-            <a:r>
-              <a:rPr lang="en-CA" sz="1100" b="1" dirty="0">
-                <a:latin typeface="Courier" pitchFamily="2" charset="0"/>
-              </a:rPr>
-              <a:t>    +---------------------------------------------------------------+</a:t>
-            </a:r>
-          </a:p>
-          <a:p>
-            <a:r>
-              <a:rPr lang="en-CA" sz="1100" b="1" dirty="0">
-                <a:latin typeface="Courier" pitchFamily="2" charset="0"/>
-              </a:rPr>
-              <a:t> </a:t>
-            </a:r>
-          </a:p>
-          <a:p>
-            <a:r>
-              <a:rPr lang="en-CA" sz="1100" b="1" dirty="0">
-                <a:latin typeface="Courier" pitchFamily="2" charset="0"/>
-              </a:rPr>
-              <a:t>                       Figure: Probe Response Message</a:t>
-            </a:r>
-            <a:endParaRPr lang="en-US" sz="1100" b="1" dirty="0">
-              <a:latin typeface="Courier" pitchFamily="2" charset="0"/>
-              <a:ea typeface="Courier" charset="0"/>
-              <a:cs typeface="Courier" charset="0"/>
-            </a:endParaRPr>
-          </a:p>
-        </p:txBody>
-      </p:sp>
-      <p:sp>
-        <p:nvSpPr>
-          <p:cNvPr id="6" name="Slide Number Placeholder 5"/>
+              <a:rPr lang="en-CA" sz="1600" dirty="0">
+                <a:solidFill>
+                  <a:srgbClr val="7030A0"/>
+                </a:solidFill>
+              </a:rPr>
+              <a:t>-stamp</a:t>
+            </a:r>
+            <a:r>
+              <a:rPr lang="en-US" sz="1600" kern="0" dirty="0">
+                <a:solidFill>
+                  <a:srgbClr val="7030A0"/>
+                </a:solidFill>
+              </a:rPr>
+              <a:t>] without padding as shown in Figure.</a:t>
+            </a:r>
+          </a:p>
+        </p:txBody>
+      </p:sp>
+      <p:sp>
+        <p:nvSpPr>
+          <p:cNvPr id="3" name="Slide Number Placeholder 2"/>
           <p:cNvSpPr>
             <a:spLocks noGrp="1"/>
           </p:cNvSpPr>
@@ -9295,14 +9315,14 @@
               </a:pPr>
               <a:t>17</a:t>
             </a:fld>
-            <a:endParaRPr lang="en-US" altLang="zh-CN"/>
+            <a:endParaRPr lang="en-US" altLang="zh-CN" dirty="0"/>
           </a:p>
         </p:txBody>
       </p:sp>
     </p:spTree>
     <p:extLst>
       <p:ext uri="{BB962C8B-B14F-4D97-AF65-F5344CB8AC3E}">
-        <p14:creationId xmlns:p14="http://schemas.microsoft.com/office/powerpoint/2010/main" val="1922777222"/>
+        <p14:creationId xmlns:p14="http://schemas.microsoft.com/office/powerpoint/2010/main" val="3038489106"/>
       </p:ext>
     </p:extLst>
   </p:cSld>
@@ -12382,9 +12402,9 @@
             </a:r>
           </a:p>
           <a:p>
-            <a:pPr lvl="1">
-              <a:buFont typeface="Wingdings" pitchFamily="2" charset="2"/>
-              <a:buChar char="ü"/>
+            <a:pPr marL="800100" lvl="1" indent="-342900">
+              <a:buFont typeface="+mj-lt"/>
+              <a:buAutoNum type="arabicPeriod"/>
             </a:pPr>
             <a:r>
               <a:rPr lang="en-CA" sz="1600" dirty="0"/>
@@ -12402,30 +12422,30 @@
             </a:r>
           </a:p>
           <a:p>
-            <a:pPr lvl="1">
-              <a:buFont typeface="Wingdings" pitchFamily="2" charset="2"/>
-              <a:buChar char="ü"/>
+            <a:pPr marL="800100" lvl="1" indent="-342900">
+              <a:buFont typeface="+mj-lt"/>
+              <a:buAutoNum type="arabicPeriod"/>
             </a:pPr>
             <a:r>
               <a:rPr lang="en-CA" sz="1600" dirty="0"/>
-              <a:t>Defined Node Address TLV for STAMP to identify the intended Destination Node</a:t>
-            </a:r>
-          </a:p>
-          <a:p>
-            <a:pPr lvl="1">
-              <a:buFont typeface="Wingdings" pitchFamily="2" charset="2"/>
-              <a:buChar char="ü"/>
+              <a:t>Defined Destination Address in STAMP Node Address TLV to identify the intended Destination node</a:t>
+            </a:r>
+          </a:p>
+          <a:p>
+            <a:pPr marL="800100" lvl="1" indent="-342900">
+              <a:buFont typeface="+mj-lt"/>
+              <a:buAutoNum type="arabicPeriod"/>
             </a:pPr>
             <a:r>
               <a:rPr lang="en-CA" sz="1600" dirty="0"/>
-              <a:t>Added Return Address Sub-TLV in the Return Path TLV for STAMP to send response to a specific node </a:t>
+              <a:t>Added Return Address Sub-TLV in the STAMP Return Path TLV to send response to a specific node </a:t>
             </a:r>
             <a:endParaRPr lang="en-US" sz="1600" dirty="0"/>
           </a:p>
           <a:p>
-            <a:pPr lvl="1">
-              <a:buFont typeface="Wingdings" pitchFamily="2" charset="2"/>
-              <a:buChar char="ü"/>
+            <a:pPr marL="800100" lvl="1" indent="-342900">
+              <a:buFont typeface="+mj-lt"/>
+              <a:buAutoNum type="arabicPeriod"/>
             </a:pPr>
             <a:r>
               <a:rPr lang="en-US" sz="1600" dirty="0"/>
@@ -13356,7 +13376,7 @@
                 <a:latin typeface="Calibri Light" panose="020F0302020204030204" pitchFamily="34" charset="0"/>
                 <a:cs typeface="Calibri Light" panose="020F0302020204030204" pitchFamily="34" charset="0"/>
               </a:rPr>
-              <a:t>STAMP Node Address TLV for Destination Address</a:t>
+              <a:t>Destination Address in STAMP Node Address TLV</a:t>
             </a:r>
           </a:p>
         </p:txBody>
@@ -13574,7 +13594,7 @@
         <p:spPr>
           <a:xfrm>
             <a:off x="304800" y="1047750"/>
-            <a:ext cx="3657600" cy="2308324"/>
+            <a:ext cx="3657600" cy="2502865"/>
           </a:xfrm>
           <a:prstGeom prst="rect">
             <a:avLst/>
@@ -13587,6 +13607,9 @@
           <a:lstStyle/>
           <a:p>
             <a:pPr>
+              <a:lnSpc>
+                <a:spcPts val="2120"/>
+              </a:lnSpc>
               <a:spcAft>
                 <a:spcPts val="0"/>
               </a:spcAft>
@@ -13605,6 +13628,9 @@
           </a:p>
           <a:p>
             <a:pPr>
+              <a:lnSpc>
+                <a:spcPts val="2120"/>
+              </a:lnSpc>
               <a:spcAft>
                 <a:spcPts val="0"/>
               </a:spcAft>
@@ -13623,6 +13649,9 @@
           </a:p>
           <a:p>
             <a:pPr marL="285750" indent="-285750">
+              <a:lnSpc>
+                <a:spcPts val="2120"/>
+              </a:lnSpc>
               <a:spcAft>
                 <a:spcPts val="0"/>
               </a:spcAft>
@@ -13643,6 +13672,9 @@
           </a:p>
           <a:p>
             <a:pPr marL="285750" indent="-285750">
+              <a:lnSpc>
+                <a:spcPts val="2120"/>
+              </a:lnSpc>
               <a:spcAft>
                 <a:spcPts val="0"/>
               </a:spcAft>
@@ -13663,6 +13695,9 @@
           </a:p>
           <a:p>
             <a:pPr marL="285750" indent="-285750">
+              <a:lnSpc>
+                <a:spcPts val="2120"/>
+              </a:lnSpc>
               <a:spcAft>
                 <a:spcPts val="0"/>
               </a:spcAft>
@@ -13747,7 +13782,7 @@
                 <a:latin typeface="Calibri Light" panose="020F0302020204030204" pitchFamily="34" charset="0"/>
                 <a:cs typeface="Calibri Light" panose="020F0302020204030204" pitchFamily="34" charset="0"/>
               </a:rPr>
-              <a:t>STAMP Return Path TLV for Two-way Measurement</a:t>
+              <a:t>Return Address in STAMP Return Path TLV</a:t>
             </a:r>
           </a:p>
         </p:txBody>
@@ -14135,7 +14170,11 @@
               <a:buAutoNum type="arabicPeriod"/>
             </a:pPr>
             <a:r>
-              <a:rPr lang="en-CA" sz="1400" dirty="0"/>
+              <a:rPr lang="en-CA" sz="1400" dirty="0">
+                <a:solidFill>
+                  <a:srgbClr val="0070C0"/>
+                </a:solidFill>
+              </a:rPr>
               <a:t>Type (value 0): Return Address. Target node address of the response different than the Source Address in the query</a:t>
             </a:r>
           </a:p>

--- a/draft-gandhi-spring-twamp-srpm-07.pptx
+++ b/draft-gandhi-spring-twamp-srpm-07.pptx
@@ -2637,7 +2637,7 @@
               </a14:hiddenLine>
             </a:ext>
             <a:ext uri="{FAA26D3D-D897-4be2-8F04-BA451C77F1D7}">
-              <ma14:placeholderFlag xmlns="" xmlns:ma14="http://schemas.microsoft.com/office/mac/drawingml/2011/main" val="1"/>
+              <ma14:placeholderFlag xmlns:ma14="http://schemas.microsoft.com/office/mac/drawingml/2011/main" xmlns="" val="1"/>
             </a:ext>
           </a:extLst>
         </p:spPr>
@@ -9011,7 +9011,7 @@
         </p:nvSpPr>
         <p:spPr bwMode="auto">
           <a:xfrm>
-            <a:off x="228600" y="1221581"/>
+            <a:off x="215348" y="1194788"/>
             <a:ext cx="4343400" cy="3483769"/>
           </a:xfrm>
           <a:prstGeom prst="rect">
@@ -9184,55 +9184,47 @@
           </a:lstStyle>
           <a:p>
             <a:r>
-              <a:rPr lang="en-US" sz="1600" kern="0" dirty="0"/>
-              <a:t>Loss Measurement (LM) message defined with </a:t>
-            </a:r>
-            <a:r>
-              <a:rPr lang="en-US" sz="1600" b="1" kern="0" dirty="0"/>
-              <a:t>well-known locations</a:t>
-            </a:r>
-            <a:r>
-              <a:rPr lang="en-US" sz="1600" kern="0" dirty="0"/>
-              <a:t> for transmit and receive traffic counters</a:t>
+              <a:rPr lang="en-US" sz="1400" kern="0" dirty="0"/>
+              <a:t>Loss Measurement (LM) message defined</a:t>
             </a:r>
           </a:p>
           <a:p>
             <a:pPr lvl="1"/>
             <a:r>
-              <a:rPr lang="en-US" sz="1600" kern="0" dirty="0"/>
+              <a:rPr lang="en-US" sz="1400" kern="0" dirty="0"/>
               <a:t>Hardware efficient counter-stamping</a:t>
             </a:r>
           </a:p>
           <a:p>
-            <a:pPr lvl="1"/>
-            <a:r>
-              <a:rPr lang="en-US" sz="1600" kern="0" dirty="0"/>
-              <a:t>Aligned with DM message format</a:t>
-            </a:r>
-          </a:p>
-          <a:p>
-            <a:r>
-              <a:rPr lang="en-US" sz="1600" kern="0" dirty="0"/>
+            <a:pPr lvl="2"/>
+            <a:r>
+              <a:rPr lang="en-US" sz="1400" kern="0" dirty="0"/>
+              <a:t>Well-known locations for transmit and receive traffic counters</a:t>
+            </a:r>
+          </a:p>
+          <a:p>
+            <a:r>
+              <a:rPr lang="en-US" sz="1400" kern="0" dirty="0"/>
               <a:t>LM Message format is also defined for authenticated mode</a:t>
             </a:r>
           </a:p>
           <a:p>
             <a:r>
-              <a:rPr lang="en-US" sz="1600" kern="0" dirty="0"/>
+              <a:rPr lang="en-US" sz="1400" kern="0" dirty="0"/>
               <a:t>User-configured destination UDP </a:t>
             </a:r>
             <a:r>
-              <a:rPr lang="en-US" sz="1600" b="1" kern="0" dirty="0"/>
+              <a:rPr lang="en-US" sz="1400" b="1" kern="0" dirty="0"/>
               <a:t>port2</a:t>
             </a:r>
             <a:r>
-              <a:rPr lang="en-US" sz="1600" kern="0" dirty="0"/>
+              <a:rPr lang="en-US" sz="1400" kern="0" dirty="0"/>
               <a:t> is used for identifying LM probe packets</a:t>
             </a:r>
           </a:p>
           <a:p>
             <a:r>
-              <a:rPr lang="en-US" sz="1600" kern="0" dirty="0">
+              <a:rPr lang="en-US" sz="1400" kern="0" dirty="0">
                 <a:solidFill>
                   <a:srgbClr val="7030A0"/>
                 </a:solidFill>
@@ -9240,7 +9232,7 @@
               <a:t>Similar LM messages defined for STAMP [</a:t>
             </a:r>
             <a:r>
-              <a:rPr lang="en-CA" sz="1600" dirty="0">
+              <a:rPr lang="en-CA" sz="1400" dirty="0">
                 <a:solidFill>
                   <a:srgbClr val="7030A0"/>
                 </a:solidFill>
@@ -9248,7 +9240,7 @@
               <a:t>draft-</a:t>
             </a:r>
             <a:r>
-              <a:rPr lang="en-CA" sz="1600" dirty="0" err="1">
+              <a:rPr lang="en-CA" sz="1400" dirty="0" err="1">
                 <a:solidFill>
                   <a:srgbClr val="7030A0"/>
                 </a:solidFill>
@@ -9256,7 +9248,7 @@
               <a:t>ietf</a:t>
             </a:r>
             <a:r>
-              <a:rPr lang="en-CA" sz="1600" dirty="0">
+              <a:rPr lang="en-CA" sz="1400" dirty="0">
                 <a:solidFill>
                   <a:srgbClr val="7030A0"/>
                 </a:solidFill>
@@ -9264,7 +9256,7 @@
               <a:t>-</a:t>
             </a:r>
             <a:r>
-              <a:rPr lang="en-CA" sz="1600" dirty="0" err="1">
+              <a:rPr lang="en-CA" sz="1400" dirty="0" err="1">
                 <a:solidFill>
                   <a:srgbClr val="7030A0"/>
                 </a:solidFill>
@@ -9272,7 +9264,7 @@
               <a:t>ippm</a:t>
             </a:r>
             <a:r>
-              <a:rPr lang="en-CA" sz="1600" dirty="0">
+              <a:rPr lang="en-CA" sz="1400" dirty="0">
                 <a:solidFill>
                   <a:srgbClr val="7030A0"/>
                 </a:solidFill>
@@ -9280,12 +9272,22 @@
               <a:t>-stamp</a:t>
             </a:r>
             <a:r>
-              <a:rPr lang="en-US" sz="1600" kern="0" dirty="0">
+              <a:rPr lang="en-US" sz="1400" kern="0" dirty="0">
                 <a:solidFill>
                   <a:srgbClr val="7030A0"/>
                 </a:solidFill>
               </a:rPr>
               <a:t>] without padding as shown in Figure.</a:t>
+            </a:r>
+          </a:p>
+          <a:p>
+            <a:r>
+              <a:rPr lang="en-US" sz="1400" b="1" kern="0" dirty="0">
+                <a:solidFill>
+                  <a:schemeClr val="tx2"/>
+                </a:solidFill>
+              </a:rPr>
+              <a:t>Does not modify existing TWAMP Light and STAMP protocols (for DM) as different UDP destination port is used for LM.</a:t>
             </a:r>
           </a:p>
         </p:txBody>

--- a/draft-gandhi-spring-twamp-srpm-07.pptx
+++ b/draft-gandhi-spring-twamp-srpm-07.pptx
@@ -2637,7 +2637,7 @@
               </a14:hiddenLine>
             </a:ext>
             <a:ext uri="{FAA26D3D-D897-4be2-8F04-BA451C77F1D7}">
-              <ma14:placeholderFlag xmlns:ma14="http://schemas.microsoft.com/office/mac/drawingml/2011/main" xmlns="" val="1"/>
+              <ma14:placeholderFlag xmlns="" xmlns:ma14="http://schemas.microsoft.com/office/mac/drawingml/2011/main" val="1"/>
             </a:ext>
           </a:extLst>
         </p:spPr>
@@ -12590,7 +12590,7 @@
         </p:nvSpPr>
         <p:spPr>
           <a:xfrm>
-            <a:off x="228600" y="-20187"/>
+            <a:off x="294861" y="0"/>
             <a:ext cx="8686800" cy="857250"/>
           </a:xfrm>
         </p:spPr>
@@ -12704,8 +12704,8 @@
         </p:nvSpPr>
         <p:spPr>
           <a:xfrm>
-            <a:off x="4243038" y="1504950"/>
-            <a:ext cx="4672362" cy="1754326"/>
+            <a:off x="4191000" y="1433513"/>
+            <a:ext cx="4648200" cy="1754326"/>
           </a:xfrm>
           <a:prstGeom prst="rect">
             <a:avLst/>
@@ -12787,12 +12787,22 @@
             <a:r>
               <a:rPr lang="en-CA" sz="900" b="1" dirty="0">
                 <a:solidFill>
+                  <a:schemeClr val="tx2"/>
+                </a:solidFill>
+                <a:latin typeface="Courier New" panose="02070309020205020404" pitchFamily="49" charset="0"/>
+                <a:cs typeface="Courier New" panose="02070309020205020404" pitchFamily="49" charset="0"/>
+              </a:rPr>
+              <a:t>|</a:t>
+            </a:r>
+            <a:r>
+              <a:rPr lang="en-CA" sz="900" b="1" dirty="0">
+                <a:solidFill>
                   <a:srgbClr val="0070C0"/>
                 </a:solidFill>
                 <a:latin typeface="Courier New" panose="02070309020205020404" pitchFamily="49" charset="0"/>
                 <a:cs typeface="Courier New" panose="02070309020205020404" pitchFamily="49" charset="0"/>
               </a:rPr>
-              <a:t>|  Control Code </a:t>
+              <a:t>  Control Code </a:t>
             </a:r>
             <a:r>
               <a:rPr lang="en-CA" sz="900" b="1" dirty="0">
@@ -12841,7 +12851,7 @@
                 <a:latin typeface="Courier New" panose="02070309020205020404" pitchFamily="49" charset="0"/>
                 <a:cs typeface="Courier New" panose="02070309020205020404" pitchFamily="49" charset="0"/>
               </a:rPr>
-              <a:t>  Figure: Control Code in TWAMP Light and STAMP Probe Message</a:t>
+              <a:t>Control Code in TWAMP Light and STAMP DM Probe Query and Response</a:t>
             </a:r>
             <a:endParaRPr lang="en-US" sz="900" b="1" dirty="0">
               <a:latin typeface="Courier New" panose="02070309020205020404" pitchFamily="49" charset="0"/>
@@ -12864,8 +12874,8 @@
         </p:nvSpPr>
         <p:spPr>
           <a:xfrm>
-            <a:off x="152400" y="871911"/>
-            <a:ext cx="4090638" cy="3754874"/>
+            <a:off x="152400" y="713601"/>
+            <a:ext cx="3733800" cy="3970318"/>
           </a:xfrm>
           <a:prstGeom prst="rect">
             <a:avLst/>
@@ -13036,8 +13046,8 @@
         </p:nvSpPr>
         <p:spPr>
           <a:xfrm>
-            <a:off x="4957448" y="3709987"/>
-            <a:ext cx="2281552" cy="461665"/>
+            <a:off x="5069524" y="3705046"/>
+            <a:ext cx="2662552" cy="461665"/>
           </a:xfrm>
           <a:prstGeom prst="rect">
             <a:avLst/>
@@ -13061,7 +13071,7 @@
                   <a:schemeClr val="tx2"/>
                 </a:solidFill>
               </a:rPr>
-              <a:t>Consistency across TWAMP Light and STAMP messages</a:t>
+              <a:t>Consistency across TWAMP Light and STAMP DM and LM messages</a:t>
             </a:r>
           </a:p>
         </p:txBody>

--- a/draft-gandhi-spring-twamp-srpm-07.pptx
+++ b/draft-gandhi-spring-twamp-srpm-07.pptx
@@ -5,10 +5,10 @@
     <p:sldMasterId id="2147483648" r:id="rId1"/>
   </p:sldMasterIdLst>
   <p:notesMasterIdLst>
-    <p:notesMasterId r:id="rId22"/>
+    <p:notesMasterId r:id="rId28"/>
   </p:notesMasterIdLst>
   <p:handoutMasterIdLst>
-    <p:handoutMasterId r:id="rId23"/>
+    <p:handoutMasterId r:id="rId29"/>
   </p:handoutMasterIdLst>
   <p:sldIdLst>
     <p:sldId id="256" r:id="rId2"/>
@@ -31,6 +31,12 @@
     <p:sldId id="1658" r:id="rId19"/>
     <p:sldId id="1649" r:id="rId20"/>
     <p:sldId id="1654" r:id="rId21"/>
+    <p:sldId id="1665" r:id="rId22"/>
+    <p:sldId id="1663" r:id="rId23"/>
+    <p:sldId id="1664" r:id="rId24"/>
+    <p:sldId id="1661" r:id="rId25"/>
+    <p:sldId id="1662" r:id="rId26"/>
+    <p:sldId id="1666" r:id="rId27"/>
   </p:sldIdLst>
   <p:sldSz cx="9144000" cy="5143500" type="screen16x9"/>
   <p:notesSz cx="6858000" cy="9144000"/>
@@ -263,7 +269,7 @@
           <a:p>
             <a:fld id="{E8FA3DB5-7722-3F4F-947D-12B203669AD7}" type="datetimeFigureOut">
               <a:rPr lang="en-US" smtClean="0"/>
-              <a:t>3/5/20</a:t>
+              <a:t>3/7/20</a:t>
             </a:fld>
             <a:endParaRPr lang="en-US"/>
           </a:p>
@@ -1060,6 +1066,186 @@
 </p:notes>
 </file>
 
+<file path=ppt/notesSlides/notesSlide12.xml><?xml version="1.0" encoding="utf-8"?>
+<p:notes xmlns:a="http://schemas.openxmlformats.org/drawingml/2006/main" xmlns:r="http://schemas.openxmlformats.org/officeDocument/2006/relationships" xmlns:p="http://schemas.openxmlformats.org/presentationml/2006/main">
+  <p:cSld>
+    <p:spTree>
+      <p:nvGrpSpPr>
+        <p:cNvPr id="1" name=""/>
+        <p:cNvGrpSpPr/>
+        <p:nvPr/>
+      </p:nvGrpSpPr>
+      <p:grpSpPr>
+        <a:xfrm>
+          <a:off x="0" y="0"/>
+          <a:ext cx="0" cy="0"/>
+          <a:chOff x="0" y="0"/>
+          <a:chExt cx="0" cy="0"/>
+        </a:xfrm>
+      </p:grpSpPr>
+      <p:sp>
+        <p:nvSpPr>
+          <p:cNvPr id="2" name="Slide Image Placeholder 1"/>
+          <p:cNvSpPr>
+            <a:spLocks noGrp="1" noRot="1" noChangeAspect="1"/>
+          </p:cNvSpPr>
+          <p:nvPr>
+            <p:ph type="sldImg"/>
+          </p:nvPr>
+        </p:nvSpPr>
+        <p:spPr/>
+      </p:sp>
+      <p:sp>
+        <p:nvSpPr>
+          <p:cNvPr id="3" name="Notes Placeholder 2"/>
+          <p:cNvSpPr>
+            <a:spLocks noGrp="1"/>
+          </p:cNvSpPr>
+          <p:nvPr>
+            <p:ph type="body" idx="1"/>
+          </p:nvPr>
+        </p:nvSpPr>
+        <p:spPr/>
+        <p:txBody>
+          <a:bodyPr/>
+          <a:lstStyle/>
+          <a:p>
+            <a:endParaRPr lang="en-CA" dirty="0"/>
+          </a:p>
+        </p:txBody>
+      </p:sp>
+      <p:sp>
+        <p:nvSpPr>
+          <p:cNvPr id="4" name="Slide Number Placeholder 3"/>
+          <p:cNvSpPr>
+            <a:spLocks noGrp="1"/>
+          </p:cNvSpPr>
+          <p:nvPr>
+            <p:ph type="sldNum" sz="quarter" idx="10"/>
+          </p:nvPr>
+        </p:nvSpPr>
+        <p:spPr/>
+        <p:txBody>
+          <a:bodyPr/>
+          <a:lstStyle/>
+          <a:p>
+            <a:pPr>
+              <a:defRPr/>
+            </a:pPr>
+            <a:fld id="{100938BD-FD70-4535-B0C2-13FC38CDF1BE}" type="slidenum">
+              <a:rPr lang="en-US" altLang="zh-CN" smtClean="0"/>
+              <a:pPr>
+                <a:defRPr/>
+              </a:pPr>
+              <a:t>21</a:t>
+            </a:fld>
+            <a:endParaRPr lang="en-US" altLang="zh-CN"/>
+          </a:p>
+        </p:txBody>
+      </p:sp>
+    </p:spTree>
+    <p:extLst>
+      <p:ext uri="{BB962C8B-B14F-4D97-AF65-F5344CB8AC3E}">
+        <p14:creationId xmlns:p14="http://schemas.microsoft.com/office/powerpoint/2010/main" val="1157205820"/>
+      </p:ext>
+    </p:extLst>
+  </p:cSld>
+  <p:clrMapOvr>
+    <a:masterClrMapping/>
+  </p:clrMapOvr>
+</p:notes>
+</file>
+
+<file path=ppt/notesSlides/notesSlide13.xml><?xml version="1.0" encoding="utf-8"?>
+<p:notes xmlns:a="http://schemas.openxmlformats.org/drawingml/2006/main" xmlns:r="http://schemas.openxmlformats.org/officeDocument/2006/relationships" xmlns:p="http://schemas.openxmlformats.org/presentationml/2006/main">
+  <p:cSld>
+    <p:spTree>
+      <p:nvGrpSpPr>
+        <p:cNvPr id="1" name=""/>
+        <p:cNvGrpSpPr/>
+        <p:nvPr/>
+      </p:nvGrpSpPr>
+      <p:grpSpPr>
+        <a:xfrm>
+          <a:off x="0" y="0"/>
+          <a:ext cx="0" cy="0"/>
+          <a:chOff x="0" y="0"/>
+          <a:chExt cx="0" cy="0"/>
+        </a:xfrm>
+      </p:grpSpPr>
+      <p:sp>
+        <p:nvSpPr>
+          <p:cNvPr id="2" name="Slide Image Placeholder 1"/>
+          <p:cNvSpPr>
+            <a:spLocks noGrp="1" noRot="1" noChangeAspect="1"/>
+          </p:cNvSpPr>
+          <p:nvPr>
+            <p:ph type="sldImg"/>
+          </p:nvPr>
+        </p:nvSpPr>
+        <p:spPr/>
+      </p:sp>
+      <p:sp>
+        <p:nvSpPr>
+          <p:cNvPr id="3" name="Notes Placeholder 2"/>
+          <p:cNvSpPr>
+            <a:spLocks noGrp="1"/>
+          </p:cNvSpPr>
+          <p:nvPr>
+            <p:ph type="body" idx="1"/>
+          </p:nvPr>
+        </p:nvSpPr>
+        <p:spPr/>
+        <p:txBody>
+          <a:bodyPr/>
+          <a:lstStyle/>
+          <a:p>
+            <a:endParaRPr lang="en-US" dirty="0"/>
+          </a:p>
+        </p:txBody>
+      </p:sp>
+      <p:sp>
+        <p:nvSpPr>
+          <p:cNvPr id="4" name="Slide Number Placeholder 3"/>
+          <p:cNvSpPr>
+            <a:spLocks noGrp="1"/>
+          </p:cNvSpPr>
+          <p:nvPr>
+            <p:ph type="sldNum" sz="quarter" idx="10"/>
+          </p:nvPr>
+        </p:nvSpPr>
+        <p:spPr/>
+        <p:txBody>
+          <a:bodyPr/>
+          <a:lstStyle/>
+          <a:p>
+            <a:pPr>
+              <a:defRPr/>
+            </a:pPr>
+            <a:fld id="{100938BD-FD70-4535-B0C2-13FC38CDF1BE}" type="slidenum">
+              <a:rPr lang="en-US" altLang="zh-CN" smtClean="0"/>
+              <a:pPr>
+                <a:defRPr/>
+              </a:pPr>
+              <a:t>26</a:t>
+            </a:fld>
+            <a:endParaRPr lang="en-US" altLang="zh-CN"/>
+          </a:p>
+        </p:txBody>
+      </p:sp>
+    </p:spTree>
+    <p:extLst>
+      <p:ext uri="{BB962C8B-B14F-4D97-AF65-F5344CB8AC3E}">
+        <p14:creationId xmlns:p14="http://schemas.microsoft.com/office/powerpoint/2010/main" val="2094048297"/>
+      </p:ext>
+    </p:extLst>
+  </p:cSld>
+  <p:clrMapOvr>
+    <a:masterClrMapping/>
+  </p:clrMapOvr>
+</p:notes>
+</file>
+
 <file path=ppt/notesSlides/notesSlide2.xml><?xml version="1.0" encoding="utf-8"?>
 <p:notes xmlns:a="http://schemas.openxmlformats.org/drawingml/2006/main" xmlns:r="http://schemas.openxmlformats.org/officeDocument/2006/relationships" xmlns:p="http://schemas.openxmlformats.org/presentationml/2006/main">
   <p:cSld>
@@ -2637,7 +2823,7 @@
               </a14:hiddenLine>
             </a:ext>
             <a:ext uri="{FAA26D3D-D897-4be2-8F04-BA451C77F1D7}">
-              <ma14:placeholderFlag xmlns="" xmlns:ma14="http://schemas.microsoft.com/office/mac/drawingml/2011/main" val="1"/>
+              <ma14:placeholderFlag xmlns:ma14="http://schemas.microsoft.com/office/mac/drawingml/2011/main" xmlns="" val="1"/>
             </a:ext>
           </a:extLst>
         </p:spPr>
@@ -11701,6 +11887,5918 @@
 </p:sld>
 </file>
 
+<file path=ppt/slides/slide21.xml><?xml version="1.0" encoding="utf-8"?>
+<p:sld xmlns:a="http://schemas.openxmlformats.org/drawingml/2006/main" xmlns:r="http://schemas.openxmlformats.org/officeDocument/2006/relationships" xmlns:p="http://schemas.openxmlformats.org/presentationml/2006/main">
+  <p:cSld>
+    <p:spTree>
+      <p:nvGrpSpPr>
+        <p:cNvPr id="1" name=""/>
+        <p:cNvGrpSpPr/>
+        <p:nvPr/>
+      </p:nvGrpSpPr>
+      <p:grpSpPr>
+        <a:xfrm>
+          <a:off x="0" y="0"/>
+          <a:ext cx="0" cy="0"/>
+          <a:chOff x="0" y="0"/>
+          <a:chExt cx="0" cy="0"/>
+        </a:xfrm>
+      </p:grpSpPr>
+      <p:sp>
+        <p:nvSpPr>
+          <p:cNvPr id="6" name="Footer Placeholder 3"/>
+          <p:cNvSpPr>
+            <a:spLocks noGrp="1"/>
+          </p:cNvSpPr>
+          <p:nvPr>
+            <p:ph type="ftr" sz="quarter" idx="11"/>
+          </p:nvPr>
+        </p:nvSpPr>
+        <p:spPr>
+          <a:xfrm>
+            <a:off x="3124200" y="4786312"/>
+            <a:ext cx="2895600" cy="357188"/>
+          </a:xfrm>
+        </p:spPr>
+        <p:txBody>
+          <a:bodyPr/>
+          <a:lstStyle/>
+          <a:p>
+            <a:pPr>
+              <a:defRPr/>
+            </a:pPr>
+            <a:r>
+              <a:rPr lang="en-US" altLang="zh-CN" dirty="0"/>
+              <a:t>107</a:t>
+            </a:r>
+            <a:r>
+              <a:rPr lang="en-US" altLang="zh-CN" baseline="30000" dirty="0"/>
+              <a:t>th</a:t>
+            </a:r>
+            <a:r>
+              <a:rPr lang="en-US" altLang="zh-CN" dirty="0"/>
+              <a:t> IETF @ Vancouver</a:t>
+            </a:r>
+          </a:p>
+        </p:txBody>
+      </p:sp>
+      <p:sp>
+        <p:nvSpPr>
+          <p:cNvPr id="3" name="Slide Number Placeholder 2"/>
+          <p:cNvSpPr>
+            <a:spLocks noGrp="1"/>
+          </p:cNvSpPr>
+          <p:nvPr>
+            <p:ph type="sldNum" sz="quarter" idx="12"/>
+          </p:nvPr>
+        </p:nvSpPr>
+        <p:spPr/>
+        <p:txBody>
+          <a:bodyPr/>
+          <a:lstStyle/>
+          <a:p>
+            <a:pPr>
+              <a:defRPr/>
+            </a:pPr>
+            <a:fld id="{D5EE1D1A-EEC2-4D53-94A7-85D62C853479}" type="slidenum">
+              <a:rPr lang="en-US" altLang="zh-CN" smtClean="0"/>
+              <a:pPr>
+                <a:defRPr/>
+              </a:pPr>
+              <a:t>21</a:t>
+            </a:fld>
+            <a:endParaRPr lang="en-US" altLang="zh-CN"/>
+          </a:p>
+        </p:txBody>
+      </p:sp>
+      <p:sp>
+        <p:nvSpPr>
+          <p:cNvPr id="8" name="Title 7">
+            <a:extLst>
+              <a:ext uri="{FF2B5EF4-FFF2-40B4-BE49-F238E27FC236}">
+                <a16:creationId xmlns:a16="http://schemas.microsoft.com/office/drawing/2014/main" id="{EAE0D9DC-8575-A84F-A04B-3BD8C30794A3}"/>
+              </a:ext>
+            </a:extLst>
+          </p:cNvPr>
+          <p:cNvSpPr>
+            <a:spLocks noGrp="1"/>
+          </p:cNvSpPr>
+          <p:nvPr>
+            <p:ph type="ctrTitle"/>
+          </p:nvPr>
+        </p:nvSpPr>
+        <p:spPr/>
+        <p:txBody>
+          <a:bodyPr/>
+          <a:lstStyle/>
+          <a:p>
+            <a:r>
+              <a:rPr lang="en-US" dirty="0"/>
+              <a:t>Discussion on Session ID and Control Code Options</a:t>
+            </a:r>
+          </a:p>
+        </p:txBody>
+      </p:sp>
+    </p:spTree>
+    <p:extLst>
+      <p:ext uri="{BB962C8B-B14F-4D97-AF65-F5344CB8AC3E}">
+        <p14:creationId xmlns:p14="http://schemas.microsoft.com/office/powerpoint/2010/main" val="2637339018"/>
+      </p:ext>
+    </p:extLst>
+  </p:cSld>
+  <p:clrMapOvr>
+    <a:masterClrMapping/>
+  </p:clrMapOvr>
+</p:sld>
+</file>
+
+<file path=ppt/slides/slide22.xml><?xml version="1.0" encoding="utf-8"?>
+<p:sld xmlns:a="http://schemas.openxmlformats.org/drawingml/2006/main" xmlns:r="http://schemas.openxmlformats.org/officeDocument/2006/relationships" xmlns:p="http://schemas.openxmlformats.org/presentationml/2006/main">
+  <p:cSld>
+    <p:spTree>
+      <p:nvGrpSpPr>
+        <p:cNvPr id="1" name=""/>
+        <p:cNvGrpSpPr/>
+        <p:nvPr/>
+      </p:nvGrpSpPr>
+      <p:grpSpPr>
+        <a:xfrm>
+          <a:off x="0" y="0"/>
+          <a:ext cx="0" cy="0"/>
+          <a:chOff x="0" y="0"/>
+          <a:chExt cx="0" cy="0"/>
+        </a:xfrm>
+      </p:grpSpPr>
+      <p:sp>
+        <p:nvSpPr>
+          <p:cNvPr id="3" name="Title 2"/>
+          <p:cNvSpPr>
+            <a:spLocks noGrp="1"/>
+          </p:cNvSpPr>
+          <p:nvPr>
+            <p:ph type="title"/>
+          </p:nvPr>
+        </p:nvSpPr>
+        <p:spPr>
+          <a:xfrm>
+            <a:off x="304800" y="-39330"/>
+            <a:ext cx="8505372" cy="706080"/>
+          </a:xfrm>
+        </p:spPr>
+        <p:txBody>
+          <a:bodyPr/>
+          <a:lstStyle/>
+          <a:p>
+            <a:pPr algn="l"/>
+            <a:r>
+              <a:rPr lang="en-US" sz="2200" dirty="0">
+                <a:solidFill>
+                  <a:srgbClr val="0070C0"/>
+                </a:solidFill>
+                <a:latin typeface="Calibri Light" panose="020F0302020204030204" pitchFamily="34" charset="0"/>
+                <a:cs typeface="Calibri Light" panose="020F0302020204030204" pitchFamily="34" charset="0"/>
+              </a:rPr>
+              <a:t>Option 1: Variable Length Session ID in Sequence Number</a:t>
+            </a:r>
+          </a:p>
+        </p:txBody>
+      </p:sp>
+      <p:sp>
+        <p:nvSpPr>
+          <p:cNvPr id="5" name="Rectangle 4"/>
+          <p:cNvSpPr/>
+          <p:nvPr/>
+        </p:nvSpPr>
+        <p:spPr>
+          <a:xfrm>
+            <a:off x="228615" y="742950"/>
+            <a:ext cx="4310728" cy="2862322"/>
+          </a:xfrm>
+          <a:prstGeom prst="rect">
+            <a:avLst/>
+          </a:prstGeom>
+          <a:solidFill>
+            <a:schemeClr val="accent6">
+              <a:lumMod val="20000"/>
+              <a:lumOff val="80000"/>
+            </a:schemeClr>
+          </a:solidFill>
+        </p:spPr>
+        <p:txBody>
+          <a:bodyPr wrap="square">
+            <a:spAutoFit/>
+          </a:bodyPr>
+          <a:lstStyle/>
+          <a:p>
+            <a:pPr>
+              <a:spcAft>
+                <a:spcPts val="0"/>
+              </a:spcAft>
+            </a:pPr>
+            <a:r>
+              <a:rPr lang="en-US" sz="750" b="1" dirty="0">
+                <a:latin typeface="Courier" charset="0"/>
+                <a:ea typeface="Courier" charset="0"/>
+                <a:cs typeface="Courier" charset="0"/>
+              </a:rPr>
+              <a:t>       0                   1                   2                   3</a:t>
+            </a:r>
+          </a:p>
+          <a:p>
+            <a:pPr>
+              <a:spcAft>
+                <a:spcPts val="0"/>
+              </a:spcAft>
+            </a:pPr>
+            <a:r>
+              <a:rPr lang="en-US" sz="750" b="1" dirty="0">
+                <a:latin typeface="Courier" charset="0"/>
+                <a:ea typeface="Courier" charset="0"/>
+                <a:cs typeface="Courier" charset="0"/>
+              </a:rPr>
+              <a:t>       0 1 2 3 4 5 6 7 8 9 0 1 2 3 4 5 6 7 8 9 0 1 2 3 4 5 6 7 8 9 0 1</a:t>
+            </a:r>
+          </a:p>
+          <a:p>
+            <a:pPr>
+              <a:spcAft>
+                <a:spcPts val="0"/>
+              </a:spcAft>
+            </a:pPr>
+            <a:r>
+              <a:rPr lang="en-US" sz="750" b="1" dirty="0">
+                <a:latin typeface="Courier" charset="0"/>
+                <a:ea typeface="Courier" charset="0"/>
+                <a:cs typeface="Courier" charset="0"/>
+              </a:rPr>
+              <a:t>      +-+-+-+-+-+-+-+-+-+-+-+-+-+-+-+-+-+-+-+-+-+-+-+-+-+-+-+-+-+-+-+-+</a:t>
+            </a:r>
+          </a:p>
+          <a:p>
+            <a:pPr>
+              <a:spcAft>
+                <a:spcPts val="0"/>
+              </a:spcAft>
+            </a:pPr>
+            <a:r>
+              <a:rPr lang="en-US" sz="750" b="1" dirty="0">
+                <a:latin typeface="Courier" charset="0"/>
+                <a:ea typeface="Courier" charset="0"/>
+                <a:cs typeface="Courier" charset="0"/>
+              </a:rPr>
+              <a:t>      </a:t>
+            </a:r>
+            <a:r>
+              <a:rPr lang="en-US" sz="750" b="1" dirty="0">
+                <a:solidFill>
+                  <a:srgbClr val="0070C0"/>
+                </a:solidFill>
+                <a:latin typeface="Courier" charset="0"/>
+                <a:ea typeface="Courier" charset="0"/>
+                <a:cs typeface="Courier" charset="0"/>
+              </a:rPr>
+              <a:t>|       Session ID / Sequence Number                            </a:t>
+            </a:r>
+            <a:r>
+              <a:rPr lang="en-US" sz="750" b="1" dirty="0">
+                <a:latin typeface="Courier" charset="0"/>
+                <a:ea typeface="Courier" charset="0"/>
+                <a:cs typeface="Courier" charset="0"/>
+              </a:rPr>
+              <a:t>|</a:t>
+            </a:r>
+          </a:p>
+          <a:p>
+            <a:pPr>
+              <a:spcAft>
+                <a:spcPts val="0"/>
+              </a:spcAft>
+            </a:pPr>
+            <a:r>
+              <a:rPr lang="en-US" sz="750" b="1" dirty="0">
+                <a:latin typeface="Courier" charset="0"/>
+                <a:ea typeface="Courier" charset="0"/>
+                <a:cs typeface="Courier" charset="0"/>
+              </a:rPr>
+              <a:t>      +-+-+-+-+-+-+-+-+-+-+-+-+-+-+-+-+-+-+-+-+-+-+-+-+-+-+-+-+-+-+-+-+</a:t>
+            </a:r>
+          </a:p>
+          <a:p>
+            <a:pPr>
+              <a:spcAft>
+                <a:spcPts val="0"/>
+              </a:spcAft>
+            </a:pPr>
+            <a:r>
+              <a:rPr lang="en-US" sz="750" b="1" dirty="0">
+                <a:latin typeface="Courier" charset="0"/>
+                <a:ea typeface="Courier" charset="0"/>
+                <a:cs typeface="Courier" charset="0"/>
+              </a:rPr>
+              <a:t>      |                          Timestamp                            |</a:t>
+            </a:r>
+          </a:p>
+          <a:p>
+            <a:pPr>
+              <a:spcAft>
+                <a:spcPts val="0"/>
+              </a:spcAft>
+            </a:pPr>
+            <a:r>
+              <a:rPr lang="en-US" sz="750" b="1" dirty="0">
+                <a:latin typeface="Courier" charset="0"/>
+                <a:ea typeface="Courier" charset="0"/>
+                <a:cs typeface="Courier" charset="0"/>
+              </a:rPr>
+              <a:t>      |                                                               |</a:t>
+            </a:r>
+          </a:p>
+          <a:p>
+            <a:pPr>
+              <a:spcAft>
+                <a:spcPts val="0"/>
+              </a:spcAft>
+            </a:pPr>
+            <a:r>
+              <a:rPr lang="en-US" sz="750" b="1" dirty="0">
+                <a:latin typeface="Courier" charset="0"/>
+                <a:ea typeface="Courier" charset="0"/>
+                <a:cs typeface="Courier" charset="0"/>
+              </a:rPr>
+              <a:t>      +-+-+-+-+-+-+-+-+-+-+-+-+-+-+-+-+-+-+-+-+-+-+-+-+-+-+-+-+-+-+-+-+</a:t>
+            </a:r>
+          </a:p>
+          <a:p>
+            <a:pPr>
+              <a:spcAft>
+                <a:spcPts val="0"/>
+              </a:spcAft>
+            </a:pPr>
+            <a:r>
+              <a:rPr lang="en-US" sz="750" b="1" dirty="0">
+                <a:latin typeface="Courier" charset="0"/>
+                <a:ea typeface="Courier" charset="0"/>
+                <a:cs typeface="Courier" charset="0"/>
+              </a:rPr>
+              <a:t>      |         Error Estimate        |   MBZ         | </a:t>
+            </a:r>
+            <a:r>
+              <a:rPr lang="en-US" sz="750" b="1" dirty="0">
+                <a:solidFill>
+                  <a:srgbClr val="0070C0"/>
+                </a:solidFill>
+                <a:latin typeface="Courier" charset="0"/>
+                <a:ea typeface="Courier" charset="0"/>
+                <a:cs typeface="Courier" charset="0"/>
+              </a:rPr>
+              <a:t>Control Code  </a:t>
+            </a:r>
+            <a:r>
+              <a:rPr lang="en-US" sz="750" b="1" dirty="0">
+                <a:latin typeface="Courier" charset="0"/>
+                <a:ea typeface="Courier" charset="0"/>
+                <a:cs typeface="Courier" charset="0"/>
+              </a:rPr>
+              <a:t>|</a:t>
+            </a:r>
+          </a:p>
+          <a:p>
+            <a:pPr>
+              <a:spcAft>
+                <a:spcPts val="0"/>
+              </a:spcAft>
+            </a:pPr>
+            <a:r>
+              <a:rPr lang="en-US" sz="750" b="1" dirty="0">
+                <a:latin typeface="Courier" charset="0"/>
+                <a:ea typeface="Courier" charset="0"/>
+                <a:cs typeface="Courier" charset="0"/>
+              </a:rPr>
+              <a:t>      +-+-+-+-+-+-+-+-+-+-+-+-+-+-+-+-+ +-+-+-+-+-+-+-+-+-+-+-+-+-+-+-+</a:t>
+            </a:r>
+          </a:p>
+          <a:p>
+            <a:pPr>
+              <a:spcAft>
+                <a:spcPts val="0"/>
+              </a:spcAft>
+            </a:pPr>
+            <a:r>
+              <a:rPr lang="en-US" sz="750" b="1" dirty="0">
+                <a:latin typeface="Courier" charset="0"/>
+                <a:ea typeface="Courier" charset="0"/>
+                <a:cs typeface="Courier" charset="0"/>
+              </a:rPr>
+              <a:t>      |                                                               |</a:t>
+            </a:r>
+          </a:p>
+          <a:p>
+            <a:pPr>
+              <a:spcAft>
+                <a:spcPts val="0"/>
+              </a:spcAft>
+            </a:pPr>
+            <a:r>
+              <a:rPr lang="en-US" sz="750" b="1" dirty="0">
+                <a:latin typeface="Courier" charset="0"/>
+                <a:ea typeface="Courier" charset="0"/>
+                <a:cs typeface="Courier" charset="0"/>
+              </a:rPr>
+              <a:t>      +                                                               +</a:t>
+            </a:r>
+          </a:p>
+          <a:p>
+            <a:pPr>
+              <a:spcAft>
+                <a:spcPts val="0"/>
+              </a:spcAft>
+            </a:pPr>
+            <a:r>
+              <a:rPr lang="en-US" sz="750" b="1" dirty="0">
+                <a:latin typeface="Courier" charset="0"/>
+                <a:ea typeface="Courier" charset="0"/>
+                <a:cs typeface="Courier" charset="0"/>
+              </a:rPr>
+              <a:t>      |                                                               |</a:t>
+            </a:r>
+          </a:p>
+          <a:p>
+            <a:pPr>
+              <a:spcAft>
+                <a:spcPts val="0"/>
+              </a:spcAft>
+            </a:pPr>
+            <a:r>
+              <a:rPr lang="en-US" sz="750" b="1" dirty="0">
+                <a:latin typeface="Courier" charset="0"/>
+                <a:ea typeface="Courier" charset="0"/>
+                <a:cs typeface="Courier" charset="0"/>
+              </a:rPr>
+              <a:t>      |                         MBZ (28 octets)                       |</a:t>
+            </a:r>
+          </a:p>
+          <a:p>
+            <a:pPr>
+              <a:spcAft>
+                <a:spcPts val="0"/>
+              </a:spcAft>
+            </a:pPr>
+            <a:r>
+              <a:rPr lang="en-US" sz="750" b="1" dirty="0">
+                <a:latin typeface="Courier" charset="0"/>
+                <a:ea typeface="Courier" charset="0"/>
+                <a:cs typeface="Courier" charset="0"/>
+              </a:rPr>
+              <a:t>      +                                                               +</a:t>
+            </a:r>
+          </a:p>
+          <a:p>
+            <a:pPr>
+              <a:spcAft>
+                <a:spcPts val="0"/>
+              </a:spcAft>
+            </a:pPr>
+            <a:r>
+              <a:rPr lang="en-US" sz="750" b="1" dirty="0">
+                <a:latin typeface="Courier" charset="0"/>
+                <a:ea typeface="Courier" charset="0"/>
+                <a:cs typeface="Courier" charset="0"/>
+              </a:rPr>
+              <a:t>      |                                                               |</a:t>
+            </a:r>
+          </a:p>
+          <a:p>
+            <a:pPr>
+              <a:spcAft>
+                <a:spcPts val="0"/>
+              </a:spcAft>
+            </a:pPr>
+            <a:r>
+              <a:rPr lang="en-US" sz="750" b="1" dirty="0">
+                <a:latin typeface="Courier" charset="0"/>
+                <a:ea typeface="Courier" charset="0"/>
+                <a:cs typeface="Courier" charset="0"/>
+              </a:rPr>
+              <a:t>      |                                                               |</a:t>
+            </a:r>
+          </a:p>
+          <a:p>
+            <a:pPr>
+              <a:spcAft>
+                <a:spcPts val="0"/>
+              </a:spcAft>
+            </a:pPr>
+            <a:r>
+              <a:rPr lang="en-US" sz="750" b="1" dirty="0">
+                <a:latin typeface="Courier" charset="0"/>
+                <a:ea typeface="Courier" charset="0"/>
+                <a:cs typeface="Courier" charset="0"/>
+              </a:rPr>
+              <a:t>      +                                                               +</a:t>
+            </a:r>
+          </a:p>
+          <a:p>
+            <a:pPr>
+              <a:spcAft>
+                <a:spcPts val="0"/>
+              </a:spcAft>
+            </a:pPr>
+            <a:r>
+              <a:rPr lang="en-US" sz="750" b="1" dirty="0">
+                <a:latin typeface="Courier" charset="0"/>
+                <a:ea typeface="Courier" charset="0"/>
+                <a:cs typeface="Courier" charset="0"/>
+              </a:rPr>
+              <a:t>      |                                                               |</a:t>
+            </a:r>
+          </a:p>
+          <a:p>
+            <a:pPr>
+              <a:spcAft>
+                <a:spcPts val="0"/>
+              </a:spcAft>
+            </a:pPr>
+            <a:r>
+              <a:rPr lang="en-US" sz="750" b="1" dirty="0">
+                <a:latin typeface="Courier" charset="0"/>
+                <a:ea typeface="Courier" charset="0"/>
+                <a:cs typeface="Courier" charset="0"/>
+              </a:rPr>
+              <a:t>      +                                                               +</a:t>
+            </a:r>
+          </a:p>
+          <a:p>
+            <a:pPr>
+              <a:spcAft>
+                <a:spcPts val="0"/>
+              </a:spcAft>
+            </a:pPr>
+            <a:r>
+              <a:rPr lang="en-US" sz="750" b="1" dirty="0">
+                <a:latin typeface="Courier" charset="0"/>
+                <a:ea typeface="Courier" charset="0"/>
+                <a:cs typeface="Courier" charset="0"/>
+              </a:rPr>
+              <a:t>      |                                                               |</a:t>
+            </a:r>
+          </a:p>
+          <a:p>
+            <a:pPr>
+              <a:spcAft>
+                <a:spcPts val="0"/>
+              </a:spcAft>
+            </a:pPr>
+            <a:r>
+              <a:rPr lang="en-US" sz="750" b="1" dirty="0">
+                <a:latin typeface="Courier" charset="0"/>
+                <a:ea typeface="Courier" charset="0"/>
+                <a:cs typeface="Courier" charset="0"/>
+              </a:rPr>
+              <a:t>      +-+-+-+-+-+-+-+-+-+-+-+-+-+-+-+-+-+-+-+-+-+-+-+-+-+-+-+-+-+-+-+-+</a:t>
+            </a:r>
+          </a:p>
+          <a:p>
+            <a:pPr>
+              <a:spcAft>
+                <a:spcPts val="0"/>
+              </a:spcAft>
+            </a:pPr>
+            <a:endParaRPr lang="en-US" sz="750" b="1" dirty="0">
+              <a:latin typeface="Courier" charset="0"/>
+              <a:ea typeface="Courier" charset="0"/>
+              <a:cs typeface="Courier" charset="0"/>
+            </a:endParaRPr>
+          </a:p>
+          <a:p>
+            <a:pPr>
+              <a:spcAft>
+                <a:spcPts val="0"/>
+              </a:spcAft>
+            </a:pPr>
+            <a:r>
+              <a:rPr lang="en-US" sz="750" b="1" dirty="0">
+                <a:latin typeface="Courier" charset="0"/>
+                <a:ea typeface="Courier" charset="0"/>
+                <a:cs typeface="Courier" charset="0"/>
+              </a:rPr>
+              <a:t>	    Figure: Sender Message Format</a:t>
+            </a:r>
+          </a:p>
+        </p:txBody>
+      </p:sp>
+      <p:sp>
+        <p:nvSpPr>
+          <p:cNvPr id="14" name="Rectangle 13">
+            <a:extLst>
+              <a:ext uri="{FF2B5EF4-FFF2-40B4-BE49-F238E27FC236}">
+                <a16:creationId xmlns:a16="http://schemas.microsoft.com/office/drawing/2014/main" id="{5F9D9D1B-92A3-C64D-87B1-9B0B9C9E3A13}"/>
+              </a:ext>
+            </a:extLst>
+          </p:cNvPr>
+          <p:cNvSpPr/>
+          <p:nvPr/>
+        </p:nvSpPr>
+        <p:spPr>
+          <a:xfrm>
+            <a:off x="4495800" y="742950"/>
+            <a:ext cx="4368799" cy="2862322"/>
+          </a:xfrm>
+          <a:prstGeom prst="rect">
+            <a:avLst/>
+          </a:prstGeom>
+          <a:solidFill>
+            <a:schemeClr val="accent6">
+              <a:lumMod val="20000"/>
+              <a:lumOff val="80000"/>
+            </a:schemeClr>
+          </a:solidFill>
+        </p:spPr>
+        <p:txBody>
+          <a:bodyPr wrap="square">
+            <a:spAutoFit/>
+          </a:bodyPr>
+          <a:lstStyle/>
+          <a:p>
+            <a:pPr>
+              <a:spcAft>
+                <a:spcPts val="0"/>
+              </a:spcAft>
+            </a:pPr>
+            <a:r>
+              <a:rPr lang="en-US" sz="750" b="1" dirty="0">
+                <a:latin typeface="Courier" charset="0"/>
+                <a:ea typeface="Courier" charset="0"/>
+                <a:cs typeface="Courier" charset="0"/>
+              </a:rPr>
+              <a:t>     0                   1                   2                   3</a:t>
+            </a:r>
+          </a:p>
+          <a:p>
+            <a:pPr>
+              <a:spcAft>
+                <a:spcPts val="0"/>
+              </a:spcAft>
+            </a:pPr>
+            <a:r>
+              <a:rPr lang="en-US" sz="750" b="1" dirty="0">
+                <a:latin typeface="Courier" charset="0"/>
+                <a:ea typeface="Courier" charset="0"/>
+                <a:cs typeface="Courier" charset="0"/>
+              </a:rPr>
+              <a:t>     0 1 2 3 4 5 6 7 8 9 0 1 2 3 4 5 6 7 8 9 0 1 2 3 4 5 6 7 8 9 0 1</a:t>
+            </a:r>
+          </a:p>
+          <a:p>
+            <a:pPr>
+              <a:spcAft>
+                <a:spcPts val="0"/>
+              </a:spcAft>
+            </a:pPr>
+            <a:r>
+              <a:rPr lang="en-US" sz="750" b="1" dirty="0">
+                <a:latin typeface="Courier" charset="0"/>
+                <a:ea typeface="Courier" charset="0"/>
+                <a:cs typeface="Courier" charset="0"/>
+              </a:rPr>
+              <a:t>    +-+-+-+-+-+-+-+-+-+-+-+-+-+-+-+-+-+-+-+-+-+-+-+-+-+-+-+-+-+-+-+-+</a:t>
+            </a:r>
+          </a:p>
+          <a:p>
+            <a:pPr>
+              <a:spcAft>
+                <a:spcPts val="0"/>
+              </a:spcAft>
+            </a:pPr>
+            <a:r>
+              <a:rPr lang="en-US" sz="750" b="1" dirty="0">
+                <a:latin typeface="Courier" charset="0"/>
+                <a:ea typeface="Courier" charset="0"/>
+                <a:cs typeface="Courier" charset="0"/>
+              </a:rPr>
+              <a:t>    |                        Sequence Number                        |</a:t>
+            </a:r>
+          </a:p>
+          <a:p>
+            <a:pPr>
+              <a:spcAft>
+                <a:spcPts val="0"/>
+              </a:spcAft>
+            </a:pPr>
+            <a:r>
+              <a:rPr lang="en-US" sz="750" b="1" dirty="0">
+                <a:latin typeface="Courier" charset="0"/>
+                <a:ea typeface="Courier" charset="0"/>
+                <a:cs typeface="Courier" charset="0"/>
+              </a:rPr>
+              <a:t>    +-+-+-+-+-+-+-+-+-+-+-+-+-+-+-+-+-+-+-+-+-+-+-+-+-+-+-+-+-+-+-+-+</a:t>
+            </a:r>
+          </a:p>
+          <a:p>
+            <a:pPr>
+              <a:spcAft>
+                <a:spcPts val="0"/>
+              </a:spcAft>
+            </a:pPr>
+            <a:r>
+              <a:rPr lang="en-US" sz="750" b="1" dirty="0">
+                <a:latin typeface="Courier" charset="0"/>
+                <a:ea typeface="Courier" charset="0"/>
+                <a:cs typeface="Courier" charset="0"/>
+              </a:rPr>
+              <a:t>    |                          Timestamp                            |</a:t>
+            </a:r>
+          </a:p>
+          <a:p>
+            <a:pPr>
+              <a:spcAft>
+                <a:spcPts val="0"/>
+              </a:spcAft>
+            </a:pPr>
+            <a:r>
+              <a:rPr lang="en-US" sz="750" b="1" dirty="0">
+                <a:latin typeface="Courier" charset="0"/>
+                <a:ea typeface="Courier" charset="0"/>
+                <a:cs typeface="Courier" charset="0"/>
+              </a:rPr>
+              <a:t>    |                                                               |</a:t>
+            </a:r>
+          </a:p>
+          <a:p>
+            <a:pPr>
+              <a:spcAft>
+                <a:spcPts val="0"/>
+              </a:spcAft>
+            </a:pPr>
+            <a:r>
+              <a:rPr lang="en-US" sz="750" b="1" dirty="0">
+                <a:latin typeface="Courier" charset="0"/>
+                <a:ea typeface="Courier" charset="0"/>
+                <a:cs typeface="Courier" charset="0"/>
+              </a:rPr>
+              <a:t>    +-+-+-+-+-+-+-+-+-+-+-+-+-+-+-+-+-+-+-+-+-+-+-+-+-+-+-+-+-+-+-+-+</a:t>
+            </a:r>
+          </a:p>
+          <a:p>
+            <a:pPr>
+              <a:spcAft>
+                <a:spcPts val="0"/>
+              </a:spcAft>
+            </a:pPr>
+            <a:r>
+              <a:rPr lang="en-US" sz="750" b="1" dirty="0">
+                <a:latin typeface="Courier" charset="0"/>
+                <a:ea typeface="Courier" charset="0"/>
+                <a:cs typeface="Courier" charset="0"/>
+              </a:rPr>
+              <a:t>    |         Error Estimate        |  MBZ          | </a:t>
+            </a:r>
+            <a:r>
+              <a:rPr lang="en-US" sz="750" b="1" dirty="0">
+                <a:solidFill>
+                  <a:srgbClr val="0070C0"/>
+                </a:solidFill>
+                <a:latin typeface="Courier" charset="0"/>
+                <a:ea typeface="Courier" charset="0"/>
+                <a:cs typeface="Courier" charset="0"/>
+              </a:rPr>
+              <a:t>Control Code  </a:t>
+            </a:r>
+            <a:r>
+              <a:rPr lang="en-US" sz="750" b="1" dirty="0">
+                <a:latin typeface="Courier" charset="0"/>
+                <a:ea typeface="Courier" charset="0"/>
+                <a:cs typeface="Courier" charset="0"/>
+              </a:rPr>
+              <a:t>|    </a:t>
+            </a:r>
+          </a:p>
+          <a:p>
+            <a:pPr>
+              <a:spcAft>
+                <a:spcPts val="0"/>
+              </a:spcAft>
+            </a:pPr>
+            <a:r>
+              <a:rPr lang="en-US" sz="750" b="1" dirty="0">
+                <a:latin typeface="Courier" charset="0"/>
+                <a:ea typeface="Courier" charset="0"/>
+                <a:cs typeface="Courier" charset="0"/>
+              </a:rPr>
+              <a:t>    +-+-+-+-+-+-+-+-+-+-+-+-+-+-+-+-+-+-+-+-+-+-+-+-+-+-+-+-+-+-+-+-+</a:t>
+            </a:r>
+          </a:p>
+          <a:p>
+            <a:pPr>
+              <a:spcAft>
+                <a:spcPts val="0"/>
+              </a:spcAft>
+            </a:pPr>
+            <a:r>
+              <a:rPr lang="en-US" sz="750" b="1" dirty="0">
+                <a:latin typeface="Courier" charset="0"/>
+                <a:ea typeface="Courier" charset="0"/>
+                <a:cs typeface="Courier" charset="0"/>
+              </a:rPr>
+              <a:t>    |                          Receive Timestamp                    |</a:t>
+            </a:r>
+          </a:p>
+          <a:p>
+            <a:pPr>
+              <a:spcAft>
+                <a:spcPts val="0"/>
+              </a:spcAft>
+            </a:pPr>
+            <a:r>
+              <a:rPr lang="en-US" sz="750" b="1" dirty="0">
+                <a:latin typeface="Courier" charset="0"/>
+                <a:ea typeface="Courier" charset="0"/>
+                <a:cs typeface="Courier" charset="0"/>
+              </a:rPr>
+              <a:t>    |                                                               |</a:t>
+            </a:r>
+          </a:p>
+          <a:p>
+            <a:pPr>
+              <a:spcAft>
+                <a:spcPts val="0"/>
+              </a:spcAft>
+            </a:pPr>
+            <a:r>
+              <a:rPr lang="en-US" sz="750" b="1" dirty="0">
+                <a:latin typeface="Courier" charset="0"/>
+                <a:ea typeface="Courier" charset="0"/>
+                <a:cs typeface="Courier" charset="0"/>
+              </a:rPr>
+              <a:t>    +-+-+-+-+-+-+-+-+-+-+-+-+-+-+-+-+-+-+-+-+-+-+-+-+-+-+-+-+-+-+-+-+</a:t>
+            </a:r>
+          </a:p>
+          <a:p>
+            <a:pPr>
+              <a:spcAft>
+                <a:spcPts val="0"/>
+              </a:spcAft>
+            </a:pPr>
+            <a:r>
+              <a:rPr lang="en-US" sz="750" b="1" dirty="0">
+                <a:latin typeface="Courier" charset="0"/>
+                <a:ea typeface="Courier" charset="0"/>
+                <a:cs typeface="Courier" charset="0"/>
+              </a:rPr>
+              <a:t>    |     </a:t>
+            </a:r>
+            <a:r>
+              <a:rPr lang="en-US" sz="750" b="1" dirty="0">
+                <a:solidFill>
+                  <a:srgbClr val="0070C0"/>
+                </a:solidFill>
+                <a:latin typeface="Courier" charset="0"/>
+                <a:ea typeface="Courier" charset="0"/>
+                <a:cs typeface="Courier" charset="0"/>
+              </a:rPr>
+              <a:t>Sender Session ID / Sender Sequence Number                </a:t>
+            </a:r>
+            <a:r>
+              <a:rPr lang="en-US" sz="750" b="1" dirty="0">
+                <a:latin typeface="Courier" charset="0"/>
+                <a:ea typeface="Courier" charset="0"/>
+                <a:cs typeface="Courier" charset="0"/>
+              </a:rPr>
+              <a:t>|  </a:t>
+            </a:r>
+          </a:p>
+          <a:p>
+            <a:pPr>
+              <a:spcAft>
+                <a:spcPts val="0"/>
+              </a:spcAft>
+            </a:pPr>
+            <a:r>
+              <a:rPr lang="en-US" sz="750" b="1" dirty="0">
+                <a:latin typeface="Courier" charset="0"/>
+                <a:ea typeface="Courier" charset="0"/>
+                <a:cs typeface="Courier" charset="0"/>
+              </a:rPr>
+              <a:t>    +-+-+-+-+-+-+-+-+-+-+-+-+-+-+-+-+-+-+-+-+-+-+-+-+-+-+-+-+-+-+-+-+</a:t>
+            </a:r>
+          </a:p>
+          <a:p>
+            <a:pPr>
+              <a:spcAft>
+                <a:spcPts val="0"/>
+              </a:spcAft>
+            </a:pPr>
+            <a:r>
+              <a:rPr lang="en-US" sz="750" b="1" dirty="0">
+                <a:latin typeface="Courier" charset="0"/>
+                <a:ea typeface="Courier" charset="0"/>
+                <a:cs typeface="Courier" charset="0"/>
+              </a:rPr>
+              <a:t>    |                  Session-Sender Timestamp                     |</a:t>
+            </a:r>
+          </a:p>
+          <a:p>
+            <a:pPr>
+              <a:spcAft>
+                <a:spcPts val="0"/>
+              </a:spcAft>
+            </a:pPr>
+            <a:r>
+              <a:rPr lang="en-US" sz="750" b="1" dirty="0">
+                <a:latin typeface="Courier" charset="0"/>
+                <a:ea typeface="Courier" charset="0"/>
+                <a:cs typeface="Courier" charset="0"/>
+              </a:rPr>
+              <a:t>    |                                                               |</a:t>
+            </a:r>
+          </a:p>
+          <a:p>
+            <a:pPr>
+              <a:spcAft>
+                <a:spcPts val="0"/>
+              </a:spcAft>
+            </a:pPr>
+            <a:r>
+              <a:rPr lang="en-US" sz="750" b="1" dirty="0">
+                <a:latin typeface="Courier" charset="0"/>
+                <a:ea typeface="Courier" charset="0"/>
+                <a:cs typeface="Courier" charset="0"/>
+              </a:rPr>
+              <a:t>    +-+-+-+-+-+-+-+-+-+-+-+-+-+-+-+-+-+-+-+-+-+-+-+-+-+-+-+-+-+-+-+-+</a:t>
+            </a:r>
+          </a:p>
+          <a:p>
+            <a:pPr>
+              <a:spcAft>
+                <a:spcPts val="0"/>
+              </a:spcAft>
+            </a:pPr>
+            <a:r>
+              <a:rPr lang="en-US" sz="750" b="1" dirty="0">
+                <a:latin typeface="Courier" charset="0"/>
+                <a:ea typeface="Courier" charset="0"/>
+                <a:cs typeface="Courier" charset="0"/>
+              </a:rPr>
+              <a:t>    | Session-Sender Error Estimate |           MBZ                 |</a:t>
+            </a:r>
+          </a:p>
+          <a:p>
+            <a:pPr>
+              <a:spcAft>
+                <a:spcPts val="0"/>
+              </a:spcAft>
+            </a:pPr>
+            <a:r>
+              <a:rPr lang="en-US" sz="750" b="1" dirty="0">
+                <a:latin typeface="Courier" charset="0"/>
+                <a:ea typeface="Courier" charset="0"/>
+                <a:cs typeface="Courier" charset="0"/>
+              </a:rPr>
+              <a:t>    +-+-+-+-+-+-+-+-+-+-+-+-+-+-+-+-+-+-+-+-+-+-+-+-+-+-+-+-+-+-+-+-+</a:t>
+            </a:r>
+          </a:p>
+          <a:p>
+            <a:pPr>
+              <a:spcAft>
+                <a:spcPts val="0"/>
+              </a:spcAft>
+            </a:pPr>
+            <a:r>
+              <a:rPr lang="en-US" sz="750" b="1" dirty="0">
+                <a:latin typeface="Courier" charset="0"/>
+                <a:ea typeface="Courier" charset="0"/>
+                <a:cs typeface="Courier" charset="0"/>
+              </a:rPr>
+              <a:t>    |</a:t>
+            </a:r>
+            <a:r>
+              <a:rPr lang="en-US" sz="750" b="1" dirty="0" err="1">
+                <a:latin typeface="Courier" charset="0"/>
+                <a:ea typeface="Courier" charset="0"/>
+                <a:cs typeface="Courier" charset="0"/>
+              </a:rPr>
+              <a:t>Ses</a:t>
+            </a:r>
+            <a:r>
+              <a:rPr lang="en-US" sz="750" b="1" dirty="0">
+                <a:latin typeface="Courier" charset="0"/>
+                <a:ea typeface="Courier" charset="0"/>
+                <a:cs typeface="Courier" charset="0"/>
+              </a:rPr>
+              <a:t>-Sender TTL |                  MBZ                          |</a:t>
+            </a:r>
+          </a:p>
+          <a:p>
+            <a:pPr>
+              <a:spcAft>
+                <a:spcPts val="0"/>
+              </a:spcAft>
+            </a:pPr>
+            <a:r>
+              <a:rPr lang="en-US" sz="750" b="1" dirty="0">
+                <a:latin typeface="Courier" charset="0"/>
+                <a:ea typeface="Courier" charset="0"/>
+                <a:cs typeface="Courier" charset="0"/>
+              </a:rPr>
+              <a:t>    +-+-+-+-+-+-+-+-+-+-+-+-+-+-+-+-+-+-+-+-+-+-+-+-+-+-+-+-+-+-+-+-+</a:t>
+            </a:r>
+          </a:p>
+          <a:p>
+            <a:pPr>
+              <a:spcAft>
+                <a:spcPts val="0"/>
+              </a:spcAft>
+            </a:pPr>
+            <a:r>
+              <a:rPr lang="en-US" sz="750" b="1" dirty="0">
+                <a:solidFill>
+                  <a:srgbClr val="0070C0"/>
+                </a:solidFill>
+                <a:latin typeface="Courier" charset="0"/>
+                <a:ea typeface="Courier" charset="0"/>
+                <a:cs typeface="Courier" charset="0"/>
+              </a:rPr>
+              <a:t>	    </a:t>
+            </a:r>
+          </a:p>
+          <a:p>
+            <a:pPr>
+              <a:spcAft>
+                <a:spcPts val="0"/>
+              </a:spcAft>
+            </a:pPr>
+            <a:r>
+              <a:rPr lang="en-US" sz="750" b="1" dirty="0">
+                <a:latin typeface="Courier" charset="0"/>
+                <a:ea typeface="Courier" charset="0"/>
+                <a:cs typeface="Courier" charset="0"/>
+              </a:rPr>
+              <a:t>                        Figure: Reflector Message Format</a:t>
+            </a:r>
+          </a:p>
+        </p:txBody>
+      </p:sp>
+      <p:sp>
+        <p:nvSpPr>
+          <p:cNvPr id="6" name="Footer Placeholder 3">
+            <a:extLst>
+              <a:ext uri="{FF2B5EF4-FFF2-40B4-BE49-F238E27FC236}">
+                <a16:creationId xmlns:a16="http://schemas.microsoft.com/office/drawing/2014/main" id="{DAAC01B7-F9FF-A94D-AC6F-E2071AD95C28}"/>
+              </a:ext>
+            </a:extLst>
+          </p:cNvPr>
+          <p:cNvSpPr txBox="1">
+            <a:spLocks/>
+          </p:cNvSpPr>
+          <p:nvPr/>
+        </p:nvSpPr>
+        <p:spPr>
+          <a:xfrm>
+            <a:off x="3467100" y="4844952"/>
+            <a:ext cx="2209800" cy="357188"/>
+          </a:xfrm>
+          <a:prstGeom prst="rect">
+            <a:avLst/>
+          </a:prstGeom>
+        </p:spPr>
+        <p:txBody>
+          <a:bodyPr/>
+          <a:lstStyle>
+            <a:defPPr>
+              <a:defRPr lang="zh-CN"/>
+            </a:defPPr>
+            <a:lvl1pPr algn="l" rtl="0" fontAlgn="base">
+              <a:spcBef>
+                <a:spcPct val="0"/>
+              </a:spcBef>
+              <a:spcAft>
+                <a:spcPct val="0"/>
+              </a:spcAft>
+              <a:defRPr kern="1200">
+                <a:solidFill>
+                  <a:schemeClr val="tx1"/>
+                </a:solidFill>
+                <a:latin typeface="Arial" charset="0"/>
+                <a:ea typeface="宋体" pitchFamily="2" charset="-122"/>
+                <a:cs typeface="+mn-cs"/>
+              </a:defRPr>
+            </a:lvl1pPr>
+            <a:lvl2pPr marL="457200" algn="l" rtl="0" fontAlgn="base">
+              <a:spcBef>
+                <a:spcPct val="0"/>
+              </a:spcBef>
+              <a:spcAft>
+                <a:spcPct val="0"/>
+              </a:spcAft>
+              <a:defRPr kern="1200">
+                <a:solidFill>
+                  <a:schemeClr val="tx1"/>
+                </a:solidFill>
+                <a:latin typeface="Arial" charset="0"/>
+                <a:ea typeface="宋体" pitchFamily="2" charset="-122"/>
+                <a:cs typeface="+mn-cs"/>
+              </a:defRPr>
+            </a:lvl2pPr>
+            <a:lvl3pPr marL="914400" algn="l" rtl="0" fontAlgn="base">
+              <a:spcBef>
+                <a:spcPct val="0"/>
+              </a:spcBef>
+              <a:spcAft>
+                <a:spcPct val="0"/>
+              </a:spcAft>
+              <a:defRPr kern="1200">
+                <a:solidFill>
+                  <a:schemeClr val="tx1"/>
+                </a:solidFill>
+                <a:latin typeface="Arial" charset="0"/>
+                <a:ea typeface="宋体" pitchFamily="2" charset="-122"/>
+                <a:cs typeface="+mn-cs"/>
+              </a:defRPr>
+            </a:lvl3pPr>
+            <a:lvl4pPr marL="1371600" algn="l" rtl="0" fontAlgn="base">
+              <a:spcBef>
+                <a:spcPct val="0"/>
+              </a:spcBef>
+              <a:spcAft>
+                <a:spcPct val="0"/>
+              </a:spcAft>
+              <a:defRPr kern="1200">
+                <a:solidFill>
+                  <a:schemeClr val="tx1"/>
+                </a:solidFill>
+                <a:latin typeface="Arial" charset="0"/>
+                <a:ea typeface="宋体" pitchFamily="2" charset="-122"/>
+                <a:cs typeface="+mn-cs"/>
+              </a:defRPr>
+            </a:lvl4pPr>
+            <a:lvl5pPr marL="1828800" algn="l" rtl="0" fontAlgn="base">
+              <a:spcBef>
+                <a:spcPct val="0"/>
+              </a:spcBef>
+              <a:spcAft>
+                <a:spcPct val="0"/>
+              </a:spcAft>
+              <a:defRPr kern="1200">
+                <a:solidFill>
+                  <a:schemeClr val="tx1"/>
+                </a:solidFill>
+                <a:latin typeface="Arial" charset="0"/>
+                <a:ea typeface="宋体" pitchFamily="2" charset="-122"/>
+                <a:cs typeface="+mn-cs"/>
+              </a:defRPr>
+            </a:lvl5pPr>
+            <a:lvl6pPr marL="2286000" algn="l" defTabSz="914400" rtl="0" eaLnBrk="1" latinLnBrk="0" hangingPunct="1">
+              <a:defRPr kern="1200">
+                <a:solidFill>
+                  <a:schemeClr val="tx1"/>
+                </a:solidFill>
+                <a:latin typeface="Arial" charset="0"/>
+                <a:ea typeface="宋体" pitchFamily="2" charset="-122"/>
+                <a:cs typeface="+mn-cs"/>
+              </a:defRPr>
+            </a:lvl6pPr>
+            <a:lvl7pPr marL="2743200" algn="l" defTabSz="914400" rtl="0" eaLnBrk="1" latinLnBrk="0" hangingPunct="1">
+              <a:defRPr kern="1200">
+                <a:solidFill>
+                  <a:schemeClr val="tx1"/>
+                </a:solidFill>
+                <a:latin typeface="Arial" charset="0"/>
+                <a:ea typeface="宋体" pitchFamily="2" charset="-122"/>
+                <a:cs typeface="+mn-cs"/>
+              </a:defRPr>
+            </a:lvl7pPr>
+            <a:lvl8pPr marL="3200400" algn="l" defTabSz="914400" rtl="0" eaLnBrk="1" latinLnBrk="0" hangingPunct="1">
+              <a:defRPr kern="1200">
+                <a:solidFill>
+                  <a:schemeClr val="tx1"/>
+                </a:solidFill>
+                <a:latin typeface="Arial" charset="0"/>
+                <a:ea typeface="宋体" pitchFamily="2" charset="-122"/>
+                <a:cs typeface="+mn-cs"/>
+              </a:defRPr>
+            </a:lvl8pPr>
+            <a:lvl9pPr marL="3657600" algn="l" defTabSz="914400" rtl="0" eaLnBrk="1" latinLnBrk="0" hangingPunct="1">
+              <a:defRPr kern="1200">
+                <a:solidFill>
+                  <a:schemeClr val="tx1"/>
+                </a:solidFill>
+                <a:latin typeface="Arial" charset="0"/>
+                <a:ea typeface="宋体" pitchFamily="2" charset="-122"/>
+                <a:cs typeface="+mn-cs"/>
+              </a:defRPr>
+            </a:lvl9pPr>
+          </a:lstStyle>
+          <a:p>
+            <a:pPr>
+              <a:defRPr/>
+            </a:pPr>
+            <a:r>
+              <a:rPr lang="en-US" altLang="zh-CN" sz="1200" dirty="0"/>
+              <a:t>107</a:t>
+            </a:r>
+            <a:r>
+              <a:rPr lang="en-US" altLang="zh-CN" sz="1200" baseline="30000" dirty="0"/>
+              <a:t>th</a:t>
+            </a:r>
+            <a:r>
+              <a:rPr lang="en-US" altLang="zh-CN" sz="1200" dirty="0"/>
+              <a:t> IETF @ Vancouver</a:t>
+            </a:r>
+          </a:p>
+        </p:txBody>
+      </p:sp>
+      <p:sp>
+        <p:nvSpPr>
+          <p:cNvPr id="7" name="Slide Number Placeholder 2">
+            <a:extLst>
+              <a:ext uri="{FF2B5EF4-FFF2-40B4-BE49-F238E27FC236}">
+                <a16:creationId xmlns:a16="http://schemas.microsoft.com/office/drawing/2014/main" id="{8D46899F-25E7-8042-9E81-459B5F041477}"/>
+              </a:ext>
+            </a:extLst>
+          </p:cNvPr>
+          <p:cNvSpPr txBox="1">
+            <a:spLocks/>
+          </p:cNvSpPr>
+          <p:nvPr/>
+        </p:nvSpPr>
+        <p:spPr>
+          <a:xfrm>
+            <a:off x="7585136" y="4666358"/>
+            <a:ext cx="1143000" cy="357188"/>
+          </a:xfrm>
+          <a:prstGeom prst="rect">
+            <a:avLst/>
+          </a:prstGeom>
+        </p:spPr>
+        <p:txBody>
+          <a:bodyPr/>
+          <a:lstStyle>
+            <a:defPPr>
+              <a:defRPr lang="zh-CN"/>
+            </a:defPPr>
+            <a:lvl1pPr algn="l" rtl="0" fontAlgn="base">
+              <a:spcBef>
+                <a:spcPct val="0"/>
+              </a:spcBef>
+              <a:spcAft>
+                <a:spcPct val="0"/>
+              </a:spcAft>
+              <a:defRPr kern="1200">
+                <a:solidFill>
+                  <a:schemeClr val="tx1"/>
+                </a:solidFill>
+                <a:latin typeface="Arial" charset="0"/>
+                <a:ea typeface="宋体" pitchFamily="2" charset="-122"/>
+                <a:cs typeface="+mn-cs"/>
+              </a:defRPr>
+            </a:lvl1pPr>
+            <a:lvl2pPr marL="457200" algn="l" rtl="0" fontAlgn="base">
+              <a:spcBef>
+                <a:spcPct val="0"/>
+              </a:spcBef>
+              <a:spcAft>
+                <a:spcPct val="0"/>
+              </a:spcAft>
+              <a:defRPr kern="1200">
+                <a:solidFill>
+                  <a:schemeClr val="tx1"/>
+                </a:solidFill>
+                <a:latin typeface="Arial" charset="0"/>
+                <a:ea typeface="宋体" pitchFamily="2" charset="-122"/>
+                <a:cs typeface="+mn-cs"/>
+              </a:defRPr>
+            </a:lvl2pPr>
+            <a:lvl3pPr marL="914400" algn="l" rtl="0" fontAlgn="base">
+              <a:spcBef>
+                <a:spcPct val="0"/>
+              </a:spcBef>
+              <a:spcAft>
+                <a:spcPct val="0"/>
+              </a:spcAft>
+              <a:defRPr kern="1200">
+                <a:solidFill>
+                  <a:schemeClr val="tx1"/>
+                </a:solidFill>
+                <a:latin typeface="Arial" charset="0"/>
+                <a:ea typeface="宋体" pitchFamily="2" charset="-122"/>
+                <a:cs typeface="+mn-cs"/>
+              </a:defRPr>
+            </a:lvl3pPr>
+            <a:lvl4pPr marL="1371600" algn="l" rtl="0" fontAlgn="base">
+              <a:spcBef>
+                <a:spcPct val="0"/>
+              </a:spcBef>
+              <a:spcAft>
+                <a:spcPct val="0"/>
+              </a:spcAft>
+              <a:defRPr kern="1200">
+                <a:solidFill>
+                  <a:schemeClr val="tx1"/>
+                </a:solidFill>
+                <a:latin typeface="Arial" charset="0"/>
+                <a:ea typeface="宋体" pitchFamily="2" charset="-122"/>
+                <a:cs typeface="+mn-cs"/>
+              </a:defRPr>
+            </a:lvl4pPr>
+            <a:lvl5pPr marL="1828800" algn="l" rtl="0" fontAlgn="base">
+              <a:spcBef>
+                <a:spcPct val="0"/>
+              </a:spcBef>
+              <a:spcAft>
+                <a:spcPct val="0"/>
+              </a:spcAft>
+              <a:defRPr kern="1200">
+                <a:solidFill>
+                  <a:schemeClr val="tx1"/>
+                </a:solidFill>
+                <a:latin typeface="Arial" charset="0"/>
+                <a:ea typeface="宋体" pitchFamily="2" charset="-122"/>
+                <a:cs typeface="+mn-cs"/>
+              </a:defRPr>
+            </a:lvl5pPr>
+            <a:lvl6pPr marL="2286000" algn="l" defTabSz="914400" rtl="0" eaLnBrk="1" latinLnBrk="0" hangingPunct="1">
+              <a:defRPr kern="1200">
+                <a:solidFill>
+                  <a:schemeClr val="tx1"/>
+                </a:solidFill>
+                <a:latin typeface="Arial" charset="0"/>
+                <a:ea typeface="宋体" pitchFamily="2" charset="-122"/>
+                <a:cs typeface="+mn-cs"/>
+              </a:defRPr>
+            </a:lvl6pPr>
+            <a:lvl7pPr marL="2743200" algn="l" defTabSz="914400" rtl="0" eaLnBrk="1" latinLnBrk="0" hangingPunct="1">
+              <a:defRPr kern="1200">
+                <a:solidFill>
+                  <a:schemeClr val="tx1"/>
+                </a:solidFill>
+                <a:latin typeface="Arial" charset="0"/>
+                <a:ea typeface="宋体" pitchFamily="2" charset="-122"/>
+                <a:cs typeface="+mn-cs"/>
+              </a:defRPr>
+            </a:lvl7pPr>
+            <a:lvl8pPr marL="3200400" algn="l" defTabSz="914400" rtl="0" eaLnBrk="1" latinLnBrk="0" hangingPunct="1">
+              <a:defRPr kern="1200">
+                <a:solidFill>
+                  <a:schemeClr val="tx1"/>
+                </a:solidFill>
+                <a:latin typeface="Arial" charset="0"/>
+                <a:ea typeface="宋体" pitchFamily="2" charset="-122"/>
+                <a:cs typeface="+mn-cs"/>
+              </a:defRPr>
+            </a:lvl8pPr>
+            <a:lvl9pPr marL="3657600" algn="l" defTabSz="914400" rtl="0" eaLnBrk="1" latinLnBrk="0" hangingPunct="1">
+              <a:defRPr kern="1200">
+                <a:solidFill>
+                  <a:schemeClr val="tx1"/>
+                </a:solidFill>
+                <a:latin typeface="Arial" charset="0"/>
+                <a:ea typeface="宋体" pitchFamily="2" charset="-122"/>
+                <a:cs typeface="+mn-cs"/>
+              </a:defRPr>
+            </a:lvl9pPr>
+          </a:lstStyle>
+          <a:p>
+            <a:pPr algn="r">
+              <a:defRPr/>
+            </a:pPr>
+            <a:fld id="{D5EE1D1A-EEC2-4D53-94A7-85D62C853479}" type="slidenum">
+              <a:rPr lang="en-US" altLang="zh-CN" sz="1400" smtClean="0">
+                <a:latin typeface="Calibri" panose="020F0502020204030204" pitchFamily="34" charset="0"/>
+                <a:cs typeface="Calibri" panose="020F0502020204030204" pitchFamily="34" charset="0"/>
+              </a:rPr>
+              <a:pPr algn="r">
+                <a:defRPr/>
+              </a:pPr>
+              <a:t>22</a:t>
+            </a:fld>
+            <a:endParaRPr lang="en-US" altLang="zh-CN" sz="1400" dirty="0">
+              <a:latin typeface="Calibri" panose="020F0502020204030204" pitchFamily="34" charset="0"/>
+              <a:cs typeface="Calibri" panose="020F0502020204030204" pitchFamily="34" charset="0"/>
+            </a:endParaRPr>
+          </a:p>
+        </p:txBody>
+      </p:sp>
+      <p:cxnSp>
+        <p:nvCxnSpPr>
+          <p:cNvPr id="4" name="Straight Connector 3">
+            <a:extLst>
+              <a:ext uri="{FF2B5EF4-FFF2-40B4-BE49-F238E27FC236}">
+                <a16:creationId xmlns:a16="http://schemas.microsoft.com/office/drawing/2014/main" id="{0B9B10AD-8D48-D148-91E8-65E3279D89CE}"/>
+              </a:ext>
+            </a:extLst>
+          </p:cNvPr>
+          <p:cNvCxnSpPr>
+            <a:cxnSpLocks/>
+          </p:cNvCxnSpPr>
+          <p:nvPr/>
+        </p:nvCxnSpPr>
+        <p:spPr>
+          <a:xfrm>
+            <a:off x="4595191" y="742950"/>
+            <a:ext cx="0" cy="2862322"/>
+          </a:xfrm>
+          <a:prstGeom prst="line">
+            <a:avLst/>
+          </a:prstGeom>
+          <a:ln>
+            <a:solidFill>
+              <a:schemeClr val="tx2"/>
+            </a:solidFill>
+          </a:ln>
+        </p:spPr>
+        <p:style>
+          <a:lnRef idx="1">
+            <a:schemeClr val="accent1"/>
+          </a:lnRef>
+          <a:fillRef idx="0">
+            <a:schemeClr val="accent1"/>
+          </a:fillRef>
+          <a:effectRef idx="0">
+            <a:schemeClr val="accent1"/>
+          </a:effectRef>
+          <a:fontRef idx="minor">
+            <a:schemeClr val="tx1"/>
+          </a:fontRef>
+        </p:style>
+      </p:cxnSp>
+    </p:spTree>
+    <p:extLst>
+      <p:ext uri="{BB962C8B-B14F-4D97-AF65-F5344CB8AC3E}">
+        <p14:creationId xmlns:p14="http://schemas.microsoft.com/office/powerpoint/2010/main" val="3545382320"/>
+      </p:ext>
+    </p:extLst>
+  </p:cSld>
+  <p:clrMapOvr>
+    <a:masterClrMapping/>
+  </p:clrMapOvr>
+  <p:transition spd="med">
+    <p:fade/>
+  </p:transition>
+</p:sld>
+</file>
+
+<file path=ppt/slides/slide23.xml><?xml version="1.0" encoding="utf-8"?>
+<p:sld xmlns:a="http://schemas.openxmlformats.org/drawingml/2006/main" xmlns:r="http://schemas.openxmlformats.org/officeDocument/2006/relationships" xmlns:p="http://schemas.openxmlformats.org/presentationml/2006/main">
+  <p:cSld>
+    <p:spTree>
+      <p:nvGrpSpPr>
+        <p:cNvPr id="1" name=""/>
+        <p:cNvGrpSpPr/>
+        <p:nvPr/>
+      </p:nvGrpSpPr>
+      <p:grpSpPr>
+        <a:xfrm>
+          <a:off x="0" y="0"/>
+          <a:ext cx="0" cy="0"/>
+          <a:chOff x="0" y="0"/>
+          <a:chExt cx="0" cy="0"/>
+        </a:xfrm>
+      </p:grpSpPr>
+      <p:sp>
+        <p:nvSpPr>
+          <p:cNvPr id="3" name="Title 2"/>
+          <p:cNvSpPr>
+            <a:spLocks noGrp="1"/>
+          </p:cNvSpPr>
+          <p:nvPr>
+            <p:ph type="title"/>
+          </p:nvPr>
+        </p:nvSpPr>
+        <p:spPr>
+          <a:xfrm>
+            <a:off x="304800" y="-39330"/>
+            <a:ext cx="8505372" cy="706080"/>
+          </a:xfrm>
+        </p:spPr>
+        <p:txBody>
+          <a:bodyPr/>
+          <a:lstStyle/>
+          <a:p>
+            <a:pPr algn="l"/>
+            <a:r>
+              <a:rPr lang="en-US" sz="2200" dirty="0">
+                <a:solidFill>
+                  <a:srgbClr val="00B050"/>
+                </a:solidFill>
+                <a:latin typeface="Calibri Light" panose="020F0302020204030204" pitchFamily="34" charset="0"/>
+                <a:cs typeface="Calibri Light" panose="020F0302020204030204" pitchFamily="34" charset="0"/>
+              </a:rPr>
+              <a:t>Option 2: 24-Bit Session ID Field</a:t>
+            </a:r>
+          </a:p>
+        </p:txBody>
+      </p:sp>
+      <p:sp>
+        <p:nvSpPr>
+          <p:cNvPr id="5" name="Rectangle 4"/>
+          <p:cNvSpPr/>
+          <p:nvPr/>
+        </p:nvSpPr>
+        <p:spPr>
+          <a:xfrm>
+            <a:off x="180009" y="742950"/>
+            <a:ext cx="4391987" cy="2862322"/>
+          </a:xfrm>
+          <a:prstGeom prst="rect">
+            <a:avLst/>
+          </a:prstGeom>
+          <a:solidFill>
+            <a:schemeClr val="accent6">
+              <a:lumMod val="20000"/>
+              <a:lumOff val="80000"/>
+            </a:schemeClr>
+          </a:solidFill>
+        </p:spPr>
+        <p:txBody>
+          <a:bodyPr wrap="square">
+            <a:spAutoFit/>
+          </a:bodyPr>
+          <a:lstStyle/>
+          <a:p>
+            <a:pPr>
+              <a:spcAft>
+                <a:spcPts val="0"/>
+              </a:spcAft>
+            </a:pPr>
+            <a:r>
+              <a:rPr lang="en-US" sz="750" b="1" dirty="0">
+                <a:latin typeface="Courier" charset="0"/>
+                <a:ea typeface="Courier" charset="0"/>
+                <a:cs typeface="Courier" charset="0"/>
+              </a:rPr>
+              <a:t>       0                   1                   2                   3</a:t>
+            </a:r>
+          </a:p>
+          <a:p>
+            <a:pPr>
+              <a:spcAft>
+                <a:spcPts val="0"/>
+              </a:spcAft>
+            </a:pPr>
+            <a:r>
+              <a:rPr lang="en-US" sz="750" b="1" dirty="0">
+                <a:latin typeface="Courier" charset="0"/>
+                <a:ea typeface="Courier" charset="0"/>
+                <a:cs typeface="Courier" charset="0"/>
+              </a:rPr>
+              <a:t>       0 1 2 3 4 5 6 7 8 9 0 1 2 3 4 5 6 7 8 9 0 1 2 3 4 5 6 7 8 9 0 1</a:t>
+            </a:r>
+          </a:p>
+          <a:p>
+            <a:pPr>
+              <a:spcAft>
+                <a:spcPts val="0"/>
+              </a:spcAft>
+            </a:pPr>
+            <a:r>
+              <a:rPr lang="en-US" sz="750" b="1" dirty="0">
+                <a:latin typeface="Courier" charset="0"/>
+                <a:ea typeface="Courier" charset="0"/>
+                <a:cs typeface="Courier" charset="0"/>
+              </a:rPr>
+              <a:t>      +-+-+-+-+-+-+-+-+-+-+-+-+-+-+-+-+-+-+-+-+-+-+-+-+-+-+-+-+-+-+-+-+</a:t>
+            </a:r>
+          </a:p>
+          <a:p>
+            <a:pPr>
+              <a:spcAft>
+                <a:spcPts val="0"/>
+              </a:spcAft>
+            </a:pPr>
+            <a:r>
+              <a:rPr lang="en-US" sz="750" b="1" dirty="0">
+                <a:latin typeface="Courier" charset="0"/>
+                <a:ea typeface="Courier" charset="0"/>
+                <a:cs typeface="Courier" charset="0"/>
+              </a:rPr>
+              <a:t>      |                         Sequence Number                       |</a:t>
+            </a:r>
+          </a:p>
+          <a:p>
+            <a:pPr>
+              <a:spcAft>
+                <a:spcPts val="0"/>
+              </a:spcAft>
+            </a:pPr>
+            <a:r>
+              <a:rPr lang="en-US" sz="750" b="1" dirty="0">
+                <a:latin typeface="Courier" charset="0"/>
+                <a:ea typeface="Courier" charset="0"/>
+                <a:cs typeface="Courier" charset="0"/>
+              </a:rPr>
+              <a:t>      +-+-+-+-+-+-+-+-+-+-+-+-+-+-+-+-+-+-+-+-+-+-+-+-+-+-+-+-+-+-+-+-+</a:t>
+            </a:r>
+          </a:p>
+          <a:p>
+            <a:pPr>
+              <a:spcAft>
+                <a:spcPts val="0"/>
+              </a:spcAft>
+            </a:pPr>
+            <a:r>
+              <a:rPr lang="en-US" sz="750" b="1" dirty="0">
+                <a:latin typeface="Courier" charset="0"/>
+                <a:ea typeface="Courier" charset="0"/>
+                <a:cs typeface="Courier" charset="0"/>
+              </a:rPr>
+              <a:t>      |                         Timestamp                             |</a:t>
+            </a:r>
+          </a:p>
+          <a:p>
+            <a:pPr>
+              <a:spcAft>
+                <a:spcPts val="0"/>
+              </a:spcAft>
+            </a:pPr>
+            <a:r>
+              <a:rPr lang="en-US" sz="750" b="1" dirty="0">
+                <a:latin typeface="Courier" charset="0"/>
+                <a:ea typeface="Courier" charset="0"/>
+                <a:cs typeface="Courier" charset="0"/>
+              </a:rPr>
+              <a:t>      |                                                               |</a:t>
+            </a:r>
+          </a:p>
+          <a:p>
+            <a:pPr>
+              <a:spcAft>
+                <a:spcPts val="0"/>
+              </a:spcAft>
+            </a:pPr>
+            <a:r>
+              <a:rPr lang="en-US" sz="750" b="1" dirty="0">
+                <a:latin typeface="Courier" charset="0"/>
+                <a:ea typeface="Courier" charset="0"/>
+                <a:cs typeface="Courier" charset="0"/>
+              </a:rPr>
+              <a:t>      +-+-+-+-+-+-+-+-+-+-+-+-+-+-+-+-+-+-+-+-+-+-+-+-+-+-+-+-+-+-+-+-+</a:t>
+            </a:r>
+          </a:p>
+          <a:p>
+            <a:pPr>
+              <a:spcAft>
+                <a:spcPts val="0"/>
+              </a:spcAft>
+            </a:pPr>
+            <a:r>
+              <a:rPr lang="en-US" sz="750" b="1" dirty="0">
+                <a:latin typeface="Courier" charset="0"/>
+                <a:ea typeface="Courier" charset="0"/>
+                <a:cs typeface="Courier" charset="0"/>
+              </a:rPr>
+              <a:t>      |         Error Estimate        |   MBZ         | </a:t>
+            </a:r>
+            <a:r>
+              <a:rPr lang="en-US" sz="750" b="1" dirty="0">
+                <a:solidFill>
+                  <a:srgbClr val="0070C0"/>
+                </a:solidFill>
+                <a:latin typeface="Courier" charset="0"/>
+                <a:ea typeface="Courier" charset="0"/>
+                <a:cs typeface="Courier" charset="0"/>
+              </a:rPr>
+              <a:t>Control Code  </a:t>
+            </a:r>
+            <a:r>
+              <a:rPr lang="en-US" sz="750" b="1" dirty="0">
+                <a:latin typeface="Courier" charset="0"/>
+                <a:ea typeface="Courier" charset="0"/>
+                <a:cs typeface="Courier" charset="0"/>
+              </a:rPr>
+              <a:t>|</a:t>
+            </a:r>
+          </a:p>
+          <a:p>
+            <a:pPr>
+              <a:spcAft>
+                <a:spcPts val="0"/>
+              </a:spcAft>
+            </a:pPr>
+            <a:r>
+              <a:rPr lang="en-US" sz="750" b="1" dirty="0">
+                <a:latin typeface="Courier" charset="0"/>
+                <a:ea typeface="Courier" charset="0"/>
+                <a:cs typeface="Courier" charset="0"/>
+              </a:rPr>
+              <a:t>      +-+-+-+-+-+-+-+-+-+-+-+-+-+-+-+-+ +-+-+-+-+-+-+-+-+-+-+-+-+-+-+-+</a:t>
+            </a:r>
+          </a:p>
+          <a:p>
+            <a:pPr>
+              <a:spcAft>
+                <a:spcPts val="0"/>
+              </a:spcAft>
+            </a:pPr>
+            <a:r>
+              <a:rPr lang="en-US" sz="750" b="1" dirty="0">
+                <a:latin typeface="Courier" charset="0"/>
+                <a:ea typeface="Courier" charset="0"/>
+                <a:cs typeface="Courier" charset="0"/>
+              </a:rPr>
+              <a:t>      </a:t>
+            </a:r>
+            <a:r>
+              <a:rPr lang="en-US" sz="750" b="1" dirty="0">
+                <a:solidFill>
+                  <a:srgbClr val="0070C0"/>
+                </a:solidFill>
+                <a:latin typeface="Courier" charset="0"/>
+                <a:ea typeface="Courier" charset="0"/>
+                <a:cs typeface="Courier" charset="0"/>
+              </a:rPr>
+              <a:t>|         Session ID                            | MBZ           |</a:t>
+            </a:r>
+          </a:p>
+          <a:p>
+            <a:pPr>
+              <a:spcAft>
+                <a:spcPts val="0"/>
+              </a:spcAft>
+            </a:pPr>
+            <a:r>
+              <a:rPr lang="en-US" sz="750" b="1" dirty="0">
+                <a:latin typeface="Courier" charset="0"/>
+                <a:ea typeface="Courier" charset="0"/>
+                <a:cs typeface="Courier" charset="0"/>
+              </a:rPr>
+              <a:t>      +-+-+-+-+-+-+-+-+-+-+-+-+-+-+-+-+ +-+-+-+-+-+-+-+-+-+-+-+-+-+-+-+ </a:t>
+            </a:r>
+          </a:p>
+          <a:p>
+            <a:pPr>
+              <a:spcAft>
+                <a:spcPts val="0"/>
+              </a:spcAft>
+            </a:pPr>
+            <a:r>
+              <a:rPr lang="en-US" sz="750" b="1" dirty="0">
+                <a:latin typeface="Courier" charset="0"/>
+                <a:ea typeface="Courier" charset="0"/>
+                <a:cs typeface="Courier" charset="0"/>
+              </a:rPr>
+              <a:t>      |                         </a:t>
+            </a:r>
+            <a:r>
+              <a:rPr lang="en-US" sz="750" b="1" dirty="0">
+                <a:solidFill>
+                  <a:srgbClr val="0070C0"/>
+                </a:solidFill>
+                <a:latin typeface="Courier" charset="0"/>
+                <a:ea typeface="Courier" charset="0"/>
+                <a:cs typeface="Courier" charset="0"/>
+              </a:rPr>
+              <a:t>MBZ (24 octets)                       </a:t>
+            </a:r>
+            <a:r>
+              <a:rPr lang="en-US" sz="750" b="1" dirty="0">
+                <a:latin typeface="Courier" charset="0"/>
+                <a:ea typeface="Courier" charset="0"/>
+                <a:cs typeface="Courier" charset="0"/>
+              </a:rPr>
+              <a:t>|</a:t>
+            </a:r>
+          </a:p>
+          <a:p>
+            <a:pPr>
+              <a:spcAft>
+                <a:spcPts val="0"/>
+              </a:spcAft>
+            </a:pPr>
+            <a:r>
+              <a:rPr lang="en-US" sz="750" b="1" dirty="0">
+                <a:latin typeface="Courier" charset="0"/>
+                <a:ea typeface="Courier" charset="0"/>
+                <a:cs typeface="Courier" charset="0"/>
+              </a:rPr>
+              <a:t>      +                                                               +</a:t>
+            </a:r>
+          </a:p>
+          <a:p>
+            <a:pPr>
+              <a:spcAft>
+                <a:spcPts val="0"/>
+              </a:spcAft>
+            </a:pPr>
+            <a:r>
+              <a:rPr lang="en-US" sz="750" b="1" dirty="0">
+                <a:latin typeface="Courier" charset="0"/>
+                <a:ea typeface="Courier" charset="0"/>
+                <a:cs typeface="Courier" charset="0"/>
+              </a:rPr>
+              <a:t>      |                                                               |</a:t>
+            </a:r>
+          </a:p>
+          <a:p>
+            <a:pPr>
+              <a:spcAft>
+                <a:spcPts val="0"/>
+              </a:spcAft>
+            </a:pPr>
+            <a:r>
+              <a:rPr lang="en-US" sz="750" b="1" dirty="0">
+                <a:latin typeface="Courier" charset="0"/>
+                <a:ea typeface="Courier" charset="0"/>
+                <a:cs typeface="Courier" charset="0"/>
+              </a:rPr>
+              <a:t>      |                                                               |</a:t>
+            </a:r>
+          </a:p>
+          <a:p>
+            <a:pPr>
+              <a:spcAft>
+                <a:spcPts val="0"/>
+              </a:spcAft>
+            </a:pPr>
+            <a:r>
+              <a:rPr lang="en-US" sz="750" b="1" dirty="0">
+                <a:latin typeface="Courier" charset="0"/>
+                <a:ea typeface="Courier" charset="0"/>
+                <a:cs typeface="Courier" charset="0"/>
+              </a:rPr>
+              <a:t>      +                                                               +</a:t>
+            </a:r>
+          </a:p>
+          <a:p>
+            <a:pPr>
+              <a:spcAft>
+                <a:spcPts val="0"/>
+              </a:spcAft>
+            </a:pPr>
+            <a:r>
+              <a:rPr lang="en-US" sz="750" b="1" dirty="0">
+                <a:latin typeface="Courier" charset="0"/>
+                <a:ea typeface="Courier" charset="0"/>
+                <a:cs typeface="Courier" charset="0"/>
+              </a:rPr>
+              <a:t>      |                                                               |</a:t>
+            </a:r>
+          </a:p>
+          <a:p>
+            <a:pPr>
+              <a:spcAft>
+                <a:spcPts val="0"/>
+              </a:spcAft>
+            </a:pPr>
+            <a:r>
+              <a:rPr lang="en-US" sz="750" b="1" dirty="0">
+                <a:latin typeface="Courier" charset="0"/>
+                <a:ea typeface="Courier" charset="0"/>
+                <a:cs typeface="Courier" charset="0"/>
+              </a:rPr>
+              <a:t>      +                                                               +</a:t>
+            </a:r>
+          </a:p>
+          <a:p>
+            <a:pPr>
+              <a:spcAft>
+                <a:spcPts val="0"/>
+              </a:spcAft>
+            </a:pPr>
+            <a:r>
+              <a:rPr lang="en-US" sz="750" b="1" dirty="0">
+                <a:latin typeface="Courier" charset="0"/>
+                <a:ea typeface="Courier" charset="0"/>
+                <a:cs typeface="Courier" charset="0"/>
+              </a:rPr>
+              <a:t>      |                                                               |</a:t>
+            </a:r>
+          </a:p>
+          <a:p>
+            <a:pPr>
+              <a:spcAft>
+                <a:spcPts val="0"/>
+              </a:spcAft>
+            </a:pPr>
+            <a:r>
+              <a:rPr lang="en-US" sz="750" b="1" dirty="0">
+                <a:latin typeface="Courier" charset="0"/>
+                <a:ea typeface="Courier" charset="0"/>
+                <a:cs typeface="Courier" charset="0"/>
+              </a:rPr>
+              <a:t>      |                                                               |</a:t>
+            </a:r>
+          </a:p>
+          <a:p>
+            <a:pPr>
+              <a:spcAft>
+                <a:spcPts val="0"/>
+              </a:spcAft>
+            </a:pPr>
+            <a:r>
+              <a:rPr lang="en-US" sz="750" b="1" dirty="0">
+                <a:latin typeface="Courier" charset="0"/>
+                <a:ea typeface="Courier" charset="0"/>
+                <a:cs typeface="Courier" charset="0"/>
+              </a:rPr>
+              <a:t>      +-+-+-+-+-+-+-+-+-+-+-+-+-+-+-+-+-+-+-+-+-+-+-+-+-+-+-+-+-+-+-+-+</a:t>
+            </a:r>
+          </a:p>
+          <a:p>
+            <a:pPr>
+              <a:spcAft>
+                <a:spcPts val="0"/>
+              </a:spcAft>
+            </a:pPr>
+            <a:endParaRPr lang="en-US" sz="750" b="1" dirty="0">
+              <a:latin typeface="Courier" charset="0"/>
+              <a:ea typeface="Courier" charset="0"/>
+              <a:cs typeface="Courier" charset="0"/>
+            </a:endParaRPr>
+          </a:p>
+          <a:p>
+            <a:pPr>
+              <a:spcAft>
+                <a:spcPts val="0"/>
+              </a:spcAft>
+            </a:pPr>
+            <a:r>
+              <a:rPr lang="en-US" sz="750" b="1" dirty="0">
+                <a:latin typeface="Courier" charset="0"/>
+                <a:ea typeface="Courier" charset="0"/>
+                <a:cs typeface="Courier" charset="0"/>
+              </a:rPr>
+              <a:t>	    Figure: Sender Message Format</a:t>
+            </a:r>
+          </a:p>
+        </p:txBody>
+      </p:sp>
+      <p:sp>
+        <p:nvSpPr>
+          <p:cNvPr id="14" name="Rectangle 13">
+            <a:extLst>
+              <a:ext uri="{FF2B5EF4-FFF2-40B4-BE49-F238E27FC236}">
+                <a16:creationId xmlns:a16="http://schemas.microsoft.com/office/drawing/2014/main" id="{5F9D9D1B-92A3-C64D-87B1-9B0B9C9E3A13}"/>
+              </a:ext>
+            </a:extLst>
+          </p:cNvPr>
+          <p:cNvSpPr/>
+          <p:nvPr/>
+        </p:nvSpPr>
+        <p:spPr>
+          <a:xfrm>
+            <a:off x="4495800" y="742950"/>
+            <a:ext cx="4368799" cy="2862322"/>
+          </a:xfrm>
+          <a:prstGeom prst="rect">
+            <a:avLst/>
+          </a:prstGeom>
+          <a:solidFill>
+            <a:schemeClr val="accent6">
+              <a:lumMod val="20000"/>
+              <a:lumOff val="80000"/>
+            </a:schemeClr>
+          </a:solidFill>
+        </p:spPr>
+        <p:txBody>
+          <a:bodyPr wrap="square">
+            <a:spAutoFit/>
+          </a:bodyPr>
+          <a:lstStyle/>
+          <a:p>
+            <a:pPr>
+              <a:spcAft>
+                <a:spcPts val="0"/>
+              </a:spcAft>
+            </a:pPr>
+            <a:r>
+              <a:rPr lang="en-US" sz="750" b="1" dirty="0">
+                <a:latin typeface="Courier" charset="0"/>
+                <a:ea typeface="Courier" charset="0"/>
+                <a:cs typeface="Courier" charset="0"/>
+              </a:rPr>
+              <a:t>     0                   1                   2                   3</a:t>
+            </a:r>
+          </a:p>
+          <a:p>
+            <a:pPr>
+              <a:spcAft>
+                <a:spcPts val="0"/>
+              </a:spcAft>
+            </a:pPr>
+            <a:r>
+              <a:rPr lang="en-US" sz="750" b="1" dirty="0">
+                <a:latin typeface="Courier" charset="0"/>
+                <a:ea typeface="Courier" charset="0"/>
+                <a:cs typeface="Courier" charset="0"/>
+              </a:rPr>
+              <a:t>     0 1 2 3 4 5 6 7 8 9 0 1 2 3 4 5 6 7 8 9 0 1 2 3 4 5 6 7 8 9 0 1</a:t>
+            </a:r>
+          </a:p>
+          <a:p>
+            <a:pPr>
+              <a:spcAft>
+                <a:spcPts val="0"/>
+              </a:spcAft>
+            </a:pPr>
+            <a:r>
+              <a:rPr lang="en-US" sz="750" b="1" dirty="0">
+                <a:latin typeface="Courier" charset="0"/>
+                <a:ea typeface="Courier" charset="0"/>
+                <a:cs typeface="Courier" charset="0"/>
+              </a:rPr>
+              <a:t>    +-+-+-+-+-+-+-+-+-+-+-+-+-+-+-+-+-+-+-+-+-+-+-+-+-+-+-+-+-+-+-+-+</a:t>
+            </a:r>
+          </a:p>
+          <a:p>
+            <a:pPr>
+              <a:spcAft>
+                <a:spcPts val="0"/>
+              </a:spcAft>
+            </a:pPr>
+            <a:r>
+              <a:rPr lang="en-US" sz="750" b="1" dirty="0">
+                <a:latin typeface="Courier" charset="0"/>
+                <a:ea typeface="Courier" charset="0"/>
+                <a:cs typeface="Courier" charset="0"/>
+              </a:rPr>
+              <a:t>    |                        Sequence Number                        |</a:t>
+            </a:r>
+          </a:p>
+          <a:p>
+            <a:pPr>
+              <a:spcAft>
+                <a:spcPts val="0"/>
+              </a:spcAft>
+            </a:pPr>
+            <a:r>
+              <a:rPr lang="en-US" sz="750" b="1" dirty="0">
+                <a:latin typeface="Courier" charset="0"/>
+                <a:ea typeface="Courier" charset="0"/>
+                <a:cs typeface="Courier" charset="0"/>
+              </a:rPr>
+              <a:t>    +-+-+-+-+-+-+-+-+-+-+-+-+-+-+-+-+-+-+-+-+-+-+-+-+-+-+-+-+-+-+-+-+</a:t>
+            </a:r>
+          </a:p>
+          <a:p>
+            <a:pPr>
+              <a:spcAft>
+                <a:spcPts val="0"/>
+              </a:spcAft>
+            </a:pPr>
+            <a:r>
+              <a:rPr lang="en-US" sz="750" b="1" dirty="0">
+                <a:latin typeface="Courier" charset="0"/>
+                <a:ea typeface="Courier" charset="0"/>
+                <a:cs typeface="Courier" charset="0"/>
+              </a:rPr>
+              <a:t>    |                        Timestamp                              |</a:t>
+            </a:r>
+          </a:p>
+          <a:p>
+            <a:pPr>
+              <a:spcAft>
+                <a:spcPts val="0"/>
+              </a:spcAft>
+            </a:pPr>
+            <a:r>
+              <a:rPr lang="en-US" sz="750" b="1" dirty="0">
+                <a:latin typeface="Courier" charset="0"/>
+                <a:ea typeface="Courier" charset="0"/>
+                <a:cs typeface="Courier" charset="0"/>
+              </a:rPr>
+              <a:t>    |                                                               |</a:t>
+            </a:r>
+          </a:p>
+          <a:p>
+            <a:pPr>
+              <a:spcAft>
+                <a:spcPts val="0"/>
+              </a:spcAft>
+            </a:pPr>
+            <a:r>
+              <a:rPr lang="en-US" sz="750" b="1" dirty="0">
+                <a:latin typeface="Courier" charset="0"/>
+                <a:ea typeface="Courier" charset="0"/>
+                <a:cs typeface="Courier" charset="0"/>
+              </a:rPr>
+              <a:t>    +-+-+-+-+-+-+-+-+-+-+-+-+-+-+-+-+-+-+-+-+-+-+-+-+-+-+-+-+-+-+-+-+</a:t>
+            </a:r>
+          </a:p>
+          <a:p>
+            <a:pPr>
+              <a:spcAft>
+                <a:spcPts val="0"/>
+              </a:spcAft>
+            </a:pPr>
+            <a:r>
+              <a:rPr lang="en-US" sz="750" b="1" dirty="0">
+                <a:latin typeface="Courier" charset="0"/>
+                <a:ea typeface="Courier" charset="0"/>
+                <a:cs typeface="Courier" charset="0"/>
+              </a:rPr>
+              <a:t>    |         Error Estimate        |  MBZ          | </a:t>
+            </a:r>
+            <a:r>
+              <a:rPr lang="en-US" sz="750" b="1" dirty="0">
+                <a:solidFill>
+                  <a:srgbClr val="0070C0"/>
+                </a:solidFill>
+                <a:latin typeface="Courier" charset="0"/>
+                <a:ea typeface="Courier" charset="0"/>
+                <a:cs typeface="Courier" charset="0"/>
+              </a:rPr>
+              <a:t>Control Code  </a:t>
+            </a:r>
+            <a:r>
+              <a:rPr lang="en-US" sz="750" b="1" dirty="0">
+                <a:latin typeface="Courier" charset="0"/>
+                <a:ea typeface="Courier" charset="0"/>
+                <a:cs typeface="Courier" charset="0"/>
+              </a:rPr>
+              <a:t>|    </a:t>
+            </a:r>
+          </a:p>
+          <a:p>
+            <a:pPr>
+              <a:spcAft>
+                <a:spcPts val="0"/>
+              </a:spcAft>
+            </a:pPr>
+            <a:r>
+              <a:rPr lang="en-US" sz="750" b="1" dirty="0">
+                <a:latin typeface="Courier" charset="0"/>
+                <a:ea typeface="Courier" charset="0"/>
+                <a:cs typeface="Courier" charset="0"/>
+              </a:rPr>
+              <a:t>    +-+-+-+-+-+-+-+-+-+-+-+-+-+-+-+-+-+-+-+-+-+-+-+-+-+-+-+-+-+-+-+-+</a:t>
+            </a:r>
+          </a:p>
+          <a:p>
+            <a:pPr>
+              <a:spcAft>
+                <a:spcPts val="0"/>
+              </a:spcAft>
+            </a:pPr>
+            <a:r>
+              <a:rPr lang="en-US" sz="750" b="1" dirty="0">
+                <a:latin typeface="Courier" charset="0"/>
+                <a:ea typeface="Courier" charset="0"/>
+                <a:cs typeface="Courier" charset="0"/>
+              </a:rPr>
+              <a:t>    |                          Receive Timestamp                    |</a:t>
+            </a:r>
+          </a:p>
+          <a:p>
+            <a:pPr>
+              <a:spcAft>
+                <a:spcPts val="0"/>
+              </a:spcAft>
+            </a:pPr>
+            <a:r>
+              <a:rPr lang="en-US" sz="750" b="1" dirty="0">
+                <a:latin typeface="Courier" charset="0"/>
+                <a:ea typeface="Courier" charset="0"/>
+                <a:cs typeface="Courier" charset="0"/>
+              </a:rPr>
+              <a:t>    |                                                               |</a:t>
+            </a:r>
+          </a:p>
+          <a:p>
+            <a:pPr>
+              <a:spcAft>
+                <a:spcPts val="0"/>
+              </a:spcAft>
+            </a:pPr>
+            <a:r>
+              <a:rPr lang="en-US" sz="750" b="1" dirty="0">
+                <a:latin typeface="Courier" charset="0"/>
+                <a:ea typeface="Courier" charset="0"/>
+                <a:cs typeface="Courier" charset="0"/>
+              </a:rPr>
+              <a:t>    +-+-+-+-+-+-+-+-+-+-+-+-+-+-+-+-+-+-+-+-+-+-+-+-+-+-+-+-+-+-+-+-+</a:t>
+            </a:r>
+          </a:p>
+          <a:p>
+            <a:pPr>
+              <a:spcAft>
+                <a:spcPts val="0"/>
+              </a:spcAft>
+            </a:pPr>
+            <a:r>
+              <a:rPr lang="en-US" sz="750" b="1" dirty="0">
+                <a:latin typeface="Courier" charset="0"/>
+                <a:ea typeface="Courier" charset="0"/>
+                <a:cs typeface="Courier" charset="0"/>
+              </a:rPr>
+              <a:t>    |       Sequence Number                                         |  </a:t>
+            </a:r>
+          </a:p>
+          <a:p>
+            <a:pPr>
+              <a:spcAft>
+                <a:spcPts val="0"/>
+              </a:spcAft>
+            </a:pPr>
+            <a:r>
+              <a:rPr lang="en-US" sz="750" b="1" dirty="0">
+                <a:latin typeface="Courier" charset="0"/>
+                <a:ea typeface="Courier" charset="0"/>
+                <a:cs typeface="Courier" charset="0"/>
+              </a:rPr>
+              <a:t>    +-+-+-+-+-+-+-+-+-+-+-+-+-+-+-+-+-+-+-+-+-+-+-+-+-+-+-+-+-+-+-+-+</a:t>
+            </a:r>
+          </a:p>
+          <a:p>
+            <a:pPr>
+              <a:spcAft>
+                <a:spcPts val="0"/>
+              </a:spcAft>
+            </a:pPr>
+            <a:r>
+              <a:rPr lang="en-US" sz="750" b="1" dirty="0">
+                <a:latin typeface="Courier" charset="0"/>
+                <a:ea typeface="Courier" charset="0"/>
+                <a:cs typeface="Courier" charset="0"/>
+              </a:rPr>
+              <a:t>    |                  Session-Sender Timestamp                     |</a:t>
+            </a:r>
+          </a:p>
+          <a:p>
+            <a:pPr>
+              <a:spcAft>
+                <a:spcPts val="0"/>
+              </a:spcAft>
+            </a:pPr>
+            <a:r>
+              <a:rPr lang="en-US" sz="750" b="1" dirty="0">
+                <a:latin typeface="Courier" charset="0"/>
+                <a:ea typeface="Courier" charset="0"/>
+                <a:cs typeface="Courier" charset="0"/>
+              </a:rPr>
+              <a:t>    |                                                               |</a:t>
+            </a:r>
+          </a:p>
+          <a:p>
+            <a:pPr>
+              <a:spcAft>
+                <a:spcPts val="0"/>
+              </a:spcAft>
+            </a:pPr>
+            <a:r>
+              <a:rPr lang="en-US" sz="750" b="1" dirty="0">
+                <a:latin typeface="Courier" charset="0"/>
+                <a:ea typeface="Courier" charset="0"/>
+                <a:cs typeface="Courier" charset="0"/>
+              </a:rPr>
+              <a:t>    +-+-+-+-+-+-+-+-+-+-+-+-+-+-+-+-+-+-+-+-+-+-+-+-+-+-+-+-+-+-+-+-+</a:t>
+            </a:r>
+          </a:p>
+          <a:p>
+            <a:pPr>
+              <a:spcAft>
+                <a:spcPts val="0"/>
+              </a:spcAft>
+            </a:pPr>
+            <a:r>
+              <a:rPr lang="en-US" sz="750" b="1" dirty="0">
+                <a:latin typeface="Courier" charset="0"/>
+                <a:ea typeface="Courier" charset="0"/>
+                <a:cs typeface="Courier" charset="0"/>
+              </a:rPr>
+              <a:t>    | Session-Sender Error Estimate |           MBZ                 |</a:t>
+            </a:r>
+          </a:p>
+          <a:p>
+            <a:pPr>
+              <a:spcAft>
+                <a:spcPts val="0"/>
+              </a:spcAft>
+            </a:pPr>
+            <a:r>
+              <a:rPr lang="en-US" sz="750" b="1" dirty="0">
+                <a:latin typeface="Courier" charset="0"/>
+                <a:ea typeface="Courier" charset="0"/>
+                <a:cs typeface="Courier" charset="0"/>
+              </a:rPr>
+              <a:t>    +-+-+-+-+-+-+-+-+-+-+-+-+-+-+-+-+-+-+-+-+-+-+-+-+-+-+-+-+-+-+-+-+</a:t>
+            </a:r>
+          </a:p>
+          <a:p>
+            <a:pPr>
+              <a:spcAft>
+                <a:spcPts val="0"/>
+              </a:spcAft>
+            </a:pPr>
+            <a:r>
+              <a:rPr lang="en-US" sz="750" b="1" dirty="0">
+                <a:latin typeface="Courier" charset="0"/>
+                <a:ea typeface="Courier" charset="0"/>
+                <a:cs typeface="Courier" charset="0"/>
+              </a:rPr>
+              <a:t>    |</a:t>
+            </a:r>
+            <a:r>
+              <a:rPr lang="en-US" sz="750" b="1" dirty="0" err="1">
+                <a:latin typeface="Courier" charset="0"/>
+                <a:ea typeface="Courier" charset="0"/>
+                <a:cs typeface="Courier" charset="0"/>
+              </a:rPr>
+              <a:t>Ses</a:t>
+            </a:r>
+            <a:r>
+              <a:rPr lang="en-US" sz="750" b="1" dirty="0">
+                <a:latin typeface="Courier" charset="0"/>
+                <a:ea typeface="Courier" charset="0"/>
+                <a:cs typeface="Courier" charset="0"/>
+              </a:rPr>
+              <a:t>-Sender TTL |       </a:t>
+            </a:r>
+            <a:r>
+              <a:rPr lang="en-US" sz="750" b="1" dirty="0">
+                <a:solidFill>
+                  <a:srgbClr val="0070C0"/>
+                </a:solidFill>
+                <a:latin typeface="Courier" charset="0"/>
+                <a:ea typeface="Courier" charset="0"/>
+                <a:cs typeface="Courier" charset="0"/>
+              </a:rPr>
+              <a:t>Sender Session ID                       </a:t>
+            </a:r>
+            <a:r>
+              <a:rPr lang="en-US" sz="750" b="1" dirty="0">
+                <a:latin typeface="Courier" charset="0"/>
+                <a:ea typeface="Courier" charset="0"/>
+                <a:cs typeface="Courier" charset="0"/>
+              </a:rPr>
+              <a:t>|</a:t>
+            </a:r>
+          </a:p>
+          <a:p>
+            <a:pPr>
+              <a:spcAft>
+                <a:spcPts val="0"/>
+              </a:spcAft>
+            </a:pPr>
+            <a:r>
+              <a:rPr lang="en-US" sz="750" b="1" dirty="0">
+                <a:latin typeface="Courier" charset="0"/>
+                <a:ea typeface="Courier" charset="0"/>
+                <a:cs typeface="Courier" charset="0"/>
+              </a:rPr>
+              <a:t>    +-+-+-+-+-+-+-+-+-+-+-+-+-+-+-+-+-+-+-+-+-+-+-+-+-+-+-+-+-+-+-+-+</a:t>
+            </a:r>
+          </a:p>
+          <a:p>
+            <a:pPr>
+              <a:spcAft>
+                <a:spcPts val="0"/>
+              </a:spcAft>
+            </a:pPr>
+            <a:r>
+              <a:rPr lang="en-US" sz="750" b="1" dirty="0">
+                <a:solidFill>
+                  <a:srgbClr val="0070C0"/>
+                </a:solidFill>
+                <a:latin typeface="Courier" charset="0"/>
+                <a:ea typeface="Courier" charset="0"/>
+                <a:cs typeface="Courier" charset="0"/>
+              </a:rPr>
+              <a:t>	    </a:t>
+            </a:r>
+          </a:p>
+          <a:p>
+            <a:pPr>
+              <a:spcAft>
+                <a:spcPts val="0"/>
+              </a:spcAft>
+            </a:pPr>
+            <a:r>
+              <a:rPr lang="en-US" sz="750" b="1" dirty="0">
+                <a:latin typeface="Courier" charset="0"/>
+                <a:ea typeface="Courier" charset="0"/>
+                <a:cs typeface="Courier" charset="0"/>
+              </a:rPr>
+              <a:t>                        Figure: Reflector Message Format</a:t>
+            </a:r>
+          </a:p>
+        </p:txBody>
+      </p:sp>
+      <p:sp>
+        <p:nvSpPr>
+          <p:cNvPr id="6" name="Footer Placeholder 3">
+            <a:extLst>
+              <a:ext uri="{FF2B5EF4-FFF2-40B4-BE49-F238E27FC236}">
+                <a16:creationId xmlns:a16="http://schemas.microsoft.com/office/drawing/2014/main" id="{DAAC01B7-F9FF-A94D-AC6F-E2071AD95C28}"/>
+              </a:ext>
+            </a:extLst>
+          </p:cNvPr>
+          <p:cNvSpPr txBox="1">
+            <a:spLocks/>
+          </p:cNvSpPr>
+          <p:nvPr/>
+        </p:nvSpPr>
+        <p:spPr>
+          <a:xfrm>
+            <a:off x="3467100" y="4844952"/>
+            <a:ext cx="2209800" cy="357188"/>
+          </a:xfrm>
+          <a:prstGeom prst="rect">
+            <a:avLst/>
+          </a:prstGeom>
+        </p:spPr>
+        <p:txBody>
+          <a:bodyPr/>
+          <a:lstStyle>
+            <a:defPPr>
+              <a:defRPr lang="zh-CN"/>
+            </a:defPPr>
+            <a:lvl1pPr algn="l" rtl="0" fontAlgn="base">
+              <a:spcBef>
+                <a:spcPct val="0"/>
+              </a:spcBef>
+              <a:spcAft>
+                <a:spcPct val="0"/>
+              </a:spcAft>
+              <a:defRPr kern="1200">
+                <a:solidFill>
+                  <a:schemeClr val="tx1"/>
+                </a:solidFill>
+                <a:latin typeface="Arial" charset="0"/>
+                <a:ea typeface="宋体" pitchFamily="2" charset="-122"/>
+                <a:cs typeface="+mn-cs"/>
+              </a:defRPr>
+            </a:lvl1pPr>
+            <a:lvl2pPr marL="457200" algn="l" rtl="0" fontAlgn="base">
+              <a:spcBef>
+                <a:spcPct val="0"/>
+              </a:spcBef>
+              <a:spcAft>
+                <a:spcPct val="0"/>
+              </a:spcAft>
+              <a:defRPr kern="1200">
+                <a:solidFill>
+                  <a:schemeClr val="tx1"/>
+                </a:solidFill>
+                <a:latin typeface="Arial" charset="0"/>
+                <a:ea typeface="宋体" pitchFamily="2" charset="-122"/>
+                <a:cs typeface="+mn-cs"/>
+              </a:defRPr>
+            </a:lvl2pPr>
+            <a:lvl3pPr marL="914400" algn="l" rtl="0" fontAlgn="base">
+              <a:spcBef>
+                <a:spcPct val="0"/>
+              </a:spcBef>
+              <a:spcAft>
+                <a:spcPct val="0"/>
+              </a:spcAft>
+              <a:defRPr kern="1200">
+                <a:solidFill>
+                  <a:schemeClr val="tx1"/>
+                </a:solidFill>
+                <a:latin typeface="Arial" charset="0"/>
+                <a:ea typeface="宋体" pitchFamily="2" charset="-122"/>
+                <a:cs typeface="+mn-cs"/>
+              </a:defRPr>
+            </a:lvl3pPr>
+            <a:lvl4pPr marL="1371600" algn="l" rtl="0" fontAlgn="base">
+              <a:spcBef>
+                <a:spcPct val="0"/>
+              </a:spcBef>
+              <a:spcAft>
+                <a:spcPct val="0"/>
+              </a:spcAft>
+              <a:defRPr kern="1200">
+                <a:solidFill>
+                  <a:schemeClr val="tx1"/>
+                </a:solidFill>
+                <a:latin typeface="Arial" charset="0"/>
+                <a:ea typeface="宋体" pitchFamily="2" charset="-122"/>
+                <a:cs typeface="+mn-cs"/>
+              </a:defRPr>
+            </a:lvl4pPr>
+            <a:lvl5pPr marL="1828800" algn="l" rtl="0" fontAlgn="base">
+              <a:spcBef>
+                <a:spcPct val="0"/>
+              </a:spcBef>
+              <a:spcAft>
+                <a:spcPct val="0"/>
+              </a:spcAft>
+              <a:defRPr kern="1200">
+                <a:solidFill>
+                  <a:schemeClr val="tx1"/>
+                </a:solidFill>
+                <a:latin typeface="Arial" charset="0"/>
+                <a:ea typeface="宋体" pitchFamily="2" charset="-122"/>
+                <a:cs typeface="+mn-cs"/>
+              </a:defRPr>
+            </a:lvl5pPr>
+            <a:lvl6pPr marL="2286000" algn="l" defTabSz="914400" rtl="0" eaLnBrk="1" latinLnBrk="0" hangingPunct="1">
+              <a:defRPr kern="1200">
+                <a:solidFill>
+                  <a:schemeClr val="tx1"/>
+                </a:solidFill>
+                <a:latin typeface="Arial" charset="0"/>
+                <a:ea typeface="宋体" pitchFamily="2" charset="-122"/>
+                <a:cs typeface="+mn-cs"/>
+              </a:defRPr>
+            </a:lvl6pPr>
+            <a:lvl7pPr marL="2743200" algn="l" defTabSz="914400" rtl="0" eaLnBrk="1" latinLnBrk="0" hangingPunct="1">
+              <a:defRPr kern="1200">
+                <a:solidFill>
+                  <a:schemeClr val="tx1"/>
+                </a:solidFill>
+                <a:latin typeface="Arial" charset="0"/>
+                <a:ea typeface="宋体" pitchFamily="2" charset="-122"/>
+                <a:cs typeface="+mn-cs"/>
+              </a:defRPr>
+            </a:lvl7pPr>
+            <a:lvl8pPr marL="3200400" algn="l" defTabSz="914400" rtl="0" eaLnBrk="1" latinLnBrk="0" hangingPunct="1">
+              <a:defRPr kern="1200">
+                <a:solidFill>
+                  <a:schemeClr val="tx1"/>
+                </a:solidFill>
+                <a:latin typeface="Arial" charset="0"/>
+                <a:ea typeface="宋体" pitchFamily="2" charset="-122"/>
+                <a:cs typeface="+mn-cs"/>
+              </a:defRPr>
+            </a:lvl8pPr>
+            <a:lvl9pPr marL="3657600" algn="l" defTabSz="914400" rtl="0" eaLnBrk="1" latinLnBrk="0" hangingPunct="1">
+              <a:defRPr kern="1200">
+                <a:solidFill>
+                  <a:schemeClr val="tx1"/>
+                </a:solidFill>
+                <a:latin typeface="Arial" charset="0"/>
+                <a:ea typeface="宋体" pitchFamily="2" charset="-122"/>
+                <a:cs typeface="+mn-cs"/>
+              </a:defRPr>
+            </a:lvl9pPr>
+          </a:lstStyle>
+          <a:p>
+            <a:pPr>
+              <a:defRPr/>
+            </a:pPr>
+            <a:r>
+              <a:rPr lang="en-US" altLang="zh-CN" sz="1200" dirty="0"/>
+              <a:t>107</a:t>
+            </a:r>
+            <a:r>
+              <a:rPr lang="en-US" altLang="zh-CN" sz="1200" baseline="30000" dirty="0"/>
+              <a:t>th</a:t>
+            </a:r>
+            <a:r>
+              <a:rPr lang="en-US" altLang="zh-CN" sz="1200" dirty="0"/>
+              <a:t> IETF @ Vancouver</a:t>
+            </a:r>
+          </a:p>
+        </p:txBody>
+      </p:sp>
+      <p:sp>
+        <p:nvSpPr>
+          <p:cNvPr id="7" name="Slide Number Placeholder 2">
+            <a:extLst>
+              <a:ext uri="{FF2B5EF4-FFF2-40B4-BE49-F238E27FC236}">
+                <a16:creationId xmlns:a16="http://schemas.microsoft.com/office/drawing/2014/main" id="{8D46899F-25E7-8042-9E81-459B5F041477}"/>
+              </a:ext>
+            </a:extLst>
+          </p:cNvPr>
+          <p:cNvSpPr txBox="1">
+            <a:spLocks/>
+          </p:cNvSpPr>
+          <p:nvPr/>
+        </p:nvSpPr>
+        <p:spPr>
+          <a:xfrm>
+            <a:off x="7585136" y="4666358"/>
+            <a:ext cx="1143000" cy="357188"/>
+          </a:xfrm>
+          <a:prstGeom prst="rect">
+            <a:avLst/>
+          </a:prstGeom>
+        </p:spPr>
+        <p:txBody>
+          <a:bodyPr/>
+          <a:lstStyle>
+            <a:defPPr>
+              <a:defRPr lang="zh-CN"/>
+            </a:defPPr>
+            <a:lvl1pPr algn="l" rtl="0" fontAlgn="base">
+              <a:spcBef>
+                <a:spcPct val="0"/>
+              </a:spcBef>
+              <a:spcAft>
+                <a:spcPct val="0"/>
+              </a:spcAft>
+              <a:defRPr kern="1200">
+                <a:solidFill>
+                  <a:schemeClr val="tx1"/>
+                </a:solidFill>
+                <a:latin typeface="Arial" charset="0"/>
+                <a:ea typeface="宋体" pitchFamily="2" charset="-122"/>
+                <a:cs typeface="+mn-cs"/>
+              </a:defRPr>
+            </a:lvl1pPr>
+            <a:lvl2pPr marL="457200" algn="l" rtl="0" fontAlgn="base">
+              <a:spcBef>
+                <a:spcPct val="0"/>
+              </a:spcBef>
+              <a:spcAft>
+                <a:spcPct val="0"/>
+              </a:spcAft>
+              <a:defRPr kern="1200">
+                <a:solidFill>
+                  <a:schemeClr val="tx1"/>
+                </a:solidFill>
+                <a:latin typeface="Arial" charset="0"/>
+                <a:ea typeface="宋体" pitchFamily="2" charset="-122"/>
+                <a:cs typeface="+mn-cs"/>
+              </a:defRPr>
+            </a:lvl2pPr>
+            <a:lvl3pPr marL="914400" algn="l" rtl="0" fontAlgn="base">
+              <a:spcBef>
+                <a:spcPct val="0"/>
+              </a:spcBef>
+              <a:spcAft>
+                <a:spcPct val="0"/>
+              </a:spcAft>
+              <a:defRPr kern="1200">
+                <a:solidFill>
+                  <a:schemeClr val="tx1"/>
+                </a:solidFill>
+                <a:latin typeface="Arial" charset="0"/>
+                <a:ea typeface="宋体" pitchFamily="2" charset="-122"/>
+                <a:cs typeface="+mn-cs"/>
+              </a:defRPr>
+            </a:lvl3pPr>
+            <a:lvl4pPr marL="1371600" algn="l" rtl="0" fontAlgn="base">
+              <a:spcBef>
+                <a:spcPct val="0"/>
+              </a:spcBef>
+              <a:spcAft>
+                <a:spcPct val="0"/>
+              </a:spcAft>
+              <a:defRPr kern="1200">
+                <a:solidFill>
+                  <a:schemeClr val="tx1"/>
+                </a:solidFill>
+                <a:latin typeface="Arial" charset="0"/>
+                <a:ea typeface="宋体" pitchFamily="2" charset="-122"/>
+                <a:cs typeface="+mn-cs"/>
+              </a:defRPr>
+            </a:lvl4pPr>
+            <a:lvl5pPr marL="1828800" algn="l" rtl="0" fontAlgn="base">
+              <a:spcBef>
+                <a:spcPct val="0"/>
+              </a:spcBef>
+              <a:spcAft>
+                <a:spcPct val="0"/>
+              </a:spcAft>
+              <a:defRPr kern="1200">
+                <a:solidFill>
+                  <a:schemeClr val="tx1"/>
+                </a:solidFill>
+                <a:latin typeface="Arial" charset="0"/>
+                <a:ea typeface="宋体" pitchFamily="2" charset="-122"/>
+                <a:cs typeface="+mn-cs"/>
+              </a:defRPr>
+            </a:lvl5pPr>
+            <a:lvl6pPr marL="2286000" algn="l" defTabSz="914400" rtl="0" eaLnBrk="1" latinLnBrk="0" hangingPunct="1">
+              <a:defRPr kern="1200">
+                <a:solidFill>
+                  <a:schemeClr val="tx1"/>
+                </a:solidFill>
+                <a:latin typeface="Arial" charset="0"/>
+                <a:ea typeface="宋体" pitchFamily="2" charset="-122"/>
+                <a:cs typeface="+mn-cs"/>
+              </a:defRPr>
+            </a:lvl6pPr>
+            <a:lvl7pPr marL="2743200" algn="l" defTabSz="914400" rtl="0" eaLnBrk="1" latinLnBrk="0" hangingPunct="1">
+              <a:defRPr kern="1200">
+                <a:solidFill>
+                  <a:schemeClr val="tx1"/>
+                </a:solidFill>
+                <a:latin typeface="Arial" charset="0"/>
+                <a:ea typeface="宋体" pitchFamily="2" charset="-122"/>
+                <a:cs typeface="+mn-cs"/>
+              </a:defRPr>
+            </a:lvl7pPr>
+            <a:lvl8pPr marL="3200400" algn="l" defTabSz="914400" rtl="0" eaLnBrk="1" latinLnBrk="0" hangingPunct="1">
+              <a:defRPr kern="1200">
+                <a:solidFill>
+                  <a:schemeClr val="tx1"/>
+                </a:solidFill>
+                <a:latin typeface="Arial" charset="0"/>
+                <a:ea typeface="宋体" pitchFamily="2" charset="-122"/>
+                <a:cs typeface="+mn-cs"/>
+              </a:defRPr>
+            </a:lvl8pPr>
+            <a:lvl9pPr marL="3657600" algn="l" defTabSz="914400" rtl="0" eaLnBrk="1" latinLnBrk="0" hangingPunct="1">
+              <a:defRPr kern="1200">
+                <a:solidFill>
+                  <a:schemeClr val="tx1"/>
+                </a:solidFill>
+                <a:latin typeface="Arial" charset="0"/>
+                <a:ea typeface="宋体" pitchFamily="2" charset="-122"/>
+                <a:cs typeface="+mn-cs"/>
+              </a:defRPr>
+            </a:lvl9pPr>
+          </a:lstStyle>
+          <a:p>
+            <a:pPr algn="r">
+              <a:defRPr/>
+            </a:pPr>
+            <a:fld id="{D5EE1D1A-EEC2-4D53-94A7-85D62C853479}" type="slidenum">
+              <a:rPr lang="en-US" altLang="zh-CN" sz="1400" smtClean="0">
+                <a:latin typeface="Calibri" panose="020F0502020204030204" pitchFamily="34" charset="0"/>
+                <a:cs typeface="Calibri" panose="020F0502020204030204" pitchFamily="34" charset="0"/>
+              </a:rPr>
+              <a:pPr algn="r">
+                <a:defRPr/>
+              </a:pPr>
+              <a:t>23</a:t>
+            </a:fld>
+            <a:endParaRPr lang="en-US" altLang="zh-CN" sz="1400" dirty="0">
+              <a:latin typeface="Calibri" panose="020F0502020204030204" pitchFamily="34" charset="0"/>
+              <a:cs typeface="Calibri" panose="020F0502020204030204" pitchFamily="34" charset="0"/>
+            </a:endParaRPr>
+          </a:p>
+        </p:txBody>
+      </p:sp>
+      <p:cxnSp>
+        <p:nvCxnSpPr>
+          <p:cNvPr id="4" name="Straight Connector 3">
+            <a:extLst>
+              <a:ext uri="{FF2B5EF4-FFF2-40B4-BE49-F238E27FC236}">
+                <a16:creationId xmlns:a16="http://schemas.microsoft.com/office/drawing/2014/main" id="{0B9B10AD-8D48-D148-91E8-65E3279D89CE}"/>
+              </a:ext>
+            </a:extLst>
+          </p:cNvPr>
+          <p:cNvCxnSpPr>
+            <a:cxnSpLocks/>
+          </p:cNvCxnSpPr>
+          <p:nvPr/>
+        </p:nvCxnSpPr>
+        <p:spPr>
+          <a:xfrm>
+            <a:off x="4595191" y="742950"/>
+            <a:ext cx="0" cy="2862322"/>
+          </a:xfrm>
+          <a:prstGeom prst="line">
+            <a:avLst/>
+          </a:prstGeom>
+          <a:ln>
+            <a:solidFill>
+              <a:schemeClr val="tx2"/>
+            </a:solidFill>
+          </a:ln>
+        </p:spPr>
+        <p:style>
+          <a:lnRef idx="1">
+            <a:schemeClr val="accent1"/>
+          </a:lnRef>
+          <a:fillRef idx="0">
+            <a:schemeClr val="accent1"/>
+          </a:fillRef>
+          <a:effectRef idx="0">
+            <a:schemeClr val="accent1"/>
+          </a:effectRef>
+          <a:fontRef idx="minor">
+            <a:schemeClr val="tx1"/>
+          </a:fontRef>
+        </p:style>
+      </p:cxnSp>
+    </p:spTree>
+    <p:extLst>
+      <p:ext uri="{BB962C8B-B14F-4D97-AF65-F5344CB8AC3E}">
+        <p14:creationId xmlns:p14="http://schemas.microsoft.com/office/powerpoint/2010/main" val="3209786478"/>
+      </p:ext>
+    </p:extLst>
+  </p:cSld>
+  <p:clrMapOvr>
+    <a:masterClrMapping/>
+  </p:clrMapOvr>
+  <p:transition spd="med">
+    <p:fade/>
+  </p:transition>
+</p:sld>
+</file>
+
+<file path=ppt/slides/slide24.xml><?xml version="1.0" encoding="utf-8"?>
+<p:sld xmlns:a="http://schemas.openxmlformats.org/drawingml/2006/main" xmlns:r="http://schemas.openxmlformats.org/officeDocument/2006/relationships" xmlns:p="http://schemas.openxmlformats.org/presentationml/2006/main">
+  <p:cSld>
+    <p:spTree>
+      <p:nvGrpSpPr>
+        <p:cNvPr id="1" name=""/>
+        <p:cNvGrpSpPr/>
+        <p:nvPr/>
+      </p:nvGrpSpPr>
+      <p:grpSpPr>
+        <a:xfrm>
+          <a:off x="0" y="0"/>
+          <a:ext cx="0" cy="0"/>
+          <a:chOff x="0" y="0"/>
+          <a:chExt cx="0" cy="0"/>
+        </a:xfrm>
+      </p:grpSpPr>
+      <p:sp>
+        <p:nvSpPr>
+          <p:cNvPr id="3" name="Title 2"/>
+          <p:cNvSpPr>
+            <a:spLocks noGrp="1"/>
+          </p:cNvSpPr>
+          <p:nvPr>
+            <p:ph type="title"/>
+          </p:nvPr>
+        </p:nvSpPr>
+        <p:spPr>
+          <a:xfrm>
+            <a:off x="304800" y="-39330"/>
+            <a:ext cx="8505372" cy="706080"/>
+          </a:xfrm>
+        </p:spPr>
+        <p:txBody>
+          <a:bodyPr/>
+          <a:lstStyle/>
+          <a:p>
+            <a:pPr algn="l"/>
+            <a:r>
+              <a:rPr lang="en-US" sz="2200" dirty="0">
+                <a:solidFill>
+                  <a:srgbClr val="0070C0"/>
+                </a:solidFill>
+                <a:latin typeface="Calibri Light" panose="020F0302020204030204" pitchFamily="34" charset="0"/>
+                <a:cs typeface="Calibri Light" panose="020F0302020204030204" pitchFamily="34" charset="0"/>
+              </a:rPr>
+              <a:t>Option 3: 32-bit Session ID in TLV</a:t>
+            </a:r>
+          </a:p>
+        </p:txBody>
+      </p:sp>
+      <p:sp>
+        <p:nvSpPr>
+          <p:cNvPr id="5" name="Rectangle 4"/>
+          <p:cNvSpPr/>
+          <p:nvPr/>
+        </p:nvSpPr>
+        <p:spPr>
+          <a:xfrm>
+            <a:off x="228614" y="742950"/>
+            <a:ext cx="4320175" cy="3323987"/>
+          </a:xfrm>
+          <a:prstGeom prst="rect">
+            <a:avLst/>
+          </a:prstGeom>
+          <a:solidFill>
+            <a:schemeClr val="accent6">
+              <a:lumMod val="20000"/>
+              <a:lumOff val="80000"/>
+            </a:schemeClr>
+          </a:solidFill>
+        </p:spPr>
+        <p:txBody>
+          <a:bodyPr wrap="square">
+            <a:spAutoFit/>
+          </a:bodyPr>
+          <a:lstStyle/>
+          <a:p>
+            <a:pPr>
+              <a:spcAft>
+                <a:spcPts val="0"/>
+              </a:spcAft>
+            </a:pPr>
+            <a:r>
+              <a:rPr lang="en-US" sz="750" b="1" dirty="0">
+                <a:latin typeface="Courier" charset="0"/>
+                <a:ea typeface="Courier" charset="0"/>
+                <a:cs typeface="Courier" charset="0"/>
+              </a:rPr>
+              <a:t>       0                   1                   2                   3</a:t>
+            </a:r>
+          </a:p>
+          <a:p>
+            <a:pPr>
+              <a:spcAft>
+                <a:spcPts val="0"/>
+              </a:spcAft>
+            </a:pPr>
+            <a:r>
+              <a:rPr lang="en-US" sz="750" b="1" dirty="0">
+                <a:latin typeface="Courier" charset="0"/>
+                <a:ea typeface="Courier" charset="0"/>
+                <a:cs typeface="Courier" charset="0"/>
+              </a:rPr>
+              <a:t>       0 1 2 3 4 5 6 7 8 9 0 1 2 3 4 5 6 7 8 9 0 1 2 3 4 5 6 7 8 9 0 1</a:t>
+            </a:r>
+          </a:p>
+          <a:p>
+            <a:pPr>
+              <a:spcAft>
+                <a:spcPts val="0"/>
+              </a:spcAft>
+            </a:pPr>
+            <a:r>
+              <a:rPr lang="en-US" sz="750" b="1" dirty="0">
+                <a:latin typeface="Courier" charset="0"/>
+                <a:ea typeface="Courier" charset="0"/>
+                <a:cs typeface="Courier" charset="0"/>
+              </a:rPr>
+              <a:t>      +-+-+-+-+-+-+-+-+-+-+-+-+-+-+-+-+-+-+-+-+-+-+-+-+-+-+-+-+-+-+-+-+</a:t>
+            </a:r>
+          </a:p>
+          <a:p>
+            <a:pPr>
+              <a:spcAft>
+                <a:spcPts val="0"/>
+              </a:spcAft>
+            </a:pPr>
+            <a:r>
+              <a:rPr lang="en-US" sz="750" b="1" dirty="0">
+                <a:latin typeface="Courier" charset="0"/>
+                <a:ea typeface="Courier" charset="0"/>
+                <a:cs typeface="Courier" charset="0"/>
+              </a:rPr>
+              <a:t>      |                        Sequence Number                        |</a:t>
+            </a:r>
+          </a:p>
+          <a:p>
+            <a:pPr>
+              <a:spcAft>
+                <a:spcPts val="0"/>
+              </a:spcAft>
+            </a:pPr>
+            <a:r>
+              <a:rPr lang="en-US" sz="750" b="1" dirty="0">
+                <a:latin typeface="Courier" charset="0"/>
+                <a:ea typeface="Courier" charset="0"/>
+                <a:cs typeface="Courier" charset="0"/>
+              </a:rPr>
+              <a:t>      +-+-+-+-+-+-+-+-+-+-+-+-+-+-+-+-+-+-+-+-+-+-+-+-+-+-+-+-+-+-+-+-+</a:t>
+            </a:r>
+          </a:p>
+          <a:p>
+            <a:pPr>
+              <a:spcAft>
+                <a:spcPts val="0"/>
+              </a:spcAft>
+            </a:pPr>
+            <a:r>
+              <a:rPr lang="en-US" sz="750" b="1" dirty="0">
+                <a:latin typeface="Courier" charset="0"/>
+                <a:ea typeface="Courier" charset="0"/>
+                <a:cs typeface="Courier" charset="0"/>
+              </a:rPr>
+              <a:t>      |                          Timestamp                            |</a:t>
+            </a:r>
+          </a:p>
+          <a:p>
+            <a:pPr>
+              <a:spcAft>
+                <a:spcPts val="0"/>
+              </a:spcAft>
+            </a:pPr>
+            <a:r>
+              <a:rPr lang="en-US" sz="750" b="1" dirty="0">
+                <a:latin typeface="Courier" charset="0"/>
+                <a:ea typeface="Courier" charset="0"/>
+                <a:cs typeface="Courier" charset="0"/>
+              </a:rPr>
+              <a:t>      |                                                               |</a:t>
+            </a:r>
+          </a:p>
+          <a:p>
+            <a:pPr>
+              <a:spcAft>
+                <a:spcPts val="0"/>
+              </a:spcAft>
+            </a:pPr>
+            <a:r>
+              <a:rPr lang="en-US" sz="750" b="1" dirty="0">
+                <a:latin typeface="Courier" charset="0"/>
+                <a:ea typeface="Courier" charset="0"/>
+                <a:cs typeface="Courier" charset="0"/>
+              </a:rPr>
+              <a:t>      +-+-+-+-+-+-+-+-+-+-+-+-+-+-+-+-+-+-+-+-+-+-+-+-+-+-+-+-+-+-+-+-+</a:t>
+            </a:r>
+          </a:p>
+          <a:p>
+            <a:pPr>
+              <a:spcAft>
+                <a:spcPts val="0"/>
+              </a:spcAft>
+            </a:pPr>
+            <a:r>
+              <a:rPr lang="en-US" sz="750" b="1" dirty="0">
+                <a:latin typeface="Courier" charset="0"/>
+                <a:ea typeface="Courier" charset="0"/>
+                <a:cs typeface="Courier" charset="0"/>
+              </a:rPr>
+              <a:t>      |         Error Estimate        |  MBZ          | </a:t>
+            </a:r>
+            <a:r>
+              <a:rPr lang="en-US" sz="750" b="1" dirty="0">
+                <a:solidFill>
+                  <a:srgbClr val="0070C0"/>
+                </a:solidFill>
+                <a:latin typeface="Courier" charset="0"/>
+                <a:ea typeface="Courier" charset="0"/>
+                <a:cs typeface="Courier" charset="0"/>
+              </a:rPr>
+              <a:t>Control Code  </a:t>
+            </a:r>
+            <a:r>
+              <a:rPr lang="en-US" sz="750" b="1" dirty="0">
+                <a:latin typeface="Courier" charset="0"/>
+                <a:ea typeface="Courier" charset="0"/>
+                <a:cs typeface="Courier" charset="0"/>
+              </a:rPr>
+              <a:t>|</a:t>
+            </a:r>
+          </a:p>
+          <a:p>
+            <a:pPr>
+              <a:spcAft>
+                <a:spcPts val="0"/>
+              </a:spcAft>
+            </a:pPr>
+            <a:r>
+              <a:rPr lang="en-US" sz="750" b="1" dirty="0">
+                <a:latin typeface="Courier" charset="0"/>
+                <a:ea typeface="Courier" charset="0"/>
+                <a:cs typeface="Courier" charset="0"/>
+              </a:rPr>
+              <a:t>      +-+-+-+-+-+-+-+-+-+-+-+-+-+-+-+-+ +-+-+-+-+-+-+-+-+-+-+-+-+-+-+-+</a:t>
+            </a:r>
+          </a:p>
+          <a:p>
+            <a:pPr>
+              <a:spcAft>
+                <a:spcPts val="0"/>
+              </a:spcAft>
+            </a:pPr>
+            <a:r>
+              <a:rPr lang="en-US" sz="750" b="1" dirty="0">
+                <a:latin typeface="Courier" charset="0"/>
+                <a:ea typeface="Courier" charset="0"/>
+                <a:cs typeface="Courier" charset="0"/>
+              </a:rPr>
+              <a:t>      |                                                               |</a:t>
+            </a:r>
+          </a:p>
+          <a:p>
+            <a:pPr>
+              <a:spcAft>
+                <a:spcPts val="0"/>
+              </a:spcAft>
+            </a:pPr>
+            <a:r>
+              <a:rPr lang="en-US" sz="750" b="1" dirty="0">
+                <a:latin typeface="Courier" charset="0"/>
+                <a:ea typeface="Courier" charset="0"/>
+                <a:cs typeface="Courier" charset="0"/>
+              </a:rPr>
+              <a:t>      +                                                               +</a:t>
+            </a:r>
+          </a:p>
+          <a:p>
+            <a:pPr>
+              <a:spcAft>
+                <a:spcPts val="0"/>
+              </a:spcAft>
+            </a:pPr>
+            <a:r>
+              <a:rPr lang="en-US" sz="750" b="1" dirty="0">
+                <a:latin typeface="Courier" charset="0"/>
+                <a:ea typeface="Courier" charset="0"/>
+                <a:cs typeface="Courier" charset="0"/>
+              </a:rPr>
+              <a:t>      |                                                               |</a:t>
+            </a:r>
+          </a:p>
+          <a:p>
+            <a:pPr>
+              <a:spcAft>
+                <a:spcPts val="0"/>
+              </a:spcAft>
+            </a:pPr>
+            <a:r>
+              <a:rPr lang="en-US" sz="750" b="1" dirty="0">
+                <a:latin typeface="Courier" charset="0"/>
+                <a:ea typeface="Courier" charset="0"/>
+                <a:cs typeface="Courier" charset="0"/>
+              </a:rPr>
+              <a:t>      |                         MBZ (28 octets)                       |</a:t>
+            </a:r>
+          </a:p>
+          <a:p>
+            <a:pPr>
+              <a:spcAft>
+                <a:spcPts val="0"/>
+              </a:spcAft>
+            </a:pPr>
+            <a:r>
+              <a:rPr lang="en-US" sz="750" b="1" dirty="0">
+                <a:latin typeface="Courier" charset="0"/>
+                <a:ea typeface="Courier" charset="0"/>
+                <a:cs typeface="Courier" charset="0"/>
+              </a:rPr>
+              <a:t>      +                                                               +</a:t>
+            </a:r>
+          </a:p>
+          <a:p>
+            <a:pPr>
+              <a:spcAft>
+                <a:spcPts val="0"/>
+              </a:spcAft>
+            </a:pPr>
+            <a:r>
+              <a:rPr lang="en-US" sz="750" b="1" dirty="0">
+                <a:latin typeface="Courier" charset="0"/>
+                <a:ea typeface="Courier" charset="0"/>
+                <a:cs typeface="Courier" charset="0"/>
+              </a:rPr>
+              <a:t>      |                                                               |</a:t>
+            </a:r>
+          </a:p>
+          <a:p>
+            <a:pPr>
+              <a:spcAft>
+                <a:spcPts val="0"/>
+              </a:spcAft>
+            </a:pPr>
+            <a:r>
+              <a:rPr lang="en-US" sz="750" b="1" dirty="0">
+                <a:latin typeface="Courier" charset="0"/>
+                <a:ea typeface="Courier" charset="0"/>
+                <a:cs typeface="Courier" charset="0"/>
+              </a:rPr>
+              <a:t>      |                                                               |</a:t>
+            </a:r>
+          </a:p>
+          <a:p>
+            <a:pPr>
+              <a:spcAft>
+                <a:spcPts val="0"/>
+              </a:spcAft>
+            </a:pPr>
+            <a:r>
+              <a:rPr lang="en-US" sz="750" b="1" dirty="0">
+                <a:latin typeface="Courier" charset="0"/>
+                <a:ea typeface="Courier" charset="0"/>
+                <a:cs typeface="Courier" charset="0"/>
+              </a:rPr>
+              <a:t>      +                                                               +</a:t>
+            </a:r>
+          </a:p>
+          <a:p>
+            <a:pPr>
+              <a:spcAft>
+                <a:spcPts val="0"/>
+              </a:spcAft>
+            </a:pPr>
+            <a:r>
+              <a:rPr lang="en-US" sz="750" b="1" dirty="0">
+                <a:latin typeface="Courier" charset="0"/>
+                <a:ea typeface="Courier" charset="0"/>
+                <a:cs typeface="Courier" charset="0"/>
+              </a:rPr>
+              <a:t>      |                                                               |</a:t>
+            </a:r>
+          </a:p>
+          <a:p>
+            <a:pPr>
+              <a:spcAft>
+                <a:spcPts val="0"/>
+              </a:spcAft>
+            </a:pPr>
+            <a:r>
+              <a:rPr lang="en-US" sz="750" b="1" dirty="0">
+                <a:latin typeface="Courier" charset="0"/>
+                <a:ea typeface="Courier" charset="0"/>
+                <a:cs typeface="Courier" charset="0"/>
+              </a:rPr>
+              <a:t>      +                                                               +</a:t>
+            </a:r>
+          </a:p>
+          <a:p>
+            <a:pPr>
+              <a:spcAft>
+                <a:spcPts val="0"/>
+              </a:spcAft>
+            </a:pPr>
+            <a:r>
+              <a:rPr lang="en-US" sz="750" b="1" dirty="0">
+                <a:latin typeface="Courier" charset="0"/>
+                <a:ea typeface="Courier" charset="0"/>
+                <a:cs typeface="Courier" charset="0"/>
+              </a:rPr>
+              <a:t>      |                                                               |</a:t>
+            </a:r>
+          </a:p>
+          <a:p>
+            <a:pPr>
+              <a:spcAft>
+                <a:spcPts val="0"/>
+              </a:spcAft>
+            </a:pPr>
+            <a:r>
+              <a:rPr lang="en-US" sz="750" b="1" dirty="0">
+                <a:latin typeface="Courier" charset="0"/>
+                <a:ea typeface="Courier" charset="0"/>
+                <a:cs typeface="Courier" charset="0"/>
+              </a:rPr>
+              <a:t>      +-+-+-+-+-+-+-+-+-+-+-+-+-+-+-+-+-+-+-+-+-+-+-+-+-+-+-+-+-+-+-+-+</a:t>
+            </a:r>
+          </a:p>
+          <a:p>
+            <a:pPr>
+              <a:spcAft>
+                <a:spcPts val="0"/>
+              </a:spcAft>
+            </a:pPr>
+            <a:r>
+              <a:rPr lang="en-US" sz="750" b="1" dirty="0">
+                <a:solidFill>
+                  <a:srgbClr val="0070C0"/>
+                </a:solidFill>
+                <a:latin typeface="Courier" charset="0"/>
+                <a:ea typeface="Courier" charset="0"/>
+                <a:cs typeface="Courier" charset="0"/>
+              </a:rPr>
+              <a:t>      |    Session ID Type            |           Length              |</a:t>
+            </a:r>
+          </a:p>
+          <a:p>
+            <a:pPr>
+              <a:spcAft>
+                <a:spcPts val="0"/>
+              </a:spcAft>
+            </a:pPr>
+            <a:r>
+              <a:rPr lang="en-US" sz="750" b="1" dirty="0">
+                <a:solidFill>
+                  <a:srgbClr val="0070C0"/>
+                </a:solidFill>
+                <a:latin typeface="Courier" charset="0"/>
+                <a:ea typeface="Courier" charset="0"/>
+                <a:cs typeface="Courier" charset="0"/>
+              </a:rPr>
+              <a:t>      +-+-+-+-+-+-+-+-+-+-+-+-+-+-+-+-+-+-+-+-+-+-+-+-+-+-+-+-+-+-+-+-+</a:t>
+            </a:r>
+          </a:p>
+          <a:p>
+            <a:pPr>
+              <a:spcAft>
+                <a:spcPts val="0"/>
+              </a:spcAft>
+            </a:pPr>
+            <a:r>
+              <a:rPr lang="en-US" sz="750" b="1" dirty="0">
+                <a:solidFill>
+                  <a:srgbClr val="0070C0"/>
+                </a:solidFill>
+                <a:latin typeface="Courier" charset="0"/>
+                <a:ea typeface="Courier" charset="0"/>
+                <a:cs typeface="Courier" charset="0"/>
+              </a:rPr>
+              <a:t>      |             Session ID                                        |</a:t>
+            </a:r>
+          </a:p>
+          <a:p>
+            <a:pPr>
+              <a:spcAft>
+                <a:spcPts val="0"/>
+              </a:spcAft>
+            </a:pPr>
+            <a:r>
+              <a:rPr lang="en-US" sz="750" b="1" dirty="0">
+                <a:solidFill>
+                  <a:srgbClr val="0070C0"/>
+                </a:solidFill>
+                <a:latin typeface="Courier" charset="0"/>
+                <a:ea typeface="Courier" charset="0"/>
+                <a:cs typeface="Courier" charset="0"/>
+              </a:rPr>
+              <a:t>      +-+-+-+-+-+-+-+-+-+-+-+-+-+-+-+-+-+-+-+-+-+-+-+-+-+-+-+-+-+-+-+-+</a:t>
+            </a:r>
+          </a:p>
+          <a:p>
+            <a:pPr>
+              <a:spcAft>
+                <a:spcPts val="0"/>
+              </a:spcAft>
+            </a:pPr>
+            <a:endParaRPr lang="en-US" sz="750" b="1" dirty="0">
+              <a:latin typeface="Courier" charset="0"/>
+              <a:ea typeface="Courier" charset="0"/>
+              <a:cs typeface="Courier" charset="0"/>
+            </a:endParaRPr>
+          </a:p>
+          <a:p>
+            <a:pPr>
+              <a:spcAft>
+                <a:spcPts val="0"/>
+              </a:spcAft>
+            </a:pPr>
+            <a:r>
+              <a:rPr lang="en-US" sz="750" b="1" dirty="0">
+                <a:latin typeface="Courier" charset="0"/>
+                <a:ea typeface="Courier" charset="0"/>
+                <a:cs typeface="Courier" charset="0"/>
+              </a:rPr>
+              <a:t>	    Figure: Sender Message Format</a:t>
+            </a:r>
+          </a:p>
+        </p:txBody>
+      </p:sp>
+      <p:sp>
+        <p:nvSpPr>
+          <p:cNvPr id="14" name="Rectangle 13">
+            <a:extLst>
+              <a:ext uri="{FF2B5EF4-FFF2-40B4-BE49-F238E27FC236}">
+                <a16:creationId xmlns:a16="http://schemas.microsoft.com/office/drawing/2014/main" id="{5F9D9D1B-92A3-C64D-87B1-9B0B9C9E3A13}"/>
+              </a:ext>
+            </a:extLst>
+          </p:cNvPr>
+          <p:cNvSpPr/>
+          <p:nvPr/>
+        </p:nvSpPr>
+        <p:spPr>
+          <a:xfrm>
+            <a:off x="4495800" y="742950"/>
+            <a:ext cx="4368799" cy="3323987"/>
+          </a:xfrm>
+          <a:prstGeom prst="rect">
+            <a:avLst/>
+          </a:prstGeom>
+          <a:solidFill>
+            <a:schemeClr val="accent6">
+              <a:lumMod val="20000"/>
+              <a:lumOff val="80000"/>
+            </a:schemeClr>
+          </a:solidFill>
+        </p:spPr>
+        <p:txBody>
+          <a:bodyPr wrap="square">
+            <a:spAutoFit/>
+          </a:bodyPr>
+          <a:lstStyle/>
+          <a:p>
+            <a:pPr>
+              <a:spcAft>
+                <a:spcPts val="0"/>
+              </a:spcAft>
+            </a:pPr>
+            <a:r>
+              <a:rPr lang="en-US" sz="750" b="1" dirty="0">
+                <a:latin typeface="Courier" charset="0"/>
+                <a:ea typeface="Courier" charset="0"/>
+                <a:cs typeface="Courier" charset="0"/>
+              </a:rPr>
+              <a:t>     0                   1                   2                   3</a:t>
+            </a:r>
+          </a:p>
+          <a:p>
+            <a:pPr>
+              <a:spcAft>
+                <a:spcPts val="0"/>
+              </a:spcAft>
+            </a:pPr>
+            <a:r>
+              <a:rPr lang="en-US" sz="750" b="1" dirty="0">
+                <a:latin typeface="Courier" charset="0"/>
+                <a:ea typeface="Courier" charset="0"/>
+                <a:cs typeface="Courier" charset="0"/>
+              </a:rPr>
+              <a:t>     0 1 2 3 4 5 6 7 8 9 0 1 2 3 4 5 6 7 8 9 0 1 2 3 4 5 6 7 8 9 0 1</a:t>
+            </a:r>
+          </a:p>
+          <a:p>
+            <a:pPr>
+              <a:spcAft>
+                <a:spcPts val="0"/>
+              </a:spcAft>
+            </a:pPr>
+            <a:r>
+              <a:rPr lang="en-US" sz="750" b="1" dirty="0">
+                <a:latin typeface="Courier" charset="0"/>
+                <a:ea typeface="Courier" charset="0"/>
+                <a:cs typeface="Courier" charset="0"/>
+              </a:rPr>
+              <a:t>    +-+-+-+-+-+-+-+-+-+-+-+-+-+-+-+-+-+-+-+-+-+-+-+-+-+-+-+-+-+-+-+-+</a:t>
+            </a:r>
+          </a:p>
+          <a:p>
+            <a:pPr>
+              <a:spcAft>
+                <a:spcPts val="0"/>
+              </a:spcAft>
+            </a:pPr>
+            <a:r>
+              <a:rPr lang="en-US" sz="750" b="1" dirty="0">
+                <a:latin typeface="Courier" charset="0"/>
+                <a:ea typeface="Courier" charset="0"/>
+                <a:cs typeface="Courier" charset="0"/>
+              </a:rPr>
+              <a:t>    |                        Sequence Number                        |</a:t>
+            </a:r>
+          </a:p>
+          <a:p>
+            <a:pPr>
+              <a:spcAft>
+                <a:spcPts val="0"/>
+              </a:spcAft>
+            </a:pPr>
+            <a:r>
+              <a:rPr lang="en-US" sz="750" b="1" dirty="0">
+                <a:latin typeface="Courier" charset="0"/>
+                <a:ea typeface="Courier" charset="0"/>
+                <a:cs typeface="Courier" charset="0"/>
+              </a:rPr>
+              <a:t>    +-+-+-+-+-+-+-+-+-+-+-+-+-+-+-+-+-+-+-+-+-+-+-+-+-+-+-+-+-+-+-+-+</a:t>
+            </a:r>
+          </a:p>
+          <a:p>
+            <a:pPr>
+              <a:spcAft>
+                <a:spcPts val="0"/>
+              </a:spcAft>
+            </a:pPr>
+            <a:r>
+              <a:rPr lang="en-US" sz="750" b="1" dirty="0">
+                <a:latin typeface="Courier" charset="0"/>
+                <a:ea typeface="Courier" charset="0"/>
+                <a:cs typeface="Courier" charset="0"/>
+              </a:rPr>
+              <a:t>    |                          Timestamp                            |</a:t>
+            </a:r>
+          </a:p>
+          <a:p>
+            <a:pPr>
+              <a:spcAft>
+                <a:spcPts val="0"/>
+              </a:spcAft>
+            </a:pPr>
+            <a:r>
+              <a:rPr lang="en-US" sz="750" b="1" dirty="0">
+                <a:latin typeface="Courier" charset="0"/>
+                <a:ea typeface="Courier" charset="0"/>
+                <a:cs typeface="Courier" charset="0"/>
+              </a:rPr>
+              <a:t>    |                                                               |</a:t>
+            </a:r>
+          </a:p>
+          <a:p>
+            <a:pPr>
+              <a:spcAft>
+                <a:spcPts val="0"/>
+              </a:spcAft>
+            </a:pPr>
+            <a:r>
+              <a:rPr lang="en-US" sz="750" b="1" dirty="0">
+                <a:latin typeface="Courier" charset="0"/>
+                <a:ea typeface="Courier" charset="0"/>
+                <a:cs typeface="Courier" charset="0"/>
+              </a:rPr>
+              <a:t>    +-+-+-+-+-+-+-+-+-+-+-+-+-+-+-+-+-+-+-+-+-+-+-+-+-+-+-+-+-+-+-+-+</a:t>
+            </a:r>
+          </a:p>
+          <a:p>
+            <a:pPr>
+              <a:spcAft>
+                <a:spcPts val="0"/>
+              </a:spcAft>
+            </a:pPr>
+            <a:r>
+              <a:rPr lang="en-US" sz="750" b="1" dirty="0">
+                <a:latin typeface="Courier" charset="0"/>
+                <a:ea typeface="Courier" charset="0"/>
+                <a:cs typeface="Courier" charset="0"/>
+              </a:rPr>
+              <a:t>    |         Error Estimate        |  MBZ          | </a:t>
+            </a:r>
+            <a:r>
+              <a:rPr lang="en-US" sz="750" b="1" dirty="0">
+                <a:solidFill>
+                  <a:srgbClr val="0070C0"/>
+                </a:solidFill>
+                <a:latin typeface="Courier" charset="0"/>
+                <a:ea typeface="Courier" charset="0"/>
+                <a:cs typeface="Courier" charset="0"/>
+              </a:rPr>
+              <a:t>Control Code  </a:t>
+            </a:r>
+            <a:r>
+              <a:rPr lang="en-US" sz="750" b="1" dirty="0">
+                <a:latin typeface="Courier" charset="0"/>
+                <a:ea typeface="Courier" charset="0"/>
+                <a:cs typeface="Courier" charset="0"/>
+              </a:rPr>
+              <a:t>|    </a:t>
+            </a:r>
+          </a:p>
+          <a:p>
+            <a:pPr>
+              <a:spcAft>
+                <a:spcPts val="0"/>
+              </a:spcAft>
+            </a:pPr>
+            <a:r>
+              <a:rPr lang="en-US" sz="750" b="1" dirty="0">
+                <a:latin typeface="Courier" charset="0"/>
+                <a:ea typeface="Courier" charset="0"/>
+                <a:cs typeface="Courier" charset="0"/>
+              </a:rPr>
+              <a:t>    +-+-+-+-+-+-+-+-+-+-+-+-+-+-+-+-+-+-+-+-+-+-+-+-+-+-+-+-+-+-+-+-+</a:t>
+            </a:r>
+          </a:p>
+          <a:p>
+            <a:pPr>
+              <a:spcAft>
+                <a:spcPts val="0"/>
+              </a:spcAft>
+            </a:pPr>
+            <a:r>
+              <a:rPr lang="en-US" sz="750" b="1" dirty="0">
+                <a:latin typeface="Courier" charset="0"/>
+                <a:ea typeface="Courier" charset="0"/>
+                <a:cs typeface="Courier" charset="0"/>
+              </a:rPr>
+              <a:t>    |                          Receive Timestamp                    |</a:t>
+            </a:r>
+          </a:p>
+          <a:p>
+            <a:pPr>
+              <a:spcAft>
+                <a:spcPts val="0"/>
+              </a:spcAft>
+            </a:pPr>
+            <a:r>
+              <a:rPr lang="en-US" sz="750" b="1" dirty="0">
+                <a:latin typeface="Courier" charset="0"/>
+                <a:ea typeface="Courier" charset="0"/>
+                <a:cs typeface="Courier" charset="0"/>
+              </a:rPr>
+              <a:t>    |                                                               |</a:t>
+            </a:r>
+          </a:p>
+          <a:p>
+            <a:pPr>
+              <a:spcAft>
+                <a:spcPts val="0"/>
+              </a:spcAft>
+            </a:pPr>
+            <a:r>
+              <a:rPr lang="en-US" sz="750" b="1" dirty="0">
+                <a:latin typeface="Courier" charset="0"/>
+                <a:ea typeface="Courier" charset="0"/>
+                <a:cs typeface="Courier" charset="0"/>
+              </a:rPr>
+              <a:t>    +-+-+-+-+-+-+-+-+-+-+-+-+-+-+-+-+-+-+-+-+-+-+-+-+-+-+-+-+-+-+-+-+</a:t>
+            </a:r>
+          </a:p>
+          <a:p>
+            <a:pPr>
+              <a:spcAft>
+                <a:spcPts val="0"/>
+              </a:spcAft>
+            </a:pPr>
+            <a:r>
+              <a:rPr lang="en-US" sz="750" b="1" dirty="0">
+                <a:latin typeface="Courier" charset="0"/>
+                <a:ea typeface="Courier" charset="0"/>
+                <a:cs typeface="Courier" charset="0"/>
+              </a:rPr>
+              <a:t>    |                 Session-Sender Sequence Number                |</a:t>
+            </a:r>
+          </a:p>
+          <a:p>
+            <a:pPr>
+              <a:spcAft>
+                <a:spcPts val="0"/>
+              </a:spcAft>
+            </a:pPr>
+            <a:r>
+              <a:rPr lang="en-US" sz="750" b="1" dirty="0">
+                <a:latin typeface="Courier" charset="0"/>
+                <a:ea typeface="Courier" charset="0"/>
+                <a:cs typeface="Courier" charset="0"/>
+              </a:rPr>
+              <a:t>    +-+-+-+-+-+-+-+-+-+-+-+-+-+-+-+-+-+-+-+-+-+-+-+-+-+-+-+-+-+-+-+-+</a:t>
+            </a:r>
+          </a:p>
+          <a:p>
+            <a:pPr>
+              <a:spcAft>
+                <a:spcPts val="0"/>
+              </a:spcAft>
+            </a:pPr>
+            <a:r>
+              <a:rPr lang="en-US" sz="750" b="1" dirty="0">
+                <a:latin typeface="Courier" charset="0"/>
+                <a:ea typeface="Courier" charset="0"/>
+                <a:cs typeface="Courier" charset="0"/>
+              </a:rPr>
+              <a:t>    |                  Session-Sender Timestamp                     |</a:t>
+            </a:r>
+          </a:p>
+          <a:p>
+            <a:pPr>
+              <a:spcAft>
+                <a:spcPts val="0"/>
+              </a:spcAft>
+            </a:pPr>
+            <a:r>
+              <a:rPr lang="en-US" sz="750" b="1" dirty="0">
+                <a:latin typeface="Courier" charset="0"/>
+                <a:ea typeface="Courier" charset="0"/>
+                <a:cs typeface="Courier" charset="0"/>
+              </a:rPr>
+              <a:t>    |                                                               |</a:t>
+            </a:r>
+          </a:p>
+          <a:p>
+            <a:pPr>
+              <a:spcAft>
+                <a:spcPts val="0"/>
+              </a:spcAft>
+            </a:pPr>
+            <a:r>
+              <a:rPr lang="en-US" sz="750" b="1" dirty="0">
+                <a:latin typeface="Courier" charset="0"/>
+                <a:ea typeface="Courier" charset="0"/>
+                <a:cs typeface="Courier" charset="0"/>
+              </a:rPr>
+              <a:t>    +-+-+-+-+-+-+-+-+-+-+-+-+-+-+-+-+-+-+-+-+-+-+-+-+-+-+-+-+-+-+-+-+</a:t>
+            </a:r>
+          </a:p>
+          <a:p>
+            <a:pPr>
+              <a:spcAft>
+                <a:spcPts val="0"/>
+              </a:spcAft>
+            </a:pPr>
+            <a:r>
+              <a:rPr lang="en-US" sz="750" b="1" dirty="0">
+                <a:latin typeface="Courier" charset="0"/>
+                <a:ea typeface="Courier" charset="0"/>
+                <a:cs typeface="Courier" charset="0"/>
+              </a:rPr>
+              <a:t>    | Session-Sender Error Estimate |           MBZ                 |</a:t>
+            </a:r>
+          </a:p>
+          <a:p>
+            <a:pPr>
+              <a:spcAft>
+                <a:spcPts val="0"/>
+              </a:spcAft>
+            </a:pPr>
+            <a:r>
+              <a:rPr lang="en-US" sz="750" b="1" dirty="0">
+                <a:latin typeface="Courier" charset="0"/>
+                <a:ea typeface="Courier" charset="0"/>
+                <a:cs typeface="Courier" charset="0"/>
+              </a:rPr>
+              <a:t>    +-+-+-+-+-+-+-+-+-+-+-+-+-+-+-+-+-+-+-+-+-+-+-+-+-+-+-+-+-+-+-+-+</a:t>
+            </a:r>
+          </a:p>
+          <a:p>
+            <a:pPr>
+              <a:spcAft>
+                <a:spcPts val="0"/>
+              </a:spcAft>
+            </a:pPr>
+            <a:r>
+              <a:rPr lang="en-US" sz="750" b="1" dirty="0">
+                <a:latin typeface="Courier" charset="0"/>
+                <a:ea typeface="Courier" charset="0"/>
+                <a:cs typeface="Courier" charset="0"/>
+              </a:rPr>
+              <a:t>    |</a:t>
+            </a:r>
+            <a:r>
+              <a:rPr lang="en-US" sz="750" b="1" dirty="0" err="1">
+                <a:latin typeface="Courier" charset="0"/>
+                <a:ea typeface="Courier" charset="0"/>
+                <a:cs typeface="Courier" charset="0"/>
+              </a:rPr>
+              <a:t>Ses</a:t>
+            </a:r>
+            <a:r>
+              <a:rPr lang="en-US" sz="750" b="1" dirty="0">
+                <a:latin typeface="Courier" charset="0"/>
+                <a:ea typeface="Courier" charset="0"/>
+                <a:cs typeface="Courier" charset="0"/>
+              </a:rPr>
+              <a:t>-Sender TTL |                  MBZ                          |</a:t>
+            </a:r>
+          </a:p>
+          <a:p>
+            <a:pPr>
+              <a:spcAft>
+                <a:spcPts val="0"/>
+              </a:spcAft>
+            </a:pPr>
+            <a:r>
+              <a:rPr lang="en-US" sz="750" b="1" dirty="0">
+                <a:latin typeface="Courier" charset="0"/>
+                <a:ea typeface="Courier" charset="0"/>
+                <a:cs typeface="Courier" charset="0"/>
+              </a:rPr>
+              <a:t>    +-+-+-+-+-+-+-+-+-+-+-+-+-+-+-+-+-+-+-+-+-+-+-+-+-+-+-+-+-+-+-+-+</a:t>
+            </a:r>
+          </a:p>
+          <a:p>
+            <a:pPr>
+              <a:spcAft>
+                <a:spcPts val="0"/>
+              </a:spcAft>
+            </a:pPr>
+            <a:r>
+              <a:rPr lang="en-US" sz="750" b="1" dirty="0">
+                <a:solidFill>
+                  <a:srgbClr val="0070C0"/>
+                </a:solidFill>
+                <a:latin typeface="Courier" charset="0"/>
+                <a:ea typeface="Courier" charset="0"/>
+                <a:cs typeface="Courier" charset="0"/>
+              </a:rPr>
+              <a:t>    |    Session ID Type            |           Length              |</a:t>
+            </a:r>
+          </a:p>
+          <a:p>
+            <a:pPr>
+              <a:spcAft>
+                <a:spcPts val="0"/>
+              </a:spcAft>
+            </a:pPr>
+            <a:r>
+              <a:rPr lang="en-US" sz="750" b="1" dirty="0">
+                <a:solidFill>
+                  <a:srgbClr val="0070C0"/>
+                </a:solidFill>
+                <a:latin typeface="Courier" charset="0"/>
+                <a:ea typeface="Courier" charset="0"/>
+                <a:cs typeface="Courier" charset="0"/>
+              </a:rPr>
+              <a:t>    +-+-+-+-+-+-+-+-+-+-+-+-+-+-+-+-+-+-+-+-+-+-+-+-+-+-+-+-+-+-+-+-+</a:t>
+            </a:r>
+          </a:p>
+          <a:p>
+            <a:pPr>
+              <a:spcAft>
+                <a:spcPts val="0"/>
+              </a:spcAft>
+            </a:pPr>
+            <a:r>
+              <a:rPr lang="en-US" sz="750" b="1" dirty="0">
+                <a:solidFill>
+                  <a:srgbClr val="0070C0"/>
+                </a:solidFill>
+                <a:latin typeface="Courier" charset="0"/>
+                <a:ea typeface="Courier" charset="0"/>
+                <a:cs typeface="Courier" charset="0"/>
+              </a:rPr>
+              <a:t>    |             Session ID                                        |</a:t>
+            </a:r>
+          </a:p>
+          <a:p>
+            <a:pPr>
+              <a:spcAft>
+                <a:spcPts val="0"/>
+              </a:spcAft>
+            </a:pPr>
+            <a:r>
+              <a:rPr lang="en-US" sz="750" b="1" dirty="0">
+                <a:solidFill>
+                  <a:srgbClr val="0070C0"/>
+                </a:solidFill>
+                <a:latin typeface="Courier" charset="0"/>
+                <a:ea typeface="Courier" charset="0"/>
+                <a:cs typeface="Courier" charset="0"/>
+              </a:rPr>
+              <a:t>    +-+-+-+-+-+-+-+-+-+-+-+-+-+-+-+-+-+-+-+-+-+-+-+-+-+-+-+-+-+-+-+-+</a:t>
+            </a:r>
+          </a:p>
+          <a:p>
+            <a:pPr>
+              <a:spcAft>
+                <a:spcPts val="0"/>
+              </a:spcAft>
+            </a:pPr>
+            <a:r>
+              <a:rPr lang="en-US" sz="750" b="1" dirty="0">
+                <a:solidFill>
+                  <a:srgbClr val="0070C0"/>
+                </a:solidFill>
+                <a:latin typeface="Courier" charset="0"/>
+                <a:ea typeface="Courier" charset="0"/>
+                <a:cs typeface="Courier" charset="0"/>
+              </a:rPr>
+              <a:t>	    </a:t>
+            </a:r>
+          </a:p>
+          <a:p>
+            <a:pPr>
+              <a:spcAft>
+                <a:spcPts val="0"/>
+              </a:spcAft>
+            </a:pPr>
+            <a:r>
+              <a:rPr lang="en-US" sz="750" b="1" dirty="0">
+                <a:latin typeface="Courier" charset="0"/>
+                <a:ea typeface="Courier" charset="0"/>
+                <a:cs typeface="Courier" charset="0"/>
+              </a:rPr>
+              <a:t>                        Figure: Reflector Message Format</a:t>
+            </a:r>
+          </a:p>
+        </p:txBody>
+      </p:sp>
+      <p:sp>
+        <p:nvSpPr>
+          <p:cNvPr id="6" name="Footer Placeholder 3">
+            <a:extLst>
+              <a:ext uri="{FF2B5EF4-FFF2-40B4-BE49-F238E27FC236}">
+                <a16:creationId xmlns:a16="http://schemas.microsoft.com/office/drawing/2014/main" id="{DAAC01B7-F9FF-A94D-AC6F-E2071AD95C28}"/>
+              </a:ext>
+            </a:extLst>
+          </p:cNvPr>
+          <p:cNvSpPr txBox="1">
+            <a:spLocks/>
+          </p:cNvSpPr>
+          <p:nvPr/>
+        </p:nvSpPr>
+        <p:spPr>
+          <a:xfrm>
+            <a:off x="3467100" y="4844952"/>
+            <a:ext cx="2209800" cy="357188"/>
+          </a:xfrm>
+          <a:prstGeom prst="rect">
+            <a:avLst/>
+          </a:prstGeom>
+        </p:spPr>
+        <p:txBody>
+          <a:bodyPr/>
+          <a:lstStyle>
+            <a:defPPr>
+              <a:defRPr lang="zh-CN"/>
+            </a:defPPr>
+            <a:lvl1pPr algn="l" rtl="0" fontAlgn="base">
+              <a:spcBef>
+                <a:spcPct val="0"/>
+              </a:spcBef>
+              <a:spcAft>
+                <a:spcPct val="0"/>
+              </a:spcAft>
+              <a:defRPr kern="1200">
+                <a:solidFill>
+                  <a:schemeClr val="tx1"/>
+                </a:solidFill>
+                <a:latin typeface="Arial" charset="0"/>
+                <a:ea typeface="宋体" pitchFamily="2" charset="-122"/>
+                <a:cs typeface="+mn-cs"/>
+              </a:defRPr>
+            </a:lvl1pPr>
+            <a:lvl2pPr marL="457200" algn="l" rtl="0" fontAlgn="base">
+              <a:spcBef>
+                <a:spcPct val="0"/>
+              </a:spcBef>
+              <a:spcAft>
+                <a:spcPct val="0"/>
+              </a:spcAft>
+              <a:defRPr kern="1200">
+                <a:solidFill>
+                  <a:schemeClr val="tx1"/>
+                </a:solidFill>
+                <a:latin typeface="Arial" charset="0"/>
+                <a:ea typeface="宋体" pitchFamily="2" charset="-122"/>
+                <a:cs typeface="+mn-cs"/>
+              </a:defRPr>
+            </a:lvl2pPr>
+            <a:lvl3pPr marL="914400" algn="l" rtl="0" fontAlgn="base">
+              <a:spcBef>
+                <a:spcPct val="0"/>
+              </a:spcBef>
+              <a:spcAft>
+                <a:spcPct val="0"/>
+              </a:spcAft>
+              <a:defRPr kern="1200">
+                <a:solidFill>
+                  <a:schemeClr val="tx1"/>
+                </a:solidFill>
+                <a:latin typeface="Arial" charset="0"/>
+                <a:ea typeface="宋体" pitchFamily="2" charset="-122"/>
+                <a:cs typeface="+mn-cs"/>
+              </a:defRPr>
+            </a:lvl3pPr>
+            <a:lvl4pPr marL="1371600" algn="l" rtl="0" fontAlgn="base">
+              <a:spcBef>
+                <a:spcPct val="0"/>
+              </a:spcBef>
+              <a:spcAft>
+                <a:spcPct val="0"/>
+              </a:spcAft>
+              <a:defRPr kern="1200">
+                <a:solidFill>
+                  <a:schemeClr val="tx1"/>
+                </a:solidFill>
+                <a:latin typeface="Arial" charset="0"/>
+                <a:ea typeface="宋体" pitchFamily="2" charset="-122"/>
+                <a:cs typeface="+mn-cs"/>
+              </a:defRPr>
+            </a:lvl4pPr>
+            <a:lvl5pPr marL="1828800" algn="l" rtl="0" fontAlgn="base">
+              <a:spcBef>
+                <a:spcPct val="0"/>
+              </a:spcBef>
+              <a:spcAft>
+                <a:spcPct val="0"/>
+              </a:spcAft>
+              <a:defRPr kern="1200">
+                <a:solidFill>
+                  <a:schemeClr val="tx1"/>
+                </a:solidFill>
+                <a:latin typeface="Arial" charset="0"/>
+                <a:ea typeface="宋体" pitchFamily="2" charset="-122"/>
+                <a:cs typeface="+mn-cs"/>
+              </a:defRPr>
+            </a:lvl5pPr>
+            <a:lvl6pPr marL="2286000" algn="l" defTabSz="914400" rtl="0" eaLnBrk="1" latinLnBrk="0" hangingPunct="1">
+              <a:defRPr kern="1200">
+                <a:solidFill>
+                  <a:schemeClr val="tx1"/>
+                </a:solidFill>
+                <a:latin typeface="Arial" charset="0"/>
+                <a:ea typeface="宋体" pitchFamily="2" charset="-122"/>
+                <a:cs typeface="+mn-cs"/>
+              </a:defRPr>
+            </a:lvl6pPr>
+            <a:lvl7pPr marL="2743200" algn="l" defTabSz="914400" rtl="0" eaLnBrk="1" latinLnBrk="0" hangingPunct="1">
+              <a:defRPr kern="1200">
+                <a:solidFill>
+                  <a:schemeClr val="tx1"/>
+                </a:solidFill>
+                <a:latin typeface="Arial" charset="0"/>
+                <a:ea typeface="宋体" pitchFamily="2" charset="-122"/>
+                <a:cs typeface="+mn-cs"/>
+              </a:defRPr>
+            </a:lvl7pPr>
+            <a:lvl8pPr marL="3200400" algn="l" defTabSz="914400" rtl="0" eaLnBrk="1" latinLnBrk="0" hangingPunct="1">
+              <a:defRPr kern="1200">
+                <a:solidFill>
+                  <a:schemeClr val="tx1"/>
+                </a:solidFill>
+                <a:latin typeface="Arial" charset="0"/>
+                <a:ea typeface="宋体" pitchFamily="2" charset="-122"/>
+                <a:cs typeface="+mn-cs"/>
+              </a:defRPr>
+            </a:lvl8pPr>
+            <a:lvl9pPr marL="3657600" algn="l" defTabSz="914400" rtl="0" eaLnBrk="1" latinLnBrk="0" hangingPunct="1">
+              <a:defRPr kern="1200">
+                <a:solidFill>
+                  <a:schemeClr val="tx1"/>
+                </a:solidFill>
+                <a:latin typeface="Arial" charset="0"/>
+                <a:ea typeface="宋体" pitchFamily="2" charset="-122"/>
+                <a:cs typeface="+mn-cs"/>
+              </a:defRPr>
+            </a:lvl9pPr>
+          </a:lstStyle>
+          <a:p>
+            <a:pPr>
+              <a:defRPr/>
+            </a:pPr>
+            <a:r>
+              <a:rPr lang="en-US" altLang="zh-CN" sz="1200" dirty="0"/>
+              <a:t>107</a:t>
+            </a:r>
+            <a:r>
+              <a:rPr lang="en-US" altLang="zh-CN" sz="1200" baseline="30000" dirty="0"/>
+              <a:t>th</a:t>
+            </a:r>
+            <a:r>
+              <a:rPr lang="en-US" altLang="zh-CN" sz="1200" dirty="0"/>
+              <a:t> IETF @ Vancouver</a:t>
+            </a:r>
+          </a:p>
+        </p:txBody>
+      </p:sp>
+      <p:sp>
+        <p:nvSpPr>
+          <p:cNvPr id="7" name="Slide Number Placeholder 2">
+            <a:extLst>
+              <a:ext uri="{FF2B5EF4-FFF2-40B4-BE49-F238E27FC236}">
+                <a16:creationId xmlns:a16="http://schemas.microsoft.com/office/drawing/2014/main" id="{8D46899F-25E7-8042-9E81-459B5F041477}"/>
+              </a:ext>
+            </a:extLst>
+          </p:cNvPr>
+          <p:cNvSpPr txBox="1">
+            <a:spLocks/>
+          </p:cNvSpPr>
+          <p:nvPr/>
+        </p:nvSpPr>
+        <p:spPr>
+          <a:xfrm>
+            <a:off x="7585136" y="4666358"/>
+            <a:ext cx="1143000" cy="357188"/>
+          </a:xfrm>
+          <a:prstGeom prst="rect">
+            <a:avLst/>
+          </a:prstGeom>
+        </p:spPr>
+        <p:txBody>
+          <a:bodyPr/>
+          <a:lstStyle>
+            <a:defPPr>
+              <a:defRPr lang="zh-CN"/>
+            </a:defPPr>
+            <a:lvl1pPr algn="l" rtl="0" fontAlgn="base">
+              <a:spcBef>
+                <a:spcPct val="0"/>
+              </a:spcBef>
+              <a:spcAft>
+                <a:spcPct val="0"/>
+              </a:spcAft>
+              <a:defRPr kern="1200">
+                <a:solidFill>
+                  <a:schemeClr val="tx1"/>
+                </a:solidFill>
+                <a:latin typeface="Arial" charset="0"/>
+                <a:ea typeface="宋体" pitchFamily="2" charset="-122"/>
+                <a:cs typeface="+mn-cs"/>
+              </a:defRPr>
+            </a:lvl1pPr>
+            <a:lvl2pPr marL="457200" algn="l" rtl="0" fontAlgn="base">
+              <a:spcBef>
+                <a:spcPct val="0"/>
+              </a:spcBef>
+              <a:spcAft>
+                <a:spcPct val="0"/>
+              </a:spcAft>
+              <a:defRPr kern="1200">
+                <a:solidFill>
+                  <a:schemeClr val="tx1"/>
+                </a:solidFill>
+                <a:latin typeface="Arial" charset="0"/>
+                <a:ea typeface="宋体" pitchFamily="2" charset="-122"/>
+                <a:cs typeface="+mn-cs"/>
+              </a:defRPr>
+            </a:lvl2pPr>
+            <a:lvl3pPr marL="914400" algn="l" rtl="0" fontAlgn="base">
+              <a:spcBef>
+                <a:spcPct val="0"/>
+              </a:spcBef>
+              <a:spcAft>
+                <a:spcPct val="0"/>
+              </a:spcAft>
+              <a:defRPr kern="1200">
+                <a:solidFill>
+                  <a:schemeClr val="tx1"/>
+                </a:solidFill>
+                <a:latin typeface="Arial" charset="0"/>
+                <a:ea typeface="宋体" pitchFamily="2" charset="-122"/>
+                <a:cs typeface="+mn-cs"/>
+              </a:defRPr>
+            </a:lvl3pPr>
+            <a:lvl4pPr marL="1371600" algn="l" rtl="0" fontAlgn="base">
+              <a:spcBef>
+                <a:spcPct val="0"/>
+              </a:spcBef>
+              <a:spcAft>
+                <a:spcPct val="0"/>
+              </a:spcAft>
+              <a:defRPr kern="1200">
+                <a:solidFill>
+                  <a:schemeClr val="tx1"/>
+                </a:solidFill>
+                <a:latin typeface="Arial" charset="0"/>
+                <a:ea typeface="宋体" pitchFamily="2" charset="-122"/>
+                <a:cs typeface="+mn-cs"/>
+              </a:defRPr>
+            </a:lvl4pPr>
+            <a:lvl5pPr marL="1828800" algn="l" rtl="0" fontAlgn="base">
+              <a:spcBef>
+                <a:spcPct val="0"/>
+              </a:spcBef>
+              <a:spcAft>
+                <a:spcPct val="0"/>
+              </a:spcAft>
+              <a:defRPr kern="1200">
+                <a:solidFill>
+                  <a:schemeClr val="tx1"/>
+                </a:solidFill>
+                <a:latin typeface="Arial" charset="0"/>
+                <a:ea typeface="宋体" pitchFamily="2" charset="-122"/>
+                <a:cs typeface="+mn-cs"/>
+              </a:defRPr>
+            </a:lvl5pPr>
+            <a:lvl6pPr marL="2286000" algn="l" defTabSz="914400" rtl="0" eaLnBrk="1" latinLnBrk="0" hangingPunct="1">
+              <a:defRPr kern="1200">
+                <a:solidFill>
+                  <a:schemeClr val="tx1"/>
+                </a:solidFill>
+                <a:latin typeface="Arial" charset="0"/>
+                <a:ea typeface="宋体" pitchFamily="2" charset="-122"/>
+                <a:cs typeface="+mn-cs"/>
+              </a:defRPr>
+            </a:lvl6pPr>
+            <a:lvl7pPr marL="2743200" algn="l" defTabSz="914400" rtl="0" eaLnBrk="1" latinLnBrk="0" hangingPunct="1">
+              <a:defRPr kern="1200">
+                <a:solidFill>
+                  <a:schemeClr val="tx1"/>
+                </a:solidFill>
+                <a:latin typeface="Arial" charset="0"/>
+                <a:ea typeface="宋体" pitchFamily="2" charset="-122"/>
+                <a:cs typeface="+mn-cs"/>
+              </a:defRPr>
+            </a:lvl7pPr>
+            <a:lvl8pPr marL="3200400" algn="l" defTabSz="914400" rtl="0" eaLnBrk="1" latinLnBrk="0" hangingPunct="1">
+              <a:defRPr kern="1200">
+                <a:solidFill>
+                  <a:schemeClr val="tx1"/>
+                </a:solidFill>
+                <a:latin typeface="Arial" charset="0"/>
+                <a:ea typeface="宋体" pitchFamily="2" charset="-122"/>
+                <a:cs typeface="+mn-cs"/>
+              </a:defRPr>
+            </a:lvl8pPr>
+            <a:lvl9pPr marL="3657600" algn="l" defTabSz="914400" rtl="0" eaLnBrk="1" latinLnBrk="0" hangingPunct="1">
+              <a:defRPr kern="1200">
+                <a:solidFill>
+                  <a:schemeClr val="tx1"/>
+                </a:solidFill>
+                <a:latin typeface="Arial" charset="0"/>
+                <a:ea typeface="宋体" pitchFamily="2" charset="-122"/>
+                <a:cs typeface="+mn-cs"/>
+              </a:defRPr>
+            </a:lvl9pPr>
+          </a:lstStyle>
+          <a:p>
+            <a:pPr algn="r">
+              <a:defRPr/>
+            </a:pPr>
+            <a:fld id="{D5EE1D1A-EEC2-4D53-94A7-85D62C853479}" type="slidenum">
+              <a:rPr lang="en-US" altLang="zh-CN" sz="1400" smtClean="0">
+                <a:latin typeface="Calibri" panose="020F0502020204030204" pitchFamily="34" charset="0"/>
+                <a:cs typeface="Calibri" panose="020F0502020204030204" pitchFamily="34" charset="0"/>
+              </a:rPr>
+              <a:pPr algn="r">
+                <a:defRPr/>
+              </a:pPr>
+              <a:t>24</a:t>
+            </a:fld>
+            <a:endParaRPr lang="en-US" altLang="zh-CN" sz="1400" dirty="0">
+              <a:latin typeface="Calibri" panose="020F0502020204030204" pitchFamily="34" charset="0"/>
+              <a:cs typeface="Calibri" panose="020F0502020204030204" pitchFamily="34" charset="0"/>
+            </a:endParaRPr>
+          </a:p>
+        </p:txBody>
+      </p:sp>
+      <p:cxnSp>
+        <p:nvCxnSpPr>
+          <p:cNvPr id="4" name="Straight Connector 3">
+            <a:extLst>
+              <a:ext uri="{FF2B5EF4-FFF2-40B4-BE49-F238E27FC236}">
+                <a16:creationId xmlns:a16="http://schemas.microsoft.com/office/drawing/2014/main" id="{0B9B10AD-8D48-D148-91E8-65E3279D89CE}"/>
+              </a:ext>
+            </a:extLst>
+          </p:cNvPr>
+          <p:cNvCxnSpPr>
+            <a:cxnSpLocks/>
+          </p:cNvCxnSpPr>
+          <p:nvPr/>
+        </p:nvCxnSpPr>
+        <p:spPr>
+          <a:xfrm>
+            <a:off x="4595191" y="742950"/>
+            <a:ext cx="0" cy="3323987"/>
+          </a:xfrm>
+          <a:prstGeom prst="line">
+            <a:avLst/>
+          </a:prstGeom>
+          <a:ln>
+            <a:solidFill>
+              <a:schemeClr val="tx2"/>
+            </a:solidFill>
+          </a:ln>
+        </p:spPr>
+        <p:style>
+          <a:lnRef idx="1">
+            <a:schemeClr val="accent1"/>
+          </a:lnRef>
+          <a:fillRef idx="0">
+            <a:schemeClr val="accent1"/>
+          </a:fillRef>
+          <a:effectRef idx="0">
+            <a:schemeClr val="accent1"/>
+          </a:effectRef>
+          <a:fontRef idx="minor">
+            <a:schemeClr val="tx1"/>
+          </a:fontRef>
+        </p:style>
+      </p:cxnSp>
+    </p:spTree>
+    <p:extLst>
+      <p:ext uri="{BB962C8B-B14F-4D97-AF65-F5344CB8AC3E}">
+        <p14:creationId xmlns:p14="http://schemas.microsoft.com/office/powerpoint/2010/main" val="4265858747"/>
+      </p:ext>
+    </p:extLst>
+  </p:cSld>
+  <p:clrMapOvr>
+    <a:masterClrMapping/>
+  </p:clrMapOvr>
+  <p:transition spd="med">
+    <p:fade/>
+  </p:transition>
+</p:sld>
+</file>
+
+<file path=ppt/slides/slide25.xml><?xml version="1.0" encoding="utf-8"?>
+<p:sld xmlns:a="http://schemas.openxmlformats.org/drawingml/2006/main" xmlns:r="http://schemas.openxmlformats.org/officeDocument/2006/relationships" xmlns:p="http://schemas.openxmlformats.org/presentationml/2006/main">
+  <p:cSld>
+    <p:spTree>
+      <p:nvGrpSpPr>
+        <p:cNvPr id="1" name=""/>
+        <p:cNvGrpSpPr/>
+        <p:nvPr/>
+      </p:nvGrpSpPr>
+      <p:grpSpPr>
+        <a:xfrm>
+          <a:off x="0" y="0"/>
+          <a:ext cx="0" cy="0"/>
+          <a:chOff x="0" y="0"/>
+          <a:chExt cx="0" cy="0"/>
+        </a:xfrm>
+      </p:grpSpPr>
+      <p:sp>
+        <p:nvSpPr>
+          <p:cNvPr id="3" name="Title 2"/>
+          <p:cNvSpPr>
+            <a:spLocks noGrp="1"/>
+          </p:cNvSpPr>
+          <p:nvPr>
+            <p:ph type="title"/>
+          </p:nvPr>
+        </p:nvSpPr>
+        <p:spPr>
+          <a:xfrm>
+            <a:off x="304800" y="-39330"/>
+            <a:ext cx="8505372" cy="706080"/>
+          </a:xfrm>
+        </p:spPr>
+        <p:txBody>
+          <a:bodyPr/>
+          <a:lstStyle/>
+          <a:p>
+            <a:pPr algn="l"/>
+            <a:r>
+              <a:rPr lang="en-US" sz="2200" dirty="0">
+                <a:solidFill>
+                  <a:srgbClr val="0070C0"/>
+                </a:solidFill>
+                <a:latin typeface="Calibri Light" panose="020F0302020204030204" pitchFamily="34" charset="0"/>
+                <a:cs typeface="Calibri Light" panose="020F0302020204030204" pitchFamily="34" charset="0"/>
+              </a:rPr>
+              <a:t>Option 4: 16-bit Session ID</a:t>
+            </a:r>
+          </a:p>
+        </p:txBody>
+      </p:sp>
+      <p:sp>
+        <p:nvSpPr>
+          <p:cNvPr id="5" name="Rectangle 4"/>
+          <p:cNvSpPr/>
+          <p:nvPr/>
+        </p:nvSpPr>
+        <p:spPr>
+          <a:xfrm>
+            <a:off x="228615" y="742950"/>
+            <a:ext cx="4310728" cy="3323987"/>
+          </a:xfrm>
+          <a:prstGeom prst="rect">
+            <a:avLst/>
+          </a:prstGeom>
+          <a:solidFill>
+            <a:schemeClr val="accent6">
+              <a:lumMod val="20000"/>
+              <a:lumOff val="80000"/>
+            </a:schemeClr>
+          </a:solidFill>
+        </p:spPr>
+        <p:txBody>
+          <a:bodyPr wrap="square">
+            <a:spAutoFit/>
+          </a:bodyPr>
+          <a:lstStyle/>
+          <a:p>
+            <a:pPr>
+              <a:spcAft>
+                <a:spcPts val="0"/>
+              </a:spcAft>
+            </a:pPr>
+            <a:r>
+              <a:rPr lang="en-US" sz="750" b="1" dirty="0">
+                <a:latin typeface="Courier" charset="0"/>
+                <a:ea typeface="Courier" charset="0"/>
+                <a:cs typeface="Courier" charset="0"/>
+              </a:rPr>
+              <a:t>       0                   1                   2                   3</a:t>
+            </a:r>
+          </a:p>
+          <a:p>
+            <a:pPr>
+              <a:spcAft>
+                <a:spcPts val="0"/>
+              </a:spcAft>
+            </a:pPr>
+            <a:r>
+              <a:rPr lang="en-US" sz="750" b="1" dirty="0">
+                <a:latin typeface="Courier" charset="0"/>
+                <a:ea typeface="Courier" charset="0"/>
+                <a:cs typeface="Courier" charset="0"/>
+              </a:rPr>
+              <a:t>       0 1 2 3 4 5 6 7 8 9 0 1 2 3 4 5 6 7 8 9 0 1 2 3 4 5 6 7 8 9 0 1</a:t>
+            </a:r>
+          </a:p>
+          <a:p>
+            <a:pPr>
+              <a:spcAft>
+                <a:spcPts val="0"/>
+              </a:spcAft>
+            </a:pPr>
+            <a:r>
+              <a:rPr lang="en-US" sz="750" b="1" dirty="0">
+                <a:latin typeface="Courier" charset="0"/>
+                <a:ea typeface="Courier" charset="0"/>
+                <a:cs typeface="Courier" charset="0"/>
+              </a:rPr>
+              <a:t>      +-+-+-+-+-+-+-+-+-+-+-+-+-+-+-+-+-+-+-+-+-+-+-+-+-+-+-+-+-+-+-+-+</a:t>
+            </a:r>
+          </a:p>
+          <a:p>
+            <a:pPr>
+              <a:spcAft>
+                <a:spcPts val="0"/>
+              </a:spcAft>
+            </a:pPr>
+            <a:r>
+              <a:rPr lang="en-US" sz="750" b="1" dirty="0">
+                <a:latin typeface="Courier" charset="0"/>
+                <a:ea typeface="Courier" charset="0"/>
+                <a:cs typeface="Courier" charset="0"/>
+              </a:rPr>
+              <a:t>      |                        Sequence Number                        |</a:t>
+            </a:r>
+          </a:p>
+          <a:p>
+            <a:pPr>
+              <a:spcAft>
+                <a:spcPts val="0"/>
+              </a:spcAft>
+            </a:pPr>
+            <a:r>
+              <a:rPr lang="en-US" sz="750" b="1" dirty="0">
+                <a:latin typeface="Courier" charset="0"/>
+                <a:ea typeface="Courier" charset="0"/>
+                <a:cs typeface="Courier" charset="0"/>
+              </a:rPr>
+              <a:t>      +-+-+-+-+-+-+-+-+-+-+-+-+-+-+-+-+-+-+-+-+-+-+-+-+-+-+-+-+-+-+-+-+</a:t>
+            </a:r>
+          </a:p>
+          <a:p>
+            <a:pPr>
+              <a:spcAft>
+                <a:spcPts val="0"/>
+              </a:spcAft>
+            </a:pPr>
+            <a:r>
+              <a:rPr lang="en-US" sz="750" b="1" dirty="0">
+                <a:latin typeface="Courier" charset="0"/>
+                <a:ea typeface="Courier" charset="0"/>
+                <a:cs typeface="Courier" charset="0"/>
+              </a:rPr>
+              <a:t>      |                          Timestamp                            |</a:t>
+            </a:r>
+          </a:p>
+          <a:p>
+            <a:pPr>
+              <a:spcAft>
+                <a:spcPts val="0"/>
+              </a:spcAft>
+            </a:pPr>
+            <a:r>
+              <a:rPr lang="en-US" sz="750" b="1" dirty="0">
+                <a:latin typeface="Courier" charset="0"/>
+                <a:ea typeface="Courier" charset="0"/>
+                <a:cs typeface="Courier" charset="0"/>
+              </a:rPr>
+              <a:t>      |                                                               |</a:t>
+            </a:r>
+          </a:p>
+          <a:p>
+            <a:pPr>
+              <a:spcAft>
+                <a:spcPts val="0"/>
+              </a:spcAft>
+            </a:pPr>
+            <a:r>
+              <a:rPr lang="en-US" sz="750" b="1" dirty="0">
+                <a:latin typeface="Courier" charset="0"/>
+                <a:ea typeface="Courier" charset="0"/>
+                <a:cs typeface="Courier" charset="0"/>
+              </a:rPr>
+              <a:t>      +-+-+-+-+-+-+-+-+-+-+-+-+-+-+-+-+-+-+-+-+-+-+-+-+-+-+-+-+-+-+-+-+</a:t>
+            </a:r>
+          </a:p>
+          <a:p>
+            <a:pPr>
+              <a:spcAft>
+                <a:spcPts val="0"/>
+              </a:spcAft>
+            </a:pPr>
+            <a:r>
+              <a:rPr lang="en-US" sz="750" b="1" dirty="0">
+                <a:latin typeface="Courier" charset="0"/>
+                <a:ea typeface="Courier" charset="0"/>
+                <a:cs typeface="Courier" charset="0"/>
+              </a:rPr>
+              <a:t>      |         Error Estimate        |    </a:t>
+            </a:r>
+            <a:r>
+              <a:rPr lang="en-US" sz="750" b="1" dirty="0">
+                <a:solidFill>
+                  <a:srgbClr val="0070C0"/>
+                </a:solidFill>
+                <a:latin typeface="Courier" charset="0"/>
+                <a:ea typeface="Courier" charset="0"/>
+                <a:cs typeface="Courier" charset="0"/>
+              </a:rPr>
+              <a:t>Session ID                 </a:t>
+            </a:r>
+            <a:r>
+              <a:rPr lang="en-US" sz="750" b="1" dirty="0">
+                <a:latin typeface="Courier" charset="0"/>
+                <a:ea typeface="Courier" charset="0"/>
+                <a:cs typeface="Courier" charset="0"/>
+              </a:rPr>
+              <a:t>|</a:t>
+            </a:r>
+          </a:p>
+          <a:p>
+            <a:pPr>
+              <a:spcAft>
+                <a:spcPts val="0"/>
+              </a:spcAft>
+            </a:pPr>
+            <a:r>
+              <a:rPr lang="en-US" sz="750" b="1" dirty="0">
+                <a:latin typeface="Courier" charset="0"/>
+                <a:ea typeface="Courier" charset="0"/>
+                <a:cs typeface="Courier" charset="0"/>
+              </a:rPr>
+              <a:t>      +-+-+-+-+-+-+-+-+-+-+-+-+-+-+-+-+ +-+-+-+-+-+-+-+-+-+-+-+-+-+-+-+</a:t>
+            </a:r>
+          </a:p>
+          <a:p>
+            <a:pPr>
+              <a:spcAft>
+                <a:spcPts val="0"/>
+              </a:spcAft>
+            </a:pPr>
+            <a:r>
+              <a:rPr lang="en-US" sz="750" b="1" dirty="0">
+                <a:latin typeface="Courier" charset="0"/>
+                <a:ea typeface="Courier" charset="0"/>
+                <a:cs typeface="Courier" charset="0"/>
+              </a:rPr>
+              <a:t>      |                                                               |</a:t>
+            </a:r>
+          </a:p>
+          <a:p>
+            <a:pPr>
+              <a:spcAft>
+                <a:spcPts val="0"/>
+              </a:spcAft>
+            </a:pPr>
+            <a:r>
+              <a:rPr lang="en-US" sz="750" b="1" dirty="0">
+                <a:latin typeface="Courier" charset="0"/>
+                <a:ea typeface="Courier" charset="0"/>
+                <a:cs typeface="Courier" charset="0"/>
+              </a:rPr>
+              <a:t>      +                                                               +</a:t>
+            </a:r>
+          </a:p>
+          <a:p>
+            <a:pPr>
+              <a:spcAft>
+                <a:spcPts val="0"/>
+              </a:spcAft>
+            </a:pPr>
+            <a:r>
+              <a:rPr lang="en-US" sz="750" b="1" dirty="0">
+                <a:latin typeface="Courier" charset="0"/>
+                <a:ea typeface="Courier" charset="0"/>
+                <a:cs typeface="Courier" charset="0"/>
+              </a:rPr>
+              <a:t>      |                                                               |</a:t>
+            </a:r>
+          </a:p>
+          <a:p>
+            <a:pPr>
+              <a:spcAft>
+                <a:spcPts val="0"/>
+              </a:spcAft>
+            </a:pPr>
+            <a:r>
+              <a:rPr lang="en-US" sz="750" b="1" dirty="0">
+                <a:latin typeface="Courier" charset="0"/>
+                <a:ea typeface="Courier" charset="0"/>
+                <a:cs typeface="Courier" charset="0"/>
+              </a:rPr>
+              <a:t>      |                         MBZ (28 octets)                       |</a:t>
+            </a:r>
+          </a:p>
+          <a:p>
+            <a:pPr>
+              <a:spcAft>
+                <a:spcPts val="0"/>
+              </a:spcAft>
+            </a:pPr>
+            <a:r>
+              <a:rPr lang="en-US" sz="750" b="1" dirty="0">
+                <a:latin typeface="Courier" charset="0"/>
+                <a:ea typeface="Courier" charset="0"/>
+                <a:cs typeface="Courier" charset="0"/>
+              </a:rPr>
+              <a:t>      +                                                               +</a:t>
+            </a:r>
+          </a:p>
+          <a:p>
+            <a:pPr>
+              <a:spcAft>
+                <a:spcPts val="0"/>
+              </a:spcAft>
+            </a:pPr>
+            <a:r>
+              <a:rPr lang="en-US" sz="750" b="1" dirty="0">
+                <a:latin typeface="Courier" charset="0"/>
+                <a:ea typeface="Courier" charset="0"/>
+                <a:cs typeface="Courier" charset="0"/>
+              </a:rPr>
+              <a:t>      |                                                               |</a:t>
+            </a:r>
+          </a:p>
+          <a:p>
+            <a:pPr>
+              <a:spcAft>
+                <a:spcPts val="0"/>
+              </a:spcAft>
+            </a:pPr>
+            <a:r>
+              <a:rPr lang="en-US" sz="750" b="1" dirty="0">
+                <a:latin typeface="Courier" charset="0"/>
+                <a:ea typeface="Courier" charset="0"/>
+                <a:cs typeface="Courier" charset="0"/>
+              </a:rPr>
+              <a:t>      |                                                               |</a:t>
+            </a:r>
+          </a:p>
+          <a:p>
+            <a:pPr>
+              <a:spcAft>
+                <a:spcPts val="0"/>
+              </a:spcAft>
+            </a:pPr>
+            <a:r>
+              <a:rPr lang="en-US" sz="750" b="1" dirty="0">
+                <a:latin typeface="Courier" charset="0"/>
+                <a:ea typeface="Courier" charset="0"/>
+                <a:cs typeface="Courier" charset="0"/>
+              </a:rPr>
+              <a:t>      +                                                               +</a:t>
+            </a:r>
+          </a:p>
+          <a:p>
+            <a:pPr>
+              <a:spcAft>
+                <a:spcPts val="0"/>
+              </a:spcAft>
+            </a:pPr>
+            <a:r>
+              <a:rPr lang="en-US" sz="750" b="1" dirty="0">
+                <a:latin typeface="Courier" charset="0"/>
+                <a:ea typeface="Courier" charset="0"/>
+                <a:cs typeface="Courier" charset="0"/>
+              </a:rPr>
+              <a:t>      |                                                               |</a:t>
+            </a:r>
+          </a:p>
+          <a:p>
+            <a:pPr>
+              <a:spcAft>
+                <a:spcPts val="0"/>
+              </a:spcAft>
+            </a:pPr>
+            <a:r>
+              <a:rPr lang="en-US" sz="750" b="1" dirty="0">
+                <a:latin typeface="Courier" charset="0"/>
+                <a:ea typeface="Courier" charset="0"/>
+                <a:cs typeface="Courier" charset="0"/>
+              </a:rPr>
+              <a:t>      +                                                               +</a:t>
+            </a:r>
+          </a:p>
+          <a:p>
+            <a:pPr>
+              <a:spcAft>
+                <a:spcPts val="0"/>
+              </a:spcAft>
+            </a:pPr>
+            <a:r>
+              <a:rPr lang="en-US" sz="750" b="1" dirty="0">
+                <a:latin typeface="Courier" charset="0"/>
+                <a:ea typeface="Courier" charset="0"/>
+                <a:cs typeface="Courier" charset="0"/>
+              </a:rPr>
+              <a:t>      |                                                               |</a:t>
+            </a:r>
+          </a:p>
+          <a:p>
+            <a:pPr>
+              <a:spcAft>
+                <a:spcPts val="0"/>
+              </a:spcAft>
+            </a:pPr>
+            <a:r>
+              <a:rPr lang="en-US" sz="750" b="1" dirty="0">
+                <a:latin typeface="Courier" charset="0"/>
+                <a:ea typeface="Courier" charset="0"/>
+                <a:cs typeface="Courier" charset="0"/>
+              </a:rPr>
+              <a:t>      +-+-+-+-+-+-+-+-+-+-+-+-+-+-+-+-+-+-+-+-+-+-+-+-+-+-+-+-+-+-+-+-+</a:t>
+            </a:r>
+          </a:p>
+          <a:p>
+            <a:pPr>
+              <a:spcAft>
+                <a:spcPts val="0"/>
+              </a:spcAft>
+            </a:pPr>
+            <a:r>
+              <a:rPr lang="en-US" sz="750" b="1" dirty="0">
+                <a:solidFill>
+                  <a:srgbClr val="0070C0"/>
+                </a:solidFill>
+                <a:latin typeface="Courier" charset="0"/>
+                <a:ea typeface="Courier" charset="0"/>
+                <a:cs typeface="Courier" charset="0"/>
+              </a:rPr>
+              <a:t>      |    Control Code Type          |           Length              |</a:t>
+            </a:r>
+          </a:p>
+          <a:p>
+            <a:pPr>
+              <a:spcAft>
+                <a:spcPts val="0"/>
+              </a:spcAft>
+            </a:pPr>
+            <a:r>
+              <a:rPr lang="en-US" sz="750" b="1" dirty="0">
+                <a:solidFill>
+                  <a:srgbClr val="0070C0"/>
+                </a:solidFill>
+                <a:latin typeface="Courier" charset="0"/>
+                <a:ea typeface="Courier" charset="0"/>
+                <a:cs typeface="Courier" charset="0"/>
+              </a:rPr>
+              <a:t>      +-+-+-+-+-+-+-+-+-+-+-+-+-+-+-+-+-+-+-+-+-+-+-+-+-+-+-+-+-+-+-+-+</a:t>
+            </a:r>
+          </a:p>
+          <a:p>
+            <a:pPr>
+              <a:spcAft>
+                <a:spcPts val="0"/>
+              </a:spcAft>
+            </a:pPr>
+            <a:r>
+              <a:rPr lang="en-US" sz="750" b="1" dirty="0">
+                <a:solidFill>
+                  <a:srgbClr val="0070C0"/>
+                </a:solidFill>
+                <a:latin typeface="Courier" charset="0"/>
+                <a:ea typeface="Courier" charset="0"/>
+                <a:cs typeface="Courier" charset="0"/>
+              </a:rPr>
+              <a:t>      |             Control Code                                      |</a:t>
+            </a:r>
+          </a:p>
+          <a:p>
+            <a:pPr>
+              <a:spcAft>
+                <a:spcPts val="0"/>
+              </a:spcAft>
+            </a:pPr>
+            <a:r>
+              <a:rPr lang="en-US" sz="750" b="1" dirty="0">
+                <a:solidFill>
+                  <a:srgbClr val="0070C0"/>
+                </a:solidFill>
+                <a:latin typeface="Courier" charset="0"/>
+                <a:ea typeface="Courier" charset="0"/>
+                <a:cs typeface="Courier" charset="0"/>
+              </a:rPr>
+              <a:t>      +-+-+-+-+-+-+-+-+-+-+-+-+-+-+-+-+-+-+-+-+-+-+-+-+-+-+-+-+-+-+-+-+</a:t>
+            </a:r>
+          </a:p>
+          <a:p>
+            <a:pPr>
+              <a:spcAft>
+                <a:spcPts val="0"/>
+              </a:spcAft>
+            </a:pPr>
+            <a:endParaRPr lang="en-US" sz="750" b="1" dirty="0">
+              <a:latin typeface="Courier" charset="0"/>
+              <a:ea typeface="Courier" charset="0"/>
+              <a:cs typeface="Courier" charset="0"/>
+            </a:endParaRPr>
+          </a:p>
+          <a:p>
+            <a:pPr>
+              <a:spcAft>
+                <a:spcPts val="0"/>
+              </a:spcAft>
+            </a:pPr>
+            <a:r>
+              <a:rPr lang="en-US" sz="750" b="1" dirty="0">
+                <a:latin typeface="Courier" charset="0"/>
+                <a:ea typeface="Courier" charset="0"/>
+                <a:cs typeface="Courier" charset="0"/>
+              </a:rPr>
+              <a:t>	    Figure: Sender Message Format</a:t>
+            </a:r>
+          </a:p>
+        </p:txBody>
+      </p:sp>
+      <p:sp>
+        <p:nvSpPr>
+          <p:cNvPr id="14" name="Rectangle 13">
+            <a:extLst>
+              <a:ext uri="{FF2B5EF4-FFF2-40B4-BE49-F238E27FC236}">
+                <a16:creationId xmlns:a16="http://schemas.microsoft.com/office/drawing/2014/main" id="{5F9D9D1B-92A3-C64D-87B1-9B0B9C9E3A13}"/>
+              </a:ext>
+            </a:extLst>
+          </p:cNvPr>
+          <p:cNvSpPr/>
+          <p:nvPr/>
+        </p:nvSpPr>
+        <p:spPr>
+          <a:xfrm>
+            <a:off x="4495800" y="742950"/>
+            <a:ext cx="4368799" cy="3323987"/>
+          </a:xfrm>
+          <a:prstGeom prst="rect">
+            <a:avLst/>
+          </a:prstGeom>
+          <a:solidFill>
+            <a:schemeClr val="accent6">
+              <a:lumMod val="20000"/>
+              <a:lumOff val="80000"/>
+            </a:schemeClr>
+          </a:solidFill>
+        </p:spPr>
+        <p:txBody>
+          <a:bodyPr wrap="square">
+            <a:spAutoFit/>
+          </a:bodyPr>
+          <a:lstStyle/>
+          <a:p>
+            <a:pPr>
+              <a:spcAft>
+                <a:spcPts val="0"/>
+              </a:spcAft>
+            </a:pPr>
+            <a:r>
+              <a:rPr lang="en-US" sz="750" b="1" dirty="0">
+                <a:latin typeface="Courier" charset="0"/>
+                <a:ea typeface="Courier" charset="0"/>
+                <a:cs typeface="Courier" charset="0"/>
+              </a:rPr>
+              <a:t>     0                   1                   2                   3</a:t>
+            </a:r>
+          </a:p>
+          <a:p>
+            <a:pPr>
+              <a:spcAft>
+                <a:spcPts val="0"/>
+              </a:spcAft>
+            </a:pPr>
+            <a:r>
+              <a:rPr lang="en-US" sz="750" b="1" dirty="0">
+                <a:latin typeface="Courier" charset="0"/>
+                <a:ea typeface="Courier" charset="0"/>
+                <a:cs typeface="Courier" charset="0"/>
+              </a:rPr>
+              <a:t>     0 1 2 3 4 5 6 7 8 9 0 1 2 3 4 5 6 7 8 9 0 1 2 3 4 5 6 7 8 9 0 1</a:t>
+            </a:r>
+          </a:p>
+          <a:p>
+            <a:pPr>
+              <a:spcAft>
+                <a:spcPts val="0"/>
+              </a:spcAft>
+            </a:pPr>
+            <a:r>
+              <a:rPr lang="en-US" sz="750" b="1" dirty="0">
+                <a:latin typeface="Courier" charset="0"/>
+                <a:ea typeface="Courier" charset="0"/>
+                <a:cs typeface="Courier" charset="0"/>
+              </a:rPr>
+              <a:t>    +-+-+-+-+-+-+-+-+-+-+-+-+-+-+-+-+-+-+-+-+-+-+-+-+-+-+-+-+-+-+-+-+</a:t>
+            </a:r>
+          </a:p>
+          <a:p>
+            <a:pPr>
+              <a:spcAft>
+                <a:spcPts val="0"/>
+              </a:spcAft>
+            </a:pPr>
+            <a:r>
+              <a:rPr lang="en-US" sz="750" b="1" dirty="0">
+                <a:latin typeface="Courier" charset="0"/>
+                <a:ea typeface="Courier" charset="0"/>
+                <a:cs typeface="Courier" charset="0"/>
+              </a:rPr>
+              <a:t>    |                        Sequence Number                        |</a:t>
+            </a:r>
+          </a:p>
+          <a:p>
+            <a:pPr>
+              <a:spcAft>
+                <a:spcPts val="0"/>
+              </a:spcAft>
+            </a:pPr>
+            <a:r>
+              <a:rPr lang="en-US" sz="750" b="1" dirty="0">
+                <a:latin typeface="Courier" charset="0"/>
+                <a:ea typeface="Courier" charset="0"/>
+                <a:cs typeface="Courier" charset="0"/>
+              </a:rPr>
+              <a:t>    +-+-+-+-+-+-+-+-+-+-+-+-+-+-+-+-+-+-+-+-+-+-+-+-+-+-+-+-+-+-+-+-+</a:t>
+            </a:r>
+          </a:p>
+          <a:p>
+            <a:pPr>
+              <a:spcAft>
+                <a:spcPts val="0"/>
+              </a:spcAft>
+            </a:pPr>
+            <a:r>
+              <a:rPr lang="en-US" sz="750" b="1" dirty="0">
+                <a:latin typeface="Courier" charset="0"/>
+                <a:ea typeface="Courier" charset="0"/>
+                <a:cs typeface="Courier" charset="0"/>
+              </a:rPr>
+              <a:t>    |                          Timestamp                            |</a:t>
+            </a:r>
+          </a:p>
+          <a:p>
+            <a:pPr>
+              <a:spcAft>
+                <a:spcPts val="0"/>
+              </a:spcAft>
+            </a:pPr>
+            <a:r>
+              <a:rPr lang="en-US" sz="750" b="1" dirty="0">
+                <a:latin typeface="Courier" charset="0"/>
+                <a:ea typeface="Courier" charset="0"/>
+                <a:cs typeface="Courier" charset="0"/>
+              </a:rPr>
+              <a:t>    |                                                               |</a:t>
+            </a:r>
+          </a:p>
+          <a:p>
+            <a:pPr>
+              <a:spcAft>
+                <a:spcPts val="0"/>
+              </a:spcAft>
+            </a:pPr>
+            <a:r>
+              <a:rPr lang="en-US" sz="750" b="1" dirty="0">
+                <a:latin typeface="Courier" charset="0"/>
+                <a:ea typeface="Courier" charset="0"/>
+                <a:cs typeface="Courier" charset="0"/>
+              </a:rPr>
+              <a:t>    +-+-+-+-+-+-+-+-+-+-+-+-+-+-+-+-+-+-+-+-+-+-+-+-+-+-+-+-+-+-+-+-+</a:t>
+            </a:r>
+          </a:p>
+          <a:p>
+            <a:pPr>
+              <a:spcAft>
+                <a:spcPts val="0"/>
+              </a:spcAft>
+            </a:pPr>
+            <a:r>
+              <a:rPr lang="en-US" sz="750" b="1" dirty="0">
+                <a:latin typeface="Courier" charset="0"/>
+                <a:ea typeface="Courier" charset="0"/>
+                <a:cs typeface="Courier" charset="0"/>
+              </a:rPr>
+              <a:t>    |         Error Estimate        |   </a:t>
+            </a:r>
+            <a:r>
+              <a:rPr lang="en-US" sz="750" b="1" dirty="0">
+                <a:solidFill>
+                  <a:srgbClr val="0070C0"/>
+                </a:solidFill>
+                <a:latin typeface="Courier" charset="0"/>
+                <a:ea typeface="Courier" charset="0"/>
+                <a:cs typeface="Courier" charset="0"/>
+              </a:rPr>
+              <a:t>Session ID                  </a:t>
+            </a:r>
+            <a:r>
+              <a:rPr lang="en-US" sz="750" b="1" dirty="0">
+                <a:latin typeface="Courier" charset="0"/>
+                <a:ea typeface="Courier" charset="0"/>
+                <a:cs typeface="Courier" charset="0"/>
+              </a:rPr>
+              <a:t>|    </a:t>
+            </a:r>
+          </a:p>
+          <a:p>
+            <a:pPr>
+              <a:spcAft>
+                <a:spcPts val="0"/>
+              </a:spcAft>
+            </a:pPr>
+            <a:r>
+              <a:rPr lang="en-US" sz="750" b="1" dirty="0">
+                <a:latin typeface="Courier" charset="0"/>
+                <a:ea typeface="Courier" charset="0"/>
+                <a:cs typeface="Courier" charset="0"/>
+              </a:rPr>
+              <a:t>    +-+-+-+-+-+-+-+-+-+-+-+-+-+-+-+-+-+-+-+-+-+-+-+-+-+-+-+-+-+-+-+-+</a:t>
+            </a:r>
+          </a:p>
+          <a:p>
+            <a:pPr>
+              <a:spcAft>
+                <a:spcPts val="0"/>
+              </a:spcAft>
+            </a:pPr>
+            <a:r>
+              <a:rPr lang="en-US" sz="750" b="1" dirty="0">
+                <a:latin typeface="Courier" charset="0"/>
+                <a:ea typeface="Courier" charset="0"/>
+                <a:cs typeface="Courier" charset="0"/>
+              </a:rPr>
+              <a:t>    |                          Receive Timestamp                    |</a:t>
+            </a:r>
+          </a:p>
+          <a:p>
+            <a:pPr>
+              <a:spcAft>
+                <a:spcPts val="0"/>
+              </a:spcAft>
+            </a:pPr>
+            <a:r>
+              <a:rPr lang="en-US" sz="750" b="1" dirty="0">
+                <a:latin typeface="Courier" charset="0"/>
+                <a:ea typeface="Courier" charset="0"/>
+                <a:cs typeface="Courier" charset="0"/>
+              </a:rPr>
+              <a:t>    |                                                               |</a:t>
+            </a:r>
+          </a:p>
+          <a:p>
+            <a:pPr>
+              <a:spcAft>
+                <a:spcPts val="0"/>
+              </a:spcAft>
+            </a:pPr>
+            <a:r>
+              <a:rPr lang="en-US" sz="750" b="1" dirty="0">
+                <a:latin typeface="Courier" charset="0"/>
+                <a:ea typeface="Courier" charset="0"/>
+                <a:cs typeface="Courier" charset="0"/>
+              </a:rPr>
+              <a:t>    +-+-+-+-+-+-+-+-+-+-+-+-+-+-+-+-+-+-+-+-+-+-+-+-+-+-+-+-+-+-+-+-+</a:t>
+            </a:r>
+          </a:p>
+          <a:p>
+            <a:pPr>
+              <a:spcAft>
+                <a:spcPts val="0"/>
+              </a:spcAft>
+            </a:pPr>
+            <a:r>
+              <a:rPr lang="en-US" sz="750" b="1" dirty="0">
+                <a:latin typeface="Courier" charset="0"/>
+                <a:ea typeface="Courier" charset="0"/>
+                <a:cs typeface="Courier" charset="0"/>
+              </a:rPr>
+              <a:t>    |                 Session-Sender Sequence Number                |</a:t>
+            </a:r>
+          </a:p>
+          <a:p>
+            <a:pPr>
+              <a:spcAft>
+                <a:spcPts val="0"/>
+              </a:spcAft>
+            </a:pPr>
+            <a:r>
+              <a:rPr lang="en-US" sz="750" b="1" dirty="0">
+                <a:latin typeface="Courier" charset="0"/>
+                <a:ea typeface="Courier" charset="0"/>
+                <a:cs typeface="Courier" charset="0"/>
+              </a:rPr>
+              <a:t>    +-+-+-+-+-+-+-+-+-+-+-+-+-+-+-+-+-+-+-+-+-+-+-+-+-+-+-+-+-+-+-+-+</a:t>
+            </a:r>
+          </a:p>
+          <a:p>
+            <a:pPr>
+              <a:spcAft>
+                <a:spcPts val="0"/>
+              </a:spcAft>
+            </a:pPr>
+            <a:r>
+              <a:rPr lang="en-US" sz="750" b="1" dirty="0">
+                <a:latin typeface="Courier" charset="0"/>
+                <a:ea typeface="Courier" charset="0"/>
+                <a:cs typeface="Courier" charset="0"/>
+              </a:rPr>
+              <a:t>    |                  Session-Sender Timestamp                     |</a:t>
+            </a:r>
+          </a:p>
+          <a:p>
+            <a:pPr>
+              <a:spcAft>
+                <a:spcPts val="0"/>
+              </a:spcAft>
+            </a:pPr>
+            <a:r>
+              <a:rPr lang="en-US" sz="750" b="1" dirty="0">
+                <a:latin typeface="Courier" charset="0"/>
+                <a:ea typeface="Courier" charset="0"/>
+                <a:cs typeface="Courier" charset="0"/>
+              </a:rPr>
+              <a:t>    |                                                               |</a:t>
+            </a:r>
+          </a:p>
+          <a:p>
+            <a:pPr>
+              <a:spcAft>
+                <a:spcPts val="0"/>
+              </a:spcAft>
+            </a:pPr>
+            <a:r>
+              <a:rPr lang="en-US" sz="750" b="1" dirty="0">
+                <a:latin typeface="Courier" charset="0"/>
+                <a:ea typeface="Courier" charset="0"/>
+                <a:cs typeface="Courier" charset="0"/>
+              </a:rPr>
+              <a:t>    +-+-+-+-+-+-+-+-+-+-+-+-+-+-+-+-+-+-+-+-+-+-+-+-+-+-+-+-+-+-+-+-+</a:t>
+            </a:r>
+          </a:p>
+          <a:p>
+            <a:pPr>
+              <a:spcAft>
+                <a:spcPts val="0"/>
+              </a:spcAft>
+            </a:pPr>
+            <a:r>
+              <a:rPr lang="en-US" sz="750" b="1" dirty="0">
+                <a:latin typeface="Courier" charset="0"/>
+                <a:ea typeface="Courier" charset="0"/>
+                <a:cs typeface="Courier" charset="0"/>
+              </a:rPr>
+              <a:t>    | Session-Sender Error Estimate |           MBZ                 |</a:t>
+            </a:r>
+          </a:p>
+          <a:p>
+            <a:pPr>
+              <a:spcAft>
+                <a:spcPts val="0"/>
+              </a:spcAft>
+            </a:pPr>
+            <a:r>
+              <a:rPr lang="en-US" sz="750" b="1" dirty="0">
+                <a:latin typeface="Courier" charset="0"/>
+                <a:ea typeface="Courier" charset="0"/>
+                <a:cs typeface="Courier" charset="0"/>
+              </a:rPr>
+              <a:t>    +-+-+-+-+-+-+-+-+-+-+-+-+-+-+-+-+-+-+-+-+-+-+-+-+-+-+-+-+-+-+-+-+</a:t>
+            </a:r>
+          </a:p>
+          <a:p>
+            <a:pPr>
+              <a:spcAft>
+                <a:spcPts val="0"/>
+              </a:spcAft>
+            </a:pPr>
+            <a:r>
+              <a:rPr lang="en-US" sz="750" b="1" dirty="0">
+                <a:latin typeface="Courier" charset="0"/>
+                <a:ea typeface="Courier" charset="0"/>
+                <a:cs typeface="Courier" charset="0"/>
+              </a:rPr>
+              <a:t>    |</a:t>
+            </a:r>
+            <a:r>
+              <a:rPr lang="en-US" sz="750" b="1" dirty="0" err="1">
+                <a:latin typeface="Courier" charset="0"/>
+                <a:ea typeface="Courier" charset="0"/>
+                <a:cs typeface="Courier" charset="0"/>
+              </a:rPr>
+              <a:t>Ses</a:t>
+            </a:r>
+            <a:r>
+              <a:rPr lang="en-US" sz="750" b="1" dirty="0">
+                <a:latin typeface="Courier" charset="0"/>
+                <a:ea typeface="Courier" charset="0"/>
+                <a:cs typeface="Courier" charset="0"/>
+              </a:rPr>
+              <a:t>-Sender TTL |                  MBZ2                         |</a:t>
+            </a:r>
+          </a:p>
+          <a:p>
+            <a:pPr>
+              <a:spcAft>
+                <a:spcPts val="0"/>
+              </a:spcAft>
+            </a:pPr>
+            <a:r>
+              <a:rPr lang="en-US" sz="750" b="1" dirty="0">
+                <a:latin typeface="Courier" charset="0"/>
+                <a:ea typeface="Courier" charset="0"/>
+                <a:cs typeface="Courier" charset="0"/>
+              </a:rPr>
+              <a:t>    +-+-+-+-+-+-+-+-+-+-+-+-+-+-+-+-+-+-+-+-+-+-+-+-+-+-+-+-+-+-+-+-+</a:t>
+            </a:r>
+          </a:p>
+          <a:p>
+            <a:pPr>
+              <a:spcAft>
+                <a:spcPts val="0"/>
+              </a:spcAft>
+            </a:pPr>
+            <a:r>
+              <a:rPr lang="en-US" sz="750" b="1" dirty="0">
+                <a:solidFill>
+                  <a:srgbClr val="0070C0"/>
+                </a:solidFill>
+                <a:latin typeface="Courier" charset="0"/>
+                <a:ea typeface="Courier" charset="0"/>
+                <a:cs typeface="Courier" charset="0"/>
+              </a:rPr>
+              <a:t>    |    Control Code Type          |           Length              |</a:t>
+            </a:r>
+          </a:p>
+          <a:p>
+            <a:pPr>
+              <a:spcAft>
+                <a:spcPts val="0"/>
+              </a:spcAft>
+            </a:pPr>
+            <a:r>
+              <a:rPr lang="en-US" sz="750" b="1" dirty="0">
+                <a:solidFill>
+                  <a:srgbClr val="0070C0"/>
+                </a:solidFill>
+                <a:latin typeface="Courier" charset="0"/>
+                <a:ea typeface="Courier" charset="0"/>
+                <a:cs typeface="Courier" charset="0"/>
+              </a:rPr>
+              <a:t>    +-+-+-+-+-+-+-+-+-+-+-+-+-+-+-+-+-+-+-+-+-+-+-+-+-+-+-+-+-+-+-+-+</a:t>
+            </a:r>
+          </a:p>
+          <a:p>
+            <a:pPr>
+              <a:spcAft>
+                <a:spcPts val="0"/>
+              </a:spcAft>
+            </a:pPr>
+            <a:r>
+              <a:rPr lang="en-US" sz="750" b="1" dirty="0">
+                <a:solidFill>
+                  <a:srgbClr val="0070C0"/>
+                </a:solidFill>
+                <a:latin typeface="Courier" charset="0"/>
+                <a:ea typeface="Courier" charset="0"/>
+                <a:cs typeface="Courier" charset="0"/>
+              </a:rPr>
+              <a:t>    |             Control Code                                      |</a:t>
+            </a:r>
+          </a:p>
+          <a:p>
+            <a:pPr>
+              <a:spcAft>
+                <a:spcPts val="0"/>
+              </a:spcAft>
+            </a:pPr>
+            <a:r>
+              <a:rPr lang="en-US" sz="750" b="1" dirty="0">
+                <a:solidFill>
+                  <a:srgbClr val="0070C0"/>
+                </a:solidFill>
+                <a:latin typeface="Courier" charset="0"/>
+                <a:ea typeface="Courier" charset="0"/>
+                <a:cs typeface="Courier" charset="0"/>
+              </a:rPr>
+              <a:t>    +-+-+-+-+-+-+-+-+-+-+-+-+-+-+-+-+-+-+-+-+-+-+-+-+-+-+-+-+-+-+-+-+	    </a:t>
+            </a:r>
+          </a:p>
+          <a:p>
+            <a:pPr>
+              <a:spcAft>
+                <a:spcPts val="0"/>
+              </a:spcAft>
+            </a:pPr>
+            <a:r>
+              <a:rPr lang="en-US" sz="750" b="1" dirty="0">
+                <a:latin typeface="Courier" charset="0"/>
+                <a:ea typeface="Courier" charset="0"/>
+                <a:cs typeface="Courier" charset="0"/>
+              </a:rPr>
+              <a:t>                        Figure: Reflector Message Format</a:t>
+            </a:r>
+          </a:p>
+        </p:txBody>
+      </p:sp>
+      <p:sp>
+        <p:nvSpPr>
+          <p:cNvPr id="6" name="Footer Placeholder 3">
+            <a:extLst>
+              <a:ext uri="{FF2B5EF4-FFF2-40B4-BE49-F238E27FC236}">
+                <a16:creationId xmlns:a16="http://schemas.microsoft.com/office/drawing/2014/main" id="{DAAC01B7-F9FF-A94D-AC6F-E2071AD95C28}"/>
+              </a:ext>
+            </a:extLst>
+          </p:cNvPr>
+          <p:cNvSpPr txBox="1">
+            <a:spLocks/>
+          </p:cNvSpPr>
+          <p:nvPr/>
+        </p:nvSpPr>
+        <p:spPr>
+          <a:xfrm>
+            <a:off x="3467100" y="4844952"/>
+            <a:ext cx="2209800" cy="357188"/>
+          </a:xfrm>
+          <a:prstGeom prst="rect">
+            <a:avLst/>
+          </a:prstGeom>
+        </p:spPr>
+        <p:txBody>
+          <a:bodyPr/>
+          <a:lstStyle>
+            <a:defPPr>
+              <a:defRPr lang="zh-CN"/>
+            </a:defPPr>
+            <a:lvl1pPr algn="l" rtl="0" fontAlgn="base">
+              <a:spcBef>
+                <a:spcPct val="0"/>
+              </a:spcBef>
+              <a:spcAft>
+                <a:spcPct val="0"/>
+              </a:spcAft>
+              <a:defRPr kern="1200">
+                <a:solidFill>
+                  <a:schemeClr val="tx1"/>
+                </a:solidFill>
+                <a:latin typeface="Arial" charset="0"/>
+                <a:ea typeface="宋体" pitchFamily="2" charset="-122"/>
+                <a:cs typeface="+mn-cs"/>
+              </a:defRPr>
+            </a:lvl1pPr>
+            <a:lvl2pPr marL="457200" algn="l" rtl="0" fontAlgn="base">
+              <a:spcBef>
+                <a:spcPct val="0"/>
+              </a:spcBef>
+              <a:spcAft>
+                <a:spcPct val="0"/>
+              </a:spcAft>
+              <a:defRPr kern="1200">
+                <a:solidFill>
+                  <a:schemeClr val="tx1"/>
+                </a:solidFill>
+                <a:latin typeface="Arial" charset="0"/>
+                <a:ea typeface="宋体" pitchFamily="2" charset="-122"/>
+                <a:cs typeface="+mn-cs"/>
+              </a:defRPr>
+            </a:lvl2pPr>
+            <a:lvl3pPr marL="914400" algn="l" rtl="0" fontAlgn="base">
+              <a:spcBef>
+                <a:spcPct val="0"/>
+              </a:spcBef>
+              <a:spcAft>
+                <a:spcPct val="0"/>
+              </a:spcAft>
+              <a:defRPr kern="1200">
+                <a:solidFill>
+                  <a:schemeClr val="tx1"/>
+                </a:solidFill>
+                <a:latin typeface="Arial" charset="0"/>
+                <a:ea typeface="宋体" pitchFamily="2" charset="-122"/>
+                <a:cs typeface="+mn-cs"/>
+              </a:defRPr>
+            </a:lvl3pPr>
+            <a:lvl4pPr marL="1371600" algn="l" rtl="0" fontAlgn="base">
+              <a:spcBef>
+                <a:spcPct val="0"/>
+              </a:spcBef>
+              <a:spcAft>
+                <a:spcPct val="0"/>
+              </a:spcAft>
+              <a:defRPr kern="1200">
+                <a:solidFill>
+                  <a:schemeClr val="tx1"/>
+                </a:solidFill>
+                <a:latin typeface="Arial" charset="0"/>
+                <a:ea typeface="宋体" pitchFamily="2" charset="-122"/>
+                <a:cs typeface="+mn-cs"/>
+              </a:defRPr>
+            </a:lvl4pPr>
+            <a:lvl5pPr marL="1828800" algn="l" rtl="0" fontAlgn="base">
+              <a:spcBef>
+                <a:spcPct val="0"/>
+              </a:spcBef>
+              <a:spcAft>
+                <a:spcPct val="0"/>
+              </a:spcAft>
+              <a:defRPr kern="1200">
+                <a:solidFill>
+                  <a:schemeClr val="tx1"/>
+                </a:solidFill>
+                <a:latin typeface="Arial" charset="0"/>
+                <a:ea typeface="宋体" pitchFamily="2" charset="-122"/>
+                <a:cs typeface="+mn-cs"/>
+              </a:defRPr>
+            </a:lvl5pPr>
+            <a:lvl6pPr marL="2286000" algn="l" defTabSz="914400" rtl="0" eaLnBrk="1" latinLnBrk="0" hangingPunct="1">
+              <a:defRPr kern="1200">
+                <a:solidFill>
+                  <a:schemeClr val="tx1"/>
+                </a:solidFill>
+                <a:latin typeface="Arial" charset="0"/>
+                <a:ea typeface="宋体" pitchFamily="2" charset="-122"/>
+                <a:cs typeface="+mn-cs"/>
+              </a:defRPr>
+            </a:lvl6pPr>
+            <a:lvl7pPr marL="2743200" algn="l" defTabSz="914400" rtl="0" eaLnBrk="1" latinLnBrk="0" hangingPunct="1">
+              <a:defRPr kern="1200">
+                <a:solidFill>
+                  <a:schemeClr val="tx1"/>
+                </a:solidFill>
+                <a:latin typeface="Arial" charset="0"/>
+                <a:ea typeface="宋体" pitchFamily="2" charset="-122"/>
+                <a:cs typeface="+mn-cs"/>
+              </a:defRPr>
+            </a:lvl7pPr>
+            <a:lvl8pPr marL="3200400" algn="l" defTabSz="914400" rtl="0" eaLnBrk="1" latinLnBrk="0" hangingPunct="1">
+              <a:defRPr kern="1200">
+                <a:solidFill>
+                  <a:schemeClr val="tx1"/>
+                </a:solidFill>
+                <a:latin typeface="Arial" charset="0"/>
+                <a:ea typeface="宋体" pitchFamily="2" charset="-122"/>
+                <a:cs typeface="+mn-cs"/>
+              </a:defRPr>
+            </a:lvl8pPr>
+            <a:lvl9pPr marL="3657600" algn="l" defTabSz="914400" rtl="0" eaLnBrk="1" latinLnBrk="0" hangingPunct="1">
+              <a:defRPr kern="1200">
+                <a:solidFill>
+                  <a:schemeClr val="tx1"/>
+                </a:solidFill>
+                <a:latin typeface="Arial" charset="0"/>
+                <a:ea typeface="宋体" pitchFamily="2" charset="-122"/>
+                <a:cs typeface="+mn-cs"/>
+              </a:defRPr>
+            </a:lvl9pPr>
+          </a:lstStyle>
+          <a:p>
+            <a:pPr>
+              <a:defRPr/>
+            </a:pPr>
+            <a:r>
+              <a:rPr lang="en-US" altLang="zh-CN" sz="1200" dirty="0"/>
+              <a:t>107</a:t>
+            </a:r>
+            <a:r>
+              <a:rPr lang="en-US" altLang="zh-CN" sz="1200" baseline="30000" dirty="0"/>
+              <a:t>th</a:t>
+            </a:r>
+            <a:r>
+              <a:rPr lang="en-US" altLang="zh-CN" sz="1200" dirty="0"/>
+              <a:t> IETF @ Vancouver</a:t>
+            </a:r>
+          </a:p>
+        </p:txBody>
+      </p:sp>
+      <p:sp>
+        <p:nvSpPr>
+          <p:cNvPr id="7" name="Slide Number Placeholder 2">
+            <a:extLst>
+              <a:ext uri="{FF2B5EF4-FFF2-40B4-BE49-F238E27FC236}">
+                <a16:creationId xmlns:a16="http://schemas.microsoft.com/office/drawing/2014/main" id="{8D46899F-25E7-8042-9E81-459B5F041477}"/>
+              </a:ext>
+            </a:extLst>
+          </p:cNvPr>
+          <p:cNvSpPr txBox="1">
+            <a:spLocks/>
+          </p:cNvSpPr>
+          <p:nvPr/>
+        </p:nvSpPr>
+        <p:spPr>
+          <a:xfrm>
+            <a:off x="7585136" y="4666358"/>
+            <a:ext cx="1143000" cy="357188"/>
+          </a:xfrm>
+          <a:prstGeom prst="rect">
+            <a:avLst/>
+          </a:prstGeom>
+        </p:spPr>
+        <p:txBody>
+          <a:bodyPr/>
+          <a:lstStyle>
+            <a:defPPr>
+              <a:defRPr lang="zh-CN"/>
+            </a:defPPr>
+            <a:lvl1pPr algn="l" rtl="0" fontAlgn="base">
+              <a:spcBef>
+                <a:spcPct val="0"/>
+              </a:spcBef>
+              <a:spcAft>
+                <a:spcPct val="0"/>
+              </a:spcAft>
+              <a:defRPr kern="1200">
+                <a:solidFill>
+                  <a:schemeClr val="tx1"/>
+                </a:solidFill>
+                <a:latin typeface="Arial" charset="0"/>
+                <a:ea typeface="宋体" pitchFamily="2" charset="-122"/>
+                <a:cs typeface="+mn-cs"/>
+              </a:defRPr>
+            </a:lvl1pPr>
+            <a:lvl2pPr marL="457200" algn="l" rtl="0" fontAlgn="base">
+              <a:spcBef>
+                <a:spcPct val="0"/>
+              </a:spcBef>
+              <a:spcAft>
+                <a:spcPct val="0"/>
+              </a:spcAft>
+              <a:defRPr kern="1200">
+                <a:solidFill>
+                  <a:schemeClr val="tx1"/>
+                </a:solidFill>
+                <a:latin typeface="Arial" charset="0"/>
+                <a:ea typeface="宋体" pitchFamily="2" charset="-122"/>
+                <a:cs typeface="+mn-cs"/>
+              </a:defRPr>
+            </a:lvl2pPr>
+            <a:lvl3pPr marL="914400" algn="l" rtl="0" fontAlgn="base">
+              <a:spcBef>
+                <a:spcPct val="0"/>
+              </a:spcBef>
+              <a:spcAft>
+                <a:spcPct val="0"/>
+              </a:spcAft>
+              <a:defRPr kern="1200">
+                <a:solidFill>
+                  <a:schemeClr val="tx1"/>
+                </a:solidFill>
+                <a:latin typeface="Arial" charset="0"/>
+                <a:ea typeface="宋体" pitchFamily="2" charset="-122"/>
+                <a:cs typeface="+mn-cs"/>
+              </a:defRPr>
+            </a:lvl3pPr>
+            <a:lvl4pPr marL="1371600" algn="l" rtl="0" fontAlgn="base">
+              <a:spcBef>
+                <a:spcPct val="0"/>
+              </a:spcBef>
+              <a:spcAft>
+                <a:spcPct val="0"/>
+              </a:spcAft>
+              <a:defRPr kern="1200">
+                <a:solidFill>
+                  <a:schemeClr val="tx1"/>
+                </a:solidFill>
+                <a:latin typeface="Arial" charset="0"/>
+                <a:ea typeface="宋体" pitchFamily="2" charset="-122"/>
+                <a:cs typeface="+mn-cs"/>
+              </a:defRPr>
+            </a:lvl4pPr>
+            <a:lvl5pPr marL="1828800" algn="l" rtl="0" fontAlgn="base">
+              <a:spcBef>
+                <a:spcPct val="0"/>
+              </a:spcBef>
+              <a:spcAft>
+                <a:spcPct val="0"/>
+              </a:spcAft>
+              <a:defRPr kern="1200">
+                <a:solidFill>
+                  <a:schemeClr val="tx1"/>
+                </a:solidFill>
+                <a:latin typeface="Arial" charset="0"/>
+                <a:ea typeface="宋体" pitchFamily="2" charset="-122"/>
+                <a:cs typeface="+mn-cs"/>
+              </a:defRPr>
+            </a:lvl5pPr>
+            <a:lvl6pPr marL="2286000" algn="l" defTabSz="914400" rtl="0" eaLnBrk="1" latinLnBrk="0" hangingPunct="1">
+              <a:defRPr kern="1200">
+                <a:solidFill>
+                  <a:schemeClr val="tx1"/>
+                </a:solidFill>
+                <a:latin typeface="Arial" charset="0"/>
+                <a:ea typeface="宋体" pitchFamily="2" charset="-122"/>
+                <a:cs typeface="+mn-cs"/>
+              </a:defRPr>
+            </a:lvl6pPr>
+            <a:lvl7pPr marL="2743200" algn="l" defTabSz="914400" rtl="0" eaLnBrk="1" latinLnBrk="0" hangingPunct="1">
+              <a:defRPr kern="1200">
+                <a:solidFill>
+                  <a:schemeClr val="tx1"/>
+                </a:solidFill>
+                <a:latin typeface="Arial" charset="0"/>
+                <a:ea typeface="宋体" pitchFamily="2" charset="-122"/>
+                <a:cs typeface="+mn-cs"/>
+              </a:defRPr>
+            </a:lvl7pPr>
+            <a:lvl8pPr marL="3200400" algn="l" defTabSz="914400" rtl="0" eaLnBrk="1" latinLnBrk="0" hangingPunct="1">
+              <a:defRPr kern="1200">
+                <a:solidFill>
+                  <a:schemeClr val="tx1"/>
+                </a:solidFill>
+                <a:latin typeface="Arial" charset="0"/>
+                <a:ea typeface="宋体" pitchFamily="2" charset="-122"/>
+                <a:cs typeface="+mn-cs"/>
+              </a:defRPr>
+            </a:lvl8pPr>
+            <a:lvl9pPr marL="3657600" algn="l" defTabSz="914400" rtl="0" eaLnBrk="1" latinLnBrk="0" hangingPunct="1">
+              <a:defRPr kern="1200">
+                <a:solidFill>
+                  <a:schemeClr val="tx1"/>
+                </a:solidFill>
+                <a:latin typeface="Arial" charset="0"/>
+                <a:ea typeface="宋体" pitchFamily="2" charset="-122"/>
+                <a:cs typeface="+mn-cs"/>
+              </a:defRPr>
+            </a:lvl9pPr>
+          </a:lstStyle>
+          <a:p>
+            <a:pPr algn="r">
+              <a:defRPr/>
+            </a:pPr>
+            <a:fld id="{D5EE1D1A-EEC2-4D53-94A7-85D62C853479}" type="slidenum">
+              <a:rPr lang="en-US" altLang="zh-CN" sz="1400" smtClean="0">
+                <a:latin typeface="Calibri" panose="020F0502020204030204" pitchFamily="34" charset="0"/>
+                <a:cs typeface="Calibri" panose="020F0502020204030204" pitchFamily="34" charset="0"/>
+              </a:rPr>
+              <a:pPr algn="r">
+                <a:defRPr/>
+              </a:pPr>
+              <a:t>25</a:t>
+            </a:fld>
+            <a:endParaRPr lang="en-US" altLang="zh-CN" sz="1400" dirty="0">
+              <a:latin typeface="Calibri" panose="020F0502020204030204" pitchFamily="34" charset="0"/>
+              <a:cs typeface="Calibri" panose="020F0502020204030204" pitchFamily="34" charset="0"/>
+            </a:endParaRPr>
+          </a:p>
+        </p:txBody>
+      </p:sp>
+      <p:cxnSp>
+        <p:nvCxnSpPr>
+          <p:cNvPr id="4" name="Straight Connector 3">
+            <a:extLst>
+              <a:ext uri="{FF2B5EF4-FFF2-40B4-BE49-F238E27FC236}">
+                <a16:creationId xmlns:a16="http://schemas.microsoft.com/office/drawing/2014/main" id="{0B9B10AD-8D48-D148-91E8-65E3279D89CE}"/>
+              </a:ext>
+            </a:extLst>
+          </p:cNvPr>
+          <p:cNvCxnSpPr>
+            <a:cxnSpLocks/>
+          </p:cNvCxnSpPr>
+          <p:nvPr/>
+        </p:nvCxnSpPr>
+        <p:spPr>
+          <a:xfrm>
+            <a:off x="4595191" y="742950"/>
+            <a:ext cx="0" cy="3323987"/>
+          </a:xfrm>
+          <a:prstGeom prst="line">
+            <a:avLst/>
+          </a:prstGeom>
+          <a:ln>
+            <a:solidFill>
+              <a:schemeClr val="tx2"/>
+            </a:solidFill>
+          </a:ln>
+        </p:spPr>
+        <p:style>
+          <a:lnRef idx="1">
+            <a:schemeClr val="accent1"/>
+          </a:lnRef>
+          <a:fillRef idx="0">
+            <a:schemeClr val="accent1"/>
+          </a:fillRef>
+          <a:effectRef idx="0">
+            <a:schemeClr val="accent1"/>
+          </a:effectRef>
+          <a:fontRef idx="minor">
+            <a:schemeClr val="tx1"/>
+          </a:fontRef>
+        </p:style>
+      </p:cxnSp>
+    </p:spTree>
+    <p:extLst>
+      <p:ext uri="{BB962C8B-B14F-4D97-AF65-F5344CB8AC3E}">
+        <p14:creationId xmlns:p14="http://schemas.microsoft.com/office/powerpoint/2010/main" val="1172922104"/>
+      </p:ext>
+    </p:extLst>
+  </p:cSld>
+  <p:clrMapOvr>
+    <a:masterClrMapping/>
+  </p:clrMapOvr>
+  <p:transition spd="med">
+    <p:fade/>
+  </p:transition>
+</p:sld>
+</file>
+
+<file path=ppt/slides/slide26.xml><?xml version="1.0" encoding="utf-8"?>
+<p:sld xmlns:a="http://schemas.openxmlformats.org/drawingml/2006/main" xmlns:r="http://schemas.openxmlformats.org/officeDocument/2006/relationships" xmlns:p="http://schemas.openxmlformats.org/presentationml/2006/main">
+  <p:cSld>
+    <p:spTree>
+      <p:nvGrpSpPr>
+        <p:cNvPr id="1" name=""/>
+        <p:cNvGrpSpPr/>
+        <p:nvPr/>
+      </p:nvGrpSpPr>
+      <p:grpSpPr>
+        <a:xfrm>
+          <a:off x="0" y="0"/>
+          <a:ext cx="0" cy="0"/>
+          <a:chOff x="0" y="0"/>
+          <a:chExt cx="0" cy="0"/>
+        </a:xfrm>
+      </p:grpSpPr>
+      <p:sp>
+        <p:nvSpPr>
+          <p:cNvPr id="4" name="Footer Placeholder 3"/>
+          <p:cNvSpPr>
+            <a:spLocks noGrp="1"/>
+          </p:cNvSpPr>
+          <p:nvPr>
+            <p:ph type="ftr" sz="quarter" idx="11"/>
+          </p:nvPr>
+        </p:nvSpPr>
+        <p:spPr>
+          <a:xfrm>
+            <a:off x="3048000" y="4786312"/>
+            <a:ext cx="2895600" cy="357188"/>
+          </a:xfrm>
+        </p:spPr>
+        <p:txBody>
+          <a:bodyPr/>
+          <a:lstStyle/>
+          <a:p>
+            <a:pPr>
+              <a:defRPr/>
+            </a:pPr>
+            <a:r>
+              <a:rPr lang="en-US" altLang="zh-CN" dirty="0"/>
+              <a:t>107</a:t>
+            </a:r>
+            <a:r>
+              <a:rPr lang="en-US" altLang="zh-CN" baseline="30000" dirty="0"/>
+              <a:t>th</a:t>
+            </a:r>
+            <a:r>
+              <a:rPr lang="en-US" altLang="zh-CN" dirty="0"/>
+              <a:t> IETF @ Vancouver</a:t>
+            </a:r>
+          </a:p>
+        </p:txBody>
+      </p:sp>
+      <p:sp>
+        <p:nvSpPr>
+          <p:cNvPr id="5" name="Rectangle 2"/>
+          <p:cNvSpPr txBox="1">
+            <a:spLocks noChangeArrowheads="1"/>
+          </p:cNvSpPr>
+          <p:nvPr/>
+        </p:nvSpPr>
+        <p:spPr bwMode="auto">
+          <a:xfrm>
+            <a:off x="685800" y="1657350"/>
+            <a:ext cx="7772400" cy="1102519"/>
+          </a:xfrm>
+          <a:prstGeom prst="rect">
+            <a:avLst/>
+          </a:prstGeom>
+          <a:noFill/>
+          <a:ln w="9525">
+            <a:noFill/>
+            <a:miter lim="800000"/>
+            <a:headEnd/>
+            <a:tailEnd/>
+          </a:ln>
+          <a:effectLst/>
+        </p:spPr>
+        <p:txBody>
+          <a:bodyPr vert="horz" wrap="square" lIns="91440" tIns="45720" rIns="91440" bIns="45720" numCol="1" anchor="ctr" anchorCtr="0" compatLnSpc="1">
+            <a:prstTxWarp prst="textNoShape">
+              <a:avLst/>
+            </a:prstTxWarp>
+          </a:bodyPr>
+          <a:lstStyle>
+            <a:lvl1pPr algn="ctr" rtl="0" eaLnBrk="0" fontAlgn="base" hangingPunct="0">
+              <a:spcBef>
+                <a:spcPct val="0"/>
+              </a:spcBef>
+              <a:spcAft>
+                <a:spcPct val="0"/>
+              </a:spcAft>
+              <a:defRPr sz="4400">
+                <a:solidFill>
+                  <a:schemeClr val="tx2"/>
+                </a:solidFill>
+                <a:latin typeface="+mj-lt"/>
+                <a:ea typeface="+mj-ea"/>
+                <a:cs typeface="+mj-cs"/>
+              </a:defRPr>
+            </a:lvl1pPr>
+            <a:lvl2pPr algn="ctr" rtl="0" eaLnBrk="0" fontAlgn="base" hangingPunct="0">
+              <a:spcBef>
+                <a:spcPct val="0"/>
+              </a:spcBef>
+              <a:spcAft>
+                <a:spcPct val="0"/>
+              </a:spcAft>
+              <a:defRPr sz="4400">
+                <a:solidFill>
+                  <a:schemeClr val="tx2"/>
+                </a:solidFill>
+                <a:latin typeface="Arial" charset="0"/>
+                <a:ea typeface="宋体" pitchFamily="2" charset="-122"/>
+              </a:defRPr>
+            </a:lvl2pPr>
+            <a:lvl3pPr algn="ctr" rtl="0" eaLnBrk="0" fontAlgn="base" hangingPunct="0">
+              <a:spcBef>
+                <a:spcPct val="0"/>
+              </a:spcBef>
+              <a:spcAft>
+                <a:spcPct val="0"/>
+              </a:spcAft>
+              <a:defRPr sz="4400">
+                <a:solidFill>
+                  <a:schemeClr val="tx2"/>
+                </a:solidFill>
+                <a:latin typeface="Arial" charset="0"/>
+                <a:ea typeface="宋体" pitchFamily="2" charset="-122"/>
+              </a:defRPr>
+            </a:lvl3pPr>
+            <a:lvl4pPr algn="ctr" rtl="0" eaLnBrk="0" fontAlgn="base" hangingPunct="0">
+              <a:spcBef>
+                <a:spcPct val="0"/>
+              </a:spcBef>
+              <a:spcAft>
+                <a:spcPct val="0"/>
+              </a:spcAft>
+              <a:defRPr sz="4400">
+                <a:solidFill>
+                  <a:schemeClr val="tx2"/>
+                </a:solidFill>
+                <a:latin typeface="Arial" charset="0"/>
+                <a:ea typeface="宋体" pitchFamily="2" charset="-122"/>
+              </a:defRPr>
+            </a:lvl4pPr>
+            <a:lvl5pPr algn="ctr" rtl="0" eaLnBrk="0" fontAlgn="base" hangingPunct="0">
+              <a:spcBef>
+                <a:spcPct val="0"/>
+              </a:spcBef>
+              <a:spcAft>
+                <a:spcPct val="0"/>
+              </a:spcAft>
+              <a:defRPr sz="4400">
+                <a:solidFill>
+                  <a:schemeClr val="tx2"/>
+                </a:solidFill>
+                <a:latin typeface="Arial" charset="0"/>
+                <a:ea typeface="宋体" pitchFamily="2" charset="-122"/>
+              </a:defRPr>
+            </a:lvl5pPr>
+            <a:lvl6pPr marL="457200" algn="ctr" rtl="0" fontAlgn="base">
+              <a:spcBef>
+                <a:spcPct val="0"/>
+              </a:spcBef>
+              <a:spcAft>
+                <a:spcPct val="0"/>
+              </a:spcAft>
+              <a:defRPr sz="4400">
+                <a:solidFill>
+                  <a:schemeClr val="tx2"/>
+                </a:solidFill>
+                <a:latin typeface="Arial" charset="0"/>
+                <a:ea typeface="宋体" pitchFamily="2" charset="-122"/>
+              </a:defRPr>
+            </a:lvl6pPr>
+            <a:lvl7pPr marL="914400" algn="ctr" rtl="0" fontAlgn="base">
+              <a:spcBef>
+                <a:spcPct val="0"/>
+              </a:spcBef>
+              <a:spcAft>
+                <a:spcPct val="0"/>
+              </a:spcAft>
+              <a:defRPr sz="4400">
+                <a:solidFill>
+                  <a:schemeClr val="tx2"/>
+                </a:solidFill>
+                <a:latin typeface="Arial" charset="0"/>
+                <a:ea typeface="宋体" pitchFamily="2" charset="-122"/>
+              </a:defRPr>
+            </a:lvl7pPr>
+            <a:lvl8pPr marL="1371600" algn="ctr" rtl="0" fontAlgn="base">
+              <a:spcBef>
+                <a:spcPct val="0"/>
+              </a:spcBef>
+              <a:spcAft>
+                <a:spcPct val="0"/>
+              </a:spcAft>
+              <a:defRPr sz="4400">
+                <a:solidFill>
+                  <a:schemeClr val="tx2"/>
+                </a:solidFill>
+                <a:latin typeface="Arial" charset="0"/>
+                <a:ea typeface="宋体" pitchFamily="2" charset="-122"/>
+              </a:defRPr>
+            </a:lvl8pPr>
+            <a:lvl9pPr marL="1828800" algn="ctr" rtl="0" fontAlgn="base">
+              <a:spcBef>
+                <a:spcPct val="0"/>
+              </a:spcBef>
+              <a:spcAft>
+                <a:spcPct val="0"/>
+              </a:spcAft>
+              <a:defRPr sz="4400">
+                <a:solidFill>
+                  <a:schemeClr val="tx2"/>
+                </a:solidFill>
+                <a:latin typeface="Arial" charset="0"/>
+                <a:ea typeface="宋体" pitchFamily="2" charset="-122"/>
+              </a:defRPr>
+            </a:lvl9pPr>
+          </a:lstStyle>
+          <a:p>
+            <a:pPr eaLnBrk="1" hangingPunct="1">
+              <a:defRPr/>
+            </a:pPr>
+            <a:r>
+              <a:rPr lang="en-US" altLang="zh-CN" sz="4000" kern="0" dirty="0">
+                <a:effectLst>
+                  <a:outerShdw blurRad="38100" dist="38100" dir="2700000" algn="tl">
+                    <a:srgbClr val="C0C0C0"/>
+                  </a:outerShdw>
+                </a:effectLst>
+                <a:latin typeface="Calibri" charset="0"/>
+                <a:ea typeface="Calibri" charset="0"/>
+                <a:cs typeface="Calibri" charset="0"/>
+              </a:rPr>
+              <a:t>Thank you</a:t>
+            </a:r>
+          </a:p>
+        </p:txBody>
+      </p:sp>
+      <p:sp>
+        <p:nvSpPr>
+          <p:cNvPr id="2" name="Slide Number Placeholder 1"/>
+          <p:cNvSpPr>
+            <a:spLocks noGrp="1"/>
+          </p:cNvSpPr>
+          <p:nvPr>
+            <p:ph type="sldNum" sz="quarter" idx="12"/>
+          </p:nvPr>
+        </p:nvSpPr>
+        <p:spPr/>
+        <p:txBody>
+          <a:bodyPr/>
+          <a:lstStyle/>
+          <a:p>
+            <a:pPr>
+              <a:defRPr/>
+            </a:pPr>
+            <a:fld id="{BD6E0F59-1DD8-40FC-9C92-B6295CBA6CCA}" type="slidenum">
+              <a:rPr lang="en-US" altLang="zh-CN" smtClean="0"/>
+              <a:pPr>
+                <a:defRPr/>
+              </a:pPr>
+              <a:t>26</a:t>
+            </a:fld>
+            <a:endParaRPr lang="en-US" altLang="zh-CN" dirty="0"/>
+          </a:p>
+        </p:txBody>
+      </p:sp>
+    </p:spTree>
+    <p:extLst>
+      <p:ext uri="{BB962C8B-B14F-4D97-AF65-F5344CB8AC3E}">
+        <p14:creationId xmlns:p14="http://schemas.microsoft.com/office/powerpoint/2010/main" val="487469376"/>
+      </p:ext>
+    </p:extLst>
+  </p:cSld>
+  <p:clrMapOvr>
+    <a:masterClrMapping/>
+  </p:clrMapOvr>
+</p:sld>
+</file>
+
 <file path=ppt/slides/slide3.xml><?xml version="1.0" encoding="utf-8"?>
 <p:sld xmlns:a="http://schemas.openxmlformats.org/drawingml/2006/main" xmlns:r="http://schemas.openxmlformats.org/officeDocument/2006/relationships" xmlns:p="http://schemas.openxmlformats.org/presentationml/2006/main">
   <p:cSld>
@@ -12875,7 +18973,7 @@
         <p:spPr>
           <a:xfrm>
             <a:off x="152400" y="713601"/>
-            <a:ext cx="3733800" cy="3970318"/>
+            <a:ext cx="3733800" cy="4185761"/>
           </a:xfrm>
           <a:prstGeom prst="rect">
             <a:avLst/>
@@ -12994,7 +19092,7 @@
                 <a:latin typeface="Calibri" panose="020F0502020204030204" pitchFamily="34" charset="0"/>
                 <a:cs typeface="Calibri" panose="020F0502020204030204" pitchFamily="34" charset="0"/>
               </a:rPr>
-              <a:t>For a Response:</a:t>
+              <a:t>For a Response -&gt; Need to return Errors</a:t>
             </a:r>
           </a:p>
           <a:p>
@@ -13028,6 +19126,18 @@
                 <a:cs typeface="Calibri" panose="020F0502020204030204" pitchFamily="34" charset="0"/>
               </a:rPr>
               <a:t>Indicates that the operation failed because the received query message could not be processed.</a:t>
+            </a:r>
+          </a:p>
+          <a:p>
+            <a:r>
+              <a:rPr lang="en-US" sz="1400" b="1" dirty="0">
+                <a:solidFill>
+                  <a:schemeClr val="tx2"/>
+                </a:solidFill>
+                <a:latin typeface="Calibri" panose="020F0502020204030204" pitchFamily="34" charset="0"/>
+                <a:cs typeface="Calibri" panose="020F0502020204030204" pitchFamily="34" charset="0"/>
+              </a:rPr>
+              <a:t>0xN: Additional Error will be defined in future</a:t>
             </a:r>
           </a:p>
         </p:txBody>

--- a/draft-gandhi-spring-twamp-srpm-07.pptx
+++ b/draft-gandhi-spring-twamp-srpm-07.pptx
@@ -2823,7 +2823,7 @@
               </a14:hiddenLine>
             </a:ext>
             <a:ext uri="{FAA26D3D-D897-4be2-8F04-BA451C77F1D7}">
-              <ma14:placeholderFlag xmlns:ma14="http://schemas.microsoft.com/office/mac/drawingml/2011/main" xmlns="" val="1"/>
+              <ma14:placeholderFlag xmlns="" xmlns:ma14="http://schemas.microsoft.com/office/mac/drawingml/2011/main" val="1"/>
             </a:ext>
           </a:extLst>
         </p:spPr>
@@ -12274,7 +12274,7 @@
                 <a:ea typeface="Courier" charset="0"/>
                 <a:cs typeface="Courier" charset="0"/>
               </a:rPr>
-              <a:t>      +-+-+-+-+-+-+-+-+-+-+-+-+-+-+-+-+ +-+-+-+-+-+-+-+-+-+-+-+-+-+-+-+</a:t>
+              <a:t>      +-+-+-+-+-+-+-+-+-+-+-+-+-+-+-+-+-+-+-+-+-+-+-+-+-+-+-+-+-+-+-+-+</a:t>
             </a:r>
           </a:p>
           <a:p>
@@ -12481,7 +12481,7 @@
                 <a:ea typeface="Courier" charset="0"/>
                 <a:cs typeface="Courier" charset="0"/>
               </a:rPr>
-              <a:t>	    Figure: Sender Message Format</a:t>
+              <a:t>	    Figure: Sender Message Format in STAMP</a:t>
             </a:r>
           </a:p>
         </p:txBody>
@@ -12932,7 +12932,7 @@
                 <a:ea typeface="Courier" charset="0"/>
                 <a:cs typeface="Courier" charset="0"/>
               </a:rPr>
-              <a:t>                        Figure: Reflector Message Format</a:t>
+              <a:t>                  Figure: Reflector Message Format in STAMP</a:t>
             </a:r>
           </a:p>
         </p:txBody>
@@ -13320,6 +13320,63 @@
           </a:fontRef>
         </p:style>
       </p:cxnSp>
+      <p:sp>
+        <p:nvSpPr>
+          <p:cNvPr id="2" name="TextBox 1">
+            <a:extLst>
+              <a:ext uri="{FF2B5EF4-FFF2-40B4-BE49-F238E27FC236}">
+                <a16:creationId xmlns:a16="http://schemas.microsoft.com/office/drawing/2014/main" id="{4E306775-BBF0-9348-88C1-4F116EC35EEE}"/>
+              </a:ext>
+            </a:extLst>
+          </p:cNvPr>
+          <p:cNvSpPr txBox="1"/>
+          <p:nvPr/>
+        </p:nvSpPr>
+        <p:spPr>
+          <a:xfrm>
+            <a:off x="406707" y="3848341"/>
+            <a:ext cx="3954544" cy="523220"/>
+          </a:xfrm>
+          <a:prstGeom prst="rect">
+            <a:avLst/>
+          </a:prstGeom>
+          <a:noFill/>
+        </p:spPr>
+        <p:txBody>
+          <a:bodyPr wrap="none" rtlCol="0">
+            <a:spAutoFit/>
+          </a:bodyPr>
+          <a:lstStyle/>
+          <a:p>
+            <a:pPr marL="285750" indent="-285750">
+              <a:buFont typeface="Wingdings" pitchFamily="2" charset="2"/>
+              <a:buChar char="ü"/>
+            </a:pPr>
+            <a:r>
+              <a:rPr lang="en-US" sz="1400" dirty="0">
+                <a:solidFill>
+                  <a:srgbClr val="00B050"/>
+                </a:solidFill>
+              </a:rPr>
+              <a:t>Control Code compatible with TWAMP Light</a:t>
+            </a:r>
+          </a:p>
+          <a:p>
+            <a:pPr marL="285750" indent="-285750">
+              <a:buFont typeface="Wingdings" pitchFamily="2" charset="2"/>
+              <a:buChar char="ü"/>
+            </a:pPr>
+            <a:r>
+              <a:rPr lang="en-US" sz="1400" dirty="0">
+                <a:solidFill>
+                  <a:srgbClr val="00B050"/>
+                </a:solidFill>
+              </a:rPr>
+              <a:t>No change for Session ID in both protocols</a:t>
+            </a:r>
+          </a:p>
+        </p:txBody>
+      </p:sp>
     </p:spTree>
     <p:extLst>
       <p:ext uri="{BB962C8B-B14F-4D97-AF65-F5344CB8AC3E}">
@@ -13579,7 +13636,7 @@
                 <a:ea typeface="Courier" charset="0"/>
                 <a:cs typeface="Courier" charset="0"/>
               </a:rPr>
-              <a:t>      +-+-+-+-+-+-+-+-+-+-+-+-+-+-+-+-+ +-+-+-+-+-+-+-+-+-+-+-+-+-+-+-+</a:t>
+              <a:t>      +-+-+-+-+-+-+-+-+-+-+-+-+-+-+-+-+-+-+-+-+-+-+-+-+-+-+-+-+-+-+-+-+</a:t>
             </a:r>
           </a:p>
           <a:p>
@@ -13620,7 +13677,7 @@
                 <a:ea typeface="Courier" charset="0"/>
                 <a:cs typeface="Courier" charset="0"/>
               </a:rPr>
-              <a:t>      +-+-+-+-+-+-+-+-+-+-+-+-+-+-+-+-+ +-+-+-+-+-+-+-+-+-+-+-+-+-+-+-+ </a:t>
+              <a:t>      +-+-+-+-+-+-+-+-+-+-+-+-+-+-+-+-+-+-+-+-+-+-+-+-+-+-+-+-+-+-+-+-+ </a:t>
             </a:r>
           </a:p>
           <a:p>
@@ -13816,7 +13873,7 @@
                 <a:ea typeface="Courier" charset="0"/>
                 <a:cs typeface="Courier" charset="0"/>
               </a:rPr>
-              <a:t>	    Figure: Sender Message Format</a:t>
+              <a:t>	    Figure: Sender Message Format in STAMP</a:t>
             </a:r>
           </a:p>
         </p:txBody>
@@ -14267,7 +14324,7 @@
                 <a:ea typeface="Courier" charset="0"/>
                 <a:cs typeface="Courier" charset="0"/>
               </a:rPr>
-              <a:t>                        Figure: Reflector Message Format</a:t>
+              <a:t>                Figure: Reflector Message Format in STAMP</a:t>
             </a:r>
           </a:p>
         </p:txBody>
@@ -14655,6 +14712,63 @@
           </a:fontRef>
         </p:style>
       </p:cxnSp>
+      <p:sp>
+        <p:nvSpPr>
+          <p:cNvPr id="8" name="TextBox 7">
+            <a:extLst>
+              <a:ext uri="{FF2B5EF4-FFF2-40B4-BE49-F238E27FC236}">
+                <a16:creationId xmlns:a16="http://schemas.microsoft.com/office/drawing/2014/main" id="{C61B54B1-9C3B-3246-9D5F-ACA8B4F35C94}"/>
+              </a:ext>
+            </a:extLst>
+          </p:cNvPr>
+          <p:cNvSpPr txBox="1"/>
+          <p:nvPr/>
+        </p:nvSpPr>
+        <p:spPr>
+          <a:xfrm>
+            <a:off x="685800" y="3907048"/>
+            <a:ext cx="3456395" cy="461665"/>
+          </a:xfrm>
+          <a:prstGeom prst="rect">
+            <a:avLst/>
+          </a:prstGeom>
+          <a:noFill/>
+        </p:spPr>
+        <p:txBody>
+          <a:bodyPr wrap="none" rtlCol="0">
+            <a:spAutoFit/>
+          </a:bodyPr>
+          <a:lstStyle/>
+          <a:p>
+            <a:pPr marL="285750" indent="-285750">
+              <a:buFont typeface="Wingdings" pitchFamily="2" charset="2"/>
+              <a:buChar char="ü"/>
+            </a:pPr>
+            <a:r>
+              <a:rPr lang="en-US" sz="1200" dirty="0">
+                <a:solidFill>
+                  <a:srgbClr val="00B050"/>
+                </a:solidFill>
+              </a:rPr>
+              <a:t>Control Code compatible with TWAMP Light</a:t>
+            </a:r>
+          </a:p>
+          <a:p>
+            <a:pPr marL="285750" indent="-285750">
+              <a:buFont typeface="Wingdings" pitchFamily="2" charset="2"/>
+              <a:buChar char="ü"/>
+            </a:pPr>
+            <a:r>
+              <a:rPr lang="en-US" sz="1200" dirty="0">
+                <a:solidFill>
+                  <a:srgbClr val="00B050"/>
+                </a:solidFill>
+              </a:rPr>
+              <a:t>Session ID can be 24-bit</a:t>
+            </a:r>
+          </a:p>
+        </p:txBody>
+      </p:sp>
     </p:spTree>
     <p:extLst>
       <p:ext uri="{BB962C8B-B14F-4D97-AF65-F5344CB8AC3E}">
@@ -14914,7 +15028,7 @@
                 <a:ea typeface="Courier" charset="0"/>
                 <a:cs typeface="Courier" charset="0"/>
               </a:rPr>
-              <a:t>      +-+-+-+-+-+-+-+-+-+-+-+-+-+-+-+-+ +-+-+-+-+-+-+-+-+-+-+-+-+-+-+-+</a:t>
+              <a:t>      +-+-+-+-+-+-+-+-+-+-+-+-+-+-+-+-+-+-+-+-+-+-+-+-+-+-+-+-+-+-+-+-+</a:t>
             </a:r>
           </a:p>
           <a:p>
@@ -15193,7 +15307,7 @@
                 <a:ea typeface="Courier" charset="0"/>
                 <a:cs typeface="Courier" charset="0"/>
               </a:rPr>
-              <a:t>	    Figure: Sender Message Format</a:t>
+              <a:t>	    Figure: Sender Message Format in STAMP</a:t>
             </a:r>
           </a:p>
         </p:txBody>
@@ -15697,7 +15811,7 @@
                 <a:ea typeface="Courier" charset="0"/>
                 <a:cs typeface="Courier" charset="0"/>
               </a:rPr>
-              <a:t>                        Figure: Reflector Message Format</a:t>
+              <a:t>                  Figure: Reflector Message Format in STAMP</a:t>
             </a:r>
           </a:p>
         </p:txBody>
@@ -16085,6 +16199,63 @@
           </a:fontRef>
         </p:style>
       </p:cxnSp>
+      <p:sp>
+        <p:nvSpPr>
+          <p:cNvPr id="8" name="TextBox 7">
+            <a:extLst>
+              <a:ext uri="{FF2B5EF4-FFF2-40B4-BE49-F238E27FC236}">
+                <a16:creationId xmlns:a16="http://schemas.microsoft.com/office/drawing/2014/main" id="{212682EF-601E-234F-8491-527EBA21E3D2}"/>
+              </a:ext>
+            </a:extLst>
+          </p:cNvPr>
+          <p:cNvSpPr txBox="1"/>
+          <p:nvPr/>
+        </p:nvSpPr>
+        <p:spPr>
+          <a:xfrm>
+            <a:off x="719040" y="4169632"/>
+            <a:ext cx="3818674" cy="461665"/>
+          </a:xfrm>
+          <a:prstGeom prst="rect">
+            <a:avLst/>
+          </a:prstGeom>
+          <a:noFill/>
+        </p:spPr>
+        <p:txBody>
+          <a:bodyPr wrap="none" rtlCol="0">
+            <a:spAutoFit/>
+          </a:bodyPr>
+          <a:lstStyle/>
+          <a:p>
+            <a:pPr marL="285750" indent="-285750">
+              <a:buFont typeface="Wingdings" pitchFamily="2" charset="2"/>
+              <a:buChar char="ü"/>
+            </a:pPr>
+            <a:r>
+              <a:rPr lang="en-US" sz="1200" dirty="0">
+                <a:solidFill>
+                  <a:srgbClr val="00B050"/>
+                </a:solidFill>
+              </a:rPr>
+              <a:t>Control Code compatible with TWAMP Light</a:t>
+            </a:r>
+          </a:p>
+          <a:p>
+            <a:pPr marL="285750" indent="-285750">
+              <a:buFont typeface="Wingdings" pitchFamily="2" charset="2"/>
+              <a:buChar char="ü"/>
+            </a:pPr>
+            <a:r>
+              <a:rPr lang="en-US" sz="1200" dirty="0">
+                <a:solidFill>
+                  <a:srgbClr val="00B050"/>
+                </a:solidFill>
+              </a:rPr>
+              <a:t>Session ID is not a requirement for TWAMP Light</a:t>
+            </a:r>
+          </a:p>
+        </p:txBody>
+      </p:sp>
     </p:spTree>
     <p:extLst>
       <p:ext uri="{BB962C8B-B14F-4D97-AF65-F5344CB8AC3E}">
@@ -16344,7 +16515,7 @@
                 <a:ea typeface="Courier" charset="0"/>
                 <a:cs typeface="Courier" charset="0"/>
               </a:rPr>
-              <a:t>      +-+-+-+-+-+-+-+-+-+-+-+-+-+-+-+-+ +-+-+-+-+-+-+-+-+-+-+-+-+-+-+-+</a:t>
+              <a:t>      +-+-+-+-+-+-+-+-+-+-+-+-+-+-+-+-+-+-+-+-+-+-+-+-+-+-+-+-+-+-+-+-+</a:t>
             </a:r>
           </a:p>
           <a:p>
@@ -16623,7 +16794,7 @@
                 <a:ea typeface="Courier" charset="0"/>
                 <a:cs typeface="Courier" charset="0"/>
               </a:rPr>
-              <a:t>	    Figure: Sender Message Format</a:t>
+              <a:t>	    Figure: Sender Message Format in STAMP</a:t>
             </a:r>
           </a:p>
         </p:txBody>
@@ -17109,7 +17280,7 @@
                 <a:ea typeface="Courier" charset="0"/>
                 <a:cs typeface="Courier" charset="0"/>
               </a:rPr>
-              <a:t>                        Figure: Reflector Message Format</a:t>
+              <a:t>                 Figure: Reflector Message Format in STAMP</a:t>
             </a:r>
           </a:p>
         </p:txBody>
@@ -17497,6 +17668,77 @@
           </a:fontRef>
         </p:style>
       </p:cxnSp>
+      <p:sp>
+        <p:nvSpPr>
+          <p:cNvPr id="8" name="TextBox 7">
+            <a:extLst>
+              <a:ext uri="{FF2B5EF4-FFF2-40B4-BE49-F238E27FC236}">
+                <a16:creationId xmlns:a16="http://schemas.microsoft.com/office/drawing/2014/main" id="{37CBC2EA-1BDB-8446-B97D-65F09F083354}"/>
+              </a:ext>
+            </a:extLst>
+          </p:cNvPr>
+          <p:cNvSpPr txBox="1"/>
+          <p:nvPr/>
+        </p:nvSpPr>
+        <p:spPr>
+          <a:xfrm>
+            <a:off x="525694" y="4143137"/>
+            <a:ext cx="4258153" cy="646331"/>
+          </a:xfrm>
+          <a:prstGeom prst="rect">
+            <a:avLst/>
+          </a:prstGeom>
+          <a:noFill/>
+        </p:spPr>
+        <p:txBody>
+          <a:bodyPr wrap="none" rtlCol="0">
+            <a:spAutoFit/>
+          </a:bodyPr>
+          <a:lstStyle/>
+          <a:p>
+            <a:pPr marL="285750" indent="-285750">
+              <a:buFont typeface="Wingdings" pitchFamily="2" charset="2"/>
+              <a:buChar char="ü"/>
+            </a:pPr>
+            <a:r>
+              <a:rPr lang="en-US" sz="1200" dirty="0">
+                <a:solidFill>
+                  <a:srgbClr val="C00000"/>
+                </a:solidFill>
+              </a:rPr>
+              <a:t>Control Code NOT compatible with TWAMP Light</a:t>
+            </a:r>
+          </a:p>
+          <a:p>
+            <a:pPr marL="285750" indent="-285750">
+              <a:buFont typeface="Wingdings" pitchFamily="2" charset="2"/>
+              <a:buChar char="ü"/>
+            </a:pPr>
+            <a:r>
+              <a:rPr lang="en-US" sz="1200" dirty="0">
+                <a:solidFill>
+                  <a:srgbClr val="C00000"/>
+                </a:solidFill>
+              </a:rPr>
+              <a:t>Session ID only 16-bits</a:t>
+            </a:r>
+          </a:p>
+          <a:p>
+            <a:pPr marL="285750" indent="-285750">
+              <a:buFont typeface="Wingdings" pitchFamily="2" charset="2"/>
+              <a:buChar char="ü"/>
+            </a:pPr>
+            <a:r>
+              <a:rPr lang="en-US" sz="1200" dirty="0">
+                <a:solidFill>
+                  <a:srgbClr val="C00000"/>
+                </a:solidFill>
+              </a:rPr>
+              <a:t>Message format for TWAMP Light and STAMP diverges</a:t>
+            </a:r>
+          </a:p>
+        </p:txBody>
+      </p:sp>
     </p:spTree>
     <p:extLst>
       <p:ext uri="{BB962C8B-B14F-4D97-AF65-F5344CB8AC3E}">

--- a/draft-gandhi-spring-twamp-srpm-07.pptx
+++ b/draft-gandhi-spring-twamp-srpm-07.pptx
@@ -269,7 +269,7 @@
           <a:p>
             <a:fld id="{E8FA3DB5-7722-3F4F-947D-12B203669AD7}" type="datetimeFigureOut">
               <a:rPr lang="en-US" smtClean="0"/>
-              <a:t>3/7/20</a:t>
+              <a:t>3/8/20</a:t>
             </a:fld>
             <a:endParaRPr lang="en-US"/>
           </a:p>
@@ -2823,7 +2823,7 @@
               </a14:hiddenLine>
             </a:ext>
             <a:ext uri="{FAA26D3D-D897-4be2-8F04-BA451C77F1D7}">
-              <ma14:placeholderFlag xmlns="" xmlns:ma14="http://schemas.microsoft.com/office/mac/drawingml/2011/main" val="1"/>
+              <ma14:placeholderFlag xmlns:ma14="http://schemas.microsoft.com/office/mac/drawingml/2011/main" xmlns="" val="1"/>
             </a:ext>
           </a:extLst>
         </p:spPr>
@@ -13335,7 +13335,7 @@
         <p:spPr>
           <a:xfrm>
             <a:off x="406707" y="3848341"/>
-            <a:ext cx="3954544" cy="523220"/>
+            <a:ext cx="5357813" cy="461665"/>
           </a:xfrm>
           <a:prstGeom prst="rect">
             <a:avLst/>
@@ -13353,9 +13353,9 @@
               <a:buChar char="ü"/>
             </a:pPr>
             <a:r>
-              <a:rPr lang="en-US" sz="1400" dirty="0">
-                <a:solidFill>
-                  <a:srgbClr val="00B050"/>
+              <a:rPr lang="en-US" sz="1200" dirty="0">
+                <a:solidFill>
+                  <a:schemeClr val="tx2"/>
                 </a:solidFill>
               </a:rPr>
               <a:t>Control Code compatible with TWAMP Light</a:t>
@@ -13367,12 +13367,12 @@
               <a:buChar char="ü"/>
             </a:pPr>
             <a:r>
-              <a:rPr lang="en-US" sz="1400" dirty="0">
-                <a:solidFill>
-                  <a:srgbClr val="00B050"/>
-                </a:solidFill>
-              </a:rPr>
-              <a:t>No change for Session ID in both protocols</a:t>
+              <a:rPr lang="en-US" sz="1200" dirty="0">
+                <a:solidFill>
+                  <a:schemeClr val="tx2"/>
+                </a:solidFill>
+              </a:rPr>
+              <a:t>No change for Session ID in both protocols – STAMP and TWAMP Light</a:t>
             </a:r>
           </a:p>
         </p:txBody>
@@ -13434,7 +13434,7 @@
             <a:r>
               <a:rPr lang="en-US" sz="2200" dirty="0">
                 <a:solidFill>
-                  <a:srgbClr val="00B050"/>
+                  <a:srgbClr val="0070C0"/>
                 </a:solidFill>
                 <a:latin typeface="Calibri Light" panose="020F0302020204030204" pitchFamily="34" charset="0"/>
                 <a:cs typeface="Calibri Light" panose="020F0302020204030204" pitchFamily="34" charset="0"/>
@@ -13673,6 +13673,9 @@
             </a:pPr>
             <a:r>
               <a:rPr lang="en-US" sz="750" b="1" dirty="0">
+                <a:solidFill>
+                  <a:srgbClr val="0070C0"/>
+                </a:solidFill>
                 <a:latin typeface="Courier" charset="0"/>
                 <a:ea typeface="Courier" charset="0"/>
                 <a:cs typeface="Courier" charset="0"/>
@@ -14726,7 +14729,7 @@
         </p:nvSpPr>
         <p:spPr>
           <a:xfrm>
-            <a:off x="685800" y="3907048"/>
+            <a:off x="457200" y="3909896"/>
             <a:ext cx="3456395" cy="461665"/>
           </a:xfrm>
           <a:prstGeom prst="rect">
@@ -14747,7 +14750,7 @@
             <a:r>
               <a:rPr lang="en-US" sz="1200" dirty="0">
                 <a:solidFill>
-                  <a:srgbClr val="00B050"/>
+                  <a:schemeClr val="tx2"/>
                 </a:solidFill>
               </a:rPr>
               <a:t>Control Code compatible with TWAMP Light</a:t>
@@ -14761,10 +14764,10 @@
             <a:r>
               <a:rPr lang="en-US" sz="1200" dirty="0">
                 <a:solidFill>
-                  <a:srgbClr val="00B050"/>
-                </a:solidFill>
-              </a:rPr>
-              <a:t>Session ID can be 24-bit</a:t>
+                  <a:schemeClr val="tx2"/>
+                </a:solidFill>
+              </a:rPr>
+              <a:t>Session ID is 24-bit</a:t>
             </a:r>
           </a:p>
         </p:txBody>
@@ -16213,8 +16216,8 @@
         </p:nvSpPr>
         <p:spPr>
           <a:xfrm>
-            <a:off x="719040" y="4169632"/>
-            <a:ext cx="3818674" cy="461665"/>
+            <a:off x="479364" y="4225112"/>
+            <a:ext cx="3791423" cy="461665"/>
           </a:xfrm>
           <a:prstGeom prst="rect">
             <a:avLst/>
@@ -16234,7 +16237,7 @@
             <a:r>
               <a:rPr lang="en-US" sz="1200" dirty="0">
                 <a:solidFill>
-                  <a:srgbClr val="00B050"/>
+                  <a:schemeClr val="tx2"/>
                 </a:solidFill>
               </a:rPr>
               <a:t>Control Code compatible with TWAMP Light</a:t>
@@ -16248,10 +16251,10 @@
             <a:r>
               <a:rPr lang="en-US" sz="1200" dirty="0">
                 <a:solidFill>
-                  <a:srgbClr val="00B050"/>
-                </a:solidFill>
-              </a:rPr>
-              <a:t>Session ID is not a requirement for TWAMP Light</a:t>
+                  <a:schemeClr val="tx2"/>
+                </a:solidFill>
+              </a:rPr>
+              <a:t>Session ID is not really needed for TWAMP Light</a:t>
             </a:r>
           </a:p>
         </p:txBody>
@@ -16331,7 +16334,7 @@
         </p:nvSpPr>
         <p:spPr>
           <a:xfrm>
-            <a:off x="228615" y="742950"/>
+            <a:off x="228615" y="695563"/>
             <a:ext cx="4310728" cy="3323987"/>
           </a:xfrm>
           <a:prstGeom prst="rect">
@@ -16813,7 +16816,7 @@
         </p:nvSpPr>
         <p:spPr>
           <a:xfrm>
-            <a:off x="4495800" y="742950"/>
+            <a:off x="4495800" y="695563"/>
             <a:ext cx="4368799" cy="3323987"/>
           </a:xfrm>
           <a:prstGeom prst="rect">
@@ -17641,7 +17644,7 @@
         </p:nvCxnSpPr>
         <p:spPr>
           <a:xfrm>
-            <a:off x="4595191" y="742950"/>
+            <a:off x="4595191" y="695563"/>
             <a:ext cx="0" cy="3323987"/>
           </a:xfrm>
           <a:prstGeom prst="line">
@@ -17682,8 +17685,8 @@
         </p:nvSpPr>
         <p:spPr>
           <a:xfrm>
-            <a:off x="525694" y="4143137"/>
-            <a:ext cx="4258153" cy="646331"/>
+            <a:off x="212050" y="4143137"/>
+            <a:ext cx="8228535" cy="600164"/>
           </a:xfrm>
           <a:prstGeom prst="rect">
             <a:avLst/>
@@ -17701,9 +17704,9 @@
               <a:buChar char="ü"/>
             </a:pPr>
             <a:r>
-              <a:rPr lang="en-US" sz="1200" dirty="0">
-                <a:solidFill>
-                  <a:srgbClr val="C00000"/>
+              <a:rPr lang="en-US" sz="1100" dirty="0">
+                <a:solidFill>
+                  <a:schemeClr val="tx2"/>
                 </a:solidFill>
               </a:rPr>
               <a:t>Control Code NOT compatible with TWAMP Light</a:t>
@@ -17715,9 +17718,9 @@
               <a:buChar char="ü"/>
             </a:pPr>
             <a:r>
-              <a:rPr lang="en-US" sz="1200" dirty="0">
-                <a:solidFill>
-                  <a:srgbClr val="C00000"/>
+              <a:rPr lang="en-US" sz="1100" dirty="0">
+                <a:solidFill>
+                  <a:schemeClr val="tx2"/>
                 </a:solidFill>
               </a:rPr>
               <a:t>Session ID only 16-bits</a:t>
@@ -17729,12 +17732,12 @@
               <a:buChar char="ü"/>
             </a:pPr>
             <a:r>
-              <a:rPr lang="en-US" sz="1200" dirty="0">
-                <a:solidFill>
-                  <a:srgbClr val="C00000"/>
-                </a:solidFill>
-              </a:rPr>
-              <a:t>Message format for TWAMP Light and STAMP diverges</a:t>
+              <a:rPr lang="en-US" sz="1100" dirty="0">
+                <a:solidFill>
+                  <a:schemeClr val="tx2"/>
+                </a:solidFill>
+              </a:rPr>
+              <a:t>Message format for TWAMP Light and STAMP diverges – TWAMP Light needs Control Code and STAMP needs Session ID</a:t>
             </a:r>
           </a:p>
         </p:txBody>

--- a/draft-gandhi-spring-twamp-srpm-07.pptx
+++ b/draft-gandhi-spring-twamp-srpm-07.pptx
@@ -269,7 +269,7 @@
           <a:p>
             <a:fld id="{E8FA3DB5-7722-3F4F-947D-12B203669AD7}" type="datetimeFigureOut">
               <a:rPr lang="en-US" smtClean="0"/>
-              <a:t>3/8/20</a:t>
+              <a:t>3/9/20</a:t>
             </a:fld>
             <a:endParaRPr lang="en-US"/>
           </a:p>
@@ -2116,13 +2116,16 @@
             </a:pPr>
             <a:r>
               <a:rPr lang="en-US" altLang="zh-CN" dirty="0"/>
-              <a:t>105th IETF @ Montreal</a:t>
-            </a:r>
-            <a:endParaRPr lang="en-US" altLang="zh-CN" dirty="0">
-              <a:latin typeface="Calibri" charset="0"/>
-              <a:ea typeface="Calibri" charset="0"/>
-              <a:cs typeface="Calibri" charset="0"/>
-            </a:endParaRPr>
+              <a:t>107</a:t>
+            </a:r>
+            <a:r>
+              <a:rPr lang="en-US" altLang="zh-CN" baseline="30000" dirty="0"/>
+              <a:t>th</a:t>
+            </a:r>
+            <a:r>
+              <a:rPr lang="en-US" altLang="zh-CN" dirty="0"/>
+              <a:t> IETF @ Vancouver</a:t>
+            </a:r>
           </a:p>
         </p:txBody>
       </p:sp>
@@ -2337,7 +2340,15 @@
             </a:pPr>
             <a:r>
               <a:rPr lang="en-US" altLang="zh-CN" dirty="0"/>
-              <a:t>105th IETF @ Montreal</a:t>
+              <a:t>107</a:t>
+            </a:r>
+            <a:r>
+              <a:rPr lang="en-US" altLang="zh-CN" baseline="30000" dirty="0"/>
+              <a:t>th</a:t>
+            </a:r>
+            <a:r>
+              <a:rPr lang="en-US" altLang="zh-CN" dirty="0"/>
+              <a:t> IETF @ Vancouver</a:t>
             </a:r>
           </a:p>
         </p:txBody>
@@ -2563,7 +2574,15 @@
             </a:pPr>
             <a:r>
               <a:rPr lang="en-US" altLang="zh-CN" dirty="0"/>
-              <a:t>105th IETF @ Montreal</a:t>
+              <a:t>107</a:t>
+            </a:r>
+            <a:r>
+              <a:rPr lang="en-US" altLang="zh-CN" baseline="30000" dirty="0"/>
+              <a:t>th</a:t>
+            </a:r>
+            <a:r>
+              <a:rPr lang="en-US" altLang="zh-CN" dirty="0"/>
+              <a:t> IETF @ Vancouver</a:t>
             </a:r>
           </a:p>
         </p:txBody>
@@ -2823,7 +2842,7 @@
               </a14:hiddenLine>
             </a:ext>
             <a:ext uri="{FAA26D3D-D897-4be2-8F04-BA451C77F1D7}">
-              <ma14:placeholderFlag xmlns:ma14="http://schemas.microsoft.com/office/mac/drawingml/2011/main" xmlns="" val="1"/>
+              <ma14:placeholderFlag xmlns="" xmlns:ma14="http://schemas.microsoft.com/office/mac/drawingml/2011/main" val="1"/>
             </a:ext>
           </a:extLst>
         </p:spPr>
@@ -2841,6 +2860,59 @@
               <a:t>Click to edit Master title style</a:t>
             </a:r>
             <a:endParaRPr lang="en-GB" dirty="0"/>
+          </a:p>
+        </p:txBody>
+      </p:sp>
+      <p:sp>
+        <p:nvSpPr>
+          <p:cNvPr id="5" name="Rectangle 5">
+            <a:extLst>
+              <a:ext uri="{FF2B5EF4-FFF2-40B4-BE49-F238E27FC236}">
+                <a16:creationId xmlns:a16="http://schemas.microsoft.com/office/drawing/2014/main" id="{8A9CDA23-CCA9-F541-BE90-59F811F8F6B1}"/>
+              </a:ext>
+            </a:extLst>
+          </p:cNvPr>
+          <p:cNvSpPr>
+            <a:spLocks noGrp="1" noChangeArrowheads="1"/>
+          </p:cNvSpPr>
+          <p:nvPr>
+            <p:ph type="ftr" sz="quarter" idx="11"/>
+          </p:nvPr>
+        </p:nvSpPr>
+        <p:spPr>
+          <a:xfrm>
+            <a:off x="3124200" y="4683919"/>
+            <a:ext cx="2895600" cy="357188"/>
+          </a:xfrm>
+          <a:ln/>
+        </p:spPr>
+        <p:txBody>
+          <a:bodyPr/>
+          <a:lstStyle>
+            <a:lvl1pPr>
+              <a:defRPr>
+                <a:latin typeface="Calibri" charset="0"/>
+                <a:ea typeface="Calibri" charset="0"/>
+                <a:cs typeface="Calibri" charset="0"/>
+              </a:defRPr>
+            </a:lvl1pPr>
+          </a:lstStyle>
+          <a:p>
+            <a:pPr>
+              <a:defRPr/>
+            </a:pPr>
+            <a:r>
+              <a:rPr lang="en-US" altLang="zh-CN" dirty="0"/>
+              <a:t>107</a:t>
+            </a:r>
+            <a:r>
+              <a:rPr lang="en-US" altLang="zh-CN" baseline="30000" dirty="0"/>
+              <a:t>th</a:t>
+            </a:r>
+            <a:r>
+              <a:rPr lang="en-US" altLang="zh-CN" dirty="0"/>
+              <a:t> IETF @ Vancouver</a:t>
+            </a:r>
           </a:p>
         </p:txBody>
       </p:sp>
@@ -3024,13 +3096,16 @@
             </a:pPr>
             <a:r>
               <a:rPr lang="en-US" altLang="zh-CN" dirty="0"/>
-              <a:t>105th IETF @ Montreal</a:t>
-            </a:r>
-            <a:endParaRPr lang="en-US" altLang="zh-CN" dirty="0">
-              <a:latin typeface="Calibri" charset="0"/>
-              <a:ea typeface="Calibri" charset="0"/>
-              <a:cs typeface="Calibri" charset="0"/>
-            </a:endParaRPr>
+              <a:t>107</a:t>
+            </a:r>
+            <a:r>
+              <a:rPr lang="en-US" altLang="zh-CN" baseline="30000" dirty="0"/>
+              <a:t>th</a:t>
+            </a:r>
+            <a:r>
+              <a:rPr lang="en-US" altLang="zh-CN" dirty="0"/>
+              <a:t> IETF @ Vancouver</a:t>
+            </a:r>
           </a:p>
         </p:txBody>
       </p:sp>
@@ -3220,13 +3295,16 @@
             </a:pPr>
             <a:r>
               <a:rPr lang="en-US" altLang="zh-CN" dirty="0"/>
-              <a:t>105th IETF @ Montreal</a:t>
-            </a:r>
-            <a:endParaRPr lang="en-US" altLang="zh-CN" dirty="0">
-              <a:latin typeface="Calibri" charset="0"/>
-              <a:ea typeface="Calibri" charset="0"/>
-              <a:cs typeface="Calibri" charset="0"/>
-            </a:endParaRPr>
+              <a:t>107</a:t>
+            </a:r>
+            <a:r>
+              <a:rPr lang="en-US" altLang="zh-CN" baseline="30000" dirty="0"/>
+              <a:t>th</a:t>
+            </a:r>
+            <a:r>
+              <a:rPr lang="en-US" altLang="zh-CN" dirty="0"/>
+              <a:t> IETF @ Vancouver</a:t>
+            </a:r>
           </a:p>
         </p:txBody>
       </p:sp>
@@ -3506,7 +3584,15 @@
             </a:pPr>
             <a:r>
               <a:rPr lang="en-US" altLang="zh-CN" dirty="0"/>
-              <a:t>105th IETF @ Montreal</a:t>
+              <a:t>107</a:t>
+            </a:r>
+            <a:r>
+              <a:rPr lang="en-US" altLang="zh-CN" baseline="30000" dirty="0"/>
+              <a:t>th</a:t>
+            </a:r>
+            <a:r>
+              <a:rPr lang="en-US" altLang="zh-CN" dirty="0"/>
+              <a:t> IETF @ Vancouver</a:t>
             </a:r>
           </a:p>
         </p:txBody>
@@ -3921,7 +4007,15 @@
             </a:pPr>
             <a:r>
               <a:rPr lang="en-US" altLang="zh-CN" dirty="0"/>
-              <a:t>105th IETF @ Montreal</a:t>
+              <a:t>107</a:t>
+            </a:r>
+            <a:r>
+              <a:rPr lang="en-US" altLang="zh-CN" baseline="30000" dirty="0"/>
+              <a:t>th</a:t>
+            </a:r>
+            <a:r>
+              <a:rPr lang="en-US" altLang="zh-CN" dirty="0"/>
+              <a:t> IETF @ Vancouver</a:t>
             </a:r>
           </a:p>
         </p:txBody>
@@ -4034,7 +4128,15 @@
             </a:pPr>
             <a:r>
               <a:rPr lang="en-US" altLang="zh-CN" dirty="0"/>
-              <a:t>105th IETF @ Montreal</a:t>
+              <a:t>107</a:t>
+            </a:r>
+            <a:r>
+              <a:rPr lang="en-US" altLang="zh-CN" baseline="30000" dirty="0"/>
+              <a:t>th</a:t>
+            </a:r>
+            <a:r>
+              <a:rPr lang="en-US" altLang="zh-CN" dirty="0"/>
+              <a:t> IETF @ Vancouver</a:t>
             </a:r>
           </a:p>
         </p:txBody>
@@ -4125,7 +4227,15 @@
             </a:pPr>
             <a:r>
               <a:rPr lang="en-US" altLang="zh-CN" dirty="0"/>
-              <a:t>105th IETF @ Montreal</a:t>
+              <a:t>107</a:t>
+            </a:r>
+            <a:r>
+              <a:rPr lang="en-US" altLang="zh-CN" baseline="30000" dirty="0"/>
+              <a:t>th</a:t>
+            </a:r>
+            <a:r>
+              <a:rPr lang="en-US" altLang="zh-CN" dirty="0"/>
+              <a:t> IETF @ Vancouver</a:t>
             </a:r>
           </a:p>
         </p:txBody>
@@ -4396,7 +4506,15 @@
             </a:pPr>
             <a:r>
               <a:rPr lang="en-US" altLang="zh-CN" dirty="0"/>
-              <a:t>105th IETF @ Montreal</a:t>
+              <a:t>107</a:t>
+            </a:r>
+            <a:r>
+              <a:rPr lang="en-US" altLang="zh-CN" baseline="30000" dirty="0"/>
+              <a:t>th</a:t>
+            </a:r>
+            <a:r>
+              <a:rPr lang="en-US" altLang="zh-CN" dirty="0"/>
+              <a:t> IETF @ Vancouver</a:t>
             </a:r>
           </a:p>
         </p:txBody>
@@ -4645,7 +4763,15 @@
             </a:pPr>
             <a:r>
               <a:rPr lang="en-US" altLang="zh-CN" dirty="0"/>
-              <a:t>105th IETF @ Montreal</a:t>
+              <a:t>107</a:t>
+            </a:r>
+            <a:r>
+              <a:rPr lang="en-US" altLang="zh-CN" baseline="30000" dirty="0"/>
+              <a:t>th</a:t>
+            </a:r>
+            <a:r>
+              <a:rPr lang="en-US" altLang="zh-CN" dirty="0"/>
+              <a:t> IETF @ Vancouver</a:t>
             </a:r>
           </a:p>
         </p:txBody>
@@ -4878,13 +5004,16 @@
             </a:pPr>
             <a:r>
               <a:rPr lang="en-US" altLang="zh-CN" dirty="0"/>
-              <a:t>105th IETF @ Montreal</a:t>
-            </a:r>
-            <a:endParaRPr lang="en-US" altLang="zh-CN" dirty="0">
-              <a:latin typeface="Calibri" charset="0"/>
-              <a:ea typeface="Calibri" charset="0"/>
-              <a:cs typeface="Calibri" charset="0"/>
-            </a:endParaRPr>
+              <a:t>107</a:t>
+            </a:r>
+            <a:r>
+              <a:rPr lang="en-US" altLang="zh-CN" baseline="30000" dirty="0"/>
+              <a:t>th</a:t>
+            </a:r>
+            <a:r>
+              <a:rPr lang="en-US" altLang="zh-CN" dirty="0"/>
+              <a:t> IETF @ Vancouver</a:t>
+            </a:r>
           </a:p>
         </p:txBody>
       </p:sp>
@@ -6764,7 +6893,7 @@
           <a:p>
             <a:r>
               <a:rPr lang="en-US" sz="1400" dirty="0"/>
-              <a:t>PM probe query message defined for Links and end-to-end P2P/ P2MP SR Policies.</a:t>
+              <a:t>PM probe query message sent for Links and end-to-end P2P/ P2MP SR Policies.</a:t>
             </a:r>
           </a:p>
           <a:p>
@@ -6868,7 +6997,7 @@
                 <a:ea typeface="Courier" charset="0"/>
                 <a:cs typeface="Courier" charset="0"/>
               </a:rPr>
-              <a:t>.  Source IP Address = Sender IPv4 or IPv6 Address             .</a:t>
+              <a:t>.  Source IP Address = Sender IPv4 or IPv6 Address              .</a:t>
             </a:r>
           </a:p>
           <a:p>
@@ -6958,7 +7087,7 @@
                 <a:ea typeface="Courier" charset="0"/>
                 <a:cs typeface="Courier" charset="0"/>
               </a:rPr>
-              <a:t>.  Source Port = As chosen by Sender                           .</a:t>
+              <a:t>.  Source Port = As chosen by Sender                            .</a:t>
             </a:r>
           </a:p>
           <a:p>

--- a/draft-gandhi-spring-twamp-srpm-07.pptx
+++ b/draft-gandhi-spring-twamp-srpm-07.pptx
@@ -269,7 +269,7 @@
           <a:p>
             <a:fld id="{E8FA3DB5-7722-3F4F-947D-12B203669AD7}" type="datetimeFigureOut">
               <a:rPr lang="en-US" smtClean="0"/>
-              <a:t>3/9/20</a:t>
+              <a:t>3/10/20</a:t>
             </a:fld>
             <a:endParaRPr lang="en-US"/>
           </a:p>
@@ -5921,7 +5921,7 @@
           <a:p>
             <a:r>
               <a:rPr lang="en-US" sz="2400" dirty="0"/>
-              <a:t>Has been implemented </a:t>
+              <a:t>Implementation exists</a:t>
             </a:r>
           </a:p>
           <a:p>
@@ -9327,7 +9327,7 @@
         <p:spPr bwMode="auto">
           <a:xfrm>
             <a:off x="215348" y="1194788"/>
-            <a:ext cx="4343400" cy="3483769"/>
+            <a:ext cx="4509052" cy="3483769"/>
           </a:xfrm>
           <a:prstGeom prst="rect">
             <a:avLst/>
@@ -9518,9 +9518,16 @@
             </a:r>
           </a:p>
           <a:p>
+            <a:pPr lvl="1"/>
             <a:r>
               <a:rPr lang="en-US" sz="1400" kern="0" dirty="0"/>
-              <a:t>LM Message format is also defined for authenticated mode</a:t>
+              <a:t>Stand-alone LM message, not tied to DM</a:t>
+            </a:r>
+          </a:p>
+          <a:p>
+            <a:r>
+              <a:rPr lang="en-US" sz="1400" kern="0" dirty="0"/>
+              <a:t>LM message format is also defined for authenticated mode</a:t>
             </a:r>
           </a:p>
           <a:p>
@@ -9602,7 +9609,7 @@
                   <a:schemeClr val="tx2"/>
                 </a:solidFill>
               </a:rPr>
-              <a:t>Does not modify existing TWAMP Light and STAMP protocols (for DM) as different UDP destination port is used for LM.</a:t>
+              <a:t>Does not modify existing TWAMP Light and STAMP protocols (which are for DM) as different UDP destination port is used for LM.</a:t>
             </a:r>
           </a:p>
         </p:txBody>
@@ -9943,8 +9950,8 @@
         </p:nvSpPr>
         <p:spPr>
           <a:xfrm>
-            <a:off x="228600" y="742950"/>
-            <a:ext cx="4310743" cy="3785652"/>
+            <a:off x="228600" y="614898"/>
+            <a:ext cx="4310743" cy="4016484"/>
           </a:xfrm>
           <a:prstGeom prst="rect">
             <a:avLst/>
@@ -10138,6 +10145,21 @@
                 <a:ea typeface="Courier" charset="0"/>
                 <a:cs typeface="Courier" charset="0"/>
               </a:rPr>
+              <a:t>      |                                                               |</a:t>
+            </a:r>
+          </a:p>
+          <a:p>
+            <a:pPr>
+              <a:spcAft>
+                <a:spcPts val="0"/>
+              </a:spcAft>
+            </a:pPr>
+            <a:r>
+              <a:rPr lang="en-US" sz="750" b="1" dirty="0">
+                <a:latin typeface="Courier" charset="0"/>
+                <a:ea typeface="Courier" charset="0"/>
+                <a:cs typeface="Courier" charset="0"/>
+              </a:rPr>
               <a:t>      +                                                               +</a:t>
             </a:r>
           </a:p>
@@ -10153,6 +10175,36 @@
                 <a:ea typeface="Courier" charset="0"/>
                 <a:cs typeface="Courier" charset="0"/>
               </a:rPr>
+              <a:t>      |                         MBZ (30 octets)                       |</a:t>
+            </a:r>
+          </a:p>
+          <a:p>
+            <a:pPr>
+              <a:spcAft>
+                <a:spcPts val="0"/>
+              </a:spcAft>
+            </a:pPr>
+            <a:r>
+              <a:rPr lang="en-US" sz="750" b="1" dirty="0">
+                <a:latin typeface="Courier" charset="0"/>
+                <a:ea typeface="Courier" charset="0"/>
+                <a:cs typeface="Courier" charset="0"/>
+              </a:rPr>
+              <a:t>      +                                                               +</a:t>
+            </a:r>
+          </a:p>
+          <a:p>
+            <a:pPr>
+              <a:spcAft>
+                <a:spcPts val="0"/>
+              </a:spcAft>
+            </a:pPr>
+            <a:r>
+              <a:rPr lang="en-US" sz="750" b="1" dirty="0">
+                <a:latin typeface="Courier" charset="0"/>
+                <a:ea typeface="Courier" charset="0"/>
+                <a:cs typeface="Courier" charset="0"/>
+              </a:rPr>
               <a:t>      |                                                               |</a:t>
             </a:r>
           </a:p>
@@ -10168,7 +10220,7 @@
                 <a:ea typeface="Courier" charset="0"/>
                 <a:cs typeface="Courier" charset="0"/>
               </a:rPr>
-              <a:t>      |                         MBZ (30 octets)                       |</a:t>
+              <a:t>      |                                                               |</a:t>
             </a:r>
           </a:p>
           <a:p>
@@ -10213,6 +10265,21 @@
                 <a:ea typeface="Courier" charset="0"/>
                 <a:cs typeface="Courier" charset="0"/>
               </a:rPr>
+              <a:t>      +                                                               +</a:t>
+            </a:r>
+          </a:p>
+          <a:p>
+            <a:pPr>
+              <a:spcAft>
+                <a:spcPts val="0"/>
+              </a:spcAft>
+            </a:pPr>
+            <a:r>
+              <a:rPr lang="en-US" sz="750" b="1" dirty="0">
+                <a:latin typeface="Courier" charset="0"/>
+                <a:ea typeface="Courier" charset="0"/>
+                <a:cs typeface="Courier" charset="0"/>
+              </a:rPr>
               <a:t>      |                                                               |</a:t>
             </a:r>
           </a:p>
@@ -10228,52 +10295,22 @@
                 <a:ea typeface="Courier" charset="0"/>
                 <a:cs typeface="Courier" charset="0"/>
               </a:rPr>
-              <a:t>      +                                                               +</a:t>
-            </a:r>
-          </a:p>
-          <a:p>
-            <a:pPr>
-              <a:spcAft>
-                <a:spcPts val="0"/>
-              </a:spcAft>
-            </a:pPr>
-            <a:r>
-              <a:rPr lang="en-US" sz="750" b="1" dirty="0">
-                <a:latin typeface="Courier" charset="0"/>
-                <a:ea typeface="Courier" charset="0"/>
-                <a:cs typeface="Courier" charset="0"/>
-              </a:rPr>
-              <a:t>      |                                                               |</a:t>
-            </a:r>
-          </a:p>
-          <a:p>
-            <a:pPr>
-              <a:spcAft>
-                <a:spcPts val="0"/>
-              </a:spcAft>
-            </a:pPr>
-            <a:r>
-              <a:rPr lang="en-US" sz="750" b="1" dirty="0">
-                <a:latin typeface="Courier" charset="0"/>
-                <a:ea typeface="Courier" charset="0"/>
-                <a:cs typeface="Courier" charset="0"/>
-              </a:rPr>
-              <a:t>      +                                                               +</a:t>
-            </a:r>
-          </a:p>
-          <a:p>
-            <a:pPr>
-              <a:spcAft>
-                <a:spcPts val="0"/>
-              </a:spcAft>
-            </a:pPr>
-            <a:r>
-              <a:rPr lang="en-US" sz="750" b="1" dirty="0">
-                <a:latin typeface="Courier" charset="0"/>
-                <a:ea typeface="Courier" charset="0"/>
-                <a:cs typeface="Courier" charset="0"/>
-              </a:rPr>
-              <a:t>      |                                                               |</a:t>
+              <a:t>      +-+-+-+-+-+-+-+-+-+-+-+-+-+-+-+-+-+-+-+-+-+-+-+-+-+-+-+-+-+-+-+-+</a:t>
+            </a:r>
+          </a:p>
+          <a:p>
+            <a:pPr>
+              <a:spcAft>
+                <a:spcPts val="0"/>
+              </a:spcAft>
+            </a:pPr>
+            <a:r>
+              <a:rPr lang="en-US" sz="750" b="1" dirty="0">
+                <a:latin typeface="Courier" charset="0"/>
+                <a:ea typeface="Courier" charset="0"/>
+                <a:cs typeface="Courier" charset="0"/>
+              </a:rPr>
+              <a:t>      ~                                                               ~</a:t>
             </a:r>
           </a:p>
           <a:p>
@@ -10547,8 +10584,8 @@
         </p:nvSpPr>
         <p:spPr>
           <a:xfrm>
-            <a:off x="4495800" y="742950"/>
-            <a:ext cx="4368799" cy="3785652"/>
+            <a:off x="4495800" y="614898"/>
+            <a:ext cx="4368799" cy="4016484"/>
           </a:xfrm>
           <a:prstGeom prst="rect">
             <a:avLst/>
@@ -10894,6 +10931,36 @@
                 <a:cs typeface="Courier" charset="0"/>
               </a:rPr>
               <a:t>-Sender TTL |                  MBZ2                         |</a:t>
+            </a:r>
+          </a:p>
+          <a:p>
+            <a:pPr>
+              <a:spcAft>
+                <a:spcPts val="0"/>
+              </a:spcAft>
+            </a:pPr>
+            <a:r>
+              <a:rPr lang="en-US" sz="750" b="1" dirty="0">
+                <a:latin typeface="Courier" charset="0"/>
+                <a:ea typeface="Courier" charset="0"/>
+                <a:cs typeface="Courier" charset="0"/>
+              </a:rPr>
+              <a:t>    +-+-+-+-+-+-+-+-+-+-+-+-+-+-+-+-+-+-+-+-+-+-+-+-+-+-+-+-+-+-+-+-+</a:t>
+            </a:r>
+          </a:p>
+          <a:p>
+            <a:pPr>
+              <a:spcAft>
+                <a:spcPts val="0"/>
+              </a:spcAft>
+            </a:pPr>
+            <a:r>
+              <a:rPr lang="en-US" sz="750" b="1" dirty="0">
+                <a:latin typeface="Courier" charset="0"/>
+                <a:ea typeface="Courier" charset="0"/>
+                <a:cs typeface="Courier" charset="0"/>
+              </a:rPr>
+              <a:t>    ~                                                               ~</a:t>
             </a:r>
           </a:p>
           <a:p>
@@ -11506,8 +11573,8 @@
         </p:nvCxnSpPr>
         <p:spPr>
           <a:xfrm>
-            <a:off x="4648200" y="742950"/>
-            <a:ext cx="0" cy="3785652"/>
+            <a:off x="4648200" y="614898"/>
+            <a:ext cx="0" cy="4016484"/>
           </a:xfrm>
           <a:prstGeom prst="line">
             <a:avLst/>
@@ -12116,14 +12183,79 @@
             <p:ph type="ctrTitle"/>
           </p:nvPr>
         </p:nvSpPr>
-        <p:spPr/>
+        <p:spPr>
+          <a:xfrm>
+            <a:off x="381000" y="1733550"/>
+            <a:ext cx="8229600" cy="1102519"/>
+          </a:xfrm>
+        </p:spPr>
         <p:txBody>
           <a:bodyPr/>
           <a:lstStyle/>
           <a:p>
             <a:r>
-              <a:rPr lang="en-US" dirty="0"/>
-              <a:t>Discussion on Session ID and Control Code Options</a:t>
+              <a:rPr lang="en-US" sz="3600" dirty="0"/>
+              <a:t>Discussion on Session ID and Control Code Options for STAMP Message Format</a:t>
+            </a:r>
+          </a:p>
+        </p:txBody>
+      </p:sp>
+      <p:sp>
+        <p:nvSpPr>
+          <p:cNvPr id="2" name="Rectangle 1">
+            <a:extLst>
+              <a:ext uri="{FF2B5EF4-FFF2-40B4-BE49-F238E27FC236}">
+                <a16:creationId xmlns:a16="http://schemas.microsoft.com/office/drawing/2014/main" id="{787F40F1-9F0F-A844-A8C3-041788A26F6B}"/>
+              </a:ext>
+            </a:extLst>
+          </p:cNvPr>
+          <p:cNvSpPr/>
+          <p:nvPr/>
+        </p:nvSpPr>
+        <p:spPr>
+          <a:xfrm>
+            <a:off x="495300" y="3943350"/>
+            <a:ext cx="5257800" cy="369332"/>
+          </a:xfrm>
+          <a:prstGeom prst="rect">
+            <a:avLst/>
+          </a:prstGeom>
+        </p:spPr>
+        <p:txBody>
+          <a:bodyPr wrap="square">
+            <a:spAutoFit/>
+          </a:bodyPr>
+          <a:lstStyle/>
+          <a:p>
+            <a:pPr>
+              <a:spcBef>
+                <a:spcPct val="20000"/>
+              </a:spcBef>
+            </a:pPr>
+            <a:r>
+              <a:rPr lang="en-US" altLang="zh-CN" i="1" dirty="0">
+                <a:latin typeface="Calibri" panose="020F0502020204030204" pitchFamily="34" charset="0"/>
+                <a:ea typeface="Calibri" charset="0"/>
+                <a:cs typeface="Calibri" panose="020F0502020204030204" pitchFamily="34" charset="0"/>
+              </a:rPr>
+              <a:t>Rakesh Gandhi - Cisco Systems (</a:t>
+            </a:r>
+            <a:r>
+              <a:rPr lang="en-US" altLang="zh-CN" i="1" dirty="0">
+                <a:latin typeface="Calibri" panose="020F0502020204030204" pitchFamily="34" charset="0"/>
+                <a:ea typeface="Calibri" charset="0"/>
+                <a:cs typeface="Calibri" panose="020F0502020204030204" pitchFamily="34" charset="0"/>
+                <a:hlinkClick r:id="rId3"/>
+              </a:rPr>
+              <a:t>rgandhi@cisco.com</a:t>
+            </a:r>
+            <a:r>
+              <a:rPr lang="en-US" altLang="zh-CN" i="1" dirty="0">
+                <a:latin typeface="Calibri" panose="020F0502020204030204" pitchFamily="34" charset="0"/>
+                <a:ea typeface="Calibri" charset="0"/>
+                <a:cs typeface="Calibri" panose="020F0502020204030204" pitchFamily="34" charset="0"/>
+              </a:rPr>
+              <a:t>)</a:t>
             </a:r>
           </a:p>
         </p:txBody>
@@ -12187,7 +12319,7 @@
                 <a:latin typeface="Calibri Light" panose="020F0302020204030204" pitchFamily="34" charset="0"/>
                 <a:cs typeface="Calibri Light" panose="020F0302020204030204" pitchFamily="34" charset="0"/>
               </a:rPr>
-              <a:t>Option 1: Variable Length Session ID in Sequence Number</a:t>
+              <a:t>Option 1: Variable Length Session ID Part of Existing Sequence Number</a:t>
             </a:r>
           </a:p>
         </p:txBody>
@@ -12433,22 +12565,22 @@
                 <a:ea typeface="Courier" charset="0"/>
                 <a:cs typeface="Courier" charset="0"/>
               </a:rPr>
+              <a:t>      |                                                               |</a:t>
+            </a:r>
+          </a:p>
+          <a:p>
+            <a:pPr>
+              <a:spcAft>
+                <a:spcPts val="0"/>
+              </a:spcAft>
+            </a:pPr>
+            <a:r>
+              <a:rPr lang="en-US" sz="750" b="1" dirty="0">
+                <a:latin typeface="Courier" charset="0"/>
+                <a:ea typeface="Courier" charset="0"/>
+                <a:cs typeface="Courier" charset="0"/>
+              </a:rPr>
               <a:t>      +                                                               +</a:t>
-            </a:r>
-          </a:p>
-          <a:p>
-            <a:pPr>
-              <a:spcAft>
-                <a:spcPts val="0"/>
-              </a:spcAft>
-            </a:pPr>
-            <a:r>
-              <a:rPr lang="en-US" sz="750" b="1" dirty="0">
-                <a:latin typeface="Courier" charset="0"/>
-                <a:ea typeface="Courier" charset="0"/>
-                <a:cs typeface="Courier" charset="0"/>
-              </a:rPr>
-              <a:t>      |                                                               |</a:t>
             </a:r>
           </a:p>
           <a:p>
@@ -13464,7 +13596,7 @@
         <p:spPr>
           <a:xfrm>
             <a:off x="406707" y="3848341"/>
-            <a:ext cx="5357813" cy="461665"/>
+            <a:ext cx="5914055" cy="461665"/>
           </a:xfrm>
           <a:prstGeom prst="rect">
             <a:avLst/>
@@ -13487,7 +13619,7 @@
                   <a:schemeClr val="tx2"/>
                 </a:solidFill>
               </a:rPr>
-              <a:t>Control Code compatible with TWAMP Light</a:t>
+              <a:t>Control Code compatible with TWAMP Light message format</a:t>
             </a:r>
           </a:p>
           <a:p>
@@ -13501,7 +13633,7 @@
                   <a:schemeClr val="tx2"/>
                 </a:solidFill>
               </a:rPr>
-              <a:t>No change for Session ID in both protocols – STAMP and TWAMP Light</a:t>
+              <a:t>No change for Session ID in both message formats – STAMP and TWAMP Light</a:t>
             </a:r>
           </a:p>
         </p:txBody>
@@ -13568,7 +13700,7 @@
                 <a:latin typeface="Calibri Light" panose="020F0302020204030204" pitchFamily="34" charset="0"/>
                 <a:cs typeface="Calibri Light" panose="020F0302020204030204" pitchFamily="34" charset="0"/>
               </a:rPr>
-              <a:t>Option 2: 24-Bit Session ID Field</a:t>
+              <a:t>Option 2: New 24-Bit Session ID Field</a:t>
             </a:r>
           </a:p>
         </p:txBody>
@@ -13824,6 +13956,21 @@
                 <a:ea typeface="Courier" charset="0"/>
                 <a:cs typeface="Courier" charset="0"/>
               </a:rPr>
+              <a:t>      |                                                               |</a:t>
+            </a:r>
+          </a:p>
+          <a:p>
+            <a:pPr>
+              <a:spcAft>
+                <a:spcPts val="0"/>
+              </a:spcAft>
+            </a:pPr>
+            <a:r>
+              <a:rPr lang="en-US" sz="750" b="1" dirty="0">
+                <a:latin typeface="Courier" charset="0"/>
+                <a:ea typeface="Courier" charset="0"/>
+                <a:cs typeface="Courier" charset="0"/>
+              </a:rPr>
               <a:t>      |                         </a:t>
             </a:r>
             <a:r>
@@ -13934,21 +14081,6 @@
                 <a:cs typeface="Courier" charset="0"/>
               </a:rPr>
               <a:t>      +                                                               +</a:t>
-            </a:r>
-          </a:p>
-          <a:p>
-            <a:pPr>
-              <a:spcAft>
-                <a:spcPts val="0"/>
-              </a:spcAft>
-            </a:pPr>
-            <a:r>
-              <a:rPr lang="en-US" sz="750" b="1" dirty="0">
-                <a:latin typeface="Courier" charset="0"/>
-                <a:ea typeface="Courier" charset="0"/>
-                <a:cs typeface="Courier" charset="0"/>
-              </a:rPr>
-              <a:t>      |                                                               |</a:t>
             </a:r>
           </a:p>
           <a:p>
@@ -14389,7 +14521,7 @@
                 <a:ea typeface="Courier" charset="0"/>
                 <a:cs typeface="Courier" charset="0"/>
               </a:rPr>
-              <a:t>-Sender TTL |       </a:t>
+              <a:t>-Sender TTL |      </a:t>
             </a:r>
             <a:r>
               <a:rPr lang="en-US" sz="750" b="1" dirty="0">
@@ -14400,7 +14532,7 @@
                 <a:ea typeface="Courier" charset="0"/>
                 <a:cs typeface="Courier" charset="0"/>
               </a:rPr>
-              <a:t>Sender Session ID                       </a:t>
+              <a:t>Session-Sender Session ID                </a:t>
             </a:r>
             <a:r>
               <a:rPr lang="en-US" sz="750" b="1" dirty="0">
@@ -14859,7 +14991,7 @@
         <p:spPr>
           <a:xfrm>
             <a:off x="457200" y="3909896"/>
-            <a:ext cx="3456395" cy="461665"/>
+            <a:ext cx="6248395" cy="461665"/>
           </a:xfrm>
           <a:prstGeom prst="rect">
             <a:avLst/>
@@ -14867,7 +14999,7 @@
           <a:noFill/>
         </p:spPr>
         <p:txBody>
-          <a:bodyPr wrap="none" rtlCol="0">
+          <a:bodyPr wrap="square" rtlCol="0">
             <a:spAutoFit/>
           </a:bodyPr>
           <a:lstStyle/>
@@ -14882,7 +15014,7 @@
                   <a:schemeClr val="tx2"/>
                 </a:solidFill>
               </a:rPr>
-              <a:t>Control Code compatible with TWAMP Light</a:t>
+              <a:t>Control Code compatible with TWAMP Light message format</a:t>
             </a:r>
           </a:p>
           <a:p>
@@ -14896,7 +15028,7 @@
                   <a:schemeClr val="tx2"/>
                 </a:solidFill>
               </a:rPr>
-              <a:t>Session ID is 24-bit</a:t>
+              <a:t>Session ID is 24-bit which is good</a:t>
             </a:r>
           </a:p>
         </p:txBody>
@@ -15190,22 +15322,22 @@
                 <a:ea typeface="Courier" charset="0"/>
                 <a:cs typeface="Courier" charset="0"/>
               </a:rPr>
+              <a:t>      |                                                               |</a:t>
+            </a:r>
+          </a:p>
+          <a:p>
+            <a:pPr>
+              <a:spcAft>
+                <a:spcPts val="0"/>
+              </a:spcAft>
+            </a:pPr>
+            <a:r>
+              <a:rPr lang="en-US" sz="750" b="1" dirty="0">
+                <a:latin typeface="Courier" charset="0"/>
+                <a:ea typeface="Courier" charset="0"/>
+                <a:cs typeface="Courier" charset="0"/>
+              </a:rPr>
               <a:t>      +                                                               +</a:t>
-            </a:r>
-          </a:p>
-          <a:p>
-            <a:pPr>
-              <a:spcAft>
-                <a:spcPts val="0"/>
-              </a:spcAft>
-            </a:pPr>
-            <a:r>
-              <a:rPr lang="en-US" sz="750" b="1" dirty="0">
-                <a:latin typeface="Courier" charset="0"/>
-                <a:ea typeface="Courier" charset="0"/>
-                <a:cs typeface="Courier" charset="0"/>
-              </a:rPr>
-              <a:t>      |                                                               |</a:t>
             </a:r>
           </a:p>
           <a:p>
@@ -16346,7 +16478,7 @@
         <p:spPr>
           <a:xfrm>
             <a:off x="479364" y="4225112"/>
-            <a:ext cx="3791423" cy="461665"/>
+            <a:ext cx="5141151" cy="461665"/>
           </a:xfrm>
           <a:prstGeom prst="rect">
             <a:avLst/>
@@ -16369,7 +16501,7 @@
                   <a:schemeClr val="tx2"/>
                 </a:solidFill>
               </a:rPr>
-              <a:t>Control Code compatible with TWAMP Light</a:t>
+              <a:t>Control Code compatible with TWAMP Light message format</a:t>
             </a:r>
           </a:p>
           <a:p>
@@ -16383,7 +16515,7 @@
                   <a:schemeClr val="tx2"/>
                 </a:solidFill>
               </a:rPr>
-              <a:t>Session ID is not really needed for TWAMP Light</a:t>
+              <a:t>Session ID is not needed for TWAMP Light, so this option is also fine</a:t>
             </a:r>
           </a:p>
         </p:txBody>
@@ -16463,7 +16595,7 @@
         </p:nvSpPr>
         <p:spPr>
           <a:xfrm>
-            <a:off x="228615" y="695563"/>
+            <a:off x="228615" y="619363"/>
             <a:ext cx="4310728" cy="3323987"/>
           </a:xfrm>
           <a:prstGeom prst="rect">
@@ -16677,22 +16809,22 @@
                 <a:ea typeface="Courier" charset="0"/>
                 <a:cs typeface="Courier" charset="0"/>
               </a:rPr>
+              <a:t>      |                                                               |</a:t>
+            </a:r>
+          </a:p>
+          <a:p>
+            <a:pPr>
+              <a:spcAft>
+                <a:spcPts val="0"/>
+              </a:spcAft>
+            </a:pPr>
+            <a:r>
+              <a:rPr lang="en-US" sz="750" b="1" dirty="0">
+                <a:latin typeface="Courier" charset="0"/>
+                <a:ea typeface="Courier" charset="0"/>
+                <a:cs typeface="Courier" charset="0"/>
+              </a:rPr>
               <a:t>      +                                                               +</a:t>
-            </a:r>
-          </a:p>
-          <a:p>
-            <a:pPr>
-              <a:spcAft>
-                <a:spcPts val="0"/>
-              </a:spcAft>
-            </a:pPr>
-            <a:r>
-              <a:rPr lang="en-US" sz="750" b="1" dirty="0">
-                <a:latin typeface="Courier" charset="0"/>
-                <a:ea typeface="Courier" charset="0"/>
-                <a:cs typeface="Courier" charset="0"/>
-              </a:rPr>
-              <a:t>      |                                                               |</a:t>
             </a:r>
           </a:p>
           <a:p>
@@ -16945,7 +17077,7 @@
         </p:nvSpPr>
         <p:spPr>
           <a:xfrm>
-            <a:off x="4495800" y="695563"/>
+            <a:off x="4495800" y="619363"/>
             <a:ext cx="4368799" cy="3323987"/>
           </a:xfrm>
           <a:prstGeom prst="rect">
@@ -17773,7 +17905,7 @@
         </p:nvCxnSpPr>
         <p:spPr>
           <a:xfrm>
-            <a:off x="4595191" y="695563"/>
+            <a:off x="4595191" y="619363"/>
             <a:ext cx="0" cy="3323987"/>
           </a:xfrm>
           <a:prstGeom prst="line">
@@ -17814,8 +17946,8 @@
         </p:nvSpPr>
         <p:spPr>
           <a:xfrm>
-            <a:off x="212050" y="4143137"/>
-            <a:ext cx="8228535" cy="600164"/>
+            <a:off x="225302" y="4016884"/>
+            <a:ext cx="7020323" cy="769441"/>
           </a:xfrm>
           <a:prstGeom prst="rect">
             <a:avLst/>
@@ -17823,7 +17955,7 @@
           <a:noFill/>
         </p:spPr>
         <p:txBody>
-          <a:bodyPr wrap="none" rtlCol="0">
+          <a:bodyPr wrap="square" rtlCol="0">
             <a:spAutoFit/>
           </a:bodyPr>
           <a:lstStyle/>
@@ -17838,7 +17970,7 @@
                   <a:schemeClr val="tx2"/>
                 </a:solidFill>
               </a:rPr>
-              <a:t>Control Code NOT compatible with TWAMP Light</a:t>
+              <a:t>Control Code NOT compatible with TWAMP Light message format</a:t>
             </a:r>
           </a:p>
           <a:p>
@@ -17852,7 +17984,7 @@
                   <a:schemeClr val="tx2"/>
                 </a:solidFill>
               </a:rPr>
-              <a:t>Session ID only 16-bits</a:t>
+              <a:t>Session ID has only 16-bits</a:t>
             </a:r>
           </a:p>
           <a:p>
@@ -17866,7 +17998,21 @@
                   <a:schemeClr val="tx2"/>
                 </a:solidFill>
               </a:rPr>
-              <a:t>Message format for TWAMP Light and STAMP diverges – TWAMP Light needs Control Code and STAMP needs Session ID</a:t>
+              <a:t>Message formats for TWAMP Light and STAMP diverge – TWAMP Light also needs Control Code</a:t>
+            </a:r>
+          </a:p>
+          <a:p>
+            <a:pPr marL="285750" indent="-285750">
+              <a:buFont typeface="Wingdings" pitchFamily="2" charset="2"/>
+              <a:buChar char="ü"/>
+            </a:pPr>
+            <a:r>
+              <a:rPr lang="en-US" sz="1100" dirty="0">
+                <a:solidFill>
+                  <a:schemeClr val="tx2"/>
+                </a:solidFill>
+              </a:rPr>
+              <a:t>This option is least favorable</a:t>
             </a:r>
           </a:p>
         </p:txBody>
@@ -18574,8 +18720,8 @@
         </p:nvSpPr>
         <p:spPr>
           <a:xfrm>
-            <a:off x="457200" y="857250"/>
-            <a:ext cx="8229600" cy="3619500"/>
+            <a:off x="381000" y="857250"/>
+            <a:ext cx="8305800" cy="3619500"/>
           </a:xfrm>
         </p:spPr>
         <p:txBody>
@@ -18681,7 +18827,7 @@
             <a:pPr lvl="1"/>
             <a:r>
               <a:rPr lang="en-US" sz="1200" dirty="0"/>
-              <a:t>Revision-02 updates contained a section to include STAMP support and STAMP LM messages (Section </a:t>
+              <a:t>Revision-02 updates included a section on STAMP support and STAMP LM messages (Section </a:t>
             </a:r>
             <a:r>
               <a:rPr lang="en-CA" sz="1200" dirty="0"/>

--- a/draft-gandhi-spring-twamp-srpm-07.pptx
+++ b/draft-gandhi-spring-twamp-srpm-07.pptx
@@ -5,10 +5,10 @@
     <p:sldMasterId id="2147483648" r:id="rId1"/>
   </p:sldMasterIdLst>
   <p:notesMasterIdLst>
-    <p:notesMasterId r:id="rId28"/>
+    <p:notesMasterId r:id="rId22"/>
   </p:notesMasterIdLst>
   <p:handoutMasterIdLst>
-    <p:handoutMasterId r:id="rId29"/>
+    <p:handoutMasterId r:id="rId23"/>
   </p:handoutMasterIdLst>
   <p:sldIdLst>
     <p:sldId id="256" r:id="rId2"/>
@@ -31,12 +31,6 @@
     <p:sldId id="1658" r:id="rId19"/>
     <p:sldId id="1649" r:id="rId20"/>
     <p:sldId id="1654" r:id="rId21"/>
-    <p:sldId id="1665" r:id="rId22"/>
-    <p:sldId id="1663" r:id="rId23"/>
-    <p:sldId id="1664" r:id="rId24"/>
-    <p:sldId id="1661" r:id="rId25"/>
-    <p:sldId id="1662" r:id="rId26"/>
-    <p:sldId id="1666" r:id="rId27"/>
   </p:sldIdLst>
   <p:sldSz cx="9144000" cy="5143500" type="screen16x9"/>
   <p:notesSz cx="6858000" cy="9144000"/>
@@ -269,7 +263,7 @@
           <a:p>
             <a:fld id="{E8FA3DB5-7722-3F4F-947D-12B203669AD7}" type="datetimeFigureOut">
               <a:rPr lang="en-US" smtClean="0"/>
-              <a:t>3/10/20</a:t>
+              <a:t>3/18/20</a:t>
             </a:fld>
             <a:endParaRPr lang="en-US"/>
           </a:p>
@@ -1057,186 +1051,6 @@
     <p:extLst>
       <p:ext uri="{BB962C8B-B14F-4D97-AF65-F5344CB8AC3E}">
         <p14:creationId xmlns:p14="http://schemas.microsoft.com/office/powerpoint/2010/main" val="2642803163"/>
-      </p:ext>
-    </p:extLst>
-  </p:cSld>
-  <p:clrMapOvr>
-    <a:masterClrMapping/>
-  </p:clrMapOvr>
-</p:notes>
-</file>
-
-<file path=ppt/notesSlides/notesSlide12.xml><?xml version="1.0" encoding="utf-8"?>
-<p:notes xmlns:a="http://schemas.openxmlformats.org/drawingml/2006/main" xmlns:r="http://schemas.openxmlformats.org/officeDocument/2006/relationships" xmlns:p="http://schemas.openxmlformats.org/presentationml/2006/main">
-  <p:cSld>
-    <p:spTree>
-      <p:nvGrpSpPr>
-        <p:cNvPr id="1" name=""/>
-        <p:cNvGrpSpPr/>
-        <p:nvPr/>
-      </p:nvGrpSpPr>
-      <p:grpSpPr>
-        <a:xfrm>
-          <a:off x="0" y="0"/>
-          <a:ext cx="0" cy="0"/>
-          <a:chOff x="0" y="0"/>
-          <a:chExt cx="0" cy="0"/>
-        </a:xfrm>
-      </p:grpSpPr>
-      <p:sp>
-        <p:nvSpPr>
-          <p:cNvPr id="2" name="Slide Image Placeholder 1"/>
-          <p:cNvSpPr>
-            <a:spLocks noGrp="1" noRot="1" noChangeAspect="1"/>
-          </p:cNvSpPr>
-          <p:nvPr>
-            <p:ph type="sldImg"/>
-          </p:nvPr>
-        </p:nvSpPr>
-        <p:spPr/>
-      </p:sp>
-      <p:sp>
-        <p:nvSpPr>
-          <p:cNvPr id="3" name="Notes Placeholder 2"/>
-          <p:cNvSpPr>
-            <a:spLocks noGrp="1"/>
-          </p:cNvSpPr>
-          <p:nvPr>
-            <p:ph type="body" idx="1"/>
-          </p:nvPr>
-        </p:nvSpPr>
-        <p:spPr/>
-        <p:txBody>
-          <a:bodyPr/>
-          <a:lstStyle/>
-          <a:p>
-            <a:endParaRPr lang="en-CA" dirty="0"/>
-          </a:p>
-        </p:txBody>
-      </p:sp>
-      <p:sp>
-        <p:nvSpPr>
-          <p:cNvPr id="4" name="Slide Number Placeholder 3"/>
-          <p:cNvSpPr>
-            <a:spLocks noGrp="1"/>
-          </p:cNvSpPr>
-          <p:nvPr>
-            <p:ph type="sldNum" sz="quarter" idx="10"/>
-          </p:nvPr>
-        </p:nvSpPr>
-        <p:spPr/>
-        <p:txBody>
-          <a:bodyPr/>
-          <a:lstStyle/>
-          <a:p>
-            <a:pPr>
-              <a:defRPr/>
-            </a:pPr>
-            <a:fld id="{100938BD-FD70-4535-B0C2-13FC38CDF1BE}" type="slidenum">
-              <a:rPr lang="en-US" altLang="zh-CN" smtClean="0"/>
-              <a:pPr>
-                <a:defRPr/>
-              </a:pPr>
-              <a:t>21</a:t>
-            </a:fld>
-            <a:endParaRPr lang="en-US" altLang="zh-CN"/>
-          </a:p>
-        </p:txBody>
-      </p:sp>
-    </p:spTree>
-    <p:extLst>
-      <p:ext uri="{BB962C8B-B14F-4D97-AF65-F5344CB8AC3E}">
-        <p14:creationId xmlns:p14="http://schemas.microsoft.com/office/powerpoint/2010/main" val="1157205820"/>
-      </p:ext>
-    </p:extLst>
-  </p:cSld>
-  <p:clrMapOvr>
-    <a:masterClrMapping/>
-  </p:clrMapOvr>
-</p:notes>
-</file>
-
-<file path=ppt/notesSlides/notesSlide13.xml><?xml version="1.0" encoding="utf-8"?>
-<p:notes xmlns:a="http://schemas.openxmlformats.org/drawingml/2006/main" xmlns:r="http://schemas.openxmlformats.org/officeDocument/2006/relationships" xmlns:p="http://schemas.openxmlformats.org/presentationml/2006/main">
-  <p:cSld>
-    <p:spTree>
-      <p:nvGrpSpPr>
-        <p:cNvPr id="1" name=""/>
-        <p:cNvGrpSpPr/>
-        <p:nvPr/>
-      </p:nvGrpSpPr>
-      <p:grpSpPr>
-        <a:xfrm>
-          <a:off x="0" y="0"/>
-          <a:ext cx="0" cy="0"/>
-          <a:chOff x="0" y="0"/>
-          <a:chExt cx="0" cy="0"/>
-        </a:xfrm>
-      </p:grpSpPr>
-      <p:sp>
-        <p:nvSpPr>
-          <p:cNvPr id="2" name="Slide Image Placeholder 1"/>
-          <p:cNvSpPr>
-            <a:spLocks noGrp="1" noRot="1" noChangeAspect="1"/>
-          </p:cNvSpPr>
-          <p:nvPr>
-            <p:ph type="sldImg"/>
-          </p:nvPr>
-        </p:nvSpPr>
-        <p:spPr/>
-      </p:sp>
-      <p:sp>
-        <p:nvSpPr>
-          <p:cNvPr id="3" name="Notes Placeholder 2"/>
-          <p:cNvSpPr>
-            <a:spLocks noGrp="1"/>
-          </p:cNvSpPr>
-          <p:nvPr>
-            <p:ph type="body" idx="1"/>
-          </p:nvPr>
-        </p:nvSpPr>
-        <p:spPr/>
-        <p:txBody>
-          <a:bodyPr/>
-          <a:lstStyle/>
-          <a:p>
-            <a:endParaRPr lang="en-US" dirty="0"/>
-          </a:p>
-        </p:txBody>
-      </p:sp>
-      <p:sp>
-        <p:nvSpPr>
-          <p:cNvPr id="4" name="Slide Number Placeholder 3"/>
-          <p:cNvSpPr>
-            <a:spLocks noGrp="1"/>
-          </p:cNvSpPr>
-          <p:nvPr>
-            <p:ph type="sldNum" sz="quarter" idx="10"/>
-          </p:nvPr>
-        </p:nvSpPr>
-        <p:spPr/>
-        <p:txBody>
-          <a:bodyPr/>
-          <a:lstStyle/>
-          <a:p>
-            <a:pPr>
-              <a:defRPr/>
-            </a:pPr>
-            <a:fld id="{100938BD-FD70-4535-B0C2-13FC38CDF1BE}" type="slidenum">
-              <a:rPr lang="en-US" altLang="zh-CN" smtClean="0"/>
-              <a:pPr>
-                <a:defRPr/>
-              </a:pPr>
-              <a:t>26</a:t>
-            </a:fld>
-            <a:endParaRPr lang="en-US" altLang="zh-CN"/>
-          </a:p>
-        </p:txBody>
-      </p:sp>
-    </p:spTree>
-    <p:extLst>
-      <p:ext uri="{BB962C8B-B14F-4D97-AF65-F5344CB8AC3E}">
-        <p14:creationId xmlns:p14="http://schemas.microsoft.com/office/powerpoint/2010/main" val="2094048297"/>
       </p:ext>
     </p:extLst>
   </p:cSld>
@@ -5919,6 +5733,18 @@
             </a:r>
           </a:p>
           <a:p>
+            <a:pPr lvl="0"/>
+            <a:r>
+              <a:rPr lang="en-US" sz="2400" dirty="0"/>
+              <a:t>Do we split TWAMP Light and STAMP into separate drafts?</a:t>
+            </a:r>
+            <a:endParaRPr lang="en-US" sz="2400" dirty="0">
+              <a:latin typeface="Calibri" charset="0"/>
+              <a:ea typeface="Calibri" charset="0"/>
+              <a:cs typeface="Calibri" charset="0"/>
+            </a:endParaRPr>
+          </a:p>
+          <a:p>
             <a:r>
               <a:rPr lang="en-US" sz="2400" dirty="0"/>
               <a:t>Implementation exists</a:t>
@@ -6618,7 +6444,7 @@
           <a:lstStyle/>
           <a:p>
             <a:r>
-              <a:rPr lang="en-CA" sz="1200" b="1" dirty="0">
+              <a:rPr lang="en-CA" sz="1200" dirty="0">
                 <a:latin typeface="Courier" pitchFamily="2" charset="0"/>
               </a:rPr>
               <a:t>                             +------------+</a:t>
@@ -6626,7 +6452,7 @@
           </a:p>
           <a:p>
             <a:r>
-              <a:rPr lang="en-CA" sz="1200" b="1" dirty="0">
+              <a:rPr lang="en-CA" sz="1200" dirty="0">
                 <a:latin typeface="Courier" pitchFamily="2" charset="0"/>
               </a:rPr>
               <a:t>                             | Controller |</a:t>
@@ -6634,7 +6460,7 @@
           </a:p>
           <a:p>
             <a:r>
-              <a:rPr lang="en-CA" sz="1200" b="1" dirty="0">
+              <a:rPr lang="en-CA" sz="1200" dirty="0">
                 <a:latin typeface="Courier" pitchFamily="2" charset="0"/>
               </a:rPr>
               <a:t>                             +------------+</a:t>
@@ -6642,31 +6468,31 @@
           </a:p>
           <a:p>
             <a:r>
-              <a:rPr lang="en-CA" sz="1200" b="1" dirty="0">
+              <a:rPr lang="en-CA" sz="1200" dirty="0">
                 <a:latin typeface="Courier" pitchFamily="2" charset="0"/>
               </a:rPr>
-              <a:t>   Destination UDP Port           /  \         Destination UDP port</a:t>
-            </a:r>
-          </a:p>
-          <a:p>
-            <a:r>
-              <a:rPr lang="en-CA" sz="1200" b="1" dirty="0">
+              <a:t>  Destination UDP Port            /  \         Destination UDP port</a:t>
+            </a:r>
+          </a:p>
+          <a:p>
+            <a:r>
+              <a:rPr lang="en-CA" sz="1200" dirty="0">
                 <a:latin typeface="Courier" pitchFamily="2" charset="0"/>
               </a:rPr>
-              <a:t>   Measurement Protocol          /    \        Measurement Protocol</a:t>
-            </a:r>
-          </a:p>
-          <a:p>
-            <a:r>
-              <a:rPr lang="en-CA" sz="1200" b="1" dirty="0">
+              <a:t>  Measurement Protocol           /    \        Measurement Protocol</a:t>
+            </a:r>
+          </a:p>
+          <a:p>
+            <a:r>
+              <a:rPr lang="en-CA" sz="1200" dirty="0">
                 <a:latin typeface="Courier" pitchFamily="2" charset="0"/>
               </a:rPr>
-              <a:t>   Measurement Type             /      \       Measurement Type</a:t>
-            </a:r>
-          </a:p>
-          <a:p>
-            <a:r>
-              <a:rPr lang="en-CA" sz="1200" b="1" dirty="0">
+              <a:t>  Measurement Type              /      \       Measurement Type</a:t>
+            </a:r>
+          </a:p>
+          <a:p>
+            <a:r>
+              <a:rPr lang="en-CA" sz="1200" dirty="0">
                 <a:latin typeface="Courier" pitchFamily="2" charset="0"/>
               </a:rPr>
               <a:t>     Delay/Loss                /        \        Delay/Loss</a:t>
@@ -6674,47 +6500,47 @@
           </a:p>
           <a:p>
             <a:r>
-              <a:rPr lang="en-CA" sz="1200" b="1" dirty="0">
+              <a:rPr lang="en-CA" sz="1200" dirty="0">
                 <a:latin typeface="Courier" pitchFamily="2" charset="0"/>
               </a:rPr>
-              <a:t>   Authentication Mode &amp; Key  /          \     Authentication Mode &amp; Key</a:t>
-            </a:r>
-          </a:p>
-          <a:p>
-            <a:r>
-              <a:rPr lang="en-CA" sz="1200" b="1" dirty="0">
+              <a:t>  Authentication Mode &amp; Key   /          \     Authentication Mode &amp; Key</a:t>
+            </a:r>
+          </a:p>
+          <a:p>
+            <a:r>
+              <a:rPr lang="en-CA" sz="1200" dirty="0">
                 <a:latin typeface="Courier" pitchFamily="2" charset="0"/>
               </a:rPr>
-              <a:t>   Timestamp Format          /            \    Loss Measurement Mode</a:t>
-            </a:r>
-          </a:p>
-          <a:p>
-            <a:r>
-              <a:rPr lang="en-CA" sz="1200" b="1" dirty="0">
+              <a:t>  Timestamp Format           /            \    Loss Measurement Mode</a:t>
+            </a:r>
+          </a:p>
+          <a:p>
+            <a:r>
+              <a:rPr lang="en-CA" sz="1200" dirty="0">
                 <a:latin typeface="Courier" pitchFamily="2" charset="0"/>
               </a:rPr>
-              <a:t>   Delay Measurement Mode   /              \ </a:t>
-            </a:r>
-          </a:p>
-          <a:p>
-            <a:r>
-              <a:rPr lang="en-CA" sz="1200" b="1" dirty="0">
+              <a:t>  Delay Measurement Mode    /              \ </a:t>
+            </a:r>
+          </a:p>
+          <a:p>
+            <a:r>
+              <a:rPr lang="en-CA" sz="1200" dirty="0">
                 <a:latin typeface="Courier" pitchFamily="2" charset="0"/>
               </a:rPr>
-              <a:t>   Padding/Packet Size     /                \ </a:t>
-            </a:r>
-          </a:p>
-          <a:p>
-            <a:r>
-              <a:rPr lang="en-CA" sz="1200" b="1" dirty="0">
+              <a:t>  Padding/Packet Size      /                \ </a:t>
+            </a:r>
+          </a:p>
+          <a:p>
+            <a:r>
+              <a:rPr lang="en-CA" sz="1200" dirty="0">
                 <a:latin typeface="Courier" pitchFamily="2" charset="0"/>
               </a:rPr>
-              <a:t>   Loss Measurement Mode  /                  \</a:t>
-            </a:r>
-          </a:p>
-          <a:p>
-            <a:r>
-              <a:rPr lang="en-CA" sz="1200" b="1" dirty="0">
+              <a:t>  Loss Measurement Mode   /                  \</a:t>
+            </a:r>
+          </a:p>
+          <a:p>
+            <a:r>
+              <a:rPr lang="en-CA" sz="1200" dirty="0">
                 <a:latin typeface="Courier" pitchFamily="2" charset="0"/>
               </a:rPr>
               <a:t>                         v                    v</a:t>
@@ -6722,7 +6548,7 @@
           </a:p>
           <a:p>
             <a:r>
-              <a:rPr lang="en-CA" sz="1200" b="1" dirty="0">
+              <a:rPr lang="en-CA" sz="1200" dirty="0">
                 <a:latin typeface="Courier" pitchFamily="2" charset="0"/>
               </a:rPr>
               <a:t>                     +-------+            +-------+</a:t>
@@ -6730,7 +6556,7 @@
           </a:p>
           <a:p>
             <a:r>
-              <a:rPr lang="en-CA" sz="1200" b="1" dirty="0">
+              <a:rPr lang="en-CA" sz="1200" dirty="0">
                 <a:latin typeface="Courier" pitchFamily="2" charset="0"/>
               </a:rPr>
               <a:t>                     |       |            |       |</a:t>
@@ -6738,7 +6564,7 @@
           </a:p>
           <a:p>
             <a:r>
-              <a:rPr lang="en-CA" sz="1200" b="1" dirty="0">
+              <a:rPr lang="en-CA" sz="1200" dirty="0">
                 <a:latin typeface="Courier" pitchFamily="2" charset="0"/>
               </a:rPr>
               <a:t>                     |   R1  |------------|   R5  |</a:t>
@@ -6746,7 +6572,7 @@
           </a:p>
           <a:p>
             <a:r>
-              <a:rPr lang="en-CA" sz="1200" b="1" dirty="0">
+              <a:rPr lang="en-CA" sz="1200" dirty="0">
                 <a:latin typeface="Courier" pitchFamily="2" charset="0"/>
               </a:rPr>
               <a:t>                     |       |            |       |</a:t>
@@ -6754,7 +6580,7 @@
           </a:p>
           <a:p>
             <a:r>
-              <a:rPr lang="en-CA" sz="1200" b="1" dirty="0">
+              <a:rPr lang="en-CA" sz="1200" dirty="0">
                 <a:latin typeface="Courier" pitchFamily="2" charset="0"/>
               </a:rPr>
               <a:t>                     +-------+            +-------+</a:t>
@@ -6762,10 +6588,52 @@
           </a:p>
           <a:p>
             <a:r>
-              <a:rPr lang="en-CA" sz="1200" b="1" dirty="0">
+              <a:rPr lang="en-CA" sz="1200" dirty="0">
                 <a:latin typeface="Courier" pitchFamily="2" charset="0"/>
               </a:rPr>
               <a:t>                      Sender              Reflector</a:t>
+            </a:r>
+          </a:p>
+        </p:txBody>
+      </p:sp>
+      <p:sp>
+        <p:nvSpPr>
+          <p:cNvPr id="3" name="TextBox 2">
+            <a:extLst>
+              <a:ext uri="{FF2B5EF4-FFF2-40B4-BE49-F238E27FC236}">
+                <a16:creationId xmlns:a16="http://schemas.microsoft.com/office/drawing/2014/main" id="{89D30866-AA82-4D48-AEA9-2C5C5244D90A}"/>
+              </a:ext>
+            </a:extLst>
+          </p:cNvPr>
+          <p:cNvSpPr txBox="1"/>
+          <p:nvPr/>
+        </p:nvSpPr>
+        <p:spPr>
+          <a:xfrm>
+            <a:off x="1002681" y="4494257"/>
+            <a:ext cx="5755615" cy="276999"/>
+          </a:xfrm>
+          <a:prstGeom prst="rect">
+            <a:avLst/>
+          </a:prstGeom>
+          <a:noFill/>
+        </p:spPr>
+        <p:txBody>
+          <a:bodyPr wrap="none" rtlCol="0">
+            <a:spAutoFit/>
+          </a:bodyPr>
+          <a:lstStyle/>
+          <a:p>
+            <a:pPr marL="171450" indent="-171450">
+              <a:buFont typeface="Arial" panose="020B0604020202020204" pitchFamily="34" charset="0"/>
+              <a:buChar char="•"/>
+            </a:pPr>
+            <a:r>
+              <a:rPr lang="en-US" sz="1200" dirty="0">
+                <a:latin typeface="Calibri" panose="020F0502020204030204" pitchFamily="34" charset="0"/>
+                <a:cs typeface="Calibri" panose="020F0502020204030204" pitchFamily="34" charset="0"/>
+              </a:rPr>
+              <a:t>Separate destination UDP port for measurement protocol of TWAMP Light and STAMP </a:t>
             </a:r>
           </a:p>
         </p:txBody>
@@ -12083,6242 +11951,6 @@
 </p:sld>
 </file>
 
-<file path=ppt/slides/slide21.xml><?xml version="1.0" encoding="utf-8"?>
-<p:sld xmlns:a="http://schemas.openxmlformats.org/drawingml/2006/main" xmlns:r="http://schemas.openxmlformats.org/officeDocument/2006/relationships" xmlns:p="http://schemas.openxmlformats.org/presentationml/2006/main">
-  <p:cSld>
-    <p:spTree>
-      <p:nvGrpSpPr>
-        <p:cNvPr id="1" name=""/>
-        <p:cNvGrpSpPr/>
-        <p:nvPr/>
-      </p:nvGrpSpPr>
-      <p:grpSpPr>
-        <a:xfrm>
-          <a:off x="0" y="0"/>
-          <a:ext cx="0" cy="0"/>
-          <a:chOff x="0" y="0"/>
-          <a:chExt cx="0" cy="0"/>
-        </a:xfrm>
-      </p:grpSpPr>
-      <p:sp>
-        <p:nvSpPr>
-          <p:cNvPr id="6" name="Footer Placeholder 3"/>
-          <p:cNvSpPr>
-            <a:spLocks noGrp="1"/>
-          </p:cNvSpPr>
-          <p:nvPr>
-            <p:ph type="ftr" sz="quarter" idx="11"/>
-          </p:nvPr>
-        </p:nvSpPr>
-        <p:spPr>
-          <a:xfrm>
-            <a:off x="3124200" y="4786312"/>
-            <a:ext cx="2895600" cy="357188"/>
-          </a:xfrm>
-        </p:spPr>
-        <p:txBody>
-          <a:bodyPr/>
-          <a:lstStyle/>
-          <a:p>
-            <a:pPr>
-              <a:defRPr/>
-            </a:pPr>
-            <a:r>
-              <a:rPr lang="en-US" altLang="zh-CN" dirty="0"/>
-              <a:t>107</a:t>
-            </a:r>
-            <a:r>
-              <a:rPr lang="en-US" altLang="zh-CN" baseline="30000" dirty="0"/>
-              <a:t>th</a:t>
-            </a:r>
-            <a:r>
-              <a:rPr lang="en-US" altLang="zh-CN" dirty="0"/>
-              <a:t> IETF @ Vancouver</a:t>
-            </a:r>
-          </a:p>
-        </p:txBody>
-      </p:sp>
-      <p:sp>
-        <p:nvSpPr>
-          <p:cNvPr id="3" name="Slide Number Placeholder 2"/>
-          <p:cNvSpPr>
-            <a:spLocks noGrp="1"/>
-          </p:cNvSpPr>
-          <p:nvPr>
-            <p:ph type="sldNum" sz="quarter" idx="12"/>
-          </p:nvPr>
-        </p:nvSpPr>
-        <p:spPr/>
-        <p:txBody>
-          <a:bodyPr/>
-          <a:lstStyle/>
-          <a:p>
-            <a:pPr>
-              <a:defRPr/>
-            </a:pPr>
-            <a:fld id="{D5EE1D1A-EEC2-4D53-94A7-85D62C853479}" type="slidenum">
-              <a:rPr lang="en-US" altLang="zh-CN" smtClean="0"/>
-              <a:pPr>
-                <a:defRPr/>
-              </a:pPr>
-              <a:t>21</a:t>
-            </a:fld>
-            <a:endParaRPr lang="en-US" altLang="zh-CN"/>
-          </a:p>
-        </p:txBody>
-      </p:sp>
-      <p:sp>
-        <p:nvSpPr>
-          <p:cNvPr id="8" name="Title 7">
-            <a:extLst>
-              <a:ext uri="{FF2B5EF4-FFF2-40B4-BE49-F238E27FC236}">
-                <a16:creationId xmlns:a16="http://schemas.microsoft.com/office/drawing/2014/main" id="{EAE0D9DC-8575-A84F-A04B-3BD8C30794A3}"/>
-              </a:ext>
-            </a:extLst>
-          </p:cNvPr>
-          <p:cNvSpPr>
-            <a:spLocks noGrp="1"/>
-          </p:cNvSpPr>
-          <p:nvPr>
-            <p:ph type="ctrTitle"/>
-          </p:nvPr>
-        </p:nvSpPr>
-        <p:spPr>
-          <a:xfrm>
-            <a:off x="381000" y="1733550"/>
-            <a:ext cx="8229600" cy="1102519"/>
-          </a:xfrm>
-        </p:spPr>
-        <p:txBody>
-          <a:bodyPr/>
-          <a:lstStyle/>
-          <a:p>
-            <a:r>
-              <a:rPr lang="en-US" sz="3600" dirty="0"/>
-              <a:t>Discussion on Session ID and Control Code Options for STAMP Message Format</a:t>
-            </a:r>
-          </a:p>
-        </p:txBody>
-      </p:sp>
-      <p:sp>
-        <p:nvSpPr>
-          <p:cNvPr id="2" name="Rectangle 1">
-            <a:extLst>
-              <a:ext uri="{FF2B5EF4-FFF2-40B4-BE49-F238E27FC236}">
-                <a16:creationId xmlns:a16="http://schemas.microsoft.com/office/drawing/2014/main" id="{787F40F1-9F0F-A844-A8C3-041788A26F6B}"/>
-              </a:ext>
-            </a:extLst>
-          </p:cNvPr>
-          <p:cNvSpPr/>
-          <p:nvPr/>
-        </p:nvSpPr>
-        <p:spPr>
-          <a:xfrm>
-            <a:off x="495300" y="3943350"/>
-            <a:ext cx="5257800" cy="369332"/>
-          </a:xfrm>
-          <a:prstGeom prst="rect">
-            <a:avLst/>
-          </a:prstGeom>
-        </p:spPr>
-        <p:txBody>
-          <a:bodyPr wrap="square">
-            <a:spAutoFit/>
-          </a:bodyPr>
-          <a:lstStyle/>
-          <a:p>
-            <a:pPr>
-              <a:spcBef>
-                <a:spcPct val="20000"/>
-              </a:spcBef>
-            </a:pPr>
-            <a:r>
-              <a:rPr lang="en-US" altLang="zh-CN" i="1" dirty="0">
-                <a:latin typeface="Calibri" panose="020F0502020204030204" pitchFamily="34" charset="0"/>
-                <a:ea typeface="Calibri" charset="0"/>
-                <a:cs typeface="Calibri" panose="020F0502020204030204" pitchFamily="34" charset="0"/>
-              </a:rPr>
-              <a:t>Rakesh Gandhi - Cisco Systems (</a:t>
-            </a:r>
-            <a:r>
-              <a:rPr lang="en-US" altLang="zh-CN" i="1" dirty="0">
-                <a:latin typeface="Calibri" panose="020F0502020204030204" pitchFamily="34" charset="0"/>
-                <a:ea typeface="Calibri" charset="0"/>
-                <a:cs typeface="Calibri" panose="020F0502020204030204" pitchFamily="34" charset="0"/>
-                <a:hlinkClick r:id="rId3"/>
-              </a:rPr>
-              <a:t>rgandhi@cisco.com</a:t>
-            </a:r>
-            <a:r>
-              <a:rPr lang="en-US" altLang="zh-CN" i="1" dirty="0">
-                <a:latin typeface="Calibri" panose="020F0502020204030204" pitchFamily="34" charset="0"/>
-                <a:ea typeface="Calibri" charset="0"/>
-                <a:cs typeface="Calibri" panose="020F0502020204030204" pitchFamily="34" charset="0"/>
-              </a:rPr>
-              <a:t>)</a:t>
-            </a:r>
-          </a:p>
-        </p:txBody>
-      </p:sp>
-    </p:spTree>
-    <p:extLst>
-      <p:ext uri="{BB962C8B-B14F-4D97-AF65-F5344CB8AC3E}">
-        <p14:creationId xmlns:p14="http://schemas.microsoft.com/office/powerpoint/2010/main" val="2637339018"/>
-      </p:ext>
-    </p:extLst>
-  </p:cSld>
-  <p:clrMapOvr>
-    <a:masterClrMapping/>
-  </p:clrMapOvr>
-</p:sld>
-</file>
-
-<file path=ppt/slides/slide22.xml><?xml version="1.0" encoding="utf-8"?>
-<p:sld xmlns:a="http://schemas.openxmlformats.org/drawingml/2006/main" xmlns:r="http://schemas.openxmlformats.org/officeDocument/2006/relationships" xmlns:p="http://schemas.openxmlformats.org/presentationml/2006/main">
-  <p:cSld>
-    <p:spTree>
-      <p:nvGrpSpPr>
-        <p:cNvPr id="1" name=""/>
-        <p:cNvGrpSpPr/>
-        <p:nvPr/>
-      </p:nvGrpSpPr>
-      <p:grpSpPr>
-        <a:xfrm>
-          <a:off x="0" y="0"/>
-          <a:ext cx="0" cy="0"/>
-          <a:chOff x="0" y="0"/>
-          <a:chExt cx="0" cy="0"/>
-        </a:xfrm>
-      </p:grpSpPr>
-      <p:sp>
-        <p:nvSpPr>
-          <p:cNvPr id="3" name="Title 2"/>
-          <p:cNvSpPr>
-            <a:spLocks noGrp="1"/>
-          </p:cNvSpPr>
-          <p:nvPr>
-            <p:ph type="title"/>
-          </p:nvPr>
-        </p:nvSpPr>
-        <p:spPr>
-          <a:xfrm>
-            <a:off x="304800" y="-39330"/>
-            <a:ext cx="8505372" cy="706080"/>
-          </a:xfrm>
-        </p:spPr>
-        <p:txBody>
-          <a:bodyPr/>
-          <a:lstStyle/>
-          <a:p>
-            <a:pPr algn="l"/>
-            <a:r>
-              <a:rPr lang="en-US" sz="2200" dirty="0">
-                <a:solidFill>
-                  <a:srgbClr val="0070C0"/>
-                </a:solidFill>
-                <a:latin typeface="Calibri Light" panose="020F0302020204030204" pitchFamily="34" charset="0"/>
-                <a:cs typeface="Calibri Light" panose="020F0302020204030204" pitchFamily="34" charset="0"/>
-              </a:rPr>
-              <a:t>Option 1: Variable Length Session ID Part of Existing Sequence Number</a:t>
-            </a:r>
-          </a:p>
-        </p:txBody>
-      </p:sp>
-      <p:sp>
-        <p:nvSpPr>
-          <p:cNvPr id="5" name="Rectangle 4"/>
-          <p:cNvSpPr/>
-          <p:nvPr/>
-        </p:nvSpPr>
-        <p:spPr>
-          <a:xfrm>
-            <a:off x="228615" y="742950"/>
-            <a:ext cx="4310728" cy="2862322"/>
-          </a:xfrm>
-          <a:prstGeom prst="rect">
-            <a:avLst/>
-          </a:prstGeom>
-          <a:solidFill>
-            <a:schemeClr val="accent6">
-              <a:lumMod val="20000"/>
-              <a:lumOff val="80000"/>
-            </a:schemeClr>
-          </a:solidFill>
-        </p:spPr>
-        <p:txBody>
-          <a:bodyPr wrap="square">
-            <a:spAutoFit/>
-          </a:bodyPr>
-          <a:lstStyle/>
-          <a:p>
-            <a:pPr>
-              <a:spcAft>
-                <a:spcPts val="0"/>
-              </a:spcAft>
-            </a:pPr>
-            <a:r>
-              <a:rPr lang="en-US" sz="750" b="1" dirty="0">
-                <a:latin typeface="Courier" charset="0"/>
-                <a:ea typeface="Courier" charset="0"/>
-                <a:cs typeface="Courier" charset="0"/>
-              </a:rPr>
-              <a:t>       0                   1                   2                   3</a:t>
-            </a:r>
-          </a:p>
-          <a:p>
-            <a:pPr>
-              <a:spcAft>
-                <a:spcPts val="0"/>
-              </a:spcAft>
-            </a:pPr>
-            <a:r>
-              <a:rPr lang="en-US" sz="750" b="1" dirty="0">
-                <a:latin typeface="Courier" charset="0"/>
-                <a:ea typeface="Courier" charset="0"/>
-                <a:cs typeface="Courier" charset="0"/>
-              </a:rPr>
-              <a:t>       0 1 2 3 4 5 6 7 8 9 0 1 2 3 4 5 6 7 8 9 0 1 2 3 4 5 6 7 8 9 0 1</a:t>
-            </a:r>
-          </a:p>
-          <a:p>
-            <a:pPr>
-              <a:spcAft>
-                <a:spcPts val="0"/>
-              </a:spcAft>
-            </a:pPr>
-            <a:r>
-              <a:rPr lang="en-US" sz="750" b="1" dirty="0">
-                <a:latin typeface="Courier" charset="0"/>
-                <a:ea typeface="Courier" charset="0"/>
-                <a:cs typeface="Courier" charset="0"/>
-              </a:rPr>
-              <a:t>      +-+-+-+-+-+-+-+-+-+-+-+-+-+-+-+-+-+-+-+-+-+-+-+-+-+-+-+-+-+-+-+-+</a:t>
-            </a:r>
-          </a:p>
-          <a:p>
-            <a:pPr>
-              <a:spcAft>
-                <a:spcPts val="0"/>
-              </a:spcAft>
-            </a:pPr>
-            <a:r>
-              <a:rPr lang="en-US" sz="750" b="1" dirty="0">
-                <a:latin typeface="Courier" charset="0"/>
-                <a:ea typeface="Courier" charset="0"/>
-                <a:cs typeface="Courier" charset="0"/>
-              </a:rPr>
-              <a:t>      </a:t>
-            </a:r>
-            <a:r>
-              <a:rPr lang="en-US" sz="750" b="1" dirty="0">
-                <a:solidFill>
-                  <a:srgbClr val="0070C0"/>
-                </a:solidFill>
-                <a:latin typeface="Courier" charset="0"/>
-                <a:ea typeface="Courier" charset="0"/>
-                <a:cs typeface="Courier" charset="0"/>
-              </a:rPr>
-              <a:t>|       Session ID / Sequence Number                            </a:t>
-            </a:r>
-            <a:r>
-              <a:rPr lang="en-US" sz="750" b="1" dirty="0">
-                <a:latin typeface="Courier" charset="0"/>
-                <a:ea typeface="Courier" charset="0"/>
-                <a:cs typeface="Courier" charset="0"/>
-              </a:rPr>
-              <a:t>|</a:t>
-            </a:r>
-          </a:p>
-          <a:p>
-            <a:pPr>
-              <a:spcAft>
-                <a:spcPts val="0"/>
-              </a:spcAft>
-            </a:pPr>
-            <a:r>
-              <a:rPr lang="en-US" sz="750" b="1" dirty="0">
-                <a:latin typeface="Courier" charset="0"/>
-                <a:ea typeface="Courier" charset="0"/>
-                <a:cs typeface="Courier" charset="0"/>
-              </a:rPr>
-              <a:t>      +-+-+-+-+-+-+-+-+-+-+-+-+-+-+-+-+-+-+-+-+-+-+-+-+-+-+-+-+-+-+-+-+</a:t>
-            </a:r>
-          </a:p>
-          <a:p>
-            <a:pPr>
-              <a:spcAft>
-                <a:spcPts val="0"/>
-              </a:spcAft>
-            </a:pPr>
-            <a:r>
-              <a:rPr lang="en-US" sz="750" b="1" dirty="0">
-                <a:latin typeface="Courier" charset="0"/>
-                <a:ea typeface="Courier" charset="0"/>
-                <a:cs typeface="Courier" charset="0"/>
-              </a:rPr>
-              <a:t>      |                          Timestamp                            |</a:t>
-            </a:r>
-          </a:p>
-          <a:p>
-            <a:pPr>
-              <a:spcAft>
-                <a:spcPts val="0"/>
-              </a:spcAft>
-            </a:pPr>
-            <a:r>
-              <a:rPr lang="en-US" sz="750" b="1" dirty="0">
-                <a:latin typeface="Courier" charset="0"/>
-                <a:ea typeface="Courier" charset="0"/>
-                <a:cs typeface="Courier" charset="0"/>
-              </a:rPr>
-              <a:t>      |                                                               |</a:t>
-            </a:r>
-          </a:p>
-          <a:p>
-            <a:pPr>
-              <a:spcAft>
-                <a:spcPts val="0"/>
-              </a:spcAft>
-            </a:pPr>
-            <a:r>
-              <a:rPr lang="en-US" sz="750" b="1" dirty="0">
-                <a:latin typeface="Courier" charset="0"/>
-                <a:ea typeface="Courier" charset="0"/>
-                <a:cs typeface="Courier" charset="0"/>
-              </a:rPr>
-              <a:t>      +-+-+-+-+-+-+-+-+-+-+-+-+-+-+-+-+-+-+-+-+-+-+-+-+-+-+-+-+-+-+-+-+</a:t>
-            </a:r>
-          </a:p>
-          <a:p>
-            <a:pPr>
-              <a:spcAft>
-                <a:spcPts val="0"/>
-              </a:spcAft>
-            </a:pPr>
-            <a:r>
-              <a:rPr lang="en-US" sz="750" b="1" dirty="0">
-                <a:latin typeface="Courier" charset="0"/>
-                <a:ea typeface="Courier" charset="0"/>
-                <a:cs typeface="Courier" charset="0"/>
-              </a:rPr>
-              <a:t>      |         Error Estimate        |   MBZ         | </a:t>
-            </a:r>
-            <a:r>
-              <a:rPr lang="en-US" sz="750" b="1" dirty="0">
-                <a:solidFill>
-                  <a:srgbClr val="0070C0"/>
-                </a:solidFill>
-                <a:latin typeface="Courier" charset="0"/>
-                <a:ea typeface="Courier" charset="0"/>
-                <a:cs typeface="Courier" charset="0"/>
-              </a:rPr>
-              <a:t>Control Code  </a:t>
-            </a:r>
-            <a:r>
-              <a:rPr lang="en-US" sz="750" b="1" dirty="0">
-                <a:latin typeface="Courier" charset="0"/>
-                <a:ea typeface="Courier" charset="0"/>
-                <a:cs typeface="Courier" charset="0"/>
-              </a:rPr>
-              <a:t>|</a:t>
-            </a:r>
-          </a:p>
-          <a:p>
-            <a:pPr>
-              <a:spcAft>
-                <a:spcPts val="0"/>
-              </a:spcAft>
-            </a:pPr>
-            <a:r>
-              <a:rPr lang="en-US" sz="750" b="1" dirty="0">
-                <a:latin typeface="Courier" charset="0"/>
-                <a:ea typeface="Courier" charset="0"/>
-                <a:cs typeface="Courier" charset="0"/>
-              </a:rPr>
-              <a:t>      +-+-+-+-+-+-+-+-+-+-+-+-+-+-+-+-+-+-+-+-+-+-+-+-+-+-+-+-+-+-+-+-+</a:t>
-            </a:r>
-          </a:p>
-          <a:p>
-            <a:pPr>
-              <a:spcAft>
-                <a:spcPts val="0"/>
-              </a:spcAft>
-            </a:pPr>
-            <a:r>
-              <a:rPr lang="en-US" sz="750" b="1" dirty="0">
-                <a:latin typeface="Courier" charset="0"/>
-                <a:ea typeface="Courier" charset="0"/>
-                <a:cs typeface="Courier" charset="0"/>
-              </a:rPr>
-              <a:t>      |                                                               |</a:t>
-            </a:r>
-          </a:p>
-          <a:p>
-            <a:pPr>
-              <a:spcAft>
-                <a:spcPts val="0"/>
-              </a:spcAft>
-            </a:pPr>
-            <a:r>
-              <a:rPr lang="en-US" sz="750" b="1" dirty="0">
-                <a:latin typeface="Courier" charset="0"/>
-                <a:ea typeface="Courier" charset="0"/>
-                <a:cs typeface="Courier" charset="0"/>
-              </a:rPr>
-              <a:t>      |                                                               |</a:t>
-            </a:r>
-          </a:p>
-          <a:p>
-            <a:pPr>
-              <a:spcAft>
-                <a:spcPts val="0"/>
-              </a:spcAft>
-            </a:pPr>
-            <a:r>
-              <a:rPr lang="en-US" sz="750" b="1" dirty="0">
-                <a:latin typeface="Courier" charset="0"/>
-                <a:ea typeface="Courier" charset="0"/>
-                <a:cs typeface="Courier" charset="0"/>
-              </a:rPr>
-              <a:t>      +                                                               +</a:t>
-            </a:r>
-          </a:p>
-          <a:p>
-            <a:pPr>
-              <a:spcAft>
-                <a:spcPts val="0"/>
-              </a:spcAft>
-            </a:pPr>
-            <a:r>
-              <a:rPr lang="en-US" sz="750" b="1" dirty="0">
-                <a:latin typeface="Courier" charset="0"/>
-                <a:ea typeface="Courier" charset="0"/>
-                <a:cs typeface="Courier" charset="0"/>
-              </a:rPr>
-              <a:t>      |                         MBZ (28 octets)                       |</a:t>
-            </a:r>
-          </a:p>
-          <a:p>
-            <a:pPr>
-              <a:spcAft>
-                <a:spcPts val="0"/>
-              </a:spcAft>
-            </a:pPr>
-            <a:r>
-              <a:rPr lang="en-US" sz="750" b="1" dirty="0">
-                <a:latin typeface="Courier" charset="0"/>
-                <a:ea typeface="Courier" charset="0"/>
-                <a:cs typeface="Courier" charset="0"/>
-              </a:rPr>
-              <a:t>      +                                                               +</a:t>
-            </a:r>
-          </a:p>
-          <a:p>
-            <a:pPr>
-              <a:spcAft>
-                <a:spcPts val="0"/>
-              </a:spcAft>
-            </a:pPr>
-            <a:r>
-              <a:rPr lang="en-US" sz="750" b="1" dirty="0">
-                <a:latin typeface="Courier" charset="0"/>
-                <a:ea typeface="Courier" charset="0"/>
-                <a:cs typeface="Courier" charset="0"/>
-              </a:rPr>
-              <a:t>      |                                                               |</a:t>
-            </a:r>
-          </a:p>
-          <a:p>
-            <a:pPr>
-              <a:spcAft>
-                <a:spcPts val="0"/>
-              </a:spcAft>
-            </a:pPr>
-            <a:r>
-              <a:rPr lang="en-US" sz="750" b="1" dirty="0">
-                <a:latin typeface="Courier" charset="0"/>
-                <a:ea typeface="Courier" charset="0"/>
-                <a:cs typeface="Courier" charset="0"/>
-              </a:rPr>
-              <a:t>      |                                                               |</a:t>
-            </a:r>
-          </a:p>
-          <a:p>
-            <a:pPr>
-              <a:spcAft>
-                <a:spcPts val="0"/>
-              </a:spcAft>
-            </a:pPr>
-            <a:r>
-              <a:rPr lang="en-US" sz="750" b="1" dirty="0">
-                <a:latin typeface="Courier" charset="0"/>
-                <a:ea typeface="Courier" charset="0"/>
-                <a:cs typeface="Courier" charset="0"/>
-              </a:rPr>
-              <a:t>      +                                                               +</a:t>
-            </a:r>
-          </a:p>
-          <a:p>
-            <a:pPr>
-              <a:spcAft>
-                <a:spcPts val="0"/>
-              </a:spcAft>
-            </a:pPr>
-            <a:r>
-              <a:rPr lang="en-US" sz="750" b="1" dirty="0">
-                <a:latin typeface="Courier" charset="0"/>
-                <a:ea typeface="Courier" charset="0"/>
-                <a:cs typeface="Courier" charset="0"/>
-              </a:rPr>
-              <a:t>      |                                                               |</a:t>
-            </a:r>
-          </a:p>
-          <a:p>
-            <a:pPr>
-              <a:spcAft>
-                <a:spcPts val="0"/>
-              </a:spcAft>
-            </a:pPr>
-            <a:r>
-              <a:rPr lang="en-US" sz="750" b="1" dirty="0">
-                <a:latin typeface="Courier" charset="0"/>
-                <a:ea typeface="Courier" charset="0"/>
-                <a:cs typeface="Courier" charset="0"/>
-              </a:rPr>
-              <a:t>      +                                                               +</a:t>
-            </a:r>
-          </a:p>
-          <a:p>
-            <a:pPr>
-              <a:spcAft>
-                <a:spcPts val="0"/>
-              </a:spcAft>
-            </a:pPr>
-            <a:r>
-              <a:rPr lang="en-US" sz="750" b="1" dirty="0">
-                <a:latin typeface="Courier" charset="0"/>
-                <a:ea typeface="Courier" charset="0"/>
-                <a:cs typeface="Courier" charset="0"/>
-              </a:rPr>
-              <a:t>      |                                                               |</a:t>
-            </a:r>
-          </a:p>
-          <a:p>
-            <a:pPr>
-              <a:spcAft>
-                <a:spcPts val="0"/>
-              </a:spcAft>
-            </a:pPr>
-            <a:r>
-              <a:rPr lang="en-US" sz="750" b="1" dirty="0">
-                <a:latin typeface="Courier" charset="0"/>
-                <a:ea typeface="Courier" charset="0"/>
-                <a:cs typeface="Courier" charset="0"/>
-              </a:rPr>
-              <a:t>      +-+-+-+-+-+-+-+-+-+-+-+-+-+-+-+-+-+-+-+-+-+-+-+-+-+-+-+-+-+-+-+-+</a:t>
-            </a:r>
-          </a:p>
-          <a:p>
-            <a:pPr>
-              <a:spcAft>
-                <a:spcPts val="0"/>
-              </a:spcAft>
-            </a:pPr>
-            <a:endParaRPr lang="en-US" sz="750" b="1" dirty="0">
-              <a:latin typeface="Courier" charset="0"/>
-              <a:ea typeface="Courier" charset="0"/>
-              <a:cs typeface="Courier" charset="0"/>
-            </a:endParaRPr>
-          </a:p>
-          <a:p>
-            <a:pPr>
-              <a:spcAft>
-                <a:spcPts val="0"/>
-              </a:spcAft>
-            </a:pPr>
-            <a:r>
-              <a:rPr lang="en-US" sz="750" b="1" dirty="0">
-                <a:latin typeface="Courier" charset="0"/>
-                <a:ea typeface="Courier" charset="0"/>
-                <a:cs typeface="Courier" charset="0"/>
-              </a:rPr>
-              <a:t>	    Figure: Sender Message Format in STAMP</a:t>
-            </a:r>
-          </a:p>
-        </p:txBody>
-      </p:sp>
-      <p:sp>
-        <p:nvSpPr>
-          <p:cNvPr id="14" name="Rectangle 13">
-            <a:extLst>
-              <a:ext uri="{FF2B5EF4-FFF2-40B4-BE49-F238E27FC236}">
-                <a16:creationId xmlns:a16="http://schemas.microsoft.com/office/drawing/2014/main" id="{5F9D9D1B-92A3-C64D-87B1-9B0B9C9E3A13}"/>
-              </a:ext>
-            </a:extLst>
-          </p:cNvPr>
-          <p:cNvSpPr/>
-          <p:nvPr/>
-        </p:nvSpPr>
-        <p:spPr>
-          <a:xfrm>
-            <a:off x="4495800" y="742950"/>
-            <a:ext cx="4368799" cy="2862322"/>
-          </a:xfrm>
-          <a:prstGeom prst="rect">
-            <a:avLst/>
-          </a:prstGeom>
-          <a:solidFill>
-            <a:schemeClr val="accent6">
-              <a:lumMod val="20000"/>
-              <a:lumOff val="80000"/>
-            </a:schemeClr>
-          </a:solidFill>
-        </p:spPr>
-        <p:txBody>
-          <a:bodyPr wrap="square">
-            <a:spAutoFit/>
-          </a:bodyPr>
-          <a:lstStyle/>
-          <a:p>
-            <a:pPr>
-              <a:spcAft>
-                <a:spcPts val="0"/>
-              </a:spcAft>
-            </a:pPr>
-            <a:r>
-              <a:rPr lang="en-US" sz="750" b="1" dirty="0">
-                <a:latin typeface="Courier" charset="0"/>
-                <a:ea typeface="Courier" charset="0"/>
-                <a:cs typeface="Courier" charset="0"/>
-              </a:rPr>
-              <a:t>     0                   1                   2                   3</a:t>
-            </a:r>
-          </a:p>
-          <a:p>
-            <a:pPr>
-              <a:spcAft>
-                <a:spcPts val="0"/>
-              </a:spcAft>
-            </a:pPr>
-            <a:r>
-              <a:rPr lang="en-US" sz="750" b="1" dirty="0">
-                <a:latin typeface="Courier" charset="0"/>
-                <a:ea typeface="Courier" charset="0"/>
-                <a:cs typeface="Courier" charset="0"/>
-              </a:rPr>
-              <a:t>     0 1 2 3 4 5 6 7 8 9 0 1 2 3 4 5 6 7 8 9 0 1 2 3 4 5 6 7 8 9 0 1</a:t>
-            </a:r>
-          </a:p>
-          <a:p>
-            <a:pPr>
-              <a:spcAft>
-                <a:spcPts val="0"/>
-              </a:spcAft>
-            </a:pPr>
-            <a:r>
-              <a:rPr lang="en-US" sz="750" b="1" dirty="0">
-                <a:latin typeface="Courier" charset="0"/>
-                <a:ea typeface="Courier" charset="0"/>
-                <a:cs typeface="Courier" charset="0"/>
-              </a:rPr>
-              <a:t>    +-+-+-+-+-+-+-+-+-+-+-+-+-+-+-+-+-+-+-+-+-+-+-+-+-+-+-+-+-+-+-+-+</a:t>
-            </a:r>
-          </a:p>
-          <a:p>
-            <a:pPr>
-              <a:spcAft>
-                <a:spcPts val="0"/>
-              </a:spcAft>
-            </a:pPr>
-            <a:r>
-              <a:rPr lang="en-US" sz="750" b="1" dirty="0">
-                <a:latin typeface="Courier" charset="0"/>
-                <a:ea typeface="Courier" charset="0"/>
-                <a:cs typeface="Courier" charset="0"/>
-              </a:rPr>
-              <a:t>    |                        Sequence Number                        |</a:t>
-            </a:r>
-          </a:p>
-          <a:p>
-            <a:pPr>
-              <a:spcAft>
-                <a:spcPts val="0"/>
-              </a:spcAft>
-            </a:pPr>
-            <a:r>
-              <a:rPr lang="en-US" sz="750" b="1" dirty="0">
-                <a:latin typeface="Courier" charset="0"/>
-                <a:ea typeface="Courier" charset="0"/>
-                <a:cs typeface="Courier" charset="0"/>
-              </a:rPr>
-              <a:t>    +-+-+-+-+-+-+-+-+-+-+-+-+-+-+-+-+-+-+-+-+-+-+-+-+-+-+-+-+-+-+-+-+</a:t>
-            </a:r>
-          </a:p>
-          <a:p>
-            <a:pPr>
-              <a:spcAft>
-                <a:spcPts val="0"/>
-              </a:spcAft>
-            </a:pPr>
-            <a:r>
-              <a:rPr lang="en-US" sz="750" b="1" dirty="0">
-                <a:latin typeface="Courier" charset="0"/>
-                <a:ea typeface="Courier" charset="0"/>
-                <a:cs typeface="Courier" charset="0"/>
-              </a:rPr>
-              <a:t>    |                          Timestamp                            |</a:t>
-            </a:r>
-          </a:p>
-          <a:p>
-            <a:pPr>
-              <a:spcAft>
-                <a:spcPts val="0"/>
-              </a:spcAft>
-            </a:pPr>
-            <a:r>
-              <a:rPr lang="en-US" sz="750" b="1" dirty="0">
-                <a:latin typeface="Courier" charset="0"/>
-                <a:ea typeface="Courier" charset="0"/>
-                <a:cs typeface="Courier" charset="0"/>
-              </a:rPr>
-              <a:t>    |                                                               |</a:t>
-            </a:r>
-          </a:p>
-          <a:p>
-            <a:pPr>
-              <a:spcAft>
-                <a:spcPts val="0"/>
-              </a:spcAft>
-            </a:pPr>
-            <a:r>
-              <a:rPr lang="en-US" sz="750" b="1" dirty="0">
-                <a:latin typeface="Courier" charset="0"/>
-                <a:ea typeface="Courier" charset="0"/>
-                <a:cs typeface="Courier" charset="0"/>
-              </a:rPr>
-              <a:t>    +-+-+-+-+-+-+-+-+-+-+-+-+-+-+-+-+-+-+-+-+-+-+-+-+-+-+-+-+-+-+-+-+</a:t>
-            </a:r>
-          </a:p>
-          <a:p>
-            <a:pPr>
-              <a:spcAft>
-                <a:spcPts val="0"/>
-              </a:spcAft>
-            </a:pPr>
-            <a:r>
-              <a:rPr lang="en-US" sz="750" b="1" dirty="0">
-                <a:latin typeface="Courier" charset="0"/>
-                <a:ea typeface="Courier" charset="0"/>
-                <a:cs typeface="Courier" charset="0"/>
-              </a:rPr>
-              <a:t>    |         Error Estimate        |  MBZ          | </a:t>
-            </a:r>
-            <a:r>
-              <a:rPr lang="en-US" sz="750" b="1" dirty="0">
-                <a:solidFill>
-                  <a:srgbClr val="0070C0"/>
-                </a:solidFill>
-                <a:latin typeface="Courier" charset="0"/>
-                <a:ea typeface="Courier" charset="0"/>
-                <a:cs typeface="Courier" charset="0"/>
-              </a:rPr>
-              <a:t>Control Code  </a:t>
-            </a:r>
-            <a:r>
-              <a:rPr lang="en-US" sz="750" b="1" dirty="0">
-                <a:latin typeface="Courier" charset="0"/>
-                <a:ea typeface="Courier" charset="0"/>
-                <a:cs typeface="Courier" charset="0"/>
-              </a:rPr>
-              <a:t>|    </a:t>
-            </a:r>
-          </a:p>
-          <a:p>
-            <a:pPr>
-              <a:spcAft>
-                <a:spcPts val="0"/>
-              </a:spcAft>
-            </a:pPr>
-            <a:r>
-              <a:rPr lang="en-US" sz="750" b="1" dirty="0">
-                <a:latin typeface="Courier" charset="0"/>
-                <a:ea typeface="Courier" charset="0"/>
-                <a:cs typeface="Courier" charset="0"/>
-              </a:rPr>
-              <a:t>    +-+-+-+-+-+-+-+-+-+-+-+-+-+-+-+-+-+-+-+-+-+-+-+-+-+-+-+-+-+-+-+-+</a:t>
-            </a:r>
-          </a:p>
-          <a:p>
-            <a:pPr>
-              <a:spcAft>
-                <a:spcPts val="0"/>
-              </a:spcAft>
-            </a:pPr>
-            <a:r>
-              <a:rPr lang="en-US" sz="750" b="1" dirty="0">
-                <a:latin typeface="Courier" charset="0"/>
-                <a:ea typeface="Courier" charset="0"/>
-                <a:cs typeface="Courier" charset="0"/>
-              </a:rPr>
-              <a:t>    |                          Receive Timestamp                    |</a:t>
-            </a:r>
-          </a:p>
-          <a:p>
-            <a:pPr>
-              <a:spcAft>
-                <a:spcPts val="0"/>
-              </a:spcAft>
-            </a:pPr>
-            <a:r>
-              <a:rPr lang="en-US" sz="750" b="1" dirty="0">
-                <a:latin typeface="Courier" charset="0"/>
-                <a:ea typeface="Courier" charset="0"/>
-                <a:cs typeface="Courier" charset="0"/>
-              </a:rPr>
-              <a:t>    |                                                               |</a:t>
-            </a:r>
-          </a:p>
-          <a:p>
-            <a:pPr>
-              <a:spcAft>
-                <a:spcPts val="0"/>
-              </a:spcAft>
-            </a:pPr>
-            <a:r>
-              <a:rPr lang="en-US" sz="750" b="1" dirty="0">
-                <a:latin typeface="Courier" charset="0"/>
-                <a:ea typeface="Courier" charset="0"/>
-                <a:cs typeface="Courier" charset="0"/>
-              </a:rPr>
-              <a:t>    +-+-+-+-+-+-+-+-+-+-+-+-+-+-+-+-+-+-+-+-+-+-+-+-+-+-+-+-+-+-+-+-+</a:t>
-            </a:r>
-          </a:p>
-          <a:p>
-            <a:pPr>
-              <a:spcAft>
-                <a:spcPts val="0"/>
-              </a:spcAft>
-            </a:pPr>
-            <a:r>
-              <a:rPr lang="en-US" sz="750" b="1" dirty="0">
-                <a:latin typeface="Courier" charset="0"/>
-                <a:ea typeface="Courier" charset="0"/>
-                <a:cs typeface="Courier" charset="0"/>
-              </a:rPr>
-              <a:t>    |     </a:t>
-            </a:r>
-            <a:r>
-              <a:rPr lang="en-US" sz="750" b="1" dirty="0">
-                <a:solidFill>
-                  <a:srgbClr val="0070C0"/>
-                </a:solidFill>
-                <a:latin typeface="Courier" charset="0"/>
-                <a:ea typeface="Courier" charset="0"/>
-                <a:cs typeface="Courier" charset="0"/>
-              </a:rPr>
-              <a:t>Sender Session ID / Sender Sequence Number                </a:t>
-            </a:r>
-            <a:r>
-              <a:rPr lang="en-US" sz="750" b="1" dirty="0">
-                <a:latin typeface="Courier" charset="0"/>
-                <a:ea typeface="Courier" charset="0"/>
-                <a:cs typeface="Courier" charset="0"/>
-              </a:rPr>
-              <a:t>|  </a:t>
-            </a:r>
-          </a:p>
-          <a:p>
-            <a:pPr>
-              <a:spcAft>
-                <a:spcPts val="0"/>
-              </a:spcAft>
-            </a:pPr>
-            <a:r>
-              <a:rPr lang="en-US" sz="750" b="1" dirty="0">
-                <a:latin typeface="Courier" charset="0"/>
-                <a:ea typeface="Courier" charset="0"/>
-                <a:cs typeface="Courier" charset="0"/>
-              </a:rPr>
-              <a:t>    +-+-+-+-+-+-+-+-+-+-+-+-+-+-+-+-+-+-+-+-+-+-+-+-+-+-+-+-+-+-+-+-+</a:t>
-            </a:r>
-          </a:p>
-          <a:p>
-            <a:pPr>
-              <a:spcAft>
-                <a:spcPts val="0"/>
-              </a:spcAft>
-            </a:pPr>
-            <a:r>
-              <a:rPr lang="en-US" sz="750" b="1" dirty="0">
-                <a:latin typeface="Courier" charset="0"/>
-                <a:ea typeface="Courier" charset="0"/>
-                <a:cs typeface="Courier" charset="0"/>
-              </a:rPr>
-              <a:t>    |                  Session-Sender Timestamp                     |</a:t>
-            </a:r>
-          </a:p>
-          <a:p>
-            <a:pPr>
-              <a:spcAft>
-                <a:spcPts val="0"/>
-              </a:spcAft>
-            </a:pPr>
-            <a:r>
-              <a:rPr lang="en-US" sz="750" b="1" dirty="0">
-                <a:latin typeface="Courier" charset="0"/>
-                <a:ea typeface="Courier" charset="0"/>
-                <a:cs typeface="Courier" charset="0"/>
-              </a:rPr>
-              <a:t>    |                                                               |</a:t>
-            </a:r>
-          </a:p>
-          <a:p>
-            <a:pPr>
-              <a:spcAft>
-                <a:spcPts val="0"/>
-              </a:spcAft>
-            </a:pPr>
-            <a:r>
-              <a:rPr lang="en-US" sz="750" b="1" dirty="0">
-                <a:latin typeface="Courier" charset="0"/>
-                <a:ea typeface="Courier" charset="0"/>
-                <a:cs typeface="Courier" charset="0"/>
-              </a:rPr>
-              <a:t>    +-+-+-+-+-+-+-+-+-+-+-+-+-+-+-+-+-+-+-+-+-+-+-+-+-+-+-+-+-+-+-+-+</a:t>
-            </a:r>
-          </a:p>
-          <a:p>
-            <a:pPr>
-              <a:spcAft>
-                <a:spcPts val="0"/>
-              </a:spcAft>
-            </a:pPr>
-            <a:r>
-              <a:rPr lang="en-US" sz="750" b="1" dirty="0">
-                <a:latin typeface="Courier" charset="0"/>
-                <a:ea typeface="Courier" charset="0"/>
-                <a:cs typeface="Courier" charset="0"/>
-              </a:rPr>
-              <a:t>    | Session-Sender Error Estimate |           MBZ                 |</a:t>
-            </a:r>
-          </a:p>
-          <a:p>
-            <a:pPr>
-              <a:spcAft>
-                <a:spcPts val="0"/>
-              </a:spcAft>
-            </a:pPr>
-            <a:r>
-              <a:rPr lang="en-US" sz="750" b="1" dirty="0">
-                <a:latin typeface="Courier" charset="0"/>
-                <a:ea typeface="Courier" charset="0"/>
-                <a:cs typeface="Courier" charset="0"/>
-              </a:rPr>
-              <a:t>    +-+-+-+-+-+-+-+-+-+-+-+-+-+-+-+-+-+-+-+-+-+-+-+-+-+-+-+-+-+-+-+-+</a:t>
-            </a:r>
-          </a:p>
-          <a:p>
-            <a:pPr>
-              <a:spcAft>
-                <a:spcPts val="0"/>
-              </a:spcAft>
-            </a:pPr>
-            <a:r>
-              <a:rPr lang="en-US" sz="750" b="1" dirty="0">
-                <a:latin typeface="Courier" charset="0"/>
-                <a:ea typeface="Courier" charset="0"/>
-                <a:cs typeface="Courier" charset="0"/>
-              </a:rPr>
-              <a:t>    |</a:t>
-            </a:r>
-            <a:r>
-              <a:rPr lang="en-US" sz="750" b="1" dirty="0" err="1">
-                <a:latin typeface="Courier" charset="0"/>
-                <a:ea typeface="Courier" charset="0"/>
-                <a:cs typeface="Courier" charset="0"/>
-              </a:rPr>
-              <a:t>Ses</a:t>
-            </a:r>
-            <a:r>
-              <a:rPr lang="en-US" sz="750" b="1" dirty="0">
-                <a:latin typeface="Courier" charset="0"/>
-                <a:ea typeface="Courier" charset="0"/>
-                <a:cs typeface="Courier" charset="0"/>
-              </a:rPr>
-              <a:t>-Sender TTL |                  MBZ                          |</a:t>
-            </a:r>
-          </a:p>
-          <a:p>
-            <a:pPr>
-              <a:spcAft>
-                <a:spcPts val="0"/>
-              </a:spcAft>
-            </a:pPr>
-            <a:r>
-              <a:rPr lang="en-US" sz="750" b="1" dirty="0">
-                <a:latin typeface="Courier" charset="0"/>
-                <a:ea typeface="Courier" charset="0"/>
-                <a:cs typeface="Courier" charset="0"/>
-              </a:rPr>
-              <a:t>    +-+-+-+-+-+-+-+-+-+-+-+-+-+-+-+-+-+-+-+-+-+-+-+-+-+-+-+-+-+-+-+-+</a:t>
-            </a:r>
-          </a:p>
-          <a:p>
-            <a:pPr>
-              <a:spcAft>
-                <a:spcPts val="0"/>
-              </a:spcAft>
-            </a:pPr>
-            <a:r>
-              <a:rPr lang="en-US" sz="750" b="1" dirty="0">
-                <a:solidFill>
-                  <a:srgbClr val="0070C0"/>
-                </a:solidFill>
-                <a:latin typeface="Courier" charset="0"/>
-                <a:ea typeface="Courier" charset="0"/>
-                <a:cs typeface="Courier" charset="0"/>
-              </a:rPr>
-              <a:t>	    </a:t>
-            </a:r>
-          </a:p>
-          <a:p>
-            <a:pPr>
-              <a:spcAft>
-                <a:spcPts val="0"/>
-              </a:spcAft>
-            </a:pPr>
-            <a:r>
-              <a:rPr lang="en-US" sz="750" b="1" dirty="0">
-                <a:latin typeface="Courier" charset="0"/>
-                <a:ea typeface="Courier" charset="0"/>
-                <a:cs typeface="Courier" charset="0"/>
-              </a:rPr>
-              <a:t>                  Figure: Reflector Message Format in STAMP</a:t>
-            </a:r>
-          </a:p>
-        </p:txBody>
-      </p:sp>
-      <p:sp>
-        <p:nvSpPr>
-          <p:cNvPr id="6" name="Footer Placeholder 3">
-            <a:extLst>
-              <a:ext uri="{FF2B5EF4-FFF2-40B4-BE49-F238E27FC236}">
-                <a16:creationId xmlns:a16="http://schemas.microsoft.com/office/drawing/2014/main" id="{DAAC01B7-F9FF-A94D-AC6F-E2071AD95C28}"/>
-              </a:ext>
-            </a:extLst>
-          </p:cNvPr>
-          <p:cNvSpPr txBox="1">
-            <a:spLocks/>
-          </p:cNvSpPr>
-          <p:nvPr/>
-        </p:nvSpPr>
-        <p:spPr>
-          <a:xfrm>
-            <a:off x="3467100" y="4844952"/>
-            <a:ext cx="2209800" cy="357188"/>
-          </a:xfrm>
-          <a:prstGeom prst="rect">
-            <a:avLst/>
-          </a:prstGeom>
-        </p:spPr>
-        <p:txBody>
-          <a:bodyPr/>
-          <a:lstStyle>
-            <a:defPPr>
-              <a:defRPr lang="zh-CN"/>
-            </a:defPPr>
-            <a:lvl1pPr algn="l" rtl="0" fontAlgn="base">
-              <a:spcBef>
-                <a:spcPct val="0"/>
-              </a:spcBef>
-              <a:spcAft>
-                <a:spcPct val="0"/>
-              </a:spcAft>
-              <a:defRPr kern="1200">
-                <a:solidFill>
-                  <a:schemeClr val="tx1"/>
-                </a:solidFill>
-                <a:latin typeface="Arial" charset="0"/>
-                <a:ea typeface="宋体" pitchFamily="2" charset="-122"/>
-                <a:cs typeface="+mn-cs"/>
-              </a:defRPr>
-            </a:lvl1pPr>
-            <a:lvl2pPr marL="457200" algn="l" rtl="0" fontAlgn="base">
-              <a:spcBef>
-                <a:spcPct val="0"/>
-              </a:spcBef>
-              <a:spcAft>
-                <a:spcPct val="0"/>
-              </a:spcAft>
-              <a:defRPr kern="1200">
-                <a:solidFill>
-                  <a:schemeClr val="tx1"/>
-                </a:solidFill>
-                <a:latin typeface="Arial" charset="0"/>
-                <a:ea typeface="宋体" pitchFamily="2" charset="-122"/>
-                <a:cs typeface="+mn-cs"/>
-              </a:defRPr>
-            </a:lvl2pPr>
-            <a:lvl3pPr marL="914400" algn="l" rtl="0" fontAlgn="base">
-              <a:spcBef>
-                <a:spcPct val="0"/>
-              </a:spcBef>
-              <a:spcAft>
-                <a:spcPct val="0"/>
-              </a:spcAft>
-              <a:defRPr kern="1200">
-                <a:solidFill>
-                  <a:schemeClr val="tx1"/>
-                </a:solidFill>
-                <a:latin typeface="Arial" charset="0"/>
-                <a:ea typeface="宋体" pitchFamily="2" charset="-122"/>
-                <a:cs typeface="+mn-cs"/>
-              </a:defRPr>
-            </a:lvl3pPr>
-            <a:lvl4pPr marL="1371600" algn="l" rtl="0" fontAlgn="base">
-              <a:spcBef>
-                <a:spcPct val="0"/>
-              </a:spcBef>
-              <a:spcAft>
-                <a:spcPct val="0"/>
-              </a:spcAft>
-              <a:defRPr kern="1200">
-                <a:solidFill>
-                  <a:schemeClr val="tx1"/>
-                </a:solidFill>
-                <a:latin typeface="Arial" charset="0"/>
-                <a:ea typeface="宋体" pitchFamily="2" charset="-122"/>
-                <a:cs typeface="+mn-cs"/>
-              </a:defRPr>
-            </a:lvl4pPr>
-            <a:lvl5pPr marL="1828800" algn="l" rtl="0" fontAlgn="base">
-              <a:spcBef>
-                <a:spcPct val="0"/>
-              </a:spcBef>
-              <a:spcAft>
-                <a:spcPct val="0"/>
-              </a:spcAft>
-              <a:defRPr kern="1200">
-                <a:solidFill>
-                  <a:schemeClr val="tx1"/>
-                </a:solidFill>
-                <a:latin typeface="Arial" charset="0"/>
-                <a:ea typeface="宋体" pitchFamily="2" charset="-122"/>
-                <a:cs typeface="+mn-cs"/>
-              </a:defRPr>
-            </a:lvl5pPr>
-            <a:lvl6pPr marL="2286000" algn="l" defTabSz="914400" rtl="0" eaLnBrk="1" latinLnBrk="0" hangingPunct="1">
-              <a:defRPr kern="1200">
-                <a:solidFill>
-                  <a:schemeClr val="tx1"/>
-                </a:solidFill>
-                <a:latin typeface="Arial" charset="0"/>
-                <a:ea typeface="宋体" pitchFamily="2" charset="-122"/>
-                <a:cs typeface="+mn-cs"/>
-              </a:defRPr>
-            </a:lvl6pPr>
-            <a:lvl7pPr marL="2743200" algn="l" defTabSz="914400" rtl="0" eaLnBrk="1" latinLnBrk="0" hangingPunct="1">
-              <a:defRPr kern="1200">
-                <a:solidFill>
-                  <a:schemeClr val="tx1"/>
-                </a:solidFill>
-                <a:latin typeface="Arial" charset="0"/>
-                <a:ea typeface="宋体" pitchFamily="2" charset="-122"/>
-                <a:cs typeface="+mn-cs"/>
-              </a:defRPr>
-            </a:lvl7pPr>
-            <a:lvl8pPr marL="3200400" algn="l" defTabSz="914400" rtl="0" eaLnBrk="1" latinLnBrk="0" hangingPunct="1">
-              <a:defRPr kern="1200">
-                <a:solidFill>
-                  <a:schemeClr val="tx1"/>
-                </a:solidFill>
-                <a:latin typeface="Arial" charset="0"/>
-                <a:ea typeface="宋体" pitchFamily="2" charset="-122"/>
-                <a:cs typeface="+mn-cs"/>
-              </a:defRPr>
-            </a:lvl8pPr>
-            <a:lvl9pPr marL="3657600" algn="l" defTabSz="914400" rtl="0" eaLnBrk="1" latinLnBrk="0" hangingPunct="1">
-              <a:defRPr kern="1200">
-                <a:solidFill>
-                  <a:schemeClr val="tx1"/>
-                </a:solidFill>
-                <a:latin typeface="Arial" charset="0"/>
-                <a:ea typeface="宋体" pitchFamily="2" charset="-122"/>
-                <a:cs typeface="+mn-cs"/>
-              </a:defRPr>
-            </a:lvl9pPr>
-          </a:lstStyle>
-          <a:p>
-            <a:pPr>
-              <a:defRPr/>
-            </a:pPr>
-            <a:r>
-              <a:rPr lang="en-US" altLang="zh-CN" sz="1200" dirty="0"/>
-              <a:t>107</a:t>
-            </a:r>
-            <a:r>
-              <a:rPr lang="en-US" altLang="zh-CN" sz="1200" baseline="30000" dirty="0"/>
-              <a:t>th</a:t>
-            </a:r>
-            <a:r>
-              <a:rPr lang="en-US" altLang="zh-CN" sz="1200" dirty="0"/>
-              <a:t> IETF @ Vancouver</a:t>
-            </a:r>
-          </a:p>
-        </p:txBody>
-      </p:sp>
-      <p:sp>
-        <p:nvSpPr>
-          <p:cNvPr id="7" name="Slide Number Placeholder 2">
-            <a:extLst>
-              <a:ext uri="{FF2B5EF4-FFF2-40B4-BE49-F238E27FC236}">
-                <a16:creationId xmlns:a16="http://schemas.microsoft.com/office/drawing/2014/main" id="{8D46899F-25E7-8042-9E81-459B5F041477}"/>
-              </a:ext>
-            </a:extLst>
-          </p:cNvPr>
-          <p:cNvSpPr txBox="1">
-            <a:spLocks/>
-          </p:cNvSpPr>
-          <p:nvPr/>
-        </p:nvSpPr>
-        <p:spPr>
-          <a:xfrm>
-            <a:off x="7585136" y="4666358"/>
-            <a:ext cx="1143000" cy="357188"/>
-          </a:xfrm>
-          <a:prstGeom prst="rect">
-            <a:avLst/>
-          </a:prstGeom>
-        </p:spPr>
-        <p:txBody>
-          <a:bodyPr/>
-          <a:lstStyle>
-            <a:defPPr>
-              <a:defRPr lang="zh-CN"/>
-            </a:defPPr>
-            <a:lvl1pPr algn="l" rtl="0" fontAlgn="base">
-              <a:spcBef>
-                <a:spcPct val="0"/>
-              </a:spcBef>
-              <a:spcAft>
-                <a:spcPct val="0"/>
-              </a:spcAft>
-              <a:defRPr kern="1200">
-                <a:solidFill>
-                  <a:schemeClr val="tx1"/>
-                </a:solidFill>
-                <a:latin typeface="Arial" charset="0"/>
-                <a:ea typeface="宋体" pitchFamily="2" charset="-122"/>
-                <a:cs typeface="+mn-cs"/>
-              </a:defRPr>
-            </a:lvl1pPr>
-            <a:lvl2pPr marL="457200" algn="l" rtl="0" fontAlgn="base">
-              <a:spcBef>
-                <a:spcPct val="0"/>
-              </a:spcBef>
-              <a:spcAft>
-                <a:spcPct val="0"/>
-              </a:spcAft>
-              <a:defRPr kern="1200">
-                <a:solidFill>
-                  <a:schemeClr val="tx1"/>
-                </a:solidFill>
-                <a:latin typeface="Arial" charset="0"/>
-                <a:ea typeface="宋体" pitchFamily="2" charset="-122"/>
-                <a:cs typeface="+mn-cs"/>
-              </a:defRPr>
-            </a:lvl2pPr>
-            <a:lvl3pPr marL="914400" algn="l" rtl="0" fontAlgn="base">
-              <a:spcBef>
-                <a:spcPct val="0"/>
-              </a:spcBef>
-              <a:spcAft>
-                <a:spcPct val="0"/>
-              </a:spcAft>
-              <a:defRPr kern="1200">
-                <a:solidFill>
-                  <a:schemeClr val="tx1"/>
-                </a:solidFill>
-                <a:latin typeface="Arial" charset="0"/>
-                <a:ea typeface="宋体" pitchFamily="2" charset="-122"/>
-                <a:cs typeface="+mn-cs"/>
-              </a:defRPr>
-            </a:lvl3pPr>
-            <a:lvl4pPr marL="1371600" algn="l" rtl="0" fontAlgn="base">
-              <a:spcBef>
-                <a:spcPct val="0"/>
-              </a:spcBef>
-              <a:spcAft>
-                <a:spcPct val="0"/>
-              </a:spcAft>
-              <a:defRPr kern="1200">
-                <a:solidFill>
-                  <a:schemeClr val="tx1"/>
-                </a:solidFill>
-                <a:latin typeface="Arial" charset="0"/>
-                <a:ea typeface="宋体" pitchFamily="2" charset="-122"/>
-                <a:cs typeface="+mn-cs"/>
-              </a:defRPr>
-            </a:lvl4pPr>
-            <a:lvl5pPr marL="1828800" algn="l" rtl="0" fontAlgn="base">
-              <a:spcBef>
-                <a:spcPct val="0"/>
-              </a:spcBef>
-              <a:spcAft>
-                <a:spcPct val="0"/>
-              </a:spcAft>
-              <a:defRPr kern="1200">
-                <a:solidFill>
-                  <a:schemeClr val="tx1"/>
-                </a:solidFill>
-                <a:latin typeface="Arial" charset="0"/>
-                <a:ea typeface="宋体" pitchFamily="2" charset="-122"/>
-                <a:cs typeface="+mn-cs"/>
-              </a:defRPr>
-            </a:lvl5pPr>
-            <a:lvl6pPr marL="2286000" algn="l" defTabSz="914400" rtl="0" eaLnBrk="1" latinLnBrk="0" hangingPunct="1">
-              <a:defRPr kern="1200">
-                <a:solidFill>
-                  <a:schemeClr val="tx1"/>
-                </a:solidFill>
-                <a:latin typeface="Arial" charset="0"/>
-                <a:ea typeface="宋体" pitchFamily="2" charset="-122"/>
-                <a:cs typeface="+mn-cs"/>
-              </a:defRPr>
-            </a:lvl6pPr>
-            <a:lvl7pPr marL="2743200" algn="l" defTabSz="914400" rtl="0" eaLnBrk="1" latinLnBrk="0" hangingPunct="1">
-              <a:defRPr kern="1200">
-                <a:solidFill>
-                  <a:schemeClr val="tx1"/>
-                </a:solidFill>
-                <a:latin typeface="Arial" charset="0"/>
-                <a:ea typeface="宋体" pitchFamily="2" charset="-122"/>
-                <a:cs typeface="+mn-cs"/>
-              </a:defRPr>
-            </a:lvl7pPr>
-            <a:lvl8pPr marL="3200400" algn="l" defTabSz="914400" rtl="0" eaLnBrk="1" latinLnBrk="0" hangingPunct="1">
-              <a:defRPr kern="1200">
-                <a:solidFill>
-                  <a:schemeClr val="tx1"/>
-                </a:solidFill>
-                <a:latin typeface="Arial" charset="0"/>
-                <a:ea typeface="宋体" pitchFamily="2" charset="-122"/>
-                <a:cs typeface="+mn-cs"/>
-              </a:defRPr>
-            </a:lvl8pPr>
-            <a:lvl9pPr marL="3657600" algn="l" defTabSz="914400" rtl="0" eaLnBrk="1" latinLnBrk="0" hangingPunct="1">
-              <a:defRPr kern="1200">
-                <a:solidFill>
-                  <a:schemeClr val="tx1"/>
-                </a:solidFill>
-                <a:latin typeface="Arial" charset="0"/>
-                <a:ea typeface="宋体" pitchFamily="2" charset="-122"/>
-                <a:cs typeface="+mn-cs"/>
-              </a:defRPr>
-            </a:lvl9pPr>
-          </a:lstStyle>
-          <a:p>
-            <a:pPr algn="r">
-              <a:defRPr/>
-            </a:pPr>
-            <a:fld id="{D5EE1D1A-EEC2-4D53-94A7-85D62C853479}" type="slidenum">
-              <a:rPr lang="en-US" altLang="zh-CN" sz="1400" smtClean="0">
-                <a:latin typeface="Calibri" panose="020F0502020204030204" pitchFamily="34" charset="0"/>
-                <a:cs typeface="Calibri" panose="020F0502020204030204" pitchFamily="34" charset="0"/>
-              </a:rPr>
-              <a:pPr algn="r">
-                <a:defRPr/>
-              </a:pPr>
-              <a:t>22</a:t>
-            </a:fld>
-            <a:endParaRPr lang="en-US" altLang="zh-CN" sz="1400" dirty="0">
-              <a:latin typeface="Calibri" panose="020F0502020204030204" pitchFamily="34" charset="0"/>
-              <a:cs typeface="Calibri" panose="020F0502020204030204" pitchFamily="34" charset="0"/>
-            </a:endParaRPr>
-          </a:p>
-        </p:txBody>
-      </p:sp>
-      <p:cxnSp>
-        <p:nvCxnSpPr>
-          <p:cNvPr id="4" name="Straight Connector 3">
-            <a:extLst>
-              <a:ext uri="{FF2B5EF4-FFF2-40B4-BE49-F238E27FC236}">
-                <a16:creationId xmlns:a16="http://schemas.microsoft.com/office/drawing/2014/main" id="{0B9B10AD-8D48-D148-91E8-65E3279D89CE}"/>
-              </a:ext>
-            </a:extLst>
-          </p:cNvPr>
-          <p:cNvCxnSpPr>
-            <a:cxnSpLocks/>
-          </p:cNvCxnSpPr>
-          <p:nvPr/>
-        </p:nvCxnSpPr>
-        <p:spPr>
-          <a:xfrm>
-            <a:off x="4595191" y="742950"/>
-            <a:ext cx="0" cy="2862322"/>
-          </a:xfrm>
-          <a:prstGeom prst="line">
-            <a:avLst/>
-          </a:prstGeom>
-          <a:ln>
-            <a:solidFill>
-              <a:schemeClr val="tx2"/>
-            </a:solidFill>
-          </a:ln>
-        </p:spPr>
-        <p:style>
-          <a:lnRef idx="1">
-            <a:schemeClr val="accent1"/>
-          </a:lnRef>
-          <a:fillRef idx="0">
-            <a:schemeClr val="accent1"/>
-          </a:fillRef>
-          <a:effectRef idx="0">
-            <a:schemeClr val="accent1"/>
-          </a:effectRef>
-          <a:fontRef idx="minor">
-            <a:schemeClr val="tx1"/>
-          </a:fontRef>
-        </p:style>
-      </p:cxnSp>
-      <p:sp>
-        <p:nvSpPr>
-          <p:cNvPr id="2" name="TextBox 1">
-            <a:extLst>
-              <a:ext uri="{FF2B5EF4-FFF2-40B4-BE49-F238E27FC236}">
-                <a16:creationId xmlns:a16="http://schemas.microsoft.com/office/drawing/2014/main" id="{4E306775-BBF0-9348-88C1-4F116EC35EEE}"/>
-              </a:ext>
-            </a:extLst>
-          </p:cNvPr>
-          <p:cNvSpPr txBox="1"/>
-          <p:nvPr/>
-        </p:nvSpPr>
-        <p:spPr>
-          <a:xfrm>
-            <a:off x="406707" y="3848341"/>
-            <a:ext cx="5914055" cy="461665"/>
-          </a:xfrm>
-          <a:prstGeom prst="rect">
-            <a:avLst/>
-          </a:prstGeom>
-          <a:noFill/>
-        </p:spPr>
-        <p:txBody>
-          <a:bodyPr wrap="none" rtlCol="0">
-            <a:spAutoFit/>
-          </a:bodyPr>
-          <a:lstStyle/>
-          <a:p>
-            <a:pPr marL="285750" indent="-285750">
-              <a:buFont typeface="Wingdings" pitchFamily="2" charset="2"/>
-              <a:buChar char="ü"/>
-            </a:pPr>
-            <a:r>
-              <a:rPr lang="en-US" sz="1200" dirty="0">
-                <a:solidFill>
-                  <a:schemeClr val="tx2"/>
-                </a:solidFill>
-              </a:rPr>
-              <a:t>Control Code compatible with TWAMP Light message format</a:t>
-            </a:r>
-          </a:p>
-          <a:p>
-            <a:pPr marL="285750" indent="-285750">
-              <a:buFont typeface="Wingdings" pitchFamily="2" charset="2"/>
-              <a:buChar char="ü"/>
-            </a:pPr>
-            <a:r>
-              <a:rPr lang="en-US" sz="1200" dirty="0">
-                <a:solidFill>
-                  <a:schemeClr val="tx2"/>
-                </a:solidFill>
-              </a:rPr>
-              <a:t>No change for Session ID in both message formats – STAMP and TWAMP Light</a:t>
-            </a:r>
-          </a:p>
-        </p:txBody>
-      </p:sp>
-    </p:spTree>
-    <p:extLst>
-      <p:ext uri="{BB962C8B-B14F-4D97-AF65-F5344CB8AC3E}">
-        <p14:creationId xmlns:p14="http://schemas.microsoft.com/office/powerpoint/2010/main" val="3545382320"/>
-      </p:ext>
-    </p:extLst>
-  </p:cSld>
-  <p:clrMapOvr>
-    <a:masterClrMapping/>
-  </p:clrMapOvr>
-  <p:transition spd="med">
-    <p:fade/>
-  </p:transition>
-</p:sld>
-</file>
-
-<file path=ppt/slides/slide23.xml><?xml version="1.0" encoding="utf-8"?>
-<p:sld xmlns:a="http://schemas.openxmlformats.org/drawingml/2006/main" xmlns:r="http://schemas.openxmlformats.org/officeDocument/2006/relationships" xmlns:p="http://schemas.openxmlformats.org/presentationml/2006/main">
-  <p:cSld>
-    <p:spTree>
-      <p:nvGrpSpPr>
-        <p:cNvPr id="1" name=""/>
-        <p:cNvGrpSpPr/>
-        <p:nvPr/>
-      </p:nvGrpSpPr>
-      <p:grpSpPr>
-        <a:xfrm>
-          <a:off x="0" y="0"/>
-          <a:ext cx="0" cy="0"/>
-          <a:chOff x="0" y="0"/>
-          <a:chExt cx="0" cy="0"/>
-        </a:xfrm>
-      </p:grpSpPr>
-      <p:sp>
-        <p:nvSpPr>
-          <p:cNvPr id="3" name="Title 2"/>
-          <p:cNvSpPr>
-            <a:spLocks noGrp="1"/>
-          </p:cNvSpPr>
-          <p:nvPr>
-            <p:ph type="title"/>
-          </p:nvPr>
-        </p:nvSpPr>
-        <p:spPr>
-          <a:xfrm>
-            <a:off x="304800" y="-39330"/>
-            <a:ext cx="8505372" cy="706080"/>
-          </a:xfrm>
-        </p:spPr>
-        <p:txBody>
-          <a:bodyPr/>
-          <a:lstStyle/>
-          <a:p>
-            <a:pPr algn="l"/>
-            <a:r>
-              <a:rPr lang="en-US" sz="2200" dirty="0">
-                <a:solidFill>
-                  <a:srgbClr val="0070C0"/>
-                </a:solidFill>
-                <a:latin typeface="Calibri Light" panose="020F0302020204030204" pitchFamily="34" charset="0"/>
-                <a:cs typeface="Calibri Light" panose="020F0302020204030204" pitchFamily="34" charset="0"/>
-              </a:rPr>
-              <a:t>Option 2: New 24-Bit Session ID Field</a:t>
-            </a:r>
-          </a:p>
-        </p:txBody>
-      </p:sp>
-      <p:sp>
-        <p:nvSpPr>
-          <p:cNvPr id="5" name="Rectangle 4"/>
-          <p:cNvSpPr/>
-          <p:nvPr/>
-        </p:nvSpPr>
-        <p:spPr>
-          <a:xfrm>
-            <a:off x="180009" y="742950"/>
-            <a:ext cx="4391987" cy="2862322"/>
-          </a:xfrm>
-          <a:prstGeom prst="rect">
-            <a:avLst/>
-          </a:prstGeom>
-          <a:solidFill>
-            <a:schemeClr val="accent6">
-              <a:lumMod val="20000"/>
-              <a:lumOff val="80000"/>
-            </a:schemeClr>
-          </a:solidFill>
-        </p:spPr>
-        <p:txBody>
-          <a:bodyPr wrap="square">
-            <a:spAutoFit/>
-          </a:bodyPr>
-          <a:lstStyle/>
-          <a:p>
-            <a:pPr>
-              <a:spcAft>
-                <a:spcPts val="0"/>
-              </a:spcAft>
-            </a:pPr>
-            <a:r>
-              <a:rPr lang="en-US" sz="750" b="1" dirty="0">
-                <a:latin typeface="Courier" charset="0"/>
-                <a:ea typeface="Courier" charset="0"/>
-                <a:cs typeface="Courier" charset="0"/>
-              </a:rPr>
-              <a:t>       0                   1                   2                   3</a:t>
-            </a:r>
-          </a:p>
-          <a:p>
-            <a:pPr>
-              <a:spcAft>
-                <a:spcPts val="0"/>
-              </a:spcAft>
-            </a:pPr>
-            <a:r>
-              <a:rPr lang="en-US" sz="750" b="1" dirty="0">
-                <a:latin typeface="Courier" charset="0"/>
-                <a:ea typeface="Courier" charset="0"/>
-                <a:cs typeface="Courier" charset="0"/>
-              </a:rPr>
-              <a:t>       0 1 2 3 4 5 6 7 8 9 0 1 2 3 4 5 6 7 8 9 0 1 2 3 4 5 6 7 8 9 0 1</a:t>
-            </a:r>
-          </a:p>
-          <a:p>
-            <a:pPr>
-              <a:spcAft>
-                <a:spcPts val="0"/>
-              </a:spcAft>
-            </a:pPr>
-            <a:r>
-              <a:rPr lang="en-US" sz="750" b="1" dirty="0">
-                <a:latin typeface="Courier" charset="0"/>
-                <a:ea typeface="Courier" charset="0"/>
-                <a:cs typeface="Courier" charset="0"/>
-              </a:rPr>
-              <a:t>      +-+-+-+-+-+-+-+-+-+-+-+-+-+-+-+-+-+-+-+-+-+-+-+-+-+-+-+-+-+-+-+-+</a:t>
-            </a:r>
-          </a:p>
-          <a:p>
-            <a:pPr>
-              <a:spcAft>
-                <a:spcPts val="0"/>
-              </a:spcAft>
-            </a:pPr>
-            <a:r>
-              <a:rPr lang="en-US" sz="750" b="1" dirty="0">
-                <a:latin typeface="Courier" charset="0"/>
-                <a:ea typeface="Courier" charset="0"/>
-                <a:cs typeface="Courier" charset="0"/>
-              </a:rPr>
-              <a:t>      |                         Sequence Number                       |</a:t>
-            </a:r>
-          </a:p>
-          <a:p>
-            <a:pPr>
-              <a:spcAft>
-                <a:spcPts val="0"/>
-              </a:spcAft>
-            </a:pPr>
-            <a:r>
-              <a:rPr lang="en-US" sz="750" b="1" dirty="0">
-                <a:latin typeface="Courier" charset="0"/>
-                <a:ea typeface="Courier" charset="0"/>
-                <a:cs typeface="Courier" charset="0"/>
-              </a:rPr>
-              <a:t>      +-+-+-+-+-+-+-+-+-+-+-+-+-+-+-+-+-+-+-+-+-+-+-+-+-+-+-+-+-+-+-+-+</a:t>
-            </a:r>
-          </a:p>
-          <a:p>
-            <a:pPr>
-              <a:spcAft>
-                <a:spcPts val="0"/>
-              </a:spcAft>
-            </a:pPr>
-            <a:r>
-              <a:rPr lang="en-US" sz="750" b="1" dirty="0">
-                <a:latin typeface="Courier" charset="0"/>
-                <a:ea typeface="Courier" charset="0"/>
-                <a:cs typeface="Courier" charset="0"/>
-              </a:rPr>
-              <a:t>      |                         Timestamp                             |</a:t>
-            </a:r>
-          </a:p>
-          <a:p>
-            <a:pPr>
-              <a:spcAft>
-                <a:spcPts val="0"/>
-              </a:spcAft>
-            </a:pPr>
-            <a:r>
-              <a:rPr lang="en-US" sz="750" b="1" dirty="0">
-                <a:latin typeface="Courier" charset="0"/>
-                <a:ea typeface="Courier" charset="0"/>
-                <a:cs typeface="Courier" charset="0"/>
-              </a:rPr>
-              <a:t>      |                                                               |</a:t>
-            </a:r>
-          </a:p>
-          <a:p>
-            <a:pPr>
-              <a:spcAft>
-                <a:spcPts val="0"/>
-              </a:spcAft>
-            </a:pPr>
-            <a:r>
-              <a:rPr lang="en-US" sz="750" b="1" dirty="0">
-                <a:latin typeface="Courier" charset="0"/>
-                <a:ea typeface="Courier" charset="0"/>
-                <a:cs typeface="Courier" charset="0"/>
-              </a:rPr>
-              <a:t>      +-+-+-+-+-+-+-+-+-+-+-+-+-+-+-+-+-+-+-+-+-+-+-+-+-+-+-+-+-+-+-+-+</a:t>
-            </a:r>
-          </a:p>
-          <a:p>
-            <a:pPr>
-              <a:spcAft>
-                <a:spcPts val="0"/>
-              </a:spcAft>
-            </a:pPr>
-            <a:r>
-              <a:rPr lang="en-US" sz="750" b="1" dirty="0">
-                <a:latin typeface="Courier" charset="0"/>
-                <a:ea typeface="Courier" charset="0"/>
-                <a:cs typeface="Courier" charset="0"/>
-              </a:rPr>
-              <a:t>      |         Error Estimate        |   MBZ         | </a:t>
-            </a:r>
-            <a:r>
-              <a:rPr lang="en-US" sz="750" b="1" dirty="0">
-                <a:solidFill>
-                  <a:srgbClr val="0070C0"/>
-                </a:solidFill>
-                <a:latin typeface="Courier" charset="0"/>
-                <a:ea typeface="Courier" charset="0"/>
-                <a:cs typeface="Courier" charset="0"/>
-              </a:rPr>
-              <a:t>Control Code  </a:t>
-            </a:r>
-            <a:r>
-              <a:rPr lang="en-US" sz="750" b="1" dirty="0">
-                <a:latin typeface="Courier" charset="0"/>
-                <a:ea typeface="Courier" charset="0"/>
-                <a:cs typeface="Courier" charset="0"/>
-              </a:rPr>
-              <a:t>|</a:t>
-            </a:r>
-          </a:p>
-          <a:p>
-            <a:pPr>
-              <a:spcAft>
-                <a:spcPts val="0"/>
-              </a:spcAft>
-            </a:pPr>
-            <a:r>
-              <a:rPr lang="en-US" sz="750" b="1" dirty="0">
-                <a:latin typeface="Courier" charset="0"/>
-                <a:ea typeface="Courier" charset="0"/>
-                <a:cs typeface="Courier" charset="0"/>
-              </a:rPr>
-              <a:t>      +-+-+-+-+-+-+-+-+-+-+-+-+-+-+-+-+-+-+-+-+-+-+-+-+-+-+-+-+-+-+-+-+</a:t>
-            </a:r>
-          </a:p>
-          <a:p>
-            <a:pPr>
-              <a:spcAft>
-                <a:spcPts val="0"/>
-              </a:spcAft>
-            </a:pPr>
-            <a:r>
-              <a:rPr lang="en-US" sz="750" b="1" dirty="0">
-                <a:latin typeface="Courier" charset="0"/>
-                <a:ea typeface="Courier" charset="0"/>
-                <a:cs typeface="Courier" charset="0"/>
-              </a:rPr>
-              <a:t>      </a:t>
-            </a:r>
-            <a:r>
-              <a:rPr lang="en-US" sz="750" b="1" dirty="0">
-                <a:solidFill>
-                  <a:srgbClr val="0070C0"/>
-                </a:solidFill>
-                <a:latin typeface="Courier" charset="0"/>
-                <a:ea typeface="Courier" charset="0"/>
-                <a:cs typeface="Courier" charset="0"/>
-              </a:rPr>
-              <a:t>|         Session ID                            | MBZ           |</a:t>
-            </a:r>
-          </a:p>
-          <a:p>
-            <a:pPr>
-              <a:spcAft>
-                <a:spcPts val="0"/>
-              </a:spcAft>
-            </a:pPr>
-            <a:r>
-              <a:rPr lang="en-US" sz="750" b="1" dirty="0">
-                <a:solidFill>
-                  <a:srgbClr val="0070C0"/>
-                </a:solidFill>
-                <a:latin typeface="Courier" charset="0"/>
-                <a:ea typeface="Courier" charset="0"/>
-                <a:cs typeface="Courier" charset="0"/>
-              </a:rPr>
-              <a:t>      +-+-+-+-+-+-+-+-+-+-+-+-+-+-+-+-+-+-+-+-+-+-+-+-+-+-+-+-+-+-+-+-+ </a:t>
-            </a:r>
-          </a:p>
-          <a:p>
-            <a:pPr>
-              <a:spcAft>
-                <a:spcPts val="0"/>
-              </a:spcAft>
-            </a:pPr>
-            <a:r>
-              <a:rPr lang="en-US" sz="750" b="1" dirty="0">
-                <a:latin typeface="Courier" charset="0"/>
-                <a:ea typeface="Courier" charset="0"/>
-                <a:cs typeface="Courier" charset="0"/>
-              </a:rPr>
-              <a:t>      |                                                               |</a:t>
-            </a:r>
-          </a:p>
-          <a:p>
-            <a:pPr>
-              <a:spcAft>
-                <a:spcPts val="0"/>
-              </a:spcAft>
-            </a:pPr>
-            <a:r>
-              <a:rPr lang="en-US" sz="750" b="1" dirty="0">
-                <a:latin typeface="Courier" charset="0"/>
-                <a:ea typeface="Courier" charset="0"/>
-                <a:cs typeface="Courier" charset="0"/>
-              </a:rPr>
-              <a:t>      |                         </a:t>
-            </a:r>
-            <a:r>
-              <a:rPr lang="en-US" sz="750" b="1" dirty="0">
-                <a:solidFill>
-                  <a:srgbClr val="0070C0"/>
-                </a:solidFill>
-                <a:latin typeface="Courier" charset="0"/>
-                <a:ea typeface="Courier" charset="0"/>
-                <a:cs typeface="Courier" charset="0"/>
-              </a:rPr>
-              <a:t>MBZ (24 octets)                       </a:t>
-            </a:r>
-            <a:r>
-              <a:rPr lang="en-US" sz="750" b="1" dirty="0">
-                <a:latin typeface="Courier" charset="0"/>
-                <a:ea typeface="Courier" charset="0"/>
-                <a:cs typeface="Courier" charset="0"/>
-              </a:rPr>
-              <a:t>|</a:t>
-            </a:r>
-          </a:p>
-          <a:p>
-            <a:pPr>
-              <a:spcAft>
-                <a:spcPts val="0"/>
-              </a:spcAft>
-            </a:pPr>
-            <a:r>
-              <a:rPr lang="en-US" sz="750" b="1" dirty="0">
-                <a:latin typeface="Courier" charset="0"/>
-                <a:ea typeface="Courier" charset="0"/>
-                <a:cs typeface="Courier" charset="0"/>
-              </a:rPr>
-              <a:t>      +                                                               +</a:t>
-            </a:r>
-          </a:p>
-          <a:p>
-            <a:pPr>
-              <a:spcAft>
-                <a:spcPts val="0"/>
-              </a:spcAft>
-            </a:pPr>
-            <a:r>
-              <a:rPr lang="en-US" sz="750" b="1" dirty="0">
-                <a:latin typeface="Courier" charset="0"/>
-                <a:ea typeface="Courier" charset="0"/>
-                <a:cs typeface="Courier" charset="0"/>
-              </a:rPr>
-              <a:t>      |                                                               |</a:t>
-            </a:r>
-          </a:p>
-          <a:p>
-            <a:pPr>
-              <a:spcAft>
-                <a:spcPts val="0"/>
-              </a:spcAft>
-            </a:pPr>
-            <a:r>
-              <a:rPr lang="en-US" sz="750" b="1" dirty="0">
-                <a:latin typeface="Courier" charset="0"/>
-                <a:ea typeface="Courier" charset="0"/>
-                <a:cs typeface="Courier" charset="0"/>
-              </a:rPr>
-              <a:t>      |                                                               |</a:t>
-            </a:r>
-          </a:p>
-          <a:p>
-            <a:pPr>
-              <a:spcAft>
-                <a:spcPts val="0"/>
-              </a:spcAft>
-            </a:pPr>
-            <a:r>
-              <a:rPr lang="en-US" sz="750" b="1" dirty="0">
-                <a:latin typeface="Courier" charset="0"/>
-                <a:ea typeface="Courier" charset="0"/>
-                <a:cs typeface="Courier" charset="0"/>
-              </a:rPr>
-              <a:t>      +                                                               +</a:t>
-            </a:r>
-          </a:p>
-          <a:p>
-            <a:pPr>
-              <a:spcAft>
-                <a:spcPts val="0"/>
-              </a:spcAft>
-            </a:pPr>
-            <a:r>
-              <a:rPr lang="en-US" sz="750" b="1" dirty="0">
-                <a:latin typeface="Courier" charset="0"/>
-                <a:ea typeface="Courier" charset="0"/>
-                <a:cs typeface="Courier" charset="0"/>
-              </a:rPr>
-              <a:t>      |                                                               |</a:t>
-            </a:r>
-          </a:p>
-          <a:p>
-            <a:pPr>
-              <a:spcAft>
-                <a:spcPts val="0"/>
-              </a:spcAft>
-            </a:pPr>
-            <a:r>
-              <a:rPr lang="en-US" sz="750" b="1" dirty="0">
-                <a:latin typeface="Courier" charset="0"/>
-                <a:ea typeface="Courier" charset="0"/>
-                <a:cs typeface="Courier" charset="0"/>
-              </a:rPr>
-              <a:t>      +                                                               +</a:t>
-            </a:r>
-          </a:p>
-          <a:p>
-            <a:pPr>
-              <a:spcAft>
-                <a:spcPts val="0"/>
-              </a:spcAft>
-            </a:pPr>
-            <a:r>
-              <a:rPr lang="en-US" sz="750" b="1" dirty="0">
-                <a:latin typeface="Courier" charset="0"/>
-                <a:ea typeface="Courier" charset="0"/>
-                <a:cs typeface="Courier" charset="0"/>
-              </a:rPr>
-              <a:t>      |                                                               |</a:t>
-            </a:r>
-          </a:p>
-          <a:p>
-            <a:pPr>
-              <a:spcAft>
-                <a:spcPts val="0"/>
-              </a:spcAft>
-            </a:pPr>
-            <a:r>
-              <a:rPr lang="en-US" sz="750" b="1" dirty="0">
-                <a:latin typeface="Courier" charset="0"/>
-                <a:ea typeface="Courier" charset="0"/>
-                <a:cs typeface="Courier" charset="0"/>
-              </a:rPr>
-              <a:t>      +-+-+-+-+-+-+-+-+-+-+-+-+-+-+-+-+-+-+-+-+-+-+-+-+-+-+-+-+-+-+-+-+</a:t>
-            </a:r>
-          </a:p>
-          <a:p>
-            <a:pPr>
-              <a:spcAft>
-                <a:spcPts val="0"/>
-              </a:spcAft>
-            </a:pPr>
-            <a:endParaRPr lang="en-US" sz="750" b="1" dirty="0">
-              <a:latin typeface="Courier" charset="0"/>
-              <a:ea typeface="Courier" charset="0"/>
-              <a:cs typeface="Courier" charset="0"/>
-            </a:endParaRPr>
-          </a:p>
-          <a:p>
-            <a:pPr>
-              <a:spcAft>
-                <a:spcPts val="0"/>
-              </a:spcAft>
-            </a:pPr>
-            <a:r>
-              <a:rPr lang="en-US" sz="750" b="1" dirty="0">
-                <a:latin typeface="Courier" charset="0"/>
-                <a:ea typeface="Courier" charset="0"/>
-                <a:cs typeface="Courier" charset="0"/>
-              </a:rPr>
-              <a:t>	    Figure: Sender Message Format in STAMP</a:t>
-            </a:r>
-          </a:p>
-        </p:txBody>
-      </p:sp>
-      <p:sp>
-        <p:nvSpPr>
-          <p:cNvPr id="14" name="Rectangle 13">
-            <a:extLst>
-              <a:ext uri="{FF2B5EF4-FFF2-40B4-BE49-F238E27FC236}">
-                <a16:creationId xmlns:a16="http://schemas.microsoft.com/office/drawing/2014/main" id="{5F9D9D1B-92A3-C64D-87B1-9B0B9C9E3A13}"/>
-              </a:ext>
-            </a:extLst>
-          </p:cNvPr>
-          <p:cNvSpPr/>
-          <p:nvPr/>
-        </p:nvSpPr>
-        <p:spPr>
-          <a:xfrm>
-            <a:off x="4495800" y="742950"/>
-            <a:ext cx="4368799" cy="2862322"/>
-          </a:xfrm>
-          <a:prstGeom prst="rect">
-            <a:avLst/>
-          </a:prstGeom>
-          <a:solidFill>
-            <a:schemeClr val="accent6">
-              <a:lumMod val="20000"/>
-              <a:lumOff val="80000"/>
-            </a:schemeClr>
-          </a:solidFill>
-        </p:spPr>
-        <p:txBody>
-          <a:bodyPr wrap="square">
-            <a:spAutoFit/>
-          </a:bodyPr>
-          <a:lstStyle/>
-          <a:p>
-            <a:pPr>
-              <a:spcAft>
-                <a:spcPts val="0"/>
-              </a:spcAft>
-            </a:pPr>
-            <a:r>
-              <a:rPr lang="en-US" sz="750" b="1" dirty="0">
-                <a:latin typeface="Courier" charset="0"/>
-                <a:ea typeface="Courier" charset="0"/>
-                <a:cs typeface="Courier" charset="0"/>
-              </a:rPr>
-              <a:t>     0                   1                   2                   3</a:t>
-            </a:r>
-          </a:p>
-          <a:p>
-            <a:pPr>
-              <a:spcAft>
-                <a:spcPts val="0"/>
-              </a:spcAft>
-            </a:pPr>
-            <a:r>
-              <a:rPr lang="en-US" sz="750" b="1" dirty="0">
-                <a:latin typeface="Courier" charset="0"/>
-                <a:ea typeface="Courier" charset="0"/>
-                <a:cs typeface="Courier" charset="0"/>
-              </a:rPr>
-              <a:t>     0 1 2 3 4 5 6 7 8 9 0 1 2 3 4 5 6 7 8 9 0 1 2 3 4 5 6 7 8 9 0 1</a:t>
-            </a:r>
-          </a:p>
-          <a:p>
-            <a:pPr>
-              <a:spcAft>
-                <a:spcPts val="0"/>
-              </a:spcAft>
-            </a:pPr>
-            <a:r>
-              <a:rPr lang="en-US" sz="750" b="1" dirty="0">
-                <a:latin typeface="Courier" charset="0"/>
-                <a:ea typeface="Courier" charset="0"/>
-                <a:cs typeface="Courier" charset="0"/>
-              </a:rPr>
-              <a:t>    +-+-+-+-+-+-+-+-+-+-+-+-+-+-+-+-+-+-+-+-+-+-+-+-+-+-+-+-+-+-+-+-+</a:t>
-            </a:r>
-          </a:p>
-          <a:p>
-            <a:pPr>
-              <a:spcAft>
-                <a:spcPts val="0"/>
-              </a:spcAft>
-            </a:pPr>
-            <a:r>
-              <a:rPr lang="en-US" sz="750" b="1" dirty="0">
-                <a:latin typeface="Courier" charset="0"/>
-                <a:ea typeface="Courier" charset="0"/>
-                <a:cs typeface="Courier" charset="0"/>
-              </a:rPr>
-              <a:t>    |                        Sequence Number                        |</a:t>
-            </a:r>
-          </a:p>
-          <a:p>
-            <a:pPr>
-              <a:spcAft>
-                <a:spcPts val="0"/>
-              </a:spcAft>
-            </a:pPr>
-            <a:r>
-              <a:rPr lang="en-US" sz="750" b="1" dirty="0">
-                <a:latin typeface="Courier" charset="0"/>
-                <a:ea typeface="Courier" charset="0"/>
-                <a:cs typeface="Courier" charset="0"/>
-              </a:rPr>
-              <a:t>    +-+-+-+-+-+-+-+-+-+-+-+-+-+-+-+-+-+-+-+-+-+-+-+-+-+-+-+-+-+-+-+-+</a:t>
-            </a:r>
-          </a:p>
-          <a:p>
-            <a:pPr>
-              <a:spcAft>
-                <a:spcPts val="0"/>
-              </a:spcAft>
-            </a:pPr>
-            <a:r>
-              <a:rPr lang="en-US" sz="750" b="1" dirty="0">
-                <a:latin typeface="Courier" charset="0"/>
-                <a:ea typeface="Courier" charset="0"/>
-                <a:cs typeface="Courier" charset="0"/>
-              </a:rPr>
-              <a:t>    |                        Timestamp                              |</a:t>
-            </a:r>
-          </a:p>
-          <a:p>
-            <a:pPr>
-              <a:spcAft>
-                <a:spcPts val="0"/>
-              </a:spcAft>
-            </a:pPr>
-            <a:r>
-              <a:rPr lang="en-US" sz="750" b="1" dirty="0">
-                <a:latin typeface="Courier" charset="0"/>
-                <a:ea typeface="Courier" charset="0"/>
-                <a:cs typeface="Courier" charset="0"/>
-              </a:rPr>
-              <a:t>    |                                                               |</a:t>
-            </a:r>
-          </a:p>
-          <a:p>
-            <a:pPr>
-              <a:spcAft>
-                <a:spcPts val="0"/>
-              </a:spcAft>
-            </a:pPr>
-            <a:r>
-              <a:rPr lang="en-US" sz="750" b="1" dirty="0">
-                <a:latin typeface="Courier" charset="0"/>
-                <a:ea typeface="Courier" charset="0"/>
-                <a:cs typeface="Courier" charset="0"/>
-              </a:rPr>
-              <a:t>    +-+-+-+-+-+-+-+-+-+-+-+-+-+-+-+-+-+-+-+-+-+-+-+-+-+-+-+-+-+-+-+-+</a:t>
-            </a:r>
-          </a:p>
-          <a:p>
-            <a:pPr>
-              <a:spcAft>
-                <a:spcPts val="0"/>
-              </a:spcAft>
-            </a:pPr>
-            <a:r>
-              <a:rPr lang="en-US" sz="750" b="1" dirty="0">
-                <a:latin typeface="Courier" charset="0"/>
-                <a:ea typeface="Courier" charset="0"/>
-                <a:cs typeface="Courier" charset="0"/>
-              </a:rPr>
-              <a:t>    |         Error Estimate        |  MBZ          | </a:t>
-            </a:r>
-            <a:r>
-              <a:rPr lang="en-US" sz="750" b="1" dirty="0">
-                <a:solidFill>
-                  <a:srgbClr val="0070C0"/>
-                </a:solidFill>
-                <a:latin typeface="Courier" charset="0"/>
-                <a:ea typeface="Courier" charset="0"/>
-                <a:cs typeface="Courier" charset="0"/>
-              </a:rPr>
-              <a:t>Control Code  </a:t>
-            </a:r>
-            <a:r>
-              <a:rPr lang="en-US" sz="750" b="1" dirty="0">
-                <a:latin typeface="Courier" charset="0"/>
-                <a:ea typeface="Courier" charset="0"/>
-                <a:cs typeface="Courier" charset="0"/>
-              </a:rPr>
-              <a:t>|    </a:t>
-            </a:r>
-          </a:p>
-          <a:p>
-            <a:pPr>
-              <a:spcAft>
-                <a:spcPts val="0"/>
-              </a:spcAft>
-            </a:pPr>
-            <a:r>
-              <a:rPr lang="en-US" sz="750" b="1" dirty="0">
-                <a:latin typeface="Courier" charset="0"/>
-                <a:ea typeface="Courier" charset="0"/>
-                <a:cs typeface="Courier" charset="0"/>
-              </a:rPr>
-              <a:t>    +-+-+-+-+-+-+-+-+-+-+-+-+-+-+-+-+-+-+-+-+-+-+-+-+-+-+-+-+-+-+-+-+</a:t>
-            </a:r>
-          </a:p>
-          <a:p>
-            <a:pPr>
-              <a:spcAft>
-                <a:spcPts val="0"/>
-              </a:spcAft>
-            </a:pPr>
-            <a:r>
-              <a:rPr lang="en-US" sz="750" b="1" dirty="0">
-                <a:latin typeface="Courier" charset="0"/>
-                <a:ea typeface="Courier" charset="0"/>
-                <a:cs typeface="Courier" charset="0"/>
-              </a:rPr>
-              <a:t>    |                          Receive Timestamp                    |</a:t>
-            </a:r>
-          </a:p>
-          <a:p>
-            <a:pPr>
-              <a:spcAft>
-                <a:spcPts val="0"/>
-              </a:spcAft>
-            </a:pPr>
-            <a:r>
-              <a:rPr lang="en-US" sz="750" b="1" dirty="0">
-                <a:latin typeface="Courier" charset="0"/>
-                <a:ea typeface="Courier" charset="0"/>
-                <a:cs typeface="Courier" charset="0"/>
-              </a:rPr>
-              <a:t>    |                                                               |</a:t>
-            </a:r>
-          </a:p>
-          <a:p>
-            <a:pPr>
-              <a:spcAft>
-                <a:spcPts val="0"/>
-              </a:spcAft>
-            </a:pPr>
-            <a:r>
-              <a:rPr lang="en-US" sz="750" b="1" dirty="0">
-                <a:latin typeface="Courier" charset="0"/>
-                <a:ea typeface="Courier" charset="0"/>
-                <a:cs typeface="Courier" charset="0"/>
-              </a:rPr>
-              <a:t>    +-+-+-+-+-+-+-+-+-+-+-+-+-+-+-+-+-+-+-+-+-+-+-+-+-+-+-+-+-+-+-+-+</a:t>
-            </a:r>
-          </a:p>
-          <a:p>
-            <a:pPr>
-              <a:spcAft>
-                <a:spcPts val="0"/>
-              </a:spcAft>
-            </a:pPr>
-            <a:r>
-              <a:rPr lang="en-US" sz="750" b="1" dirty="0">
-                <a:latin typeface="Courier" charset="0"/>
-                <a:ea typeface="Courier" charset="0"/>
-                <a:cs typeface="Courier" charset="0"/>
-              </a:rPr>
-              <a:t>    |       Sequence Number                                         |  </a:t>
-            </a:r>
-          </a:p>
-          <a:p>
-            <a:pPr>
-              <a:spcAft>
-                <a:spcPts val="0"/>
-              </a:spcAft>
-            </a:pPr>
-            <a:r>
-              <a:rPr lang="en-US" sz="750" b="1" dirty="0">
-                <a:latin typeface="Courier" charset="0"/>
-                <a:ea typeface="Courier" charset="0"/>
-                <a:cs typeface="Courier" charset="0"/>
-              </a:rPr>
-              <a:t>    +-+-+-+-+-+-+-+-+-+-+-+-+-+-+-+-+-+-+-+-+-+-+-+-+-+-+-+-+-+-+-+-+</a:t>
-            </a:r>
-          </a:p>
-          <a:p>
-            <a:pPr>
-              <a:spcAft>
-                <a:spcPts val="0"/>
-              </a:spcAft>
-            </a:pPr>
-            <a:r>
-              <a:rPr lang="en-US" sz="750" b="1" dirty="0">
-                <a:latin typeface="Courier" charset="0"/>
-                <a:ea typeface="Courier" charset="0"/>
-                <a:cs typeface="Courier" charset="0"/>
-              </a:rPr>
-              <a:t>    |                  Session-Sender Timestamp                     |</a:t>
-            </a:r>
-          </a:p>
-          <a:p>
-            <a:pPr>
-              <a:spcAft>
-                <a:spcPts val="0"/>
-              </a:spcAft>
-            </a:pPr>
-            <a:r>
-              <a:rPr lang="en-US" sz="750" b="1" dirty="0">
-                <a:latin typeface="Courier" charset="0"/>
-                <a:ea typeface="Courier" charset="0"/>
-                <a:cs typeface="Courier" charset="0"/>
-              </a:rPr>
-              <a:t>    |                                                               |</a:t>
-            </a:r>
-          </a:p>
-          <a:p>
-            <a:pPr>
-              <a:spcAft>
-                <a:spcPts val="0"/>
-              </a:spcAft>
-            </a:pPr>
-            <a:r>
-              <a:rPr lang="en-US" sz="750" b="1" dirty="0">
-                <a:latin typeface="Courier" charset="0"/>
-                <a:ea typeface="Courier" charset="0"/>
-                <a:cs typeface="Courier" charset="0"/>
-              </a:rPr>
-              <a:t>    +-+-+-+-+-+-+-+-+-+-+-+-+-+-+-+-+-+-+-+-+-+-+-+-+-+-+-+-+-+-+-+-+</a:t>
-            </a:r>
-          </a:p>
-          <a:p>
-            <a:pPr>
-              <a:spcAft>
-                <a:spcPts val="0"/>
-              </a:spcAft>
-            </a:pPr>
-            <a:r>
-              <a:rPr lang="en-US" sz="750" b="1" dirty="0">
-                <a:latin typeface="Courier" charset="0"/>
-                <a:ea typeface="Courier" charset="0"/>
-                <a:cs typeface="Courier" charset="0"/>
-              </a:rPr>
-              <a:t>    | Session-Sender Error Estimate |           MBZ                 |</a:t>
-            </a:r>
-          </a:p>
-          <a:p>
-            <a:pPr>
-              <a:spcAft>
-                <a:spcPts val="0"/>
-              </a:spcAft>
-            </a:pPr>
-            <a:r>
-              <a:rPr lang="en-US" sz="750" b="1" dirty="0">
-                <a:latin typeface="Courier" charset="0"/>
-                <a:ea typeface="Courier" charset="0"/>
-                <a:cs typeface="Courier" charset="0"/>
-              </a:rPr>
-              <a:t>    +-+-+-+-+-+-+-+-+-+-+-+-+-+-+-+-+-+-+-+-+-+-+-+-+-+-+-+-+-+-+-+-+</a:t>
-            </a:r>
-          </a:p>
-          <a:p>
-            <a:pPr>
-              <a:spcAft>
-                <a:spcPts val="0"/>
-              </a:spcAft>
-            </a:pPr>
-            <a:r>
-              <a:rPr lang="en-US" sz="750" b="1" dirty="0">
-                <a:latin typeface="Courier" charset="0"/>
-                <a:ea typeface="Courier" charset="0"/>
-                <a:cs typeface="Courier" charset="0"/>
-              </a:rPr>
-              <a:t>    |</a:t>
-            </a:r>
-            <a:r>
-              <a:rPr lang="en-US" sz="750" b="1" dirty="0" err="1">
-                <a:latin typeface="Courier" charset="0"/>
-                <a:ea typeface="Courier" charset="0"/>
-                <a:cs typeface="Courier" charset="0"/>
-              </a:rPr>
-              <a:t>Ses</a:t>
-            </a:r>
-            <a:r>
-              <a:rPr lang="en-US" sz="750" b="1" dirty="0">
-                <a:latin typeface="Courier" charset="0"/>
-                <a:ea typeface="Courier" charset="0"/>
-                <a:cs typeface="Courier" charset="0"/>
-              </a:rPr>
-              <a:t>-Sender TTL |      </a:t>
-            </a:r>
-            <a:r>
-              <a:rPr lang="en-US" sz="750" b="1" dirty="0">
-                <a:solidFill>
-                  <a:srgbClr val="0070C0"/>
-                </a:solidFill>
-                <a:latin typeface="Courier" charset="0"/>
-                <a:ea typeface="Courier" charset="0"/>
-                <a:cs typeface="Courier" charset="0"/>
-              </a:rPr>
-              <a:t>Session-Sender Session ID                </a:t>
-            </a:r>
-            <a:r>
-              <a:rPr lang="en-US" sz="750" b="1" dirty="0">
-                <a:latin typeface="Courier" charset="0"/>
-                <a:ea typeface="Courier" charset="0"/>
-                <a:cs typeface="Courier" charset="0"/>
-              </a:rPr>
-              <a:t>|</a:t>
-            </a:r>
-          </a:p>
-          <a:p>
-            <a:pPr>
-              <a:spcAft>
-                <a:spcPts val="0"/>
-              </a:spcAft>
-            </a:pPr>
-            <a:r>
-              <a:rPr lang="en-US" sz="750" b="1" dirty="0">
-                <a:latin typeface="Courier" charset="0"/>
-                <a:ea typeface="Courier" charset="0"/>
-                <a:cs typeface="Courier" charset="0"/>
-              </a:rPr>
-              <a:t>    +-+-+-+-+-+-+-+-+-+-+-+-+-+-+-+-+-+-+-+-+-+-+-+-+-+-+-+-+-+-+-+-+</a:t>
-            </a:r>
-          </a:p>
-          <a:p>
-            <a:pPr>
-              <a:spcAft>
-                <a:spcPts val="0"/>
-              </a:spcAft>
-            </a:pPr>
-            <a:r>
-              <a:rPr lang="en-US" sz="750" b="1" dirty="0">
-                <a:solidFill>
-                  <a:srgbClr val="0070C0"/>
-                </a:solidFill>
-                <a:latin typeface="Courier" charset="0"/>
-                <a:ea typeface="Courier" charset="0"/>
-                <a:cs typeface="Courier" charset="0"/>
-              </a:rPr>
-              <a:t>	    </a:t>
-            </a:r>
-          </a:p>
-          <a:p>
-            <a:pPr>
-              <a:spcAft>
-                <a:spcPts val="0"/>
-              </a:spcAft>
-            </a:pPr>
-            <a:r>
-              <a:rPr lang="en-US" sz="750" b="1" dirty="0">
-                <a:latin typeface="Courier" charset="0"/>
-                <a:ea typeface="Courier" charset="0"/>
-                <a:cs typeface="Courier" charset="0"/>
-              </a:rPr>
-              <a:t>                Figure: Reflector Message Format in STAMP</a:t>
-            </a:r>
-          </a:p>
-        </p:txBody>
-      </p:sp>
-      <p:sp>
-        <p:nvSpPr>
-          <p:cNvPr id="6" name="Footer Placeholder 3">
-            <a:extLst>
-              <a:ext uri="{FF2B5EF4-FFF2-40B4-BE49-F238E27FC236}">
-                <a16:creationId xmlns:a16="http://schemas.microsoft.com/office/drawing/2014/main" id="{DAAC01B7-F9FF-A94D-AC6F-E2071AD95C28}"/>
-              </a:ext>
-            </a:extLst>
-          </p:cNvPr>
-          <p:cNvSpPr txBox="1">
-            <a:spLocks/>
-          </p:cNvSpPr>
-          <p:nvPr/>
-        </p:nvSpPr>
-        <p:spPr>
-          <a:xfrm>
-            <a:off x="3467100" y="4844952"/>
-            <a:ext cx="2209800" cy="357188"/>
-          </a:xfrm>
-          <a:prstGeom prst="rect">
-            <a:avLst/>
-          </a:prstGeom>
-        </p:spPr>
-        <p:txBody>
-          <a:bodyPr/>
-          <a:lstStyle>
-            <a:defPPr>
-              <a:defRPr lang="zh-CN"/>
-            </a:defPPr>
-            <a:lvl1pPr algn="l" rtl="0" fontAlgn="base">
-              <a:spcBef>
-                <a:spcPct val="0"/>
-              </a:spcBef>
-              <a:spcAft>
-                <a:spcPct val="0"/>
-              </a:spcAft>
-              <a:defRPr kern="1200">
-                <a:solidFill>
-                  <a:schemeClr val="tx1"/>
-                </a:solidFill>
-                <a:latin typeface="Arial" charset="0"/>
-                <a:ea typeface="宋体" pitchFamily="2" charset="-122"/>
-                <a:cs typeface="+mn-cs"/>
-              </a:defRPr>
-            </a:lvl1pPr>
-            <a:lvl2pPr marL="457200" algn="l" rtl="0" fontAlgn="base">
-              <a:spcBef>
-                <a:spcPct val="0"/>
-              </a:spcBef>
-              <a:spcAft>
-                <a:spcPct val="0"/>
-              </a:spcAft>
-              <a:defRPr kern="1200">
-                <a:solidFill>
-                  <a:schemeClr val="tx1"/>
-                </a:solidFill>
-                <a:latin typeface="Arial" charset="0"/>
-                <a:ea typeface="宋体" pitchFamily="2" charset="-122"/>
-                <a:cs typeface="+mn-cs"/>
-              </a:defRPr>
-            </a:lvl2pPr>
-            <a:lvl3pPr marL="914400" algn="l" rtl="0" fontAlgn="base">
-              <a:spcBef>
-                <a:spcPct val="0"/>
-              </a:spcBef>
-              <a:spcAft>
-                <a:spcPct val="0"/>
-              </a:spcAft>
-              <a:defRPr kern="1200">
-                <a:solidFill>
-                  <a:schemeClr val="tx1"/>
-                </a:solidFill>
-                <a:latin typeface="Arial" charset="0"/>
-                <a:ea typeface="宋体" pitchFamily="2" charset="-122"/>
-                <a:cs typeface="+mn-cs"/>
-              </a:defRPr>
-            </a:lvl3pPr>
-            <a:lvl4pPr marL="1371600" algn="l" rtl="0" fontAlgn="base">
-              <a:spcBef>
-                <a:spcPct val="0"/>
-              </a:spcBef>
-              <a:spcAft>
-                <a:spcPct val="0"/>
-              </a:spcAft>
-              <a:defRPr kern="1200">
-                <a:solidFill>
-                  <a:schemeClr val="tx1"/>
-                </a:solidFill>
-                <a:latin typeface="Arial" charset="0"/>
-                <a:ea typeface="宋体" pitchFamily="2" charset="-122"/>
-                <a:cs typeface="+mn-cs"/>
-              </a:defRPr>
-            </a:lvl4pPr>
-            <a:lvl5pPr marL="1828800" algn="l" rtl="0" fontAlgn="base">
-              <a:spcBef>
-                <a:spcPct val="0"/>
-              </a:spcBef>
-              <a:spcAft>
-                <a:spcPct val="0"/>
-              </a:spcAft>
-              <a:defRPr kern="1200">
-                <a:solidFill>
-                  <a:schemeClr val="tx1"/>
-                </a:solidFill>
-                <a:latin typeface="Arial" charset="0"/>
-                <a:ea typeface="宋体" pitchFamily="2" charset="-122"/>
-                <a:cs typeface="+mn-cs"/>
-              </a:defRPr>
-            </a:lvl5pPr>
-            <a:lvl6pPr marL="2286000" algn="l" defTabSz="914400" rtl="0" eaLnBrk="1" latinLnBrk="0" hangingPunct="1">
-              <a:defRPr kern="1200">
-                <a:solidFill>
-                  <a:schemeClr val="tx1"/>
-                </a:solidFill>
-                <a:latin typeface="Arial" charset="0"/>
-                <a:ea typeface="宋体" pitchFamily="2" charset="-122"/>
-                <a:cs typeface="+mn-cs"/>
-              </a:defRPr>
-            </a:lvl6pPr>
-            <a:lvl7pPr marL="2743200" algn="l" defTabSz="914400" rtl="0" eaLnBrk="1" latinLnBrk="0" hangingPunct="1">
-              <a:defRPr kern="1200">
-                <a:solidFill>
-                  <a:schemeClr val="tx1"/>
-                </a:solidFill>
-                <a:latin typeface="Arial" charset="0"/>
-                <a:ea typeface="宋体" pitchFamily="2" charset="-122"/>
-                <a:cs typeface="+mn-cs"/>
-              </a:defRPr>
-            </a:lvl7pPr>
-            <a:lvl8pPr marL="3200400" algn="l" defTabSz="914400" rtl="0" eaLnBrk="1" latinLnBrk="0" hangingPunct="1">
-              <a:defRPr kern="1200">
-                <a:solidFill>
-                  <a:schemeClr val="tx1"/>
-                </a:solidFill>
-                <a:latin typeface="Arial" charset="0"/>
-                <a:ea typeface="宋体" pitchFamily="2" charset="-122"/>
-                <a:cs typeface="+mn-cs"/>
-              </a:defRPr>
-            </a:lvl8pPr>
-            <a:lvl9pPr marL="3657600" algn="l" defTabSz="914400" rtl="0" eaLnBrk="1" latinLnBrk="0" hangingPunct="1">
-              <a:defRPr kern="1200">
-                <a:solidFill>
-                  <a:schemeClr val="tx1"/>
-                </a:solidFill>
-                <a:latin typeface="Arial" charset="0"/>
-                <a:ea typeface="宋体" pitchFamily="2" charset="-122"/>
-                <a:cs typeface="+mn-cs"/>
-              </a:defRPr>
-            </a:lvl9pPr>
-          </a:lstStyle>
-          <a:p>
-            <a:pPr>
-              <a:defRPr/>
-            </a:pPr>
-            <a:r>
-              <a:rPr lang="en-US" altLang="zh-CN" sz="1200" dirty="0"/>
-              <a:t>107</a:t>
-            </a:r>
-            <a:r>
-              <a:rPr lang="en-US" altLang="zh-CN" sz="1200" baseline="30000" dirty="0"/>
-              <a:t>th</a:t>
-            </a:r>
-            <a:r>
-              <a:rPr lang="en-US" altLang="zh-CN" sz="1200" dirty="0"/>
-              <a:t> IETF @ Vancouver</a:t>
-            </a:r>
-          </a:p>
-        </p:txBody>
-      </p:sp>
-      <p:sp>
-        <p:nvSpPr>
-          <p:cNvPr id="7" name="Slide Number Placeholder 2">
-            <a:extLst>
-              <a:ext uri="{FF2B5EF4-FFF2-40B4-BE49-F238E27FC236}">
-                <a16:creationId xmlns:a16="http://schemas.microsoft.com/office/drawing/2014/main" id="{8D46899F-25E7-8042-9E81-459B5F041477}"/>
-              </a:ext>
-            </a:extLst>
-          </p:cNvPr>
-          <p:cNvSpPr txBox="1">
-            <a:spLocks/>
-          </p:cNvSpPr>
-          <p:nvPr/>
-        </p:nvSpPr>
-        <p:spPr>
-          <a:xfrm>
-            <a:off x="7585136" y="4666358"/>
-            <a:ext cx="1143000" cy="357188"/>
-          </a:xfrm>
-          <a:prstGeom prst="rect">
-            <a:avLst/>
-          </a:prstGeom>
-        </p:spPr>
-        <p:txBody>
-          <a:bodyPr/>
-          <a:lstStyle>
-            <a:defPPr>
-              <a:defRPr lang="zh-CN"/>
-            </a:defPPr>
-            <a:lvl1pPr algn="l" rtl="0" fontAlgn="base">
-              <a:spcBef>
-                <a:spcPct val="0"/>
-              </a:spcBef>
-              <a:spcAft>
-                <a:spcPct val="0"/>
-              </a:spcAft>
-              <a:defRPr kern="1200">
-                <a:solidFill>
-                  <a:schemeClr val="tx1"/>
-                </a:solidFill>
-                <a:latin typeface="Arial" charset="0"/>
-                <a:ea typeface="宋体" pitchFamily="2" charset="-122"/>
-                <a:cs typeface="+mn-cs"/>
-              </a:defRPr>
-            </a:lvl1pPr>
-            <a:lvl2pPr marL="457200" algn="l" rtl="0" fontAlgn="base">
-              <a:spcBef>
-                <a:spcPct val="0"/>
-              </a:spcBef>
-              <a:spcAft>
-                <a:spcPct val="0"/>
-              </a:spcAft>
-              <a:defRPr kern="1200">
-                <a:solidFill>
-                  <a:schemeClr val="tx1"/>
-                </a:solidFill>
-                <a:latin typeface="Arial" charset="0"/>
-                <a:ea typeface="宋体" pitchFamily="2" charset="-122"/>
-                <a:cs typeface="+mn-cs"/>
-              </a:defRPr>
-            </a:lvl2pPr>
-            <a:lvl3pPr marL="914400" algn="l" rtl="0" fontAlgn="base">
-              <a:spcBef>
-                <a:spcPct val="0"/>
-              </a:spcBef>
-              <a:spcAft>
-                <a:spcPct val="0"/>
-              </a:spcAft>
-              <a:defRPr kern="1200">
-                <a:solidFill>
-                  <a:schemeClr val="tx1"/>
-                </a:solidFill>
-                <a:latin typeface="Arial" charset="0"/>
-                <a:ea typeface="宋体" pitchFamily="2" charset="-122"/>
-                <a:cs typeface="+mn-cs"/>
-              </a:defRPr>
-            </a:lvl3pPr>
-            <a:lvl4pPr marL="1371600" algn="l" rtl="0" fontAlgn="base">
-              <a:spcBef>
-                <a:spcPct val="0"/>
-              </a:spcBef>
-              <a:spcAft>
-                <a:spcPct val="0"/>
-              </a:spcAft>
-              <a:defRPr kern="1200">
-                <a:solidFill>
-                  <a:schemeClr val="tx1"/>
-                </a:solidFill>
-                <a:latin typeface="Arial" charset="0"/>
-                <a:ea typeface="宋体" pitchFamily="2" charset="-122"/>
-                <a:cs typeface="+mn-cs"/>
-              </a:defRPr>
-            </a:lvl4pPr>
-            <a:lvl5pPr marL="1828800" algn="l" rtl="0" fontAlgn="base">
-              <a:spcBef>
-                <a:spcPct val="0"/>
-              </a:spcBef>
-              <a:spcAft>
-                <a:spcPct val="0"/>
-              </a:spcAft>
-              <a:defRPr kern="1200">
-                <a:solidFill>
-                  <a:schemeClr val="tx1"/>
-                </a:solidFill>
-                <a:latin typeface="Arial" charset="0"/>
-                <a:ea typeface="宋体" pitchFamily="2" charset="-122"/>
-                <a:cs typeface="+mn-cs"/>
-              </a:defRPr>
-            </a:lvl5pPr>
-            <a:lvl6pPr marL="2286000" algn="l" defTabSz="914400" rtl="0" eaLnBrk="1" latinLnBrk="0" hangingPunct="1">
-              <a:defRPr kern="1200">
-                <a:solidFill>
-                  <a:schemeClr val="tx1"/>
-                </a:solidFill>
-                <a:latin typeface="Arial" charset="0"/>
-                <a:ea typeface="宋体" pitchFamily="2" charset="-122"/>
-                <a:cs typeface="+mn-cs"/>
-              </a:defRPr>
-            </a:lvl6pPr>
-            <a:lvl7pPr marL="2743200" algn="l" defTabSz="914400" rtl="0" eaLnBrk="1" latinLnBrk="0" hangingPunct="1">
-              <a:defRPr kern="1200">
-                <a:solidFill>
-                  <a:schemeClr val="tx1"/>
-                </a:solidFill>
-                <a:latin typeface="Arial" charset="0"/>
-                <a:ea typeface="宋体" pitchFamily="2" charset="-122"/>
-                <a:cs typeface="+mn-cs"/>
-              </a:defRPr>
-            </a:lvl7pPr>
-            <a:lvl8pPr marL="3200400" algn="l" defTabSz="914400" rtl="0" eaLnBrk="1" latinLnBrk="0" hangingPunct="1">
-              <a:defRPr kern="1200">
-                <a:solidFill>
-                  <a:schemeClr val="tx1"/>
-                </a:solidFill>
-                <a:latin typeface="Arial" charset="0"/>
-                <a:ea typeface="宋体" pitchFamily="2" charset="-122"/>
-                <a:cs typeface="+mn-cs"/>
-              </a:defRPr>
-            </a:lvl8pPr>
-            <a:lvl9pPr marL="3657600" algn="l" defTabSz="914400" rtl="0" eaLnBrk="1" latinLnBrk="0" hangingPunct="1">
-              <a:defRPr kern="1200">
-                <a:solidFill>
-                  <a:schemeClr val="tx1"/>
-                </a:solidFill>
-                <a:latin typeface="Arial" charset="0"/>
-                <a:ea typeface="宋体" pitchFamily="2" charset="-122"/>
-                <a:cs typeface="+mn-cs"/>
-              </a:defRPr>
-            </a:lvl9pPr>
-          </a:lstStyle>
-          <a:p>
-            <a:pPr algn="r">
-              <a:defRPr/>
-            </a:pPr>
-            <a:fld id="{D5EE1D1A-EEC2-4D53-94A7-85D62C853479}" type="slidenum">
-              <a:rPr lang="en-US" altLang="zh-CN" sz="1400" smtClean="0">
-                <a:latin typeface="Calibri" panose="020F0502020204030204" pitchFamily="34" charset="0"/>
-                <a:cs typeface="Calibri" panose="020F0502020204030204" pitchFamily="34" charset="0"/>
-              </a:rPr>
-              <a:pPr algn="r">
-                <a:defRPr/>
-              </a:pPr>
-              <a:t>23</a:t>
-            </a:fld>
-            <a:endParaRPr lang="en-US" altLang="zh-CN" sz="1400" dirty="0">
-              <a:latin typeface="Calibri" panose="020F0502020204030204" pitchFamily="34" charset="0"/>
-              <a:cs typeface="Calibri" panose="020F0502020204030204" pitchFamily="34" charset="0"/>
-            </a:endParaRPr>
-          </a:p>
-        </p:txBody>
-      </p:sp>
-      <p:cxnSp>
-        <p:nvCxnSpPr>
-          <p:cNvPr id="4" name="Straight Connector 3">
-            <a:extLst>
-              <a:ext uri="{FF2B5EF4-FFF2-40B4-BE49-F238E27FC236}">
-                <a16:creationId xmlns:a16="http://schemas.microsoft.com/office/drawing/2014/main" id="{0B9B10AD-8D48-D148-91E8-65E3279D89CE}"/>
-              </a:ext>
-            </a:extLst>
-          </p:cNvPr>
-          <p:cNvCxnSpPr>
-            <a:cxnSpLocks/>
-          </p:cNvCxnSpPr>
-          <p:nvPr/>
-        </p:nvCxnSpPr>
-        <p:spPr>
-          <a:xfrm>
-            <a:off x="4595191" y="742950"/>
-            <a:ext cx="0" cy="2862322"/>
-          </a:xfrm>
-          <a:prstGeom prst="line">
-            <a:avLst/>
-          </a:prstGeom>
-          <a:ln>
-            <a:solidFill>
-              <a:schemeClr val="tx2"/>
-            </a:solidFill>
-          </a:ln>
-        </p:spPr>
-        <p:style>
-          <a:lnRef idx="1">
-            <a:schemeClr val="accent1"/>
-          </a:lnRef>
-          <a:fillRef idx="0">
-            <a:schemeClr val="accent1"/>
-          </a:fillRef>
-          <a:effectRef idx="0">
-            <a:schemeClr val="accent1"/>
-          </a:effectRef>
-          <a:fontRef idx="minor">
-            <a:schemeClr val="tx1"/>
-          </a:fontRef>
-        </p:style>
-      </p:cxnSp>
-      <p:sp>
-        <p:nvSpPr>
-          <p:cNvPr id="8" name="TextBox 7">
-            <a:extLst>
-              <a:ext uri="{FF2B5EF4-FFF2-40B4-BE49-F238E27FC236}">
-                <a16:creationId xmlns:a16="http://schemas.microsoft.com/office/drawing/2014/main" id="{C61B54B1-9C3B-3246-9D5F-ACA8B4F35C94}"/>
-              </a:ext>
-            </a:extLst>
-          </p:cNvPr>
-          <p:cNvSpPr txBox="1"/>
-          <p:nvPr/>
-        </p:nvSpPr>
-        <p:spPr>
-          <a:xfrm>
-            <a:off x="457200" y="3909896"/>
-            <a:ext cx="6248395" cy="461665"/>
-          </a:xfrm>
-          <a:prstGeom prst="rect">
-            <a:avLst/>
-          </a:prstGeom>
-          <a:noFill/>
-        </p:spPr>
-        <p:txBody>
-          <a:bodyPr wrap="square" rtlCol="0">
-            <a:spAutoFit/>
-          </a:bodyPr>
-          <a:lstStyle/>
-          <a:p>
-            <a:pPr marL="285750" indent="-285750">
-              <a:buFont typeface="Wingdings" pitchFamily="2" charset="2"/>
-              <a:buChar char="ü"/>
-            </a:pPr>
-            <a:r>
-              <a:rPr lang="en-US" sz="1200" dirty="0">
-                <a:solidFill>
-                  <a:schemeClr val="tx2"/>
-                </a:solidFill>
-              </a:rPr>
-              <a:t>Control Code compatible with TWAMP Light message format</a:t>
-            </a:r>
-          </a:p>
-          <a:p>
-            <a:pPr marL="285750" indent="-285750">
-              <a:buFont typeface="Wingdings" pitchFamily="2" charset="2"/>
-              <a:buChar char="ü"/>
-            </a:pPr>
-            <a:r>
-              <a:rPr lang="en-US" sz="1200" dirty="0">
-                <a:solidFill>
-                  <a:schemeClr val="tx2"/>
-                </a:solidFill>
-              </a:rPr>
-              <a:t>Session ID is 24-bit which is good</a:t>
-            </a:r>
-          </a:p>
-        </p:txBody>
-      </p:sp>
-    </p:spTree>
-    <p:extLst>
-      <p:ext uri="{BB962C8B-B14F-4D97-AF65-F5344CB8AC3E}">
-        <p14:creationId xmlns:p14="http://schemas.microsoft.com/office/powerpoint/2010/main" val="3209786478"/>
-      </p:ext>
-    </p:extLst>
-  </p:cSld>
-  <p:clrMapOvr>
-    <a:masterClrMapping/>
-  </p:clrMapOvr>
-  <p:transition spd="med">
-    <p:fade/>
-  </p:transition>
-</p:sld>
-</file>
-
-<file path=ppt/slides/slide24.xml><?xml version="1.0" encoding="utf-8"?>
-<p:sld xmlns:a="http://schemas.openxmlformats.org/drawingml/2006/main" xmlns:r="http://schemas.openxmlformats.org/officeDocument/2006/relationships" xmlns:p="http://schemas.openxmlformats.org/presentationml/2006/main">
-  <p:cSld>
-    <p:spTree>
-      <p:nvGrpSpPr>
-        <p:cNvPr id="1" name=""/>
-        <p:cNvGrpSpPr/>
-        <p:nvPr/>
-      </p:nvGrpSpPr>
-      <p:grpSpPr>
-        <a:xfrm>
-          <a:off x="0" y="0"/>
-          <a:ext cx="0" cy="0"/>
-          <a:chOff x="0" y="0"/>
-          <a:chExt cx="0" cy="0"/>
-        </a:xfrm>
-      </p:grpSpPr>
-      <p:sp>
-        <p:nvSpPr>
-          <p:cNvPr id="3" name="Title 2"/>
-          <p:cNvSpPr>
-            <a:spLocks noGrp="1"/>
-          </p:cNvSpPr>
-          <p:nvPr>
-            <p:ph type="title"/>
-          </p:nvPr>
-        </p:nvSpPr>
-        <p:spPr>
-          <a:xfrm>
-            <a:off x="304800" y="-39330"/>
-            <a:ext cx="8505372" cy="706080"/>
-          </a:xfrm>
-        </p:spPr>
-        <p:txBody>
-          <a:bodyPr/>
-          <a:lstStyle/>
-          <a:p>
-            <a:pPr algn="l"/>
-            <a:r>
-              <a:rPr lang="en-US" sz="2200" dirty="0">
-                <a:solidFill>
-                  <a:srgbClr val="0070C0"/>
-                </a:solidFill>
-                <a:latin typeface="Calibri Light" panose="020F0302020204030204" pitchFamily="34" charset="0"/>
-                <a:cs typeface="Calibri Light" panose="020F0302020204030204" pitchFamily="34" charset="0"/>
-              </a:rPr>
-              <a:t>Option 3: 32-bit Session ID in TLV</a:t>
-            </a:r>
-          </a:p>
-        </p:txBody>
-      </p:sp>
-      <p:sp>
-        <p:nvSpPr>
-          <p:cNvPr id="5" name="Rectangle 4"/>
-          <p:cNvSpPr/>
-          <p:nvPr/>
-        </p:nvSpPr>
-        <p:spPr>
-          <a:xfrm>
-            <a:off x="228614" y="742950"/>
-            <a:ext cx="4320175" cy="3323987"/>
-          </a:xfrm>
-          <a:prstGeom prst="rect">
-            <a:avLst/>
-          </a:prstGeom>
-          <a:solidFill>
-            <a:schemeClr val="accent6">
-              <a:lumMod val="20000"/>
-              <a:lumOff val="80000"/>
-            </a:schemeClr>
-          </a:solidFill>
-        </p:spPr>
-        <p:txBody>
-          <a:bodyPr wrap="square">
-            <a:spAutoFit/>
-          </a:bodyPr>
-          <a:lstStyle/>
-          <a:p>
-            <a:pPr>
-              <a:spcAft>
-                <a:spcPts val="0"/>
-              </a:spcAft>
-            </a:pPr>
-            <a:r>
-              <a:rPr lang="en-US" sz="750" b="1" dirty="0">
-                <a:latin typeface="Courier" charset="0"/>
-                <a:ea typeface="Courier" charset="0"/>
-                <a:cs typeface="Courier" charset="0"/>
-              </a:rPr>
-              <a:t>       0                   1                   2                   3</a:t>
-            </a:r>
-          </a:p>
-          <a:p>
-            <a:pPr>
-              <a:spcAft>
-                <a:spcPts val="0"/>
-              </a:spcAft>
-            </a:pPr>
-            <a:r>
-              <a:rPr lang="en-US" sz="750" b="1" dirty="0">
-                <a:latin typeface="Courier" charset="0"/>
-                <a:ea typeface="Courier" charset="0"/>
-                <a:cs typeface="Courier" charset="0"/>
-              </a:rPr>
-              <a:t>       0 1 2 3 4 5 6 7 8 9 0 1 2 3 4 5 6 7 8 9 0 1 2 3 4 5 6 7 8 9 0 1</a:t>
-            </a:r>
-          </a:p>
-          <a:p>
-            <a:pPr>
-              <a:spcAft>
-                <a:spcPts val="0"/>
-              </a:spcAft>
-            </a:pPr>
-            <a:r>
-              <a:rPr lang="en-US" sz="750" b="1" dirty="0">
-                <a:latin typeface="Courier" charset="0"/>
-                <a:ea typeface="Courier" charset="0"/>
-                <a:cs typeface="Courier" charset="0"/>
-              </a:rPr>
-              <a:t>      +-+-+-+-+-+-+-+-+-+-+-+-+-+-+-+-+-+-+-+-+-+-+-+-+-+-+-+-+-+-+-+-+</a:t>
-            </a:r>
-          </a:p>
-          <a:p>
-            <a:pPr>
-              <a:spcAft>
-                <a:spcPts val="0"/>
-              </a:spcAft>
-            </a:pPr>
-            <a:r>
-              <a:rPr lang="en-US" sz="750" b="1" dirty="0">
-                <a:latin typeface="Courier" charset="0"/>
-                <a:ea typeface="Courier" charset="0"/>
-                <a:cs typeface="Courier" charset="0"/>
-              </a:rPr>
-              <a:t>      |                        Sequence Number                        |</a:t>
-            </a:r>
-          </a:p>
-          <a:p>
-            <a:pPr>
-              <a:spcAft>
-                <a:spcPts val="0"/>
-              </a:spcAft>
-            </a:pPr>
-            <a:r>
-              <a:rPr lang="en-US" sz="750" b="1" dirty="0">
-                <a:latin typeface="Courier" charset="0"/>
-                <a:ea typeface="Courier" charset="0"/>
-                <a:cs typeface="Courier" charset="0"/>
-              </a:rPr>
-              <a:t>      +-+-+-+-+-+-+-+-+-+-+-+-+-+-+-+-+-+-+-+-+-+-+-+-+-+-+-+-+-+-+-+-+</a:t>
-            </a:r>
-          </a:p>
-          <a:p>
-            <a:pPr>
-              <a:spcAft>
-                <a:spcPts val="0"/>
-              </a:spcAft>
-            </a:pPr>
-            <a:r>
-              <a:rPr lang="en-US" sz="750" b="1" dirty="0">
-                <a:latin typeface="Courier" charset="0"/>
-                <a:ea typeface="Courier" charset="0"/>
-                <a:cs typeface="Courier" charset="0"/>
-              </a:rPr>
-              <a:t>      |                          Timestamp                            |</a:t>
-            </a:r>
-          </a:p>
-          <a:p>
-            <a:pPr>
-              <a:spcAft>
-                <a:spcPts val="0"/>
-              </a:spcAft>
-            </a:pPr>
-            <a:r>
-              <a:rPr lang="en-US" sz="750" b="1" dirty="0">
-                <a:latin typeface="Courier" charset="0"/>
-                <a:ea typeface="Courier" charset="0"/>
-                <a:cs typeface="Courier" charset="0"/>
-              </a:rPr>
-              <a:t>      |                                                               |</a:t>
-            </a:r>
-          </a:p>
-          <a:p>
-            <a:pPr>
-              <a:spcAft>
-                <a:spcPts val="0"/>
-              </a:spcAft>
-            </a:pPr>
-            <a:r>
-              <a:rPr lang="en-US" sz="750" b="1" dirty="0">
-                <a:latin typeface="Courier" charset="0"/>
-                <a:ea typeface="Courier" charset="0"/>
-                <a:cs typeface="Courier" charset="0"/>
-              </a:rPr>
-              <a:t>      +-+-+-+-+-+-+-+-+-+-+-+-+-+-+-+-+-+-+-+-+-+-+-+-+-+-+-+-+-+-+-+-+</a:t>
-            </a:r>
-          </a:p>
-          <a:p>
-            <a:pPr>
-              <a:spcAft>
-                <a:spcPts val="0"/>
-              </a:spcAft>
-            </a:pPr>
-            <a:r>
-              <a:rPr lang="en-US" sz="750" b="1" dirty="0">
-                <a:latin typeface="Courier" charset="0"/>
-                <a:ea typeface="Courier" charset="0"/>
-                <a:cs typeface="Courier" charset="0"/>
-              </a:rPr>
-              <a:t>      |         Error Estimate        |  MBZ          | </a:t>
-            </a:r>
-            <a:r>
-              <a:rPr lang="en-US" sz="750" b="1" dirty="0">
-                <a:solidFill>
-                  <a:srgbClr val="0070C0"/>
-                </a:solidFill>
-                <a:latin typeface="Courier" charset="0"/>
-                <a:ea typeface="Courier" charset="0"/>
-                <a:cs typeface="Courier" charset="0"/>
-              </a:rPr>
-              <a:t>Control Code  </a:t>
-            </a:r>
-            <a:r>
-              <a:rPr lang="en-US" sz="750" b="1" dirty="0">
-                <a:latin typeface="Courier" charset="0"/>
-                <a:ea typeface="Courier" charset="0"/>
-                <a:cs typeface="Courier" charset="0"/>
-              </a:rPr>
-              <a:t>|</a:t>
-            </a:r>
-          </a:p>
-          <a:p>
-            <a:pPr>
-              <a:spcAft>
-                <a:spcPts val="0"/>
-              </a:spcAft>
-            </a:pPr>
-            <a:r>
-              <a:rPr lang="en-US" sz="750" b="1" dirty="0">
-                <a:latin typeface="Courier" charset="0"/>
-                <a:ea typeface="Courier" charset="0"/>
-                <a:cs typeface="Courier" charset="0"/>
-              </a:rPr>
-              <a:t>      +-+-+-+-+-+-+-+-+-+-+-+-+-+-+-+-+-+-+-+-+-+-+-+-+-+-+-+-+-+-+-+-+</a:t>
-            </a:r>
-          </a:p>
-          <a:p>
-            <a:pPr>
-              <a:spcAft>
-                <a:spcPts val="0"/>
-              </a:spcAft>
-            </a:pPr>
-            <a:r>
-              <a:rPr lang="en-US" sz="750" b="1" dirty="0">
-                <a:latin typeface="Courier" charset="0"/>
-                <a:ea typeface="Courier" charset="0"/>
-                <a:cs typeface="Courier" charset="0"/>
-              </a:rPr>
-              <a:t>      |                                                               |</a:t>
-            </a:r>
-          </a:p>
-          <a:p>
-            <a:pPr>
-              <a:spcAft>
-                <a:spcPts val="0"/>
-              </a:spcAft>
-            </a:pPr>
-            <a:r>
-              <a:rPr lang="en-US" sz="750" b="1" dirty="0">
-                <a:latin typeface="Courier" charset="0"/>
-                <a:ea typeface="Courier" charset="0"/>
-                <a:cs typeface="Courier" charset="0"/>
-              </a:rPr>
-              <a:t>      |                                                               |</a:t>
-            </a:r>
-          </a:p>
-          <a:p>
-            <a:pPr>
-              <a:spcAft>
-                <a:spcPts val="0"/>
-              </a:spcAft>
-            </a:pPr>
-            <a:r>
-              <a:rPr lang="en-US" sz="750" b="1" dirty="0">
-                <a:latin typeface="Courier" charset="0"/>
-                <a:ea typeface="Courier" charset="0"/>
-                <a:cs typeface="Courier" charset="0"/>
-              </a:rPr>
-              <a:t>      +                                                               +</a:t>
-            </a:r>
-          </a:p>
-          <a:p>
-            <a:pPr>
-              <a:spcAft>
-                <a:spcPts val="0"/>
-              </a:spcAft>
-            </a:pPr>
-            <a:r>
-              <a:rPr lang="en-US" sz="750" b="1" dirty="0">
-                <a:latin typeface="Courier" charset="0"/>
-                <a:ea typeface="Courier" charset="0"/>
-                <a:cs typeface="Courier" charset="0"/>
-              </a:rPr>
-              <a:t>      |                         MBZ (28 octets)                       |</a:t>
-            </a:r>
-          </a:p>
-          <a:p>
-            <a:pPr>
-              <a:spcAft>
-                <a:spcPts val="0"/>
-              </a:spcAft>
-            </a:pPr>
-            <a:r>
-              <a:rPr lang="en-US" sz="750" b="1" dirty="0">
-                <a:latin typeface="Courier" charset="0"/>
-                <a:ea typeface="Courier" charset="0"/>
-                <a:cs typeface="Courier" charset="0"/>
-              </a:rPr>
-              <a:t>      +                                                               +</a:t>
-            </a:r>
-          </a:p>
-          <a:p>
-            <a:pPr>
-              <a:spcAft>
-                <a:spcPts val="0"/>
-              </a:spcAft>
-            </a:pPr>
-            <a:r>
-              <a:rPr lang="en-US" sz="750" b="1" dirty="0">
-                <a:latin typeface="Courier" charset="0"/>
-                <a:ea typeface="Courier" charset="0"/>
-                <a:cs typeface="Courier" charset="0"/>
-              </a:rPr>
-              <a:t>      |                                                               |</a:t>
-            </a:r>
-          </a:p>
-          <a:p>
-            <a:pPr>
-              <a:spcAft>
-                <a:spcPts val="0"/>
-              </a:spcAft>
-            </a:pPr>
-            <a:r>
-              <a:rPr lang="en-US" sz="750" b="1" dirty="0">
-                <a:latin typeface="Courier" charset="0"/>
-                <a:ea typeface="Courier" charset="0"/>
-                <a:cs typeface="Courier" charset="0"/>
-              </a:rPr>
-              <a:t>      |                                                               |</a:t>
-            </a:r>
-          </a:p>
-          <a:p>
-            <a:pPr>
-              <a:spcAft>
-                <a:spcPts val="0"/>
-              </a:spcAft>
-            </a:pPr>
-            <a:r>
-              <a:rPr lang="en-US" sz="750" b="1" dirty="0">
-                <a:latin typeface="Courier" charset="0"/>
-                <a:ea typeface="Courier" charset="0"/>
-                <a:cs typeface="Courier" charset="0"/>
-              </a:rPr>
-              <a:t>      +                                                               +</a:t>
-            </a:r>
-          </a:p>
-          <a:p>
-            <a:pPr>
-              <a:spcAft>
-                <a:spcPts val="0"/>
-              </a:spcAft>
-            </a:pPr>
-            <a:r>
-              <a:rPr lang="en-US" sz="750" b="1" dirty="0">
-                <a:latin typeface="Courier" charset="0"/>
-                <a:ea typeface="Courier" charset="0"/>
-                <a:cs typeface="Courier" charset="0"/>
-              </a:rPr>
-              <a:t>      |                                                               |</a:t>
-            </a:r>
-          </a:p>
-          <a:p>
-            <a:pPr>
-              <a:spcAft>
-                <a:spcPts val="0"/>
-              </a:spcAft>
-            </a:pPr>
-            <a:r>
-              <a:rPr lang="en-US" sz="750" b="1" dirty="0">
-                <a:latin typeface="Courier" charset="0"/>
-                <a:ea typeface="Courier" charset="0"/>
-                <a:cs typeface="Courier" charset="0"/>
-              </a:rPr>
-              <a:t>      +                                                               +</a:t>
-            </a:r>
-          </a:p>
-          <a:p>
-            <a:pPr>
-              <a:spcAft>
-                <a:spcPts val="0"/>
-              </a:spcAft>
-            </a:pPr>
-            <a:r>
-              <a:rPr lang="en-US" sz="750" b="1" dirty="0">
-                <a:latin typeface="Courier" charset="0"/>
-                <a:ea typeface="Courier" charset="0"/>
-                <a:cs typeface="Courier" charset="0"/>
-              </a:rPr>
-              <a:t>      |                                                               |</a:t>
-            </a:r>
-          </a:p>
-          <a:p>
-            <a:pPr>
-              <a:spcAft>
-                <a:spcPts val="0"/>
-              </a:spcAft>
-            </a:pPr>
-            <a:r>
-              <a:rPr lang="en-US" sz="750" b="1" dirty="0">
-                <a:latin typeface="Courier" charset="0"/>
-                <a:ea typeface="Courier" charset="0"/>
-                <a:cs typeface="Courier" charset="0"/>
-              </a:rPr>
-              <a:t>      +-+-+-+-+-+-+-+-+-+-+-+-+-+-+-+-+-+-+-+-+-+-+-+-+-+-+-+-+-+-+-+-+</a:t>
-            </a:r>
-          </a:p>
-          <a:p>
-            <a:pPr>
-              <a:spcAft>
-                <a:spcPts val="0"/>
-              </a:spcAft>
-            </a:pPr>
-            <a:r>
-              <a:rPr lang="en-US" sz="750" b="1" dirty="0">
-                <a:solidFill>
-                  <a:srgbClr val="0070C0"/>
-                </a:solidFill>
-                <a:latin typeface="Courier" charset="0"/>
-                <a:ea typeface="Courier" charset="0"/>
-                <a:cs typeface="Courier" charset="0"/>
-              </a:rPr>
-              <a:t>      |    Session ID Type            |           Length              |</a:t>
-            </a:r>
-          </a:p>
-          <a:p>
-            <a:pPr>
-              <a:spcAft>
-                <a:spcPts val="0"/>
-              </a:spcAft>
-            </a:pPr>
-            <a:r>
-              <a:rPr lang="en-US" sz="750" b="1" dirty="0">
-                <a:solidFill>
-                  <a:srgbClr val="0070C0"/>
-                </a:solidFill>
-                <a:latin typeface="Courier" charset="0"/>
-                <a:ea typeface="Courier" charset="0"/>
-                <a:cs typeface="Courier" charset="0"/>
-              </a:rPr>
-              <a:t>      +-+-+-+-+-+-+-+-+-+-+-+-+-+-+-+-+-+-+-+-+-+-+-+-+-+-+-+-+-+-+-+-+</a:t>
-            </a:r>
-          </a:p>
-          <a:p>
-            <a:pPr>
-              <a:spcAft>
-                <a:spcPts val="0"/>
-              </a:spcAft>
-            </a:pPr>
-            <a:r>
-              <a:rPr lang="en-US" sz="750" b="1" dirty="0">
-                <a:solidFill>
-                  <a:srgbClr val="0070C0"/>
-                </a:solidFill>
-                <a:latin typeface="Courier" charset="0"/>
-                <a:ea typeface="Courier" charset="0"/>
-                <a:cs typeface="Courier" charset="0"/>
-              </a:rPr>
-              <a:t>      |             Session ID                                        |</a:t>
-            </a:r>
-          </a:p>
-          <a:p>
-            <a:pPr>
-              <a:spcAft>
-                <a:spcPts val="0"/>
-              </a:spcAft>
-            </a:pPr>
-            <a:r>
-              <a:rPr lang="en-US" sz="750" b="1" dirty="0">
-                <a:solidFill>
-                  <a:srgbClr val="0070C0"/>
-                </a:solidFill>
-                <a:latin typeface="Courier" charset="0"/>
-                <a:ea typeface="Courier" charset="0"/>
-                <a:cs typeface="Courier" charset="0"/>
-              </a:rPr>
-              <a:t>      +-+-+-+-+-+-+-+-+-+-+-+-+-+-+-+-+-+-+-+-+-+-+-+-+-+-+-+-+-+-+-+-+</a:t>
-            </a:r>
-          </a:p>
-          <a:p>
-            <a:pPr>
-              <a:spcAft>
-                <a:spcPts val="0"/>
-              </a:spcAft>
-            </a:pPr>
-            <a:endParaRPr lang="en-US" sz="750" b="1" dirty="0">
-              <a:latin typeface="Courier" charset="0"/>
-              <a:ea typeface="Courier" charset="0"/>
-              <a:cs typeface="Courier" charset="0"/>
-            </a:endParaRPr>
-          </a:p>
-          <a:p>
-            <a:pPr>
-              <a:spcAft>
-                <a:spcPts val="0"/>
-              </a:spcAft>
-            </a:pPr>
-            <a:r>
-              <a:rPr lang="en-US" sz="750" b="1" dirty="0">
-                <a:latin typeface="Courier" charset="0"/>
-                <a:ea typeface="Courier" charset="0"/>
-                <a:cs typeface="Courier" charset="0"/>
-              </a:rPr>
-              <a:t>	    Figure: Sender Message Format in STAMP</a:t>
-            </a:r>
-          </a:p>
-        </p:txBody>
-      </p:sp>
-      <p:sp>
-        <p:nvSpPr>
-          <p:cNvPr id="14" name="Rectangle 13">
-            <a:extLst>
-              <a:ext uri="{FF2B5EF4-FFF2-40B4-BE49-F238E27FC236}">
-                <a16:creationId xmlns:a16="http://schemas.microsoft.com/office/drawing/2014/main" id="{5F9D9D1B-92A3-C64D-87B1-9B0B9C9E3A13}"/>
-              </a:ext>
-            </a:extLst>
-          </p:cNvPr>
-          <p:cNvSpPr/>
-          <p:nvPr/>
-        </p:nvSpPr>
-        <p:spPr>
-          <a:xfrm>
-            <a:off x="4495800" y="742950"/>
-            <a:ext cx="4368799" cy="3323987"/>
-          </a:xfrm>
-          <a:prstGeom prst="rect">
-            <a:avLst/>
-          </a:prstGeom>
-          <a:solidFill>
-            <a:schemeClr val="accent6">
-              <a:lumMod val="20000"/>
-              <a:lumOff val="80000"/>
-            </a:schemeClr>
-          </a:solidFill>
-        </p:spPr>
-        <p:txBody>
-          <a:bodyPr wrap="square">
-            <a:spAutoFit/>
-          </a:bodyPr>
-          <a:lstStyle/>
-          <a:p>
-            <a:pPr>
-              <a:spcAft>
-                <a:spcPts val="0"/>
-              </a:spcAft>
-            </a:pPr>
-            <a:r>
-              <a:rPr lang="en-US" sz="750" b="1" dirty="0">
-                <a:latin typeface="Courier" charset="0"/>
-                <a:ea typeface="Courier" charset="0"/>
-                <a:cs typeface="Courier" charset="0"/>
-              </a:rPr>
-              <a:t>     0                   1                   2                   3</a:t>
-            </a:r>
-          </a:p>
-          <a:p>
-            <a:pPr>
-              <a:spcAft>
-                <a:spcPts val="0"/>
-              </a:spcAft>
-            </a:pPr>
-            <a:r>
-              <a:rPr lang="en-US" sz="750" b="1" dirty="0">
-                <a:latin typeface="Courier" charset="0"/>
-                <a:ea typeface="Courier" charset="0"/>
-                <a:cs typeface="Courier" charset="0"/>
-              </a:rPr>
-              <a:t>     0 1 2 3 4 5 6 7 8 9 0 1 2 3 4 5 6 7 8 9 0 1 2 3 4 5 6 7 8 9 0 1</a:t>
-            </a:r>
-          </a:p>
-          <a:p>
-            <a:pPr>
-              <a:spcAft>
-                <a:spcPts val="0"/>
-              </a:spcAft>
-            </a:pPr>
-            <a:r>
-              <a:rPr lang="en-US" sz="750" b="1" dirty="0">
-                <a:latin typeface="Courier" charset="0"/>
-                <a:ea typeface="Courier" charset="0"/>
-                <a:cs typeface="Courier" charset="0"/>
-              </a:rPr>
-              <a:t>    +-+-+-+-+-+-+-+-+-+-+-+-+-+-+-+-+-+-+-+-+-+-+-+-+-+-+-+-+-+-+-+-+</a:t>
-            </a:r>
-          </a:p>
-          <a:p>
-            <a:pPr>
-              <a:spcAft>
-                <a:spcPts val="0"/>
-              </a:spcAft>
-            </a:pPr>
-            <a:r>
-              <a:rPr lang="en-US" sz="750" b="1" dirty="0">
-                <a:latin typeface="Courier" charset="0"/>
-                <a:ea typeface="Courier" charset="0"/>
-                <a:cs typeface="Courier" charset="0"/>
-              </a:rPr>
-              <a:t>    |                        Sequence Number                        |</a:t>
-            </a:r>
-          </a:p>
-          <a:p>
-            <a:pPr>
-              <a:spcAft>
-                <a:spcPts val="0"/>
-              </a:spcAft>
-            </a:pPr>
-            <a:r>
-              <a:rPr lang="en-US" sz="750" b="1" dirty="0">
-                <a:latin typeface="Courier" charset="0"/>
-                <a:ea typeface="Courier" charset="0"/>
-                <a:cs typeface="Courier" charset="0"/>
-              </a:rPr>
-              <a:t>    +-+-+-+-+-+-+-+-+-+-+-+-+-+-+-+-+-+-+-+-+-+-+-+-+-+-+-+-+-+-+-+-+</a:t>
-            </a:r>
-          </a:p>
-          <a:p>
-            <a:pPr>
-              <a:spcAft>
-                <a:spcPts val="0"/>
-              </a:spcAft>
-            </a:pPr>
-            <a:r>
-              <a:rPr lang="en-US" sz="750" b="1" dirty="0">
-                <a:latin typeface="Courier" charset="0"/>
-                <a:ea typeface="Courier" charset="0"/>
-                <a:cs typeface="Courier" charset="0"/>
-              </a:rPr>
-              <a:t>    |                          Timestamp                            |</a:t>
-            </a:r>
-          </a:p>
-          <a:p>
-            <a:pPr>
-              <a:spcAft>
-                <a:spcPts val="0"/>
-              </a:spcAft>
-            </a:pPr>
-            <a:r>
-              <a:rPr lang="en-US" sz="750" b="1" dirty="0">
-                <a:latin typeface="Courier" charset="0"/>
-                <a:ea typeface="Courier" charset="0"/>
-                <a:cs typeface="Courier" charset="0"/>
-              </a:rPr>
-              <a:t>    |                                                               |</a:t>
-            </a:r>
-          </a:p>
-          <a:p>
-            <a:pPr>
-              <a:spcAft>
-                <a:spcPts val="0"/>
-              </a:spcAft>
-            </a:pPr>
-            <a:r>
-              <a:rPr lang="en-US" sz="750" b="1" dirty="0">
-                <a:latin typeface="Courier" charset="0"/>
-                <a:ea typeface="Courier" charset="0"/>
-                <a:cs typeface="Courier" charset="0"/>
-              </a:rPr>
-              <a:t>    +-+-+-+-+-+-+-+-+-+-+-+-+-+-+-+-+-+-+-+-+-+-+-+-+-+-+-+-+-+-+-+-+</a:t>
-            </a:r>
-          </a:p>
-          <a:p>
-            <a:pPr>
-              <a:spcAft>
-                <a:spcPts val="0"/>
-              </a:spcAft>
-            </a:pPr>
-            <a:r>
-              <a:rPr lang="en-US" sz="750" b="1" dirty="0">
-                <a:latin typeface="Courier" charset="0"/>
-                <a:ea typeface="Courier" charset="0"/>
-                <a:cs typeface="Courier" charset="0"/>
-              </a:rPr>
-              <a:t>    |         Error Estimate        |  MBZ          | </a:t>
-            </a:r>
-            <a:r>
-              <a:rPr lang="en-US" sz="750" b="1" dirty="0">
-                <a:solidFill>
-                  <a:srgbClr val="0070C0"/>
-                </a:solidFill>
-                <a:latin typeface="Courier" charset="0"/>
-                <a:ea typeface="Courier" charset="0"/>
-                <a:cs typeface="Courier" charset="0"/>
-              </a:rPr>
-              <a:t>Control Code  </a:t>
-            </a:r>
-            <a:r>
-              <a:rPr lang="en-US" sz="750" b="1" dirty="0">
-                <a:latin typeface="Courier" charset="0"/>
-                <a:ea typeface="Courier" charset="0"/>
-                <a:cs typeface="Courier" charset="0"/>
-              </a:rPr>
-              <a:t>|    </a:t>
-            </a:r>
-          </a:p>
-          <a:p>
-            <a:pPr>
-              <a:spcAft>
-                <a:spcPts val="0"/>
-              </a:spcAft>
-            </a:pPr>
-            <a:r>
-              <a:rPr lang="en-US" sz="750" b="1" dirty="0">
-                <a:latin typeface="Courier" charset="0"/>
-                <a:ea typeface="Courier" charset="0"/>
-                <a:cs typeface="Courier" charset="0"/>
-              </a:rPr>
-              <a:t>    +-+-+-+-+-+-+-+-+-+-+-+-+-+-+-+-+-+-+-+-+-+-+-+-+-+-+-+-+-+-+-+-+</a:t>
-            </a:r>
-          </a:p>
-          <a:p>
-            <a:pPr>
-              <a:spcAft>
-                <a:spcPts val="0"/>
-              </a:spcAft>
-            </a:pPr>
-            <a:r>
-              <a:rPr lang="en-US" sz="750" b="1" dirty="0">
-                <a:latin typeface="Courier" charset="0"/>
-                <a:ea typeface="Courier" charset="0"/>
-                <a:cs typeface="Courier" charset="0"/>
-              </a:rPr>
-              <a:t>    |                          Receive Timestamp                    |</a:t>
-            </a:r>
-          </a:p>
-          <a:p>
-            <a:pPr>
-              <a:spcAft>
-                <a:spcPts val="0"/>
-              </a:spcAft>
-            </a:pPr>
-            <a:r>
-              <a:rPr lang="en-US" sz="750" b="1" dirty="0">
-                <a:latin typeface="Courier" charset="0"/>
-                <a:ea typeface="Courier" charset="0"/>
-                <a:cs typeface="Courier" charset="0"/>
-              </a:rPr>
-              <a:t>    |                                                               |</a:t>
-            </a:r>
-          </a:p>
-          <a:p>
-            <a:pPr>
-              <a:spcAft>
-                <a:spcPts val="0"/>
-              </a:spcAft>
-            </a:pPr>
-            <a:r>
-              <a:rPr lang="en-US" sz="750" b="1" dirty="0">
-                <a:latin typeface="Courier" charset="0"/>
-                <a:ea typeface="Courier" charset="0"/>
-                <a:cs typeface="Courier" charset="0"/>
-              </a:rPr>
-              <a:t>    +-+-+-+-+-+-+-+-+-+-+-+-+-+-+-+-+-+-+-+-+-+-+-+-+-+-+-+-+-+-+-+-+</a:t>
-            </a:r>
-          </a:p>
-          <a:p>
-            <a:pPr>
-              <a:spcAft>
-                <a:spcPts val="0"/>
-              </a:spcAft>
-            </a:pPr>
-            <a:r>
-              <a:rPr lang="en-US" sz="750" b="1" dirty="0">
-                <a:latin typeface="Courier" charset="0"/>
-                <a:ea typeface="Courier" charset="0"/>
-                <a:cs typeface="Courier" charset="0"/>
-              </a:rPr>
-              <a:t>    |                 Session-Sender Sequence Number                |</a:t>
-            </a:r>
-          </a:p>
-          <a:p>
-            <a:pPr>
-              <a:spcAft>
-                <a:spcPts val="0"/>
-              </a:spcAft>
-            </a:pPr>
-            <a:r>
-              <a:rPr lang="en-US" sz="750" b="1" dirty="0">
-                <a:latin typeface="Courier" charset="0"/>
-                <a:ea typeface="Courier" charset="0"/>
-                <a:cs typeface="Courier" charset="0"/>
-              </a:rPr>
-              <a:t>    +-+-+-+-+-+-+-+-+-+-+-+-+-+-+-+-+-+-+-+-+-+-+-+-+-+-+-+-+-+-+-+-+</a:t>
-            </a:r>
-          </a:p>
-          <a:p>
-            <a:pPr>
-              <a:spcAft>
-                <a:spcPts val="0"/>
-              </a:spcAft>
-            </a:pPr>
-            <a:r>
-              <a:rPr lang="en-US" sz="750" b="1" dirty="0">
-                <a:latin typeface="Courier" charset="0"/>
-                <a:ea typeface="Courier" charset="0"/>
-                <a:cs typeface="Courier" charset="0"/>
-              </a:rPr>
-              <a:t>    |                  Session-Sender Timestamp                     |</a:t>
-            </a:r>
-          </a:p>
-          <a:p>
-            <a:pPr>
-              <a:spcAft>
-                <a:spcPts val="0"/>
-              </a:spcAft>
-            </a:pPr>
-            <a:r>
-              <a:rPr lang="en-US" sz="750" b="1" dirty="0">
-                <a:latin typeface="Courier" charset="0"/>
-                <a:ea typeface="Courier" charset="0"/>
-                <a:cs typeface="Courier" charset="0"/>
-              </a:rPr>
-              <a:t>    |                                                               |</a:t>
-            </a:r>
-          </a:p>
-          <a:p>
-            <a:pPr>
-              <a:spcAft>
-                <a:spcPts val="0"/>
-              </a:spcAft>
-            </a:pPr>
-            <a:r>
-              <a:rPr lang="en-US" sz="750" b="1" dirty="0">
-                <a:latin typeface="Courier" charset="0"/>
-                <a:ea typeface="Courier" charset="0"/>
-                <a:cs typeface="Courier" charset="0"/>
-              </a:rPr>
-              <a:t>    +-+-+-+-+-+-+-+-+-+-+-+-+-+-+-+-+-+-+-+-+-+-+-+-+-+-+-+-+-+-+-+-+</a:t>
-            </a:r>
-          </a:p>
-          <a:p>
-            <a:pPr>
-              <a:spcAft>
-                <a:spcPts val="0"/>
-              </a:spcAft>
-            </a:pPr>
-            <a:r>
-              <a:rPr lang="en-US" sz="750" b="1" dirty="0">
-                <a:latin typeface="Courier" charset="0"/>
-                <a:ea typeface="Courier" charset="0"/>
-                <a:cs typeface="Courier" charset="0"/>
-              </a:rPr>
-              <a:t>    | Session-Sender Error Estimate |           MBZ                 |</a:t>
-            </a:r>
-          </a:p>
-          <a:p>
-            <a:pPr>
-              <a:spcAft>
-                <a:spcPts val="0"/>
-              </a:spcAft>
-            </a:pPr>
-            <a:r>
-              <a:rPr lang="en-US" sz="750" b="1" dirty="0">
-                <a:latin typeface="Courier" charset="0"/>
-                <a:ea typeface="Courier" charset="0"/>
-                <a:cs typeface="Courier" charset="0"/>
-              </a:rPr>
-              <a:t>    +-+-+-+-+-+-+-+-+-+-+-+-+-+-+-+-+-+-+-+-+-+-+-+-+-+-+-+-+-+-+-+-+</a:t>
-            </a:r>
-          </a:p>
-          <a:p>
-            <a:pPr>
-              <a:spcAft>
-                <a:spcPts val="0"/>
-              </a:spcAft>
-            </a:pPr>
-            <a:r>
-              <a:rPr lang="en-US" sz="750" b="1" dirty="0">
-                <a:latin typeface="Courier" charset="0"/>
-                <a:ea typeface="Courier" charset="0"/>
-                <a:cs typeface="Courier" charset="0"/>
-              </a:rPr>
-              <a:t>    |</a:t>
-            </a:r>
-            <a:r>
-              <a:rPr lang="en-US" sz="750" b="1" dirty="0" err="1">
-                <a:latin typeface="Courier" charset="0"/>
-                <a:ea typeface="Courier" charset="0"/>
-                <a:cs typeface="Courier" charset="0"/>
-              </a:rPr>
-              <a:t>Ses</a:t>
-            </a:r>
-            <a:r>
-              <a:rPr lang="en-US" sz="750" b="1" dirty="0">
-                <a:latin typeface="Courier" charset="0"/>
-                <a:ea typeface="Courier" charset="0"/>
-                <a:cs typeface="Courier" charset="0"/>
-              </a:rPr>
-              <a:t>-Sender TTL |                  MBZ                          |</a:t>
-            </a:r>
-          </a:p>
-          <a:p>
-            <a:pPr>
-              <a:spcAft>
-                <a:spcPts val="0"/>
-              </a:spcAft>
-            </a:pPr>
-            <a:r>
-              <a:rPr lang="en-US" sz="750" b="1" dirty="0">
-                <a:latin typeface="Courier" charset="0"/>
-                <a:ea typeface="Courier" charset="0"/>
-                <a:cs typeface="Courier" charset="0"/>
-              </a:rPr>
-              <a:t>    +-+-+-+-+-+-+-+-+-+-+-+-+-+-+-+-+-+-+-+-+-+-+-+-+-+-+-+-+-+-+-+-+</a:t>
-            </a:r>
-          </a:p>
-          <a:p>
-            <a:pPr>
-              <a:spcAft>
-                <a:spcPts val="0"/>
-              </a:spcAft>
-            </a:pPr>
-            <a:r>
-              <a:rPr lang="en-US" sz="750" b="1" dirty="0">
-                <a:solidFill>
-                  <a:srgbClr val="0070C0"/>
-                </a:solidFill>
-                <a:latin typeface="Courier" charset="0"/>
-                <a:ea typeface="Courier" charset="0"/>
-                <a:cs typeface="Courier" charset="0"/>
-              </a:rPr>
-              <a:t>    |    Session ID Type            |           Length              |</a:t>
-            </a:r>
-          </a:p>
-          <a:p>
-            <a:pPr>
-              <a:spcAft>
-                <a:spcPts val="0"/>
-              </a:spcAft>
-            </a:pPr>
-            <a:r>
-              <a:rPr lang="en-US" sz="750" b="1" dirty="0">
-                <a:solidFill>
-                  <a:srgbClr val="0070C0"/>
-                </a:solidFill>
-                <a:latin typeface="Courier" charset="0"/>
-                <a:ea typeface="Courier" charset="0"/>
-                <a:cs typeface="Courier" charset="0"/>
-              </a:rPr>
-              <a:t>    +-+-+-+-+-+-+-+-+-+-+-+-+-+-+-+-+-+-+-+-+-+-+-+-+-+-+-+-+-+-+-+-+</a:t>
-            </a:r>
-          </a:p>
-          <a:p>
-            <a:pPr>
-              <a:spcAft>
-                <a:spcPts val="0"/>
-              </a:spcAft>
-            </a:pPr>
-            <a:r>
-              <a:rPr lang="en-US" sz="750" b="1" dirty="0">
-                <a:solidFill>
-                  <a:srgbClr val="0070C0"/>
-                </a:solidFill>
-                <a:latin typeface="Courier" charset="0"/>
-                <a:ea typeface="Courier" charset="0"/>
-                <a:cs typeface="Courier" charset="0"/>
-              </a:rPr>
-              <a:t>    |             Session ID                                        |</a:t>
-            </a:r>
-          </a:p>
-          <a:p>
-            <a:pPr>
-              <a:spcAft>
-                <a:spcPts val="0"/>
-              </a:spcAft>
-            </a:pPr>
-            <a:r>
-              <a:rPr lang="en-US" sz="750" b="1" dirty="0">
-                <a:solidFill>
-                  <a:srgbClr val="0070C0"/>
-                </a:solidFill>
-                <a:latin typeface="Courier" charset="0"/>
-                <a:ea typeface="Courier" charset="0"/>
-                <a:cs typeface="Courier" charset="0"/>
-              </a:rPr>
-              <a:t>    +-+-+-+-+-+-+-+-+-+-+-+-+-+-+-+-+-+-+-+-+-+-+-+-+-+-+-+-+-+-+-+-+</a:t>
-            </a:r>
-          </a:p>
-          <a:p>
-            <a:pPr>
-              <a:spcAft>
-                <a:spcPts val="0"/>
-              </a:spcAft>
-            </a:pPr>
-            <a:r>
-              <a:rPr lang="en-US" sz="750" b="1" dirty="0">
-                <a:solidFill>
-                  <a:srgbClr val="0070C0"/>
-                </a:solidFill>
-                <a:latin typeface="Courier" charset="0"/>
-                <a:ea typeface="Courier" charset="0"/>
-                <a:cs typeface="Courier" charset="0"/>
-              </a:rPr>
-              <a:t>	    </a:t>
-            </a:r>
-          </a:p>
-          <a:p>
-            <a:pPr>
-              <a:spcAft>
-                <a:spcPts val="0"/>
-              </a:spcAft>
-            </a:pPr>
-            <a:r>
-              <a:rPr lang="en-US" sz="750" b="1" dirty="0">
-                <a:latin typeface="Courier" charset="0"/>
-                <a:ea typeface="Courier" charset="0"/>
-                <a:cs typeface="Courier" charset="0"/>
-              </a:rPr>
-              <a:t>                  Figure: Reflector Message Format in STAMP</a:t>
-            </a:r>
-          </a:p>
-        </p:txBody>
-      </p:sp>
-      <p:sp>
-        <p:nvSpPr>
-          <p:cNvPr id="6" name="Footer Placeholder 3">
-            <a:extLst>
-              <a:ext uri="{FF2B5EF4-FFF2-40B4-BE49-F238E27FC236}">
-                <a16:creationId xmlns:a16="http://schemas.microsoft.com/office/drawing/2014/main" id="{DAAC01B7-F9FF-A94D-AC6F-E2071AD95C28}"/>
-              </a:ext>
-            </a:extLst>
-          </p:cNvPr>
-          <p:cNvSpPr txBox="1">
-            <a:spLocks/>
-          </p:cNvSpPr>
-          <p:nvPr/>
-        </p:nvSpPr>
-        <p:spPr>
-          <a:xfrm>
-            <a:off x="3467100" y="4844952"/>
-            <a:ext cx="2209800" cy="357188"/>
-          </a:xfrm>
-          <a:prstGeom prst="rect">
-            <a:avLst/>
-          </a:prstGeom>
-        </p:spPr>
-        <p:txBody>
-          <a:bodyPr/>
-          <a:lstStyle>
-            <a:defPPr>
-              <a:defRPr lang="zh-CN"/>
-            </a:defPPr>
-            <a:lvl1pPr algn="l" rtl="0" fontAlgn="base">
-              <a:spcBef>
-                <a:spcPct val="0"/>
-              </a:spcBef>
-              <a:spcAft>
-                <a:spcPct val="0"/>
-              </a:spcAft>
-              <a:defRPr kern="1200">
-                <a:solidFill>
-                  <a:schemeClr val="tx1"/>
-                </a:solidFill>
-                <a:latin typeface="Arial" charset="0"/>
-                <a:ea typeface="宋体" pitchFamily="2" charset="-122"/>
-                <a:cs typeface="+mn-cs"/>
-              </a:defRPr>
-            </a:lvl1pPr>
-            <a:lvl2pPr marL="457200" algn="l" rtl="0" fontAlgn="base">
-              <a:spcBef>
-                <a:spcPct val="0"/>
-              </a:spcBef>
-              <a:spcAft>
-                <a:spcPct val="0"/>
-              </a:spcAft>
-              <a:defRPr kern="1200">
-                <a:solidFill>
-                  <a:schemeClr val="tx1"/>
-                </a:solidFill>
-                <a:latin typeface="Arial" charset="0"/>
-                <a:ea typeface="宋体" pitchFamily="2" charset="-122"/>
-                <a:cs typeface="+mn-cs"/>
-              </a:defRPr>
-            </a:lvl2pPr>
-            <a:lvl3pPr marL="914400" algn="l" rtl="0" fontAlgn="base">
-              <a:spcBef>
-                <a:spcPct val="0"/>
-              </a:spcBef>
-              <a:spcAft>
-                <a:spcPct val="0"/>
-              </a:spcAft>
-              <a:defRPr kern="1200">
-                <a:solidFill>
-                  <a:schemeClr val="tx1"/>
-                </a:solidFill>
-                <a:latin typeface="Arial" charset="0"/>
-                <a:ea typeface="宋体" pitchFamily="2" charset="-122"/>
-                <a:cs typeface="+mn-cs"/>
-              </a:defRPr>
-            </a:lvl3pPr>
-            <a:lvl4pPr marL="1371600" algn="l" rtl="0" fontAlgn="base">
-              <a:spcBef>
-                <a:spcPct val="0"/>
-              </a:spcBef>
-              <a:spcAft>
-                <a:spcPct val="0"/>
-              </a:spcAft>
-              <a:defRPr kern="1200">
-                <a:solidFill>
-                  <a:schemeClr val="tx1"/>
-                </a:solidFill>
-                <a:latin typeface="Arial" charset="0"/>
-                <a:ea typeface="宋体" pitchFamily="2" charset="-122"/>
-                <a:cs typeface="+mn-cs"/>
-              </a:defRPr>
-            </a:lvl4pPr>
-            <a:lvl5pPr marL="1828800" algn="l" rtl="0" fontAlgn="base">
-              <a:spcBef>
-                <a:spcPct val="0"/>
-              </a:spcBef>
-              <a:spcAft>
-                <a:spcPct val="0"/>
-              </a:spcAft>
-              <a:defRPr kern="1200">
-                <a:solidFill>
-                  <a:schemeClr val="tx1"/>
-                </a:solidFill>
-                <a:latin typeface="Arial" charset="0"/>
-                <a:ea typeface="宋体" pitchFamily="2" charset="-122"/>
-                <a:cs typeface="+mn-cs"/>
-              </a:defRPr>
-            </a:lvl5pPr>
-            <a:lvl6pPr marL="2286000" algn="l" defTabSz="914400" rtl="0" eaLnBrk="1" latinLnBrk="0" hangingPunct="1">
-              <a:defRPr kern="1200">
-                <a:solidFill>
-                  <a:schemeClr val="tx1"/>
-                </a:solidFill>
-                <a:latin typeface="Arial" charset="0"/>
-                <a:ea typeface="宋体" pitchFamily="2" charset="-122"/>
-                <a:cs typeface="+mn-cs"/>
-              </a:defRPr>
-            </a:lvl6pPr>
-            <a:lvl7pPr marL="2743200" algn="l" defTabSz="914400" rtl="0" eaLnBrk="1" latinLnBrk="0" hangingPunct="1">
-              <a:defRPr kern="1200">
-                <a:solidFill>
-                  <a:schemeClr val="tx1"/>
-                </a:solidFill>
-                <a:latin typeface="Arial" charset="0"/>
-                <a:ea typeface="宋体" pitchFamily="2" charset="-122"/>
-                <a:cs typeface="+mn-cs"/>
-              </a:defRPr>
-            </a:lvl7pPr>
-            <a:lvl8pPr marL="3200400" algn="l" defTabSz="914400" rtl="0" eaLnBrk="1" latinLnBrk="0" hangingPunct="1">
-              <a:defRPr kern="1200">
-                <a:solidFill>
-                  <a:schemeClr val="tx1"/>
-                </a:solidFill>
-                <a:latin typeface="Arial" charset="0"/>
-                <a:ea typeface="宋体" pitchFamily="2" charset="-122"/>
-                <a:cs typeface="+mn-cs"/>
-              </a:defRPr>
-            </a:lvl8pPr>
-            <a:lvl9pPr marL="3657600" algn="l" defTabSz="914400" rtl="0" eaLnBrk="1" latinLnBrk="0" hangingPunct="1">
-              <a:defRPr kern="1200">
-                <a:solidFill>
-                  <a:schemeClr val="tx1"/>
-                </a:solidFill>
-                <a:latin typeface="Arial" charset="0"/>
-                <a:ea typeface="宋体" pitchFamily="2" charset="-122"/>
-                <a:cs typeface="+mn-cs"/>
-              </a:defRPr>
-            </a:lvl9pPr>
-          </a:lstStyle>
-          <a:p>
-            <a:pPr>
-              <a:defRPr/>
-            </a:pPr>
-            <a:r>
-              <a:rPr lang="en-US" altLang="zh-CN" sz="1200" dirty="0"/>
-              <a:t>107</a:t>
-            </a:r>
-            <a:r>
-              <a:rPr lang="en-US" altLang="zh-CN" sz="1200" baseline="30000" dirty="0"/>
-              <a:t>th</a:t>
-            </a:r>
-            <a:r>
-              <a:rPr lang="en-US" altLang="zh-CN" sz="1200" dirty="0"/>
-              <a:t> IETF @ Vancouver</a:t>
-            </a:r>
-          </a:p>
-        </p:txBody>
-      </p:sp>
-      <p:sp>
-        <p:nvSpPr>
-          <p:cNvPr id="7" name="Slide Number Placeholder 2">
-            <a:extLst>
-              <a:ext uri="{FF2B5EF4-FFF2-40B4-BE49-F238E27FC236}">
-                <a16:creationId xmlns:a16="http://schemas.microsoft.com/office/drawing/2014/main" id="{8D46899F-25E7-8042-9E81-459B5F041477}"/>
-              </a:ext>
-            </a:extLst>
-          </p:cNvPr>
-          <p:cNvSpPr txBox="1">
-            <a:spLocks/>
-          </p:cNvSpPr>
-          <p:nvPr/>
-        </p:nvSpPr>
-        <p:spPr>
-          <a:xfrm>
-            <a:off x="7585136" y="4666358"/>
-            <a:ext cx="1143000" cy="357188"/>
-          </a:xfrm>
-          <a:prstGeom prst="rect">
-            <a:avLst/>
-          </a:prstGeom>
-        </p:spPr>
-        <p:txBody>
-          <a:bodyPr/>
-          <a:lstStyle>
-            <a:defPPr>
-              <a:defRPr lang="zh-CN"/>
-            </a:defPPr>
-            <a:lvl1pPr algn="l" rtl="0" fontAlgn="base">
-              <a:spcBef>
-                <a:spcPct val="0"/>
-              </a:spcBef>
-              <a:spcAft>
-                <a:spcPct val="0"/>
-              </a:spcAft>
-              <a:defRPr kern="1200">
-                <a:solidFill>
-                  <a:schemeClr val="tx1"/>
-                </a:solidFill>
-                <a:latin typeface="Arial" charset="0"/>
-                <a:ea typeface="宋体" pitchFamily="2" charset="-122"/>
-                <a:cs typeface="+mn-cs"/>
-              </a:defRPr>
-            </a:lvl1pPr>
-            <a:lvl2pPr marL="457200" algn="l" rtl="0" fontAlgn="base">
-              <a:spcBef>
-                <a:spcPct val="0"/>
-              </a:spcBef>
-              <a:spcAft>
-                <a:spcPct val="0"/>
-              </a:spcAft>
-              <a:defRPr kern="1200">
-                <a:solidFill>
-                  <a:schemeClr val="tx1"/>
-                </a:solidFill>
-                <a:latin typeface="Arial" charset="0"/>
-                <a:ea typeface="宋体" pitchFamily="2" charset="-122"/>
-                <a:cs typeface="+mn-cs"/>
-              </a:defRPr>
-            </a:lvl2pPr>
-            <a:lvl3pPr marL="914400" algn="l" rtl="0" fontAlgn="base">
-              <a:spcBef>
-                <a:spcPct val="0"/>
-              </a:spcBef>
-              <a:spcAft>
-                <a:spcPct val="0"/>
-              </a:spcAft>
-              <a:defRPr kern="1200">
-                <a:solidFill>
-                  <a:schemeClr val="tx1"/>
-                </a:solidFill>
-                <a:latin typeface="Arial" charset="0"/>
-                <a:ea typeface="宋体" pitchFamily="2" charset="-122"/>
-                <a:cs typeface="+mn-cs"/>
-              </a:defRPr>
-            </a:lvl3pPr>
-            <a:lvl4pPr marL="1371600" algn="l" rtl="0" fontAlgn="base">
-              <a:spcBef>
-                <a:spcPct val="0"/>
-              </a:spcBef>
-              <a:spcAft>
-                <a:spcPct val="0"/>
-              </a:spcAft>
-              <a:defRPr kern="1200">
-                <a:solidFill>
-                  <a:schemeClr val="tx1"/>
-                </a:solidFill>
-                <a:latin typeface="Arial" charset="0"/>
-                <a:ea typeface="宋体" pitchFamily="2" charset="-122"/>
-                <a:cs typeface="+mn-cs"/>
-              </a:defRPr>
-            </a:lvl4pPr>
-            <a:lvl5pPr marL="1828800" algn="l" rtl="0" fontAlgn="base">
-              <a:spcBef>
-                <a:spcPct val="0"/>
-              </a:spcBef>
-              <a:spcAft>
-                <a:spcPct val="0"/>
-              </a:spcAft>
-              <a:defRPr kern="1200">
-                <a:solidFill>
-                  <a:schemeClr val="tx1"/>
-                </a:solidFill>
-                <a:latin typeface="Arial" charset="0"/>
-                <a:ea typeface="宋体" pitchFamily="2" charset="-122"/>
-                <a:cs typeface="+mn-cs"/>
-              </a:defRPr>
-            </a:lvl5pPr>
-            <a:lvl6pPr marL="2286000" algn="l" defTabSz="914400" rtl="0" eaLnBrk="1" latinLnBrk="0" hangingPunct="1">
-              <a:defRPr kern="1200">
-                <a:solidFill>
-                  <a:schemeClr val="tx1"/>
-                </a:solidFill>
-                <a:latin typeface="Arial" charset="0"/>
-                <a:ea typeface="宋体" pitchFamily="2" charset="-122"/>
-                <a:cs typeface="+mn-cs"/>
-              </a:defRPr>
-            </a:lvl6pPr>
-            <a:lvl7pPr marL="2743200" algn="l" defTabSz="914400" rtl="0" eaLnBrk="1" latinLnBrk="0" hangingPunct="1">
-              <a:defRPr kern="1200">
-                <a:solidFill>
-                  <a:schemeClr val="tx1"/>
-                </a:solidFill>
-                <a:latin typeface="Arial" charset="0"/>
-                <a:ea typeface="宋体" pitchFamily="2" charset="-122"/>
-                <a:cs typeface="+mn-cs"/>
-              </a:defRPr>
-            </a:lvl7pPr>
-            <a:lvl8pPr marL="3200400" algn="l" defTabSz="914400" rtl="0" eaLnBrk="1" latinLnBrk="0" hangingPunct="1">
-              <a:defRPr kern="1200">
-                <a:solidFill>
-                  <a:schemeClr val="tx1"/>
-                </a:solidFill>
-                <a:latin typeface="Arial" charset="0"/>
-                <a:ea typeface="宋体" pitchFamily="2" charset="-122"/>
-                <a:cs typeface="+mn-cs"/>
-              </a:defRPr>
-            </a:lvl8pPr>
-            <a:lvl9pPr marL="3657600" algn="l" defTabSz="914400" rtl="0" eaLnBrk="1" latinLnBrk="0" hangingPunct="1">
-              <a:defRPr kern="1200">
-                <a:solidFill>
-                  <a:schemeClr val="tx1"/>
-                </a:solidFill>
-                <a:latin typeface="Arial" charset="0"/>
-                <a:ea typeface="宋体" pitchFamily="2" charset="-122"/>
-                <a:cs typeface="+mn-cs"/>
-              </a:defRPr>
-            </a:lvl9pPr>
-          </a:lstStyle>
-          <a:p>
-            <a:pPr algn="r">
-              <a:defRPr/>
-            </a:pPr>
-            <a:fld id="{D5EE1D1A-EEC2-4D53-94A7-85D62C853479}" type="slidenum">
-              <a:rPr lang="en-US" altLang="zh-CN" sz="1400" smtClean="0">
-                <a:latin typeface="Calibri" panose="020F0502020204030204" pitchFamily="34" charset="0"/>
-                <a:cs typeface="Calibri" panose="020F0502020204030204" pitchFamily="34" charset="0"/>
-              </a:rPr>
-              <a:pPr algn="r">
-                <a:defRPr/>
-              </a:pPr>
-              <a:t>24</a:t>
-            </a:fld>
-            <a:endParaRPr lang="en-US" altLang="zh-CN" sz="1400" dirty="0">
-              <a:latin typeface="Calibri" panose="020F0502020204030204" pitchFamily="34" charset="0"/>
-              <a:cs typeface="Calibri" panose="020F0502020204030204" pitchFamily="34" charset="0"/>
-            </a:endParaRPr>
-          </a:p>
-        </p:txBody>
-      </p:sp>
-      <p:cxnSp>
-        <p:nvCxnSpPr>
-          <p:cNvPr id="4" name="Straight Connector 3">
-            <a:extLst>
-              <a:ext uri="{FF2B5EF4-FFF2-40B4-BE49-F238E27FC236}">
-                <a16:creationId xmlns:a16="http://schemas.microsoft.com/office/drawing/2014/main" id="{0B9B10AD-8D48-D148-91E8-65E3279D89CE}"/>
-              </a:ext>
-            </a:extLst>
-          </p:cNvPr>
-          <p:cNvCxnSpPr>
-            <a:cxnSpLocks/>
-          </p:cNvCxnSpPr>
-          <p:nvPr/>
-        </p:nvCxnSpPr>
-        <p:spPr>
-          <a:xfrm>
-            <a:off x="4595191" y="742950"/>
-            <a:ext cx="0" cy="3323987"/>
-          </a:xfrm>
-          <a:prstGeom prst="line">
-            <a:avLst/>
-          </a:prstGeom>
-          <a:ln>
-            <a:solidFill>
-              <a:schemeClr val="tx2"/>
-            </a:solidFill>
-          </a:ln>
-        </p:spPr>
-        <p:style>
-          <a:lnRef idx="1">
-            <a:schemeClr val="accent1"/>
-          </a:lnRef>
-          <a:fillRef idx="0">
-            <a:schemeClr val="accent1"/>
-          </a:fillRef>
-          <a:effectRef idx="0">
-            <a:schemeClr val="accent1"/>
-          </a:effectRef>
-          <a:fontRef idx="minor">
-            <a:schemeClr val="tx1"/>
-          </a:fontRef>
-        </p:style>
-      </p:cxnSp>
-      <p:sp>
-        <p:nvSpPr>
-          <p:cNvPr id="8" name="TextBox 7">
-            <a:extLst>
-              <a:ext uri="{FF2B5EF4-FFF2-40B4-BE49-F238E27FC236}">
-                <a16:creationId xmlns:a16="http://schemas.microsoft.com/office/drawing/2014/main" id="{212682EF-601E-234F-8491-527EBA21E3D2}"/>
-              </a:ext>
-            </a:extLst>
-          </p:cNvPr>
-          <p:cNvSpPr txBox="1"/>
-          <p:nvPr/>
-        </p:nvSpPr>
-        <p:spPr>
-          <a:xfrm>
-            <a:off x="479364" y="4225112"/>
-            <a:ext cx="5141151" cy="461665"/>
-          </a:xfrm>
-          <a:prstGeom prst="rect">
-            <a:avLst/>
-          </a:prstGeom>
-          <a:noFill/>
-        </p:spPr>
-        <p:txBody>
-          <a:bodyPr wrap="none" rtlCol="0">
-            <a:spAutoFit/>
-          </a:bodyPr>
-          <a:lstStyle/>
-          <a:p>
-            <a:pPr marL="285750" indent="-285750">
-              <a:buFont typeface="Wingdings" pitchFamily="2" charset="2"/>
-              <a:buChar char="ü"/>
-            </a:pPr>
-            <a:r>
-              <a:rPr lang="en-US" sz="1200" dirty="0">
-                <a:solidFill>
-                  <a:schemeClr val="tx2"/>
-                </a:solidFill>
-              </a:rPr>
-              <a:t>Control Code compatible with TWAMP Light message format</a:t>
-            </a:r>
-          </a:p>
-          <a:p>
-            <a:pPr marL="285750" indent="-285750">
-              <a:buFont typeface="Wingdings" pitchFamily="2" charset="2"/>
-              <a:buChar char="ü"/>
-            </a:pPr>
-            <a:r>
-              <a:rPr lang="en-US" sz="1200" dirty="0">
-                <a:solidFill>
-                  <a:schemeClr val="tx2"/>
-                </a:solidFill>
-              </a:rPr>
-              <a:t>Session ID is not needed for TWAMP Light, so this option is also fine</a:t>
-            </a:r>
-          </a:p>
-        </p:txBody>
-      </p:sp>
-    </p:spTree>
-    <p:extLst>
-      <p:ext uri="{BB962C8B-B14F-4D97-AF65-F5344CB8AC3E}">
-        <p14:creationId xmlns:p14="http://schemas.microsoft.com/office/powerpoint/2010/main" val="4265858747"/>
-      </p:ext>
-    </p:extLst>
-  </p:cSld>
-  <p:clrMapOvr>
-    <a:masterClrMapping/>
-  </p:clrMapOvr>
-  <p:transition spd="med">
-    <p:fade/>
-  </p:transition>
-</p:sld>
-</file>
-
-<file path=ppt/slides/slide25.xml><?xml version="1.0" encoding="utf-8"?>
-<p:sld xmlns:a="http://schemas.openxmlformats.org/drawingml/2006/main" xmlns:r="http://schemas.openxmlformats.org/officeDocument/2006/relationships" xmlns:p="http://schemas.openxmlformats.org/presentationml/2006/main">
-  <p:cSld>
-    <p:spTree>
-      <p:nvGrpSpPr>
-        <p:cNvPr id="1" name=""/>
-        <p:cNvGrpSpPr/>
-        <p:nvPr/>
-      </p:nvGrpSpPr>
-      <p:grpSpPr>
-        <a:xfrm>
-          <a:off x="0" y="0"/>
-          <a:ext cx="0" cy="0"/>
-          <a:chOff x="0" y="0"/>
-          <a:chExt cx="0" cy="0"/>
-        </a:xfrm>
-      </p:grpSpPr>
-      <p:sp>
-        <p:nvSpPr>
-          <p:cNvPr id="3" name="Title 2"/>
-          <p:cNvSpPr>
-            <a:spLocks noGrp="1"/>
-          </p:cNvSpPr>
-          <p:nvPr>
-            <p:ph type="title"/>
-          </p:nvPr>
-        </p:nvSpPr>
-        <p:spPr>
-          <a:xfrm>
-            <a:off x="304800" y="-39330"/>
-            <a:ext cx="8505372" cy="706080"/>
-          </a:xfrm>
-        </p:spPr>
-        <p:txBody>
-          <a:bodyPr/>
-          <a:lstStyle/>
-          <a:p>
-            <a:pPr algn="l"/>
-            <a:r>
-              <a:rPr lang="en-US" sz="2200" dirty="0">
-                <a:solidFill>
-                  <a:srgbClr val="0070C0"/>
-                </a:solidFill>
-                <a:latin typeface="Calibri Light" panose="020F0302020204030204" pitchFamily="34" charset="0"/>
-                <a:cs typeface="Calibri Light" panose="020F0302020204030204" pitchFamily="34" charset="0"/>
-              </a:rPr>
-              <a:t>Option 4: 16-bit Session ID</a:t>
-            </a:r>
-          </a:p>
-        </p:txBody>
-      </p:sp>
-      <p:sp>
-        <p:nvSpPr>
-          <p:cNvPr id="5" name="Rectangle 4"/>
-          <p:cNvSpPr/>
-          <p:nvPr/>
-        </p:nvSpPr>
-        <p:spPr>
-          <a:xfrm>
-            <a:off x="228615" y="619363"/>
-            <a:ext cx="4310728" cy="3323987"/>
-          </a:xfrm>
-          <a:prstGeom prst="rect">
-            <a:avLst/>
-          </a:prstGeom>
-          <a:solidFill>
-            <a:schemeClr val="accent6">
-              <a:lumMod val="20000"/>
-              <a:lumOff val="80000"/>
-            </a:schemeClr>
-          </a:solidFill>
-        </p:spPr>
-        <p:txBody>
-          <a:bodyPr wrap="square">
-            <a:spAutoFit/>
-          </a:bodyPr>
-          <a:lstStyle/>
-          <a:p>
-            <a:pPr>
-              <a:spcAft>
-                <a:spcPts val="0"/>
-              </a:spcAft>
-            </a:pPr>
-            <a:r>
-              <a:rPr lang="en-US" sz="750" b="1" dirty="0">
-                <a:latin typeface="Courier" charset="0"/>
-                <a:ea typeface="Courier" charset="0"/>
-                <a:cs typeface="Courier" charset="0"/>
-              </a:rPr>
-              <a:t>       0                   1                   2                   3</a:t>
-            </a:r>
-          </a:p>
-          <a:p>
-            <a:pPr>
-              <a:spcAft>
-                <a:spcPts val="0"/>
-              </a:spcAft>
-            </a:pPr>
-            <a:r>
-              <a:rPr lang="en-US" sz="750" b="1" dirty="0">
-                <a:latin typeface="Courier" charset="0"/>
-                <a:ea typeface="Courier" charset="0"/>
-                <a:cs typeface="Courier" charset="0"/>
-              </a:rPr>
-              <a:t>       0 1 2 3 4 5 6 7 8 9 0 1 2 3 4 5 6 7 8 9 0 1 2 3 4 5 6 7 8 9 0 1</a:t>
-            </a:r>
-          </a:p>
-          <a:p>
-            <a:pPr>
-              <a:spcAft>
-                <a:spcPts val="0"/>
-              </a:spcAft>
-            </a:pPr>
-            <a:r>
-              <a:rPr lang="en-US" sz="750" b="1" dirty="0">
-                <a:latin typeface="Courier" charset="0"/>
-                <a:ea typeface="Courier" charset="0"/>
-                <a:cs typeface="Courier" charset="0"/>
-              </a:rPr>
-              <a:t>      +-+-+-+-+-+-+-+-+-+-+-+-+-+-+-+-+-+-+-+-+-+-+-+-+-+-+-+-+-+-+-+-+</a:t>
-            </a:r>
-          </a:p>
-          <a:p>
-            <a:pPr>
-              <a:spcAft>
-                <a:spcPts val="0"/>
-              </a:spcAft>
-            </a:pPr>
-            <a:r>
-              <a:rPr lang="en-US" sz="750" b="1" dirty="0">
-                <a:latin typeface="Courier" charset="0"/>
-                <a:ea typeface="Courier" charset="0"/>
-                <a:cs typeface="Courier" charset="0"/>
-              </a:rPr>
-              <a:t>      |                        Sequence Number                        |</a:t>
-            </a:r>
-          </a:p>
-          <a:p>
-            <a:pPr>
-              <a:spcAft>
-                <a:spcPts val="0"/>
-              </a:spcAft>
-            </a:pPr>
-            <a:r>
-              <a:rPr lang="en-US" sz="750" b="1" dirty="0">
-                <a:latin typeface="Courier" charset="0"/>
-                <a:ea typeface="Courier" charset="0"/>
-                <a:cs typeface="Courier" charset="0"/>
-              </a:rPr>
-              <a:t>      +-+-+-+-+-+-+-+-+-+-+-+-+-+-+-+-+-+-+-+-+-+-+-+-+-+-+-+-+-+-+-+-+</a:t>
-            </a:r>
-          </a:p>
-          <a:p>
-            <a:pPr>
-              <a:spcAft>
-                <a:spcPts val="0"/>
-              </a:spcAft>
-            </a:pPr>
-            <a:r>
-              <a:rPr lang="en-US" sz="750" b="1" dirty="0">
-                <a:latin typeface="Courier" charset="0"/>
-                <a:ea typeface="Courier" charset="0"/>
-                <a:cs typeface="Courier" charset="0"/>
-              </a:rPr>
-              <a:t>      |                          Timestamp                            |</a:t>
-            </a:r>
-          </a:p>
-          <a:p>
-            <a:pPr>
-              <a:spcAft>
-                <a:spcPts val="0"/>
-              </a:spcAft>
-            </a:pPr>
-            <a:r>
-              <a:rPr lang="en-US" sz="750" b="1" dirty="0">
-                <a:latin typeface="Courier" charset="0"/>
-                <a:ea typeface="Courier" charset="0"/>
-                <a:cs typeface="Courier" charset="0"/>
-              </a:rPr>
-              <a:t>      |                                                               |</a:t>
-            </a:r>
-          </a:p>
-          <a:p>
-            <a:pPr>
-              <a:spcAft>
-                <a:spcPts val="0"/>
-              </a:spcAft>
-            </a:pPr>
-            <a:r>
-              <a:rPr lang="en-US" sz="750" b="1" dirty="0">
-                <a:latin typeface="Courier" charset="0"/>
-                <a:ea typeface="Courier" charset="0"/>
-                <a:cs typeface="Courier" charset="0"/>
-              </a:rPr>
-              <a:t>      +-+-+-+-+-+-+-+-+-+-+-+-+-+-+-+-+-+-+-+-+-+-+-+-+-+-+-+-+-+-+-+-+</a:t>
-            </a:r>
-          </a:p>
-          <a:p>
-            <a:pPr>
-              <a:spcAft>
-                <a:spcPts val="0"/>
-              </a:spcAft>
-            </a:pPr>
-            <a:r>
-              <a:rPr lang="en-US" sz="750" b="1" dirty="0">
-                <a:latin typeface="Courier" charset="0"/>
-                <a:ea typeface="Courier" charset="0"/>
-                <a:cs typeface="Courier" charset="0"/>
-              </a:rPr>
-              <a:t>      |         Error Estimate        |    </a:t>
-            </a:r>
-            <a:r>
-              <a:rPr lang="en-US" sz="750" b="1" dirty="0">
-                <a:solidFill>
-                  <a:srgbClr val="0070C0"/>
-                </a:solidFill>
-                <a:latin typeface="Courier" charset="0"/>
-                <a:ea typeface="Courier" charset="0"/>
-                <a:cs typeface="Courier" charset="0"/>
-              </a:rPr>
-              <a:t>Session ID                 </a:t>
-            </a:r>
-            <a:r>
-              <a:rPr lang="en-US" sz="750" b="1" dirty="0">
-                <a:latin typeface="Courier" charset="0"/>
-                <a:ea typeface="Courier" charset="0"/>
-                <a:cs typeface="Courier" charset="0"/>
-              </a:rPr>
-              <a:t>|</a:t>
-            </a:r>
-          </a:p>
-          <a:p>
-            <a:pPr>
-              <a:spcAft>
-                <a:spcPts val="0"/>
-              </a:spcAft>
-            </a:pPr>
-            <a:r>
-              <a:rPr lang="en-US" sz="750" b="1" dirty="0">
-                <a:latin typeface="Courier" charset="0"/>
-                <a:ea typeface="Courier" charset="0"/>
-                <a:cs typeface="Courier" charset="0"/>
-              </a:rPr>
-              <a:t>      +-+-+-+-+-+-+-+-+-+-+-+-+-+-+-+-+-+-+-+-+-+-+-+-+-+-+-+-+-+-+-+-+</a:t>
-            </a:r>
-          </a:p>
-          <a:p>
-            <a:pPr>
-              <a:spcAft>
-                <a:spcPts val="0"/>
-              </a:spcAft>
-            </a:pPr>
-            <a:r>
-              <a:rPr lang="en-US" sz="750" b="1" dirty="0">
-                <a:latin typeface="Courier" charset="0"/>
-                <a:ea typeface="Courier" charset="0"/>
-                <a:cs typeface="Courier" charset="0"/>
-              </a:rPr>
-              <a:t>      |                                                               |</a:t>
-            </a:r>
-          </a:p>
-          <a:p>
-            <a:pPr>
-              <a:spcAft>
-                <a:spcPts val="0"/>
-              </a:spcAft>
-            </a:pPr>
-            <a:r>
-              <a:rPr lang="en-US" sz="750" b="1" dirty="0">
-                <a:latin typeface="Courier" charset="0"/>
-                <a:ea typeface="Courier" charset="0"/>
-                <a:cs typeface="Courier" charset="0"/>
-              </a:rPr>
-              <a:t>      |                                                               |</a:t>
-            </a:r>
-          </a:p>
-          <a:p>
-            <a:pPr>
-              <a:spcAft>
-                <a:spcPts val="0"/>
-              </a:spcAft>
-            </a:pPr>
-            <a:r>
-              <a:rPr lang="en-US" sz="750" b="1" dirty="0">
-                <a:latin typeface="Courier" charset="0"/>
-                <a:ea typeface="Courier" charset="0"/>
-                <a:cs typeface="Courier" charset="0"/>
-              </a:rPr>
-              <a:t>      +                                                               +</a:t>
-            </a:r>
-          </a:p>
-          <a:p>
-            <a:pPr>
-              <a:spcAft>
-                <a:spcPts val="0"/>
-              </a:spcAft>
-            </a:pPr>
-            <a:r>
-              <a:rPr lang="en-US" sz="750" b="1" dirty="0">
-                <a:latin typeface="Courier" charset="0"/>
-                <a:ea typeface="Courier" charset="0"/>
-                <a:cs typeface="Courier" charset="0"/>
-              </a:rPr>
-              <a:t>      |                         MBZ (28 octets)                       |</a:t>
-            </a:r>
-          </a:p>
-          <a:p>
-            <a:pPr>
-              <a:spcAft>
-                <a:spcPts val="0"/>
-              </a:spcAft>
-            </a:pPr>
-            <a:r>
-              <a:rPr lang="en-US" sz="750" b="1" dirty="0">
-                <a:latin typeface="Courier" charset="0"/>
-                <a:ea typeface="Courier" charset="0"/>
-                <a:cs typeface="Courier" charset="0"/>
-              </a:rPr>
-              <a:t>      +                                                               +</a:t>
-            </a:r>
-          </a:p>
-          <a:p>
-            <a:pPr>
-              <a:spcAft>
-                <a:spcPts val="0"/>
-              </a:spcAft>
-            </a:pPr>
-            <a:r>
-              <a:rPr lang="en-US" sz="750" b="1" dirty="0">
-                <a:latin typeface="Courier" charset="0"/>
-                <a:ea typeface="Courier" charset="0"/>
-                <a:cs typeface="Courier" charset="0"/>
-              </a:rPr>
-              <a:t>      |                                                               |</a:t>
-            </a:r>
-          </a:p>
-          <a:p>
-            <a:pPr>
-              <a:spcAft>
-                <a:spcPts val="0"/>
-              </a:spcAft>
-            </a:pPr>
-            <a:r>
-              <a:rPr lang="en-US" sz="750" b="1" dirty="0">
-                <a:latin typeface="Courier" charset="0"/>
-                <a:ea typeface="Courier" charset="0"/>
-                <a:cs typeface="Courier" charset="0"/>
-              </a:rPr>
-              <a:t>      |                                                               |</a:t>
-            </a:r>
-          </a:p>
-          <a:p>
-            <a:pPr>
-              <a:spcAft>
-                <a:spcPts val="0"/>
-              </a:spcAft>
-            </a:pPr>
-            <a:r>
-              <a:rPr lang="en-US" sz="750" b="1" dirty="0">
-                <a:latin typeface="Courier" charset="0"/>
-                <a:ea typeface="Courier" charset="0"/>
-                <a:cs typeface="Courier" charset="0"/>
-              </a:rPr>
-              <a:t>      +                                                               +</a:t>
-            </a:r>
-          </a:p>
-          <a:p>
-            <a:pPr>
-              <a:spcAft>
-                <a:spcPts val="0"/>
-              </a:spcAft>
-            </a:pPr>
-            <a:r>
-              <a:rPr lang="en-US" sz="750" b="1" dirty="0">
-                <a:latin typeface="Courier" charset="0"/>
-                <a:ea typeface="Courier" charset="0"/>
-                <a:cs typeface="Courier" charset="0"/>
-              </a:rPr>
-              <a:t>      |                                                               |</a:t>
-            </a:r>
-          </a:p>
-          <a:p>
-            <a:pPr>
-              <a:spcAft>
-                <a:spcPts val="0"/>
-              </a:spcAft>
-            </a:pPr>
-            <a:r>
-              <a:rPr lang="en-US" sz="750" b="1" dirty="0">
-                <a:latin typeface="Courier" charset="0"/>
-                <a:ea typeface="Courier" charset="0"/>
-                <a:cs typeface="Courier" charset="0"/>
-              </a:rPr>
-              <a:t>      +                                                               +</a:t>
-            </a:r>
-          </a:p>
-          <a:p>
-            <a:pPr>
-              <a:spcAft>
-                <a:spcPts val="0"/>
-              </a:spcAft>
-            </a:pPr>
-            <a:r>
-              <a:rPr lang="en-US" sz="750" b="1" dirty="0">
-                <a:latin typeface="Courier" charset="0"/>
-                <a:ea typeface="Courier" charset="0"/>
-                <a:cs typeface="Courier" charset="0"/>
-              </a:rPr>
-              <a:t>      |                                                               |</a:t>
-            </a:r>
-          </a:p>
-          <a:p>
-            <a:pPr>
-              <a:spcAft>
-                <a:spcPts val="0"/>
-              </a:spcAft>
-            </a:pPr>
-            <a:r>
-              <a:rPr lang="en-US" sz="750" b="1" dirty="0">
-                <a:latin typeface="Courier" charset="0"/>
-                <a:ea typeface="Courier" charset="0"/>
-                <a:cs typeface="Courier" charset="0"/>
-              </a:rPr>
-              <a:t>      +-+-+-+-+-+-+-+-+-+-+-+-+-+-+-+-+-+-+-+-+-+-+-+-+-+-+-+-+-+-+-+-+</a:t>
-            </a:r>
-          </a:p>
-          <a:p>
-            <a:pPr>
-              <a:spcAft>
-                <a:spcPts val="0"/>
-              </a:spcAft>
-            </a:pPr>
-            <a:r>
-              <a:rPr lang="en-US" sz="750" b="1" dirty="0">
-                <a:solidFill>
-                  <a:srgbClr val="0070C0"/>
-                </a:solidFill>
-                <a:latin typeface="Courier" charset="0"/>
-                <a:ea typeface="Courier" charset="0"/>
-                <a:cs typeface="Courier" charset="0"/>
-              </a:rPr>
-              <a:t>      |    Control Code Type          |           Length              |</a:t>
-            </a:r>
-          </a:p>
-          <a:p>
-            <a:pPr>
-              <a:spcAft>
-                <a:spcPts val="0"/>
-              </a:spcAft>
-            </a:pPr>
-            <a:r>
-              <a:rPr lang="en-US" sz="750" b="1" dirty="0">
-                <a:solidFill>
-                  <a:srgbClr val="0070C0"/>
-                </a:solidFill>
-                <a:latin typeface="Courier" charset="0"/>
-                <a:ea typeface="Courier" charset="0"/>
-                <a:cs typeface="Courier" charset="0"/>
-              </a:rPr>
-              <a:t>      +-+-+-+-+-+-+-+-+-+-+-+-+-+-+-+-+-+-+-+-+-+-+-+-+-+-+-+-+-+-+-+-+</a:t>
-            </a:r>
-          </a:p>
-          <a:p>
-            <a:pPr>
-              <a:spcAft>
-                <a:spcPts val="0"/>
-              </a:spcAft>
-            </a:pPr>
-            <a:r>
-              <a:rPr lang="en-US" sz="750" b="1" dirty="0">
-                <a:solidFill>
-                  <a:srgbClr val="0070C0"/>
-                </a:solidFill>
-                <a:latin typeface="Courier" charset="0"/>
-                <a:ea typeface="Courier" charset="0"/>
-                <a:cs typeface="Courier" charset="0"/>
-              </a:rPr>
-              <a:t>      |             Control Code                                      |</a:t>
-            </a:r>
-          </a:p>
-          <a:p>
-            <a:pPr>
-              <a:spcAft>
-                <a:spcPts val="0"/>
-              </a:spcAft>
-            </a:pPr>
-            <a:r>
-              <a:rPr lang="en-US" sz="750" b="1" dirty="0">
-                <a:solidFill>
-                  <a:srgbClr val="0070C0"/>
-                </a:solidFill>
-                <a:latin typeface="Courier" charset="0"/>
-                <a:ea typeface="Courier" charset="0"/>
-                <a:cs typeface="Courier" charset="0"/>
-              </a:rPr>
-              <a:t>      +-+-+-+-+-+-+-+-+-+-+-+-+-+-+-+-+-+-+-+-+-+-+-+-+-+-+-+-+-+-+-+-+</a:t>
-            </a:r>
-          </a:p>
-          <a:p>
-            <a:pPr>
-              <a:spcAft>
-                <a:spcPts val="0"/>
-              </a:spcAft>
-            </a:pPr>
-            <a:endParaRPr lang="en-US" sz="750" b="1" dirty="0">
-              <a:latin typeface="Courier" charset="0"/>
-              <a:ea typeface="Courier" charset="0"/>
-              <a:cs typeface="Courier" charset="0"/>
-            </a:endParaRPr>
-          </a:p>
-          <a:p>
-            <a:pPr>
-              <a:spcAft>
-                <a:spcPts val="0"/>
-              </a:spcAft>
-            </a:pPr>
-            <a:r>
-              <a:rPr lang="en-US" sz="750" b="1" dirty="0">
-                <a:latin typeface="Courier" charset="0"/>
-                <a:ea typeface="Courier" charset="0"/>
-                <a:cs typeface="Courier" charset="0"/>
-              </a:rPr>
-              <a:t>	    Figure: Sender Message Format in STAMP</a:t>
-            </a:r>
-          </a:p>
-        </p:txBody>
-      </p:sp>
-      <p:sp>
-        <p:nvSpPr>
-          <p:cNvPr id="14" name="Rectangle 13">
-            <a:extLst>
-              <a:ext uri="{FF2B5EF4-FFF2-40B4-BE49-F238E27FC236}">
-                <a16:creationId xmlns:a16="http://schemas.microsoft.com/office/drawing/2014/main" id="{5F9D9D1B-92A3-C64D-87B1-9B0B9C9E3A13}"/>
-              </a:ext>
-            </a:extLst>
-          </p:cNvPr>
-          <p:cNvSpPr/>
-          <p:nvPr/>
-        </p:nvSpPr>
-        <p:spPr>
-          <a:xfrm>
-            <a:off x="4495800" y="619363"/>
-            <a:ext cx="4368799" cy="3323987"/>
-          </a:xfrm>
-          <a:prstGeom prst="rect">
-            <a:avLst/>
-          </a:prstGeom>
-          <a:solidFill>
-            <a:schemeClr val="accent6">
-              <a:lumMod val="20000"/>
-              <a:lumOff val="80000"/>
-            </a:schemeClr>
-          </a:solidFill>
-        </p:spPr>
-        <p:txBody>
-          <a:bodyPr wrap="square">
-            <a:spAutoFit/>
-          </a:bodyPr>
-          <a:lstStyle/>
-          <a:p>
-            <a:pPr>
-              <a:spcAft>
-                <a:spcPts val="0"/>
-              </a:spcAft>
-            </a:pPr>
-            <a:r>
-              <a:rPr lang="en-US" sz="750" b="1" dirty="0">
-                <a:latin typeface="Courier" charset="0"/>
-                <a:ea typeface="Courier" charset="0"/>
-                <a:cs typeface="Courier" charset="0"/>
-              </a:rPr>
-              <a:t>     0                   1                   2                   3</a:t>
-            </a:r>
-          </a:p>
-          <a:p>
-            <a:pPr>
-              <a:spcAft>
-                <a:spcPts val="0"/>
-              </a:spcAft>
-            </a:pPr>
-            <a:r>
-              <a:rPr lang="en-US" sz="750" b="1" dirty="0">
-                <a:latin typeface="Courier" charset="0"/>
-                <a:ea typeface="Courier" charset="0"/>
-                <a:cs typeface="Courier" charset="0"/>
-              </a:rPr>
-              <a:t>     0 1 2 3 4 5 6 7 8 9 0 1 2 3 4 5 6 7 8 9 0 1 2 3 4 5 6 7 8 9 0 1</a:t>
-            </a:r>
-          </a:p>
-          <a:p>
-            <a:pPr>
-              <a:spcAft>
-                <a:spcPts val="0"/>
-              </a:spcAft>
-            </a:pPr>
-            <a:r>
-              <a:rPr lang="en-US" sz="750" b="1" dirty="0">
-                <a:latin typeface="Courier" charset="0"/>
-                <a:ea typeface="Courier" charset="0"/>
-                <a:cs typeface="Courier" charset="0"/>
-              </a:rPr>
-              <a:t>    +-+-+-+-+-+-+-+-+-+-+-+-+-+-+-+-+-+-+-+-+-+-+-+-+-+-+-+-+-+-+-+-+</a:t>
-            </a:r>
-          </a:p>
-          <a:p>
-            <a:pPr>
-              <a:spcAft>
-                <a:spcPts val="0"/>
-              </a:spcAft>
-            </a:pPr>
-            <a:r>
-              <a:rPr lang="en-US" sz="750" b="1" dirty="0">
-                <a:latin typeface="Courier" charset="0"/>
-                <a:ea typeface="Courier" charset="0"/>
-                <a:cs typeface="Courier" charset="0"/>
-              </a:rPr>
-              <a:t>    |                        Sequence Number                        |</a:t>
-            </a:r>
-          </a:p>
-          <a:p>
-            <a:pPr>
-              <a:spcAft>
-                <a:spcPts val="0"/>
-              </a:spcAft>
-            </a:pPr>
-            <a:r>
-              <a:rPr lang="en-US" sz="750" b="1" dirty="0">
-                <a:latin typeface="Courier" charset="0"/>
-                <a:ea typeface="Courier" charset="0"/>
-                <a:cs typeface="Courier" charset="0"/>
-              </a:rPr>
-              <a:t>    +-+-+-+-+-+-+-+-+-+-+-+-+-+-+-+-+-+-+-+-+-+-+-+-+-+-+-+-+-+-+-+-+</a:t>
-            </a:r>
-          </a:p>
-          <a:p>
-            <a:pPr>
-              <a:spcAft>
-                <a:spcPts val="0"/>
-              </a:spcAft>
-            </a:pPr>
-            <a:r>
-              <a:rPr lang="en-US" sz="750" b="1" dirty="0">
-                <a:latin typeface="Courier" charset="0"/>
-                <a:ea typeface="Courier" charset="0"/>
-                <a:cs typeface="Courier" charset="0"/>
-              </a:rPr>
-              <a:t>    |                          Timestamp                            |</a:t>
-            </a:r>
-          </a:p>
-          <a:p>
-            <a:pPr>
-              <a:spcAft>
-                <a:spcPts val="0"/>
-              </a:spcAft>
-            </a:pPr>
-            <a:r>
-              <a:rPr lang="en-US" sz="750" b="1" dirty="0">
-                <a:latin typeface="Courier" charset="0"/>
-                <a:ea typeface="Courier" charset="0"/>
-                <a:cs typeface="Courier" charset="0"/>
-              </a:rPr>
-              <a:t>    |                                                               |</a:t>
-            </a:r>
-          </a:p>
-          <a:p>
-            <a:pPr>
-              <a:spcAft>
-                <a:spcPts val="0"/>
-              </a:spcAft>
-            </a:pPr>
-            <a:r>
-              <a:rPr lang="en-US" sz="750" b="1" dirty="0">
-                <a:latin typeface="Courier" charset="0"/>
-                <a:ea typeface="Courier" charset="0"/>
-                <a:cs typeface="Courier" charset="0"/>
-              </a:rPr>
-              <a:t>    +-+-+-+-+-+-+-+-+-+-+-+-+-+-+-+-+-+-+-+-+-+-+-+-+-+-+-+-+-+-+-+-+</a:t>
-            </a:r>
-          </a:p>
-          <a:p>
-            <a:pPr>
-              <a:spcAft>
-                <a:spcPts val="0"/>
-              </a:spcAft>
-            </a:pPr>
-            <a:r>
-              <a:rPr lang="en-US" sz="750" b="1" dirty="0">
-                <a:latin typeface="Courier" charset="0"/>
-                <a:ea typeface="Courier" charset="0"/>
-                <a:cs typeface="Courier" charset="0"/>
-              </a:rPr>
-              <a:t>    |         Error Estimate        |   </a:t>
-            </a:r>
-            <a:r>
-              <a:rPr lang="en-US" sz="750" b="1" dirty="0">
-                <a:solidFill>
-                  <a:srgbClr val="0070C0"/>
-                </a:solidFill>
-                <a:latin typeface="Courier" charset="0"/>
-                <a:ea typeface="Courier" charset="0"/>
-                <a:cs typeface="Courier" charset="0"/>
-              </a:rPr>
-              <a:t>Session ID                  </a:t>
-            </a:r>
-            <a:r>
-              <a:rPr lang="en-US" sz="750" b="1" dirty="0">
-                <a:latin typeface="Courier" charset="0"/>
-                <a:ea typeface="Courier" charset="0"/>
-                <a:cs typeface="Courier" charset="0"/>
-              </a:rPr>
-              <a:t>|    </a:t>
-            </a:r>
-          </a:p>
-          <a:p>
-            <a:pPr>
-              <a:spcAft>
-                <a:spcPts val="0"/>
-              </a:spcAft>
-            </a:pPr>
-            <a:r>
-              <a:rPr lang="en-US" sz="750" b="1" dirty="0">
-                <a:latin typeface="Courier" charset="0"/>
-                <a:ea typeface="Courier" charset="0"/>
-                <a:cs typeface="Courier" charset="0"/>
-              </a:rPr>
-              <a:t>    +-+-+-+-+-+-+-+-+-+-+-+-+-+-+-+-+-+-+-+-+-+-+-+-+-+-+-+-+-+-+-+-+</a:t>
-            </a:r>
-          </a:p>
-          <a:p>
-            <a:pPr>
-              <a:spcAft>
-                <a:spcPts val="0"/>
-              </a:spcAft>
-            </a:pPr>
-            <a:r>
-              <a:rPr lang="en-US" sz="750" b="1" dirty="0">
-                <a:latin typeface="Courier" charset="0"/>
-                <a:ea typeface="Courier" charset="0"/>
-                <a:cs typeface="Courier" charset="0"/>
-              </a:rPr>
-              <a:t>    |                          Receive Timestamp                    |</a:t>
-            </a:r>
-          </a:p>
-          <a:p>
-            <a:pPr>
-              <a:spcAft>
-                <a:spcPts val="0"/>
-              </a:spcAft>
-            </a:pPr>
-            <a:r>
-              <a:rPr lang="en-US" sz="750" b="1" dirty="0">
-                <a:latin typeface="Courier" charset="0"/>
-                <a:ea typeface="Courier" charset="0"/>
-                <a:cs typeface="Courier" charset="0"/>
-              </a:rPr>
-              <a:t>    |                                                               |</a:t>
-            </a:r>
-          </a:p>
-          <a:p>
-            <a:pPr>
-              <a:spcAft>
-                <a:spcPts val="0"/>
-              </a:spcAft>
-            </a:pPr>
-            <a:r>
-              <a:rPr lang="en-US" sz="750" b="1" dirty="0">
-                <a:latin typeface="Courier" charset="0"/>
-                <a:ea typeface="Courier" charset="0"/>
-                <a:cs typeface="Courier" charset="0"/>
-              </a:rPr>
-              <a:t>    +-+-+-+-+-+-+-+-+-+-+-+-+-+-+-+-+-+-+-+-+-+-+-+-+-+-+-+-+-+-+-+-+</a:t>
-            </a:r>
-          </a:p>
-          <a:p>
-            <a:pPr>
-              <a:spcAft>
-                <a:spcPts val="0"/>
-              </a:spcAft>
-            </a:pPr>
-            <a:r>
-              <a:rPr lang="en-US" sz="750" b="1" dirty="0">
-                <a:latin typeface="Courier" charset="0"/>
-                <a:ea typeface="Courier" charset="0"/>
-                <a:cs typeface="Courier" charset="0"/>
-              </a:rPr>
-              <a:t>    |                 Session-Sender Sequence Number                |</a:t>
-            </a:r>
-          </a:p>
-          <a:p>
-            <a:pPr>
-              <a:spcAft>
-                <a:spcPts val="0"/>
-              </a:spcAft>
-            </a:pPr>
-            <a:r>
-              <a:rPr lang="en-US" sz="750" b="1" dirty="0">
-                <a:latin typeface="Courier" charset="0"/>
-                <a:ea typeface="Courier" charset="0"/>
-                <a:cs typeface="Courier" charset="0"/>
-              </a:rPr>
-              <a:t>    +-+-+-+-+-+-+-+-+-+-+-+-+-+-+-+-+-+-+-+-+-+-+-+-+-+-+-+-+-+-+-+-+</a:t>
-            </a:r>
-          </a:p>
-          <a:p>
-            <a:pPr>
-              <a:spcAft>
-                <a:spcPts val="0"/>
-              </a:spcAft>
-            </a:pPr>
-            <a:r>
-              <a:rPr lang="en-US" sz="750" b="1" dirty="0">
-                <a:latin typeface="Courier" charset="0"/>
-                <a:ea typeface="Courier" charset="0"/>
-                <a:cs typeface="Courier" charset="0"/>
-              </a:rPr>
-              <a:t>    |                  Session-Sender Timestamp                     |</a:t>
-            </a:r>
-          </a:p>
-          <a:p>
-            <a:pPr>
-              <a:spcAft>
-                <a:spcPts val="0"/>
-              </a:spcAft>
-            </a:pPr>
-            <a:r>
-              <a:rPr lang="en-US" sz="750" b="1" dirty="0">
-                <a:latin typeface="Courier" charset="0"/>
-                <a:ea typeface="Courier" charset="0"/>
-                <a:cs typeface="Courier" charset="0"/>
-              </a:rPr>
-              <a:t>    |                                                               |</a:t>
-            </a:r>
-          </a:p>
-          <a:p>
-            <a:pPr>
-              <a:spcAft>
-                <a:spcPts val="0"/>
-              </a:spcAft>
-            </a:pPr>
-            <a:r>
-              <a:rPr lang="en-US" sz="750" b="1" dirty="0">
-                <a:latin typeface="Courier" charset="0"/>
-                <a:ea typeface="Courier" charset="0"/>
-                <a:cs typeface="Courier" charset="0"/>
-              </a:rPr>
-              <a:t>    +-+-+-+-+-+-+-+-+-+-+-+-+-+-+-+-+-+-+-+-+-+-+-+-+-+-+-+-+-+-+-+-+</a:t>
-            </a:r>
-          </a:p>
-          <a:p>
-            <a:pPr>
-              <a:spcAft>
-                <a:spcPts val="0"/>
-              </a:spcAft>
-            </a:pPr>
-            <a:r>
-              <a:rPr lang="en-US" sz="750" b="1" dirty="0">
-                <a:latin typeface="Courier" charset="0"/>
-                <a:ea typeface="Courier" charset="0"/>
-                <a:cs typeface="Courier" charset="0"/>
-              </a:rPr>
-              <a:t>    | Session-Sender Error Estimate |           MBZ                 |</a:t>
-            </a:r>
-          </a:p>
-          <a:p>
-            <a:pPr>
-              <a:spcAft>
-                <a:spcPts val="0"/>
-              </a:spcAft>
-            </a:pPr>
-            <a:r>
-              <a:rPr lang="en-US" sz="750" b="1" dirty="0">
-                <a:latin typeface="Courier" charset="0"/>
-                <a:ea typeface="Courier" charset="0"/>
-                <a:cs typeface="Courier" charset="0"/>
-              </a:rPr>
-              <a:t>    +-+-+-+-+-+-+-+-+-+-+-+-+-+-+-+-+-+-+-+-+-+-+-+-+-+-+-+-+-+-+-+-+</a:t>
-            </a:r>
-          </a:p>
-          <a:p>
-            <a:pPr>
-              <a:spcAft>
-                <a:spcPts val="0"/>
-              </a:spcAft>
-            </a:pPr>
-            <a:r>
-              <a:rPr lang="en-US" sz="750" b="1" dirty="0">
-                <a:latin typeface="Courier" charset="0"/>
-                <a:ea typeface="Courier" charset="0"/>
-                <a:cs typeface="Courier" charset="0"/>
-              </a:rPr>
-              <a:t>    |</a:t>
-            </a:r>
-            <a:r>
-              <a:rPr lang="en-US" sz="750" b="1" dirty="0" err="1">
-                <a:latin typeface="Courier" charset="0"/>
-                <a:ea typeface="Courier" charset="0"/>
-                <a:cs typeface="Courier" charset="0"/>
-              </a:rPr>
-              <a:t>Ses</a:t>
-            </a:r>
-            <a:r>
-              <a:rPr lang="en-US" sz="750" b="1" dirty="0">
-                <a:latin typeface="Courier" charset="0"/>
-                <a:ea typeface="Courier" charset="0"/>
-                <a:cs typeface="Courier" charset="0"/>
-              </a:rPr>
-              <a:t>-Sender TTL |                  MBZ2                         |</a:t>
-            </a:r>
-          </a:p>
-          <a:p>
-            <a:pPr>
-              <a:spcAft>
-                <a:spcPts val="0"/>
-              </a:spcAft>
-            </a:pPr>
-            <a:r>
-              <a:rPr lang="en-US" sz="750" b="1" dirty="0">
-                <a:latin typeface="Courier" charset="0"/>
-                <a:ea typeface="Courier" charset="0"/>
-                <a:cs typeface="Courier" charset="0"/>
-              </a:rPr>
-              <a:t>    +-+-+-+-+-+-+-+-+-+-+-+-+-+-+-+-+-+-+-+-+-+-+-+-+-+-+-+-+-+-+-+-+</a:t>
-            </a:r>
-          </a:p>
-          <a:p>
-            <a:pPr>
-              <a:spcAft>
-                <a:spcPts val="0"/>
-              </a:spcAft>
-            </a:pPr>
-            <a:r>
-              <a:rPr lang="en-US" sz="750" b="1" dirty="0">
-                <a:solidFill>
-                  <a:srgbClr val="0070C0"/>
-                </a:solidFill>
-                <a:latin typeface="Courier" charset="0"/>
-                <a:ea typeface="Courier" charset="0"/>
-                <a:cs typeface="Courier" charset="0"/>
-              </a:rPr>
-              <a:t>    |    Control Code Type          |           Length              |</a:t>
-            </a:r>
-          </a:p>
-          <a:p>
-            <a:pPr>
-              <a:spcAft>
-                <a:spcPts val="0"/>
-              </a:spcAft>
-            </a:pPr>
-            <a:r>
-              <a:rPr lang="en-US" sz="750" b="1" dirty="0">
-                <a:solidFill>
-                  <a:srgbClr val="0070C0"/>
-                </a:solidFill>
-                <a:latin typeface="Courier" charset="0"/>
-                <a:ea typeface="Courier" charset="0"/>
-                <a:cs typeface="Courier" charset="0"/>
-              </a:rPr>
-              <a:t>    +-+-+-+-+-+-+-+-+-+-+-+-+-+-+-+-+-+-+-+-+-+-+-+-+-+-+-+-+-+-+-+-+</a:t>
-            </a:r>
-          </a:p>
-          <a:p>
-            <a:pPr>
-              <a:spcAft>
-                <a:spcPts val="0"/>
-              </a:spcAft>
-            </a:pPr>
-            <a:r>
-              <a:rPr lang="en-US" sz="750" b="1" dirty="0">
-                <a:solidFill>
-                  <a:srgbClr val="0070C0"/>
-                </a:solidFill>
-                <a:latin typeface="Courier" charset="0"/>
-                <a:ea typeface="Courier" charset="0"/>
-                <a:cs typeface="Courier" charset="0"/>
-              </a:rPr>
-              <a:t>    |             Control Code                                      |</a:t>
-            </a:r>
-          </a:p>
-          <a:p>
-            <a:pPr>
-              <a:spcAft>
-                <a:spcPts val="0"/>
-              </a:spcAft>
-            </a:pPr>
-            <a:r>
-              <a:rPr lang="en-US" sz="750" b="1" dirty="0">
-                <a:solidFill>
-                  <a:srgbClr val="0070C0"/>
-                </a:solidFill>
-                <a:latin typeface="Courier" charset="0"/>
-                <a:ea typeface="Courier" charset="0"/>
-                <a:cs typeface="Courier" charset="0"/>
-              </a:rPr>
-              <a:t>    +-+-+-+-+-+-+-+-+-+-+-+-+-+-+-+-+-+-+-+-+-+-+-+-+-+-+-+-+-+-+-+-+	    </a:t>
-            </a:r>
-          </a:p>
-          <a:p>
-            <a:pPr>
-              <a:spcAft>
-                <a:spcPts val="0"/>
-              </a:spcAft>
-            </a:pPr>
-            <a:r>
-              <a:rPr lang="en-US" sz="750" b="1" dirty="0">
-                <a:latin typeface="Courier" charset="0"/>
-                <a:ea typeface="Courier" charset="0"/>
-                <a:cs typeface="Courier" charset="0"/>
-              </a:rPr>
-              <a:t>                 Figure: Reflector Message Format in STAMP</a:t>
-            </a:r>
-          </a:p>
-        </p:txBody>
-      </p:sp>
-      <p:sp>
-        <p:nvSpPr>
-          <p:cNvPr id="6" name="Footer Placeholder 3">
-            <a:extLst>
-              <a:ext uri="{FF2B5EF4-FFF2-40B4-BE49-F238E27FC236}">
-                <a16:creationId xmlns:a16="http://schemas.microsoft.com/office/drawing/2014/main" id="{DAAC01B7-F9FF-A94D-AC6F-E2071AD95C28}"/>
-              </a:ext>
-            </a:extLst>
-          </p:cNvPr>
-          <p:cNvSpPr txBox="1">
-            <a:spLocks/>
-          </p:cNvSpPr>
-          <p:nvPr/>
-        </p:nvSpPr>
-        <p:spPr>
-          <a:xfrm>
-            <a:off x="3467100" y="4844952"/>
-            <a:ext cx="2209800" cy="357188"/>
-          </a:xfrm>
-          <a:prstGeom prst="rect">
-            <a:avLst/>
-          </a:prstGeom>
-        </p:spPr>
-        <p:txBody>
-          <a:bodyPr/>
-          <a:lstStyle>
-            <a:defPPr>
-              <a:defRPr lang="zh-CN"/>
-            </a:defPPr>
-            <a:lvl1pPr algn="l" rtl="0" fontAlgn="base">
-              <a:spcBef>
-                <a:spcPct val="0"/>
-              </a:spcBef>
-              <a:spcAft>
-                <a:spcPct val="0"/>
-              </a:spcAft>
-              <a:defRPr kern="1200">
-                <a:solidFill>
-                  <a:schemeClr val="tx1"/>
-                </a:solidFill>
-                <a:latin typeface="Arial" charset="0"/>
-                <a:ea typeface="宋体" pitchFamily="2" charset="-122"/>
-                <a:cs typeface="+mn-cs"/>
-              </a:defRPr>
-            </a:lvl1pPr>
-            <a:lvl2pPr marL="457200" algn="l" rtl="0" fontAlgn="base">
-              <a:spcBef>
-                <a:spcPct val="0"/>
-              </a:spcBef>
-              <a:spcAft>
-                <a:spcPct val="0"/>
-              </a:spcAft>
-              <a:defRPr kern="1200">
-                <a:solidFill>
-                  <a:schemeClr val="tx1"/>
-                </a:solidFill>
-                <a:latin typeface="Arial" charset="0"/>
-                <a:ea typeface="宋体" pitchFamily="2" charset="-122"/>
-                <a:cs typeface="+mn-cs"/>
-              </a:defRPr>
-            </a:lvl2pPr>
-            <a:lvl3pPr marL="914400" algn="l" rtl="0" fontAlgn="base">
-              <a:spcBef>
-                <a:spcPct val="0"/>
-              </a:spcBef>
-              <a:spcAft>
-                <a:spcPct val="0"/>
-              </a:spcAft>
-              <a:defRPr kern="1200">
-                <a:solidFill>
-                  <a:schemeClr val="tx1"/>
-                </a:solidFill>
-                <a:latin typeface="Arial" charset="0"/>
-                <a:ea typeface="宋体" pitchFamily="2" charset="-122"/>
-                <a:cs typeface="+mn-cs"/>
-              </a:defRPr>
-            </a:lvl3pPr>
-            <a:lvl4pPr marL="1371600" algn="l" rtl="0" fontAlgn="base">
-              <a:spcBef>
-                <a:spcPct val="0"/>
-              </a:spcBef>
-              <a:spcAft>
-                <a:spcPct val="0"/>
-              </a:spcAft>
-              <a:defRPr kern="1200">
-                <a:solidFill>
-                  <a:schemeClr val="tx1"/>
-                </a:solidFill>
-                <a:latin typeface="Arial" charset="0"/>
-                <a:ea typeface="宋体" pitchFamily="2" charset="-122"/>
-                <a:cs typeface="+mn-cs"/>
-              </a:defRPr>
-            </a:lvl4pPr>
-            <a:lvl5pPr marL="1828800" algn="l" rtl="0" fontAlgn="base">
-              <a:spcBef>
-                <a:spcPct val="0"/>
-              </a:spcBef>
-              <a:spcAft>
-                <a:spcPct val="0"/>
-              </a:spcAft>
-              <a:defRPr kern="1200">
-                <a:solidFill>
-                  <a:schemeClr val="tx1"/>
-                </a:solidFill>
-                <a:latin typeface="Arial" charset="0"/>
-                <a:ea typeface="宋体" pitchFamily="2" charset="-122"/>
-                <a:cs typeface="+mn-cs"/>
-              </a:defRPr>
-            </a:lvl5pPr>
-            <a:lvl6pPr marL="2286000" algn="l" defTabSz="914400" rtl="0" eaLnBrk="1" latinLnBrk="0" hangingPunct="1">
-              <a:defRPr kern="1200">
-                <a:solidFill>
-                  <a:schemeClr val="tx1"/>
-                </a:solidFill>
-                <a:latin typeface="Arial" charset="0"/>
-                <a:ea typeface="宋体" pitchFamily="2" charset="-122"/>
-                <a:cs typeface="+mn-cs"/>
-              </a:defRPr>
-            </a:lvl6pPr>
-            <a:lvl7pPr marL="2743200" algn="l" defTabSz="914400" rtl="0" eaLnBrk="1" latinLnBrk="0" hangingPunct="1">
-              <a:defRPr kern="1200">
-                <a:solidFill>
-                  <a:schemeClr val="tx1"/>
-                </a:solidFill>
-                <a:latin typeface="Arial" charset="0"/>
-                <a:ea typeface="宋体" pitchFamily="2" charset="-122"/>
-                <a:cs typeface="+mn-cs"/>
-              </a:defRPr>
-            </a:lvl7pPr>
-            <a:lvl8pPr marL="3200400" algn="l" defTabSz="914400" rtl="0" eaLnBrk="1" latinLnBrk="0" hangingPunct="1">
-              <a:defRPr kern="1200">
-                <a:solidFill>
-                  <a:schemeClr val="tx1"/>
-                </a:solidFill>
-                <a:latin typeface="Arial" charset="0"/>
-                <a:ea typeface="宋体" pitchFamily="2" charset="-122"/>
-                <a:cs typeface="+mn-cs"/>
-              </a:defRPr>
-            </a:lvl8pPr>
-            <a:lvl9pPr marL="3657600" algn="l" defTabSz="914400" rtl="0" eaLnBrk="1" latinLnBrk="0" hangingPunct="1">
-              <a:defRPr kern="1200">
-                <a:solidFill>
-                  <a:schemeClr val="tx1"/>
-                </a:solidFill>
-                <a:latin typeface="Arial" charset="0"/>
-                <a:ea typeface="宋体" pitchFamily="2" charset="-122"/>
-                <a:cs typeface="+mn-cs"/>
-              </a:defRPr>
-            </a:lvl9pPr>
-          </a:lstStyle>
-          <a:p>
-            <a:pPr>
-              <a:defRPr/>
-            </a:pPr>
-            <a:r>
-              <a:rPr lang="en-US" altLang="zh-CN" sz="1200" dirty="0"/>
-              <a:t>107</a:t>
-            </a:r>
-            <a:r>
-              <a:rPr lang="en-US" altLang="zh-CN" sz="1200" baseline="30000" dirty="0"/>
-              <a:t>th</a:t>
-            </a:r>
-            <a:r>
-              <a:rPr lang="en-US" altLang="zh-CN" sz="1200" dirty="0"/>
-              <a:t> IETF @ Vancouver</a:t>
-            </a:r>
-          </a:p>
-        </p:txBody>
-      </p:sp>
-      <p:sp>
-        <p:nvSpPr>
-          <p:cNvPr id="7" name="Slide Number Placeholder 2">
-            <a:extLst>
-              <a:ext uri="{FF2B5EF4-FFF2-40B4-BE49-F238E27FC236}">
-                <a16:creationId xmlns:a16="http://schemas.microsoft.com/office/drawing/2014/main" id="{8D46899F-25E7-8042-9E81-459B5F041477}"/>
-              </a:ext>
-            </a:extLst>
-          </p:cNvPr>
-          <p:cNvSpPr txBox="1">
-            <a:spLocks/>
-          </p:cNvSpPr>
-          <p:nvPr/>
-        </p:nvSpPr>
-        <p:spPr>
-          <a:xfrm>
-            <a:off x="7585136" y="4666358"/>
-            <a:ext cx="1143000" cy="357188"/>
-          </a:xfrm>
-          <a:prstGeom prst="rect">
-            <a:avLst/>
-          </a:prstGeom>
-        </p:spPr>
-        <p:txBody>
-          <a:bodyPr/>
-          <a:lstStyle>
-            <a:defPPr>
-              <a:defRPr lang="zh-CN"/>
-            </a:defPPr>
-            <a:lvl1pPr algn="l" rtl="0" fontAlgn="base">
-              <a:spcBef>
-                <a:spcPct val="0"/>
-              </a:spcBef>
-              <a:spcAft>
-                <a:spcPct val="0"/>
-              </a:spcAft>
-              <a:defRPr kern="1200">
-                <a:solidFill>
-                  <a:schemeClr val="tx1"/>
-                </a:solidFill>
-                <a:latin typeface="Arial" charset="0"/>
-                <a:ea typeface="宋体" pitchFamily="2" charset="-122"/>
-                <a:cs typeface="+mn-cs"/>
-              </a:defRPr>
-            </a:lvl1pPr>
-            <a:lvl2pPr marL="457200" algn="l" rtl="0" fontAlgn="base">
-              <a:spcBef>
-                <a:spcPct val="0"/>
-              </a:spcBef>
-              <a:spcAft>
-                <a:spcPct val="0"/>
-              </a:spcAft>
-              <a:defRPr kern="1200">
-                <a:solidFill>
-                  <a:schemeClr val="tx1"/>
-                </a:solidFill>
-                <a:latin typeface="Arial" charset="0"/>
-                <a:ea typeface="宋体" pitchFamily="2" charset="-122"/>
-                <a:cs typeface="+mn-cs"/>
-              </a:defRPr>
-            </a:lvl2pPr>
-            <a:lvl3pPr marL="914400" algn="l" rtl="0" fontAlgn="base">
-              <a:spcBef>
-                <a:spcPct val="0"/>
-              </a:spcBef>
-              <a:spcAft>
-                <a:spcPct val="0"/>
-              </a:spcAft>
-              <a:defRPr kern="1200">
-                <a:solidFill>
-                  <a:schemeClr val="tx1"/>
-                </a:solidFill>
-                <a:latin typeface="Arial" charset="0"/>
-                <a:ea typeface="宋体" pitchFamily="2" charset="-122"/>
-                <a:cs typeface="+mn-cs"/>
-              </a:defRPr>
-            </a:lvl3pPr>
-            <a:lvl4pPr marL="1371600" algn="l" rtl="0" fontAlgn="base">
-              <a:spcBef>
-                <a:spcPct val="0"/>
-              </a:spcBef>
-              <a:spcAft>
-                <a:spcPct val="0"/>
-              </a:spcAft>
-              <a:defRPr kern="1200">
-                <a:solidFill>
-                  <a:schemeClr val="tx1"/>
-                </a:solidFill>
-                <a:latin typeface="Arial" charset="0"/>
-                <a:ea typeface="宋体" pitchFamily="2" charset="-122"/>
-                <a:cs typeface="+mn-cs"/>
-              </a:defRPr>
-            </a:lvl4pPr>
-            <a:lvl5pPr marL="1828800" algn="l" rtl="0" fontAlgn="base">
-              <a:spcBef>
-                <a:spcPct val="0"/>
-              </a:spcBef>
-              <a:spcAft>
-                <a:spcPct val="0"/>
-              </a:spcAft>
-              <a:defRPr kern="1200">
-                <a:solidFill>
-                  <a:schemeClr val="tx1"/>
-                </a:solidFill>
-                <a:latin typeface="Arial" charset="0"/>
-                <a:ea typeface="宋体" pitchFamily="2" charset="-122"/>
-                <a:cs typeface="+mn-cs"/>
-              </a:defRPr>
-            </a:lvl5pPr>
-            <a:lvl6pPr marL="2286000" algn="l" defTabSz="914400" rtl="0" eaLnBrk="1" latinLnBrk="0" hangingPunct="1">
-              <a:defRPr kern="1200">
-                <a:solidFill>
-                  <a:schemeClr val="tx1"/>
-                </a:solidFill>
-                <a:latin typeface="Arial" charset="0"/>
-                <a:ea typeface="宋体" pitchFamily="2" charset="-122"/>
-                <a:cs typeface="+mn-cs"/>
-              </a:defRPr>
-            </a:lvl6pPr>
-            <a:lvl7pPr marL="2743200" algn="l" defTabSz="914400" rtl="0" eaLnBrk="1" latinLnBrk="0" hangingPunct="1">
-              <a:defRPr kern="1200">
-                <a:solidFill>
-                  <a:schemeClr val="tx1"/>
-                </a:solidFill>
-                <a:latin typeface="Arial" charset="0"/>
-                <a:ea typeface="宋体" pitchFamily="2" charset="-122"/>
-                <a:cs typeface="+mn-cs"/>
-              </a:defRPr>
-            </a:lvl7pPr>
-            <a:lvl8pPr marL="3200400" algn="l" defTabSz="914400" rtl="0" eaLnBrk="1" latinLnBrk="0" hangingPunct="1">
-              <a:defRPr kern="1200">
-                <a:solidFill>
-                  <a:schemeClr val="tx1"/>
-                </a:solidFill>
-                <a:latin typeface="Arial" charset="0"/>
-                <a:ea typeface="宋体" pitchFamily="2" charset="-122"/>
-                <a:cs typeface="+mn-cs"/>
-              </a:defRPr>
-            </a:lvl8pPr>
-            <a:lvl9pPr marL="3657600" algn="l" defTabSz="914400" rtl="0" eaLnBrk="1" latinLnBrk="0" hangingPunct="1">
-              <a:defRPr kern="1200">
-                <a:solidFill>
-                  <a:schemeClr val="tx1"/>
-                </a:solidFill>
-                <a:latin typeface="Arial" charset="0"/>
-                <a:ea typeface="宋体" pitchFamily="2" charset="-122"/>
-                <a:cs typeface="+mn-cs"/>
-              </a:defRPr>
-            </a:lvl9pPr>
-          </a:lstStyle>
-          <a:p>
-            <a:pPr algn="r">
-              <a:defRPr/>
-            </a:pPr>
-            <a:fld id="{D5EE1D1A-EEC2-4D53-94A7-85D62C853479}" type="slidenum">
-              <a:rPr lang="en-US" altLang="zh-CN" sz="1400" smtClean="0">
-                <a:latin typeface="Calibri" panose="020F0502020204030204" pitchFamily="34" charset="0"/>
-                <a:cs typeface="Calibri" panose="020F0502020204030204" pitchFamily="34" charset="0"/>
-              </a:rPr>
-              <a:pPr algn="r">
-                <a:defRPr/>
-              </a:pPr>
-              <a:t>25</a:t>
-            </a:fld>
-            <a:endParaRPr lang="en-US" altLang="zh-CN" sz="1400" dirty="0">
-              <a:latin typeface="Calibri" panose="020F0502020204030204" pitchFamily="34" charset="0"/>
-              <a:cs typeface="Calibri" panose="020F0502020204030204" pitchFamily="34" charset="0"/>
-            </a:endParaRPr>
-          </a:p>
-        </p:txBody>
-      </p:sp>
-      <p:cxnSp>
-        <p:nvCxnSpPr>
-          <p:cNvPr id="4" name="Straight Connector 3">
-            <a:extLst>
-              <a:ext uri="{FF2B5EF4-FFF2-40B4-BE49-F238E27FC236}">
-                <a16:creationId xmlns:a16="http://schemas.microsoft.com/office/drawing/2014/main" id="{0B9B10AD-8D48-D148-91E8-65E3279D89CE}"/>
-              </a:ext>
-            </a:extLst>
-          </p:cNvPr>
-          <p:cNvCxnSpPr>
-            <a:cxnSpLocks/>
-          </p:cNvCxnSpPr>
-          <p:nvPr/>
-        </p:nvCxnSpPr>
-        <p:spPr>
-          <a:xfrm>
-            <a:off x="4595191" y="619363"/>
-            <a:ext cx="0" cy="3323987"/>
-          </a:xfrm>
-          <a:prstGeom prst="line">
-            <a:avLst/>
-          </a:prstGeom>
-          <a:ln>
-            <a:solidFill>
-              <a:schemeClr val="tx2"/>
-            </a:solidFill>
-          </a:ln>
-        </p:spPr>
-        <p:style>
-          <a:lnRef idx="1">
-            <a:schemeClr val="accent1"/>
-          </a:lnRef>
-          <a:fillRef idx="0">
-            <a:schemeClr val="accent1"/>
-          </a:fillRef>
-          <a:effectRef idx="0">
-            <a:schemeClr val="accent1"/>
-          </a:effectRef>
-          <a:fontRef idx="minor">
-            <a:schemeClr val="tx1"/>
-          </a:fontRef>
-        </p:style>
-      </p:cxnSp>
-      <p:sp>
-        <p:nvSpPr>
-          <p:cNvPr id="8" name="TextBox 7">
-            <a:extLst>
-              <a:ext uri="{FF2B5EF4-FFF2-40B4-BE49-F238E27FC236}">
-                <a16:creationId xmlns:a16="http://schemas.microsoft.com/office/drawing/2014/main" id="{37CBC2EA-1BDB-8446-B97D-65F09F083354}"/>
-              </a:ext>
-            </a:extLst>
-          </p:cNvPr>
-          <p:cNvSpPr txBox="1"/>
-          <p:nvPr/>
-        </p:nvSpPr>
-        <p:spPr>
-          <a:xfrm>
-            <a:off x="225302" y="4016884"/>
-            <a:ext cx="7020323" cy="769441"/>
-          </a:xfrm>
-          <a:prstGeom prst="rect">
-            <a:avLst/>
-          </a:prstGeom>
-          <a:noFill/>
-        </p:spPr>
-        <p:txBody>
-          <a:bodyPr wrap="square" rtlCol="0">
-            <a:spAutoFit/>
-          </a:bodyPr>
-          <a:lstStyle/>
-          <a:p>
-            <a:pPr marL="285750" indent="-285750">
-              <a:buFont typeface="Wingdings" pitchFamily="2" charset="2"/>
-              <a:buChar char="ü"/>
-            </a:pPr>
-            <a:r>
-              <a:rPr lang="en-US" sz="1100" dirty="0">
-                <a:solidFill>
-                  <a:schemeClr val="tx2"/>
-                </a:solidFill>
-              </a:rPr>
-              <a:t>Control Code NOT compatible with TWAMP Light message format</a:t>
-            </a:r>
-          </a:p>
-          <a:p>
-            <a:pPr marL="285750" indent="-285750">
-              <a:buFont typeface="Wingdings" pitchFamily="2" charset="2"/>
-              <a:buChar char="ü"/>
-            </a:pPr>
-            <a:r>
-              <a:rPr lang="en-US" sz="1100" dirty="0">
-                <a:solidFill>
-                  <a:schemeClr val="tx2"/>
-                </a:solidFill>
-              </a:rPr>
-              <a:t>Session ID has only 16-bits</a:t>
-            </a:r>
-          </a:p>
-          <a:p>
-            <a:pPr marL="285750" indent="-285750">
-              <a:buFont typeface="Wingdings" pitchFamily="2" charset="2"/>
-              <a:buChar char="ü"/>
-            </a:pPr>
-            <a:r>
-              <a:rPr lang="en-US" sz="1100" dirty="0">
-                <a:solidFill>
-                  <a:schemeClr val="tx2"/>
-                </a:solidFill>
-              </a:rPr>
-              <a:t>Message formats for TWAMP Light and STAMP diverge – TWAMP Light also needs Control Code</a:t>
-            </a:r>
-          </a:p>
-          <a:p>
-            <a:pPr marL="285750" indent="-285750">
-              <a:buFont typeface="Wingdings" pitchFamily="2" charset="2"/>
-              <a:buChar char="ü"/>
-            </a:pPr>
-            <a:r>
-              <a:rPr lang="en-US" sz="1100" dirty="0">
-                <a:solidFill>
-                  <a:schemeClr val="tx2"/>
-                </a:solidFill>
-              </a:rPr>
-              <a:t>This option is least favorable</a:t>
-            </a:r>
-          </a:p>
-        </p:txBody>
-      </p:sp>
-    </p:spTree>
-    <p:extLst>
-      <p:ext uri="{BB962C8B-B14F-4D97-AF65-F5344CB8AC3E}">
-        <p14:creationId xmlns:p14="http://schemas.microsoft.com/office/powerpoint/2010/main" val="1172922104"/>
-      </p:ext>
-    </p:extLst>
-  </p:cSld>
-  <p:clrMapOvr>
-    <a:masterClrMapping/>
-  </p:clrMapOvr>
-  <p:transition spd="med">
-    <p:fade/>
-  </p:transition>
-</p:sld>
-</file>
-
-<file path=ppt/slides/slide26.xml><?xml version="1.0" encoding="utf-8"?>
-<p:sld xmlns:a="http://schemas.openxmlformats.org/drawingml/2006/main" xmlns:r="http://schemas.openxmlformats.org/officeDocument/2006/relationships" xmlns:p="http://schemas.openxmlformats.org/presentationml/2006/main">
-  <p:cSld>
-    <p:spTree>
-      <p:nvGrpSpPr>
-        <p:cNvPr id="1" name=""/>
-        <p:cNvGrpSpPr/>
-        <p:nvPr/>
-      </p:nvGrpSpPr>
-      <p:grpSpPr>
-        <a:xfrm>
-          <a:off x="0" y="0"/>
-          <a:ext cx="0" cy="0"/>
-          <a:chOff x="0" y="0"/>
-          <a:chExt cx="0" cy="0"/>
-        </a:xfrm>
-      </p:grpSpPr>
-      <p:sp>
-        <p:nvSpPr>
-          <p:cNvPr id="4" name="Footer Placeholder 3"/>
-          <p:cNvSpPr>
-            <a:spLocks noGrp="1"/>
-          </p:cNvSpPr>
-          <p:nvPr>
-            <p:ph type="ftr" sz="quarter" idx="11"/>
-          </p:nvPr>
-        </p:nvSpPr>
-        <p:spPr>
-          <a:xfrm>
-            <a:off x="3048000" y="4786312"/>
-            <a:ext cx="2895600" cy="357188"/>
-          </a:xfrm>
-        </p:spPr>
-        <p:txBody>
-          <a:bodyPr/>
-          <a:lstStyle/>
-          <a:p>
-            <a:pPr>
-              <a:defRPr/>
-            </a:pPr>
-            <a:r>
-              <a:rPr lang="en-US" altLang="zh-CN" dirty="0"/>
-              <a:t>107</a:t>
-            </a:r>
-            <a:r>
-              <a:rPr lang="en-US" altLang="zh-CN" baseline="30000" dirty="0"/>
-              <a:t>th</a:t>
-            </a:r>
-            <a:r>
-              <a:rPr lang="en-US" altLang="zh-CN" dirty="0"/>
-              <a:t> IETF @ Vancouver</a:t>
-            </a:r>
-          </a:p>
-        </p:txBody>
-      </p:sp>
-      <p:sp>
-        <p:nvSpPr>
-          <p:cNvPr id="5" name="Rectangle 2"/>
-          <p:cNvSpPr txBox="1">
-            <a:spLocks noChangeArrowheads="1"/>
-          </p:cNvSpPr>
-          <p:nvPr/>
-        </p:nvSpPr>
-        <p:spPr bwMode="auto">
-          <a:xfrm>
-            <a:off x="685800" y="1657350"/>
-            <a:ext cx="7772400" cy="1102519"/>
-          </a:xfrm>
-          <a:prstGeom prst="rect">
-            <a:avLst/>
-          </a:prstGeom>
-          <a:noFill/>
-          <a:ln w="9525">
-            <a:noFill/>
-            <a:miter lim="800000"/>
-            <a:headEnd/>
-            <a:tailEnd/>
-          </a:ln>
-          <a:effectLst/>
-        </p:spPr>
-        <p:txBody>
-          <a:bodyPr vert="horz" wrap="square" lIns="91440" tIns="45720" rIns="91440" bIns="45720" numCol="1" anchor="ctr" anchorCtr="0" compatLnSpc="1">
-            <a:prstTxWarp prst="textNoShape">
-              <a:avLst/>
-            </a:prstTxWarp>
-          </a:bodyPr>
-          <a:lstStyle>
-            <a:lvl1pPr algn="ctr" rtl="0" eaLnBrk="0" fontAlgn="base" hangingPunct="0">
-              <a:spcBef>
-                <a:spcPct val="0"/>
-              </a:spcBef>
-              <a:spcAft>
-                <a:spcPct val="0"/>
-              </a:spcAft>
-              <a:defRPr sz="4400">
-                <a:solidFill>
-                  <a:schemeClr val="tx2"/>
-                </a:solidFill>
-                <a:latin typeface="+mj-lt"/>
-                <a:ea typeface="+mj-ea"/>
-                <a:cs typeface="+mj-cs"/>
-              </a:defRPr>
-            </a:lvl1pPr>
-            <a:lvl2pPr algn="ctr" rtl="0" eaLnBrk="0" fontAlgn="base" hangingPunct="0">
-              <a:spcBef>
-                <a:spcPct val="0"/>
-              </a:spcBef>
-              <a:spcAft>
-                <a:spcPct val="0"/>
-              </a:spcAft>
-              <a:defRPr sz="4400">
-                <a:solidFill>
-                  <a:schemeClr val="tx2"/>
-                </a:solidFill>
-                <a:latin typeface="Arial" charset="0"/>
-                <a:ea typeface="宋体" pitchFamily="2" charset="-122"/>
-              </a:defRPr>
-            </a:lvl2pPr>
-            <a:lvl3pPr algn="ctr" rtl="0" eaLnBrk="0" fontAlgn="base" hangingPunct="0">
-              <a:spcBef>
-                <a:spcPct val="0"/>
-              </a:spcBef>
-              <a:spcAft>
-                <a:spcPct val="0"/>
-              </a:spcAft>
-              <a:defRPr sz="4400">
-                <a:solidFill>
-                  <a:schemeClr val="tx2"/>
-                </a:solidFill>
-                <a:latin typeface="Arial" charset="0"/>
-                <a:ea typeface="宋体" pitchFamily="2" charset="-122"/>
-              </a:defRPr>
-            </a:lvl3pPr>
-            <a:lvl4pPr algn="ctr" rtl="0" eaLnBrk="0" fontAlgn="base" hangingPunct="0">
-              <a:spcBef>
-                <a:spcPct val="0"/>
-              </a:spcBef>
-              <a:spcAft>
-                <a:spcPct val="0"/>
-              </a:spcAft>
-              <a:defRPr sz="4400">
-                <a:solidFill>
-                  <a:schemeClr val="tx2"/>
-                </a:solidFill>
-                <a:latin typeface="Arial" charset="0"/>
-                <a:ea typeface="宋体" pitchFamily="2" charset="-122"/>
-              </a:defRPr>
-            </a:lvl4pPr>
-            <a:lvl5pPr algn="ctr" rtl="0" eaLnBrk="0" fontAlgn="base" hangingPunct="0">
-              <a:spcBef>
-                <a:spcPct val="0"/>
-              </a:spcBef>
-              <a:spcAft>
-                <a:spcPct val="0"/>
-              </a:spcAft>
-              <a:defRPr sz="4400">
-                <a:solidFill>
-                  <a:schemeClr val="tx2"/>
-                </a:solidFill>
-                <a:latin typeface="Arial" charset="0"/>
-                <a:ea typeface="宋体" pitchFamily="2" charset="-122"/>
-              </a:defRPr>
-            </a:lvl5pPr>
-            <a:lvl6pPr marL="457200" algn="ctr" rtl="0" fontAlgn="base">
-              <a:spcBef>
-                <a:spcPct val="0"/>
-              </a:spcBef>
-              <a:spcAft>
-                <a:spcPct val="0"/>
-              </a:spcAft>
-              <a:defRPr sz="4400">
-                <a:solidFill>
-                  <a:schemeClr val="tx2"/>
-                </a:solidFill>
-                <a:latin typeface="Arial" charset="0"/>
-                <a:ea typeface="宋体" pitchFamily="2" charset="-122"/>
-              </a:defRPr>
-            </a:lvl6pPr>
-            <a:lvl7pPr marL="914400" algn="ctr" rtl="0" fontAlgn="base">
-              <a:spcBef>
-                <a:spcPct val="0"/>
-              </a:spcBef>
-              <a:spcAft>
-                <a:spcPct val="0"/>
-              </a:spcAft>
-              <a:defRPr sz="4400">
-                <a:solidFill>
-                  <a:schemeClr val="tx2"/>
-                </a:solidFill>
-                <a:latin typeface="Arial" charset="0"/>
-                <a:ea typeface="宋体" pitchFamily="2" charset="-122"/>
-              </a:defRPr>
-            </a:lvl7pPr>
-            <a:lvl8pPr marL="1371600" algn="ctr" rtl="0" fontAlgn="base">
-              <a:spcBef>
-                <a:spcPct val="0"/>
-              </a:spcBef>
-              <a:spcAft>
-                <a:spcPct val="0"/>
-              </a:spcAft>
-              <a:defRPr sz="4400">
-                <a:solidFill>
-                  <a:schemeClr val="tx2"/>
-                </a:solidFill>
-                <a:latin typeface="Arial" charset="0"/>
-                <a:ea typeface="宋体" pitchFamily="2" charset="-122"/>
-              </a:defRPr>
-            </a:lvl8pPr>
-            <a:lvl9pPr marL="1828800" algn="ctr" rtl="0" fontAlgn="base">
-              <a:spcBef>
-                <a:spcPct val="0"/>
-              </a:spcBef>
-              <a:spcAft>
-                <a:spcPct val="0"/>
-              </a:spcAft>
-              <a:defRPr sz="4400">
-                <a:solidFill>
-                  <a:schemeClr val="tx2"/>
-                </a:solidFill>
-                <a:latin typeface="Arial" charset="0"/>
-                <a:ea typeface="宋体" pitchFamily="2" charset="-122"/>
-              </a:defRPr>
-            </a:lvl9pPr>
-          </a:lstStyle>
-          <a:p>
-            <a:pPr eaLnBrk="1" hangingPunct="1">
-              <a:defRPr/>
-            </a:pPr>
-            <a:r>
-              <a:rPr lang="en-US" altLang="zh-CN" sz="4000" kern="0" dirty="0">
-                <a:effectLst>
-                  <a:outerShdw blurRad="38100" dist="38100" dir="2700000" algn="tl">
-                    <a:srgbClr val="C0C0C0"/>
-                  </a:outerShdw>
-                </a:effectLst>
-                <a:latin typeface="Calibri" charset="0"/>
-                <a:ea typeface="Calibri" charset="0"/>
-                <a:cs typeface="Calibri" charset="0"/>
-              </a:rPr>
-              <a:t>Thank you</a:t>
-            </a:r>
-          </a:p>
-        </p:txBody>
-      </p:sp>
-      <p:sp>
-        <p:nvSpPr>
-          <p:cNvPr id="2" name="Slide Number Placeholder 1"/>
-          <p:cNvSpPr>
-            <a:spLocks noGrp="1"/>
-          </p:cNvSpPr>
-          <p:nvPr>
-            <p:ph type="sldNum" sz="quarter" idx="12"/>
-          </p:nvPr>
-        </p:nvSpPr>
-        <p:spPr/>
-        <p:txBody>
-          <a:bodyPr/>
-          <a:lstStyle/>
-          <a:p>
-            <a:pPr>
-              <a:defRPr/>
-            </a:pPr>
-            <a:fld id="{BD6E0F59-1DD8-40FC-9C92-B6295CBA6CCA}" type="slidenum">
-              <a:rPr lang="en-US" altLang="zh-CN" smtClean="0"/>
-              <a:pPr>
-                <a:defRPr/>
-              </a:pPr>
-              <a:t>26</a:t>
-            </a:fld>
-            <a:endParaRPr lang="en-US" altLang="zh-CN" dirty="0"/>
-          </a:p>
-        </p:txBody>
-      </p:sp>
-    </p:spTree>
-    <p:extLst>
-      <p:ext uri="{BB962C8B-B14F-4D97-AF65-F5344CB8AC3E}">
-        <p14:creationId xmlns:p14="http://schemas.microsoft.com/office/powerpoint/2010/main" val="487469376"/>
-      </p:ext>
-    </p:extLst>
-  </p:cSld>
-  <p:clrMapOvr>
-    <a:masterClrMapping/>
-  </p:clrMapOvr>
-</p:sld>
-</file>
-
 <file path=ppt/slides/slide3.xml><?xml version="1.0" encoding="utf-8"?>
 <p:sld xmlns:a="http://schemas.openxmlformats.org/drawingml/2006/main" xmlns:r="http://schemas.openxmlformats.org/officeDocument/2006/relationships" xmlns:p="http://schemas.openxmlformats.org/presentationml/2006/main">
   <p:cSld>
@@ -18720,8 +12352,8 @@
         </p:nvSpPr>
         <p:spPr>
           <a:xfrm>
-            <a:off x="381000" y="857250"/>
-            <a:ext cx="8305800" cy="3619500"/>
+            <a:off x="457200" y="831574"/>
+            <a:ext cx="8229600" cy="3619500"/>
           </a:xfrm>
         </p:spPr>
         <p:txBody>
